--- a/21961992_Seminar.pptx
+++ b/21961992_Seminar.pptx
@@ -7,19 +7,20 @@
   <p:sldIdLst>
     <p:sldId id="256" r:id="rId2"/>
     <p:sldId id="257" r:id="rId3"/>
-    <p:sldId id="258" r:id="rId4"/>
-    <p:sldId id="259" r:id="rId5"/>
-    <p:sldId id="263" r:id="rId6"/>
+    <p:sldId id="259" r:id="rId4"/>
+    <p:sldId id="263" r:id="rId5"/>
+    <p:sldId id="272" r:id="rId6"/>
     <p:sldId id="261" r:id="rId7"/>
-    <p:sldId id="262" r:id="rId8"/>
-    <p:sldId id="264" r:id="rId9"/>
-    <p:sldId id="270" r:id="rId10"/>
-    <p:sldId id="265" r:id="rId11"/>
-    <p:sldId id="266" r:id="rId12"/>
-    <p:sldId id="267" r:id="rId13"/>
-    <p:sldId id="269" r:id="rId14"/>
-    <p:sldId id="268" r:id="rId15"/>
-    <p:sldId id="271" r:id="rId16"/>
+    <p:sldId id="258" r:id="rId8"/>
+    <p:sldId id="262" r:id="rId9"/>
+    <p:sldId id="264" r:id="rId10"/>
+    <p:sldId id="270" r:id="rId11"/>
+    <p:sldId id="265" r:id="rId12"/>
+    <p:sldId id="266" r:id="rId13"/>
+    <p:sldId id="267" r:id="rId14"/>
+    <p:sldId id="269" r:id="rId15"/>
+    <p:sldId id="268" r:id="rId16"/>
+    <p:sldId id="271" r:id="rId17"/>
   </p:sldIdLst>
   <p:sldSz cx="12192000" cy="6858000"/>
   <p:notesSz cx="6858000" cy="9144000"/>
@@ -118,7 +119,24 @@
       </a:defRPr>
     </a:lvl9pPr>
   </p:defaultTextStyle>
+  <p:extLst>
+    <p:ext uri="{EFAFB233-063F-42B5-8137-9DF3F51BA10A}">
+      <p15:sldGuideLst xmlns:p15="http://schemas.microsoft.com/office/powerpoint/2012/main"/>
+    </p:ext>
+  </p:extLst>
 </p:presentation>
+</file>
+
+<file path=ppt/commentAuthors.xml><?xml version="1.0" encoding="utf-8"?>
+<p:cmAuthorLst xmlns:a="http://schemas.openxmlformats.org/drawingml/2006/main" xmlns:r="http://schemas.openxmlformats.org/officeDocument/2006/relationships" xmlns:p="http://schemas.openxmlformats.org/presentationml/2006/main">
+  <p:cmAuthor id="1" name="Justin Bardwell (21961992)" initials="JB(" lastIdx="1" clrIdx="0">
+    <p:extLst>
+      <p:ext uri="{19B8F6BF-5375-455C-9EA6-DF929625EA0E}">
+        <p15:presenceInfo xmlns:p15="http://schemas.microsoft.com/office/powerpoint/2012/main" userId="Justin Bardwell (21961992)" providerId="None"/>
+      </p:ext>
+    </p:extLst>
+  </p:cmAuthor>
+</p:cmAuthorLst>
 </file>
 
 <file path=ppt/slideLayouts/slideLayout1.xml><?xml version="1.0" encoding="utf-8"?>
@@ -6769,9 +6787,10 @@
           <a:p>
             <a:pPr algn="l"/>
             <a:r>
-              <a:rPr lang="en-AU" sz="3600" dirty="0"/>
+              <a:rPr lang="en-AU" sz="3600"/>
               <a:t>Predicting Conversion from Normal Cognition to Cognitive Impairment</a:t>
             </a:r>
+            <a:endParaRPr lang="en-AU" sz="3600" dirty="0"/>
           </a:p>
         </p:txBody>
       </p:sp>
@@ -6805,41 +6824,42 @@
           <a:p>
             <a:pPr algn="l"/>
             <a:r>
-              <a:rPr lang="en-AU" sz="3400" dirty="0"/>
+              <a:rPr lang="en-AU" sz="3400"/>
               <a:t>Justin Bardwell </a:t>
             </a:r>
           </a:p>
           <a:p>
             <a:pPr algn="l"/>
-            <a:endParaRPr lang="en-AU" sz="1300" dirty="0"/>
+            <a:endParaRPr lang="en-AU" sz="1300"/>
           </a:p>
           <a:p>
             <a:pPr algn="l"/>
             <a:r>
-              <a:rPr lang="en-AU" sz="2600" dirty="0"/>
+              <a:rPr lang="en-AU" sz="2600"/>
               <a:t>Supervisors: </a:t>
             </a:r>
           </a:p>
           <a:p>
             <a:pPr lvl="1" algn="l"/>
             <a:r>
-              <a:rPr lang="en-AU" sz="2200" dirty="0"/>
+              <a:rPr lang="en-AU" sz="2200"/>
               <a:t>Ghulam Mubashar Hassan, </a:t>
             </a:r>
           </a:p>
           <a:p>
             <a:pPr lvl="1" algn="l"/>
             <a:r>
-              <a:rPr lang="en-AU" sz="2200" dirty="0"/>
+              <a:rPr lang="en-AU" sz="2200"/>
               <a:t>Farzaneh Salami, </a:t>
             </a:r>
           </a:p>
           <a:p>
             <a:pPr lvl="1" algn="l"/>
             <a:r>
-              <a:rPr lang="en-AU" sz="2200" dirty="0"/>
+              <a:rPr lang="en-AU" sz="2200"/>
               <a:t>Naveed Akhtar</a:t>
             </a:r>
+            <a:endParaRPr lang="en-AU" sz="2200" dirty="0"/>
           </a:p>
         </p:txBody>
       </p:sp>
@@ -7124,7 +7144,7 @@
           <p:cNvPr id="2" name="Title 1">
             <a:extLst>
               <a:ext uri="{FF2B5EF4-FFF2-40B4-BE49-F238E27FC236}">
-                <a16:creationId xmlns:a16="http://schemas.microsoft.com/office/drawing/2014/main" id="{B587B6B3-BA2B-4252-96F6-DD03F7174AD1}"/>
+                <a16:creationId xmlns:a16="http://schemas.microsoft.com/office/drawing/2014/main" id="{B0AF510D-1BE3-4E7A-BCD4-A3F728228BA8}"/>
               </a:ext>
             </a:extLst>
           </p:cNvPr>
@@ -7142,7 +7162,7 @@
           <a:p>
             <a:r>
               <a:rPr lang="en-AU" dirty="0"/>
-              <a:t>Model Architecture – Voxel-based</a:t>
+              <a:t>Experiments and Hypotheses</a:t>
             </a:r>
           </a:p>
         </p:txBody>
@@ -7152,7 +7172,7 @@
           <p:cNvPr id="3" name="Content Placeholder 2">
             <a:extLst>
               <a:ext uri="{FF2B5EF4-FFF2-40B4-BE49-F238E27FC236}">
-                <a16:creationId xmlns:a16="http://schemas.microsoft.com/office/drawing/2014/main" id="{036F2E9A-3576-4E39-B130-17F4F6092F1F}"/>
+                <a16:creationId xmlns:a16="http://schemas.microsoft.com/office/drawing/2014/main" id="{47E2B03F-DB1F-4B6E-BC47-AA35B4897087}"/>
               </a:ext>
             </a:extLst>
           </p:cNvPr>
@@ -7175,7 +7195,7 @@
     </p:spTree>
     <p:extLst>
       <p:ext uri="{BB962C8B-B14F-4D97-AF65-F5344CB8AC3E}">
-        <p14:creationId xmlns:p14="http://schemas.microsoft.com/office/powerpoint/2010/main" val="1315281082"/>
+        <p14:creationId xmlns:p14="http://schemas.microsoft.com/office/powerpoint/2010/main" val="2653186714"/>
       </p:ext>
     </p:extLst>
   </p:cSld>
@@ -7207,7 +7227,7 @@
           <p:cNvPr id="2" name="Title 1">
             <a:extLst>
               <a:ext uri="{FF2B5EF4-FFF2-40B4-BE49-F238E27FC236}">
-                <a16:creationId xmlns:a16="http://schemas.microsoft.com/office/drawing/2014/main" id="{D5D2B580-780A-48CC-81D3-70C97F9DA45B}"/>
+                <a16:creationId xmlns:a16="http://schemas.microsoft.com/office/drawing/2014/main" id="{B587B6B3-BA2B-4252-96F6-DD03F7174AD1}"/>
               </a:ext>
             </a:extLst>
           </p:cNvPr>
@@ -7225,7 +7245,7 @@
           <a:p>
             <a:r>
               <a:rPr lang="en-AU" dirty="0"/>
-              <a:t>Model Architecture – Patch-based</a:t>
+              <a:t>Model Architecture – Voxel-based</a:t>
             </a:r>
           </a:p>
         </p:txBody>
@@ -7235,7 +7255,7 @@
           <p:cNvPr id="3" name="Content Placeholder 2">
             <a:extLst>
               <a:ext uri="{FF2B5EF4-FFF2-40B4-BE49-F238E27FC236}">
-                <a16:creationId xmlns:a16="http://schemas.microsoft.com/office/drawing/2014/main" id="{4BD0356E-5360-46DE-A0C7-F2BDC81E199E}"/>
+                <a16:creationId xmlns:a16="http://schemas.microsoft.com/office/drawing/2014/main" id="{036F2E9A-3576-4E39-B130-17F4F6092F1F}"/>
               </a:ext>
             </a:extLst>
           </p:cNvPr>
@@ -7251,14 +7271,14 @@
           <a:bodyPr/>
           <a:lstStyle/>
           <a:p>
-            <a:endParaRPr lang="en-AU" dirty="0"/>
+            <a:endParaRPr lang="en-AU"/>
           </a:p>
         </p:txBody>
       </p:sp>
     </p:spTree>
     <p:extLst>
       <p:ext uri="{BB962C8B-B14F-4D97-AF65-F5344CB8AC3E}">
-        <p14:creationId xmlns:p14="http://schemas.microsoft.com/office/powerpoint/2010/main" val="1177064563"/>
+        <p14:creationId xmlns:p14="http://schemas.microsoft.com/office/powerpoint/2010/main" val="1315281082"/>
       </p:ext>
     </p:extLst>
   </p:cSld>
@@ -7290,7 +7310,7 @@
           <p:cNvPr id="2" name="Title 1">
             <a:extLst>
               <a:ext uri="{FF2B5EF4-FFF2-40B4-BE49-F238E27FC236}">
-                <a16:creationId xmlns:a16="http://schemas.microsoft.com/office/drawing/2014/main" id="{BB5EEDDC-F50B-4170-9348-34949B0AF814}"/>
+                <a16:creationId xmlns:a16="http://schemas.microsoft.com/office/drawing/2014/main" id="{D5D2B580-780A-48CC-81D3-70C97F9DA45B}"/>
               </a:ext>
             </a:extLst>
           </p:cNvPr>
@@ -7308,7 +7328,7 @@
           <a:p>
             <a:r>
               <a:rPr lang="en-AU" dirty="0"/>
-              <a:t>Results</a:t>
+              <a:t>Model Architecture – Patch-based</a:t>
             </a:r>
           </a:p>
         </p:txBody>
@@ -7318,7 +7338,7 @@
           <p:cNvPr id="3" name="Content Placeholder 2">
             <a:extLst>
               <a:ext uri="{FF2B5EF4-FFF2-40B4-BE49-F238E27FC236}">
-                <a16:creationId xmlns:a16="http://schemas.microsoft.com/office/drawing/2014/main" id="{9C379EE9-16A6-44D6-B9B7-3D0F40FE4D65}"/>
+                <a16:creationId xmlns:a16="http://schemas.microsoft.com/office/drawing/2014/main" id="{4BD0356E-5360-46DE-A0C7-F2BDC81E199E}"/>
               </a:ext>
             </a:extLst>
           </p:cNvPr>
@@ -7334,14 +7354,14 @@
           <a:bodyPr/>
           <a:lstStyle/>
           <a:p>
-            <a:endParaRPr lang="en-AU"/>
+            <a:endParaRPr lang="en-AU" dirty="0"/>
           </a:p>
         </p:txBody>
       </p:sp>
     </p:spTree>
     <p:extLst>
       <p:ext uri="{BB962C8B-B14F-4D97-AF65-F5344CB8AC3E}">
-        <p14:creationId xmlns:p14="http://schemas.microsoft.com/office/powerpoint/2010/main" val="903557951"/>
+        <p14:creationId xmlns:p14="http://schemas.microsoft.com/office/powerpoint/2010/main" val="1177064563"/>
       </p:ext>
     </p:extLst>
   </p:cSld>
@@ -7424,7 +7444,7 @@
     </p:spTree>
     <p:extLst>
       <p:ext uri="{BB962C8B-B14F-4D97-AF65-F5344CB8AC3E}">
-        <p14:creationId xmlns:p14="http://schemas.microsoft.com/office/powerpoint/2010/main" val="2560352350"/>
+        <p14:creationId xmlns:p14="http://schemas.microsoft.com/office/powerpoint/2010/main" val="903557951"/>
       </p:ext>
     </p:extLst>
   </p:cSld>
@@ -7456,7 +7476,7 @@
           <p:cNvPr id="2" name="Title 1">
             <a:extLst>
               <a:ext uri="{FF2B5EF4-FFF2-40B4-BE49-F238E27FC236}">
-                <a16:creationId xmlns:a16="http://schemas.microsoft.com/office/drawing/2014/main" id="{8279A51D-1BD0-4215-9C86-C11D701F6499}"/>
+                <a16:creationId xmlns:a16="http://schemas.microsoft.com/office/drawing/2014/main" id="{BB5EEDDC-F50B-4170-9348-34949B0AF814}"/>
               </a:ext>
             </a:extLst>
           </p:cNvPr>
@@ -7474,7 +7494,7 @@
           <a:p>
             <a:r>
               <a:rPr lang="en-AU" dirty="0"/>
-              <a:t>Discussion</a:t>
+              <a:t>Results</a:t>
             </a:r>
           </a:p>
         </p:txBody>
@@ -7484,7 +7504,7 @@
           <p:cNvPr id="3" name="Content Placeholder 2">
             <a:extLst>
               <a:ext uri="{FF2B5EF4-FFF2-40B4-BE49-F238E27FC236}">
-                <a16:creationId xmlns:a16="http://schemas.microsoft.com/office/drawing/2014/main" id="{26E1BDC6-0E9D-4BFF-AF67-BA8474698A37}"/>
+                <a16:creationId xmlns:a16="http://schemas.microsoft.com/office/drawing/2014/main" id="{9C379EE9-16A6-44D6-B9B7-3D0F40FE4D65}"/>
               </a:ext>
             </a:extLst>
           </p:cNvPr>
@@ -7507,7 +7527,7 @@
     </p:spTree>
     <p:extLst>
       <p:ext uri="{BB962C8B-B14F-4D97-AF65-F5344CB8AC3E}">
-        <p14:creationId xmlns:p14="http://schemas.microsoft.com/office/powerpoint/2010/main" val="1960451994"/>
+        <p14:creationId xmlns:p14="http://schemas.microsoft.com/office/powerpoint/2010/main" val="2560352350"/>
       </p:ext>
     </p:extLst>
   </p:cSld>
@@ -7539,6 +7559,89 @@
           <p:cNvPr id="2" name="Title 1">
             <a:extLst>
               <a:ext uri="{FF2B5EF4-FFF2-40B4-BE49-F238E27FC236}">
+                <a16:creationId xmlns:a16="http://schemas.microsoft.com/office/drawing/2014/main" id="{8279A51D-1BD0-4215-9C86-C11D701F6499}"/>
+              </a:ext>
+            </a:extLst>
+          </p:cNvPr>
+          <p:cNvSpPr>
+            <a:spLocks noGrp="1"/>
+          </p:cNvSpPr>
+          <p:nvPr>
+            <p:ph type="title"/>
+          </p:nvPr>
+        </p:nvSpPr>
+        <p:spPr/>
+        <p:txBody>
+          <a:bodyPr/>
+          <a:lstStyle/>
+          <a:p>
+            <a:r>
+              <a:rPr lang="en-AU" dirty="0"/>
+              <a:t>Discussion</a:t>
+            </a:r>
+          </a:p>
+        </p:txBody>
+      </p:sp>
+      <p:sp>
+        <p:nvSpPr>
+          <p:cNvPr id="3" name="Content Placeholder 2">
+            <a:extLst>
+              <a:ext uri="{FF2B5EF4-FFF2-40B4-BE49-F238E27FC236}">
+                <a16:creationId xmlns:a16="http://schemas.microsoft.com/office/drawing/2014/main" id="{26E1BDC6-0E9D-4BFF-AF67-BA8474698A37}"/>
+              </a:ext>
+            </a:extLst>
+          </p:cNvPr>
+          <p:cNvSpPr>
+            <a:spLocks noGrp="1"/>
+          </p:cNvSpPr>
+          <p:nvPr>
+            <p:ph idx="1"/>
+          </p:nvPr>
+        </p:nvSpPr>
+        <p:spPr/>
+        <p:txBody>
+          <a:bodyPr/>
+          <a:lstStyle/>
+          <a:p>
+            <a:endParaRPr lang="en-AU"/>
+          </a:p>
+        </p:txBody>
+      </p:sp>
+    </p:spTree>
+    <p:extLst>
+      <p:ext uri="{BB962C8B-B14F-4D97-AF65-F5344CB8AC3E}">
+        <p14:creationId xmlns:p14="http://schemas.microsoft.com/office/powerpoint/2010/main" val="1960451994"/>
+      </p:ext>
+    </p:extLst>
+  </p:cSld>
+  <p:clrMapOvr>
+    <a:masterClrMapping/>
+  </p:clrMapOvr>
+</p:sld>
+</file>
+
+<file path=ppt/slides/slide16.xml><?xml version="1.0" encoding="utf-8"?>
+<p:sld xmlns:a="http://schemas.openxmlformats.org/drawingml/2006/main" xmlns:r="http://schemas.openxmlformats.org/officeDocument/2006/relationships" xmlns:p="http://schemas.openxmlformats.org/presentationml/2006/main">
+  <p:cSld>
+    <p:spTree>
+      <p:nvGrpSpPr>
+        <p:cNvPr id="1" name=""/>
+        <p:cNvGrpSpPr/>
+        <p:nvPr/>
+      </p:nvGrpSpPr>
+      <p:grpSpPr>
+        <a:xfrm>
+          <a:off x="0" y="0"/>
+          <a:ext cx="0" cy="0"/>
+          <a:chOff x="0" y="0"/>
+          <a:chExt cx="0" cy="0"/>
+        </a:xfrm>
+      </p:grpSpPr>
+      <p:sp>
+        <p:nvSpPr>
+          <p:cNvPr id="2" name="Title 1">
+            <a:extLst>
+              <a:ext uri="{FF2B5EF4-FFF2-40B4-BE49-F238E27FC236}">
                 <a16:creationId xmlns:a16="http://schemas.microsoft.com/office/drawing/2014/main" id="{197C440F-E3D6-4653-94AD-9748593C4F72}"/>
               </a:ext>
             </a:extLst>
@@ -7583,7 +7686,145 @@
           <a:bodyPr/>
           <a:lstStyle/>
           <a:p>
-            <a:endParaRPr lang="en-AU"/>
+            <a:r>
+              <a:rPr lang="en-GB" sz="1800" b="0" i="0" u="none" strike="noStrike" baseline="0" dirty="0">
+                <a:latin typeface="CMR12"/>
+              </a:rPr>
+              <a:t>[1] Australian Bureau of Statistics, “Causes of death, Australia, 2019,” 2020.</a:t>
+            </a:r>
+          </a:p>
+          <a:p>
+            <a:pPr algn="l"/>
+            <a:r>
+              <a:rPr lang="en-AU" sz="1800" b="0" i="0" u="none" strike="noStrike" baseline="0" dirty="0">
+                <a:latin typeface="CMR12"/>
+              </a:rPr>
+              <a:t>[2] R. C. Petersen, R. Doody, A. Kurz, R. C. Mohs, J. C. Morris, P. V. </a:t>
+            </a:r>
+            <a:r>
+              <a:rPr lang="en-AU" sz="1800" b="0" i="0" u="none" strike="noStrike" baseline="0" dirty="0" err="1">
+                <a:latin typeface="CMR12"/>
+              </a:rPr>
+              <a:t>Rabins</a:t>
+            </a:r>
+            <a:r>
+              <a:rPr lang="en-AU" sz="1800" b="0" i="0" u="none" strike="noStrike" baseline="0" dirty="0">
+                <a:latin typeface="CMR12"/>
+              </a:rPr>
+              <a:t>, </a:t>
+            </a:r>
+            <a:r>
+              <a:rPr lang="en-GB" sz="1800" b="0" i="0" u="none" strike="noStrike" baseline="0" dirty="0">
+                <a:latin typeface="CMR12"/>
+              </a:rPr>
+              <a:t>K. Ritchie, M. </a:t>
+            </a:r>
+            <a:r>
+              <a:rPr lang="en-GB" sz="1800" b="0" i="0" u="none" strike="noStrike" baseline="0" dirty="0" err="1">
+                <a:latin typeface="CMR12"/>
+              </a:rPr>
+              <a:t>Rossor</a:t>
+            </a:r>
+            <a:r>
+              <a:rPr lang="en-GB" sz="1800" b="0" i="0" u="none" strike="noStrike" baseline="0" dirty="0">
+                <a:latin typeface="CMR12"/>
+              </a:rPr>
+              <a:t>, L. </a:t>
+            </a:r>
+            <a:r>
+              <a:rPr lang="en-GB" sz="1800" b="0" i="0" u="none" strike="noStrike" baseline="0" dirty="0" err="1">
+                <a:latin typeface="CMR12"/>
+              </a:rPr>
+              <a:t>Thal</a:t>
+            </a:r>
+            <a:r>
+              <a:rPr lang="en-GB" sz="1800" b="0" i="0" u="none" strike="noStrike" baseline="0" dirty="0">
+                <a:latin typeface="CMR12"/>
+              </a:rPr>
+              <a:t>, and B. </a:t>
+            </a:r>
+            <a:r>
+              <a:rPr lang="en-GB" sz="1800" b="0" i="0" u="none" strike="noStrike" baseline="0" dirty="0" err="1">
+                <a:latin typeface="CMR12"/>
+              </a:rPr>
+              <a:t>Winblad</a:t>
+            </a:r>
+            <a:r>
+              <a:rPr lang="en-GB" sz="1800" b="0" i="0" u="none" strike="noStrike" baseline="0" dirty="0">
+                <a:latin typeface="CMR12"/>
+              </a:rPr>
+              <a:t>, “Current concepts in mild cognitive impairment,” </a:t>
+            </a:r>
+            <a:r>
+              <a:rPr lang="en-GB" sz="1800" b="0" i="0" u="none" strike="noStrike" baseline="0" dirty="0">
+                <a:latin typeface="CMTI12"/>
+              </a:rPr>
+              <a:t>Archives of neurology</a:t>
+            </a:r>
+            <a:r>
+              <a:rPr lang="en-GB" sz="1800" b="0" i="0" u="none" strike="noStrike" baseline="0" dirty="0">
+                <a:latin typeface="CMR12"/>
+              </a:rPr>
+              <a:t>, vol. 58, no. 12, pp. 1985{1992, </a:t>
+            </a:r>
+            <a:r>
+              <a:rPr lang="en-AU" sz="1800" b="0" i="0" u="none" strike="noStrike" baseline="0" dirty="0">
+                <a:latin typeface="CMR12"/>
+              </a:rPr>
+              <a:t>2001.</a:t>
+            </a:r>
+          </a:p>
+          <a:p>
+            <a:pPr algn="l"/>
+            <a:r>
+              <a:rPr lang="en-GB" sz="1800" b="0" i="0" u="none" strike="noStrike" baseline="0" dirty="0">
+                <a:latin typeface="CMR12"/>
+              </a:rPr>
+              <a:t>[3] M. Davis, T. O'Connell, S. Johnson, S. Cline, E. </a:t>
+            </a:r>
+            <a:r>
+              <a:rPr lang="en-GB" sz="1800" b="0" i="0" u="none" strike="noStrike" baseline="0" dirty="0" err="1">
+                <a:latin typeface="CMR12"/>
+              </a:rPr>
+              <a:t>Merikle</a:t>
+            </a:r>
+            <a:r>
+              <a:rPr lang="en-GB" sz="1800" b="0" i="0" u="none" strike="noStrike" baseline="0" dirty="0">
+                <a:latin typeface="CMR12"/>
+              </a:rPr>
+              <a:t>, F. </a:t>
+            </a:r>
+            <a:r>
+              <a:rPr lang="en-GB" sz="1800" b="0" i="0" u="none" strike="noStrike" baseline="0" dirty="0" err="1">
+                <a:latin typeface="CMR12"/>
+              </a:rPr>
+              <a:t>Martenyi</a:t>
+            </a:r>
+            <a:r>
+              <a:rPr lang="en-GB" sz="1800" b="0" i="0" u="none" strike="noStrike" baseline="0" dirty="0">
+                <a:latin typeface="CMR12"/>
+              </a:rPr>
+              <a:t>, and K. Simpson, “Estimating Alzheimer's disease progression rates from normal cognition through mild cognitive impairment and stages of dementia,” </a:t>
+            </a:r>
+            <a:r>
+              <a:rPr lang="en-GB" sz="1800" b="0" i="0" u="none" strike="noStrike" baseline="0" dirty="0">
+                <a:latin typeface="CMTI12"/>
+              </a:rPr>
+              <a:t>Current </a:t>
+            </a:r>
+            <a:r>
+              <a:rPr lang="en-AU" sz="1800" b="0" i="0" u="none" strike="noStrike" baseline="0" dirty="0">
+                <a:latin typeface="CMTI12"/>
+              </a:rPr>
+              <a:t>Alzheimer Research</a:t>
+            </a:r>
+            <a:r>
+              <a:rPr lang="en-AU" sz="1800" b="0" i="0" u="none" strike="noStrike" baseline="0" dirty="0">
+                <a:latin typeface="CMR12"/>
+              </a:rPr>
+              <a:t>, vol. 15, no. 8, pp. 777{788, 2018.</a:t>
+            </a:r>
+            <a:endParaRPr lang="en-AU" dirty="0"/>
           </a:p>
         </p:txBody>
       </p:sp>
@@ -7664,10 +7905,59 @@
         </p:nvSpPr>
         <p:spPr/>
         <p:txBody>
-          <a:bodyPr/>
-          <a:lstStyle/>
-          <a:p>
-            <a:endParaRPr lang="en-AU" dirty="0"/>
+          <a:bodyPr>
+            <a:normAutofit/>
+          </a:bodyPr>
+          <a:lstStyle/>
+          <a:p>
+            <a:pPr algn="l"/>
+            <a:r>
+              <a:rPr lang="en-GB" dirty="0"/>
+              <a:t>A progressive neurodegenerative disease which destroys memory and other important cognitive functions.</a:t>
+            </a:r>
+          </a:p>
+          <a:p>
+            <a:pPr algn="l"/>
+            <a:r>
+              <a:rPr lang="en-AU" dirty="0"/>
+              <a:t>Dementia, including Alzheimer’s Disease (AD), </a:t>
+            </a:r>
+            <a:r>
+              <a:rPr lang="en-GB" dirty="0"/>
+              <a:t>has been the second leading cause of death in Australia since 2013 </a:t>
+            </a:r>
+            <a:r>
+              <a:rPr lang="en-AU" dirty="0"/>
+              <a:t>[1].</a:t>
+            </a:r>
+          </a:p>
+          <a:p>
+            <a:pPr algn="l"/>
+            <a:r>
+              <a:rPr lang="en-AU" dirty="0"/>
+              <a:t>People can fall under one of three categories:</a:t>
+            </a:r>
+          </a:p>
+          <a:p>
+            <a:pPr lvl="1"/>
+            <a:r>
+              <a:rPr lang="en-AU" dirty="0"/>
+              <a:t>Cognitively Normal (NC)</a:t>
+            </a:r>
+          </a:p>
+          <a:p>
+            <a:pPr lvl="1"/>
+            <a:r>
+              <a:rPr lang="en-AU" dirty="0"/>
+              <a:t>Mild Cognitive Impairment (MCI)</a:t>
+            </a:r>
+          </a:p>
+          <a:p>
+            <a:pPr lvl="1"/>
+            <a:r>
+              <a:rPr lang="en-AU" dirty="0"/>
+              <a:t>Alzheimer’s Disease (AD)</a:t>
+            </a:r>
           </a:p>
         </p:txBody>
       </p:sp>
@@ -7706,7 +7996,7 @@
           <p:cNvPr id="2" name="Title 1">
             <a:extLst>
               <a:ext uri="{FF2B5EF4-FFF2-40B4-BE49-F238E27FC236}">
-                <a16:creationId xmlns:a16="http://schemas.microsoft.com/office/drawing/2014/main" id="{31F78683-9710-49B3-8BCF-257A68D447DA}"/>
+                <a16:creationId xmlns:a16="http://schemas.microsoft.com/office/drawing/2014/main" id="{14CE9647-21CA-47E1-8624-9CF6DD12457C}"/>
               </a:ext>
             </a:extLst>
           </p:cNvPr>
@@ -7724,7 +8014,7 @@
           <a:p>
             <a:r>
               <a:rPr lang="en-AU" dirty="0"/>
-              <a:t>Our Data</a:t>
+              <a:t>Early Detection</a:t>
             </a:r>
           </a:p>
         </p:txBody>
@@ -7734,7 +8024,7 @@
           <p:cNvPr id="3" name="Content Placeholder 2">
             <a:extLst>
               <a:ext uri="{FF2B5EF4-FFF2-40B4-BE49-F238E27FC236}">
-                <a16:creationId xmlns:a16="http://schemas.microsoft.com/office/drawing/2014/main" id="{09840B1A-5330-45D6-910B-E1F81ED95F27}"/>
+                <a16:creationId xmlns:a16="http://schemas.microsoft.com/office/drawing/2014/main" id="{C35D72C9-0100-4B0C-9181-0140B50A4F4B}"/>
               </a:ext>
             </a:extLst>
           </p:cNvPr>
@@ -7750,14 +8040,51 @@
           <a:bodyPr/>
           <a:lstStyle/>
           <a:p>
-            <a:endParaRPr lang="en-AU"/>
+            <a:pPr algn="l"/>
+            <a:r>
+              <a:rPr lang="en-GB" dirty="0"/>
+              <a:t>MCI is a condition in which people experience significant memory loss but do not yet meet the criteria for a clinical diagnosis of AD [2].</a:t>
+            </a:r>
+          </a:p>
+          <a:p>
+            <a:pPr algn="l"/>
+            <a:r>
+              <a:rPr lang="en-GB" dirty="0"/>
+              <a:t>Annually, at age 65 </a:t>
+            </a:r>
+            <a:r>
+              <a:rPr lang="en-AU" dirty="0"/>
+              <a:t>[3]</a:t>
+            </a:r>
+            <a:r>
+              <a:rPr lang="en-GB" dirty="0"/>
+              <a:t>:</a:t>
+            </a:r>
+          </a:p>
+          <a:p>
+            <a:pPr lvl="1"/>
+            <a:r>
+              <a:rPr lang="en-GB" dirty="0"/>
+              <a:t>8% of people will progress from NC to MCI </a:t>
+            </a:r>
+          </a:p>
+          <a:p>
+            <a:pPr lvl="1"/>
+            <a:r>
+              <a:rPr lang="en-GB" dirty="0"/>
+              <a:t>22% of patients with MCI will progress to a clinical diagnosis </a:t>
+            </a:r>
+            <a:r>
+              <a:rPr lang="en-AU" dirty="0"/>
+              <a:t>of AD.</a:t>
+            </a:r>
           </a:p>
         </p:txBody>
       </p:sp>
     </p:spTree>
     <p:extLst>
       <p:ext uri="{BB962C8B-B14F-4D97-AF65-F5344CB8AC3E}">
-        <p14:creationId xmlns:p14="http://schemas.microsoft.com/office/powerpoint/2010/main" val="1171989719"/>
+        <p14:creationId xmlns:p14="http://schemas.microsoft.com/office/powerpoint/2010/main" val="259289390"/>
       </p:ext>
     </p:extLst>
   </p:cSld>
@@ -7789,7 +8116,7 @@
           <p:cNvPr id="2" name="Title 1">
             <a:extLst>
               <a:ext uri="{FF2B5EF4-FFF2-40B4-BE49-F238E27FC236}">
-                <a16:creationId xmlns:a16="http://schemas.microsoft.com/office/drawing/2014/main" id="{14CE9647-21CA-47E1-8624-9CF6DD12457C}"/>
+                <a16:creationId xmlns:a16="http://schemas.microsoft.com/office/drawing/2014/main" id="{B23F89D4-08BE-482F-8FC5-A745A4704960}"/>
               </a:ext>
             </a:extLst>
           </p:cNvPr>
@@ -7807,7 +8134,7 @@
           <a:p>
             <a:r>
               <a:rPr lang="en-AU" dirty="0"/>
-              <a:t>Early Detection of AD</a:t>
+              <a:t>Conversion from Normal Cognition</a:t>
             </a:r>
           </a:p>
         </p:txBody>
@@ -7817,7 +8144,7 @@
           <p:cNvPr id="3" name="Content Placeholder 2">
             <a:extLst>
               <a:ext uri="{FF2B5EF4-FFF2-40B4-BE49-F238E27FC236}">
-                <a16:creationId xmlns:a16="http://schemas.microsoft.com/office/drawing/2014/main" id="{C35D72C9-0100-4B0C-9181-0140B50A4F4B}"/>
+                <a16:creationId xmlns:a16="http://schemas.microsoft.com/office/drawing/2014/main" id="{F24F2BE2-97B7-4A43-9B49-A19AC3A97DD7}"/>
               </a:ext>
             </a:extLst>
           </p:cNvPr>
@@ -7833,14 +8160,23 @@
           <a:bodyPr/>
           <a:lstStyle/>
           <a:p>
-            <a:endParaRPr lang="en-AU"/>
+            <a:r>
+              <a:rPr lang="en-AU" dirty="0"/>
+              <a:t>Aim</a:t>
+            </a:r>
+          </a:p>
+          <a:p>
+            <a:r>
+              <a:rPr lang="en-AU" dirty="0"/>
+              <a:t>Previous results</a:t>
+            </a:r>
           </a:p>
         </p:txBody>
       </p:sp>
     </p:spTree>
     <p:extLst>
       <p:ext uri="{BB962C8B-B14F-4D97-AF65-F5344CB8AC3E}">
-        <p14:creationId xmlns:p14="http://schemas.microsoft.com/office/powerpoint/2010/main" val="259289390"/>
+        <p14:creationId xmlns:p14="http://schemas.microsoft.com/office/powerpoint/2010/main" val="2406778267"/>
       </p:ext>
     </p:extLst>
   </p:cSld>
@@ -7872,7 +8208,7 @@
           <p:cNvPr id="2" name="Title 1">
             <a:extLst>
               <a:ext uri="{FF2B5EF4-FFF2-40B4-BE49-F238E27FC236}">
-                <a16:creationId xmlns:a16="http://schemas.microsoft.com/office/drawing/2014/main" id="{B23F89D4-08BE-482F-8FC5-A745A4704960}"/>
+                <a16:creationId xmlns:a16="http://schemas.microsoft.com/office/drawing/2014/main" id="{5006E188-B614-474D-8B18-0DF0FC0DFA5A}"/>
               </a:ext>
             </a:extLst>
           </p:cNvPr>
@@ -7890,7 +8226,7 @@
           <a:p>
             <a:r>
               <a:rPr lang="en-AU" dirty="0"/>
-              <a:t>Conversion from Normal Cognition</a:t>
+              <a:t>Deep Learning in Medical Imaging</a:t>
             </a:r>
           </a:p>
         </p:txBody>
@@ -7900,7 +8236,7 @@
           <p:cNvPr id="3" name="Content Placeholder 2">
             <a:extLst>
               <a:ext uri="{FF2B5EF4-FFF2-40B4-BE49-F238E27FC236}">
-                <a16:creationId xmlns:a16="http://schemas.microsoft.com/office/drawing/2014/main" id="{F24F2BE2-97B7-4A43-9B49-A19AC3A97DD7}"/>
+                <a16:creationId xmlns:a16="http://schemas.microsoft.com/office/drawing/2014/main" id="{CEE250C2-57D3-4729-AFF6-ABFD51F1D342}"/>
               </a:ext>
             </a:extLst>
           </p:cNvPr>
@@ -7916,23 +8252,14 @@
           <a:bodyPr/>
           <a:lstStyle/>
           <a:p>
-            <a:r>
-              <a:rPr lang="en-AU" dirty="0"/>
-              <a:t>Aim</a:t>
-            </a:r>
-          </a:p>
-          <a:p>
-            <a:r>
-              <a:rPr lang="en-AU" dirty="0"/>
-              <a:t>Previous results</a:t>
-            </a:r>
+            <a:endParaRPr lang="en-AU" dirty="0"/>
           </a:p>
         </p:txBody>
       </p:sp>
     </p:spTree>
     <p:extLst>
       <p:ext uri="{BB962C8B-B14F-4D97-AF65-F5344CB8AC3E}">
-        <p14:creationId xmlns:p14="http://schemas.microsoft.com/office/powerpoint/2010/main" val="2406778267"/>
+        <p14:creationId xmlns:p14="http://schemas.microsoft.com/office/powerpoint/2010/main" val="417951211"/>
       </p:ext>
     </p:extLst>
   </p:cSld>
@@ -8047,7 +8374,7 @@
           <p:cNvPr id="2" name="Title 1">
             <a:extLst>
               <a:ext uri="{FF2B5EF4-FFF2-40B4-BE49-F238E27FC236}">
-                <a16:creationId xmlns:a16="http://schemas.microsoft.com/office/drawing/2014/main" id="{959309D9-1097-42BE-A41B-599319F49A5F}"/>
+                <a16:creationId xmlns:a16="http://schemas.microsoft.com/office/drawing/2014/main" id="{31F78683-9710-49B3-8BCF-257A68D447DA}"/>
               </a:ext>
             </a:extLst>
           </p:cNvPr>
@@ -8065,7 +8392,7 @@
           <a:p>
             <a:r>
               <a:rPr lang="en-AU" dirty="0"/>
-              <a:t>Patch-Based vs Voxel-Based</a:t>
+              <a:t>Our Data – OASIS-3</a:t>
             </a:r>
           </a:p>
         </p:txBody>
@@ -8075,7 +8402,7 @@
           <p:cNvPr id="3" name="Content Placeholder 2">
             <a:extLst>
               <a:ext uri="{FF2B5EF4-FFF2-40B4-BE49-F238E27FC236}">
-                <a16:creationId xmlns:a16="http://schemas.microsoft.com/office/drawing/2014/main" id="{4084A17E-17BB-4A0B-921B-2ED57B783216}"/>
+                <a16:creationId xmlns:a16="http://schemas.microsoft.com/office/drawing/2014/main" id="{09840B1A-5330-45D6-910B-E1F81ED95F27}"/>
               </a:ext>
             </a:extLst>
           </p:cNvPr>
@@ -8091,14 +8418,149 @@
           <a:bodyPr/>
           <a:lstStyle/>
           <a:p>
+            <a:r>
+              <a:rPr lang="en-AU" dirty="0" err="1"/>
+              <a:t>asd</a:t>
+            </a:r>
             <a:endParaRPr lang="en-AU" dirty="0"/>
           </a:p>
         </p:txBody>
       </p:sp>
+      <p:graphicFrame>
+        <p:nvGraphicFramePr>
+          <p:cNvPr id="4" name="Table 4">
+            <a:extLst>
+              <a:ext uri="{FF2B5EF4-FFF2-40B4-BE49-F238E27FC236}">
+                <a16:creationId xmlns:a16="http://schemas.microsoft.com/office/drawing/2014/main" id="{707626D8-0E2A-4A0E-BB54-56B0295672FC}"/>
+              </a:ext>
+            </a:extLst>
+          </p:cNvPr>
+          <p:cNvGraphicFramePr>
+            <a:graphicFrameLocks noGrp="1"/>
+          </p:cNvGraphicFramePr>
+          <p:nvPr>
+            <p:extLst>
+              <p:ext uri="{D42A27DB-BD31-4B8C-83A1-F6EECF244321}">
+                <p14:modId xmlns:p14="http://schemas.microsoft.com/office/powerpoint/2010/main" val="324731626"/>
+              </p:ext>
+            </p:extLst>
+          </p:nvPr>
+        </p:nvGraphicFramePr>
+        <p:xfrm>
+          <a:off x="838200" y="2775370"/>
+          <a:ext cx="8128000" cy="1112520"/>
+        </p:xfrm>
+        <a:graphic>
+          <a:graphicData uri="http://schemas.openxmlformats.org/drawingml/2006/table">
+            <a:tbl>
+              <a:tblPr firstRow="1" bandRow="1">
+                <a:tableStyleId>{616DA210-FB5B-4158-B5E0-FEB733F419BA}</a:tableStyleId>
+              </a:tblPr>
+              <a:tblGrid>
+                <a:gridCol w="4064000">
+                  <a:extLst>
+                    <a:ext uri="{9D8B030D-6E8A-4147-A177-3AD203B41FA5}">
+                      <a16:colId xmlns:a16="http://schemas.microsoft.com/office/drawing/2014/main" val="4049177488"/>
+                    </a:ext>
+                  </a:extLst>
+                </a:gridCol>
+                <a:gridCol w="4064000">
+                  <a:extLst>
+                    <a:ext uri="{9D8B030D-6E8A-4147-A177-3AD203B41FA5}">
+                      <a16:colId xmlns:a16="http://schemas.microsoft.com/office/drawing/2014/main" val="3439500369"/>
+                    </a:ext>
+                  </a:extLst>
+                </a:gridCol>
+              </a:tblGrid>
+              <a:tr h="370840">
+                <a:tc>
+                  <a:txBody>
+                    <a:bodyPr/>
+                    <a:lstStyle/>
+                    <a:p>
+                      <a:endParaRPr lang="en-AU" dirty="0"/>
+                    </a:p>
+                  </a:txBody>
+                  <a:tcPr/>
+                </a:tc>
+                <a:tc>
+                  <a:txBody>
+                    <a:bodyPr/>
+                    <a:lstStyle/>
+                    <a:p>
+                      <a:endParaRPr lang="en-AU"/>
+                    </a:p>
+                  </a:txBody>
+                  <a:tcPr/>
+                </a:tc>
+                <a:extLst>
+                  <a:ext uri="{0D108BD9-81ED-4DB2-BD59-A6C34878D82A}">
+                    <a16:rowId xmlns:a16="http://schemas.microsoft.com/office/drawing/2014/main" val="1793751587"/>
+                  </a:ext>
+                </a:extLst>
+              </a:tr>
+              <a:tr h="370840">
+                <a:tc>
+                  <a:txBody>
+                    <a:bodyPr/>
+                    <a:lstStyle/>
+                    <a:p>
+                      <a:endParaRPr lang="en-AU"/>
+                    </a:p>
+                  </a:txBody>
+                  <a:tcPr/>
+                </a:tc>
+                <a:tc>
+                  <a:txBody>
+                    <a:bodyPr/>
+                    <a:lstStyle/>
+                    <a:p>
+                      <a:endParaRPr lang="en-AU"/>
+                    </a:p>
+                  </a:txBody>
+                  <a:tcPr/>
+                </a:tc>
+                <a:extLst>
+                  <a:ext uri="{0D108BD9-81ED-4DB2-BD59-A6C34878D82A}">
+                    <a16:rowId xmlns:a16="http://schemas.microsoft.com/office/drawing/2014/main" val="2937502426"/>
+                  </a:ext>
+                </a:extLst>
+              </a:tr>
+              <a:tr h="370840">
+                <a:tc>
+                  <a:txBody>
+                    <a:bodyPr/>
+                    <a:lstStyle/>
+                    <a:p>
+                      <a:endParaRPr lang="en-AU"/>
+                    </a:p>
+                  </a:txBody>
+                  <a:tcPr/>
+                </a:tc>
+                <a:tc>
+                  <a:txBody>
+                    <a:bodyPr/>
+                    <a:lstStyle/>
+                    <a:p>
+                      <a:endParaRPr lang="en-AU" dirty="0"/>
+                    </a:p>
+                  </a:txBody>
+                  <a:tcPr/>
+                </a:tc>
+                <a:extLst>
+                  <a:ext uri="{0D108BD9-81ED-4DB2-BD59-A6C34878D82A}">
+                    <a16:rowId xmlns:a16="http://schemas.microsoft.com/office/drawing/2014/main" val="4048483609"/>
+                  </a:ext>
+                </a:extLst>
+              </a:tr>
+            </a:tbl>
+          </a:graphicData>
+        </a:graphic>
+      </p:graphicFrame>
     </p:spTree>
     <p:extLst>
       <p:ext uri="{BB962C8B-B14F-4D97-AF65-F5344CB8AC3E}">
-        <p14:creationId xmlns:p14="http://schemas.microsoft.com/office/powerpoint/2010/main" val="736684572"/>
+        <p14:creationId xmlns:p14="http://schemas.microsoft.com/office/powerpoint/2010/main" val="1171989719"/>
       </p:ext>
     </p:extLst>
   </p:cSld>
@@ -8130,7 +8592,7 @@
           <p:cNvPr id="2" name="Title 1">
             <a:extLst>
               <a:ext uri="{FF2B5EF4-FFF2-40B4-BE49-F238E27FC236}">
-                <a16:creationId xmlns:a16="http://schemas.microsoft.com/office/drawing/2014/main" id="{F61CE6DA-2C0B-4532-806F-DEB5432E1958}"/>
+                <a16:creationId xmlns:a16="http://schemas.microsoft.com/office/drawing/2014/main" id="{959309D9-1097-42BE-A41B-599319F49A5F}"/>
               </a:ext>
             </a:extLst>
           </p:cNvPr>
@@ -8148,7 +8610,7 @@
           <a:p>
             <a:r>
               <a:rPr lang="en-AU" dirty="0"/>
-              <a:t>Data Selection</a:t>
+              <a:t>Patch-Based vs Voxel-Based</a:t>
             </a:r>
           </a:p>
         </p:txBody>
@@ -8158,7 +8620,7 @@
           <p:cNvPr id="3" name="Content Placeholder 2">
             <a:extLst>
               <a:ext uri="{FF2B5EF4-FFF2-40B4-BE49-F238E27FC236}">
-                <a16:creationId xmlns:a16="http://schemas.microsoft.com/office/drawing/2014/main" id="{CCEB2692-5706-454A-A2F1-3FA6A2A27AFD}"/>
+                <a16:creationId xmlns:a16="http://schemas.microsoft.com/office/drawing/2014/main" id="{4084A17E-17BB-4A0B-921B-2ED57B783216}"/>
               </a:ext>
             </a:extLst>
           </p:cNvPr>
@@ -8174,14 +8636,14 @@
           <a:bodyPr/>
           <a:lstStyle/>
           <a:p>
-            <a:endParaRPr lang="en-AU"/>
+            <a:endParaRPr lang="en-AU" dirty="0"/>
           </a:p>
         </p:txBody>
       </p:sp>
     </p:spTree>
     <p:extLst>
       <p:ext uri="{BB962C8B-B14F-4D97-AF65-F5344CB8AC3E}">
-        <p14:creationId xmlns:p14="http://schemas.microsoft.com/office/powerpoint/2010/main" val="1926294667"/>
+        <p14:creationId xmlns:p14="http://schemas.microsoft.com/office/powerpoint/2010/main" val="736684572"/>
       </p:ext>
     </p:extLst>
   </p:cSld>
@@ -8213,7 +8675,7 @@
           <p:cNvPr id="2" name="Title 1">
             <a:extLst>
               <a:ext uri="{FF2B5EF4-FFF2-40B4-BE49-F238E27FC236}">
-                <a16:creationId xmlns:a16="http://schemas.microsoft.com/office/drawing/2014/main" id="{B0AF510D-1BE3-4E7A-BCD4-A3F728228BA8}"/>
+                <a16:creationId xmlns:a16="http://schemas.microsoft.com/office/drawing/2014/main" id="{F61CE6DA-2C0B-4532-806F-DEB5432E1958}"/>
               </a:ext>
             </a:extLst>
           </p:cNvPr>
@@ -8231,7 +8693,7 @@
           <a:p>
             <a:r>
               <a:rPr lang="en-AU" dirty="0"/>
-              <a:t>Experiments and Hypotheses</a:t>
+              <a:t>Data Selection</a:t>
             </a:r>
           </a:p>
         </p:txBody>
@@ -8241,7 +8703,7 @@
           <p:cNvPr id="3" name="Content Placeholder 2">
             <a:extLst>
               <a:ext uri="{FF2B5EF4-FFF2-40B4-BE49-F238E27FC236}">
-                <a16:creationId xmlns:a16="http://schemas.microsoft.com/office/drawing/2014/main" id="{47E2B03F-DB1F-4B6E-BC47-AA35B4897087}"/>
+                <a16:creationId xmlns:a16="http://schemas.microsoft.com/office/drawing/2014/main" id="{CCEB2692-5706-454A-A2F1-3FA6A2A27AFD}"/>
               </a:ext>
             </a:extLst>
           </p:cNvPr>
@@ -8261,10 +8723,40 @@
           </a:p>
         </p:txBody>
       </p:sp>
+      <p:pic>
+        <p:nvPicPr>
+          <p:cNvPr id="5" name="Picture 4">
+            <a:extLst>
+              <a:ext uri="{FF2B5EF4-FFF2-40B4-BE49-F238E27FC236}">
+                <a16:creationId xmlns:a16="http://schemas.microsoft.com/office/drawing/2014/main" id="{C5FD3CA3-663F-4E1C-80D6-C3BFC8F14A97}"/>
+              </a:ext>
+            </a:extLst>
+          </p:cNvPr>
+          <p:cNvPicPr>
+            <a:picLocks noChangeAspect="1"/>
+          </p:cNvPicPr>
+          <p:nvPr/>
+        </p:nvPicPr>
+        <p:blipFill>
+          <a:blip r:embed="rId2"/>
+          <a:stretch>
+            <a:fillRect/>
+          </a:stretch>
+        </p:blipFill>
+        <p:spPr>
+          <a:xfrm>
+            <a:off x="4027450" y="1588256"/>
+            <a:ext cx="7039957" cy="4334480"/>
+          </a:xfrm>
+          <a:prstGeom prst="rect">
+            <a:avLst/>
+          </a:prstGeom>
+        </p:spPr>
+      </p:pic>
     </p:spTree>
     <p:extLst>
       <p:ext uri="{BB962C8B-B14F-4D97-AF65-F5344CB8AC3E}">
-        <p14:creationId xmlns:p14="http://schemas.microsoft.com/office/powerpoint/2010/main" val="2653186714"/>
+        <p14:creationId xmlns:p14="http://schemas.microsoft.com/office/powerpoint/2010/main" val="1926294667"/>
       </p:ext>
     </p:extLst>
   </p:cSld>

--- a/21961992_Seminar.pptx
+++ b/21961992_Seminar.pptx
@@ -4,6 +4,9 @@
   <p:sldMasterIdLst>
     <p:sldMasterId id="2147483699" r:id="rId1"/>
   </p:sldMasterIdLst>
+  <p:notesMasterIdLst>
+    <p:notesMasterId r:id="rId20"/>
+  </p:notesMasterIdLst>
   <p:sldIdLst>
     <p:sldId id="256" r:id="rId2"/>
     <p:sldId id="257" r:id="rId3"/>
@@ -18,9 +21,11 @@
     <p:sldId id="265" r:id="rId12"/>
     <p:sldId id="266" r:id="rId13"/>
     <p:sldId id="267" r:id="rId14"/>
-    <p:sldId id="269" r:id="rId15"/>
-    <p:sldId id="268" r:id="rId16"/>
-    <p:sldId id="271" r:id="rId17"/>
+    <p:sldId id="273" r:id="rId15"/>
+    <p:sldId id="275" r:id="rId16"/>
+    <p:sldId id="268" r:id="rId17"/>
+    <p:sldId id="274" r:id="rId18"/>
+    <p:sldId id="271" r:id="rId19"/>
   </p:sldIdLst>
   <p:sldSz cx="12192000" cy="6858000"/>
   <p:notesSz cx="6858000" cy="9144000"/>
@@ -136,7 +141,651 @@
       </p:ext>
     </p:extLst>
   </p:cmAuthor>
+  <p:cmAuthor id="2" name="Justin Bardwell (21961992)" initials="JB( [2]" lastIdx="1" clrIdx="1">
+    <p:extLst>
+      <p:ext uri="{19B8F6BF-5375-455C-9EA6-DF929625EA0E}">
+        <p15:presenceInfo xmlns:p15="http://schemas.microsoft.com/office/powerpoint/2012/main" userId="S::21961992@student.uwa.edu.au::11eb4005-b526-49b3-bcfc-4b974c41727b" providerId="AD"/>
+      </p:ext>
+    </p:extLst>
+  </p:cmAuthor>
 </p:cmAuthorLst>
+</file>
+
+<file path=ppt/comments/comment1.xml><?xml version="1.0" encoding="utf-8"?>
+<p:cmLst xmlns:a="http://schemas.openxmlformats.org/drawingml/2006/main" xmlns:r="http://schemas.openxmlformats.org/officeDocument/2006/relationships" xmlns:p="http://schemas.openxmlformats.org/presentationml/2006/main">
+  <p:cm authorId="2" dt="2021-10-07T11:55:48.116" idx="1">
+    <p:pos x="6699" y="2338"/>
+    <p:text>change to have 1 up the top</p:text>
+    <p:extLst>
+      <p:ext uri="{C676402C-5697-4E1C-873F-D02D1690AC5C}">
+        <p15:threadingInfo xmlns:p15="http://schemas.microsoft.com/office/powerpoint/2012/main" timeZoneBias="-480"/>
+      </p:ext>
+    </p:extLst>
+  </p:cm>
+</p:cmLst>
+</file>
+
+<file path=ppt/notesMasters/notesMaster1.xml><?xml version="1.0" encoding="utf-8"?>
+<p:notesMaster xmlns:a="http://schemas.openxmlformats.org/drawingml/2006/main" xmlns:r="http://schemas.openxmlformats.org/officeDocument/2006/relationships" xmlns:p="http://schemas.openxmlformats.org/presentationml/2006/main">
+  <p:cSld>
+    <p:bg>
+      <p:bgRef idx="1001">
+        <a:schemeClr val="bg1"/>
+      </p:bgRef>
+    </p:bg>
+    <p:spTree>
+      <p:nvGrpSpPr>
+        <p:cNvPr id="1" name=""/>
+        <p:cNvGrpSpPr/>
+        <p:nvPr/>
+      </p:nvGrpSpPr>
+      <p:grpSpPr>
+        <a:xfrm>
+          <a:off x="0" y="0"/>
+          <a:ext cx="0" cy="0"/>
+          <a:chOff x="0" y="0"/>
+          <a:chExt cx="0" cy="0"/>
+        </a:xfrm>
+      </p:grpSpPr>
+      <p:sp>
+        <p:nvSpPr>
+          <p:cNvPr id="2" name="Header Placeholder 1"/>
+          <p:cNvSpPr>
+            <a:spLocks noGrp="1"/>
+          </p:cNvSpPr>
+          <p:nvPr>
+            <p:ph type="hdr" sz="quarter"/>
+          </p:nvPr>
+        </p:nvSpPr>
+        <p:spPr>
+          <a:xfrm>
+            <a:off x="0" y="0"/>
+            <a:ext cx="2971800" cy="458788"/>
+          </a:xfrm>
+          <a:prstGeom prst="rect">
+            <a:avLst/>
+          </a:prstGeom>
+        </p:spPr>
+        <p:txBody>
+          <a:bodyPr vert="horz" lIns="91440" tIns="45720" rIns="91440" bIns="45720" rtlCol="0"/>
+          <a:lstStyle>
+            <a:lvl1pPr algn="l">
+              <a:defRPr sz="1200"/>
+            </a:lvl1pPr>
+          </a:lstStyle>
+          <a:p>
+            <a:endParaRPr lang="en-AU"/>
+          </a:p>
+        </p:txBody>
+      </p:sp>
+      <p:sp>
+        <p:nvSpPr>
+          <p:cNvPr id="3" name="Date Placeholder 2"/>
+          <p:cNvSpPr>
+            <a:spLocks noGrp="1"/>
+          </p:cNvSpPr>
+          <p:nvPr>
+            <p:ph type="dt" idx="1"/>
+          </p:nvPr>
+        </p:nvSpPr>
+        <p:spPr>
+          <a:xfrm>
+            <a:off x="3884613" y="0"/>
+            <a:ext cx="2971800" cy="458788"/>
+          </a:xfrm>
+          <a:prstGeom prst="rect">
+            <a:avLst/>
+          </a:prstGeom>
+        </p:spPr>
+        <p:txBody>
+          <a:bodyPr vert="horz" lIns="91440" tIns="45720" rIns="91440" bIns="45720" rtlCol="0"/>
+          <a:lstStyle>
+            <a:lvl1pPr algn="r">
+              <a:defRPr sz="1200"/>
+            </a:lvl1pPr>
+          </a:lstStyle>
+          <a:p>
+            <a:fld id="{641007DD-9852-40D1-877A-A9DEACFE410E}" type="datetimeFigureOut">
+              <a:rPr lang="en-AU" smtClean="0"/>
+              <a:t>7/10/2021</a:t>
+            </a:fld>
+            <a:endParaRPr lang="en-AU"/>
+          </a:p>
+        </p:txBody>
+      </p:sp>
+      <p:sp>
+        <p:nvSpPr>
+          <p:cNvPr id="4" name="Slide Image Placeholder 3"/>
+          <p:cNvSpPr>
+            <a:spLocks noGrp="1" noRot="1" noChangeAspect="1"/>
+          </p:cNvSpPr>
+          <p:nvPr>
+            <p:ph type="sldImg" idx="2"/>
+          </p:nvPr>
+        </p:nvSpPr>
+        <p:spPr>
+          <a:xfrm>
+            <a:off x="685800" y="1143000"/>
+            <a:ext cx="5486400" cy="3086100"/>
+          </a:xfrm>
+          <a:prstGeom prst="rect">
+            <a:avLst/>
+          </a:prstGeom>
+          <a:noFill/>
+          <a:ln w="12700">
+            <a:solidFill>
+              <a:prstClr val="black"/>
+            </a:solidFill>
+          </a:ln>
+        </p:spPr>
+        <p:txBody>
+          <a:bodyPr vert="horz" lIns="91440" tIns="45720" rIns="91440" bIns="45720" rtlCol="0" anchor="ctr"/>
+          <a:lstStyle/>
+          <a:p>
+            <a:endParaRPr lang="en-AU"/>
+          </a:p>
+        </p:txBody>
+      </p:sp>
+      <p:sp>
+        <p:nvSpPr>
+          <p:cNvPr id="5" name="Notes Placeholder 4"/>
+          <p:cNvSpPr>
+            <a:spLocks noGrp="1"/>
+          </p:cNvSpPr>
+          <p:nvPr>
+            <p:ph type="body" sz="quarter" idx="3"/>
+          </p:nvPr>
+        </p:nvSpPr>
+        <p:spPr>
+          <a:xfrm>
+            <a:off x="685800" y="4400550"/>
+            <a:ext cx="5486400" cy="3600450"/>
+          </a:xfrm>
+          <a:prstGeom prst="rect">
+            <a:avLst/>
+          </a:prstGeom>
+        </p:spPr>
+        <p:txBody>
+          <a:bodyPr vert="horz" lIns="91440" tIns="45720" rIns="91440" bIns="45720" rtlCol="0"/>
+          <a:lstStyle/>
+          <a:p>
+            <a:pPr lvl="0"/>
+            <a:r>
+              <a:rPr lang="en-US"/>
+              <a:t>Click to edit Master text styles</a:t>
+            </a:r>
+          </a:p>
+          <a:p>
+            <a:pPr lvl="1"/>
+            <a:r>
+              <a:rPr lang="en-US"/>
+              <a:t>Second level</a:t>
+            </a:r>
+          </a:p>
+          <a:p>
+            <a:pPr lvl="2"/>
+            <a:r>
+              <a:rPr lang="en-US"/>
+              <a:t>Third level</a:t>
+            </a:r>
+          </a:p>
+          <a:p>
+            <a:pPr lvl="3"/>
+            <a:r>
+              <a:rPr lang="en-US"/>
+              <a:t>Fourth level</a:t>
+            </a:r>
+          </a:p>
+          <a:p>
+            <a:pPr lvl="4"/>
+            <a:r>
+              <a:rPr lang="en-US"/>
+              <a:t>Fifth level</a:t>
+            </a:r>
+            <a:endParaRPr lang="en-AU"/>
+          </a:p>
+        </p:txBody>
+      </p:sp>
+      <p:sp>
+        <p:nvSpPr>
+          <p:cNvPr id="6" name="Footer Placeholder 5"/>
+          <p:cNvSpPr>
+            <a:spLocks noGrp="1"/>
+          </p:cNvSpPr>
+          <p:nvPr>
+            <p:ph type="ftr" sz="quarter" idx="4"/>
+          </p:nvPr>
+        </p:nvSpPr>
+        <p:spPr>
+          <a:xfrm>
+            <a:off x="0" y="8685213"/>
+            <a:ext cx="2971800" cy="458787"/>
+          </a:xfrm>
+          <a:prstGeom prst="rect">
+            <a:avLst/>
+          </a:prstGeom>
+        </p:spPr>
+        <p:txBody>
+          <a:bodyPr vert="horz" lIns="91440" tIns="45720" rIns="91440" bIns="45720" rtlCol="0" anchor="b"/>
+          <a:lstStyle>
+            <a:lvl1pPr algn="l">
+              <a:defRPr sz="1200"/>
+            </a:lvl1pPr>
+          </a:lstStyle>
+          <a:p>
+            <a:endParaRPr lang="en-AU"/>
+          </a:p>
+        </p:txBody>
+      </p:sp>
+      <p:sp>
+        <p:nvSpPr>
+          <p:cNvPr id="7" name="Slide Number Placeholder 6"/>
+          <p:cNvSpPr>
+            <a:spLocks noGrp="1"/>
+          </p:cNvSpPr>
+          <p:nvPr>
+            <p:ph type="sldNum" sz="quarter" idx="5"/>
+          </p:nvPr>
+        </p:nvSpPr>
+        <p:spPr>
+          <a:xfrm>
+            <a:off x="3884613" y="8685213"/>
+            <a:ext cx="2971800" cy="458787"/>
+          </a:xfrm>
+          <a:prstGeom prst="rect">
+            <a:avLst/>
+          </a:prstGeom>
+        </p:spPr>
+        <p:txBody>
+          <a:bodyPr vert="horz" lIns="91440" tIns="45720" rIns="91440" bIns="45720" rtlCol="0" anchor="b"/>
+          <a:lstStyle>
+            <a:lvl1pPr algn="r">
+              <a:defRPr sz="1200"/>
+            </a:lvl1pPr>
+          </a:lstStyle>
+          <a:p>
+            <a:fld id="{7971F8A2-233D-4DB7-80D9-304E9A164AF9}" type="slidenum">
+              <a:rPr lang="en-AU" smtClean="0"/>
+              <a:t>‹#›</a:t>
+            </a:fld>
+            <a:endParaRPr lang="en-AU"/>
+          </a:p>
+        </p:txBody>
+      </p:sp>
+    </p:spTree>
+    <p:extLst>
+      <p:ext uri="{BB962C8B-B14F-4D97-AF65-F5344CB8AC3E}">
+        <p14:creationId xmlns:p14="http://schemas.microsoft.com/office/powerpoint/2010/main" val="975516156"/>
+      </p:ext>
+    </p:extLst>
+  </p:cSld>
+  <p:clrMap bg1="lt1" tx1="dk1" bg2="lt2" tx2="dk2" accent1="accent1" accent2="accent2" accent3="accent3" accent4="accent4" accent5="accent5" accent6="accent6" hlink="hlink" folHlink="folHlink"/>
+  <p:notesStyle>
+    <a:lvl1pPr marL="0" algn="l" defTabSz="914400" rtl="0" eaLnBrk="1" latinLnBrk="0" hangingPunct="1">
+      <a:defRPr sz="1200" kern="1200">
+        <a:solidFill>
+          <a:schemeClr val="tx1"/>
+        </a:solidFill>
+        <a:latin typeface="+mn-lt"/>
+        <a:ea typeface="+mn-ea"/>
+        <a:cs typeface="+mn-cs"/>
+      </a:defRPr>
+    </a:lvl1pPr>
+    <a:lvl2pPr marL="457200" algn="l" defTabSz="914400" rtl="0" eaLnBrk="1" latinLnBrk="0" hangingPunct="1">
+      <a:defRPr sz="1200" kern="1200">
+        <a:solidFill>
+          <a:schemeClr val="tx1"/>
+        </a:solidFill>
+        <a:latin typeface="+mn-lt"/>
+        <a:ea typeface="+mn-ea"/>
+        <a:cs typeface="+mn-cs"/>
+      </a:defRPr>
+    </a:lvl2pPr>
+    <a:lvl3pPr marL="914400" algn="l" defTabSz="914400" rtl="0" eaLnBrk="1" latinLnBrk="0" hangingPunct="1">
+      <a:defRPr sz="1200" kern="1200">
+        <a:solidFill>
+          <a:schemeClr val="tx1"/>
+        </a:solidFill>
+        <a:latin typeface="+mn-lt"/>
+        <a:ea typeface="+mn-ea"/>
+        <a:cs typeface="+mn-cs"/>
+      </a:defRPr>
+    </a:lvl3pPr>
+    <a:lvl4pPr marL="1371600" algn="l" defTabSz="914400" rtl="0" eaLnBrk="1" latinLnBrk="0" hangingPunct="1">
+      <a:defRPr sz="1200" kern="1200">
+        <a:solidFill>
+          <a:schemeClr val="tx1"/>
+        </a:solidFill>
+        <a:latin typeface="+mn-lt"/>
+        <a:ea typeface="+mn-ea"/>
+        <a:cs typeface="+mn-cs"/>
+      </a:defRPr>
+    </a:lvl4pPr>
+    <a:lvl5pPr marL="1828800" algn="l" defTabSz="914400" rtl="0" eaLnBrk="1" latinLnBrk="0" hangingPunct="1">
+      <a:defRPr sz="1200" kern="1200">
+        <a:solidFill>
+          <a:schemeClr val="tx1"/>
+        </a:solidFill>
+        <a:latin typeface="+mn-lt"/>
+        <a:ea typeface="+mn-ea"/>
+        <a:cs typeface="+mn-cs"/>
+      </a:defRPr>
+    </a:lvl5pPr>
+    <a:lvl6pPr marL="2286000" algn="l" defTabSz="914400" rtl="0" eaLnBrk="1" latinLnBrk="0" hangingPunct="1">
+      <a:defRPr sz="1200" kern="1200">
+        <a:solidFill>
+          <a:schemeClr val="tx1"/>
+        </a:solidFill>
+        <a:latin typeface="+mn-lt"/>
+        <a:ea typeface="+mn-ea"/>
+        <a:cs typeface="+mn-cs"/>
+      </a:defRPr>
+    </a:lvl6pPr>
+    <a:lvl7pPr marL="2743200" algn="l" defTabSz="914400" rtl="0" eaLnBrk="1" latinLnBrk="0" hangingPunct="1">
+      <a:defRPr sz="1200" kern="1200">
+        <a:solidFill>
+          <a:schemeClr val="tx1"/>
+        </a:solidFill>
+        <a:latin typeface="+mn-lt"/>
+        <a:ea typeface="+mn-ea"/>
+        <a:cs typeface="+mn-cs"/>
+      </a:defRPr>
+    </a:lvl7pPr>
+    <a:lvl8pPr marL="3200400" algn="l" defTabSz="914400" rtl="0" eaLnBrk="1" latinLnBrk="0" hangingPunct="1">
+      <a:defRPr sz="1200" kern="1200">
+        <a:solidFill>
+          <a:schemeClr val="tx1"/>
+        </a:solidFill>
+        <a:latin typeface="+mn-lt"/>
+        <a:ea typeface="+mn-ea"/>
+        <a:cs typeface="+mn-cs"/>
+      </a:defRPr>
+    </a:lvl8pPr>
+    <a:lvl9pPr marL="3657600" algn="l" defTabSz="914400" rtl="0" eaLnBrk="1" latinLnBrk="0" hangingPunct="1">
+      <a:defRPr sz="1200" kern="1200">
+        <a:solidFill>
+          <a:schemeClr val="tx1"/>
+        </a:solidFill>
+        <a:latin typeface="+mn-lt"/>
+        <a:ea typeface="+mn-ea"/>
+        <a:cs typeface="+mn-cs"/>
+      </a:defRPr>
+    </a:lvl9pPr>
+  </p:notesStyle>
+</p:notesMaster>
+</file>
+
+<file path=ppt/notesSlides/notesSlide1.xml><?xml version="1.0" encoding="utf-8"?>
+<p:notes xmlns:a="http://schemas.openxmlformats.org/drawingml/2006/main" xmlns:r="http://schemas.openxmlformats.org/officeDocument/2006/relationships" xmlns:p="http://schemas.openxmlformats.org/presentationml/2006/main">
+  <p:cSld>
+    <p:spTree>
+      <p:nvGrpSpPr>
+        <p:cNvPr id="1" name=""/>
+        <p:cNvGrpSpPr/>
+        <p:nvPr/>
+      </p:nvGrpSpPr>
+      <p:grpSpPr>
+        <a:xfrm>
+          <a:off x="0" y="0"/>
+          <a:ext cx="0" cy="0"/>
+          <a:chOff x="0" y="0"/>
+          <a:chExt cx="0" cy="0"/>
+        </a:xfrm>
+      </p:grpSpPr>
+      <p:sp>
+        <p:nvSpPr>
+          <p:cNvPr id="2" name="Slide Image Placeholder 1"/>
+          <p:cNvSpPr>
+            <a:spLocks noGrp="1" noRot="1" noChangeAspect="1"/>
+          </p:cNvSpPr>
+          <p:nvPr>
+            <p:ph type="sldImg"/>
+          </p:nvPr>
+        </p:nvSpPr>
+        <p:spPr/>
+      </p:sp>
+      <p:sp>
+        <p:nvSpPr>
+          <p:cNvPr id="3" name="Notes Placeholder 2"/>
+          <p:cNvSpPr>
+            <a:spLocks noGrp="1"/>
+          </p:cNvSpPr>
+          <p:nvPr>
+            <p:ph type="body" idx="1"/>
+          </p:nvPr>
+        </p:nvSpPr>
+        <p:spPr/>
+        <p:txBody>
+          <a:bodyPr/>
+          <a:lstStyle/>
+          <a:p>
+            <a:endParaRPr lang="en-AU" dirty="0"/>
+          </a:p>
+        </p:txBody>
+      </p:sp>
+      <p:sp>
+        <p:nvSpPr>
+          <p:cNvPr id="4" name="Slide Number Placeholder 3"/>
+          <p:cNvSpPr>
+            <a:spLocks noGrp="1"/>
+          </p:cNvSpPr>
+          <p:nvPr>
+            <p:ph type="sldNum" sz="quarter" idx="5"/>
+          </p:nvPr>
+        </p:nvSpPr>
+        <p:spPr/>
+        <p:txBody>
+          <a:bodyPr/>
+          <a:lstStyle/>
+          <a:p>
+            <a:fld id="{7971F8A2-233D-4DB7-80D9-304E9A164AF9}" type="slidenum">
+              <a:rPr lang="en-AU" smtClean="0"/>
+              <a:t>1</a:t>
+            </a:fld>
+            <a:endParaRPr lang="en-AU"/>
+          </a:p>
+        </p:txBody>
+      </p:sp>
+    </p:spTree>
+    <p:extLst>
+      <p:ext uri="{BB962C8B-B14F-4D97-AF65-F5344CB8AC3E}">
+        <p14:creationId xmlns:p14="http://schemas.microsoft.com/office/powerpoint/2010/main" val="1128849125"/>
+      </p:ext>
+    </p:extLst>
+  </p:cSld>
+  <p:clrMapOvr>
+    <a:masterClrMapping/>
+  </p:clrMapOvr>
+</p:notes>
+</file>
+
+<file path=ppt/notesSlides/notesSlide2.xml><?xml version="1.0" encoding="utf-8"?>
+<p:notes xmlns:a="http://schemas.openxmlformats.org/drawingml/2006/main" xmlns:r="http://schemas.openxmlformats.org/officeDocument/2006/relationships" xmlns:p="http://schemas.openxmlformats.org/presentationml/2006/main">
+  <p:cSld>
+    <p:spTree>
+      <p:nvGrpSpPr>
+        <p:cNvPr id="1" name=""/>
+        <p:cNvGrpSpPr/>
+        <p:nvPr/>
+      </p:nvGrpSpPr>
+      <p:grpSpPr>
+        <a:xfrm>
+          <a:off x="0" y="0"/>
+          <a:ext cx="0" cy="0"/>
+          <a:chOff x="0" y="0"/>
+          <a:chExt cx="0" cy="0"/>
+        </a:xfrm>
+      </p:grpSpPr>
+      <p:sp>
+        <p:nvSpPr>
+          <p:cNvPr id="2" name="Slide Image Placeholder 1"/>
+          <p:cNvSpPr>
+            <a:spLocks noGrp="1" noRot="1" noChangeAspect="1"/>
+          </p:cNvSpPr>
+          <p:nvPr>
+            <p:ph type="sldImg"/>
+          </p:nvPr>
+        </p:nvSpPr>
+        <p:spPr/>
+      </p:sp>
+      <p:sp>
+        <p:nvSpPr>
+          <p:cNvPr id="3" name="Notes Placeholder 2"/>
+          <p:cNvSpPr>
+            <a:spLocks noGrp="1"/>
+          </p:cNvSpPr>
+          <p:nvPr>
+            <p:ph type="body" idx="1"/>
+          </p:nvPr>
+        </p:nvSpPr>
+        <p:spPr/>
+        <p:txBody>
+          <a:bodyPr/>
+          <a:lstStyle/>
+          <a:p>
+            <a:pPr algn="l"/>
+            <a:r>
+              <a:rPr lang="en-AU" dirty="0"/>
+              <a:t>Recently, deep learning has been used to solve many complex medical problems such as detecting Multiple Sclerosis, Alzheimer's disease and various types of cancer [8].</a:t>
+            </a:r>
+          </a:p>
+          <a:p>
+            <a:pPr algn="l"/>
+            <a:r>
+              <a:rPr lang="en-AU" dirty="0"/>
+              <a:t>The interest in deep learning for medical imaging has largely been due to the ability of convolutional neural networks (CNNs) to learn useful representations of complex images.</a:t>
+            </a:r>
+          </a:p>
+          <a:p>
+            <a:pPr algn="l"/>
+            <a:r>
+              <a:rPr lang="en-AU" dirty="0"/>
+              <a:t>Lee et al. [9] found that radiological examinations' retrospective error rate is approximately 30%. As such, automated approaches are becoming necessary.</a:t>
+            </a:r>
+          </a:p>
+          <a:p>
+            <a:endParaRPr lang="en-AU" dirty="0"/>
+          </a:p>
+        </p:txBody>
+      </p:sp>
+      <p:sp>
+        <p:nvSpPr>
+          <p:cNvPr id="4" name="Slide Number Placeholder 3"/>
+          <p:cNvSpPr>
+            <a:spLocks noGrp="1"/>
+          </p:cNvSpPr>
+          <p:nvPr>
+            <p:ph type="sldNum" sz="quarter" idx="5"/>
+          </p:nvPr>
+        </p:nvSpPr>
+        <p:spPr/>
+        <p:txBody>
+          <a:bodyPr/>
+          <a:lstStyle/>
+          <a:p>
+            <a:fld id="{7971F8A2-233D-4DB7-80D9-304E9A164AF9}" type="slidenum">
+              <a:rPr lang="en-AU" smtClean="0"/>
+              <a:t>5</a:t>
+            </a:fld>
+            <a:endParaRPr lang="en-AU"/>
+          </a:p>
+        </p:txBody>
+      </p:sp>
+    </p:spTree>
+    <p:extLst>
+      <p:ext uri="{BB962C8B-B14F-4D97-AF65-F5344CB8AC3E}">
+        <p14:creationId xmlns:p14="http://schemas.microsoft.com/office/powerpoint/2010/main" val="441370729"/>
+      </p:ext>
+    </p:extLst>
+  </p:cSld>
+  <p:clrMapOvr>
+    <a:masterClrMapping/>
+  </p:clrMapOvr>
+</p:notes>
+</file>
+
+<file path=ppt/notesSlides/notesSlide3.xml><?xml version="1.0" encoding="utf-8"?>
+<p:notes xmlns:a="http://schemas.openxmlformats.org/drawingml/2006/main" xmlns:r="http://schemas.openxmlformats.org/officeDocument/2006/relationships" xmlns:p="http://schemas.openxmlformats.org/presentationml/2006/main">
+  <p:cSld>
+    <p:spTree>
+      <p:nvGrpSpPr>
+        <p:cNvPr id="1" name=""/>
+        <p:cNvGrpSpPr/>
+        <p:nvPr/>
+      </p:nvGrpSpPr>
+      <p:grpSpPr>
+        <a:xfrm>
+          <a:off x="0" y="0"/>
+          <a:ext cx="0" cy="0"/>
+          <a:chOff x="0" y="0"/>
+          <a:chExt cx="0" cy="0"/>
+        </a:xfrm>
+      </p:grpSpPr>
+      <p:sp>
+        <p:nvSpPr>
+          <p:cNvPr id="2" name="Slide Image Placeholder 1"/>
+          <p:cNvSpPr>
+            <a:spLocks noGrp="1" noRot="1" noChangeAspect="1"/>
+          </p:cNvSpPr>
+          <p:nvPr>
+            <p:ph type="sldImg"/>
+          </p:nvPr>
+        </p:nvSpPr>
+        <p:spPr/>
+      </p:sp>
+      <p:sp>
+        <p:nvSpPr>
+          <p:cNvPr id="3" name="Notes Placeholder 2"/>
+          <p:cNvSpPr>
+            <a:spLocks noGrp="1"/>
+          </p:cNvSpPr>
+          <p:nvPr>
+            <p:ph type="body" idx="1"/>
+          </p:nvPr>
+        </p:nvSpPr>
+        <p:spPr/>
+        <p:txBody>
+          <a:bodyPr/>
+          <a:lstStyle/>
+          <a:p>
+            <a:endParaRPr lang="en-AU" dirty="0"/>
+          </a:p>
+        </p:txBody>
+      </p:sp>
+      <p:sp>
+        <p:nvSpPr>
+          <p:cNvPr id="4" name="Slide Number Placeholder 3"/>
+          <p:cNvSpPr>
+            <a:spLocks noGrp="1"/>
+          </p:cNvSpPr>
+          <p:nvPr>
+            <p:ph type="sldNum" sz="quarter" idx="5"/>
+          </p:nvPr>
+        </p:nvSpPr>
+        <p:spPr/>
+        <p:txBody>
+          <a:bodyPr/>
+          <a:lstStyle/>
+          <a:p>
+            <a:fld id="{7971F8A2-233D-4DB7-80D9-304E9A164AF9}" type="slidenum">
+              <a:rPr lang="en-AU" smtClean="0"/>
+              <a:t>6</a:t>
+            </a:fld>
+            <a:endParaRPr lang="en-AU"/>
+          </a:p>
+        </p:txBody>
+      </p:sp>
+    </p:spTree>
+    <p:extLst>
+      <p:ext uri="{BB962C8B-B14F-4D97-AF65-F5344CB8AC3E}">
+        <p14:creationId xmlns:p14="http://schemas.microsoft.com/office/powerpoint/2010/main" val="2513660104"/>
+      </p:ext>
+    </p:extLst>
+  </p:cSld>
+  <p:clrMapOvr>
+    <a:masterClrMapping/>
+  </p:clrMapOvr>
+</p:notes>
 </file>
 
 <file path=ppt/slideLayouts/slideLayout1.xml><?xml version="1.0" encoding="utf-8"?>
@@ -284,9 +933,9 @@
           <a:bodyPr/>
           <a:lstStyle/>
           <a:p>
-            <a:fld id="{82EDB8D0-98ED-4B86-9D5F-E61ADC70144D}" type="datetimeFigureOut">
+            <a:fld id="{19FCC6BE-DE4C-49E6-AA89-0BF81C1C9E15}" type="datetime1">
               <a:rPr lang="en-US" smtClean="0"/>
-              <a:t>10/6/2021</a:t>
+              <a:t>10/7/2021</a:t>
             </a:fld>
             <a:endParaRPr lang="en-US" dirty="0"/>
           </a:p>
@@ -699,9 +1348,9 @@
           <a:bodyPr/>
           <a:lstStyle/>
           <a:p>
-            <a:fld id="{82EDB8D0-98ED-4B86-9D5F-E61ADC70144D}" type="datetimeFigureOut">
+            <a:fld id="{76A28B9F-3A9B-412A-8435-7DF34B08E525}" type="datetime1">
               <a:rPr lang="en-US" smtClean="0"/>
-              <a:t>10/6/2021</a:t>
+              <a:t>10/7/2021</a:t>
             </a:fld>
             <a:endParaRPr lang="en-US"/>
           </a:p>
@@ -1191,9 +1840,9 @@
           <a:bodyPr/>
           <a:lstStyle/>
           <a:p>
-            <a:fld id="{82EDB8D0-98ED-4B86-9D5F-E61ADC70144D}" type="datetimeFigureOut">
+            <a:fld id="{6E90F90B-9D46-42B4-98F6-045831B94B44}" type="datetime1">
               <a:rPr lang="en-US" smtClean="0"/>
-              <a:t>10/6/2021</a:t>
+              <a:t>10/7/2021</a:t>
             </a:fld>
             <a:endParaRPr lang="en-US"/>
           </a:p>
@@ -1678,9 +2327,9 @@
           <a:bodyPr/>
           <a:lstStyle/>
           <a:p>
-            <a:fld id="{82EDB8D0-98ED-4B86-9D5F-E61ADC70144D}" type="datetimeFigureOut">
+            <a:fld id="{34A90BBD-7CBB-4FE0-804E-7FF8FF06AE36}" type="datetime1">
               <a:rPr lang="en-US" smtClean="0"/>
-              <a:t>10/6/2021</a:t>
+              <a:t>10/7/2021</a:t>
             </a:fld>
             <a:endParaRPr lang="en-US" dirty="0"/>
           </a:p>
@@ -2447,9 +3096,9 @@
           <a:bodyPr/>
           <a:lstStyle/>
           <a:p>
-            <a:fld id="{82EDB8D0-98ED-4B86-9D5F-E61ADC70144D}" type="datetimeFigureOut">
+            <a:fld id="{C4D6C5FB-6CED-4648-9B1E-A79C06976435}" type="datetime1">
               <a:rPr lang="en-US" smtClean="0"/>
-              <a:t>10/6/2021</a:t>
+              <a:t>10/7/2021</a:t>
             </a:fld>
             <a:endParaRPr lang="en-US"/>
           </a:p>
@@ -2929,9 +3578,9 @@
           <a:bodyPr/>
           <a:lstStyle/>
           <a:p>
-            <a:fld id="{82EDB8D0-98ED-4B86-9D5F-E61ADC70144D}" type="datetimeFigureOut">
+            <a:fld id="{A9EB814B-2280-4EF5-8A64-455FF2C147E9}" type="datetime1">
               <a:rPr lang="en-US" smtClean="0"/>
-              <a:t>10/6/2021</a:t>
+              <a:t>10/7/2021</a:t>
             </a:fld>
             <a:endParaRPr lang="en-US"/>
           </a:p>
@@ -3625,9 +4274,9 @@
           <a:bodyPr/>
           <a:lstStyle/>
           <a:p>
-            <a:fld id="{82EDB8D0-98ED-4B86-9D5F-E61ADC70144D}" type="datetimeFigureOut">
+            <a:fld id="{213EF9EB-5A7A-4E98-8FCF-A4E57142B912}" type="datetime1">
               <a:rPr lang="en-US" smtClean="0"/>
-              <a:t>10/6/2021</a:t>
+              <a:t>10/7/2021</a:t>
             </a:fld>
             <a:endParaRPr lang="en-US"/>
           </a:p>
@@ -4050,9 +4699,9 @@
           <a:bodyPr/>
           <a:lstStyle/>
           <a:p>
-            <a:fld id="{82EDB8D0-98ED-4B86-9D5F-E61ADC70144D}" type="datetimeFigureOut">
+            <a:fld id="{C00EE607-CFAA-438D-82BE-FB41379DF84A}" type="datetime1">
               <a:rPr lang="en-US" smtClean="0"/>
-              <a:t>10/6/2021</a:t>
+              <a:t>10/7/2021</a:t>
             </a:fld>
             <a:endParaRPr lang="en-US"/>
           </a:p>
@@ -4447,9 +5096,9 @@
           <a:bodyPr/>
           <a:lstStyle/>
           <a:p>
-            <a:fld id="{82EDB8D0-98ED-4B86-9D5F-E61ADC70144D}" type="datetimeFigureOut">
+            <a:fld id="{8BC25AB1-2D92-48E6-BCD7-F99E6660DA1D}" type="datetime1">
               <a:rPr lang="en-US" smtClean="0"/>
-              <a:t>10/6/2021</a:t>
+              <a:t>10/7/2021</a:t>
             </a:fld>
             <a:endParaRPr lang="en-US"/>
           </a:p>
@@ -5042,9 +5691,9 @@
           <a:bodyPr/>
           <a:lstStyle/>
           <a:p>
-            <a:fld id="{82EDB8D0-98ED-4B86-9D5F-E61ADC70144D}" type="datetimeFigureOut">
+            <a:fld id="{B4180CD0-A630-4B4B-87F8-BCE6DAF44310}" type="datetime1">
               <a:rPr lang="en-US" smtClean="0"/>
-              <a:t>10/6/2021</a:t>
+              <a:t>10/7/2021</a:t>
             </a:fld>
             <a:endParaRPr lang="en-US"/>
           </a:p>
@@ -5617,9 +6266,9 @@
           <a:bodyPr/>
           <a:lstStyle/>
           <a:p>
-            <a:fld id="{82EDB8D0-98ED-4B86-9D5F-E61ADC70144D}" type="datetimeFigureOut">
+            <a:fld id="{40BAA683-EB3C-4792-BA68-AF42246DBF6F}" type="datetime1">
               <a:rPr lang="en-US" smtClean="0"/>
-              <a:t>10/6/2021</a:t>
+              <a:t>10/7/2021</a:t>
             </a:fld>
             <a:endParaRPr lang="en-US"/>
           </a:p>
@@ -6143,10 +6792,9 @@
             </a:lvl1pPr>
           </a:lstStyle>
           <a:p>
-            <a:fld id="{82EDB8D0-98ED-4B86-9D5F-E61ADC70144D}" type="datetimeFigureOut">
+            <a:fld id="{8568B2C1-F547-45FE-B409-11B66C8D39B9}" type="datetime1">
               <a:rPr lang="en-US" smtClean="0"/>
-              <a:pPr/>
-              <a:t>10/6/2021</a:t>
+              <a:t>10/7/2021</a:t>
             </a:fld>
             <a:endParaRPr lang="en-US" dirty="0"/>
           </a:p>
@@ -6266,6 +6914,7 @@
     <p:sldLayoutId id="2147483692" r:id="rId10"/>
     <p:sldLayoutId id="2147483694" r:id="rId11"/>
   </p:sldLayoutIdLst>
+  <p:hf hdr="0" ftr="0" dt="0"/>
   <p:txStyles>
     <p:titleStyle>
       <a:lvl1pPr algn="l" defTabSz="914400" rtl="0" eaLnBrk="1" latinLnBrk="0" hangingPunct="1">
@@ -6787,10 +7436,9 @@
           <a:p>
             <a:pPr algn="l"/>
             <a:r>
-              <a:rPr lang="en-AU" sz="3600"/>
+              <a:rPr lang="en-AU" sz="3600" dirty="0"/>
               <a:t>Predicting Conversion from Normal Cognition to Cognitive Impairment</a:t>
             </a:r>
-            <a:endParaRPr lang="en-AU" sz="3600" dirty="0"/>
           </a:p>
         </p:txBody>
       </p:sp>
@@ -6812,8 +7460,8 @@
         </p:nvSpPr>
         <p:spPr>
           <a:xfrm>
-            <a:off x="892818" y="3849845"/>
-            <a:ext cx="5085580" cy="1881751"/>
+            <a:off x="892818" y="3849846"/>
+            <a:ext cx="5085580" cy="2265820"/>
           </a:xfrm>
         </p:spPr>
         <p:txBody>
@@ -6822,44 +7470,67 @@
           </a:bodyPr>
           <a:lstStyle/>
           <a:p>
-            <a:pPr algn="l"/>
-            <a:r>
-              <a:rPr lang="en-AU" sz="3400"/>
+            <a:pPr algn="l">
+              <a:lnSpc>
+                <a:spcPct val="120000"/>
+              </a:lnSpc>
+            </a:pPr>
+            <a:r>
+              <a:rPr lang="en-AU" sz="3400" dirty="0"/>
               <a:t>Justin Bardwell </a:t>
             </a:r>
           </a:p>
           <a:p>
-            <a:pPr algn="l"/>
-            <a:endParaRPr lang="en-AU" sz="1300"/>
-          </a:p>
-          <a:p>
-            <a:pPr algn="l"/>
-            <a:r>
-              <a:rPr lang="en-AU" sz="2600"/>
+            <a:pPr algn="l">
+              <a:lnSpc>
+                <a:spcPct val="120000"/>
+              </a:lnSpc>
+            </a:pPr>
+            <a:endParaRPr lang="en-AU" sz="100" dirty="0"/>
+          </a:p>
+          <a:p>
+            <a:pPr algn="l">
+              <a:lnSpc>
+                <a:spcPct val="120000"/>
+              </a:lnSpc>
+            </a:pPr>
+            <a:r>
+              <a:rPr lang="en-AU" sz="2600" dirty="0"/>
               <a:t>Supervisors: </a:t>
             </a:r>
           </a:p>
           <a:p>
-            <a:pPr lvl="1" algn="l"/>
-            <a:r>
-              <a:rPr lang="en-AU" sz="2200"/>
-              <a:t>Ghulam Mubashar Hassan, </a:t>
-            </a:r>
-          </a:p>
-          <a:p>
-            <a:pPr lvl="1" algn="l"/>
-            <a:r>
-              <a:rPr lang="en-AU" sz="2200"/>
-              <a:t>Farzaneh Salami, </a:t>
-            </a:r>
-          </a:p>
-          <a:p>
-            <a:pPr lvl="1" algn="l"/>
-            <a:r>
-              <a:rPr lang="en-AU" sz="2200"/>
+            <a:pPr lvl="1" algn="l">
+              <a:lnSpc>
+                <a:spcPct val="120000"/>
+              </a:lnSpc>
+            </a:pPr>
+            <a:r>
+              <a:rPr lang="en-AU" sz="2300" dirty="0"/>
+              <a:t>Ghulam Mubashar Hassan </a:t>
+            </a:r>
+          </a:p>
+          <a:p>
+            <a:pPr lvl="1" algn="l">
+              <a:lnSpc>
+                <a:spcPct val="120000"/>
+              </a:lnSpc>
+            </a:pPr>
+            <a:r>
+              <a:rPr lang="en-AU" sz="2300" dirty="0"/>
+              <a:t>Farzaneh Salami </a:t>
+            </a:r>
+          </a:p>
+          <a:p>
+            <a:pPr lvl="1" algn="l">
+              <a:lnSpc>
+                <a:spcPct val="120000"/>
+              </a:lnSpc>
+            </a:pPr>
+            <a:r>
+              <a:rPr lang="en-AU" sz="2300" dirty="0"/>
               <a:t>Naveed Akhtar</a:t>
             </a:r>
-            <a:endParaRPr lang="en-AU" sz="2200" dirty="0"/>
           </a:p>
         </p:txBody>
       </p:sp>
@@ -6970,7 +7641,7 @@
           <p:nvPr/>
         </p:nvPicPr>
         <p:blipFill rotWithShape="1">
-          <a:blip r:embed="rId2"/>
+          <a:blip r:embed="rId3"/>
           <a:srcRect l="2500" r="4" b="4"/>
           <a:stretch/>
         </p:blipFill>
@@ -7109,6 +7780,35 @@
           </a:p>
         </p:txBody>
       </p:sp>
+      <p:sp>
+        <p:nvSpPr>
+          <p:cNvPr id="5" name="Slide Number Placeholder 4">
+            <a:extLst>
+              <a:ext uri="{FF2B5EF4-FFF2-40B4-BE49-F238E27FC236}">
+                <a16:creationId xmlns:a16="http://schemas.microsoft.com/office/drawing/2014/main" id="{11652D06-A357-4361-B8C6-BC20858D3D92}"/>
+              </a:ext>
+            </a:extLst>
+          </p:cNvPr>
+          <p:cNvSpPr>
+            <a:spLocks noGrp="1"/>
+          </p:cNvSpPr>
+          <p:nvPr>
+            <p:ph type="sldNum" sz="quarter" idx="12"/>
+          </p:nvPr>
+        </p:nvSpPr>
+        <p:spPr/>
+        <p:txBody>
+          <a:bodyPr/>
+          <a:lstStyle/>
+          <a:p>
+            <a:fld id="{4854181D-6920-4594-9A5D-6CE56DC9F8B2}" type="slidenum">
+              <a:rPr lang="en-US" smtClean="0"/>
+              <a:t>1</a:t>
+            </a:fld>
+            <a:endParaRPr lang="en-US"/>
+          </a:p>
+        </p:txBody>
+      </p:sp>
     </p:spTree>
     <p:extLst>
       <p:ext uri="{BB962C8B-B14F-4D97-AF65-F5344CB8AC3E}">
@@ -7183,12 +7883,114 @@
             <p:ph idx="1"/>
           </p:nvPr>
         </p:nvSpPr>
+        <p:spPr>
+          <a:xfrm>
+            <a:off x="838199" y="1825625"/>
+            <a:ext cx="10784305" cy="3859742"/>
+          </a:xfrm>
+        </p:spPr>
+        <p:txBody>
+          <a:bodyPr>
+            <a:normAutofit fontScale="92500" lnSpcReduction="20000"/>
+          </a:bodyPr>
+          <a:lstStyle/>
+          <a:p>
+            <a:pPr algn="l">
+              <a:lnSpc>
+                <a:spcPct val="110000"/>
+              </a:lnSpc>
+            </a:pPr>
+            <a:r>
+              <a:rPr lang="en-AU" dirty="0"/>
+              <a:t>Experiment 1 – Compare the performance of a 3D CNN using a voxel-based approach versus a patch-based approach.</a:t>
+            </a:r>
+          </a:p>
+          <a:p>
+            <a:pPr lvl="1">
+              <a:lnSpc>
+                <a:spcPct val="110000"/>
+              </a:lnSpc>
+            </a:pPr>
+            <a:r>
+              <a:rPr lang="en-AU" dirty="0"/>
+              <a:t>Hypothesis: The patch-based model will be able to provide more accurate predictions than the voxel-based model.</a:t>
+            </a:r>
+          </a:p>
+          <a:p>
+            <a:pPr marL="457200" lvl="1" indent="0">
+              <a:lnSpc>
+                <a:spcPct val="110000"/>
+              </a:lnSpc>
+              <a:buNone/>
+            </a:pPr>
+            <a:endParaRPr lang="en-AU" sz="2200" dirty="0"/>
+          </a:p>
+          <a:p>
+            <a:pPr algn="l">
+              <a:lnSpc>
+                <a:spcPct val="110000"/>
+              </a:lnSpc>
+            </a:pPr>
+            <a:r>
+              <a:rPr lang="en-AU" dirty="0"/>
+              <a:t>Experiment 2 – Explore any improvements in model performance that can be attained using different CNN architectures. </a:t>
+            </a:r>
+          </a:p>
+          <a:p>
+            <a:pPr lvl="1">
+              <a:lnSpc>
+                <a:spcPct val="110000"/>
+              </a:lnSpc>
+            </a:pPr>
+            <a:r>
+              <a:rPr lang="en-AU" dirty="0"/>
+              <a:t>Hypothesis: There will be differences in model accuracy between each model. An ensemble method using all of the CNN architectures tested will provide the greatest accuracy for our predictions. </a:t>
+            </a:r>
+          </a:p>
+          <a:p>
+            <a:pPr lvl="2">
+              <a:lnSpc>
+                <a:spcPct val="110000"/>
+              </a:lnSpc>
+            </a:pPr>
+            <a:endParaRPr lang="en-AU" dirty="0"/>
+          </a:p>
+          <a:p>
+            <a:pPr lvl="2">
+              <a:lnSpc>
+                <a:spcPct val="110000"/>
+              </a:lnSpc>
+            </a:pPr>
+            <a:endParaRPr lang="en-AU" dirty="0"/>
+          </a:p>
+        </p:txBody>
+      </p:sp>
+      <p:sp>
+        <p:nvSpPr>
+          <p:cNvPr id="4" name="Slide Number Placeholder 3">
+            <a:extLst>
+              <a:ext uri="{FF2B5EF4-FFF2-40B4-BE49-F238E27FC236}">
+                <a16:creationId xmlns:a16="http://schemas.microsoft.com/office/drawing/2014/main" id="{D9B100DC-AE84-467B-ABFA-DFA9E5A5F2AF}"/>
+              </a:ext>
+            </a:extLst>
+          </p:cNvPr>
+          <p:cNvSpPr>
+            <a:spLocks noGrp="1"/>
+          </p:cNvSpPr>
+          <p:nvPr>
+            <p:ph type="sldNum" sz="quarter" idx="12"/>
+          </p:nvPr>
+        </p:nvSpPr>
         <p:spPr/>
         <p:txBody>
           <a:bodyPr/>
           <a:lstStyle/>
           <a:p>
-            <a:endParaRPr lang="en-AU"/>
+            <a:fld id="{4854181D-6920-4594-9A5D-6CE56DC9F8B2}" type="slidenum">
+              <a:rPr lang="en-US" smtClean="0"/>
+              <a:t>10</a:t>
+            </a:fld>
+            <a:endParaRPr lang="en-US"/>
           </a:p>
         </p:txBody>
       </p:sp>
@@ -7252,10 +8054,10 @@
       </p:sp>
       <p:sp>
         <p:nvSpPr>
-          <p:cNvPr id="3" name="Content Placeholder 2">
-            <a:extLst>
-              <a:ext uri="{FF2B5EF4-FFF2-40B4-BE49-F238E27FC236}">
-                <a16:creationId xmlns:a16="http://schemas.microsoft.com/office/drawing/2014/main" id="{036F2E9A-3576-4E39-B130-17F4F6092F1F}"/>
+          <p:cNvPr id="5" name="Content Placeholder 4">
+            <a:extLst>
+              <a:ext uri="{FF2B5EF4-FFF2-40B4-BE49-F238E27FC236}">
+                <a16:creationId xmlns:a16="http://schemas.microsoft.com/office/drawing/2014/main" id="{F16B1B84-1E18-4353-9BAB-257BFEA31E09}"/>
               </a:ext>
             </a:extLst>
           </p:cNvPr>
@@ -7271,7 +8073,85 @@
           <a:bodyPr/>
           <a:lstStyle/>
           <a:p>
-            <a:endParaRPr lang="en-AU"/>
+            <a:pPr>
+              <a:lnSpc>
+                <a:spcPct val="100000"/>
+              </a:lnSpc>
+            </a:pPr>
+            <a:r>
+              <a:rPr lang="en-AU" dirty="0"/>
+              <a:t>Show image of the architecture instead of text</a:t>
+            </a:r>
+          </a:p>
+          <a:p>
+            <a:pPr lvl="1">
+              <a:lnSpc>
+                <a:spcPct val="100000"/>
+              </a:lnSpc>
+            </a:pPr>
+            <a:r>
+              <a:rPr lang="en-AU" dirty="0"/>
+              <a:t>ResNet50 – ImageNet weights</a:t>
+            </a:r>
+          </a:p>
+          <a:p>
+            <a:pPr lvl="1">
+              <a:lnSpc>
+                <a:spcPct val="100000"/>
+              </a:lnSpc>
+            </a:pPr>
+            <a:r>
+              <a:rPr lang="en-AU" dirty="0"/>
+              <a:t>3D image of whole brain used as input</a:t>
+            </a:r>
+          </a:p>
+          <a:p>
+            <a:pPr lvl="1">
+              <a:lnSpc>
+                <a:spcPct val="100000"/>
+              </a:lnSpc>
+            </a:pPr>
+            <a:r>
+              <a:rPr lang="en-AU" dirty="0"/>
+              <a:t>Output layer is sigmoid which provides a predicted probability</a:t>
+            </a:r>
+          </a:p>
+          <a:p>
+            <a:pPr lvl="1">
+              <a:lnSpc>
+                <a:spcPct val="100000"/>
+              </a:lnSpc>
+            </a:pPr>
+            <a:endParaRPr lang="en-AU" dirty="0"/>
+          </a:p>
+        </p:txBody>
+      </p:sp>
+      <p:sp>
+        <p:nvSpPr>
+          <p:cNvPr id="7" name="Slide Number Placeholder 6">
+            <a:extLst>
+              <a:ext uri="{FF2B5EF4-FFF2-40B4-BE49-F238E27FC236}">
+                <a16:creationId xmlns:a16="http://schemas.microsoft.com/office/drawing/2014/main" id="{7110FD41-8E88-446D-97B4-6E3CECE3DB93}"/>
+              </a:ext>
+            </a:extLst>
+          </p:cNvPr>
+          <p:cNvSpPr>
+            <a:spLocks noGrp="1"/>
+          </p:cNvSpPr>
+          <p:nvPr>
+            <p:ph type="sldNum" sz="quarter" idx="12"/>
+          </p:nvPr>
+        </p:nvSpPr>
+        <p:spPr/>
+        <p:txBody>
+          <a:bodyPr/>
+          <a:lstStyle/>
+          <a:p>
+            <a:fld id="{4854181D-6920-4594-9A5D-6CE56DC9F8B2}" type="slidenum">
+              <a:rPr lang="en-US" smtClean="0"/>
+              <a:t>11</a:t>
+            </a:fld>
+            <a:endParaRPr lang="en-US"/>
           </a:p>
         </p:txBody>
       </p:sp>
@@ -7335,10 +8215,10 @@
       </p:sp>
       <p:sp>
         <p:nvSpPr>
-          <p:cNvPr id="3" name="Content Placeholder 2">
-            <a:extLst>
-              <a:ext uri="{FF2B5EF4-FFF2-40B4-BE49-F238E27FC236}">
-                <a16:creationId xmlns:a16="http://schemas.microsoft.com/office/drawing/2014/main" id="{4BD0356E-5360-46DE-A0C7-F2BDC81E199E}"/>
+          <p:cNvPr id="6" name="Content Placeholder 2">
+            <a:extLst>
+              <a:ext uri="{FF2B5EF4-FFF2-40B4-BE49-F238E27FC236}">
+                <a16:creationId xmlns:a16="http://schemas.microsoft.com/office/drawing/2014/main" id="{82A0FF90-6E95-42F9-A23A-8BEFC6E6A3C9}"/>
               </a:ext>
             </a:extLst>
           </p:cNvPr>
@@ -7349,12 +8229,98 @@
             <p:ph idx="1"/>
           </p:nvPr>
         </p:nvSpPr>
+        <p:spPr>
+          <a:xfrm>
+            <a:off x="838200" y="1825625"/>
+            <a:ext cx="10515600" cy="3859213"/>
+          </a:xfrm>
+        </p:spPr>
+        <p:txBody>
+          <a:bodyPr/>
+          <a:lstStyle/>
+          <a:p>
+            <a:pPr>
+              <a:lnSpc>
+                <a:spcPct val="100000"/>
+              </a:lnSpc>
+            </a:pPr>
+            <a:r>
+              <a:rPr lang="en-AU" dirty="0"/>
+              <a:t>Show image of the architecture instead of text</a:t>
+            </a:r>
+          </a:p>
+          <a:p>
+            <a:pPr lvl="1">
+              <a:lnSpc>
+                <a:spcPct val="100000"/>
+              </a:lnSpc>
+            </a:pPr>
+            <a:r>
+              <a:rPr lang="en-AU" dirty="0"/>
+              <a:t>Break whole brain down to 27 patches (3x3x3)</a:t>
+            </a:r>
+          </a:p>
+          <a:p>
+            <a:pPr lvl="1">
+              <a:lnSpc>
+                <a:spcPct val="100000"/>
+              </a:lnSpc>
+            </a:pPr>
+            <a:r>
+              <a:rPr lang="en-AU" dirty="0"/>
+              <a:t>Feed each of the patches into a 3D CNN</a:t>
+            </a:r>
+          </a:p>
+          <a:p>
+            <a:pPr lvl="1">
+              <a:lnSpc>
+                <a:spcPct val="100000"/>
+              </a:lnSpc>
+            </a:pPr>
+            <a:r>
+              <a:rPr lang="en-AU" dirty="0"/>
+              <a:t>Save the output predictions from each patch</a:t>
+            </a:r>
+          </a:p>
+          <a:p>
+            <a:pPr lvl="1">
+              <a:lnSpc>
+                <a:spcPct val="100000"/>
+              </a:lnSpc>
+            </a:pPr>
+            <a:r>
+              <a:rPr lang="en-AU" dirty="0"/>
+              <a:t>Using outputs from each patch based model as features to feed in to a logistic regression model for us to make our final prediction.</a:t>
+            </a:r>
+          </a:p>
+        </p:txBody>
+      </p:sp>
+      <p:sp>
+        <p:nvSpPr>
+          <p:cNvPr id="7" name="Slide Number Placeholder 6">
+            <a:extLst>
+              <a:ext uri="{FF2B5EF4-FFF2-40B4-BE49-F238E27FC236}">
+                <a16:creationId xmlns:a16="http://schemas.microsoft.com/office/drawing/2014/main" id="{8EB3FBC9-98BC-41FD-988C-7D12FF679FEC}"/>
+              </a:ext>
+            </a:extLst>
+          </p:cNvPr>
+          <p:cNvSpPr>
+            <a:spLocks noGrp="1"/>
+          </p:cNvSpPr>
+          <p:nvPr>
+            <p:ph type="sldNum" sz="quarter" idx="12"/>
+          </p:nvPr>
+        </p:nvSpPr>
         <p:spPr/>
         <p:txBody>
           <a:bodyPr/>
           <a:lstStyle/>
           <a:p>
-            <a:endParaRPr lang="en-AU" dirty="0"/>
+            <a:fld id="{4854181D-6920-4594-9A5D-6CE56DC9F8B2}" type="slidenum">
+              <a:rPr lang="en-US" smtClean="0"/>
+              <a:t>12</a:t>
+            </a:fld>
+            <a:endParaRPr lang="en-US"/>
           </a:p>
         </p:txBody>
       </p:sp>
@@ -7390,6 +8356,41 @@
       </p:grpSpPr>
       <p:sp>
         <p:nvSpPr>
+          <p:cNvPr id="17" name="Content Placeholder 2">
+            <a:extLst>
+              <a:ext uri="{FF2B5EF4-FFF2-40B4-BE49-F238E27FC236}">
+                <a16:creationId xmlns:a16="http://schemas.microsoft.com/office/drawing/2014/main" id="{95C118E3-4301-4C75-A413-D3BF0AE85377}"/>
+              </a:ext>
+            </a:extLst>
+          </p:cNvPr>
+          <p:cNvSpPr>
+            <a:spLocks noGrp="1"/>
+          </p:cNvSpPr>
+          <p:nvPr>
+            <p:ph idx="1"/>
+          </p:nvPr>
+        </p:nvSpPr>
+        <p:spPr>
+          <a:xfrm>
+            <a:off x="838200" y="1681246"/>
+            <a:ext cx="10515600" cy="3859742"/>
+          </a:xfrm>
+        </p:spPr>
+        <p:txBody>
+          <a:bodyPr>
+            <a:normAutofit/>
+          </a:bodyPr>
+          <a:lstStyle/>
+          <a:p>
+            <a:r>
+              <a:rPr lang="en-AU" sz="2400" dirty="0"/>
+              <a:t>Our patch-based model greatly outperforms the voxel-based model.</a:t>
+            </a:r>
+          </a:p>
+        </p:txBody>
+      </p:sp>
+      <p:sp>
+        <p:nvSpPr>
           <p:cNvPr id="2" name="Title 1">
             <a:extLst>
               <a:ext uri="{FF2B5EF4-FFF2-40B4-BE49-F238E27FC236}">
@@ -7411,17 +8412,351 @@
           <a:p>
             <a:r>
               <a:rPr lang="en-AU" dirty="0"/>
-              <a:t>Results</a:t>
-            </a:r>
-          </a:p>
-        </p:txBody>
-      </p:sp>
-      <p:sp>
-        <p:nvSpPr>
-          <p:cNvPr id="3" name="Content Placeholder 2">
-            <a:extLst>
-              <a:ext uri="{FF2B5EF4-FFF2-40B4-BE49-F238E27FC236}">
-                <a16:creationId xmlns:a16="http://schemas.microsoft.com/office/drawing/2014/main" id="{9C379EE9-16A6-44D6-B9B7-3D0F40FE4D65}"/>
+              <a:t>Results -  Experiment 1</a:t>
+            </a:r>
+          </a:p>
+        </p:txBody>
+      </p:sp>
+      <p:graphicFrame>
+        <p:nvGraphicFramePr>
+          <p:cNvPr id="4" name="Table 4">
+            <a:extLst>
+              <a:ext uri="{FF2B5EF4-FFF2-40B4-BE49-F238E27FC236}">
+                <a16:creationId xmlns:a16="http://schemas.microsoft.com/office/drawing/2014/main" id="{A31A1BB8-A7B5-4E3F-A9B3-1CF5B271C22B}"/>
+              </a:ext>
+            </a:extLst>
+          </p:cNvPr>
+          <p:cNvGraphicFramePr>
+            <a:graphicFrameLocks noGrp="1"/>
+          </p:cNvGraphicFramePr>
+          <p:nvPr>
+            <p:extLst>
+              <p:ext uri="{D42A27DB-BD31-4B8C-83A1-F6EECF244321}">
+                <p14:modId xmlns:p14="http://schemas.microsoft.com/office/powerpoint/2010/main" val="1078663415"/>
+              </p:ext>
+            </p:extLst>
+          </p:nvPr>
+        </p:nvGraphicFramePr>
+        <p:xfrm>
+          <a:off x="1866000" y="2305518"/>
+          <a:ext cx="8460000" cy="1107440"/>
+        </p:xfrm>
+        <a:graphic>
+          <a:graphicData uri="http://schemas.openxmlformats.org/drawingml/2006/table">
+            <a:tbl>
+              <a:tblPr firstRow="1" bandRow="1">
+                <a:tableStyleId>{616DA210-FB5B-4158-B5E0-FEB733F419BA}</a:tableStyleId>
+              </a:tblPr>
+              <a:tblGrid>
+                <a:gridCol w="2700000">
+                  <a:extLst>
+                    <a:ext uri="{9D8B030D-6E8A-4147-A177-3AD203B41FA5}">
+                      <a16:colId xmlns:a16="http://schemas.microsoft.com/office/drawing/2014/main" val="4049177488"/>
+                    </a:ext>
+                  </a:extLst>
+                </a:gridCol>
+                <a:gridCol w="1440000">
+                  <a:extLst>
+                    <a:ext uri="{9D8B030D-6E8A-4147-A177-3AD203B41FA5}">
+                      <a16:colId xmlns:a16="http://schemas.microsoft.com/office/drawing/2014/main" val="3439500369"/>
+                    </a:ext>
+                  </a:extLst>
+                </a:gridCol>
+                <a:gridCol w="1440000">
+                  <a:extLst>
+                    <a:ext uri="{9D8B030D-6E8A-4147-A177-3AD203B41FA5}">
+                      <a16:colId xmlns:a16="http://schemas.microsoft.com/office/drawing/2014/main" val="2421245066"/>
+                    </a:ext>
+                  </a:extLst>
+                </a:gridCol>
+                <a:gridCol w="1440000">
+                  <a:extLst>
+                    <a:ext uri="{9D8B030D-6E8A-4147-A177-3AD203B41FA5}">
+                      <a16:colId xmlns:a16="http://schemas.microsoft.com/office/drawing/2014/main" val="1572832976"/>
+                    </a:ext>
+                  </a:extLst>
+                </a:gridCol>
+                <a:gridCol w="1440000">
+                  <a:extLst>
+                    <a:ext uri="{9D8B030D-6E8A-4147-A177-3AD203B41FA5}">
+                      <a16:colId xmlns:a16="http://schemas.microsoft.com/office/drawing/2014/main" val="3615339399"/>
+                    </a:ext>
+                  </a:extLst>
+                </a:gridCol>
+              </a:tblGrid>
+              <a:tr h="370840">
+                <a:tc>
+                  <a:txBody>
+                    <a:bodyPr/>
+                    <a:lstStyle/>
+                    <a:p>
+                      <a:r>
+                        <a:rPr lang="en-AU" dirty="0"/>
+                        <a:t>Model</a:t>
+                      </a:r>
+                    </a:p>
+                  </a:txBody>
+                  <a:tcPr/>
+                </a:tc>
+                <a:tc>
+                  <a:txBody>
+                    <a:bodyPr/>
+                    <a:lstStyle/>
+                    <a:p>
+                      <a:r>
+                        <a:rPr lang="en-AU" dirty="0"/>
+                        <a:t>Accuracy</a:t>
+                      </a:r>
+                    </a:p>
+                  </a:txBody>
+                  <a:tcPr/>
+                </a:tc>
+                <a:tc>
+                  <a:txBody>
+                    <a:bodyPr/>
+                    <a:lstStyle/>
+                    <a:p>
+                      <a:r>
+                        <a:rPr lang="en-AU" dirty="0"/>
+                        <a:t>AUC</a:t>
+                      </a:r>
+                    </a:p>
+                  </a:txBody>
+                  <a:tcPr/>
+                </a:tc>
+                <a:tc>
+                  <a:txBody>
+                    <a:bodyPr/>
+                    <a:lstStyle/>
+                    <a:p>
+                      <a:r>
+                        <a:rPr lang="en-AU" dirty="0"/>
+                        <a:t>Sensitivity</a:t>
+                      </a:r>
+                    </a:p>
+                  </a:txBody>
+                  <a:tcPr/>
+                </a:tc>
+                <a:tc>
+                  <a:txBody>
+                    <a:bodyPr/>
+                    <a:lstStyle/>
+                    <a:p>
+                      <a:r>
+                        <a:rPr lang="en-AU" dirty="0"/>
+                        <a:t>Specificity</a:t>
+                      </a:r>
+                    </a:p>
+                  </a:txBody>
+                  <a:tcPr/>
+                </a:tc>
+                <a:extLst>
+                  <a:ext uri="{0D108BD9-81ED-4DB2-BD59-A6C34878D82A}">
+                    <a16:rowId xmlns:a16="http://schemas.microsoft.com/office/drawing/2014/main" val="1793751587"/>
+                  </a:ext>
+                </a:extLst>
+              </a:tr>
+              <a:tr h="370840">
+                <a:tc>
+                  <a:txBody>
+                    <a:bodyPr/>
+                    <a:lstStyle/>
+                    <a:p>
+                      <a:r>
+                        <a:rPr lang="en-AU" dirty="0"/>
+                        <a:t>Voxel-based ResNet50</a:t>
+                      </a:r>
+                    </a:p>
+                  </a:txBody>
+                  <a:tcPr/>
+                </a:tc>
+                <a:tc>
+                  <a:txBody>
+                    <a:bodyPr/>
+                    <a:lstStyle/>
+                    <a:p>
+                      <a:r>
+                        <a:rPr lang="en-AU" dirty="0"/>
+                        <a:t>0.5</a:t>
+                      </a:r>
+                    </a:p>
+                  </a:txBody>
+                  <a:tcPr/>
+                </a:tc>
+                <a:tc>
+                  <a:txBody>
+                    <a:bodyPr/>
+                    <a:lstStyle/>
+                    <a:p>
+                      <a:r>
+                        <a:rPr lang="en-AU" dirty="0"/>
+                        <a:t>0.5</a:t>
+                      </a:r>
+                    </a:p>
+                  </a:txBody>
+                  <a:tcPr/>
+                </a:tc>
+                <a:tc>
+                  <a:txBody>
+                    <a:bodyPr/>
+                    <a:lstStyle/>
+                    <a:p>
+                      <a:r>
+                        <a:rPr lang="en-AU" dirty="0"/>
+                        <a:t>0.0</a:t>
+                      </a:r>
+                    </a:p>
+                  </a:txBody>
+                  <a:tcPr/>
+                </a:tc>
+                <a:tc>
+                  <a:txBody>
+                    <a:bodyPr/>
+                    <a:lstStyle/>
+                    <a:p>
+                      <a:r>
+                        <a:rPr lang="en-AU" dirty="0"/>
+                        <a:t>1.0</a:t>
+                      </a:r>
+                    </a:p>
+                  </a:txBody>
+                  <a:tcPr/>
+                </a:tc>
+                <a:extLst>
+                  <a:ext uri="{0D108BD9-81ED-4DB2-BD59-A6C34878D82A}">
+                    <a16:rowId xmlns:a16="http://schemas.microsoft.com/office/drawing/2014/main" val="2937502426"/>
+                  </a:ext>
+                </a:extLst>
+              </a:tr>
+              <a:tr h="333055">
+                <a:tc>
+                  <a:txBody>
+                    <a:bodyPr/>
+                    <a:lstStyle/>
+                    <a:p>
+                      <a:r>
+                        <a:rPr lang="en-AU" dirty="0"/>
+                        <a:t>Patch-based ResNet50</a:t>
+                      </a:r>
+                    </a:p>
+                  </a:txBody>
+                  <a:tcPr/>
+                </a:tc>
+                <a:tc>
+                  <a:txBody>
+                    <a:bodyPr/>
+                    <a:lstStyle/>
+                    <a:p>
+                      <a:r>
+                        <a:rPr lang="en-AU" dirty="0"/>
+                        <a:t>0.9</a:t>
+                      </a:r>
+                    </a:p>
+                  </a:txBody>
+                  <a:tcPr/>
+                </a:tc>
+                <a:tc>
+                  <a:txBody>
+                    <a:bodyPr/>
+                    <a:lstStyle/>
+                    <a:p>
+                      <a:r>
+                        <a:rPr lang="en-AU" dirty="0"/>
+                        <a:t>0.99</a:t>
+                      </a:r>
+                    </a:p>
+                  </a:txBody>
+                  <a:tcPr/>
+                </a:tc>
+                <a:tc>
+                  <a:txBody>
+                    <a:bodyPr/>
+                    <a:lstStyle/>
+                    <a:p>
+                      <a:r>
+                        <a:rPr lang="en-AU" dirty="0"/>
+                        <a:t>0.8</a:t>
+                      </a:r>
+                    </a:p>
+                  </a:txBody>
+                  <a:tcPr/>
+                </a:tc>
+                <a:tc>
+                  <a:txBody>
+                    <a:bodyPr/>
+                    <a:lstStyle/>
+                    <a:p>
+                      <a:r>
+                        <a:rPr lang="en-AU" dirty="0"/>
+                        <a:t>1.0</a:t>
+                      </a:r>
+                    </a:p>
+                  </a:txBody>
+                  <a:tcPr/>
+                </a:tc>
+                <a:extLst>
+                  <a:ext uri="{0D108BD9-81ED-4DB2-BD59-A6C34878D82A}">
+                    <a16:rowId xmlns:a16="http://schemas.microsoft.com/office/drawing/2014/main" val="4048483609"/>
+                  </a:ext>
+                </a:extLst>
+              </a:tr>
+            </a:tbl>
+          </a:graphicData>
+        </a:graphic>
+      </p:graphicFrame>
+      <p:pic>
+        <p:nvPicPr>
+          <p:cNvPr id="1044" name="Picture 20">
+            <a:extLst>
+              <a:ext uri="{FF2B5EF4-FFF2-40B4-BE49-F238E27FC236}">
+                <a16:creationId xmlns:a16="http://schemas.microsoft.com/office/drawing/2014/main" id="{5BBD6D5E-D246-4AB7-AD20-D28D5239C79D}"/>
+              </a:ext>
+            </a:extLst>
+          </p:cNvPr>
+          <p:cNvPicPr>
+            <a:picLocks noChangeAspect="1" noChangeArrowheads="1"/>
+          </p:cNvPicPr>
+          <p:nvPr/>
+        </p:nvPicPr>
+        <p:blipFill>
+          <a:blip r:embed="rId2">
+            <a:extLst>
+              <a:ext uri="{28A0092B-C50C-407E-A947-70E740481C1C}">
+                <a14:useLocalDpi xmlns:a14="http://schemas.microsoft.com/office/drawing/2010/main" val="0"/>
+              </a:ext>
+            </a:extLst>
+          </a:blip>
+          <a:srcRect/>
+          <a:stretch>
+            <a:fillRect/>
+          </a:stretch>
+        </p:blipFill>
+        <p:spPr bwMode="auto">
+          <a:xfrm>
+            <a:off x="8153836" y="3711686"/>
+            <a:ext cx="2480074" cy="2253139"/>
+          </a:xfrm>
+          <a:prstGeom prst="rect">
+            <a:avLst/>
+          </a:prstGeom>
+          <a:noFill/>
+          <a:extLst>
+            <a:ext uri="{909E8E84-426E-40DD-AFC4-6F175D3DCCD1}">
+              <a14:hiddenFill xmlns:a14="http://schemas.microsoft.com/office/drawing/2010/main">
+                <a:solidFill>
+                  <a:srgbClr val="FFFFFF"/>
+                </a:solidFill>
+              </a14:hiddenFill>
+            </a:ext>
+          </a:extLst>
+        </p:spPr>
+      </p:pic>
+      <p:sp>
+        <p:nvSpPr>
+          <p:cNvPr id="6" name="Slide Number Placeholder 5">
+            <a:extLst>
+              <a:ext uri="{FF2B5EF4-FFF2-40B4-BE49-F238E27FC236}">
+                <a16:creationId xmlns:a16="http://schemas.microsoft.com/office/drawing/2014/main" id="{D349B2E2-E393-4D7F-A12E-59325F57D747}"/>
               </a:ext>
             </a:extLst>
           </p:cNvPr>
@@ -7429,7 +8764,7 @@
             <a:spLocks noGrp="1"/>
           </p:cNvSpPr>
           <p:nvPr>
-            <p:ph idx="1"/>
+            <p:ph type="sldNum" sz="quarter" idx="12"/>
           </p:nvPr>
         </p:nvSpPr>
         <p:spPr/>
@@ -7437,7 +8772,11 @@
           <a:bodyPr/>
           <a:lstStyle/>
           <a:p>
-            <a:endParaRPr lang="en-AU"/>
+            <a:fld id="{4854181D-6920-4594-9A5D-6CE56DC9F8B2}" type="slidenum">
+              <a:rPr lang="en-US" smtClean="0"/>
+              <a:t>13</a:t>
+            </a:fld>
+            <a:endParaRPr lang="en-US"/>
           </a:p>
         </p:txBody>
       </p:sp>
@@ -7494,17 +8833,592 @@
           <a:p>
             <a:r>
               <a:rPr lang="en-AU" dirty="0"/>
-              <a:t>Results</a:t>
-            </a:r>
-          </a:p>
-        </p:txBody>
-      </p:sp>
-      <p:sp>
-        <p:nvSpPr>
-          <p:cNvPr id="3" name="Content Placeholder 2">
-            <a:extLst>
-              <a:ext uri="{FF2B5EF4-FFF2-40B4-BE49-F238E27FC236}">
-                <a16:creationId xmlns:a16="http://schemas.microsoft.com/office/drawing/2014/main" id="{9C379EE9-16A6-44D6-B9B7-3D0F40FE4D65}"/>
+              <a:t>Results -  Experiment 2</a:t>
+            </a:r>
+          </a:p>
+        </p:txBody>
+      </p:sp>
+      <p:graphicFrame>
+        <p:nvGraphicFramePr>
+          <p:cNvPr id="4" name="Table 4">
+            <a:extLst>
+              <a:ext uri="{FF2B5EF4-FFF2-40B4-BE49-F238E27FC236}">
+                <a16:creationId xmlns:a16="http://schemas.microsoft.com/office/drawing/2014/main" id="{A31A1BB8-A7B5-4E3F-A9B3-1CF5B271C22B}"/>
+              </a:ext>
+            </a:extLst>
+          </p:cNvPr>
+          <p:cNvGraphicFramePr>
+            <a:graphicFrameLocks noGrp="1"/>
+          </p:cNvGraphicFramePr>
+          <p:nvPr>
+            <p:extLst>
+              <p:ext uri="{D42A27DB-BD31-4B8C-83A1-F6EECF244321}">
+                <p14:modId xmlns:p14="http://schemas.microsoft.com/office/powerpoint/2010/main" val="1535327739"/>
+              </p:ext>
+            </p:extLst>
+          </p:nvPr>
+        </p:nvGraphicFramePr>
+        <p:xfrm>
+          <a:off x="2136000" y="3572842"/>
+          <a:ext cx="7920000" cy="2570480"/>
+        </p:xfrm>
+        <a:graphic>
+          <a:graphicData uri="http://schemas.openxmlformats.org/drawingml/2006/table">
+            <a:tbl>
+              <a:tblPr firstRow="1" bandRow="1">
+                <a:tableStyleId>{616DA210-FB5B-4158-B5E0-FEB733F419BA}</a:tableStyleId>
+              </a:tblPr>
+              <a:tblGrid>
+                <a:gridCol w="2160000">
+                  <a:extLst>
+                    <a:ext uri="{9D8B030D-6E8A-4147-A177-3AD203B41FA5}">
+                      <a16:colId xmlns:a16="http://schemas.microsoft.com/office/drawing/2014/main" val="4049177488"/>
+                    </a:ext>
+                  </a:extLst>
+                </a:gridCol>
+                <a:gridCol w="1440000">
+                  <a:extLst>
+                    <a:ext uri="{9D8B030D-6E8A-4147-A177-3AD203B41FA5}">
+                      <a16:colId xmlns:a16="http://schemas.microsoft.com/office/drawing/2014/main" val="3439500369"/>
+                    </a:ext>
+                  </a:extLst>
+                </a:gridCol>
+                <a:gridCol w="1440000">
+                  <a:extLst>
+                    <a:ext uri="{9D8B030D-6E8A-4147-A177-3AD203B41FA5}">
+                      <a16:colId xmlns:a16="http://schemas.microsoft.com/office/drawing/2014/main" val="2421245066"/>
+                    </a:ext>
+                  </a:extLst>
+                </a:gridCol>
+                <a:gridCol w="1440000">
+                  <a:extLst>
+                    <a:ext uri="{9D8B030D-6E8A-4147-A177-3AD203B41FA5}">
+                      <a16:colId xmlns:a16="http://schemas.microsoft.com/office/drawing/2014/main" val="1572832976"/>
+                    </a:ext>
+                  </a:extLst>
+                </a:gridCol>
+                <a:gridCol w="1440000">
+                  <a:extLst>
+                    <a:ext uri="{9D8B030D-6E8A-4147-A177-3AD203B41FA5}">
+                      <a16:colId xmlns:a16="http://schemas.microsoft.com/office/drawing/2014/main" val="3615339399"/>
+                    </a:ext>
+                  </a:extLst>
+                </a:gridCol>
+              </a:tblGrid>
+              <a:tr h="370840">
+                <a:tc>
+                  <a:txBody>
+                    <a:bodyPr/>
+                    <a:lstStyle/>
+                    <a:p>
+                      <a:r>
+                        <a:rPr lang="en-AU" dirty="0"/>
+                        <a:t>Model</a:t>
+                      </a:r>
+                    </a:p>
+                  </a:txBody>
+                  <a:tcPr/>
+                </a:tc>
+                <a:tc>
+                  <a:txBody>
+                    <a:bodyPr/>
+                    <a:lstStyle/>
+                    <a:p>
+                      <a:r>
+                        <a:rPr lang="en-AU" dirty="0"/>
+                        <a:t>Accuracy</a:t>
+                      </a:r>
+                    </a:p>
+                  </a:txBody>
+                  <a:tcPr/>
+                </a:tc>
+                <a:tc>
+                  <a:txBody>
+                    <a:bodyPr/>
+                    <a:lstStyle/>
+                    <a:p>
+                      <a:r>
+                        <a:rPr lang="en-AU" dirty="0"/>
+                        <a:t>AUC</a:t>
+                      </a:r>
+                    </a:p>
+                  </a:txBody>
+                  <a:tcPr/>
+                </a:tc>
+                <a:tc>
+                  <a:txBody>
+                    <a:bodyPr/>
+                    <a:lstStyle/>
+                    <a:p>
+                      <a:r>
+                        <a:rPr lang="en-AU" dirty="0"/>
+                        <a:t>Sensitivity</a:t>
+                      </a:r>
+                    </a:p>
+                  </a:txBody>
+                  <a:tcPr/>
+                </a:tc>
+                <a:tc>
+                  <a:txBody>
+                    <a:bodyPr/>
+                    <a:lstStyle/>
+                    <a:p>
+                      <a:r>
+                        <a:rPr lang="en-AU" dirty="0"/>
+                        <a:t>Specificity</a:t>
+                      </a:r>
+                    </a:p>
+                  </a:txBody>
+                  <a:tcPr/>
+                </a:tc>
+                <a:extLst>
+                  <a:ext uri="{0D108BD9-81ED-4DB2-BD59-A6C34878D82A}">
+                    <a16:rowId xmlns:a16="http://schemas.microsoft.com/office/drawing/2014/main" val="1793751587"/>
+                  </a:ext>
+                </a:extLst>
+              </a:tr>
+              <a:tr h="370840">
+                <a:tc>
+                  <a:txBody>
+                    <a:bodyPr/>
+                    <a:lstStyle/>
+                    <a:p>
+                      <a:r>
+                        <a:rPr lang="en-AU" dirty="0"/>
+                        <a:t>ResNet50</a:t>
+                      </a:r>
+                    </a:p>
+                  </a:txBody>
+                  <a:tcPr/>
+                </a:tc>
+                <a:tc>
+                  <a:txBody>
+                    <a:bodyPr/>
+                    <a:lstStyle/>
+                    <a:p>
+                      <a:r>
+                        <a:rPr lang="en-AU" dirty="0"/>
+                        <a:t>0.9</a:t>
+                      </a:r>
+                    </a:p>
+                  </a:txBody>
+                  <a:tcPr/>
+                </a:tc>
+                <a:tc>
+                  <a:txBody>
+                    <a:bodyPr/>
+                    <a:lstStyle/>
+                    <a:p>
+                      <a:r>
+                        <a:rPr lang="en-AU" dirty="0"/>
+                        <a:t>0.99</a:t>
+                      </a:r>
+                    </a:p>
+                  </a:txBody>
+                  <a:tcPr/>
+                </a:tc>
+                <a:tc>
+                  <a:txBody>
+                    <a:bodyPr/>
+                    <a:lstStyle/>
+                    <a:p>
+                      <a:r>
+                        <a:rPr lang="en-AU" dirty="0"/>
+                        <a:t>0.8</a:t>
+                      </a:r>
+                    </a:p>
+                  </a:txBody>
+                  <a:tcPr/>
+                </a:tc>
+                <a:tc>
+                  <a:txBody>
+                    <a:bodyPr/>
+                    <a:lstStyle/>
+                    <a:p>
+                      <a:r>
+                        <a:rPr lang="en-AU" dirty="0"/>
+                        <a:t>1.0</a:t>
+                      </a:r>
+                    </a:p>
+                  </a:txBody>
+                  <a:tcPr/>
+                </a:tc>
+                <a:extLst>
+                  <a:ext uri="{0D108BD9-81ED-4DB2-BD59-A6C34878D82A}">
+                    <a16:rowId xmlns:a16="http://schemas.microsoft.com/office/drawing/2014/main" val="2937502426"/>
+                  </a:ext>
+                </a:extLst>
+              </a:tr>
+              <a:tr h="333055">
+                <a:tc>
+                  <a:txBody>
+                    <a:bodyPr/>
+                    <a:lstStyle/>
+                    <a:p>
+                      <a:r>
+                        <a:rPr lang="en-AU" dirty="0"/>
+                        <a:t>SEResNet50</a:t>
+                      </a:r>
+                    </a:p>
+                  </a:txBody>
+                  <a:tcPr/>
+                </a:tc>
+                <a:tc>
+                  <a:txBody>
+                    <a:bodyPr/>
+                    <a:lstStyle/>
+                    <a:p>
+                      <a:r>
+                        <a:rPr lang="en-AU" dirty="0"/>
+                        <a:t>0.9</a:t>
+                      </a:r>
+                    </a:p>
+                  </a:txBody>
+                  <a:tcPr/>
+                </a:tc>
+                <a:tc>
+                  <a:txBody>
+                    <a:bodyPr/>
+                    <a:lstStyle/>
+                    <a:p>
+                      <a:r>
+                        <a:rPr lang="en-AU" dirty="0"/>
+                        <a:t>0.99</a:t>
+                      </a:r>
+                    </a:p>
+                  </a:txBody>
+                  <a:tcPr/>
+                </a:tc>
+                <a:tc>
+                  <a:txBody>
+                    <a:bodyPr/>
+                    <a:lstStyle/>
+                    <a:p>
+                      <a:r>
+                        <a:rPr lang="en-AU" dirty="0"/>
+                        <a:t>0.8</a:t>
+                      </a:r>
+                    </a:p>
+                  </a:txBody>
+                  <a:tcPr/>
+                </a:tc>
+                <a:tc>
+                  <a:txBody>
+                    <a:bodyPr/>
+                    <a:lstStyle/>
+                    <a:p>
+                      <a:r>
+                        <a:rPr lang="en-AU" dirty="0"/>
+                        <a:t>1.0</a:t>
+                      </a:r>
+                    </a:p>
+                  </a:txBody>
+                  <a:tcPr/>
+                </a:tc>
+                <a:extLst>
+                  <a:ext uri="{0D108BD9-81ED-4DB2-BD59-A6C34878D82A}">
+                    <a16:rowId xmlns:a16="http://schemas.microsoft.com/office/drawing/2014/main" val="522123696"/>
+                  </a:ext>
+                </a:extLst>
+              </a:tr>
+              <a:tr h="333055">
+                <a:tc>
+                  <a:txBody>
+                    <a:bodyPr/>
+                    <a:lstStyle/>
+                    <a:p>
+                      <a:r>
+                        <a:rPr lang="en-AU" dirty="0"/>
+                        <a:t>SEResNeXt50</a:t>
+                      </a:r>
+                    </a:p>
+                  </a:txBody>
+                  <a:tcPr/>
+                </a:tc>
+                <a:tc>
+                  <a:txBody>
+                    <a:bodyPr/>
+                    <a:lstStyle/>
+                    <a:p>
+                      <a:r>
+                        <a:rPr lang="en-AU" dirty="0"/>
+                        <a:t>0.75</a:t>
+                      </a:r>
+                    </a:p>
+                  </a:txBody>
+                  <a:tcPr/>
+                </a:tc>
+                <a:tc>
+                  <a:txBody>
+                    <a:bodyPr/>
+                    <a:lstStyle/>
+                    <a:p>
+                      <a:r>
+                        <a:rPr lang="en-AU" dirty="0"/>
+                        <a:t>0.85</a:t>
+                      </a:r>
+                    </a:p>
+                  </a:txBody>
+                  <a:tcPr/>
+                </a:tc>
+                <a:tc>
+                  <a:txBody>
+                    <a:bodyPr/>
+                    <a:lstStyle/>
+                    <a:p>
+                      <a:r>
+                        <a:rPr lang="en-AU" dirty="0"/>
+                        <a:t>0.9</a:t>
+                      </a:r>
+                    </a:p>
+                  </a:txBody>
+                  <a:tcPr/>
+                </a:tc>
+                <a:tc>
+                  <a:txBody>
+                    <a:bodyPr/>
+                    <a:lstStyle/>
+                    <a:p>
+                      <a:r>
+                        <a:rPr lang="en-AU" dirty="0"/>
+                        <a:t>0.6</a:t>
+                      </a:r>
+                    </a:p>
+                  </a:txBody>
+                  <a:tcPr/>
+                </a:tc>
+                <a:extLst>
+                  <a:ext uri="{0D108BD9-81ED-4DB2-BD59-A6C34878D82A}">
+                    <a16:rowId xmlns:a16="http://schemas.microsoft.com/office/drawing/2014/main" val="2308906065"/>
+                  </a:ext>
+                </a:extLst>
+              </a:tr>
+              <a:tr h="333055">
+                <a:tc>
+                  <a:txBody>
+                    <a:bodyPr/>
+                    <a:lstStyle/>
+                    <a:p>
+                      <a:r>
+                        <a:rPr lang="en-AU" dirty="0"/>
+                        <a:t>ResNet18</a:t>
+                      </a:r>
+                    </a:p>
+                  </a:txBody>
+                  <a:tcPr/>
+                </a:tc>
+                <a:tc>
+                  <a:txBody>
+                    <a:bodyPr/>
+                    <a:lstStyle/>
+                    <a:p>
+                      <a:r>
+                        <a:rPr lang="en-AU" dirty="0"/>
+                        <a:t>0.65</a:t>
+                      </a:r>
+                    </a:p>
+                  </a:txBody>
+                  <a:tcPr/>
+                </a:tc>
+                <a:tc>
+                  <a:txBody>
+                    <a:bodyPr/>
+                    <a:lstStyle/>
+                    <a:p>
+                      <a:r>
+                        <a:rPr lang="en-AU" dirty="0"/>
+                        <a:t>0.8</a:t>
+                      </a:r>
+                    </a:p>
+                  </a:txBody>
+                  <a:tcPr/>
+                </a:tc>
+                <a:tc>
+                  <a:txBody>
+                    <a:bodyPr/>
+                    <a:lstStyle/>
+                    <a:p>
+                      <a:r>
+                        <a:rPr lang="en-AU" dirty="0"/>
+                        <a:t>0.7</a:t>
+                      </a:r>
+                    </a:p>
+                  </a:txBody>
+                  <a:tcPr/>
+                </a:tc>
+                <a:tc>
+                  <a:txBody>
+                    <a:bodyPr/>
+                    <a:lstStyle/>
+                    <a:p>
+                      <a:r>
+                        <a:rPr lang="en-AU" dirty="0"/>
+                        <a:t>0.6</a:t>
+                      </a:r>
+                    </a:p>
+                  </a:txBody>
+                  <a:tcPr/>
+                </a:tc>
+                <a:extLst>
+                  <a:ext uri="{0D108BD9-81ED-4DB2-BD59-A6C34878D82A}">
+                    <a16:rowId xmlns:a16="http://schemas.microsoft.com/office/drawing/2014/main" val="4016957441"/>
+                  </a:ext>
+                </a:extLst>
+              </a:tr>
+              <a:tr h="333055">
+                <a:tc>
+                  <a:txBody>
+                    <a:bodyPr/>
+                    <a:lstStyle/>
+                    <a:p>
+                      <a:r>
+                        <a:rPr lang="en-AU" dirty="0"/>
+                        <a:t>DenseNet121</a:t>
+                      </a:r>
+                    </a:p>
+                  </a:txBody>
+                  <a:tcPr/>
+                </a:tc>
+                <a:tc>
+                  <a:txBody>
+                    <a:bodyPr/>
+                    <a:lstStyle/>
+                    <a:p>
+                      <a:r>
+                        <a:rPr lang="en-AU" dirty="0"/>
+                        <a:t>0.85</a:t>
+                      </a:r>
+                    </a:p>
+                  </a:txBody>
+                  <a:tcPr/>
+                </a:tc>
+                <a:tc>
+                  <a:txBody>
+                    <a:bodyPr/>
+                    <a:lstStyle/>
+                    <a:p>
+                      <a:r>
+                        <a:rPr lang="en-AU" dirty="0"/>
+                        <a:t>0.97</a:t>
+                      </a:r>
+                    </a:p>
+                  </a:txBody>
+                  <a:tcPr/>
+                </a:tc>
+                <a:tc>
+                  <a:txBody>
+                    <a:bodyPr/>
+                    <a:lstStyle/>
+                    <a:p>
+                      <a:r>
+                        <a:rPr lang="en-AU" dirty="0"/>
+                        <a:t>1.0</a:t>
+                      </a:r>
+                    </a:p>
+                  </a:txBody>
+                  <a:tcPr/>
+                </a:tc>
+                <a:tc>
+                  <a:txBody>
+                    <a:bodyPr/>
+                    <a:lstStyle/>
+                    <a:p>
+                      <a:r>
+                        <a:rPr lang="en-AU" dirty="0"/>
+                        <a:t>0.7</a:t>
+                      </a:r>
+                    </a:p>
+                  </a:txBody>
+                  <a:tcPr/>
+                </a:tc>
+                <a:extLst>
+                  <a:ext uri="{0D108BD9-81ED-4DB2-BD59-A6C34878D82A}">
+                    <a16:rowId xmlns:a16="http://schemas.microsoft.com/office/drawing/2014/main" val="2281456596"/>
+                  </a:ext>
+                </a:extLst>
+              </a:tr>
+              <a:tr h="333055">
+                <a:tc>
+                  <a:txBody>
+                    <a:bodyPr/>
+                    <a:lstStyle/>
+                    <a:p>
+                      <a:r>
+                        <a:rPr lang="en-AU" dirty="0"/>
+                        <a:t>Ensemble Model</a:t>
+                      </a:r>
+                    </a:p>
+                  </a:txBody>
+                  <a:tcPr/>
+                </a:tc>
+                <a:tc>
+                  <a:txBody>
+                    <a:bodyPr/>
+                    <a:lstStyle/>
+                    <a:p>
+                      <a:r>
+                        <a:rPr lang="en-AU" dirty="0"/>
+                        <a:t>0.85</a:t>
+                      </a:r>
+                    </a:p>
+                  </a:txBody>
+                  <a:tcPr/>
+                </a:tc>
+                <a:tc>
+                  <a:txBody>
+                    <a:bodyPr/>
+                    <a:lstStyle/>
+                    <a:p>
+                      <a:r>
+                        <a:rPr lang="en-AU" dirty="0"/>
+                        <a:t>0.97</a:t>
+                      </a:r>
+                    </a:p>
+                  </a:txBody>
+                  <a:tcPr/>
+                </a:tc>
+                <a:tc>
+                  <a:txBody>
+                    <a:bodyPr/>
+                    <a:lstStyle/>
+                    <a:p>
+                      <a:r>
+                        <a:rPr lang="en-AU" dirty="0"/>
+                        <a:t>1.0</a:t>
+                      </a:r>
+                    </a:p>
+                  </a:txBody>
+                  <a:tcPr/>
+                </a:tc>
+                <a:tc>
+                  <a:txBody>
+                    <a:bodyPr/>
+                    <a:lstStyle/>
+                    <a:p>
+                      <a:r>
+                        <a:rPr lang="en-AU" dirty="0"/>
+                        <a:t>0.7</a:t>
+                      </a:r>
+                    </a:p>
+                  </a:txBody>
+                  <a:tcPr/>
+                </a:tc>
+                <a:extLst>
+                  <a:ext uri="{0D108BD9-81ED-4DB2-BD59-A6C34878D82A}">
+                    <a16:rowId xmlns:a16="http://schemas.microsoft.com/office/drawing/2014/main" val="1534897650"/>
+                  </a:ext>
+                </a:extLst>
+              </a:tr>
+            </a:tbl>
+          </a:graphicData>
+        </a:graphic>
+      </p:graphicFrame>
+      <p:sp>
+        <p:nvSpPr>
+          <p:cNvPr id="7" name="Content Placeholder 2">
+            <a:extLst>
+              <a:ext uri="{FF2B5EF4-FFF2-40B4-BE49-F238E27FC236}">
+                <a16:creationId xmlns:a16="http://schemas.microsoft.com/office/drawing/2014/main" id="{E504F6FA-01EB-4FE6-93BF-AD3231A54AA7}"/>
               </a:ext>
             </a:extLst>
           </p:cNvPr>
@@ -7515,19 +9429,93 @@
             <p:ph idx="1"/>
           </p:nvPr>
         </p:nvSpPr>
+        <p:spPr>
+          <a:xfrm>
+            <a:off x="838200" y="1681245"/>
+            <a:ext cx="10515600" cy="1891597"/>
+          </a:xfrm>
+        </p:spPr>
+        <p:txBody>
+          <a:bodyPr>
+            <a:normAutofit/>
+          </a:bodyPr>
+          <a:lstStyle/>
+          <a:p>
+            <a:pPr>
+              <a:lnSpc>
+                <a:spcPct val="100000"/>
+              </a:lnSpc>
+            </a:pPr>
+            <a:r>
+              <a:rPr lang="en-AU" sz="2400" dirty="0"/>
+              <a:t>ResNet50 and SEResNet50 provide the greatest prediction results. These two models provide identical predictions.</a:t>
+            </a:r>
+          </a:p>
+          <a:p>
+            <a:pPr>
+              <a:lnSpc>
+                <a:spcPct val="100000"/>
+              </a:lnSpc>
+            </a:pPr>
+            <a:r>
+              <a:rPr lang="en-AU" sz="2400" dirty="0"/>
+              <a:t>DenseNet121 does not perform as well as ResNet50.</a:t>
+            </a:r>
+          </a:p>
+          <a:p>
+            <a:pPr>
+              <a:lnSpc>
+                <a:spcPct val="100000"/>
+              </a:lnSpc>
+            </a:pPr>
+            <a:r>
+              <a:rPr lang="en-AU" sz="2400" dirty="0"/>
+              <a:t>The ensemble model did not have the greatest performance.</a:t>
+            </a:r>
+          </a:p>
+          <a:p>
+            <a:pPr>
+              <a:lnSpc>
+                <a:spcPct val="100000"/>
+              </a:lnSpc>
+            </a:pPr>
+            <a:endParaRPr lang="en-AU" sz="2400" dirty="0"/>
+          </a:p>
+        </p:txBody>
+      </p:sp>
+      <p:sp>
+        <p:nvSpPr>
+          <p:cNvPr id="3" name="Slide Number Placeholder 2">
+            <a:extLst>
+              <a:ext uri="{FF2B5EF4-FFF2-40B4-BE49-F238E27FC236}">
+                <a16:creationId xmlns:a16="http://schemas.microsoft.com/office/drawing/2014/main" id="{4295ED86-50CC-4847-8842-614B6E323265}"/>
+              </a:ext>
+            </a:extLst>
+          </p:cNvPr>
+          <p:cNvSpPr>
+            <a:spLocks noGrp="1"/>
+          </p:cNvSpPr>
+          <p:nvPr>
+            <p:ph type="sldNum" sz="quarter" idx="12"/>
+          </p:nvPr>
+        </p:nvSpPr>
         <p:spPr/>
         <p:txBody>
           <a:bodyPr/>
           <a:lstStyle/>
           <a:p>
-            <a:endParaRPr lang="en-AU"/>
+            <a:fld id="{4854181D-6920-4594-9A5D-6CE56DC9F8B2}" type="slidenum">
+              <a:rPr lang="en-US" smtClean="0"/>
+              <a:t>14</a:t>
+            </a:fld>
+            <a:endParaRPr lang="en-US"/>
           </a:p>
         </p:txBody>
       </p:sp>
     </p:spTree>
     <p:extLst>
       <p:ext uri="{BB962C8B-B14F-4D97-AF65-F5344CB8AC3E}">
-        <p14:creationId xmlns:p14="http://schemas.microsoft.com/office/powerpoint/2010/main" val="2560352350"/>
+        <p14:creationId xmlns:p14="http://schemas.microsoft.com/office/powerpoint/2010/main" val="758209384"/>
       </p:ext>
     </p:extLst>
   </p:cSld>
@@ -7559,7 +9547,7 @@
           <p:cNvPr id="2" name="Title 1">
             <a:extLst>
               <a:ext uri="{FF2B5EF4-FFF2-40B4-BE49-F238E27FC236}">
-                <a16:creationId xmlns:a16="http://schemas.microsoft.com/office/drawing/2014/main" id="{8279A51D-1BD0-4215-9C86-C11D701F6499}"/>
+                <a16:creationId xmlns:a16="http://schemas.microsoft.com/office/drawing/2014/main" id="{BB5EEDDC-F50B-4170-9348-34949B0AF814}"/>
               </a:ext>
             </a:extLst>
           </p:cNvPr>
@@ -7577,17 +9565,17 @@
           <a:p>
             <a:r>
               <a:rPr lang="en-AU" dirty="0"/>
-              <a:t>Discussion</a:t>
-            </a:r>
-          </a:p>
-        </p:txBody>
-      </p:sp>
-      <p:sp>
-        <p:nvSpPr>
-          <p:cNvPr id="3" name="Content Placeholder 2">
-            <a:extLst>
-              <a:ext uri="{FF2B5EF4-FFF2-40B4-BE49-F238E27FC236}">
-                <a16:creationId xmlns:a16="http://schemas.microsoft.com/office/drawing/2014/main" id="{26E1BDC6-0E9D-4BFF-AF67-BA8474698A37}"/>
+              <a:t>Results -  Experiment 2</a:t>
+            </a:r>
+          </a:p>
+        </p:txBody>
+      </p:sp>
+      <p:sp>
+        <p:nvSpPr>
+          <p:cNvPr id="7" name="Content Placeholder 2">
+            <a:extLst>
+              <a:ext uri="{FF2B5EF4-FFF2-40B4-BE49-F238E27FC236}">
+                <a16:creationId xmlns:a16="http://schemas.microsoft.com/office/drawing/2014/main" id="{E504F6FA-01EB-4FE6-93BF-AD3231A54AA7}"/>
               </a:ext>
             </a:extLst>
           </p:cNvPr>
@@ -7598,19 +9586,63 @@
             <p:ph idx="1"/>
           </p:nvPr>
         </p:nvSpPr>
+        <p:spPr>
+          <a:xfrm>
+            <a:off x="838200" y="1681245"/>
+            <a:ext cx="10515600" cy="1891597"/>
+          </a:xfrm>
+        </p:spPr>
+        <p:txBody>
+          <a:bodyPr>
+            <a:normAutofit/>
+          </a:bodyPr>
+          <a:lstStyle/>
+          <a:p>
+            <a:pPr>
+              <a:lnSpc>
+                <a:spcPct val="100000"/>
+              </a:lnSpc>
+            </a:pPr>
+            <a:r>
+              <a:rPr lang="en-AU" dirty="0"/>
+              <a:t>Have the ROC curves of all the models</a:t>
+            </a:r>
+          </a:p>
+        </p:txBody>
+      </p:sp>
+      <p:sp>
+        <p:nvSpPr>
+          <p:cNvPr id="3" name="Slide Number Placeholder 2">
+            <a:extLst>
+              <a:ext uri="{FF2B5EF4-FFF2-40B4-BE49-F238E27FC236}">
+                <a16:creationId xmlns:a16="http://schemas.microsoft.com/office/drawing/2014/main" id="{4295ED86-50CC-4847-8842-614B6E323265}"/>
+              </a:ext>
+            </a:extLst>
+          </p:cNvPr>
+          <p:cNvSpPr>
+            <a:spLocks noGrp="1"/>
+          </p:cNvSpPr>
+          <p:nvPr>
+            <p:ph type="sldNum" sz="quarter" idx="12"/>
+          </p:nvPr>
+        </p:nvSpPr>
         <p:spPr/>
         <p:txBody>
           <a:bodyPr/>
           <a:lstStyle/>
           <a:p>
-            <a:endParaRPr lang="en-AU"/>
+            <a:fld id="{4854181D-6920-4594-9A5D-6CE56DC9F8B2}" type="slidenum">
+              <a:rPr lang="en-US" smtClean="0"/>
+              <a:t>15</a:t>
+            </a:fld>
+            <a:endParaRPr lang="en-US"/>
           </a:p>
         </p:txBody>
       </p:sp>
     </p:spTree>
     <p:extLst>
       <p:ext uri="{BB962C8B-B14F-4D97-AF65-F5344CB8AC3E}">
-        <p14:creationId xmlns:p14="http://schemas.microsoft.com/office/powerpoint/2010/main" val="1960451994"/>
+        <p14:creationId xmlns:p14="http://schemas.microsoft.com/office/powerpoint/2010/main" val="1469830356"/>
       </p:ext>
     </p:extLst>
   </p:cSld>
@@ -7642,6 +9674,230 @@
           <p:cNvPr id="2" name="Title 1">
             <a:extLst>
               <a:ext uri="{FF2B5EF4-FFF2-40B4-BE49-F238E27FC236}">
+                <a16:creationId xmlns:a16="http://schemas.microsoft.com/office/drawing/2014/main" id="{8279A51D-1BD0-4215-9C86-C11D701F6499}"/>
+              </a:ext>
+            </a:extLst>
+          </p:cNvPr>
+          <p:cNvSpPr>
+            <a:spLocks noGrp="1"/>
+          </p:cNvSpPr>
+          <p:nvPr>
+            <p:ph type="title"/>
+          </p:nvPr>
+        </p:nvSpPr>
+        <p:spPr/>
+        <p:txBody>
+          <a:bodyPr/>
+          <a:lstStyle/>
+          <a:p>
+            <a:r>
+              <a:rPr lang="en-AU" dirty="0"/>
+              <a:t>Discussion</a:t>
+            </a:r>
+          </a:p>
+        </p:txBody>
+      </p:sp>
+      <p:sp>
+        <p:nvSpPr>
+          <p:cNvPr id="3" name="Content Placeholder 2">
+            <a:extLst>
+              <a:ext uri="{FF2B5EF4-FFF2-40B4-BE49-F238E27FC236}">
+                <a16:creationId xmlns:a16="http://schemas.microsoft.com/office/drawing/2014/main" id="{26E1BDC6-0E9D-4BFF-AF67-BA8474698A37}"/>
+              </a:ext>
+            </a:extLst>
+          </p:cNvPr>
+          <p:cNvSpPr>
+            <a:spLocks noGrp="1"/>
+          </p:cNvSpPr>
+          <p:nvPr>
+            <p:ph idx="1"/>
+          </p:nvPr>
+        </p:nvSpPr>
+        <p:spPr/>
+        <p:txBody>
+          <a:bodyPr/>
+          <a:lstStyle/>
+          <a:p>
+            <a:endParaRPr lang="en-AU" dirty="0"/>
+          </a:p>
+        </p:txBody>
+      </p:sp>
+      <p:sp>
+        <p:nvSpPr>
+          <p:cNvPr id="4" name="Slide Number Placeholder 3">
+            <a:extLst>
+              <a:ext uri="{FF2B5EF4-FFF2-40B4-BE49-F238E27FC236}">
+                <a16:creationId xmlns:a16="http://schemas.microsoft.com/office/drawing/2014/main" id="{130800FF-7E39-4924-A23E-7504E9884A6E}"/>
+              </a:ext>
+            </a:extLst>
+          </p:cNvPr>
+          <p:cNvSpPr>
+            <a:spLocks noGrp="1"/>
+          </p:cNvSpPr>
+          <p:nvPr>
+            <p:ph type="sldNum" sz="quarter" idx="12"/>
+          </p:nvPr>
+        </p:nvSpPr>
+        <p:spPr/>
+        <p:txBody>
+          <a:bodyPr/>
+          <a:lstStyle/>
+          <a:p>
+            <a:fld id="{4854181D-6920-4594-9A5D-6CE56DC9F8B2}" type="slidenum">
+              <a:rPr lang="en-US" smtClean="0"/>
+              <a:t>16</a:t>
+            </a:fld>
+            <a:endParaRPr lang="en-US"/>
+          </a:p>
+        </p:txBody>
+      </p:sp>
+    </p:spTree>
+    <p:extLst>
+      <p:ext uri="{BB962C8B-B14F-4D97-AF65-F5344CB8AC3E}">
+        <p14:creationId xmlns:p14="http://schemas.microsoft.com/office/powerpoint/2010/main" val="1960451994"/>
+      </p:ext>
+    </p:extLst>
+  </p:cSld>
+  <p:clrMapOvr>
+    <a:masterClrMapping/>
+  </p:clrMapOvr>
+</p:sld>
+</file>
+
+<file path=ppt/slides/slide17.xml><?xml version="1.0" encoding="utf-8"?>
+<p:sld xmlns:a="http://schemas.openxmlformats.org/drawingml/2006/main" xmlns:r="http://schemas.openxmlformats.org/officeDocument/2006/relationships" xmlns:p="http://schemas.openxmlformats.org/presentationml/2006/main">
+  <p:cSld>
+    <p:spTree>
+      <p:nvGrpSpPr>
+        <p:cNvPr id="1" name=""/>
+        <p:cNvGrpSpPr/>
+        <p:nvPr/>
+      </p:nvGrpSpPr>
+      <p:grpSpPr>
+        <a:xfrm>
+          <a:off x="0" y="0"/>
+          <a:ext cx="0" cy="0"/>
+          <a:chOff x="0" y="0"/>
+          <a:chExt cx="0" cy="0"/>
+        </a:xfrm>
+      </p:grpSpPr>
+      <p:sp>
+        <p:nvSpPr>
+          <p:cNvPr id="2" name="Title 1">
+            <a:extLst>
+              <a:ext uri="{FF2B5EF4-FFF2-40B4-BE49-F238E27FC236}">
+                <a16:creationId xmlns:a16="http://schemas.microsoft.com/office/drawing/2014/main" id="{F217DDF5-7D9C-4FEB-9798-0D7697CA6819}"/>
+              </a:ext>
+            </a:extLst>
+          </p:cNvPr>
+          <p:cNvSpPr>
+            <a:spLocks noGrp="1"/>
+          </p:cNvSpPr>
+          <p:nvPr>
+            <p:ph type="title"/>
+          </p:nvPr>
+        </p:nvSpPr>
+        <p:spPr/>
+        <p:txBody>
+          <a:bodyPr/>
+          <a:lstStyle/>
+          <a:p>
+            <a:r>
+              <a:rPr lang="en-AU" dirty="0"/>
+              <a:t>Conclusion</a:t>
+            </a:r>
+          </a:p>
+        </p:txBody>
+      </p:sp>
+      <p:sp>
+        <p:nvSpPr>
+          <p:cNvPr id="3" name="Content Placeholder 2">
+            <a:extLst>
+              <a:ext uri="{FF2B5EF4-FFF2-40B4-BE49-F238E27FC236}">
+                <a16:creationId xmlns:a16="http://schemas.microsoft.com/office/drawing/2014/main" id="{4997C167-38EF-4657-8737-9A808D3F7BA1}"/>
+              </a:ext>
+            </a:extLst>
+          </p:cNvPr>
+          <p:cNvSpPr>
+            <a:spLocks noGrp="1"/>
+          </p:cNvSpPr>
+          <p:nvPr>
+            <p:ph idx="1"/>
+          </p:nvPr>
+        </p:nvSpPr>
+        <p:spPr/>
+        <p:txBody>
+          <a:bodyPr/>
+          <a:lstStyle/>
+          <a:p>
+            <a:endParaRPr lang="en-AU"/>
+          </a:p>
+        </p:txBody>
+      </p:sp>
+      <p:sp>
+        <p:nvSpPr>
+          <p:cNvPr id="4" name="Slide Number Placeholder 3">
+            <a:extLst>
+              <a:ext uri="{FF2B5EF4-FFF2-40B4-BE49-F238E27FC236}">
+                <a16:creationId xmlns:a16="http://schemas.microsoft.com/office/drawing/2014/main" id="{89DC6EE4-05CD-4DCC-872C-751ACFDF849B}"/>
+              </a:ext>
+            </a:extLst>
+          </p:cNvPr>
+          <p:cNvSpPr>
+            <a:spLocks noGrp="1"/>
+          </p:cNvSpPr>
+          <p:nvPr>
+            <p:ph type="sldNum" sz="quarter" idx="12"/>
+          </p:nvPr>
+        </p:nvSpPr>
+        <p:spPr/>
+        <p:txBody>
+          <a:bodyPr/>
+          <a:lstStyle/>
+          <a:p>
+            <a:fld id="{4854181D-6920-4594-9A5D-6CE56DC9F8B2}" type="slidenum">
+              <a:rPr lang="en-US" smtClean="0"/>
+              <a:t>17</a:t>
+            </a:fld>
+            <a:endParaRPr lang="en-US"/>
+          </a:p>
+        </p:txBody>
+      </p:sp>
+    </p:spTree>
+    <p:extLst>
+      <p:ext uri="{BB962C8B-B14F-4D97-AF65-F5344CB8AC3E}">
+        <p14:creationId xmlns:p14="http://schemas.microsoft.com/office/powerpoint/2010/main" val="3282433342"/>
+      </p:ext>
+    </p:extLst>
+  </p:cSld>
+  <p:clrMapOvr>
+    <a:masterClrMapping/>
+  </p:clrMapOvr>
+</p:sld>
+</file>
+
+<file path=ppt/slides/slide18.xml><?xml version="1.0" encoding="utf-8"?>
+<p:sld xmlns:a="http://schemas.openxmlformats.org/drawingml/2006/main" xmlns:r="http://schemas.openxmlformats.org/officeDocument/2006/relationships" xmlns:p="http://schemas.openxmlformats.org/presentationml/2006/main">
+  <p:cSld>
+    <p:spTree>
+      <p:nvGrpSpPr>
+        <p:cNvPr id="1" name=""/>
+        <p:cNvGrpSpPr/>
+        <p:nvPr/>
+      </p:nvGrpSpPr>
+      <p:grpSpPr>
+        <a:xfrm>
+          <a:off x="0" y="0"/>
+          <a:ext cx="0" cy="0"/>
+          <a:chOff x="0" y="0"/>
+          <a:chExt cx="0" cy="0"/>
+        </a:xfrm>
+      </p:grpSpPr>
+      <p:sp>
+        <p:nvSpPr>
+          <p:cNvPr id="2" name="Title 1">
+            <a:extLst>
+              <a:ext uri="{FF2B5EF4-FFF2-40B4-BE49-F238E27FC236}">
                 <a16:creationId xmlns:a16="http://schemas.microsoft.com/office/drawing/2014/main" id="{197C440F-E3D6-4653-94AD-9748593C4F72}"/>
               </a:ext>
             </a:extLst>
@@ -7683,9 +9939,17 @@
         </p:nvSpPr>
         <p:spPr/>
         <p:txBody>
-          <a:bodyPr/>
-          <a:lstStyle/>
-          <a:p>
+          <a:bodyPr>
+            <a:normAutofit fontScale="85000" lnSpcReduction="10000"/>
+          </a:bodyPr>
+          <a:lstStyle/>
+          <a:p>
+            <a:pPr marL="0" indent="0">
+              <a:lnSpc>
+                <a:spcPct val="110000"/>
+              </a:lnSpc>
+              <a:buNone/>
+            </a:pPr>
             <a:r>
               <a:rPr lang="en-GB" sz="1800" b="0" i="0" u="none" strike="noStrike" baseline="0" dirty="0">
                 <a:latin typeface="CMR12"/>
@@ -7694,7 +9958,12 @@
             </a:r>
           </a:p>
           <a:p>
-            <a:pPr algn="l"/>
+            <a:pPr marL="0" indent="0" algn="l">
+              <a:lnSpc>
+                <a:spcPct val="110000"/>
+              </a:lnSpc>
+              <a:buNone/>
+            </a:pPr>
             <a:r>
               <a:rPr lang="en-AU" sz="1800" b="0" i="0" u="none" strike="noStrike" baseline="0" dirty="0">
                 <a:latin typeface="CMR12"/>
@@ -7765,7 +10034,7 @@
               <a:rPr lang="en-GB" sz="1800" b="0" i="0" u="none" strike="noStrike" baseline="0" dirty="0">
                 <a:latin typeface="CMR12"/>
               </a:rPr>
-              <a:t>, vol. 58, no. 12, pp. 1985{1992, </a:t>
+              <a:t>, vol. 58, no. 12, pp. 1985-1992, </a:t>
             </a:r>
             <a:r>
               <a:rPr lang="en-AU" sz="1800" b="0" i="0" u="none" strike="noStrike" baseline="0" dirty="0">
@@ -7775,7 +10044,12 @@
             </a:r>
           </a:p>
           <a:p>
-            <a:pPr algn="l"/>
+            <a:pPr marL="0" indent="0" algn="l">
+              <a:lnSpc>
+                <a:spcPct val="110000"/>
+              </a:lnSpc>
+              <a:buNone/>
+            </a:pPr>
             <a:r>
               <a:rPr lang="en-GB" sz="1800" b="0" i="0" u="none" strike="noStrike" baseline="0" dirty="0">
                 <a:latin typeface="CMR12"/>
@@ -7822,9 +10096,187 @@
               <a:rPr lang="en-AU" sz="1800" b="0" i="0" u="none" strike="noStrike" baseline="0" dirty="0">
                 <a:latin typeface="CMR12"/>
               </a:rPr>
-              <a:t>, vol. 15, no. 8, pp. 777{788, 2018.</a:t>
+              <a:t>, vol. 15, no. 8, pp. 777-788, 2018.</a:t>
+            </a:r>
+          </a:p>
+          <a:p>
+            <a:pPr marL="0" indent="0" algn="l">
+              <a:lnSpc>
+                <a:spcPct val="110000"/>
+              </a:lnSpc>
+              <a:buNone/>
+            </a:pPr>
+            <a:r>
+              <a:rPr lang="en-AU" sz="1800" b="0" i="0" u="none" strike="noStrike" baseline="0" dirty="0">
+                <a:latin typeface="CMR12"/>
+              </a:rPr>
+              <a:t>[4] S. Yao, Y. Liu, X. Zheng, Y. Zhang, S. Cui, C. Tang, L. Lu, and N. Xu, “Do nonpharmacological interventions prevent cognitive decline? a systematic review and meta-analysis,” </a:t>
+            </a:r>
+            <a:r>
+              <a:rPr lang="en-AU" sz="1800" b="0" i="0" u="none" strike="noStrike" baseline="0" dirty="0">
+                <a:latin typeface="CMTI12"/>
+              </a:rPr>
+              <a:t>Translational psychiatry</a:t>
+            </a:r>
+            <a:r>
+              <a:rPr lang="en-AU" sz="1800" b="0" i="0" u="none" strike="noStrike" baseline="0" dirty="0">
+                <a:latin typeface="CMR12"/>
+              </a:rPr>
+              <a:t>, vol. 10, no. 1, pp. 1-11, 2020.</a:t>
+            </a:r>
+          </a:p>
+          <a:p>
+            <a:pPr marL="0" indent="0" algn="l">
+              <a:lnSpc>
+                <a:spcPct val="110000"/>
+              </a:lnSpc>
+              <a:buNone/>
+            </a:pPr>
+            <a:r>
+              <a:rPr lang="en-AU" sz="1800" b="0" i="0" u="none" strike="noStrike" baseline="0" dirty="0">
+                <a:latin typeface="CMR12"/>
+              </a:rPr>
+              <a:t>[10] M. A. </a:t>
+            </a:r>
+            <a:r>
+              <a:rPr lang="en-AU" sz="1800" b="0" i="0" u="none" strike="noStrike" baseline="0" dirty="0" err="1">
+                <a:latin typeface="CMR12"/>
+              </a:rPr>
+              <a:t>Ebrahimighahnavieh</a:t>
+            </a:r>
+            <a:r>
+              <a:rPr lang="en-AU" sz="1800" b="0" i="0" u="none" strike="noStrike" baseline="0" dirty="0">
+                <a:latin typeface="CMR12"/>
+              </a:rPr>
+              <a:t>, S. Luo, and R. </a:t>
+            </a:r>
+            <a:r>
+              <a:rPr lang="en-AU" sz="1800" b="0" i="0" u="none" strike="noStrike" baseline="0" dirty="0" err="1">
+                <a:latin typeface="CMR12"/>
+              </a:rPr>
+              <a:t>Chiong</a:t>
+            </a:r>
+            <a:r>
+              <a:rPr lang="en-AU" sz="1800" b="0" i="0" u="none" strike="noStrike" baseline="0" dirty="0">
+                <a:latin typeface="CMR12"/>
+              </a:rPr>
+              <a:t>, “Deep learning to detect Alzheimer's disease from neuroimaging: A systematic literature review,” </a:t>
+            </a:r>
+            <a:r>
+              <a:rPr lang="en-AU" sz="1800" b="0" i="0" u="none" strike="noStrike" baseline="0" dirty="0">
+                <a:latin typeface="CMTI12"/>
+              </a:rPr>
+              <a:t>Computer methods and programs in biomedicine</a:t>
+            </a:r>
+            <a:r>
+              <a:rPr lang="en-AU" sz="1800" b="0" i="0" u="none" strike="noStrike" baseline="0" dirty="0">
+                <a:latin typeface="CMR12"/>
+              </a:rPr>
+              <a:t>, vol. 187, p. 105242, 2020.</a:t>
+            </a:r>
+          </a:p>
+          <a:p>
+            <a:pPr marL="0" indent="0" algn="l">
+              <a:lnSpc>
+                <a:spcPct val="110000"/>
+              </a:lnSpc>
+              <a:buNone/>
+            </a:pPr>
+            <a:endParaRPr lang="en-AU" sz="1800" dirty="0">
+              <a:latin typeface="CMR12"/>
+            </a:endParaRPr>
+          </a:p>
+          <a:p>
+            <a:pPr marL="0" indent="0" algn="l">
+              <a:lnSpc>
+                <a:spcPct val="110000"/>
+              </a:lnSpc>
+              <a:buNone/>
+            </a:pPr>
+            <a:r>
+              <a:rPr lang="en-AU" sz="1800" b="0" i="0" u="none" strike="noStrike" baseline="0" dirty="0">
+                <a:latin typeface="CMR12"/>
+              </a:rPr>
+              <a:t>[18] A. Farooq, S. Anwar, M. </a:t>
+            </a:r>
+            <a:r>
+              <a:rPr lang="en-AU" sz="1800" b="0" i="0" u="none" strike="noStrike" baseline="0" dirty="0" err="1">
+                <a:latin typeface="CMR12"/>
+              </a:rPr>
+              <a:t>Awais</a:t>
+            </a:r>
+            <a:r>
+              <a:rPr lang="en-AU" sz="1800" b="0" i="0" u="none" strike="noStrike" baseline="0" dirty="0">
+                <a:latin typeface="CMR12"/>
+              </a:rPr>
+              <a:t>, and M. </a:t>
+            </a:r>
+            <a:r>
+              <a:rPr lang="en-AU" sz="1800" b="0" i="0" u="none" strike="noStrike" baseline="0" dirty="0" err="1">
+                <a:latin typeface="CMR12"/>
+              </a:rPr>
+              <a:t>Alnowami</a:t>
+            </a:r>
+            <a:r>
+              <a:rPr lang="en-AU" sz="1800" b="0" i="0" u="none" strike="noStrike" baseline="0" dirty="0">
+                <a:latin typeface="CMR12"/>
+              </a:rPr>
+              <a:t>, “</a:t>
+            </a:r>
+            <a:r>
+              <a:rPr lang="en-AU" sz="1800" b="0" i="0" u="none" strike="noStrike" baseline="0" dirty="0" err="1">
+                <a:latin typeface="CMR12"/>
+              </a:rPr>
+              <a:t>Articial</a:t>
+            </a:r>
+            <a:r>
+              <a:rPr lang="en-AU" sz="1800" b="0" i="0" u="none" strike="noStrike" baseline="0" dirty="0">
+                <a:latin typeface="CMR12"/>
+              </a:rPr>
+              <a:t> intelligence based smart diagnosis of Alzheimer's disease and mild cognitive impairment,” in </a:t>
+            </a:r>
+            <a:r>
+              <a:rPr lang="en-AU" sz="1800" b="0" i="0" u="none" strike="noStrike" baseline="0" dirty="0">
+                <a:latin typeface="CMTI12"/>
+              </a:rPr>
+              <a:t>2017 International Smart cities conference (ISC2)</a:t>
+            </a:r>
+            <a:r>
+              <a:rPr lang="en-AU" sz="1800" b="0" i="0" u="none" strike="noStrike" baseline="0" dirty="0">
+                <a:latin typeface="CMR12"/>
+              </a:rPr>
+              <a:t>. IEEE, 2017, pp. 1-4.</a:t>
             </a:r>
             <a:endParaRPr lang="en-AU" dirty="0"/>
+          </a:p>
+        </p:txBody>
+      </p:sp>
+      <p:sp>
+        <p:nvSpPr>
+          <p:cNvPr id="4" name="Slide Number Placeholder 3">
+            <a:extLst>
+              <a:ext uri="{FF2B5EF4-FFF2-40B4-BE49-F238E27FC236}">
+                <a16:creationId xmlns:a16="http://schemas.microsoft.com/office/drawing/2014/main" id="{78C2F15B-AC03-4E4A-9ABE-9A2C39E6EC6C}"/>
+              </a:ext>
+            </a:extLst>
+          </p:cNvPr>
+          <p:cNvSpPr>
+            <a:spLocks noGrp="1"/>
+          </p:cNvSpPr>
+          <p:nvPr>
+            <p:ph type="sldNum" sz="quarter" idx="12"/>
+          </p:nvPr>
+        </p:nvSpPr>
+        <p:spPr/>
+        <p:txBody>
+          <a:bodyPr/>
+          <a:lstStyle/>
+          <a:p>
+            <a:fld id="{4854181D-6920-4594-9A5D-6CE56DC9F8B2}" type="slidenum">
+              <a:rPr lang="en-US" smtClean="0"/>
+              <a:t>18</a:t>
+            </a:fld>
+            <a:endParaRPr lang="en-US"/>
           </a:p>
         </p:txBody>
       </p:sp>
@@ -7906,18 +10358,26 @@
         <p:spPr/>
         <p:txBody>
           <a:bodyPr>
-            <a:normAutofit/>
+            <a:normAutofit lnSpcReduction="10000"/>
           </a:bodyPr>
           <a:lstStyle/>
           <a:p>
-            <a:pPr algn="l"/>
+            <a:pPr algn="l">
+              <a:lnSpc>
+                <a:spcPct val="110000"/>
+              </a:lnSpc>
+            </a:pPr>
             <a:r>
               <a:rPr lang="en-GB" dirty="0"/>
               <a:t>A progressive neurodegenerative disease which destroys memory and other important cognitive functions.</a:t>
             </a:r>
           </a:p>
           <a:p>
-            <a:pPr algn="l"/>
+            <a:pPr algn="l">
+              <a:lnSpc>
+                <a:spcPct val="110000"/>
+              </a:lnSpc>
+            </a:pPr>
             <a:r>
               <a:rPr lang="en-AU" dirty="0"/>
               <a:t>Dementia, including Alzheimer’s Disease (AD), </a:t>
@@ -7932,32 +10392,77 @@
             </a:r>
           </a:p>
           <a:p>
-            <a:pPr algn="l"/>
+            <a:pPr algn="l">
+              <a:lnSpc>
+                <a:spcPct val="110000"/>
+              </a:lnSpc>
+            </a:pPr>
             <a:r>
               <a:rPr lang="en-AU" dirty="0"/>
               <a:t>People can fall under one of three categories:</a:t>
             </a:r>
           </a:p>
           <a:p>
-            <a:pPr lvl="1"/>
+            <a:pPr lvl="1">
+              <a:lnSpc>
+                <a:spcPct val="110000"/>
+              </a:lnSpc>
+            </a:pPr>
             <a:r>
               <a:rPr lang="en-AU" dirty="0"/>
               <a:t>Cognitively Normal (NC)</a:t>
             </a:r>
           </a:p>
           <a:p>
-            <a:pPr lvl="1"/>
+            <a:pPr lvl="1">
+              <a:lnSpc>
+                <a:spcPct val="110000"/>
+              </a:lnSpc>
+            </a:pPr>
             <a:r>
               <a:rPr lang="en-AU" dirty="0"/>
               <a:t>Mild Cognitive Impairment (MCI)</a:t>
             </a:r>
           </a:p>
           <a:p>
-            <a:pPr lvl="1"/>
+            <a:pPr lvl="1">
+              <a:lnSpc>
+                <a:spcPct val="110000"/>
+              </a:lnSpc>
+            </a:pPr>
             <a:r>
               <a:rPr lang="en-AU" dirty="0"/>
               <a:t>Alzheimer’s Disease (AD)</a:t>
             </a:r>
+          </a:p>
+        </p:txBody>
+      </p:sp>
+      <p:sp>
+        <p:nvSpPr>
+          <p:cNvPr id="4" name="Slide Number Placeholder 3">
+            <a:extLst>
+              <a:ext uri="{FF2B5EF4-FFF2-40B4-BE49-F238E27FC236}">
+                <a16:creationId xmlns:a16="http://schemas.microsoft.com/office/drawing/2014/main" id="{27FB2F5E-353F-423D-8FA4-E538D03A113A}"/>
+              </a:ext>
+            </a:extLst>
+          </p:cNvPr>
+          <p:cNvSpPr>
+            <a:spLocks noGrp="1"/>
+          </p:cNvSpPr>
+          <p:nvPr>
+            <p:ph type="sldNum" sz="quarter" idx="12"/>
+          </p:nvPr>
+        </p:nvSpPr>
+        <p:spPr/>
+        <p:txBody>
+          <a:bodyPr/>
+          <a:lstStyle/>
+          <a:p>
+            <a:fld id="{4854181D-6920-4594-9A5D-6CE56DC9F8B2}" type="slidenum">
+              <a:rPr lang="en-US" smtClean="0"/>
+              <a:t>2</a:t>
+            </a:fld>
+            <a:endParaRPr lang="en-US"/>
           </a:p>
         </p:txBody>
       </p:sp>
@@ -8035,49 +10540,104 @@
             <p:ph idx="1"/>
           </p:nvPr>
         </p:nvSpPr>
-        <p:spPr/>
-        <p:txBody>
-          <a:bodyPr/>
-          <a:lstStyle/>
-          <a:p>
-            <a:pPr algn="l"/>
+        <p:spPr>
+          <a:xfrm>
+            <a:off x="838199" y="1825625"/>
+            <a:ext cx="10704095" cy="3859742"/>
+          </a:xfrm>
+        </p:spPr>
+        <p:txBody>
+          <a:bodyPr>
+            <a:normAutofit fontScale="92500" lnSpcReduction="20000"/>
+          </a:bodyPr>
+          <a:lstStyle/>
+          <a:p>
+            <a:pPr algn="l">
+              <a:lnSpc>
+                <a:spcPct val="110000"/>
+              </a:lnSpc>
+            </a:pPr>
             <a:r>
               <a:rPr lang="en-GB" dirty="0"/>
               <a:t>MCI is a condition in which people experience significant memory loss but do not yet meet the criteria for a clinical diagnosis of AD [2].</a:t>
             </a:r>
           </a:p>
           <a:p>
-            <a:pPr algn="l"/>
+            <a:pPr algn="l">
+              <a:lnSpc>
+                <a:spcPct val="110000"/>
+              </a:lnSpc>
+            </a:pPr>
             <a:r>
               <a:rPr lang="en-GB" dirty="0"/>
-              <a:t>Annually, at age 65 </a:t>
-            </a:r>
-            <a:r>
-              <a:rPr lang="en-AU" dirty="0"/>
-              <a:t>[3]</a:t>
-            </a:r>
-            <a:r>
-              <a:rPr lang="en-GB" dirty="0"/>
-              <a:t>:</a:t>
-            </a:r>
-          </a:p>
-          <a:p>
-            <a:pPr lvl="1"/>
+              <a:t>Annually, at age 65:</a:t>
+            </a:r>
+          </a:p>
+          <a:p>
+            <a:pPr lvl="1">
+              <a:lnSpc>
+                <a:spcPct val="110000"/>
+              </a:lnSpc>
+            </a:pPr>
             <a:r>
               <a:rPr lang="en-GB" dirty="0"/>
               <a:t>8% of people will progress from NC to MCI </a:t>
             </a:r>
           </a:p>
           <a:p>
-            <a:pPr lvl="1"/>
+            <a:pPr lvl="1">
+              <a:lnSpc>
+                <a:spcPct val="110000"/>
+              </a:lnSpc>
+            </a:pPr>
             <a:r>
               <a:rPr lang="en-GB" dirty="0"/>
               <a:t>22% of patients with MCI will progress to a clinical diagnosis </a:t>
             </a:r>
             <a:r>
               <a:rPr lang="en-AU" dirty="0"/>
-              <a:t>of AD.</a:t>
-            </a:r>
+              <a:t>of AD [3].</a:t>
+            </a:r>
+          </a:p>
+          <a:p>
+            <a:pPr>
+              <a:lnSpc>
+                <a:spcPct val="110000"/>
+              </a:lnSpc>
+            </a:pPr>
+            <a:r>
+              <a:rPr lang="en-AU" dirty="0"/>
+              <a:t>For a cohort of 100 cognitively normal patients at age 65, it was found that a 20% reduction in the progression rate from normal cognition to MCI would avoid 5.7 cases of MCI and 5.6 cases of AD in the future [3].</a:t>
+            </a:r>
+          </a:p>
+        </p:txBody>
+      </p:sp>
+      <p:sp>
+        <p:nvSpPr>
+          <p:cNvPr id="4" name="Slide Number Placeholder 3">
+            <a:extLst>
+              <a:ext uri="{FF2B5EF4-FFF2-40B4-BE49-F238E27FC236}">
+                <a16:creationId xmlns:a16="http://schemas.microsoft.com/office/drawing/2014/main" id="{3277FD37-2F65-484D-9CD0-F6A40432E94B}"/>
+              </a:ext>
+            </a:extLst>
+          </p:cNvPr>
+          <p:cNvSpPr>
+            <a:spLocks noGrp="1"/>
+          </p:cNvSpPr>
+          <p:nvPr>
+            <p:ph type="sldNum" sz="quarter" idx="12"/>
+          </p:nvPr>
+        </p:nvSpPr>
+        <p:spPr/>
+        <p:txBody>
+          <a:bodyPr/>
+          <a:lstStyle/>
+          <a:p>
+            <a:fld id="{4854181D-6920-4594-9A5D-6CE56DC9F8B2}" type="slidenum">
+              <a:rPr lang="en-US" smtClean="0"/>
+              <a:t>3</a:t>
+            </a:fld>
+            <a:endParaRPr lang="en-US"/>
           </a:p>
         </p:txBody>
       </p:sp>
@@ -8155,21 +10715,78 @@
             <p:ph idx="1"/>
           </p:nvPr>
         </p:nvSpPr>
+        <p:spPr>
+          <a:xfrm>
+            <a:off x="838199" y="1825625"/>
+            <a:ext cx="10963275" cy="3859742"/>
+          </a:xfrm>
+        </p:spPr>
+        <p:txBody>
+          <a:bodyPr>
+            <a:normAutofit/>
+          </a:bodyPr>
+          <a:lstStyle/>
+          <a:p>
+            <a:pPr algn="l">
+              <a:lnSpc>
+                <a:spcPct val="100000"/>
+              </a:lnSpc>
+            </a:pPr>
+            <a:r>
+              <a:rPr lang="en-AU" dirty="0"/>
+              <a:t>Non-pharmacological interventions such as diet, exercise and cognitive exercise have been shown to have an influence on reducing the incidence of development of MCI and dementia [4]. </a:t>
+            </a:r>
+          </a:p>
+          <a:p>
+            <a:pPr algn="l">
+              <a:lnSpc>
+                <a:spcPct val="100000"/>
+              </a:lnSpc>
+            </a:pPr>
+            <a:r>
+              <a:rPr lang="en-AU" dirty="0"/>
+              <a:t>Early intervention should lead to increased life expectancy and less time spent in severe AD health states.</a:t>
+            </a:r>
+          </a:p>
+          <a:p>
+            <a:pPr algn="l">
+              <a:lnSpc>
+                <a:spcPct val="100000"/>
+              </a:lnSpc>
+            </a:pPr>
+            <a:r>
+              <a:rPr lang="en-AU" dirty="0"/>
+              <a:t>Our goal is to produce a model which can accurately predict whether a cognitively normal person will suffer from cognitive impairment in the near future.</a:t>
+            </a:r>
+          </a:p>
+        </p:txBody>
+      </p:sp>
+      <p:sp>
+        <p:nvSpPr>
+          <p:cNvPr id="4" name="Slide Number Placeholder 3">
+            <a:extLst>
+              <a:ext uri="{FF2B5EF4-FFF2-40B4-BE49-F238E27FC236}">
+                <a16:creationId xmlns:a16="http://schemas.microsoft.com/office/drawing/2014/main" id="{D0EC3BA7-4265-4B47-B2A9-F6C09E21EF57}"/>
+              </a:ext>
+            </a:extLst>
+          </p:cNvPr>
+          <p:cNvSpPr>
+            <a:spLocks noGrp="1"/>
+          </p:cNvSpPr>
+          <p:nvPr>
+            <p:ph type="sldNum" sz="quarter" idx="12"/>
+          </p:nvPr>
+        </p:nvSpPr>
         <p:spPr/>
         <p:txBody>
           <a:bodyPr/>
           <a:lstStyle/>
           <a:p>
-            <a:r>
-              <a:rPr lang="en-AU" dirty="0"/>
-              <a:t>Aim</a:t>
-            </a:r>
-          </a:p>
-          <a:p>
-            <a:r>
-              <a:rPr lang="en-AU" dirty="0"/>
-              <a:t>Previous results</a:t>
-            </a:r>
+            <a:fld id="{4854181D-6920-4594-9A5D-6CE56DC9F8B2}" type="slidenum">
+              <a:rPr lang="en-US" smtClean="0"/>
+              <a:t>4</a:t>
+            </a:fld>
+            <a:endParaRPr lang="en-US"/>
           </a:p>
         </p:txBody>
       </p:sp>
@@ -8247,12 +10864,78 @@
             <p:ph idx="1"/>
           </p:nvPr>
         </p:nvSpPr>
+        <p:spPr>
+          <a:xfrm>
+            <a:off x="838200" y="1825624"/>
+            <a:ext cx="10515600" cy="4667251"/>
+          </a:xfrm>
+        </p:spPr>
+        <p:txBody>
+          <a:bodyPr>
+            <a:normAutofit/>
+          </a:bodyPr>
+          <a:lstStyle/>
+          <a:p>
+            <a:pPr algn="l">
+              <a:lnSpc>
+                <a:spcPct val="100000"/>
+              </a:lnSpc>
+            </a:pPr>
+            <a:r>
+              <a:rPr lang="en-AU" dirty="0"/>
+              <a:t>Recently, deep learning has been used to solve many complex medical problems such as detecting Multiple Sclerosis, Alzheimer's disease and various types of cancer [8].</a:t>
+            </a:r>
+          </a:p>
+          <a:p>
+            <a:pPr algn="l">
+              <a:lnSpc>
+                <a:spcPct val="100000"/>
+              </a:lnSpc>
+            </a:pPr>
+            <a:r>
+              <a:rPr lang="en-AU" dirty="0"/>
+              <a:t>The interest in deep learning for medical imaging has largely been due to the ability of convolutional neural networks (CNNs) to learn useful representations of complex images.</a:t>
+            </a:r>
+          </a:p>
+          <a:p>
+            <a:pPr algn="l">
+              <a:lnSpc>
+                <a:spcPct val="100000"/>
+              </a:lnSpc>
+            </a:pPr>
+            <a:r>
+              <a:rPr lang="en-AU" dirty="0"/>
+              <a:t>Lee et al. [9] found that radiological examinations' retrospective error rate is approximately 30%. As such, automated approaches are becoming necessary.</a:t>
+            </a:r>
+          </a:p>
+        </p:txBody>
+      </p:sp>
+      <p:sp>
+        <p:nvSpPr>
+          <p:cNvPr id="4" name="Slide Number Placeholder 3">
+            <a:extLst>
+              <a:ext uri="{FF2B5EF4-FFF2-40B4-BE49-F238E27FC236}">
+                <a16:creationId xmlns:a16="http://schemas.microsoft.com/office/drawing/2014/main" id="{BD5F72BB-10CD-483E-BD77-7C8D3C08399C}"/>
+              </a:ext>
+            </a:extLst>
+          </p:cNvPr>
+          <p:cNvSpPr>
+            <a:spLocks noGrp="1"/>
+          </p:cNvSpPr>
+          <p:nvPr>
+            <p:ph type="sldNum" sz="quarter" idx="12"/>
+          </p:nvPr>
+        </p:nvSpPr>
         <p:spPr/>
         <p:txBody>
           <a:bodyPr/>
           <a:lstStyle/>
           <a:p>
-            <a:endParaRPr lang="en-AU" dirty="0"/>
+            <a:fld id="{4854181D-6920-4594-9A5D-6CE56DC9F8B2}" type="slidenum">
+              <a:rPr lang="en-US" smtClean="0"/>
+              <a:t>5</a:t>
+            </a:fld>
+            <a:endParaRPr lang="en-US"/>
           </a:p>
         </p:txBody>
       </p:sp>
@@ -8272,6 +10955,14 @@
 <file path=ppt/slides/slide6.xml><?xml version="1.0" encoding="utf-8"?>
 <p:sld xmlns:a="http://schemas.openxmlformats.org/drawingml/2006/main" xmlns:r="http://schemas.openxmlformats.org/officeDocument/2006/relationships" xmlns:p="http://schemas.openxmlformats.org/presentationml/2006/main">
   <p:cSld>
+    <p:bg>
+      <p:bgPr>
+        <a:solidFill>
+          <a:schemeClr val="bg1"/>
+        </a:solidFill>
+        <a:effectLst/>
+      </p:bgPr>
+    </p:bg>
     <p:spTree>
       <p:nvGrpSpPr>
         <p:cNvPr id="1" name=""/>
@@ -8286,6 +10977,437 @@
           <a:chExt cx="0" cy="0"/>
         </a:xfrm>
       </p:grpSpPr>
+      <p:sp useBgFill="1">
+        <p:nvSpPr>
+          <p:cNvPr id="19" name="Rectangle 18">
+            <a:extLst>
+              <a:ext uri="{FF2B5EF4-FFF2-40B4-BE49-F238E27FC236}">
+                <a16:creationId xmlns:a16="http://schemas.microsoft.com/office/drawing/2014/main" id="{CB6E2F43-29E9-49D9-91FC-E5FEFAAA70DE}"/>
+              </a:ext>
+              <a:ext uri="{C183D7F6-B498-43B3-948B-1728B52AA6E4}">
+                <adec:decorative xmlns:adec="http://schemas.microsoft.com/office/drawing/2017/decorative" val="1"/>
+              </a:ext>
+            </a:extLst>
+          </p:cNvPr>
+          <p:cNvSpPr>
+            <a:spLocks noGrp="1" noRot="1" noChangeAspect="1" noMove="1" noResize="1" noEditPoints="1" noAdjustHandles="1" noChangeArrowheads="1" noChangeShapeType="1" noTextEdit="1"/>
+          </p:cNvSpPr>
+          <p:nvPr>
+            <p:extLst>
+              <p:ext uri="{386F3935-93C4-4BCD-93E2-E3B085C9AB24}">
+                <p16:designElem xmlns:p16="http://schemas.microsoft.com/office/powerpoint/2015/main" val="1"/>
+              </p:ext>
+            </p:extLst>
+          </p:nvPr>
+        </p:nvSpPr>
+        <p:spPr bwMode="white">
+          <a:xfrm>
+            <a:off x="0" y="0"/>
+            <a:ext cx="12192000" cy="6858000"/>
+          </a:xfrm>
+          <a:prstGeom prst="rect">
+            <a:avLst/>
+          </a:prstGeom>
+          <a:ln>
+            <a:noFill/>
+          </a:ln>
+        </p:spPr>
+        <p:style>
+          <a:lnRef idx="2">
+            <a:schemeClr val="accent1">
+              <a:shade val="50000"/>
+            </a:schemeClr>
+          </a:lnRef>
+          <a:fillRef idx="1">
+            <a:schemeClr val="accent1"/>
+          </a:fillRef>
+          <a:effectRef idx="0">
+            <a:schemeClr val="accent1"/>
+          </a:effectRef>
+          <a:fontRef idx="minor">
+            <a:schemeClr val="lt1"/>
+          </a:fontRef>
+        </p:style>
+        <p:txBody>
+          <a:bodyPr rtlCol="0" anchor="ctr"/>
+          <a:lstStyle>
+            <a:defPPr>
+              <a:defRPr lang="en-US"/>
+            </a:defPPr>
+            <a:lvl1pPr marL="0" algn="l" defTabSz="914400" rtl="0" eaLnBrk="1" latinLnBrk="0" hangingPunct="1">
+              <a:defRPr sz="1800" kern="1200">
+                <a:solidFill>
+                  <a:schemeClr val="lt1"/>
+                </a:solidFill>
+                <a:latin typeface="+mn-lt"/>
+                <a:ea typeface="+mn-ea"/>
+                <a:cs typeface="+mn-cs"/>
+              </a:defRPr>
+            </a:lvl1pPr>
+            <a:lvl2pPr marL="457200" algn="l" defTabSz="914400" rtl="0" eaLnBrk="1" latinLnBrk="0" hangingPunct="1">
+              <a:defRPr sz="1800" kern="1200">
+                <a:solidFill>
+                  <a:schemeClr val="lt1"/>
+                </a:solidFill>
+                <a:latin typeface="+mn-lt"/>
+                <a:ea typeface="+mn-ea"/>
+                <a:cs typeface="+mn-cs"/>
+              </a:defRPr>
+            </a:lvl2pPr>
+            <a:lvl3pPr marL="914400" algn="l" defTabSz="914400" rtl="0" eaLnBrk="1" latinLnBrk="0" hangingPunct="1">
+              <a:defRPr sz="1800" kern="1200">
+                <a:solidFill>
+                  <a:schemeClr val="lt1"/>
+                </a:solidFill>
+                <a:latin typeface="+mn-lt"/>
+                <a:ea typeface="+mn-ea"/>
+                <a:cs typeface="+mn-cs"/>
+              </a:defRPr>
+            </a:lvl3pPr>
+            <a:lvl4pPr marL="1371600" algn="l" defTabSz="914400" rtl="0" eaLnBrk="1" latinLnBrk="0" hangingPunct="1">
+              <a:defRPr sz="1800" kern="1200">
+                <a:solidFill>
+                  <a:schemeClr val="lt1"/>
+                </a:solidFill>
+                <a:latin typeface="+mn-lt"/>
+                <a:ea typeface="+mn-ea"/>
+                <a:cs typeface="+mn-cs"/>
+              </a:defRPr>
+            </a:lvl4pPr>
+            <a:lvl5pPr marL="1828800" algn="l" defTabSz="914400" rtl="0" eaLnBrk="1" latinLnBrk="0" hangingPunct="1">
+              <a:defRPr sz="1800" kern="1200">
+                <a:solidFill>
+                  <a:schemeClr val="lt1"/>
+                </a:solidFill>
+                <a:latin typeface="+mn-lt"/>
+                <a:ea typeface="+mn-ea"/>
+                <a:cs typeface="+mn-cs"/>
+              </a:defRPr>
+            </a:lvl5pPr>
+            <a:lvl6pPr marL="2286000" algn="l" defTabSz="914400" rtl="0" eaLnBrk="1" latinLnBrk="0" hangingPunct="1">
+              <a:defRPr sz="1800" kern="1200">
+                <a:solidFill>
+                  <a:schemeClr val="lt1"/>
+                </a:solidFill>
+                <a:latin typeface="+mn-lt"/>
+                <a:ea typeface="+mn-ea"/>
+                <a:cs typeface="+mn-cs"/>
+              </a:defRPr>
+            </a:lvl6pPr>
+            <a:lvl7pPr marL="2743200" algn="l" defTabSz="914400" rtl="0" eaLnBrk="1" latinLnBrk="0" hangingPunct="1">
+              <a:defRPr sz="1800" kern="1200">
+                <a:solidFill>
+                  <a:schemeClr val="lt1"/>
+                </a:solidFill>
+                <a:latin typeface="+mn-lt"/>
+                <a:ea typeface="+mn-ea"/>
+                <a:cs typeface="+mn-cs"/>
+              </a:defRPr>
+            </a:lvl7pPr>
+            <a:lvl8pPr marL="3200400" algn="l" defTabSz="914400" rtl="0" eaLnBrk="1" latinLnBrk="0" hangingPunct="1">
+              <a:defRPr sz="1800" kern="1200">
+                <a:solidFill>
+                  <a:schemeClr val="lt1"/>
+                </a:solidFill>
+                <a:latin typeface="+mn-lt"/>
+                <a:ea typeface="+mn-ea"/>
+                <a:cs typeface="+mn-cs"/>
+              </a:defRPr>
+            </a:lvl8pPr>
+            <a:lvl9pPr marL="3657600" algn="l" defTabSz="914400" rtl="0" eaLnBrk="1" latinLnBrk="0" hangingPunct="1">
+              <a:defRPr sz="1800" kern="1200">
+                <a:solidFill>
+                  <a:schemeClr val="lt1"/>
+                </a:solidFill>
+                <a:latin typeface="+mn-lt"/>
+                <a:ea typeface="+mn-ea"/>
+                <a:cs typeface="+mn-cs"/>
+              </a:defRPr>
+            </a:lvl9pPr>
+          </a:lstStyle>
+          <a:p>
+            <a:pPr marL="0" marR="0" lvl="0" indent="0" algn="ctr" defTabSz="914400" rtl="0" eaLnBrk="1" fontAlgn="auto" latinLnBrk="0" hangingPunct="1">
+              <a:lnSpc>
+                <a:spcPct val="100000"/>
+              </a:lnSpc>
+              <a:spcBef>
+                <a:spcPts val="0"/>
+              </a:spcBef>
+              <a:spcAft>
+                <a:spcPts val="0"/>
+              </a:spcAft>
+              <a:buClrTx/>
+              <a:buSzTx/>
+              <a:buFontTx/>
+              <a:buNone/>
+              <a:tabLst/>
+              <a:defRPr/>
+            </a:pPr>
+            <a:endParaRPr kumimoji="0" lang="en-US" sz="1800" b="0" i="0" u="none" strike="noStrike" kern="1200" cap="none" spc="0" normalizeH="0" baseline="0" noProof="0">
+              <a:ln>
+                <a:noFill/>
+              </a:ln>
+              <a:solidFill>
+                <a:prstClr val="white"/>
+              </a:solidFill>
+              <a:effectLst/>
+              <a:uLnTx/>
+              <a:uFillTx/>
+              <a:latin typeface="Calibri" panose="020F0502020204030204"/>
+              <a:ea typeface="+mn-ea"/>
+              <a:cs typeface="+mn-cs"/>
+            </a:endParaRPr>
+          </a:p>
+        </p:txBody>
+      </p:sp>
+      <p:pic>
+        <p:nvPicPr>
+          <p:cNvPr id="5" name="Picture 4">
+            <a:extLst>
+              <a:ext uri="{FF2B5EF4-FFF2-40B4-BE49-F238E27FC236}">
+                <a16:creationId xmlns:a16="http://schemas.microsoft.com/office/drawing/2014/main" id="{C7A718D7-D1F4-455B-8EBA-DB19662BCA32}"/>
+              </a:ext>
+            </a:extLst>
+          </p:cNvPr>
+          <p:cNvPicPr>
+            <a:picLocks noChangeAspect="1"/>
+          </p:cNvPicPr>
+          <p:nvPr/>
+        </p:nvPicPr>
+        <p:blipFill>
+          <a:blip r:embed="rId3"/>
+          <a:stretch>
+            <a:fillRect/>
+          </a:stretch>
+        </p:blipFill>
+        <p:spPr>
+          <a:xfrm>
+            <a:off x="7069761" y="2751152"/>
+            <a:ext cx="4716440" cy="3046384"/>
+          </a:xfrm>
+          <a:custGeom>
+            <a:avLst/>
+            <a:gdLst/>
+            <a:ahLst/>
+            <a:cxnLst/>
+            <a:rect l="l" t="t" r="r" b="b"/>
+            <a:pathLst>
+              <a:path w="5580942" h="5519103">
+                <a:moveTo>
+                  <a:pt x="169765" y="0"/>
+                </a:moveTo>
+                <a:lnTo>
+                  <a:pt x="5580942" y="0"/>
+                </a:lnTo>
+                <a:lnTo>
+                  <a:pt x="5580942" y="5519103"/>
+                </a:lnTo>
+                <a:lnTo>
+                  <a:pt x="9100" y="5519103"/>
+                </a:lnTo>
+                <a:lnTo>
+                  <a:pt x="0" y="5474029"/>
+                </a:lnTo>
+                <a:lnTo>
+                  <a:pt x="0" y="169765"/>
+                </a:lnTo>
+                <a:cubicBezTo>
+                  <a:pt x="0" y="76006"/>
+                  <a:pt x="76006" y="0"/>
+                  <a:pt x="169765" y="0"/>
+                </a:cubicBezTo>
+                <a:close/>
+              </a:path>
+            </a:pathLst>
+          </a:custGeom>
+        </p:spPr>
+      </p:pic>
+      <p:sp>
+        <p:nvSpPr>
+          <p:cNvPr id="21" name="Oval 20">
+            <a:extLst>
+              <a:ext uri="{FF2B5EF4-FFF2-40B4-BE49-F238E27FC236}">
+                <a16:creationId xmlns:a16="http://schemas.microsoft.com/office/drawing/2014/main" id="{8E63CC27-1C86-4653-8866-79C24C5C51FB}"/>
+              </a:ext>
+              <a:ext uri="{C183D7F6-B498-43B3-948B-1728B52AA6E4}">
+                <adec:decorative xmlns:adec="http://schemas.microsoft.com/office/drawing/2017/decorative" val="1"/>
+              </a:ext>
+            </a:extLst>
+          </p:cNvPr>
+          <p:cNvSpPr>
+            <a:spLocks noGrp="1" noRot="1" noChangeAspect="1" noMove="1" noResize="1" noEditPoints="1" noAdjustHandles="1" noChangeArrowheads="1" noChangeShapeType="1" noTextEdit="1"/>
+          </p:cNvSpPr>
+          <p:nvPr>
+            <p:extLst>
+              <p:ext uri="{386F3935-93C4-4BCD-93E2-E3B085C9AB24}">
+                <p16:designElem xmlns:p16="http://schemas.microsoft.com/office/powerpoint/2015/main" val="1"/>
+              </p:ext>
+            </p:extLst>
+          </p:nvPr>
+        </p:nvSpPr>
+        <p:spPr>
+          <a:xfrm>
+            <a:off x="6295924" y="1656147"/>
+            <a:ext cx="546100" cy="546100"/>
+          </a:xfrm>
+          <a:prstGeom prst="ellipse">
+            <a:avLst/>
+          </a:prstGeom>
+          <a:solidFill>
+            <a:schemeClr val="accent5"/>
+          </a:solidFill>
+          <a:ln>
+            <a:noFill/>
+          </a:ln>
+        </p:spPr>
+        <p:style>
+          <a:lnRef idx="2">
+            <a:schemeClr val="accent1">
+              <a:shade val="50000"/>
+            </a:schemeClr>
+          </a:lnRef>
+          <a:fillRef idx="1">
+            <a:schemeClr val="accent1"/>
+          </a:fillRef>
+          <a:effectRef idx="0">
+            <a:schemeClr val="accent1"/>
+          </a:effectRef>
+          <a:fontRef idx="minor">
+            <a:schemeClr val="lt1"/>
+          </a:fontRef>
+        </p:style>
+        <p:txBody>
+          <a:bodyPr rtlCol="0" anchor="ctr"/>
+          <a:lstStyle/>
+          <a:p>
+            <a:pPr marL="0" marR="0" lvl="0" indent="0" algn="ctr" defTabSz="914400" rtl="0" eaLnBrk="1" fontAlgn="auto" latinLnBrk="0" hangingPunct="1">
+              <a:lnSpc>
+                <a:spcPct val="100000"/>
+              </a:lnSpc>
+              <a:spcBef>
+                <a:spcPts val="0"/>
+              </a:spcBef>
+              <a:spcAft>
+                <a:spcPts val="0"/>
+              </a:spcAft>
+              <a:buClrTx/>
+              <a:buSzTx/>
+              <a:buFontTx/>
+              <a:buNone/>
+              <a:tabLst/>
+              <a:defRPr/>
+            </a:pPr>
+            <a:endParaRPr kumimoji="0" lang="en-US" sz="1800" b="0" i="0" u="none" strike="noStrike" kern="1200" cap="none" spc="0" normalizeH="0" baseline="0" noProof="0">
+              <a:ln>
+                <a:noFill/>
+              </a:ln>
+              <a:solidFill>
+                <a:srgbClr val="FFFFFF"/>
+              </a:solidFill>
+              <a:effectLst/>
+              <a:uLnTx/>
+              <a:uFillTx/>
+              <a:latin typeface="Calibri" panose="020F0502020204030204"/>
+              <a:ea typeface="+mn-ea"/>
+              <a:cs typeface="+mn-cs"/>
+            </a:endParaRPr>
+          </a:p>
+        </p:txBody>
+      </p:sp>
+      <p:sp>
+        <p:nvSpPr>
+          <p:cNvPr id="23" name="Arc 22">
+            <a:extLst>
+              <a:ext uri="{FF2B5EF4-FFF2-40B4-BE49-F238E27FC236}">
+                <a16:creationId xmlns:a16="http://schemas.microsoft.com/office/drawing/2014/main" id="{3BA62E19-CD42-4C09-B825-844B4943D49D}"/>
+              </a:ext>
+              <a:ext uri="{C183D7F6-B498-43B3-948B-1728B52AA6E4}">
+                <adec:decorative xmlns:adec="http://schemas.microsoft.com/office/drawing/2017/decorative" val="1"/>
+              </a:ext>
+            </a:extLst>
+          </p:cNvPr>
+          <p:cNvSpPr>
+            <a:spLocks noGrp="1" noRot="1" noChangeAspect="1" noMove="1" noResize="1" noEditPoints="1" noAdjustHandles="1" noChangeArrowheads="1" noChangeShapeType="1" noTextEdit="1"/>
+          </p:cNvSpPr>
+          <p:nvPr>
+            <p:extLst>
+              <p:ext uri="{386F3935-93C4-4BCD-93E2-E3B085C9AB24}">
+                <p16:designElem xmlns:p16="http://schemas.microsoft.com/office/powerpoint/2015/main" val="1"/>
+              </p:ext>
+            </p:extLst>
+          </p:nvPr>
+        </p:nvSpPr>
+        <p:spPr>
+          <a:xfrm>
+            <a:off x="7787212" y="587516"/>
+            <a:ext cx="2987899" cy="2987899"/>
+          </a:xfrm>
+          <a:prstGeom prst="arc">
+            <a:avLst>
+              <a:gd name="adj1" fmla="val 15817365"/>
+              <a:gd name="adj2" fmla="val 1781380"/>
+            </a:avLst>
+          </a:prstGeom>
+          <a:ln w="127000" cap="rnd">
+            <a:solidFill>
+              <a:schemeClr val="accent4"/>
+            </a:solidFill>
+            <a:prstDash val="dash"/>
+            <a:miter lim="800000"/>
+          </a:ln>
+        </p:spPr>
+        <p:style>
+          <a:lnRef idx="1">
+            <a:schemeClr val="accent1"/>
+          </a:lnRef>
+          <a:fillRef idx="0">
+            <a:schemeClr val="accent1"/>
+          </a:fillRef>
+          <a:effectRef idx="0">
+            <a:schemeClr val="accent1"/>
+          </a:effectRef>
+          <a:fontRef idx="minor">
+            <a:schemeClr val="tx1"/>
+          </a:fontRef>
+        </p:style>
+        <p:txBody>
+          <a:bodyPr rtlCol="0" anchor="ctr"/>
+          <a:lstStyle/>
+          <a:p>
+            <a:pPr marL="0" marR="0" lvl="0" indent="0" algn="ctr" defTabSz="914400" rtl="0" eaLnBrk="1" fontAlgn="auto" latinLnBrk="0" hangingPunct="1">
+              <a:lnSpc>
+                <a:spcPct val="100000"/>
+              </a:lnSpc>
+              <a:spcBef>
+                <a:spcPts val="0"/>
+              </a:spcBef>
+              <a:spcAft>
+                <a:spcPts val="0"/>
+              </a:spcAft>
+              <a:buClrTx/>
+              <a:buSzTx/>
+              <a:buFontTx/>
+              <a:buNone/>
+              <a:tabLst/>
+              <a:defRPr/>
+            </a:pPr>
+            <a:endParaRPr kumimoji="0" lang="en-US" sz="1800" b="0" i="0" u="none" strike="noStrike" kern="1200" cap="none" spc="0" normalizeH="0" baseline="0" noProof="0">
+              <a:ln>
+                <a:noFill/>
+              </a:ln>
+              <a:solidFill>
+                <a:srgbClr val="000000"/>
+              </a:solidFill>
+              <a:effectLst/>
+              <a:uLnTx/>
+              <a:uFillTx/>
+              <a:latin typeface="Calibri" panose="020F0502020204030204"/>
+              <a:ea typeface="+mn-ea"/>
+              <a:cs typeface="+mn-cs"/>
+            </a:endParaRPr>
+          </a:p>
+        </p:txBody>
+      </p:sp>
       <p:sp>
         <p:nvSpPr>
           <p:cNvPr id="2" name="Title 1">
@@ -8302,9 +11424,16 @@
             <p:ph type="title"/>
           </p:nvPr>
         </p:nvSpPr>
-        <p:spPr/>
-        <p:txBody>
-          <a:bodyPr/>
+        <p:spPr>
+          <a:xfrm>
+            <a:off x="838200" y="365125"/>
+            <a:ext cx="10515600" cy="1325563"/>
+          </a:xfrm>
+        </p:spPr>
+        <p:txBody>
+          <a:bodyPr>
+            <a:normAutofit/>
+          </a:bodyPr>
           <a:lstStyle/>
           <a:p>
             <a:r>
@@ -8330,12 +11459,120 @@
             <p:ph idx="1"/>
           </p:nvPr>
         </p:nvSpPr>
+        <p:spPr>
+          <a:xfrm>
+            <a:off x="838200" y="1825625"/>
+            <a:ext cx="5937922" cy="4351338"/>
+          </a:xfrm>
+        </p:spPr>
+        <p:txBody>
+          <a:bodyPr>
+            <a:normAutofit/>
+          </a:bodyPr>
+          <a:lstStyle/>
+          <a:p>
+            <a:pPr>
+              <a:lnSpc>
+                <a:spcPct val="100000"/>
+              </a:lnSpc>
+            </a:pPr>
+            <a:r>
+              <a:rPr lang="en-AU" sz="2400" dirty="0"/>
+              <a:t>3D CNNs have been found to have a greater ability to extract discriminative features from MRI data than 2D CNNs [19].</a:t>
+            </a:r>
+          </a:p>
+          <a:p>
+            <a:pPr>
+              <a:lnSpc>
+                <a:spcPct val="100000"/>
+              </a:lnSpc>
+            </a:pPr>
+            <a:r>
+              <a:rPr lang="en-AU" sz="2400" dirty="0"/>
+              <a:t>Problem of binary classification between NC and MCI/AD has been  solved [10].</a:t>
+            </a:r>
+          </a:p>
+          <a:p>
+            <a:pPr>
+              <a:lnSpc>
+                <a:spcPct val="100000"/>
+              </a:lnSpc>
+            </a:pPr>
+            <a:endParaRPr lang="en-AU" sz="2400" b="0" i="0" u="none" strike="noStrike" baseline="0" dirty="0">
+              <a:latin typeface="CMR12"/>
+            </a:endParaRPr>
+          </a:p>
+          <a:p>
+            <a:pPr>
+              <a:lnSpc>
+                <a:spcPct val="100000"/>
+              </a:lnSpc>
+            </a:pPr>
+            <a:endParaRPr lang="en-AU" sz="2400" dirty="0"/>
+          </a:p>
+        </p:txBody>
+      </p:sp>
+      <p:sp>
+        <p:nvSpPr>
+          <p:cNvPr id="15" name="TextBox 14">
+            <a:extLst>
+              <a:ext uri="{FF2B5EF4-FFF2-40B4-BE49-F238E27FC236}">
+                <a16:creationId xmlns:a16="http://schemas.microsoft.com/office/drawing/2014/main" id="{595FF867-13E5-4499-B3B5-83B2E98AA561}"/>
+              </a:ext>
+            </a:extLst>
+          </p:cNvPr>
+          <p:cNvSpPr txBox="1"/>
+          <p:nvPr/>
+        </p:nvSpPr>
+        <p:spPr>
+          <a:xfrm>
+            <a:off x="6798639" y="5797536"/>
+            <a:ext cx="5393361" cy="253916"/>
+          </a:xfrm>
+          <a:prstGeom prst="rect">
+            <a:avLst/>
+          </a:prstGeom>
+          <a:noFill/>
+        </p:spPr>
+        <p:txBody>
+          <a:bodyPr wrap="square">
+            <a:spAutoFit/>
+          </a:bodyPr>
+          <a:lstStyle/>
+          <a:p>
+            <a:r>
+              <a:rPr lang="en-AU" sz="1050" dirty="0"/>
+              <a:t>Figure 2: Binary classification accuracy comparison (Source: Farooq et al., 2017) [18]</a:t>
+            </a:r>
+          </a:p>
+        </p:txBody>
+      </p:sp>
+      <p:sp>
+        <p:nvSpPr>
+          <p:cNvPr id="8" name="Slide Number Placeholder 7">
+            <a:extLst>
+              <a:ext uri="{FF2B5EF4-FFF2-40B4-BE49-F238E27FC236}">
+                <a16:creationId xmlns:a16="http://schemas.microsoft.com/office/drawing/2014/main" id="{C12914DB-4C6C-470C-9246-767E39A94174}"/>
+              </a:ext>
+            </a:extLst>
+          </p:cNvPr>
+          <p:cNvSpPr>
+            <a:spLocks noGrp="1"/>
+          </p:cNvSpPr>
+          <p:nvPr>
+            <p:ph type="sldNum" sz="quarter" idx="12"/>
+          </p:nvPr>
+        </p:nvSpPr>
         <p:spPr/>
         <p:txBody>
           <a:bodyPr/>
           <a:lstStyle/>
           <a:p>
-            <a:endParaRPr lang="en-AU" dirty="0"/>
+            <a:fld id="{4854181D-6920-4594-9A5D-6CE56DC9F8B2}" type="slidenum">
+              <a:rPr lang="en-US" smtClean="0"/>
+              <a:t>6</a:t>
+            </a:fld>
+            <a:endParaRPr lang="en-US"/>
           </a:p>
         </p:txBody>
       </p:sp>
@@ -8392,7 +11629,7 @@
           <a:p>
             <a:r>
               <a:rPr lang="en-AU" dirty="0"/>
-              <a:t>Our Data – OASIS-3</a:t>
+              <a:t>OASIS-3 Data</a:t>
             </a:r>
           </a:p>
         </p:txBody>
@@ -8413,150 +11650,81 @@
             <p:ph idx="1"/>
           </p:nvPr>
         </p:nvSpPr>
+        <p:spPr>
+          <a:xfrm>
+            <a:off x="838200" y="1825625"/>
+            <a:ext cx="10515600" cy="3127375"/>
+          </a:xfrm>
+        </p:spPr>
+        <p:txBody>
+          <a:bodyPr>
+            <a:normAutofit/>
+          </a:bodyPr>
+          <a:lstStyle/>
+          <a:p>
+            <a:pPr algn="l">
+              <a:lnSpc>
+                <a:spcPct val="100000"/>
+              </a:lnSpc>
+            </a:pPr>
+            <a:r>
+              <a:rPr lang="en-AU" dirty="0"/>
+              <a:t>OASIS-3 is an openly available dataset containing MRI and PET imaging for 1,098 subjects [12].</a:t>
+            </a:r>
+          </a:p>
+          <a:p>
+            <a:pPr algn="l">
+              <a:lnSpc>
+                <a:spcPct val="100000"/>
+              </a:lnSpc>
+            </a:pPr>
+            <a:r>
+              <a:rPr lang="en-AU" dirty="0"/>
+              <a:t>850 of the participants entered the study as (CN). </a:t>
+            </a:r>
+          </a:p>
+          <a:p>
+            <a:pPr algn="l">
+              <a:lnSpc>
+                <a:spcPct val="100000"/>
+              </a:lnSpc>
+            </a:pPr>
+            <a:r>
+              <a:rPr lang="en-AU" dirty="0"/>
+              <a:t>245 of these converted to a state of cognitive impairment over the 10 year duration of the study.</a:t>
+            </a:r>
+          </a:p>
+        </p:txBody>
+      </p:sp>
+      <p:sp>
+        <p:nvSpPr>
+          <p:cNvPr id="5" name="Slide Number Placeholder 4">
+            <a:extLst>
+              <a:ext uri="{FF2B5EF4-FFF2-40B4-BE49-F238E27FC236}">
+                <a16:creationId xmlns:a16="http://schemas.microsoft.com/office/drawing/2014/main" id="{2606F35E-7686-4C58-9A3C-D05063AC0B90}"/>
+              </a:ext>
+            </a:extLst>
+          </p:cNvPr>
+          <p:cNvSpPr>
+            <a:spLocks noGrp="1"/>
+          </p:cNvSpPr>
+          <p:nvPr>
+            <p:ph type="sldNum" sz="quarter" idx="12"/>
+          </p:nvPr>
+        </p:nvSpPr>
         <p:spPr/>
         <p:txBody>
           <a:bodyPr/>
           <a:lstStyle/>
           <a:p>
-            <a:r>
-              <a:rPr lang="en-AU" dirty="0" err="1"/>
-              <a:t>asd</a:t>
-            </a:r>
-            <a:endParaRPr lang="en-AU" dirty="0"/>
-          </a:p>
-        </p:txBody>
-      </p:sp>
-      <p:graphicFrame>
-        <p:nvGraphicFramePr>
-          <p:cNvPr id="4" name="Table 4">
-            <a:extLst>
-              <a:ext uri="{FF2B5EF4-FFF2-40B4-BE49-F238E27FC236}">
-                <a16:creationId xmlns:a16="http://schemas.microsoft.com/office/drawing/2014/main" id="{707626D8-0E2A-4A0E-BB54-56B0295672FC}"/>
-              </a:ext>
-            </a:extLst>
-          </p:cNvPr>
-          <p:cNvGraphicFramePr>
-            <a:graphicFrameLocks noGrp="1"/>
-          </p:cNvGraphicFramePr>
-          <p:nvPr>
-            <p:extLst>
-              <p:ext uri="{D42A27DB-BD31-4B8C-83A1-F6EECF244321}">
-                <p14:modId xmlns:p14="http://schemas.microsoft.com/office/powerpoint/2010/main" val="324731626"/>
-              </p:ext>
-            </p:extLst>
-          </p:nvPr>
-        </p:nvGraphicFramePr>
-        <p:xfrm>
-          <a:off x="838200" y="2775370"/>
-          <a:ext cx="8128000" cy="1112520"/>
-        </p:xfrm>
-        <a:graphic>
-          <a:graphicData uri="http://schemas.openxmlformats.org/drawingml/2006/table">
-            <a:tbl>
-              <a:tblPr firstRow="1" bandRow="1">
-                <a:tableStyleId>{616DA210-FB5B-4158-B5E0-FEB733F419BA}</a:tableStyleId>
-              </a:tblPr>
-              <a:tblGrid>
-                <a:gridCol w="4064000">
-                  <a:extLst>
-                    <a:ext uri="{9D8B030D-6E8A-4147-A177-3AD203B41FA5}">
-                      <a16:colId xmlns:a16="http://schemas.microsoft.com/office/drawing/2014/main" val="4049177488"/>
-                    </a:ext>
-                  </a:extLst>
-                </a:gridCol>
-                <a:gridCol w="4064000">
-                  <a:extLst>
-                    <a:ext uri="{9D8B030D-6E8A-4147-A177-3AD203B41FA5}">
-                      <a16:colId xmlns:a16="http://schemas.microsoft.com/office/drawing/2014/main" val="3439500369"/>
-                    </a:ext>
-                  </a:extLst>
-                </a:gridCol>
-              </a:tblGrid>
-              <a:tr h="370840">
-                <a:tc>
-                  <a:txBody>
-                    <a:bodyPr/>
-                    <a:lstStyle/>
-                    <a:p>
-                      <a:endParaRPr lang="en-AU" dirty="0"/>
-                    </a:p>
-                  </a:txBody>
-                  <a:tcPr/>
-                </a:tc>
-                <a:tc>
-                  <a:txBody>
-                    <a:bodyPr/>
-                    <a:lstStyle/>
-                    <a:p>
-                      <a:endParaRPr lang="en-AU"/>
-                    </a:p>
-                  </a:txBody>
-                  <a:tcPr/>
-                </a:tc>
-                <a:extLst>
-                  <a:ext uri="{0D108BD9-81ED-4DB2-BD59-A6C34878D82A}">
-                    <a16:rowId xmlns:a16="http://schemas.microsoft.com/office/drawing/2014/main" val="1793751587"/>
-                  </a:ext>
-                </a:extLst>
-              </a:tr>
-              <a:tr h="370840">
-                <a:tc>
-                  <a:txBody>
-                    <a:bodyPr/>
-                    <a:lstStyle/>
-                    <a:p>
-                      <a:endParaRPr lang="en-AU"/>
-                    </a:p>
-                  </a:txBody>
-                  <a:tcPr/>
-                </a:tc>
-                <a:tc>
-                  <a:txBody>
-                    <a:bodyPr/>
-                    <a:lstStyle/>
-                    <a:p>
-                      <a:endParaRPr lang="en-AU"/>
-                    </a:p>
-                  </a:txBody>
-                  <a:tcPr/>
-                </a:tc>
-                <a:extLst>
-                  <a:ext uri="{0D108BD9-81ED-4DB2-BD59-A6C34878D82A}">
-                    <a16:rowId xmlns:a16="http://schemas.microsoft.com/office/drawing/2014/main" val="2937502426"/>
-                  </a:ext>
-                </a:extLst>
-              </a:tr>
-              <a:tr h="370840">
-                <a:tc>
-                  <a:txBody>
-                    <a:bodyPr/>
-                    <a:lstStyle/>
-                    <a:p>
-                      <a:endParaRPr lang="en-AU"/>
-                    </a:p>
-                  </a:txBody>
-                  <a:tcPr/>
-                </a:tc>
-                <a:tc>
-                  <a:txBody>
-                    <a:bodyPr/>
-                    <a:lstStyle/>
-                    <a:p>
-                      <a:endParaRPr lang="en-AU" dirty="0"/>
-                    </a:p>
-                  </a:txBody>
-                  <a:tcPr/>
-                </a:tc>
-                <a:extLst>
-                  <a:ext uri="{0D108BD9-81ED-4DB2-BD59-A6C34878D82A}">
-                    <a16:rowId xmlns:a16="http://schemas.microsoft.com/office/drawing/2014/main" val="4048483609"/>
-                  </a:ext>
-                </a:extLst>
-              </a:tr>
-            </a:tbl>
-          </a:graphicData>
-        </a:graphic>
-      </p:graphicFrame>
+            <a:fld id="{4854181D-6920-4594-9A5D-6CE56DC9F8B2}" type="slidenum">
+              <a:rPr lang="en-US" smtClean="0"/>
+              <a:t>7</a:t>
+            </a:fld>
+            <a:endParaRPr lang="en-US"/>
+          </a:p>
+        </p:txBody>
+      </p:sp>
     </p:spTree>
     <p:extLst>
       <p:ext uri="{BB962C8B-B14F-4D97-AF65-F5344CB8AC3E}">
@@ -8633,10 +11801,82 @@
         </p:nvSpPr>
         <p:spPr/>
         <p:txBody>
+          <a:bodyPr>
+            <a:normAutofit/>
+          </a:bodyPr>
+          <a:lstStyle/>
+          <a:p>
+            <a:pPr algn="l">
+              <a:lnSpc>
+                <a:spcPct val="100000"/>
+              </a:lnSpc>
+            </a:pPr>
+            <a:r>
+              <a:rPr lang="en-AU" dirty="0"/>
+              <a:t>The two methods for dealing with 3D images are:</a:t>
+            </a:r>
+          </a:p>
+          <a:p>
+            <a:pPr lvl="1">
+              <a:lnSpc>
+                <a:spcPct val="100000"/>
+              </a:lnSpc>
+            </a:pPr>
+            <a:r>
+              <a:rPr lang="en-AU" dirty="0"/>
+              <a:t>voxel-based: uses voxel intensity values from the whole MRI</a:t>
+            </a:r>
+          </a:p>
+          <a:p>
+            <a:pPr lvl="1">
+              <a:lnSpc>
+                <a:spcPct val="100000"/>
+              </a:lnSpc>
+            </a:pPr>
+            <a:r>
+              <a:rPr lang="en-AU" dirty="0"/>
+              <a:t>patch-based: breaks down the whole image into several small three-dimensional cubes. </a:t>
+            </a:r>
+          </a:p>
+          <a:p>
+            <a:pPr algn="l">
+              <a:lnSpc>
+                <a:spcPct val="100000"/>
+              </a:lnSpc>
+            </a:pPr>
+            <a:r>
+              <a:rPr lang="en-AU" dirty="0"/>
+              <a:t>Patch-based approaches are able to learn from the whole brain with significantly reduced dimensionality in comparison to voxel-based approaches [20].</a:t>
+            </a:r>
+          </a:p>
+        </p:txBody>
+      </p:sp>
+      <p:sp>
+        <p:nvSpPr>
+          <p:cNvPr id="7" name="Slide Number Placeholder 6">
+            <a:extLst>
+              <a:ext uri="{FF2B5EF4-FFF2-40B4-BE49-F238E27FC236}">
+                <a16:creationId xmlns:a16="http://schemas.microsoft.com/office/drawing/2014/main" id="{2F6383E6-3217-48D2-9122-A0D7DBD478E1}"/>
+              </a:ext>
+            </a:extLst>
+          </p:cNvPr>
+          <p:cNvSpPr>
+            <a:spLocks noGrp="1"/>
+          </p:cNvSpPr>
+          <p:nvPr>
+            <p:ph type="sldNum" sz="quarter" idx="12"/>
+          </p:nvPr>
+        </p:nvSpPr>
+        <p:spPr/>
+        <p:txBody>
           <a:bodyPr/>
           <a:lstStyle/>
           <a:p>
-            <a:endParaRPr lang="en-AU" dirty="0"/>
+            <a:fld id="{4854181D-6920-4594-9A5D-6CE56DC9F8B2}" type="slidenum">
+              <a:rPr lang="en-US" smtClean="0"/>
+              <a:t>8</a:t>
+            </a:fld>
+            <a:endParaRPr lang="en-US"/>
           </a:p>
         </p:txBody>
       </p:sp>
@@ -8714,45 +11954,246 @@
             <p:ph idx="1"/>
           </p:nvPr>
         </p:nvSpPr>
-        <p:spPr/>
-        <p:txBody>
-          <a:bodyPr/>
-          <a:lstStyle/>
-          <a:p>
-            <a:endParaRPr lang="en-AU"/>
-          </a:p>
-        </p:txBody>
-      </p:sp>
-      <p:pic>
-        <p:nvPicPr>
-          <p:cNvPr id="5" name="Picture 4">
-            <a:extLst>
-              <a:ext uri="{FF2B5EF4-FFF2-40B4-BE49-F238E27FC236}">
-                <a16:creationId xmlns:a16="http://schemas.microsoft.com/office/drawing/2014/main" id="{C5FD3CA3-663F-4E1C-80D6-C3BFC8F14A97}"/>
-              </a:ext>
-            </a:extLst>
-          </p:cNvPr>
-          <p:cNvPicPr>
-            <a:picLocks noChangeAspect="1"/>
-          </p:cNvPicPr>
-          <p:nvPr/>
-        </p:nvPicPr>
-        <p:blipFill>
-          <a:blip r:embed="rId2"/>
-          <a:stretch>
-            <a:fillRect/>
-          </a:stretch>
-        </p:blipFill>
         <p:spPr>
           <a:xfrm>
-            <a:off x="4027450" y="1588256"/>
-            <a:ext cx="7039957" cy="4334480"/>
+            <a:off x="838200" y="1825625"/>
+            <a:ext cx="10820400" cy="3859742"/>
           </a:xfrm>
-          <a:prstGeom prst="rect">
-            <a:avLst/>
-          </a:prstGeom>
         </p:spPr>
-      </p:pic>
+        <p:txBody>
+          <a:bodyPr>
+            <a:normAutofit/>
+          </a:bodyPr>
+          <a:lstStyle/>
+          <a:p>
+            <a:pPr>
+              <a:lnSpc>
+                <a:spcPct val="100000"/>
+              </a:lnSpc>
+            </a:pPr>
+            <a:r>
+              <a:rPr lang="en-AU" dirty="0"/>
+              <a:t>We are interested in two classes of subjects:</a:t>
+            </a:r>
+          </a:p>
+          <a:p>
+            <a:pPr lvl="1">
+              <a:lnSpc>
+                <a:spcPct val="100000"/>
+              </a:lnSpc>
+            </a:pPr>
+            <a:r>
+              <a:rPr lang="en-AU" dirty="0"/>
+              <a:t>Those who remained cognitively normal for at least 3000 days after their initial scan.</a:t>
+            </a:r>
+          </a:p>
+          <a:p>
+            <a:pPr lvl="1">
+              <a:lnSpc>
+                <a:spcPct val="100000"/>
+              </a:lnSpc>
+            </a:pPr>
+            <a:r>
+              <a:rPr lang="en-AU" dirty="0"/>
+              <a:t>Those who converted from normal cognition to cognitive impairment within 1000 days after their scan.</a:t>
+            </a:r>
+          </a:p>
+          <a:p>
+            <a:pPr>
+              <a:lnSpc>
+                <a:spcPct val="100000"/>
+              </a:lnSpc>
+            </a:pPr>
+            <a:endParaRPr lang="en-AU" dirty="0"/>
+          </a:p>
+          <a:p>
+            <a:pPr>
+              <a:lnSpc>
+                <a:spcPct val="100000"/>
+              </a:lnSpc>
+            </a:pPr>
+            <a:endParaRPr lang="en-AU" dirty="0"/>
+          </a:p>
+        </p:txBody>
+      </p:sp>
+      <p:sp>
+        <p:nvSpPr>
+          <p:cNvPr id="4" name="Slide Number Placeholder 3">
+            <a:extLst>
+              <a:ext uri="{FF2B5EF4-FFF2-40B4-BE49-F238E27FC236}">
+                <a16:creationId xmlns:a16="http://schemas.microsoft.com/office/drawing/2014/main" id="{F1F322D6-3E62-4A4A-94DB-258E8B2C2459}"/>
+              </a:ext>
+            </a:extLst>
+          </p:cNvPr>
+          <p:cNvSpPr>
+            <a:spLocks noGrp="1"/>
+          </p:cNvSpPr>
+          <p:nvPr>
+            <p:ph type="sldNum" sz="quarter" idx="12"/>
+          </p:nvPr>
+        </p:nvSpPr>
+        <p:spPr/>
+        <p:txBody>
+          <a:bodyPr/>
+          <a:lstStyle/>
+          <a:p>
+            <a:fld id="{4854181D-6920-4594-9A5D-6CE56DC9F8B2}" type="slidenum">
+              <a:rPr lang="en-US" smtClean="0"/>
+              <a:t>9</a:t>
+            </a:fld>
+            <a:endParaRPr lang="en-US"/>
+          </a:p>
+        </p:txBody>
+      </p:sp>
+      <p:graphicFrame>
+        <p:nvGraphicFramePr>
+          <p:cNvPr id="6" name="Table 4">
+            <a:extLst>
+              <a:ext uri="{FF2B5EF4-FFF2-40B4-BE49-F238E27FC236}">
+                <a16:creationId xmlns:a16="http://schemas.microsoft.com/office/drawing/2014/main" id="{E97CEB1E-BE65-4C9A-89DD-0B19C6898783}"/>
+              </a:ext>
+            </a:extLst>
+          </p:cNvPr>
+          <p:cNvGraphicFramePr>
+            <a:graphicFrameLocks noGrp="1"/>
+          </p:cNvGraphicFramePr>
+          <p:nvPr>
+            <p:extLst>
+              <p:ext uri="{D42A27DB-BD31-4B8C-83A1-F6EECF244321}">
+                <p14:modId xmlns:p14="http://schemas.microsoft.com/office/powerpoint/2010/main" val="1920961517"/>
+              </p:ext>
+            </p:extLst>
+          </p:nvPr>
+        </p:nvGraphicFramePr>
+        <p:xfrm>
+          <a:off x="6696278" y="4369859"/>
+          <a:ext cx="4657522" cy="1651000"/>
+        </p:xfrm>
+        <a:graphic>
+          <a:graphicData uri="http://schemas.openxmlformats.org/drawingml/2006/table">
+            <a:tbl>
+              <a:tblPr firstRow="1" bandRow="1">
+                <a:tableStyleId>{616DA210-FB5B-4158-B5E0-FEB733F419BA}</a:tableStyleId>
+              </a:tblPr>
+              <a:tblGrid>
+                <a:gridCol w="2328761">
+                  <a:extLst>
+                    <a:ext uri="{9D8B030D-6E8A-4147-A177-3AD203B41FA5}">
+                      <a16:colId xmlns:a16="http://schemas.microsoft.com/office/drawing/2014/main" val="4049177488"/>
+                    </a:ext>
+                  </a:extLst>
+                </a:gridCol>
+                <a:gridCol w="2328761">
+                  <a:extLst>
+                    <a:ext uri="{9D8B030D-6E8A-4147-A177-3AD203B41FA5}">
+                      <a16:colId xmlns:a16="http://schemas.microsoft.com/office/drawing/2014/main" val="3439500369"/>
+                    </a:ext>
+                  </a:extLst>
+                </a:gridCol>
+              </a:tblGrid>
+              <a:tr h="370840">
+                <a:tc>
+                  <a:txBody>
+                    <a:bodyPr/>
+                    <a:lstStyle/>
+                    <a:p>
+                      <a:r>
+                        <a:rPr lang="en-AU" dirty="0"/>
+                        <a:t>Category</a:t>
+                      </a:r>
+                    </a:p>
+                  </a:txBody>
+                  <a:tcPr/>
+                </a:tc>
+                <a:tc>
+                  <a:txBody>
+                    <a:bodyPr/>
+                    <a:lstStyle/>
+                    <a:p>
+                      <a:r>
+                        <a:rPr lang="en-AU" dirty="0"/>
+                        <a:t>Frequency</a:t>
+                      </a:r>
+                    </a:p>
+                  </a:txBody>
+                  <a:tcPr/>
+                </a:tc>
+                <a:extLst>
+                  <a:ext uri="{0D108BD9-81ED-4DB2-BD59-A6C34878D82A}">
+                    <a16:rowId xmlns:a16="http://schemas.microsoft.com/office/drawing/2014/main" val="1793751587"/>
+                  </a:ext>
+                </a:extLst>
+              </a:tr>
+              <a:tr h="370840">
+                <a:tc>
+                  <a:txBody>
+                    <a:bodyPr/>
+                    <a:lstStyle/>
+                    <a:p>
+                      <a:r>
+                        <a:rPr lang="en-AU" dirty="0"/>
+                        <a:t>Subjects remaining CN for &gt;3000 days</a:t>
+                      </a:r>
+                    </a:p>
+                  </a:txBody>
+                  <a:tcPr/>
+                </a:tc>
+                <a:tc>
+                  <a:txBody>
+                    <a:bodyPr/>
+                    <a:lstStyle/>
+                    <a:p>
+                      <a:r>
+                        <a:rPr lang="en-AU" dirty="0"/>
+                        <a:t>154</a:t>
+                      </a:r>
+                    </a:p>
+                  </a:txBody>
+                  <a:tcPr/>
+                </a:tc>
+                <a:extLst>
+                  <a:ext uri="{0D108BD9-81ED-4DB2-BD59-A6C34878D82A}">
+                    <a16:rowId xmlns:a16="http://schemas.microsoft.com/office/drawing/2014/main" val="2937502426"/>
+                  </a:ext>
+                </a:extLst>
+              </a:tr>
+              <a:tr h="370840">
+                <a:tc>
+                  <a:txBody>
+                    <a:bodyPr/>
+                    <a:lstStyle/>
+                    <a:p>
+                      <a:r>
+                        <a:rPr lang="en-AU" dirty="0"/>
+                        <a:t>Subjects converted within 1000 days</a:t>
+                      </a:r>
+                    </a:p>
+                  </a:txBody>
+                  <a:tcPr/>
+                </a:tc>
+                <a:tc>
+                  <a:txBody>
+                    <a:bodyPr/>
+                    <a:lstStyle/>
+                    <a:p>
+                      <a:r>
+                        <a:rPr lang="en-AU" dirty="0"/>
+                        <a:t>50</a:t>
+                      </a:r>
+                    </a:p>
+                  </a:txBody>
+                  <a:tcPr/>
+                </a:tc>
+                <a:extLst>
+                  <a:ext uri="{0D108BD9-81ED-4DB2-BD59-A6C34878D82A}">
+                    <a16:rowId xmlns:a16="http://schemas.microsoft.com/office/drawing/2014/main" val="4048483609"/>
+                  </a:ext>
+                </a:extLst>
+              </a:tr>
+            </a:tbl>
+          </a:graphicData>
+        </a:graphic>
+      </p:graphicFrame>
     </p:spTree>
     <p:extLst>
       <p:ext uri="{BB962C8B-B14F-4D97-AF65-F5344CB8AC3E}">
@@ -8965,4 +12406,299 @@
     </a:ext>
   </a:extLst>
 </a:theme>
+</file>
+
+<file path=ppt/theme/theme2.xml><?xml version="1.0" encoding="utf-8"?>
+<a:theme xmlns:a="http://schemas.openxmlformats.org/drawingml/2006/main" name="Office Theme">
+  <a:themeElements>
+    <a:clrScheme name="Office">
+      <a:dk1>
+        <a:sysClr val="windowText" lastClr="000000"/>
+      </a:dk1>
+      <a:lt1>
+        <a:sysClr val="window" lastClr="FFFFFF"/>
+      </a:lt1>
+      <a:dk2>
+        <a:srgbClr val="44546A"/>
+      </a:dk2>
+      <a:lt2>
+        <a:srgbClr val="E7E6E6"/>
+      </a:lt2>
+      <a:accent1>
+        <a:srgbClr val="4472C4"/>
+      </a:accent1>
+      <a:accent2>
+        <a:srgbClr val="ED7D31"/>
+      </a:accent2>
+      <a:accent3>
+        <a:srgbClr val="A5A5A5"/>
+      </a:accent3>
+      <a:accent4>
+        <a:srgbClr val="FFC000"/>
+      </a:accent4>
+      <a:accent5>
+        <a:srgbClr val="5B9BD5"/>
+      </a:accent5>
+      <a:accent6>
+        <a:srgbClr val="70AD47"/>
+      </a:accent6>
+      <a:hlink>
+        <a:srgbClr val="0563C1"/>
+      </a:hlink>
+      <a:folHlink>
+        <a:srgbClr val="954F72"/>
+      </a:folHlink>
+    </a:clrScheme>
+    <a:fontScheme name="Office">
+      <a:majorFont>
+        <a:latin typeface="Calibri Light" panose="020F0302020204030204"/>
+        <a:ea typeface=""/>
+        <a:cs typeface=""/>
+        <a:font script="Jpan" typeface="游ゴシック Light"/>
+        <a:font script="Hang" typeface="맑은 고딕"/>
+        <a:font script="Hans" typeface="等线 Light"/>
+        <a:font script="Hant" typeface="新細明體"/>
+        <a:font script="Arab" typeface="Times New Roman"/>
+        <a:font script="Hebr" typeface="Times New Roman"/>
+        <a:font script="Thai" typeface="Angsana New"/>
+        <a:font script="Ethi" typeface="Nyala"/>
+        <a:font script="Beng" typeface="Vrinda"/>
+        <a:font script="Gujr" typeface="Shruti"/>
+        <a:font script="Khmr" typeface="MoolBoran"/>
+        <a:font script="Knda" typeface="Tunga"/>
+        <a:font script="Guru" typeface="Raavi"/>
+        <a:font script="Cans" typeface="Euphemia"/>
+        <a:font script="Cher" typeface="Plantagenet Cherokee"/>
+        <a:font script="Yiii" typeface="Microsoft Yi Baiti"/>
+        <a:font script="Tibt" typeface="Microsoft Himalaya"/>
+        <a:font script="Thaa" typeface="MV Boli"/>
+        <a:font script="Deva" typeface="Mangal"/>
+        <a:font script="Telu" typeface="Gautami"/>
+        <a:font script="Taml" typeface="Latha"/>
+        <a:font script="Syrc" typeface="Estrangelo Edessa"/>
+        <a:font script="Orya" typeface="Kalinga"/>
+        <a:font script="Mlym" typeface="Kartika"/>
+        <a:font script="Laoo" typeface="DokChampa"/>
+        <a:font script="Sinh" typeface="Iskoola Pota"/>
+        <a:font script="Mong" typeface="Mongolian Baiti"/>
+        <a:font script="Viet" typeface="Times New Roman"/>
+        <a:font script="Uigh" typeface="Microsoft Uighur"/>
+        <a:font script="Geor" typeface="Sylfaen"/>
+        <a:font script="Armn" typeface="Arial"/>
+        <a:font script="Bugi" typeface="Leelawadee UI"/>
+        <a:font script="Bopo" typeface="Microsoft JhengHei"/>
+        <a:font script="Java" typeface="Javanese Text"/>
+        <a:font script="Lisu" typeface="Segoe UI"/>
+        <a:font script="Mymr" typeface="Myanmar Text"/>
+        <a:font script="Nkoo" typeface="Ebrima"/>
+        <a:font script="Olck" typeface="Nirmala UI"/>
+        <a:font script="Osma" typeface="Ebrima"/>
+        <a:font script="Phag" typeface="Phagspa"/>
+        <a:font script="Syrn" typeface="Estrangelo Edessa"/>
+        <a:font script="Syrj" typeface="Estrangelo Edessa"/>
+        <a:font script="Syre" typeface="Estrangelo Edessa"/>
+        <a:font script="Sora" typeface="Nirmala UI"/>
+        <a:font script="Tale" typeface="Microsoft Tai Le"/>
+        <a:font script="Talu" typeface="Microsoft New Tai Lue"/>
+        <a:font script="Tfng" typeface="Ebrima"/>
+      </a:majorFont>
+      <a:minorFont>
+        <a:latin typeface="Calibri" panose="020F0502020204030204"/>
+        <a:ea typeface=""/>
+        <a:cs typeface=""/>
+        <a:font script="Jpan" typeface="游ゴシック"/>
+        <a:font script="Hang" typeface="맑은 고딕"/>
+        <a:font script="Hans" typeface="等线"/>
+        <a:font script="Hant" typeface="新細明體"/>
+        <a:font script="Arab" typeface="Arial"/>
+        <a:font script="Hebr" typeface="Arial"/>
+        <a:font script="Thai" typeface="Cordia New"/>
+        <a:font script="Ethi" typeface="Nyala"/>
+        <a:font script="Beng" typeface="Vrinda"/>
+        <a:font script="Gujr" typeface="Shruti"/>
+        <a:font script="Khmr" typeface="DaunPenh"/>
+        <a:font script="Knda" typeface="Tunga"/>
+        <a:font script="Guru" typeface="Raavi"/>
+        <a:font script="Cans" typeface="Euphemia"/>
+        <a:font script="Cher" typeface="Plantagenet Cherokee"/>
+        <a:font script="Yiii" typeface="Microsoft Yi Baiti"/>
+        <a:font script="Tibt" typeface="Microsoft Himalaya"/>
+        <a:font script="Thaa" typeface="MV Boli"/>
+        <a:font script="Deva" typeface="Mangal"/>
+        <a:font script="Telu" typeface="Gautami"/>
+        <a:font script="Taml" typeface="Latha"/>
+        <a:font script="Syrc" typeface="Estrangelo Edessa"/>
+        <a:font script="Orya" typeface="Kalinga"/>
+        <a:font script="Mlym" typeface="Kartika"/>
+        <a:font script="Laoo" typeface="DokChampa"/>
+        <a:font script="Sinh" typeface="Iskoola Pota"/>
+        <a:font script="Mong" typeface="Mongolian Baiti"/>
+        <a:font script="Viet" typeface="Arial"/>
+        <a:font script="Uigh" typeface="Microsoft Uighur"/>
+        <a:font script="Geor" typeface="Sylfaen"/>
+        <a:font script="Armn" typeface="Arial"/>
+        <a:font script="Bugi" typeface="Leelawadee UI"/>
+        <a:font script="Bopo" typeface="Microsoft JhengHei"/>
+        <a:font script="Java" typeface="Javanese Text"/>
+        <a:font script="Lisu" typeface="Segoe UI"/>
+        <a:font script="Mymr" typeface="Myanmar Text"/>
+        <a:font script="Nkoo" typeface="Ebrima"/>
+        <a:font script="Olck" typeface="Nirmala UI"/>
+        <a:font script="Osma" typeface="Ebrima"/>
+        <a:font script="Phag" typeface="Phagspa"/>
+        <a:font script="Syrn" typeface="Estrangelo Edessa"/>
+        <a:font script="Syrj" typeface="Estrangelo Edessa"/>
+        <a:font script="Syre" typeface="Estrangelo Edessa"/>
+        <a:font script="Sora" typeface="Nirmala UI"/>
+        <a:font script="Tale" typeface="Microsoft Tai Le"/>
+        <a:font script="Talu" typeface="Microsoft New Tai Lue"/>
+        <a:font script="Tfng" typeface="Ebrima"/>
+      </a:minorFont>
+    </a:fontScheme>
+    <a:fmtScheme name="Office">
+      <a:fillStyleLst>
+        <a:solidFill>
+          <a:schemeClr val="phClr"/>
+        </a:solidFill>
+        <a:gradFill rotWithShape="1">
+          <a:gsLst>
+            <a:gs pos="0">
+              <a:schemeClr val="phClr">
+                <a:lumMod val="110000"/>
+                <a:satMod val="105000"/>
+                <a:tint val="67000"/>
+              </a:schemeClr>
+            </a:gs>
+            <a:gs pos="50000">
+              <a:schemeClr val="phClr">
+                <a:lumMod val="105000"/>
+                <a:satMod val="103000"/>
+                <a:tint val="73000"/>
+              </a:schemeClr>
+            </a:gs>
+            <a:gs pos="100000">
+              <a:schemeClr val="phClr">
+                <a:lumMod val="105000"/>
+                <a:satMod val="109000"/>
+                <a:tint val="81000"/>
+              </a:schemeClr>
+            </a:gs>
+          </a:gsLst>
+          <a:lin ang="5400000" scaled="0"/>
+        </a:gradFill>
+        <a:gradFill rotWithShape="1">
+          <a:gsLst>
+            <a:gs pos="0">
+              <a:schemeClr val="phClr">
+                <a:satMod val="103000"/>
+                <a:lumMod val="102000"/>
+                <a:tint val="94000"/>
+              </a:schemeClr>
+            </a:gs>
+            <a:gs pos="50000">
+              <a:schemeClr val="phClr">
+                <a:satMod val="110000"/>
+                <a:lumMod val="100000"/>
+                <a:shade val="100000"/>
+              </a:schemeClr>
+            </a:gs>
+            <a:gs pos="100000">
+              <a:schemeClr val="phClr">
+                <a:lumMod val="99000"/>
+                <a:satMod val="120000"/>
+                <a:shade val="78000"/>
+              </a:schemeClr>
+            </a:gs>
+          </a:gsLst>
+          <a:lin ang="5400000" scaled="0"/>
+        </a:gradFill>
+      </a:fillStyleLst>
+      <a:lnStyleLst>
+        <a:ln w="6350" cap="flat" cmpd="sng" algn="ctr">
+          <a:solidFill>
+            <a:schemeClr val="phClr"/>
+          </a:solidFill>
+          <a:prstDash val="solid"/>
+          <a:miter lim="800000"/>
+        </a:ln>
+        <a:ln w="12700" cap="flat" cmpd="sng" algn="ctr">
+          <a:solidFill>
+            <a:schemeClr val="phClr"/>
+          </a:solidFill>
+          <a:prstDash val="solid"/>
+          <a:miter lim="800000"/>
+        </a:ln>
+        <a:ln w="19050" cap="flat" cmpd="sng" algn="ctr">
+          <a:solidFill>
+            <a:schemeClr val="phClr"/>
+          </a:solidFill>
+          <a:prstDash val="solid"/>
+          <a:miter lim="800000"/>
+        </a:ln>
+      </a:lnStyleLst>
+      <a:effectStyleLst>
+        <a:effectStyle>
+          <a:effectLst/>
+        </a:effectStyle>
+        <a:effectStyle>
+          <a:effectLst/>
+        </a:effectStyle>
+        <a:effectStyle>
+          <a:effectLst>
+            <a:outerShdw blurRad="57150" dist="19050" dir="5400000" algn="ctr" rotWithShape="0">
+              <a:srgbClr val="000000">
+                <a:alpha val="63000"/>
+              </a:srgbClr>
+            </a:outerShdw>
+          </a:effectLst>
+        </a:effectStyle>
+      </a:effectStyleLst>
+      <a:bgFillStyleLst>
+        <a:solidFill>
+          <a:schemeClr val="phClr"/>
+        </a:solidFill>
+        <a:solidFill>
+          <a:schemeClr val="phClr">
+            <a:tint val="95000"/>
+            <a:satMod val="170000"/>
+          </a:schemeClr>
+        </a:solidFill>
+        <a:gradFill rotWithShape="1">
+          <a:gsLst>
+            <a:gs pos="0">
+              <a:schemeClr val="phClr">
+                <a:tint val="93000"/>
+                <a:satMod val="150000"/>
+                <a:shade val="98000"/>
+                <a:lumMod val="102000"/>
+              </a:schemeClr>
+            </a:gs>
+            <a:gs pos="50000">
+              <a:schemeClr val="phClr">
+                <a:tint val="98000"/>
+                <a:satMod val="130000"/>
+                <a:shade val="90000"/>
+                <a:lumMod val="103000"/>
+              </a:schemeClr>
+            </a:gs>
+            <a:gs pos="100000">
+              <a:schemeClr val="phClr">
+                <a:shade val="63000"/>
+                <a:satMod val="120000"/>
+              </a:schemeClr>
+            </a:gs>
+          </a:gsLst>
+          <a:lin ang="5400000" scaled="0"/>
+        </a:gradFill>
+      </a:bgFillStyleLst>
+    </a:fmtScheme>
+  </a:themeElements>
+  <a:objectDefaults/>
+  <a:extraClrSchemeLst/>
+  <a:extLst>
+    <a:ext uri="{05A4C25C-085E-4340-85A3-A5531E510DB2}">
+      <thm15:themeFamily xmlns:thm15="http://schemas.microsoft.com/office/thememl/2012/main" name="Office Theme" id="{62F939B6-93AF-4DB8-9C6B-D6C7DFDC589F}" vid="{4A3C46E8-61CC-4603-A589-7422A47A8E4A}"/>
+    </a:ext>
+  </a:extLst>
+</a:theme>
 </file>
--- a/21961992_Seminar.pptx
+++ b/21961992_Seminar.pptx
@@ -8,24 +8,24 @@
     <p:notesMasterId r:id="rId20"/>
   </p:notesMasterIdLst>
   <p:sldIdLst>
-    <p:sldId id="256" r:id="rId2"/>
-    <p:sldId id="257" r:id="rId3"/>
-    <p:sldId id="259" r:id="rId4"/>
-    <p:sldId id="263" r:id="rId5"/>
-    <p:sldId id="272" r:id="rId6"/>
-    <p:sldId id="261" r:id="rId7"/>
-    <p:sldId id="258" r:id="rId8"/>
-    <p:sldId id="262" r:id="rId9"/>
-    <p:sldId id="264" r:id="rId10"/>
-    <p:sldId id="270" r:id="rId11"/>
-    <p:sldId id="265" r:id="rId12"/>
-    <p:sldId id="266" r:id="rId13"/>
-    <p:sldId id="267" r:id="rId14"/>
-    <p:sldId id="273" r:id="rId15"/>
-    <p:sldId id="275" r:id="rId16"/>
-    <p:sldId id="268" r:id="rId17"/>
-    <p:sldId id="274" r:id="rId18"/>
-    <p:sldId id="271" r:id="rId19"/>
+    <p:sldId id="276" r:id="rId2"/>
+    <p:sldId id="277" r:id="rId3"/>
+    <p:sldId id="278" r:id="rId4"/>
+    <p:sldId id="279" r:id="rId5"/>
+    <p:sldId id="280" r:id="rId6"/>
+    <p:sldId id="281" r:id="rId7"/>
+    <p:sldId id="283" r:id="rId8"/>
+    <p:sldId id="282" r:id="rId9"/>
+    <p:sldId id="284" r:id="rId10"/>
+    <p:sldId id="285" r:id="rId11"/>
+    <p:sldId id="286" r:id="rId12"/>
+    <p:sldId id="287" r:id="rId13"/>
+    <p:sldId id="288" r:id="rId14"/>
+    <p:sldId id="289" r:id="rId15"/>
+    <p:sldId id="290" r:id="rId16"/>
+    <p:sldId id="291" r:id="rId17"/>
+    <p:sldId id="292" r:id="rId18"/>
+    <p:sldId id="293" r:id="rId19"/>
   </p:sldIdLst>
   <p:sldSz cx="12192000" cy="6858000"/>
   <p:notesSz cx="6858000" cy="9144000"/>
@@ -151,18 +151,2570 @@
 </p:cmAuthorLst>
 </file>
 
-<file path=ppt/comments/comment1.xml><?xml version="1.0" encoding="utf-8"?>
-<p:cmLst xmlns:a="http://schemas.openxmlformats.org/drawingml/2006/main" xmlns:r="http://schemas.openxmlformats.org/officeDocument/2006/relationships" xmlns:p="http://schemas.openxmlformats.org/presentationml/2006/main">
-  <p:cm authorId="2" dt="2021-10-07T11:55:48.116" idx="1">
-    <p:pos x="6699" y="2338"/>
-    <p:text>change to have 1 up the top</p:text>
-    <p:extLst>
-      <p:ext uri="{C676402C-5697-4E1C-873F-D02D1690AC5C}">
-        <p15:threadingInfo xmlns:p15="http://schemas.microsoft.com/office/powerpoint/2012/main" timeZoneBias="-480"/>
-      </p:ext>
-    </p:extLst>
-  </p:cm>
-</p:cmLst>
+<file path=ppt/diagrams/colors1.xml><?xml version="1.0" encoding="utf-8"?>
+<dgm:colorsDef xmlns:dgm="http://schemas.openxmlformats.org/drawingml/2006/diagram" xmlns:a="http://schemas.openxmlformats.org/drawingml/2006/main" uniqueId="urn:microsoft.com/office/officeart/2005/8/colors/colorful2">
+  <dgm:title val=""/>
+  <dgm:desc val=""/>
+  <dgm:catLst>
+    <dgm:cat type="colorful" pri="10200"/>
+  </dgm:catLst>
+  <dgm:styleLbl name="node0">
+    <dgm:fillClrLst meth="repeat">
+      <a:schemeClr val="accent1"/>
+    </dgm:fillClrLst>
+    <dgm:linClrLst meth="repeat">
+      <a:schemeClr val="lt1"/>
+    </dgm:linClrLst>
+    <dgm:effectClrLst/>
+    <dgm:txLinClrLst/>
+    <dgm:txFillClrLst/>
+    <dgm:txEffectClrLst/>
+  </dgm:styleLbl>
+  <dgm:styleLbl name="node1">
+    <dgm:fillClrLst>
+      <a:schemeClr val="accent2"/>
+      <a:schemeClr val="accent3"/>
+    </dgm:fillClrLst>
+    <dgm:linClrLst meth="repeat">
+      <a:schemeClr val="lt1"/>
+    </dgm:linClrLst>
+    <dgm:effectClrLst/>
+    <dgm:txLinClrLst/>
+    <dgm:txFillClrLst/>
+    <dgm:txEffectClrLst/>
+  </dgm:styleLbl>
+  <dgm:styleLbl name="alignNode1">
+    <dgm:fillClrLst>
+      <a:schemeClr val="accent2"/>
+      <a:schemeClr val="accent3"/>
+    </dgm:fillClrLst>
+    <dgm:linClrLst>
+      <a:schemeClr val="accent2"/>
+      <a:schemeClr val="accent3"/>
+    </dgm:linClrLst>
+    <dgm:effectClrLst/>
+    <dgm:txLinClrLst/>
+    <dgm:txFillClrLst/>
+    <dgm:txEffectClrLst/>
+  </dgm:styleLbl>
+  <dgm:styleLbl name="lnNode1">
+    <dgm:fillClrLst>
+      <a:schemeClr val="accent2"/>
+      <a:schemeClr val="accent3"/>
+    </dgm:fillClrLst>
+    <dgm:linClrLst meth="repeat">
+      <a:schemeClr val="lt1"/>
+    </dgm:linClrLst>
+    <dgm:effectClrLst/>
+    <dgm:txLinClrLst/>
+    <dgm:txFillClrLst/>
+    <dgm:txEffectClrLst/>
+  </dgm:styleLbl>
+  <dgm:styleLbl name="vennNode1">
+    <dgm:fillClrLst>
+      <a:schemeClr val="accent2">
+        <a:alpha val="50000"/>
+      </a:schemeClr>
+      <a:schemeClr val="accent3">
+        <a:alpha val="50000"/>
+      </a:schemeClr>
+    </dgm:fillClrLst>
+    <dgm:linClrLst meth="repeat">
+      <a:schemeClr val="lt1"/>
+    </dgm:linClrLst>
+    <dgm:effectClrLst/>
+    <dgm:txLinClrLst/>
+    <dgm:txFillClrLst/>
+    <dgm:txEffectClrLst/>
+  </dgm:styleLbl>
+  <dgm:styleLbl name="node2">
+    <dgm:fillClrLst>
+      <a:schemeClr val="accent3"/>
+    </dgm:fillClrLst>
+    <dgm:linClrLst meth="repeat">
+      <a:schemeClr val="lt1"/>
+    </dgm:linClrLst>
+    <dgm:effectClrLst/>
+    <dgm:txLinClrLst/>
+    <dgm:txFillClrLst/>
+    <dgm:txEffectClrLst/>
+  </dgm:styleLbl>
+  <dgm:styleLbl name="node3">
+    <dgm:fillClrLst>
+      <a:schemeClr val="accent4"/>
+    </dgm:fillClrLst>
+    <dgm:linClrLst meth="repeat">
+      <a:schemeClr val="lt1"/>
+    </dgm:linClrLst>
+    <dgm:effectClrLst/>
+    <dgm:txLinClrLst/>
+    <dgm:txFillClrLst/>
+    <dgm:txEffectClrLst/>
+  </dgm:styleLbl>
+  <dgm:styleLbl name="node4">
+    <dgm:fillClrLst>
+      <a:schemeClr val="accent5"/>
+    </dgm:fillClrLst>
+    <dgm:linClrLst meth="repeat">
+      <a:schemeClr val="lt1"/>
+    </dgm:linClrLst>
+    <dgm:effectClrLst/>
+    <dgm:txLinClrLst/>
+    <dgm:txFillClrLst/>
+    <dgm:txEffectClrLst/>
+  </dgm:styleLbl>
+  <dgm:styleLbl name="fgImgPlace1">
+    <dgm:fillClrLst>
+      <a:schemeClr val="accent2">
+        <a:tint val="50000"/>
+      </a:schemeClr>
+      <a:schemeClr val="accent3">
+        <a:tint val="50000"/>
+      </a:schemeClr>
+    </dgm:fillClrLst>
+    <dgm:linClrLst meth="repeat">
+      <a:schemeClr val="lt1"/>
+    </dgm:linClrLst>
+    <dgm:effectClrLst/>
+    <dgm:txLinClrLst/>
+    <dgm:txFillClrLst meth="repeat">
+      <a:schemeClr val="lt1"/>
+    </dgm:txFillClrLst>
+    <dgm:txEffectClrLst/>
+  </dgm:styleLbl>
+  <dgm:styleLbl name="alignImgPlace1">
+    <dgm:fillClrLst>
+      <a:schemeClr val="accent2">
+        <a:tint val="50000"/>
+      </a:schemeClr>
+      <a:schemeClr val="accent3">
+        <a:tint val="20000"/>
+      </a:schemeClr>
+    </dgm:fillClrLst>
+    <dgm:linClrLst meth="repeat">
+      <a:schemeClr val="lt1"/>
+    </dgm:linClrLst>
+    <dgm:effectClrLst/>
+    <dgm:txLinClrLst/>
+    <dgm:txFillClrLst meth="repeat">
+      <a:schemeClr val="lt1"/>
+    </dgm:txFillClrLst>
+    <dgm:txEffectClrLst/>
+  </dgm:styleLbl>
+  <dgm:styleLbl name="bgImgPlace1">
+    <dgm:fillClrLst>
+      <a:schemeClr val="accent2">
+        <a:tint val="50000"/>
+      </a:schemeClr>
+      <a:schemeClr val="accent3">
+        <a:tint val="20000"/>
+      </a:schemeClr>
+    </dgm:fillClrLst>
+    <dgm:linClrLst meth="repeat">
+      <a:schemeClr val="lt1"/>
+    </dgm:linClrLst>
+    <dgm:effectClrLst/>
+    <dgm:txLinClrLst/>
+    <dgm:txFillClrLst meth="repeat">
+      <a:schemeClr val="lt1"/>
+    </dgm:txFillClrLst>
+    <dgm:txEffectClrLst/>
+  </dgm:styleLbl>
+  <dgm:styleLbl name="sibTrans2D1">
+    <dgm:fillClrLst>
+      <a:schemeClr val="accent2"/>
+      <a:schemeClr val="accent3"/>
+    </dgm:fillClrLst>
+    <dgm:linClrLst meth="repeat">
+      <a:schemeClr val="lt1"/>
+    </dgm:linClrLst>
+    <dgm:effectClrLst/>
+    <dgm:txLinClrLst/>
+    <dgm:txFillClrLst/>
+    <dgm:txEffectClrLst/>
+  </dgm:styleLbl>
+  <dgm:styleLbl name="fgSibTrans2D1">
+    <dgm:fillClrLst>
+      <a:schemeClr val="accent2"/>
+      <a:schemeClr val="accent3"/>
+    </dgm:fillClrLst>
+    <dgm:linClrLst meth="repeat">
+      <a:schemeClr val="lt1"/>
+    </dgm:linClrLst>
+    <dgm:effectClrLst/>
+    <dgm:txLinClrLst/>
+    <dgm:txFillClrLst meth="repeat">
+      <a:schemeClr val="lt1"/>
+    </dgm:txFillClrLst>
+    <dgm:txEffectClrLst/>
+  </dgm:styleLbl>
+  <dgm:styleLbl name="bgSibTrans2D1">
+    <dgm:fillClrLst>
+      <a:schemeClr val="accent2"/>
+      <a:schemeClr val="accent3"/>
+    </dgm:fillClrLst>
+    <dgm:linClrLst meth="repeat">
+      <a:schemeClr val="lt1"/>
+    </dgm:linClrLst>
+    <dgm:effectClrLst/>
+    <dgm:txLinClrLst/>
+    <dgm:txFillClrLst meth="repeat">
+      <a:schemeClr val="lt1"/>
+    </dgm:txFillClrLst>
+    <dgm:txEffectClrLst/>
+  </dgm:styleLbl>
+  <dgm:styleLbl name="sibTrans1D1">
+    <dgm:fillClrLst/>
+    <dgm:linClrLst>
+      <a:schemeClr val="accent2"/>
+      <a:schemeClr val="accent3"/>
+    </dgm:linClrLst>
+    <dgm:effectClrLst/>
+    <dgm:txLinClrLst/>
+    <dgm:txFillClrLst meth="repeat">
+      <a:schemeClr val="tx1"/>
+    </dgm:txFillClrLst>
+    <dgm:txEffectClrLst/>
+  </dgm:styleLbl>
+  <dgm:styleLbl name="callout">
+    <dgm:fillClrLst meth="repeat">
+      <a:schemeClr val="accent2"/>
+    </dgm:fillClrLst>
+    <dgm:linClrLst meth="repeat">
+      <a:schemeClr val="accent2">
+        <a:tint val="50000"/>
+      </a:schemeClr>
+    </dgm:linClrLst>
+    <dgm:effectClrLst/>
+    <dgm:txLinClrLst/>
+    <dgm:txFillClrLst meth="repeat">
+      <a:schemeClr val="tx1"/>
+    </dgm:txFillClrLst>
+    <dgm:txEffectClrLst/>
+  </dgm:styleLbl>
+  <dgm:styleLbl name="asst0">
+    <dgm:fillClrLst meth="repeat">
+      <a:schemeClr val="accent2"/>
+    </dgm:fillClrLst>
+    <dgm:linClrLst meth="repeat">
+      <a:schemeClr val="lt1">
+        <a:shade val="80000"/>
+      </a:schemeClr>
+    </dgm:linClrLst>
+    <dgm:effectClrLst/>
+    <dgm:txLinClrLst/>
+    <dgm:txFillClrLst/>
+    <dgm:txEffectClrLst/>
+  </dgm:styleLbl>
+  <dgm:styleLbl name="asst1">
+    <dgm:fillClrLst meth="repeat">
+      <a:schemeClr val="accent3"/>
+    </dgm:fillClrLst>
+    <dgm:linClrLst meth="repeat">
+      <a:schemeClr val="lt1">
+        <a:shade val="80000"/>
+      </a:schemeClr>
+    </dgm:linClrLst>
+    <dgm:effectClrLst/>
+    <dgm:txLinClrLst/>
+    <dgm:txFillClrLst/>
+    <dgm:txEffectClrLst/>
+  </dgm:styleLbl>
+  <dgm:styleLbl name="asst2">
+    <dgm:fillClrLst>
+      <a:schemeClr val="accent4"/>
+    </dgm:fillClrLst>
+    <dgm:linClrLst meth="repeat">
+      <a:schemeClr val="lt1"/>
+    </dgm:linClrLst>
+    <dgm:effectClrLst/>
+    <dgm:txLinClrLst/>
+    <dgm:txFillClrLst/>
+    <dgm:txEffectClrLst/>
+  </dgm:styleLbl>
+  <dgm:styleLbl name="asst3">
+    <dgm:fillClrLst>
+      <a:schemeClr val="accent5"/>
+    </dgm:fillClrLst>
+    <dgm:linClrLst meth="repeat">
+      <a:schemeClr val="lt1"/>
+    </dgm:linClrLst>
+    <dgm:effectClrLst/>
+    <dgm:txLinClrLst/>
+    <dgm:txFillClrLst/>
+    <dgm:txEffectClrLst/>
+  </dgm:styleLbl>
+  <dgm:styleLbl name="asst4">
+    <dgm:fillClrLst>
+      <a:schemeClr val="accent6"/>
+    </dgm:fillClrLst>
+    <dgm:linClrLst meth="repeat">
+      <a:schemeClr val="lt1"/>
+    </dgm:linClrLst>
+    <dgm:effectClrLst/>
+    <dgm:txLinClrLst/>
+    <dgm:txFillClrLst/>
+    <dgm:txEffectClrLst/>
+  </dgm:styleLbl>
+  <dgm:styleLbl name="parChTrans2D1">
+    <dgm:fillClrLst meth="repeat">
+      <a:schemeClr val="accent2"/>
+    </dgm:fillClrLst>
+    <dgm:linClrLst meth="repeat">
+      <a:schemeClr val="lt1"/>
+    </dgm:linClrLst>
+    <dgm:effectClrLst/>
+    <dgm:txLinClrLst/>
+    <dgm:txFillClrLst meth="repeat">
+      <a:schemeClr val="lt1"/>
+    </dgm:txFillClrLst>
+    <dgm:txEffectClrLst/>
+  </dgm:styleLbl>
+  <dgm:styleLbl name="parChTrans2D2">
+    <dgm:fillClrLst meth="repeat">
+      <a:schemeClr val="accent3"/>
+    </dgm:fillClrLst>
+    <dgm:linClrLst meth="repeat">
+      <a:schemeClr val="lt1"/>
+    </dgm:linClrLst>
+    <dgm:effectClrLst/>
+    <dgm:txLinClrLst/>
+    <dgm:txFillClrLst/>
+    <dgm:txEffectClrLst/>
+  </dgm:styleLbl>
+  <dgm:styleLbl name="parChTrans2D3">
+    <dgm:fillClrLst meth="repeat">
+      <a:schemeClr val="accent4"/>
+    </dgm:fillClrLst>
+    <dgm:linClrLst meth="repeat">
+      <a:schemeClr val="lt1"/>
+    </dgm:linClrLst>
+    <dgm:effectClrLst/>
+    <dgm:txLinClrLst/>
+    <dgm:txFillClrLst/>
+    <dgm:txEffectClrLst/>
+  </dgm:styleLbl>
+  <dgm:styleLbl name="parChTrans2D4">
+    <dgm:fillClrLst meth="repeat">
+      <a:schemeClr val="accent5"/>
+    </dgm:fillClrLst>
+    <dgm:linClrLst meth="repeat">
+      <a:schemeClr val="lt1"/>
+    </dgm:linClrLst>
+    <dgm:effectClrLst/>
+    <dgm:txLinClrLst/>
+    <dgm:txFillClrLst meth="repeat">
+      <a:schemeClr val="lt1"/>
+    </dgm:txFillClrLst>
+    <dgm:txEffectClrLst/>
+  </dgm:styleLbl>
+  <dgm:styleLbl name="parChTrans1D1">
+    <dgm:fillClrLst meth="repeat">
+      <a:schemeClr val="accent2"/>
+    </dgm:fillClrLst>
+    <dgm:linClrLst meth="repeat">
+      <a:schemeClr val="accent2"/>
+    </dgm:linClrLst>
+    <dgm:effectClrLst/>
+    <dgm:txLinClrLst/>
+    <dgm:txFillClrLst meth="repeat">
+      <a:schemeClr val="tx1"/>
+    </dgm:txFillClrLst>
+    <dgm:txEffectClrLst/>
+  </dgm:styleLbl>
+  <dgm:styleLbl name="parChTrans1D2">
+    <dgm:fillClrLst meth="repeat">
+      <a:schemeClr val="accent2">
+        <a:tint val="90000"/>
+      </a:schemeClr>
+    </dgm:fillClrLst>
+    <dgm:linClrLst meth="repeat">
+      <a:schemeClr val="accent3"/>
+    </dgm:linClrLst>
+    <dgm:effectClrLst/>
+    <dgm:txLinClrLst/>
+    <dgm:txFillClrLst meth="repeat">
+      <a:schemeClr val="tx1"/>
+    </dgm:txFillClrLst>
+    <dgm:txEffectClrLst/>
+  </dgm:styleLbl>
+  <dgm:styleLbl name="parChTrans1D3">
+    <dgm:fillClrLst meth="repeat">
+      <a:schemeClr val="accent2">
+        <a:tint val="70000"/>
+      </a:schemeClr>
+    </dgm:fillClrLst>
+    <dgm:linClrLst meth="repeat">
+      <a:schemeClr val="accent4"/>
+    </dgm:linClrLst>
+    <dgm:effectClrLst/>
+    <dgm:txLinClrLst/>
+    <dgm:txFillClrLst meth="repeat">
+      <a:schemeClr val="tx1"/>
+    </dgm:txFillClrLst>
+    <dgm:txEffectClrLst/>
+  </dgm:styleLbl>
+  <dgm:styleLbl name="parChTrans1D4">
+    <dgm:fillClrLst meth="repeat">
+      <a:schemeClr val="accent2">
+        <a:tint val="50000"/>
+      </a:schemeClr>
+    </dgm:fillClrLst>
+    <dgm:linClrLst meth="repeat">
+      <a:schemeClr val="accent5"/>
+    </dgm:linClrLst>
+    <dgm:effectClrLst/>
+    <dgm:txLinClrLst/>
+    <dgm:txFillClrLst meth="repeat">
+      <a:schemeClr val="tx1"/>
+    </dgm:txFillClrLst>
+    <dgm:txEffectClrLst/>
+  </dgm:styleLbl>
+  <dgm:styleLbl name="fgAcc1">
+    <dgm:fillClrLst meth="repeat">
+      <a:schemeClr val="lt1">
+        <a:alpha val="90000"/>
+      </a:schemeClr>
+    </dgm:fillClrLst>
+    <dgm:linClrLst>
+      <a:schemeClr val="accent2"/>
+      <a:schemeClr val="accent3"/>
+    </dgm:linClrLst>
+    <dgm:effectClrLst/>
+    <dgm:txLinClrLst/>
+    <dgm:txFillClrLst meth="repeat">
+      <a:schemeClr val="dk1"/>
+    </dgm:txFillClrLst>
+    <dgm:txEffectClrLst/>
+  </dgm:styleLbl>
+  <dgm:styleLbl name="conFgAcc1">
+    <dgm:fillClrLst meth="repeat">
+      <a:schemeClr val="lt1">
+        <a:alpha val="90000"/>
+      </a:schemeClr>
+    </dgm:fillClrLst>
+    <dgm:linClrLst>
+      <a:schemeClr val="accent2"/>
+      <a:schemeClr val="accent3"/>
+    </dgm:linClrLst>
+    <dgm:effectClrLst/>
+    <dgm:txLinClrLst/>
+    <dgm:txFillClrLst meth="repeat">
+      <a:schemeClr val="dk1"/>
+    </dgm:txFillClrLst>
+    <dgm:txEffectClrLst/>
+  </dgm:styleLbl>
+  <dgm:styleLbl name="alignAcc1">
+    <dgm:fillClrLst meth="repeat">
+      <a:schemeClr val="lt1">
+        <a:alpha val="90000"/>
+      </a:schemeClr>
+    </dgm:fillClrLst>
+    <dgm:linClrLst>
+      <a:schemeClr val="accent2"/>
+      <a:schemeClr val="accent3"/>
+    </dgm:linClrLst>
+    <dgm:effectClrLst/>
+    <dgm:txLinClrLst/>
+    <dgm:txFillClrLst meth="repeat">
+      <a:schemeClr val="dk1"/>
+    </dgm:txFillClrLst>
+    <dgm:txEffectClrLst/>
+  </dgm:styleLbl>
+  <dgm:styleLbl name="trAlignAcc1">
+    <dgm:fillClrLst meth="repeat">
+      <a:schemeClr val="lt1">
+        <a:alpha val="40000"/>
+      </a:schemeClr>
+    </dgm:fillClrLst>
+    <dgm:linClrLst meth="repeat">
+      <a:schemeClr val="accent2"/>
+    </dgm:linClrLst>
+    <dgm:effectClrLst/>
+    <dgm:txLinClrLst/>
+    <dgm:txFillClrLst meth="repeat">
+      <a:schemeClr val="dk1"/>
+    </dgm:txFillClrLst>
+    <dgm:txEffectClrLst/>
+  </dgm:styleLbl>
+  <dgm:styleLbl name="bgAcc1">
+    <dgm:fillClrLst meth="repeat">
+      <a:schemeClr val="lt1">
+        <a:alpha val="90000"/>
+      </a:schemeClr>
+    </dgm:fillClrLst>
+    <dgm:linClrLst>
+      <a:schemeClr val="accent2"/>
+      <a:schemeClr val="accent3"/>
+    </dgm:linClrLst>
+    <dgm:effectClrLst/>
+    <dgm:txLinClrLst/>
+    <dgm:txFillClrLst meth="repeat">
+      <a:schemeClr val="dk1"/>
+    </dgm:txFillClrLst>
+    <dgm:txEffectClrLst/>
+  </dgm:styleLbl>
+  <dgm:styleLbl name="solidFgAcc1">
+    <dgm:fillClrLst meth="repeat">
+      <a:schemeClr val="lt1"/>
+    </dgm:fillClrLst>
+    <dgm:linClrLst>
+      <a:schemeClr val="accent2"/>
+      <a:schemeClr val="accent3"/>
+    </dgm:linClrLst>
+    <dgm:effectClrLst/>
+    <dgm:txLinClrLst/>
+    <dgm:txFillClrLst meth="repeat">
+      <a:schemeClr val="dk1"/>
+    </dgm:txFillClrLst>
+    <dgm:txEffectClrLst/>
+  </dgm:styleLbl>
+  <dgm:styleLbl name="solidAlignAcc1">
+    <dgm:fillClrLst meth="repeat">
+      <a:schemeClr val="lt1"/>
+    </dgm:fillClrLst>
+    <dgm:linClrLst>
+      <a:schemeClr val="accent2"/>
+      <a:schemeClr val="accent3"/>
+    </dgm:linClrLst>
+    <dgm:effectClrLst/>
+    <dgm:txLinClrLst/>
+    <dgm:txFillClrLst meth="repeat">
+      <a:schemeClr val="dk1"/>
+    </dgm:txFillClrLst>
+    <dgm:txEffectClrLst/>
+  </dgm:styleLbl>
+  <dgm:styleLbl name="solidBgAcc1">
+    <dgm:fillClrLst meth="repeat">
+      <a:schemeClr val="lt1"/>
+    </dgm:fillClrLst>
+    <dgm:linClrLst>
+      <a:schemeClr val="accent2"/>
+      <a:schemeClr val="accent3"/>
+    </dgm:linClrLst>
+    <dgm:effectClrLst/>
+    <dgm:txLinClrLst/>
+    <dgm:txFillClrLst meth="repeat">
+      <a:schemeClr val="dk1"/>
+    </dgm:txFillClrLst>
+    <dgm:txEffectClrLst/>
+  </dgm:styleLbl>
+  <dgm:styleLbl name="fgAccFollowNode1">
+    <dgm:fillClrLst>
+      <a:schemeClr val="accent2">
+        <a:tint val="40000"/>
+        <a:alpha val="90000"/>
+      </a:schemeClr>
+      <a:schemeClr val="accent3">
+        <a:tint val="40000"/>
+        <a:alpha val="90000"/>
+      </a:schemeClr>
+    </dgm:fillClrLst>
+    <dgm:linClrLst>
+      <a:schemeClr val="accent2">
+        <a:tint val="40000"/>
+        <a:alpha val="90000"/>
+      </a:schemeClr>
+      <a:schemeClr val="accent3">
+        <a:tint val="40000"/>
+        <a:alpha val="90000"/>
+      </a:schemeClr>
+    </dgm:linClrLst>
+    <dgm:effectClrLst/>
+    <dgm:txLinClrLst/>
+    <dgm:txFillClrLst meth="repeat">
+      <a:schemeClr val="dk1"/>
+    </dgm:txFillClrLst>
+    <dgm:txEffectClrLst/>
+  </dgm:styleLbl>
+  <dgm:styleLbl name="alignAccFollowNode1">
+    <dgm:fillClrLst>
+      <a:schemeClr val="accent2">
+        <a:tint val="40000"/>
+        <a:alpha val="90000"/>
+      </a:schemeClr>
+      <a:schemeClr val="accent3">
+        <a:tint val="40000"/>
+        <a:alpha val="90000"/>
+      </a:schemeClr>
+    </dgm:fillClrLst>
+    <dgm:linClrLst>
+      <a:schemeClr val="accent2">
+        <a:tint val="40000"/>
+        <a:alpha val="90000"/>
+      </a:schemeClr>
+      <a:schemeClr val="accent3">
+        <a:tint val="40000"/>
+        <a:alpha val="90000"/>
+      </a:schemeClr>
+    </dgm:linClrLst>
+    <dgm:effectClrLst/>
+    <dgm:txLinClrLst/>
+    <dgm:txFillClrLst meth="repeat">
+      <a:schemeClr val="dk1"/>
+    </dgm:txFillClrLst>
+    <dgm:txEffectClrLst/>
+  </dgm:styleLbl>
+  <dgm:styleLbl name="bgAccFollowNode1">
+    <dgm:fillClrLst>
+      <a:schemeClr val="accent2">
+        <a:tint val="40000"/>
+        <a:alpha val="90000"/>
+      </a:schemeClr>
+      <a:schemeClr val="accent3">
+        <a:tint val="40000"/>
+        <a:alpha val="90000"/>
+      </a:schemeClr>
+    </dgm:fillClrLst>
+    <dgm:linClrLst>
+      <a:schemeClr val="accent2">
+        <a:tint val="40000"/>
+        <a:alpha val="90000"/>
+      </a:schemeClr>
+      <a:schemeClr val="accent3">
+        <a:tint val="40000"/>
+        <a:alpha val="90000"/>
+      </a:schemeClr>
+    </dgm:linClrLst>
+    <dgm:effectClrLst/>
+    <dgm:txLinClrLst/>
+    <dgm:txFillClrLst meth="repeat">
+      <a:schemeClr val="dk1"/>
+    </dgm:txFillClrLst>
+    <dgm:txEffectClrLst/>
+  </dgm:styleLbl>
+  <dgm:styleLbl name="fgAcc0">
+    <dgm:fillClrLst meth="repeat">
+      <a:schemeClr val="lt1">
+        <a:alpha val="90000"/>
+      </a:schemeClr>
+    </dgm:fillClrLst>
+    <dgm:linClrLst>
+      <a:schemeClr val="accent1"/>
+    </dgm:linClrLst>
+    <dgm:effectClrLst/>
+    <dgm:txLinClrLst/>
+    <dgm:txFillClrLst meth="repeat">
+      <a:schemeClr val="dk1"/>
+    </dgm:txFillClrLst>
+    <dgm:txEffectClrLst/>
+  </dgm:styleLbl>
+  <dgm:styleLbl name="fgAcc2">
+    <dgm:fillClrLst meth="repeat">
+      <a:schemeClr val="lt1">
+        <a:alpha val="90000"/>
+      </a:schemeClr>
+    </dgm:fillClrLst>
+    <dgm:linClrLst>
+      <a:schemeClr val="accent3"/>
+    </dgm:linClrLst>
+    <dgm:effectClrLst/>
+    <dgm:txLinClrLst/>
+    <dgm:txFillClrLst meth="repeat">
+      <a:schemeClr val="dk1"/>
+    </dgm:txFillClrLst>
+    <dgm:txEffectClrLst/>
+  </dgm:styleLbl>
+  <dgm:styleLbl name="fgAcc3">
+    <dgm:fillClrLst meth="repeat">
+      <a:schemeClr val="lt1">
+        <a:alpha val="90000"/>
+      </a:schemeClr>
+    </dgm:fillClrLst>
+    <dgm:linClrLst>
+      <a:schemeClr val="accent4"/>
+    </dgm:linClrLst>
+    <dgm:effectClrLst/>
+    <dgm:txLinClrLst/>
+    <dgm:txFillClrLst meth="repeat">
+      <a:schemeClr val="dk1"/>
+    </dgm:txFillClrLst>
+    <dgm:txEffectClrLst/>
+  </dgm:styleLbl>
+  <dgm:styleLbl name="fgAcc4">
+    <dgm:fillClrLst meth="repeat">
+      <a:schemeClr val="lt1">
+        <a:alpha val="90000"/>
+      </a:schemeClr>
+    </dgm:fillClrLst>
+    <dgm:linClrLst>
+      <a:schemeClr val="accent5"/>
+    </dgm:linClrLst>
+    <dgm:effectClrLst/>
+    <dgm:txLinClrLst/>
+    <dgm:txFillClrLst meth="repeat">
+      <a:schemeClr val="dk1"/>
+    </dgm:txFillClrLst>
+    <dgm:txEffectClrLst/>
+  </dgm:styleLbl>
+  <dgm:styleLbl name="bgShp">
+    <dgm:fillClrLst meth="repeat">
+      <a:schemeClr val="accent2">
+        <a:tint val="40000"/>
+      </a:schemeClr>
+    </dgm:fillClrLst>
+    <dgm:linClrLst meth="repeat">
+      <a:schemeClr val="dk1"/>
+    </dgm:linClrLst>
+    <dgm:effectClrLst/>
+    <dgm:txLinClrLst/>
+    <dgm:txFillClrLst meth="repeat">
+      <a:schemeClr val="dk1"/>
+    </dgm:txFillClrLst>
+    <dgm:txEffectClrLst/>
+  </dgm:styleLbl>
+  <dgm:styleLbl name="dkBgShp">
+    <dgm:fillClrLst meth="repeat">
+      <a:schemeClr val="accent2">
+        <a:shade val="90000"/>
+      </a:schemeClr>
+    </dgm:fillClrLst>
+    <dgm:linClrLst meth="repeat">
+      <a:schemeClr val="dk1"/>
+    </dgm:linClrLst>
+    <dgm:effectClrLst/>
+    <dgm:txLinClrLst/>
+    <dgm:txFillClrLst meth="repeat">
+      <a:schemeClr val="lt1"/>
+    </dgm:txFillClrLst>
+    <dgm:txEffectClrLst/>
+  </dgm:styleLbl>
+  <dgm:styleLbl name="trBgShp">
+    <dgm:fillClrLst meth="repeat">
+      <a:schemeClr val="accent2">
+        <a:tint val="50000"/>
+        <a:alpha val="40000"/>
+      </a:schemeClr>
+    </dgm:fillClrLst>
+    <dgm:linClrLst meth="repeat">
+      <a:schemeClr val="accent2"/>
+    </dgm:linClrLst>
+    <dgm:effectClrLst/>
+    <dgm:txLinClrLst/>
+    <dgm:txFillClrLst meth="repeat">
+      <a:schemeClr val="lt1"/>
+    </dgm:txFillClrLst>
+    <dgm:txEffectClrLst/>
+  </dgm:styleLbl>
+  <dgm:styleLbl name="fgShp">
+    <dgm:fillClrLst meth="repeat">
+      <a:schemeClr val="accent2">
+        <a:tint val="40000"/>
+      </a:schemeClr>
+    </dgm:fillClrLst>
+    <dgm:linClrLst meth="repeat">
+      <a:schemeClr val="lt1"/>
+    </dgm:linClrLst>
+    <dgm:effectClrLst/>
+    <dgm:txLinClrLst/>
+    <dgm:txFillClrLst meth="repeat">
+      <a:schemeClr val="dk1"/>
+    </dgm:txFillClrLst>
+    <dgm:txEffectClrLst/>
+  </dgm:styleLbl>
+  <dgm:styleLbl name="revTx">
+    <dgm:fillClrLst meth="repeat">
+      <a:schemeClr val="lt1">
+        <a:alpha val="0"/>
+      </a:schemeClr>
+    </dgm:fillClrLst>
+    <dgm:linClrLst meth="repeat">
+      <a:schemeClr val="dk1">
+        <a:alpha val="0"/>
+      </a:schemeClr>
+    </dgm:linClrLst>
+    <dgm:effectClrLst/>
+    <dgm:txLinClrLst/>
+    <dgm:txFillClrLst meth="repeat">
+      <a:schemeClr val="tx1"/>
+    </dgm:txFillClrLst>
+    <dgm:txEffectClrLst/>
+  </dgm:styleLbl>
+</dgm:colorsDef>
+</file>
+
+<file path=ppt/diagrams/data1.xml><?xml version="1.0" encoding="utf-8"?>
+<dgm:dataModel xmlns:dgm="http://schemas.openxmlformats.org/drawingml/2006/diagram" xmlns:a="http://schemas.openxmlformats.org/drawingml/2006/main">
+  <dgm:ptLst>
+    <dgm:pt modelId="{975365B6-BD36-4996-9589-C587C4B113E8}" type="doc">
+      <dgm:prSet loTypeId="urn:microsoft.com/office/officeart/2005/8/layout/vList2" loCatId="list" qsTypeId="urn:microsoft.com/office/officeart/2005/8/quickstyle/simple1" qsCatId="simple" csTypeId="urn:microsoft.com/office/officeart/2005/8/colors/colorful2" csCatId="colorful" phldr="1"/>
+      <dgm:spPr/>
+      <dgm:t>
+        <a:bodyPr/>
+        <a:lstStyle/>
+        <a:p>
+          <a:endParaRPr lang="en-US"/>
+        </a:p>
+      </dgm:t>
+    </dgm:pt>
+    <dgm:pt modelId="{6A3D4E39-78F2-4965-B1BA-870DDB729133}">
+      <dgm:prSet/>
+      <dgm:spPr/>
+      <dgm:t>
+        <a:bodyPr/>
+        <a:lstStyle/>
+        <a:p>
+          <a:r>
+            <a:rPr lang="en-AU" dirty="0"/>
+            <a:t>Experiment 1 – Compare the performance of a 3D CNN using a voxel-based approach versus a patch-based approach.</a:t>
+          </a:r>
+          <a:endParaRPr lang="en-US" dirty="0"/>
+        </a:p>
+      </dgm:t>
+    </dgm:pt>
+    <dgm:pt modelId="{D1878E08-CE99-4236-AC94-757951E09827}" type="parTrans" cxnId="{FEBDCCE1-41D2-49C8-A623-6B3C461AD087}">
+      <dgm:prSet/>
+      <dgm:spPr/>
+      <dgm:t>
+        <a:bodyPr/>
+        <a:lstStyle/>
+        <a:p>
+          <a:endParaRPr lang="en-US"/>
+        </a:p>
+      </dgm:t>
+    </dgm:pt>
+    <dgm:pt modelId="{22BCFE1B-E651-46DB-9A17-034F1692FC2A}" type="sibTrans" cxnId="{FEBDCCE1-41D2-49C8-A623-6B3C461AD087}">
+      <dgm:prSet/>
+      <dgm:spPr/>
+      <dgm:t>
+        <a:bodyPr/>
+        <a:lstStyle/>
+        <a:p>
+          <a:endParaRPr lang="en-US"/>
+        </a:p>
+      </dgm:t>
+    </dgm:pt>
+    <dgm:pt modelId="{41D066B1-F328-4BD1-8566-D289C374D1C8}">
+      <dgm:prSet/>
+      <dgm:spPr/>
+      <dgm:t>
+        <a:bodyPr/>
+        <a:lstStyle/>
+        <a:p>
+          <a:pPr>
+            <a:lnSpc>
+              <a:spcPct val="100000"/>
+            </a:lnSpc>
+          </a:pPr>
+          <a:r>
+            <a:rPr lang="en-AU" dirty="0"/>
+            <a:t>Hypothesis: The patch-based model will be able to provide more accurate predictions than the voxel-based model.</a:t>
+          </a:r>
+          <a:endParaRPr lang="en-US" dirty="0"/>
+        </a:p>
+      </dgm:t>
+    </dgm:pt>
+    <dgm:pt modelId="{7DFAB53A-37A2-464E-97F8-2D183BD2CA21}" type="parTrans" cxnId="{1849CB7A-645E-4895-AF19-04A3DC67A2D2}">
+      <dgm:prSet/>
+      <dgm:spPr/>
+      <dgm:t>
+        <a:bodyPr/>
+        <a:lstStyle/>
+        <a:p>
+          <a:endParaRPr lang="en-US"/>
+        </a:p>
+      </dgm:t>
+    </dgm:pt>
+    <dgm:pt modelId="{2FA21D81-5B0C-42DB-AD25-461E19C933F0}" type="sibTrans" cxnId="{1849CB7A-645E-4895-AF19-04A3DC67A2D2}">
+      <dgm:prSet/>
+      <dgm:spPr/>
+      <dgm:t>
+        <a:bodyPr/>
+        <a:lstStyle/>
+        <a:p>
+          <a:endParaRPr lang="en-US"/>
+        </a:p>
+      </dgm:t>
+    </dgm:pt>
+    <dgm:pt modelId="{401EBB11-D0E9-42B7-BB02-CB48B241423B}">
+      <dgm:prSet/>
+      <dgm:spPr/>
+      <dgm:t>
+        <a:bodyPr/>
+        <a:lstStyle/>
+        <a:p>
+          <a:r>
+            <a:rPr lang="en-AU" dirty="0"/>
+            <a:t>Experiment 2 – Explore any improvements in model performance that can be attained using different CNN architectures. </a:t>
+          </a:r>
+          <a:endParaRPr lang="en-US" dirty="0"/>
+        </a:p>
+      </dgm:t>
+    </dgm:pt>
+    <dgm:pt modelId="{B0A22D96-1DAB-44F2-B49D-8113F79CD83A}" type="parTrans" cxnId="{49A4000C-CD1A-4B72-B372-203CCE462EC3}">
+      <dgm:prSet/>
+      <dgm:spPr/>
+      <dgm:t>
+        <a:bodyPr/>
+        <a:lstStyle/>
+        <a:p>
+          <a:endParaRPr lang="en-US"/>
+        </a:p>
+      </dgm:t>
+    </dgm:pt>
+    <dgm:pt modelId="{38E474A3-3EFF-444E-80D2-4B08A510B60C}" type="sibTrans" cxnId="{49A4000C-CD1A-4B72-B372-203CCE462EC3}">
+      <dgm:prSet/>
+      <dgm:spPr/>
+      <dgm:t>
+        <a:bodyPr/>
+        <a:lstStyle/>
+        <a:p>
+          <a:endParaRPr lang="en-US"/>
+        </a:p>
+      </dgm:t>
+    </dgm:pt>
+    <dgm:pt modelId="{4C010454-C521-456A-896B-32420ACE3D1C}">
+      <dgm:prSet/>
+      <dgm:spPr/>
+      <dgm:t>
+        <a:bodyPr/>
+        <a:lstStyle/>
+        <a:p>
+          <a:r>
+            <a:rPr lang="en-AU" dirty="0"/>
+            <a:t>Hypothesis: There will be differences in model accuracy between each model. An ensemble method using all the CNN architectures tested will provide the greatest accuracy for our predictions. </a:t>
+          </a:r>
+          <a:endParaRPr lang="en-US" dirty="0"/>
+        </a:p>
+      </dgm:t>
+    </dgm:pt>
+    <dgm:pt modelId="{1792B78B-2DA3-4D1E-A63B-80FD27CDF58B}" type="parTrans" cxnId="{AB00AE7A-B8F6-4EA2-B458-01E05744B966}">
+      <dgm:prSet/>
+      <dgm:spPr/>
+      <dgm:t>
+        <a:bodyPr/>
+        <a:lstStyle/>
+        <a:p>
+          <a:endParaRPr lang="en-US"/>
+        </a:p>
+      </dgm:t>
+    </dgm:pt>
+    <dgm:pt modelId="{058EE0D9-3A9A-4F8D-9AA5-744E107C1D99}" type="sibTrans" cxnId="{AB00AE7A-B8F6-4EA2-B458-01E05744B966}">
+      <dgm:prSet/>
+      <dgm:spPr/>
+      <dgm:t>
+        <a:bodyPr/>
+        <a:lstStyle/>
+        <a:p>
+          <a:endParaRPr lang="en-US"/>
+        </a:p>
+      </dgm:t>
+    </dgm:pt>
+    <dgm:pt modelId="{711A4667-E551-4517-8F01-0A7336E45FDB}">
+      <dgm:prSet/>
+      <dgm:spPr/>
+      <dgm:t>
+        <a:bodyPr/>
+        <a:lstStyle/>
+        <a:p>
+          <a:pPr>
+            <a:lnSpc>
+              <a:spcPct val="100000"/>
+            </a:lnSpc>
+          </a:pPr>
+          <a:endParaRPr lang="en-US" dirty="0"/>
+        </a:p>
+      </dgm:t>
+    </dgm:pt>
+    <dgm:pt modelId="{6063D0E6-3A07-41AC-897B-E6DAFA541F1E}" type="parTrans" cxnId="{D510C504-4EED-4930-AB5F-7E61B23CA09F}">
+      <dgm:prSet/>
+      <dgm:spPr/>
+      <dgm:t>
+        <a:bodyPr/>
+        <a:lstStyle/>
+        <a:p>
+          <a:endParaRPr lang="en-AU"/>
+        </a:p>
+      </dgm:t>
+    </dgm:pt>
+    <dgm:pt modelId="{1003F380-EB43-4B72-BC04-10592DD07F8E}" type="sibTrans" cxnId="{D510C504-4EED-4930-AB5F-7E61B23CA09F}">
+      <dgm:prSet/>
+      <dgm:spPr/>
+      <dgm:t>
+        <a:bodyPr/>
+        <a:lstStyle/>
+        <a:p>
+          <a:endParaRPr lang="en-AU"/>
+        </a:p>
+      </dgm:t>
+    </dgm:pt>
+    <dgm:pt modelId="{D60319C7-0CDC-4475-8824-65A5106E5946}" type="pres">
+      <dgm:prSet presAssocID="{975365B6-BD36-4996-9589-C587C4B113E8}" presName="linear" presStyleCnt="0">
+        <dgm:presLayoutVars>
+          <dgm:animLvl val="lvl"/>
+          <dgm:resizeHandles val="exact"/>
+        </dgm:presLayoutVars>
+      </dgm:prSet>
+      <dgm:spPr/>
+    </dgm:pt>
+    <dgm:pt modelId="{D08530E4-3EDA-4404-A202-605168944B18}" type="pres">
+      <dgm:prSet presAssocID="{6A3D4E39-78F2-4965-B1BA-870DDB729133}" presName="parentText" presStyleLbl="node1" presStyleIdx="0" presStyleCnt="2">
+        <dgm:presLayoutVars>
+          <dgm:chMax val="0"/>
+          <dgm:bulletEnabled val="1"/>
+        </dgm:presLayoutVars>
+      </dgm:prSet>
+      <dgm:spPr/>
+    </dgm:pt>
+    <dgm:pt modelId="{3016B927-972A-47F6-A651-A76920C63965}" type="pres">
+      <dgm:prSet presAssocID="{6A3D4E39-78F2-4965-B1BA-870DDB729133}" presName="childText" presStyleLbl="revTx" presStyleIdx="0" presStyleCnt="2">
+        <dgm:presLayoutVars>
+          <dgm:bulletEnabled val="1"/>
+        </dgm:presLayoutVars>
+      </dgm:prSet>
+      <dgm:spPr/>
+    </dgm:pt>
+    <dgm:pt modelId="{8280B1B8-CD30-4756-BC1D-CF8F9C8EC6A1}" type="pres">
+      <dgm:prSet presAssocID="{401EBB11-D0E9-42B7-BB02-CB48B241423B}" presName="parentText" presStyleLbl="node1" presStyleIdx="1" presStyleCnt="2">
+        <dgm:presLayoutVars>
+          <dgm:chMax val="0"/>
+          <dgm:bulletEnabled val="1"/>
+        </dgm:presLayoutVars>
+      </dgm:prSet>
+      <dgm:spPr/>
+    </dgm:pt>
+    <dgm:pt modelId="{02BB1191-EDD0-4F53-8893-B8DBAC0885F6}" type="pres">
+      <dgm:prSet presAssocID="{401EBB11-D0E9-42B7-BB02-CB48B241423B}" presName="childText" presStyleLbl="revTx" presStyleIdx="1" presStyleCnt="2">
+        <dgm:presLayoutVars>
+          <dgm:bulletEnabled val="1"/>
+        </dgm:presLayoutVars>
+      </dgm:prSet>
+      <dgm:spPr/>
+    </dgm:pt>
+  </dgm:ptLst>
+  <dgm:cxnLst>
+    <dgm:cxn modelId="{D510C504-4EED-4930-AB5F-7E61B23CA09F}" srcId="{6A3D4E39-78F2-4965-B1BA-870DDB729133}" destId="{711A4667-E551-4517-8F01-0A7336E45FDB}" srcOrd="1" destOrd="0" parTransId="{6063D0E6-3A07-41AC-897B-E6DAFA541F1E}" sibTransId="{1003F380-EB43-4B72-BC04-10592DD07F8E}"/>
+    <dgm:cxn modelId="{49A4000C-CD1A-4B72-B372-203CCE462EC3}" srcId="{975365B6-BD36-4996-9589-C587C4B113E8}" destId="{401EBB11-D0E9-42B7-BB02-CB48B241423B}" srcOrd="1" destOrd="0" parTransId="{B0A22D96-1DAB-44F2-B49D-8113F79CD83A}" sibTransId="{38E474A3-3EFF-444E-80D2-4B08A510B60C}"/>
+    <dgm:cxn modelId="{6F8B5F6F-8AAA-4436-A874-9DB198A9F8B8}" type="presOf" srcId="{975365B6-BD36-4996-9589-C587C4B113E8}" destId="{D60319C7-0CDC-4475-8824-65A5106E5946}" srcOrd="0" destOrd="0" presId="urn:microsoft.com/office/officeart/2005/8/layout/vList2"/>
+    <dgm:cxn modelId="{1D580878-4AEC-4450-B518-BB970AB1E8DE}" type="presOf" srcId="{6A3D4E39-78F2-4965-B1BA-870DDB729133}" destId="{D08530E4-3EDA-4404-A202-605168944B18}" srcOrd="0" destOrd="0" presId="urn:microsoft.com/office/officeart/2005/8/layout/vList2"/>
+    <dgm:cxn modelId="{AB00AE7A-B8F6-4EA2-B458-01E05744B966}" srcId="{401EBB11-D0E9-42B7-BB02-CB48B241423B}" destId="{4C010454-C521-456A-896B-32420ACE3D1C}" srcOrd="0" destOrd="0" parTransId="{1792B78B-2DA3-4D1E-A63B-80FD27CDF58B}" sibTransId="{058EE0D9-3A9A-4F8D-9AA5-744E107C1D99}"/>
+    <dgm:cxn modelId="{1849CB7A-645E-4895-AF19-04A3DC67A2D2}" srcId="{6A3D4E39-78F2-4965-B1BA-870DDB729133}" destId="{41D066B1-F328-4BD1-8566-D289C374D1C8}" srcOrd="0" destOrd="0" parTransId="{7DFAB53A-37A2-464E-97F8-2D183BD2CA21}" sibTransId="{2FA21D81-5B0C-42DB-AD25-461E19C933F0}"/>
+    <dgm:cxn modelId="{EA04829E-2A6B-48A1-8C16-FC5BE82DCE28}" type="presOf" srcId="{711A4667-E551-4517-8F01-0A7336E45FDB}" destId="{3016B927-972A-47F6-A651-A76920C63965}" srcOrd="0" destOrd="1" presId="urn:microsoft.com/office/officeart/2005/8/layout/vList2"/>
+    <dgm:cxn modelId="{F2162ABA-3882-419B-B030-281CED1E0558}" type="presOf" srcId="{401EBB11-D0E9-42B7-BB02-CB48B241423B}" destId="{8280B1B8-CD30-4756-BC1D-CF8F9C8EC6A1}" srcOrd="0" destOrd="0" presId="urn:microsoft.com/office/officeart/2005/8/layout/vList2"/>
+    <dgm:cxn modelId="{18D31CBD-DFFD-4112-87F8-67B302E3EC42}" type="presOf" srcId="{41D066B1-F328-4BD1-8566-D289C374D1C8}" destId="{3016B927-972A-47F6-A651-A76920C63965}" srcOrd="0" destOrd="0" presId="urn:microsoft.com/office/officeart/2005/8/layout/vList2"/>
+    <dgm:cxn modelId="{FEBDCCE1-41D2-49C8-A623-6B3C461AD087}" srcId="{975365B6-BD36-4996-9589-C587C4B113E8}" destId="{6A3D4E39-78F2-4965-B1BA-870DDB729133}" srcOrd="0" destOrd="0" parTransId="{D1878E08-CE99-4236-AC94-757951E09827}" sibTransId="{22BCFE1B-E651-46DB-9A17-034F1692FC2A}"/>
+    <dgm:cxn modelId="{F24AFBF7-E1A6-4DDE-AEE7-047E14BF3A9F}" type="presOf" srcId="{4C010454-C521-456A-896B-32420ACE3D1C}" destId="{02BB1191-EDD0-4F53-8893-B8DBAC0885F6}" srcOrd="0" destOrd="0" presId="urn:microsoft.com/office/officeart/2005/8/layout/vList2"/>
+    <dgm:cxn modelId="{AF209EDA-C328-4D25-9F3C-AEEC654C8E37}" type="presParOf" srcId="{D60319C7-0CDC-4475-8824-65A5106E5946}" destId="{D08530E4-3EDA-4404-A202-605168944B18}" srcOrd="0" destOrd="0" presId="urn:microsoft.com/office/officeart/2005/8/layout/vList2"/>
+    <dgm:cxn modelId="{52684362-40A1-4D20-B8E9-FE325F3E1105}" type="presParOf" srcId="{D60319C7-0CDC-4475-8824-65A5106E5946}" destId="{3016B927-972A-47F6-A651-A76920C63965}" srcOrd="1" destOrd="0" presId="urn:microsoft.com/office/officeart/2005/8/layout/vList2"/>
+    <dgm:cxn modelId="{90C0BC79-008E-4F02-B125-6A7003617977}" type="presParOf" srcId="{D60319C7-0CDC-4475-8824-65A5106E5946}" destId="{8280B1B8-CD30-4756-BC1D-CF8F9C8EC6A1}" srcOrd="2" destOrd="0" presId="urn:microsoft.com/office/officeart/2005/8/layout/vList2"/>
+    <dgm:cxn modelId="{CD421374-3FD7-492D-90ED-0E05D96B67AA}" type="presParOf" srcId="{D60319C7-0CDC-4475-8824-65A5106E5946}" destId="{02BB1191-EDD0-4F53-8893-B8DBAC0885F6}" srcOrd="3" destOrd="0" presId="urn:microsoft.com/office/officeart/2005/8/layout/vList2"/>
+  </dgm:cxnLst>
+  <dgm:bg/>
+  <dgm:whole/>
+  <dgm:extLst>
+    <a:ext uri="http://schemas.microsoft.com/office/drawing/2008/diagram">
+      <dsp:dataModelExt xmlns:dsp="http://schemas.microsoft.com/office/drawing/2008/diagram" relId="rId6" minVer="http://schemas.openxmlformats.org/drawingml/2006/diagram"/>
+    </a:ext>
+  </dgm:extLst>
+</dgm:dataModel>
+</file>
+
+<file path=ppt/diagrams/drawing1.xml><?xml version="1.0" encoding="utf-8"?>
+<dsp:drawing xmlns:dgm="http://schemas.openxmlformats.org/drawingml/2006/diagram" xmlns:dsp="http://schemas.microsoft.com/office/drawing/2008/diagram" xmlns:a="http://schemas.openxmlformats.org/drawingml/2006/main">
+  <dsp:spTree>
+    <dsp:nvGrpSpPr>
+      <dsp:cNvPr id="0" name=""/>
+      <dsp:cNvGrpSpPr/>
+    </dsp:nvGrpSpPr>
+    <dsp:grpSpPr/>
+    <dsp:sp modelId="{D08530E4-3EDA-4404-A202-605168944B18}">
+      <dsp:nvSpPr>
+        <dsp:cNvPr id="0" name=""/>
+        <dsp:cNvSpPr/>
+      </dsp:nvSpPr>
+      <dsp:spPr>
+        <a:xfrm>
+          <a:off x="0" y="89075"/>
+          <a:ext cx="10515600" cy="1074060"/>
+        </a:xfrm>
+        <a:prstGeom prst="roundRect">
+          <a:avLst/>
+        </a:prstGeom>
+        <a:solidFill>
+          <a:schemeClr val="accent2">
+            <a:hueOff val="0"/>
+            <a:satOff val="0"/>
+            <a:lumOff val="0"/>
+            <a:alphaOff val="0"/>
+          </a:schemeClr>
+        </a:solidFill>
+        <a:ln w="12700" cap="flat" cmpd="sng" algn="ctr">
+          <a:solidFill>
+            <a:schemeClr val="lt1">
+              <a:hueOff val="0"/>
+              <a:satOff val="0"/>
+              <a:lumOff val="0"/>
+              <a:alphaOff val="0"/>
+            </a:schemeClr>
+          </a:solidFill>
+          <a:prstDash val="solid"/>
+          <a:miter lim="800000"/>
+        </a:ln>
+        <a:effectLst/>
+      </dsp:spPr>
+      <dsp:style>
+        <a:lnRef idx="2">
+          <a:scrgbClr r="0" g="0" b="0"/>
+        </a:lnRef>
+        <a:fillRef idx="1">
+          <a:scrgbClr r="0" g="0" b="0"/>
+        </a:fillRef>
+        <a:effectRef idx="0">
+          <a:scrgbClr r="0" g="0" b="0"/>
+        </a:effectRef>
+        <a:fontRef idx="minor">
+          <a:schemeClr val="lt1"/>
+        </a:fontRef>
+      </dsp:style>
+      <dsp:txBody>
+        <a:bodyPr spcFirstLastPara="0" vert="horz" wrap="square" lIns="102870" tIns="102870" rIns="102870" bIns="102870" numCol="1" spcCol="1270" anchor="ctr" anchorCtr="0">
+          <a:noAutofit/>
+        </a:bodyPr>
+        <a:lstStyle/>
+        <a:p>
+          <a:pPr marL="0" lvl="0" indent="0" algn="l" defTabSz="1200150">
+            <a:lnSpc>
+              <a:spcPct val="90000"/>
+            </a:lnSpc>
+            <a:spcBef>
+              <a:spcPct val="0"/>
+            </a:spcBef>
+            <a:spcAft>
+              <a:spcPct val="35000"/>
+            </a:spcAft>
+            <a:buNone/>
+          </a:pPr>
+          <a:r>
+            <a:rPr lang="en-AU" sz="2700" kern="1200" dirty="0"/>
+            <a:t>Experiment 1 – Compare the performance of a 3D CNN using a voxel-based approach versus a patch-based approach.</a:t>
+          </a:r>
+          <a:endParaRPr lang="en-US" sz="2700" kern="1200" dirty="0"/>
+        </a:p>
+      </dsp:txBody>
+      <dsp:txXfrm>
+        <a:off x="52431" y="141506"/>
+        <a:ext cx="10410738" cy="969198"/>
+      </dsp:txXfrm>
+    </dsp:sp>
+    <dsp:sp modelId="{3016B927-972A-47F6-A651-A76920C63965}">
+      <dsp:nvSpPr>
+        <dsp:cNvPr id="0" name=""/>
+        <dsp:cNvSpPr/>
+      </dsp:nvSpPr>
+      <dsp:spPr>
+        <a:xfrm>
+          <a:off x="0" y="1163135"/>
+          <a:ext cx="10515600" cy="1117799"/>
+        </a:xfrm>
+        <a:prstGeom prst="rect">
+          <a:avLst/>
+        </a:prstGeom>
+        <a:noFill/>
+        <a:ln>
+          <a:noFill/>
+        </a:ln>
+        <a:effectLst/>
+      </dsp:spPr>
+      <dsp:style>
+        <a:lnRef idx="0">
+          <a:scrgbClr r="0" g="0" b="0"/>
+        </a:lnRef>
+        <a:fillRef idx="0">
+          <a:scrgbClr r="0" g="0" b="0"/>
+        </a:fillRef>
+        <a:effectRef idx="0">
+          <a:scrgbClr r="0" g="0" b="0"/>
+        </a:effectRef>
+        <a:fontRef idx="minor"/>
+      </dsp:style>
+      <dsp:txBody>
+        <a:bodyPr spcFirstLastPara="0" vert="horz" wrap="square" lIns="333870" tIns="34290" rIns="192024" bIns="34290" numCol="1" spcCol="1270" anchor="t" anchorCtr="0">
+          <a:noAutofit/>
+        </a:bodyPr>
+        <a:lstStyle/>
+        <a:p>
+          <a:pPr marL="228600" lvl="1" indent="-228600" algn="l" defTabSz="933450">
+            <a:lnSpc>
+              <a:spcPct val="100000"/>
+            </a:lnSpc>
+            <a:spcBef>
+              <a:spcPct val="0"/>
+            </a:spcBef>
+            <a:spcAft>
+              <a:spcPct val="20000"/>
+            </a:spcAft>
+            <a:buChar char="•"/>
+          </a:pPr>
+          <a:r>
+            <a:rPr lang="en-AU" sz="2100" kern="1200" dirty="0"/>
+            <a:t>Hypothesis: The patch-based model will be able to provide more accurate predictions than the voxel-based model.</a:t>
+          </a:r>
+          <a:endParaRPr lang="en-US" sz="2100" kern="1200" dirty="0"/>
+        </a:p>
+        <a:p>
+          <a:pPr marL="228600" lvl="1" indent="-228600" algn="l" defTabSz="933450">
+            <a:lnSpc>
+              <a:spcPct val="100000"/>
+            </a:lnSpc>
+            <a:spcBef>
+              <a:spcPct val="0"/>
+            </a:spcBef>
+            <a:spcAft>
+              <a:spcPct val="20000"/>
+            </a:spcAft>
+            <a:buChar char="•"/>
+          </a:pPr>
+          <a:endParaRPr lang="en-US" sz="2100" kern="1200" dirty="0"/>
+        </a:p>
+      </dsp:txBody>
+      <dsp:txXfrm>
+        <a:off x="0" y="1163135"/>
+        <a:ext cx="10515600" cy="1117799"/>
+      </dsp:txXfrm>
+    </dsp:sp>
+    <dsp:sp modelId="{8280B1B8-CD30-4756-BC1D-CF8F9C8EC6A1}">
+      <dsp:nvSpPr>
+        <dsp:cNvPr id="0" name=""/>
+        <dsp:cNvSpPr/>
+      </dsp:nvSpPr>
+      <dsp:spPr>
+        <a:xfrm>
+          <a:off x="0" y="2280935"/>
+          <a:ext cx="10515600" cy="1074060"/>
+        </a:xfrm>
+        <a:prstGeom prst="roundRect">
+          <a:avLst/>
+        </a:prstGeom>
+        <a:solidFill>
+          <a:schemeClr val="accent2">
+            <a:hueOff val="3021999"/>
+            <a:satOff val="10248"/>
+            <a:lumOff val="10783"/>
+            <a:alphaOff val="0"/>
+          </a:schemeClr>
+        </a:solidFill>
+        <a:ln w="12700" cap="flat" cmpd="sng" algn="ctr">
+          <a:solidFill>
+            <a:schemeClr val="lt1">
+              <a:hueOff val="0"/>
+              <a:satOff val="0"/>
+              <a:lumOff val="0"/>
+              <a:alphaOff val="0"/>
+            </a:schemeClr>
+          </a:solidFill>
+          <a:prstDash val="solid"/>
+          <a:miter lim="800000"/>
+        </a:ln>
+        <a:effectLst/>
+      </dsp:spPr>
+      <dsp:style>
+        <a:lnRef idx="2">
+          <a:scrgbClr r="0" g="0" b="0"/>
+        </a:lnRef>
+        <a:fillRef idx="1">
+          <a:scrgbClr r="0" g="0" b="0"/>
+        </a:fillRef>
+        <a:effectRef idx="0">
+          <a:scrgbClr r="0" g="0" b="0"/>
+        </a:effectRef>
+        <a:fontRef idx="minor">
+          <a:schemeClr val="lt1"/>
+        </a:fontRef>
+      </dsp:style>
+      <dsp:txBody>
+        <a:bodyPr spcFirstLastPara="0" vert="horz" wrap="square" lIns="102870" tIns="102870" rIns="102870" bIns="102870" numCol="1" spcCol="1270" anchor="ctr" anchorCtr="0">
+          <a:noAutofit/>
+        </a:bodyPr>
+        <a:lstStyle/>
+        <a:p>
+          <a:pPr marL="0" lvl="0" indent="0" algn="l" defTabSz="1200150">
+            <a:lnSpc>
+              <a:spcPct val="90000"/>
+            </a:lnSpc>
+            <a:spcBef>
+              <a:spcPct val="0"/>
+            </a:spcBef>
+            <a:spcAft>
+              <a:spcPct val="35000"/>
+            </a:spcAft>
+            <a:buNone/>
+          </a:pPr>
+          <a:r>
+            <a:rPr lang="en-AU" sz="2700" kern="1200" dirty="0"/>
+            <a:t>Experiment 2 – Explore any improvements in model performance that can be attained using different CNN architectures. </a:t>
+          </a:r>
+          <a:endParaRPr lang="en-US" sz="2700" kern="1200" dirty="0"/>
+        </a:p>
+      </dsp:txBody>
+      <dsp:txXfrm>
+        <a:off x="52431" y="2333366"/>
+        <a:ext cx="10410738" cy="969198"/>
+      </dsp:txXfrm>
+    </dsp:sp>
+    <dsp:sp modelId="{02BB1191-EDD0-4F53-8893-B8DBAC0885F6}">
+      <dsp:nvSpPr>
+        <dsp:cNvPr id="0" name=""/>
+        <dsp:cNvSpPr/>
+      </dsp:nvSpPr>
+      <dsp:spPr>
+        <a:xfrm>
+          <a:off x="0" y="3354995"/>
+          <a:ext cx="10515600" cy="950130"/>
+        </a:xfrm>
+        <a:prstGeom prst="rect">
+          <a:avLst/>
+        </a:prstGeom>
+        <a:noFill/>
+        <a:ln>
+          <a:noFill/>
+        </a:ln>
+        <a:effectLst/>
+      </dsp:spPr>
+      <dsp:style>
+        <a:lnRef idx="0">
+          <a:scrgbClr r="0" g="0" b="0"/>
+        </a:lnRef>
+        <a:fillRef idx="0">
+          <a:scrgbClr r="0" g="0" b="0"/>
+        </a:fillRef>
+        <a:effectRef idx="0">
+          <a:scrgbClr r="0" g="0" b="0"/>
+        </a:effectRef>
+        <a:fontRef idx="minor"/>
+      </dsp:style>
+      <dsp:txBody>
+        <a:bodyPr spcFirstLastPara="0" vert="horz" wrap="square" lIns="333870" tIns="34290" rIns="192024" bIns="34290" numCol="1" spcCol="1270" anchor="t" anchorCtr="0">
+          <a:noAutofit/>
+        </a:bodyPr>
+        <a:lstStyle/>
+        <a:p>
+          <a:pPr marL="228600" lvl="1" indent="-228600" algn="l" defTabSz="933450">
+            <a:lnSpc>
+              <a:spcPct val="90000"/>
+            </a:lnSpc>
+            <a:spcBef>
+              <a:spcPct val="0"/>
+            </a:spcBef>
+            <a:spcAft>
+              <a:spcPct val="20000"/>
+            </a:spcAft>
+            <a:buChar char="•"/>
+          </a:pPr>
+          <a:r>
+            <a:rPr lang="en-AU" sz="2100" kern="1200" dirty="0"/>
+            <a:t>Hypothesis: There will be differences in model accuracy between each model. An ensemble method using all the CNN architectures tested will provide the greatest accuracy for our predictions. </a:t>
+          </a:r>
+          <a:endParaRPr lang="en-US" sz="2100" kern="1200" dirty="0"/>
+        </a:p>
+      </dsp:txBody>
+      <dsp:txXfrm>
+        <a:off x="0" y="3354995"/>
+        <a:ext cx="10515600" cy="950130"/>
+      </dsp:txXfrm>
+    </dsp:sp>
+  </dsp:spTree>
+</dsp:drawing>
+</file>
+
+<file path=ppt/diagrams/layout1.xml><?xml version="1.0" encoding="utf-8"?>
+<dgm:layoutDef xmlns:dgm="http://schemas.openxmlformats.org/drawingml/2006/diagram" xmlns:a="http://schemas.openxmlformats.org/drawingml/2006/main" uniqueId="urn:microsoft.com/office/officeart/2005/8/layout/vList2">
+  <dgm:title val=""/>
+  <dgm:desc val=""/>
+  <dgm:catLst>
+    <dgm:cat type="list" pri="3000"/>
+    <dgm:cat type="convert" pri="1000"/>
+  </dgm:catLst>
+  <dgm:sampData>
+    <dgm:dataModel>
+      <dgm:ptLst>
+        <dgm:pt modelId="0" type="doc"/>
+        <dgm:pt modelId="1">
+          <dgm:prSet phldr="1"/>
+        </dgm:pt>
+        <dgm:pt modelId="11">
+          <dgm:prSet phldr="1"/>
+        </dgm:pt>
+        <dgm:pt modelId="2">
+          <dgm:prSet phldr="1"/>
+        </dgm:pt>
+        <dgm:pt modelId="21">
+          <dgm:prSet phldr="1"/>
+        </dgm:pt>
+      </dgm:ptLst>
+      <dgm:cxnLst>
+        <dgm:cxn modelId="4" srcId="0" destId="1" srcOrd="0" destOrd="0"/>
+        <dgm:cxn modelId="5" srcId="0" destId="2" srcOrd="1" destOrd="0"/>
+        <dgm:cxn modelId="12" srcId="1" destId="11" srcOrd="0" destOrd="0"/>
+        <dgm:cxn modelId="23" srcId="2" destId="21" srcOrd="0" destOrd="0"/>
+      </dgm:cxnLst>
+      <dgm:bg/>
+      <dgm:whole/>
+    </dgm:dataModel>
+  </dgm:sampData>
+  <dgm:styleData>
+    <dgm:dataModel>
+      <dgm:ptLst>
+        <dgm:pt modelId="0" type="doc"/>
+        <dgm:pt modelId="1"/>
+        <dgm:pt modelId="2"/>
+      </dgm:ptLst>
+      <dgm:cxnLst>
+        <dgm:cxn modelId="3" srcId="0" destId="1" srcOrd="0" destOrd="0"/>
+        <dgm:cxn modelId="4" srcId="0" destId="2" srcOrd="1" destOrd="0"/>
+      </dgm:cxnLst>
+      <dgm:bg/>
+      <dgm:whole/>
+    </dgm:dataModel>
+  </dgm:styleData>
+  <dgm:clrData>
+    <dgm:dataModel>
+      <dgm:ptLst>
+        <dgm:pt modelId="0" type="doc"/>
+        <dgm:pt modelId="1"/>
+        <dgm:pt modelId="2"/>
+        <dgm:pt modelId="3"/>
+        <dgm:pt modelId="4"/>
+      </dgm:ptLst>
+      <dgm:cxnLst>
+        <dgm:cxn modelId="5" srcId="0" destId="1" srcOrd="0" destOrd="0"/>
+        <dgm:cxn modelId="6" srcId="0" destId="2" srcOrd="1" destOrd="0"/>
+        <dgm:cxn modelId="7" srcId="0" destId="3" srcOrd="2" destOrd="0"/>
+        <dgm:cxn modelId="8" srcId="0" destId="4" srcOrd="3" destOrd="0"/>
+      </dgm:cxnLst>
+      <dgm:bg/>
+      <dgm:whole/>
+    </dgm:dataModel>
+  </dgm:clrData>
+  <dgm:layoutNode name="linear">
+    <dgm:varLst>
+      <dgm:animLvl val="lvl"/>
+      <dgm:resizeHandles val="exact"/>
+    </dgm:varLst>
+    <dgm:alg type="lin">
+      <dgm:param type="linDir" val="fromT"/>
+      <dgm:param type="vertAlign" val="mid"/>
+    </dgm:alg>
+    <dgm:shape xmlns:r="http://schemas.openxmlformats.org/officeDocument/2006/relationships" r:blip="">
+      <dgm:adjLst/>
+    </dgm:shape>
+    <dgm:presOf/>
+    <dgm:constrLst>
+      <dgm:constr type="w" for="ch" forName="parentText" refType="w"/>
+      <dgm:constr type="h" for="ch" forName="parentText" refType="primFontSz" refFor="ch" refForName="parentText" fact="0.52"/>
+      <dgm:constr type="w" for="ch" forName="childText" refType="w"/>
+      <dgm:constr type="h" for="ch" forName="childText" refType="primFontSz" refFor="ch" refForName="parentText" fact="0.46"/>
+      <dgm:constr type="h" for="ch" forName="parentText" op="equ"/>
+      <dgm:constr type="primFontSz" for="ch" forName="parentText" op="equ" val="65"/>
+      <dgm:constr type="primFontSz" for="ch" forName="childText" refType="primFontSz" refFor="ch" refForName="parentText" op="equ"/>
+      <dgm:constr type="h" for="ch" forName="spacer" refType="primFontSz" refFor="ch" refForName="parentText" fact="0.08"/>
+    </dgm:constrLst>
+    <dgm:ruleLst>
+      <dgm:rule type="primFontSz" for="ch" forName="parentText" val="5" fact="NaN" max="NaN"/>
+    </dgm:ruleLst>
+    <dgm:forEach name="Name0" axis="ch" ptType="node">
+      <dgm:layoutNode name="parentText" styleLbl="node1">
+        <dgm:varLst>
+          <dgm:chMax val="0"/>
+          <dgm:bulletEnabled val="1"/>
+        </dgm:varLst>
+        <dgm:alg type="tx">
+          <dgm:param type="parTxLTRAlign" val="l"/>
+          <dgm:param type="parTxRTLAlign" val="r"/>
+        </dgm:alg>
+        <dgm:shape xmlns:r="http://schemas.openxmlformats.org/officeDocument/2006/relationships" type="roundRect" r:blip="">
+          <dgm:adjLst/>
+        </dgm:shape>
+        <dgm:presOf axis="self"/>
+        <dgm:constrLst>
+          <dgm:constr type="tMarg" refType="primFontSz" fact="0.3"/>
+          <dgm:constr type="bMarg" refType="primFontSz" fact="0.3"/>
+          <dgm:constr type="lMarg" refType="primFontSz" fact="0.3"/>
+          <dgm:constr type="rMarg" refType="primFontSz" fact="0.3"/>
+        </dgm:constrLst>
+        <dgm:ruleLst>
+          <dgm:rule type="h" val="INF" fact="NaN" max="NaN"/>
+        </dgm:ruleLst>
+      </dgm:layoutNode>
+      <dgm:choose name="Name1">
+        <dgm:if name="Name2" axis="ch" ptType="node" func="cnt" op="gte" val="1">
+          <dgm:layoutNode name="childText" styleLbl="revTx">
+            <dgm:varLst>
+              <dgm:bulletEnabled val="1"/>
+            </dgm:varLst>
+            <dgm:alg type="tx">
+              <dgm:param type="stBulletLvl" val="1"/>
+              <dgm:param type="lnSpAfChP" val="20"/>
+            </dgm:alg>
+            <dgm:shape xmlns:r="http://schemas.openxmlformats.org/officeDocument/2006/relationships" type="rect" r:blip="">
+              <dgm:adjLst/>
+            </dgm:shape>
+            <dgm:presOf axis="des" ptType="node"/>
+            <dgm:constrLst>
+              <dgm:constr type="tMarg" refType="primFontSz" fact="0.1"/>
+              <dgm:constr type="bMarg" refType="primFontSz" fact="0.1"/>
+              <dgm:constr type="lMarg" refType="w" fact="0.09"/>
+            </dgm:constrLst>
+            <dgm:ruleLst>
+              <dgm:rule type="h" val="INF" fact="NaN" max="NaN"/>
+            </dgm:ruleLst>
+          </dgm:layoutNode>
+        </dgm:if>
+        <dgm:else name="Name3">
+          <dgm:choose name="Name4">
+            <dgm:if name="Name5" axis="par ch" ptType="doc node" func="cnt" op="gte" val="2">
+              <dgm:forEach name="Name6" axis="followSib" ptType="sibTrans" cnt="1">
+                <dgm:layoutNode name="spacer">
+                  <dgm:alg type="sp"/>
+                  <dgm:shape xmlns:r="http://schemas.openxmlformats.org/officeDocument/2006/relationships" r:blip="">
+                    <dgm:adjLst/>
+                  </dgm:shape>
+                  <dgm:presOf/>
+                  <dgm:constrLst/>
+                  <dgm:ruleLst/>
+                </dgm:layoutNode>
+              </dgm:forEach>
+            </dgm:if>
+            <dgm:else name="Name7"/>
+          </dgm:choose>
+        </dgm:else>
+      </dgm:choose>
+    </dgm:forEach>
+  </dgm:layoutNode>
+</dgm:layoutDef>
+</file>
+
+<file path=ppt/diagrams/quickStyle1.xml><?xml version="1.0" encoding="utf-8"?>
+<dgm:styleDef xmlns:dgm="http://schemas.openxmlformats.org/drawingml/2006/diagram" xmlns:a="http://schemas.openxmlformats.org/drawingml/2006/main" uniqueId="urn:microsoft.com/office/officeart/2005/8/quickstyle/simple1">
+  <dgm:title val=""/>
+  <dgm:desc val=""/>
+  <dgm:catLst>
+    <dgm:cat type="simple" pri="10100"/>
+  </dgm:catLst>
+  <dgm:scene3d>
+    <a:camera prst="orthographicFront"/>
+    <a:lightRig rig="threePt" dir="t"/>
+  </dgm:scene3d>
+  <dgm:styleLbl name="node0">
+    <dgm:scene3d>
+      <a:camera prst="orthographicFront"/>
+      <a:lightRig rig="threePt" dir="t"/>
+    </dgm:scene3d>
+    <dgm:sp3d/>
+    <dgm:txPr/>
+    <dgm:style>
+      <a:lnRef idx="2">
+        <a:scrgbClr r="0" g="0" b="0"/>
+      </a:lnRef>
+      <a:fillRef idx="1">
+        <a:scrgbClr r="0" g="0" b="0"/>
+      </a:fillRef>
+      <a:effectRef idx="0">
+        <a:scrgbClr r="0" g="0" b="0"/>
+      </a:effectRef>
+      <a:fontRef idx="minor">
+        <a:schemeClr val="lt1"/>
+      </a:fontRef>
+    </dgm:style>
+  </dgm:styleLbl>
+  <dgm:styleLbl name="lnNode1">
+    <dgm:scene3d>
+      <a:camera prst="orthographicFront"/>
+      <a:lightRig rig="threePt" dir="t"/>
+    </dgm:scene3d>
+    <dgm:sp3d/>
+    <dgm:txPr/>
+    <dgm:style>
+      <a:lnRef idx="2">
+        <a:scrgbClr r="0" g="0" b="0"/>
+      </a:lnRef>
+      <a:fillRef idx="1">
+        <a:scrgbClr r="0" g="0" b="0"/>
+      </a:fillRef>
+      <a:effectRef idx="0">
+        <a:scrgbClr r="0" g="0" b="0"/>
+      </a:effectRef>
+      <a:fontRef idx="minor">
+        <a:schemeClr val="lt1"/>
+      </a:fontRef>
+    </dgm:style>
+  </dgm:styleLbl>
+  <dgm:styleLbl name="vennNode1">
+    <dgm:scene3d>
+      <a:camera prst="orthographicFront"/>
+      <a:lightRig rig="threePt" dir="t"/>
+    </dgm:scene3d>
+    <dgm:sp3d/>
+    <dgm:txPr/>
+    <dgm:style>
+      <a:lnRef idx="2">
+        <a:scrgbClr r="0" g="0" b="0"/>
+      </a:lnRef>
+      <a:fillRef idx="1">
+        <a:scrgbClr r="0" g="0" b="0"/>
+      </a:fillRef>
+      <a:effectRef idx="0">
+        <a:scrgbClr r="0" g="0" b="0"/>
+      </a:effectRef>
+      <a:fontRef idx="minor">
+        <a:schemeClr val="tx1"/>
+      </a:fontRef>
+    </dgm:style>
+  </dgm:styleLbl>
+  <dgm:styleLbl name="alignNode1">
+    <dgm:scene3d>
+      <a:camera prst="orthographicFront"/>
+      <a:lightRig rig="threePt" dir="t"/>
+    </dgm:scene3d>
+    <dgm:sp3d/>
+    <dgm:txPr/>
+    <dgm:style>
+      <a:lnRef idx="2">
+        <a:scrgbClr r="0" g="0" b="0"/>
+      </a:lnRef>
+      <a:fillRef idx="1">
+        <a:scrgbClr r="0" g="0" b="0"/>
+      </a:fillRef>
+      <a:effectRef idx="0">
+        <a:scrgbClr r="0" g="0" b="0"/>
+      </a:effectRef>
+      <a:fontRef idx="minor">
+        <a:schemeClr val="lt1"/>
+      </a:fontRef>
+    </dgm:style>
+  </dgm:styleLbl>
+  <dgm:styleLbl name="node1">
+    <dgm:scene3d>
+      <a:camera prst="orthographicFront"/>
+      <a:lightRig rig="threePt" dir="t"/>
+    </dgm:scene3d>
+    <dgm:sp3d/>
+    <dgm:txPr/>
+    <dgm:style>
+      <a:lnRef idx="2">
+        <a:scrgbClr r="0" g="0" b="0"/>
+      </a:lnRef>
+      <a:fillRef idx="1">
+        <a:scrgbClr r="0" g="0" b="0"/>
+      </a:fillRef>
+      <a:effectRef idx="0">
+        <a:scrgbClr r="0" g="0" b="0"/>
+      </a:effectRef>
+      <a:fontRef idx="minor">
+        <a:schemeClr val="lt1"/>
+      </a:fontRef>
+    </dgm:style>
+  </dgm:styleLbl>
+  <dgm:styleLbl name="node2">
+    <dgm:scene3d>
+      <a:camera prst="orthographicFront"/>
+      <a:lightRig rig="threePt" dir="t"/>
+    </dgm:scene3d>
+    <dgm:sp3d/>
+    <dgm:txPr/>
+    <dgm:style>
+      <a:lnRef idx="2">
+        <a:scrgbClr r="0" g="0" b="0"/>
+      </a:lnRef>
+      <a:fillRef idx="1">
+        <a:scrgbClr r="0" g="0" b="0"/>
+      </a:fillRef>
+      <a:effectRef idx="0">
+        <a:scrgbClr r="0" g="0" b="0"/>
+      </a:effectRef>
+      <a:fontRef idx="minor">
+        <a:schemeClr val="lt1"/>
+      </a:fontRef>
+    </dgm:style>
+  </dgm:styleLbl>
+  <dgm:styleLbl name="node3">
+    <dgm:scene3d>
+      <a:camera prst="orthographicFront"/>
+      <a:lightRig rig="threePt" dir="t"/>
+    </dgm:scene3d>
+    <dgm:sp3d/>
+    <dgm:txPr/>
+    <dgm:style>
+      <a:lnRef idx="2">
+        <a:scrgbClr r="0" g="0" b="0"/>
+      </a:lnRef>
+      <a:fillRef idx="1">
+        <a:scrgbClr r="0" g="0" b="0"/>
+      </a:fillRef>
+      <a:effectRef idx="0">
+        <a:scrgbClr r="0" g="0" b="0"/>
+      </a:effectRef>
+      <a:fontRef idx="minor">
+        <a:schemeClr val="lt1"/>
+      </a:fontRef>
+    </dgm:style>
+  </dgm:styleLbl>
+  <dgm:styleLbl name="node4">
+    <dgm:scene3d>
+      <a:camera prst="orthographicFront"/>
+      <a:lightRig rig="threePt" dir="t"/>
+    </dgm:scene3d>
+    <dgm:sp3d/>
+    <dgm:txPr/>
+    <dgm:style>
+      <a:lnRef idx="2">
+        <a:scrgbClr r="0" g="0" b="0"/>
+      </a:lnRef>
+      <a:fillRef idx="1">
+        <a:scrgbClr r="0" g="0" b="0"/>
+      </a:fillRef>
+      <a:effectRef idx="0">
+        <a:scrgbClr r="0" g="0" b="0"/>
+      </a:effectRef>
+      <a:fontRef idx="minor">
+        <a:schemeClr val="lt1"/>
+      </a:fontRef>
+    </dgm:style>
+  </dgm:styleLbl>
+  <dgm:styleLbl name="fgImgPlace1">
+    <dgm:scene3d>
+      <a:camera prst="orthographicFront"/>
+      <a:lightRig rig="threePt" dir="t"/>
+    </dgm:scene3d>
+    <dgm:sp3d/>
+    <dgm:txPr/>
+    <dgm:style>
+      <a:lnRef idx="2">
+        <a:scrgbClr r="0" g="0" b="0"/>
+      </a:lnRef>
+      <a:fillRef idx="1">
+        <a:scrgbClr r="0" g="0" b="0"/>
+      </a:fillRef>
+      <a:effectRef idx="0">
+        <a:scrgbClr r="0" g="0" b="0"/>
+      </a:effectRef>
+      <a:fontRef idx="minor"/>
+    </dgm:style>
+  </dgm:styleLbl>
+  <dgm:styleLbl name="alignImgPlace1">
+    <dgm:scene3d>
+      <a:camera prst="orthographicFront"/>
+      <a:lightRig rig="threePt" dir="t"/>
+    </dgm:scene3d>
+    <dgm:sp3d/>
+    <dgm:txPr/>
+    <dgm:style>
+      <a:lnRef idx="2">
+        <a:scrgbClr r="0" g="0" b="0"/>
+      </a:lnRef>
+      <a:fillRef idx="1">
+        <a:scrgbClr r="0" g="0" b="0"/>
+      </a:fillRef>
+      <a:effectRef idx="0">
+        <a:scrgbClr r="0" g="0" b="0"/>
+      </a:effectRef>
+      <a:fontRef idx="minor"/>
+    </dgm:style>
+  </dgm:styleLbl>
+  <dgm:styleLbl name="bgImgPlace1">
+    <dgm:scene3d>
+      <a:camera prst="orthographicFront"/>
+      <a:lightRig rig="threePt" dir="t"/>
+    </dgm:scene3d>
+    <dgm:sp3d/>
+    <dgm:txPr/>
+    <dgm:style>
+      <a:lnRef idx="2">
+        <a:scrgbClr r="0" g="0" b="0"/>
+      </a:lnRef>
+      <a:fillRef idx="1">
+        <a:scrgbClr r="0" g="0" b="0"/>
+      </a:fillRef>
+      <a:effectRef idx="0">
+        <a:scrgbClr r="0" g="0" b="0"/>
+      </a:effectRef>
+      <a:fontRef idx="minor"/>
+    </dgm:style>
+  </dgm:styleLbl>
+  <dgm:styleLbl name="sibTrans2D1">
+    <dgm:scene3d>
+      <a:camera prst="orthographicFront"/>
+      <a:lightRig rig="threePt" dir="t"/>
+    </dgm:scene3d>
+    <dgm:sp3d/>
+    <dgm:txPr/>
+    <dgm:style>
+      <a:lnRef idx="0">
+        <a:scrgbClr r="0" g="0" b="0"/>
+      </a:lnRef>
+      <a:fillRef idx="1">
+        <a:scrgbClr r="0" g="0" b="0"/>
+      </a:fillRef>
+      <a:effectRef idx="0">
+        <a:scrgbClr r="0" g="0" b="0"/>
+      </a:effectRef>
+      <a:fontRef idx="minor">
+        <a:schemeClr val="lt1"/>
+      </a:fontRef>
+    </dgm:style>
+  </dgm:styleLbl>
+  <dgm:styleLbl name="fgSibTrans2D1">
+    <dgm:scene3d>
+      <a:camera prst="orthographicFront"/>
+      <a:lightRig rig="threePt" dir="t"/>
+    </dgm:scene3d>
+    <dgm:sp3d/>
+    <dgm:txPr/>
+    <dgm:style>
+      <a:lnRef idx="0">
+        <a:scrgbClr r="0" g="0" b="0"/>
+      </a:lnRef>
+      <a:fillRef idx="1">
+        <a:scrgbClr r="0" g="0" b="0"/>
+      </a:fillRef>
+      <a:effectRef idx="0">
+        <a:scrgbClr r="0" g="0" b="0"/>
+      </a:effectRef>
+      <a:fontRef idx="minor">
+        <a:schemeClr val="lt1"/>
+      </a:fontRef>
+    </dgm:style>
+  </dgm:styleLbl>
+  <dgm:styleLbl name="bgSibTrans2D1">
+    <dgm:scene3d>
+      <a:camera prst="orthographicFront"/>
+      <a:lightRig rig="threePt" dir="t"/>
+    </dgm:scene3d>
+    <dgm:sp3d/>
+    <dgm:txPr/>
+    <dgm:style>
+      <a:lnRef idx="0">
+        <a:scrgbClr r="0" g="0" b="0"/>
+      </a:lnRef>
+      <a:fillRef idx="1">
+        <a:scrgbClr r="0" g="0" b="0"/>
+      </a:fillRef>
+      <a:effectRef idx="0">
+        <a:scrgbClr r="0" g="0" b="0"/>
+      </a:effectRef>
+      <a:fontRef idx="minor">
+        <a:schemeClr val="lt1"/>
+      </a:fontRef>
+    </dgm:style>
+  </dgm:styleLbl>
+  <dgm:styleLbl name="sibTrans1D1">
+    <dgm:scene3d>
+      <a:camera prst="orthographicFront"/>
+      <a:lightRig rig="threePt" dir="t"/>
+    </dgm:scene3d>
+    <dgm:sp3d/>
+    <dgm:txPr/>
+    <dgm:style>
+      <a:lnRef idx="1">
+        <a:scrgbClr r="0" g="0" b="0"/>
+      </a:lnRef>
+      <a:fillRef idx="0">
+        <a:scrgbClr r="0" g="0" b="0"/>
+      </a:fillRef>
+      <a:effectRef idx="0">
+        <a:scrgbClr r="0" g="0" b="0"/>
+      </a:effectRef>
+      <a:fontRef idx="minor"/>
+    </dgm:style>
+  </dgm:styleLbl>
+  <dgm:styleLbl name="callout">
+    <dgm:scene3d>
+      <a:camera prst="orthographicFront"/>
+      <a:lightRig rig="threePt" dir="t"/>
+    </dgm:scene3d>
+    <dgm:sp3d/>
+    <dgm:txPr/>
+    <dgm:style>
+      <a:lnRef idx="2">
+        <a:scrgbClr r="0" g="0" b="0"/>
+      </a:lnRef>
+      <a:fillRef idx="1">
+        <a:scrgbClr r="0" g="0" b="0"/>
+      </a:fillRef>
+      <a:effectRef idx="0">
+        <a:scrgbClr r="0" g="0" b="0"/>
+      </a:effectRef>
+      <a:fontRef idx="minor"/>
+    </dgm:style>
+  </dgm:styleLbl>
+  <dgm:styleLbl name="asst0">
+    <dgm:scene3d>
+      <a:camera prst="orthographicFront"/>
+      <a:lightRig rig="threePt" dir="t"/>
+    </dgm:scene3d>
+    <dgm:sp3d/>
+    <dgm:txPr/>
+    <dgm:style>
+      <a:lnRef idx="2">
+        <a:scrgbClr r="0" g="0" b="0"/>
+      </a:lnRef>
+      <a:fillRef idx="1">
+        <a:scrgbClr r="0" g="0" b="0"/>
+      </a:fillRef>
+      <a:effectRef idx="0">
+        <a:scrgbClr r="0" g="0" b="0"/>
+      </a:effectRef>
+      <a:fontRef idx="minor">
+        <a:schemeClr val="lt1"/>
+      </a:fontRef>
+    </dgm:style>
+  </dgm:styleLbl>
+  <dgm:styleLbl name="asst1">
+    <dgm:scene3d>
+      <a:camera prst="orthographicFront"/>
+      <a:lightRig rig="threePt" dir="t"/>
+    </dgm:scene3d>
+    <dgm:sp3d/>
+    <dgm:txPr/>
+    <dgm:style>
+      <a:lnRef idx="2">
+        <a:scrgbClr r="0" g="0" b="0"/>
+      </a:lnRef>
+      <a:fillRef idx="1">
+        <a:scrgbClr r="0" g="0" b="0"/>
+      </a:fillRef>
+      <a:effectRef idx="0">
+        <a:scrgbClr r="0" g="0" b="0"/>
+      </a:effectRef>
+      <a:fontRef idx="minor">
+        <a:schemeClr val="lt1"/>
+      </a:fontRef>
+    </dgm:style>
+  </dgm:styleLbl>
+  <dgm:styleLbl name="asst2">
+    <dgm:scene3d>
+      <a:camera prst="orthographicFront"/>
+      <a:lightRig rig="threePt" dir="t"/>
+    </dgm:scene3d>
+    <dgm:sp3d/>
+    <dgm:txPr/>
+    <dgm:style>
+      <a:lnRef idx="2">
+        <a:scrgbClr r="0" g="0" b="0"/>
+      </a:lnRef>
+      <a:fillRef idx="1">
+        <a:scrgbClr r="0" g="0" b="0"/>
+      </a:fillRef>
+      <a:effectRef idx="0">
+        <a:scrgbClr r="0" g="0" b="0"/>
+      </a:effectRef>
+      <a:fontRef idx="minor">
+        <a:schemeClr val="lt1"/>
+      </a:fontRef>
+    </dgm:style>
+  </dgm:styleLbl>
+  <dgm:styleLbl name="asst3">
+    <dgm:scene3d>
+      <a:camera prst="orthographicFront"/>
+      <a:lightRig rig="threePt" dir="t"/>
+    </dgm:scene3d>
+    <dgm:sp3d/>
+    <dgm:txPr/>
+    <dgm:style>
+      <a:lnRef idx="2">
+        <a:scrgbClr r="0" g="0" b="0"/>
+      </a:lnRef>
+      <a:fillRef idx="1">
+        <a:scrgbClr r="0" g="0" b="0"/>
+      </a:fillRef>
+      <a:effectRef idx="0">
+        <a:scrgbClr r="0" g="0" b="0"/>
+      </a:effectRef>
+      <a:fontRef idx="minor">
+        <a:schemeClr val="lt1"/>
+      </a:fontRef>
+    </dgm:style>
+  </dgm:styleLbl>
+  <dgm:styleLbl name="asst4">
+    <dgm:scene3d>
+      <a:camera prst="orthographicFront"/>
+      <a:lightRig rig="threePt" dir="t"/>
+    </dgm:scene3d>
+    <dgm:sp3d/>
+    <dgm:txPr/>
+    <dgm:style>
+      <a:lnRef idx="2">
+        <a:scrgbClr r="0" g="0" b="0"/>
+      </a:lnRef>
+      <a:fillRef idx="1">
+        <a:scrgbClr r="0" g="0" b="0"/>
+      </a:fillRef>
+      <a:effectRef idx="0">
+        <a:scrgbClr r="0" g="0" b="0"/>
+      </a:effectRef>
+      <a:fontRef idx="minor">
+        <a:schemeClr val="lt1"/>
+      </a:fontRef>
+    </dgm:style>
+  </dgm:styleLbl>
+  <dgm:styleLbl name="parChTrans2D1">
+    <dgm:scene3d>
+      <a:camera prst="orthographicFront"/>
+      <a:lightRig rig="threePt" dir="t"/>
+    </dgm:scene3d>
+    <dgm:sp3d/>
+    <dgm:txPr/>
+    <dgm:style>
+      <a:lnRef idx="2">
+        <a:scrgbClr r="0" g="0" b="0"/>
+      </a:lnRef>
+      <a:fillRef idx="1">
+        <a:scrgbClr r="0" g="0" b="0"/>
+      </a:fillRef>
+      <a:effectRef idx="0">
+        <a:scrgbClr r="0" g="0" b="0"/>
+      </a:effectRef>
+      <a:fontRef idx="minor">
+        <a:schemeClr val="lt1"/>
+      </a:fontRef>
+    </dgm:style>
+  </dgm:styleLbl>
+  <dgm:styleLbl name="parChTrans2D2">
+    <dgm:scene3d>
+      <a:camera prst="orthographicFront"/>
+      <a:lightRig rig="threePt" dir="t"/>
+    </dgm:scene3d>
+    <dgm:sp3d/>
+    <dgm:txPr/>
+    <dgm:style>
+      <a:lnRef idx="2">
+        <a:scrgbClr r="0" g="0" b="0"/>
+      </a:lnRef>
+      <a:fillRef idx="1">
+        <a:scrgbClr r="0" g="0" b="0"/>
+      </a:fillRef>
+      <a:effectRef idx="0">
+        <a:scrgbClr r="0" g="0" b="0"/>
+      </a:effectRef>
+      <a:fontRef idx="minor">
+        <a:schemeClr val="lt1"/>
+      </a:fontRef>
+    </dgm:style>
+  </dgm:styleLbl>
+  <dgm:styleLbl name="parChTrans2D3">
+    <dgm:scene3d>
+      <a:camera prst="orthographicFront"/>
+      <a:lightRig rig="threePt" dir="t"/>
+    </dgm:scene3d>
+    <dgm:sp3d/>
+    <dgm:txPr/>
+    <dgm:style>
+      <a:lnRef idx="2">
+        <a:scrgbClr r="0" g="0" b="0"/>
+      </a:lnRef>
+      <a:fillRef idx="1">
+        <a:scrgbClr r="0" g="0" b="0"/>
+      </a:fillRef>
+      <a:effectRef idx="0">
+        <a:scrgbClr r="0" g="0" b="0"/>
+      </a:effectRef>
+      <a:fontRef idx="minor">
+        <a:schemeClr val="lt1"/>
+      </a:fontRef>
+    </dgm:style>
+  </dgm:styleLbl>
+  <dgm:styleLbl name="parChTrans2D4">
+    <dgm:scene3d>
+      <a:camera prst="orthographicFront"/>
+      <a:lightRig rig="threePt" dir="t"/>
+    </dgm:scene3d>
+    <dgm:sp3d/>
+    <dgm:txPr/>
+    <dgm:style>
+      <a:lnRef idx="2">
+        <a:scrgbClr r="0" g="0" b="0"/>
+      </a:lnRef>
+      <a:fillRef idx="1">
+        <a:scrgbClr r="0" g="0" b="0"/>
+      </a:fillRef>
+      <a:effectRef idx="0">
+        <a:scrgbClr r="0" g="0" b="0"/>
+      </a:effectRef>
+      <a:fontRef idx="minor">
+        <a:schemeClr val="lt1"/>
+      </a:fontRef>
+    </dgm:style>
+  </dgm:styleLbl>
+  <dgm:styleLbl name="parChTrans1D1">
+    <dgm:scene3d>
+      <a:camera prst="orthographicFront"/>
+      <a:lightRig rig="threePt" dir="t"/>
+    </dgm:scene3d>
+    <dgm:sp3d/>
+    <dgm:txPr/>
+    <dgm:style>
+      <a:lnRef idx="2">
+        <a:scrgbClr r="0" g="0" b="0"/>
+      </a:lnRef>
+      <a:fillRef idx="0">
+        <a:scrgbClr r="0" g="0" b="0"/>
+      </a:fillRef>
+      <a:effectRef idx="0">
+        <a:scrgbClr r="0" g="0" b="0"/>
+      </a:effectRef>
+      <a:fontRef idx="minor"/>
+    </dgm:style>
+  </dgm:styleLbl>
+  <dgm:styleLbl name="parChTrans1D2">
+    <dgm:scene3d>
+      <a:camera prst="orthographicFront"/>
+      <a:lightRig rig="threePt" dir="t"/>
+    </dgm:scene3d>
+    <dgm:sp3d/>
+    <dgm:txPr/>
+    <dgm:style>
+      <a:lnRef idx="2">
+        <a:scrgbClr r="0" g="0" b="0"/>
+      </a:lnRef>
+      <a:fillRef idx="0">
+        <a:scrgbClr r="0" g="0" b="0"/>
+      </a:fillRef>
+      <a:effectRef idx="0">
+        <a:scrgbClr r="0" g="0" b="0"/>
+      </a:effectRef>
+      <a:fontRef idx="minor"/>
+    </dgm:style>
+  </dgm:styleLbl>
+  <dgm:styleLbl name="parChTrans1D3">
+    <dgm:scene3d>
+      <a:camera prst="orthographicFront"/>
+      <a:lightRig rig="threePt" dir="t"/>
+    </dgm:scene3d>
+    <dgm:sp3d/>
+    <dgm:txPr/>
+    <dgm:style>
+      <a:lnRef idx="2">
+        <a:scrgbClr r="0" g="0" b="0"/>
+      </a:lnRef>
+      <a:fillRef idx="0">
+        <a:scrgbClr r="0" g="0" b="0"/>
+      </a:fillRef>
+      <a:effectRef idx="0">
+        <a:scrgbClr r="0" g="0" b="0"/>
+      </a:effectRef>
+      <a:fontRef idx="minor"/>
+    </dgm:style>
+  </dgm:styleLbl>
+  <dgm:styleLbl name="parChTrans1D4">
+    <dgm:scene3d>
+      <a:camera prst="orthographicFront"/>
+      <a:lightRig rig="threePt" dir="t"/>
+    </dgm:scene3d>
+    <dgm:sp3d/>
+    <dgm:txPr/>
+    <dgm:style>
+      <a:lnRef idx="2">
+        <a:scrgbClr r="0" g="0" b="0"/>
+      </a:lnRef>
+      <a:fillRef idx="0">
+        <a:scrgbClr r="0" g="0" b="0"/>
+      </a:fillRef>
+      <a:effectRef idx="0">
+        <a:scrgbClr r="0" g="0" b="0"/>
+      </a:effectRef>
+      <a:fontRef idx="minor"/>
+    </dgm:style>
+  </dgm:styleLbl>
+  <dgm:styleLbl name="fgAcc1">
+    <dgm:scene3d>
+      <a:camera prst="orthographicFront"/>
+      <a:lightRig rig="threePt" dir="t"/>
+    </dgm:scene3d>
+    <dgm:sp3d/>
+    <dgm:txPr/>
+    <dgm:style>
+      <a:lnRef idx="2">
+        <a:scrgbClr r="0" g="0" b="0"/>
+      </a:lnRef>
+      <a:fillRef idx="1">
+        <a:scrgbClr r="0" g="0" b="0"/>
+      </a:fillRef>
+      <a:effectRef idx="0">
+        <a:scrgbClr r="0" g="0" b="0"/>
+      </a:effectRef>
+      <a:fontRef idx="minor"/>
+    </dgm:style>
+  </dgm:styleLbl>
+  <dgm:styleLbl name="conFgAcc1">
+    <dgm:scene3d>
+      <a:camera prst="orthographicFront"/>
+      <a:lightRig rig="threePt" dir="t"/>
+    </dgm:scene3d>
+    <dgm:sp3d/>
+    <dgm:txPr/>
+    <dgm:style>
+      <a:lnRef idx="2">
+        <a:scrgbClr r="0" g="0" b="0"/>
+      </a:lnRef>
+      <a:fillRef idx="1">
+        <a:scrgbClr r="0" g="0" b="0"/>
+      </a:fillRef>
+      <a:effectRef idx="0">
+        <a:scrgbClr r="0" g="0" b="0"/>
+      </a:effectRef>
+      <a:fontRef idx="minor"/>
+    </dgm:style>
+  </dgm:styleLbl>
+  <dgm:styleLbl name="alignAcc1">
+    <dgm:scene3d>
+      <a:camera prst="orthographicFront"/>
+      <a:lightRig rig="threePt" dir="t"/>
+    </dgm:scene3d>
+    <dgm:sp3d/>
+    <dgm:txPr/>
+    <dgm:style>
+      <a:lnRef idx="2">
+        <a:scrgbClr r="0" g="0" b="0"/>
+      </a:lnRef>
+      <a:fillRef idx="1">
+        <a:scrgbClr r="0" g="0" b="0"/>
+      </a:fillRef>
+      <a:effectRef idx="0">
+        <a:scrgbClr r="0" g="0" b="0"/>
+      </a:effectRef>
+      <a:fontRef idx="minor"/>
+    </dgm:style>
+  </dgm:styleLbl>
+  <dgm:styleLbl name="trAlignAcc1">
+    <dgm:scene3d>
+      <a:camera prst="orthographicFront"/>
+      <a:lightRig rig="threePt" dir="t"/>
+    </dgm:scene3d>
+    <dgm:sp3d/>
+    <dgm:txPr/>
+    <dgm:style>
+      <a:lnRef idx="1">
+        <a:scrgbClr r="0" g="0" b="0"/>
+      </a:lnRef>
+      <a:fillRef idx="1">
+        <a:scrgbClr r="0" g="0" b="0"/>
+      </a:fillRef>
+      <a:effectRef idx="0">
+        <a:scrgbClr r="0" g="0" b="0"/>
+      </a:effectRef>
+      <a:fontRef idx="minor"/>
+    </dgm:style>
+  </dgm:styleLbl>
+  <dgm:styleLbl name="bgAcc1">
+    <dgm:scene3d>
+      <a:camera prst="orthographicFront"/>
+      <a:lightRig rig="threePt" dir="t"/>
+    </dgm:scene3d>
+    <dgm:sp3d/>
+    <dgm:txPr/>
+    <dgm:style>
+      <a:lnRef idx="2">
+        <a:scrgbClr r="0" g="0" b="0"/>
+      </a:lnRef>
+      <a:fillRef idx="1">
+        <a:scrgbClr r="0" g="0" b="0"/>
+      </a:fillRef>
+      <a:effectRef idx="0">
+        <a:scrgbClr r="0" g="0" b="0"/>
+      </a:effectRef>
+      <a:fontRef idx="minor"/>
+    </dgm:style>
+  </dgm:styleLbl>
+  <dgm:styleLbl name="solidFgAcc1">
+    <dgm:scene3d>
+      <a:camera prst="orthographicFront"/>
+      <a:lightRig rig="threePt" dir="t"/>
+    </dgm:scene3d>
+    <dgm:sp3d/>
+    <dgm:txPr/>
+    <dgm:style>
+      <a:lnRef idx="2">
+        <a:scrgbClr r="0" g="0" b="0"/>
+      </a:lnRef>
+      <a:fillRef idx="1">
+        <a:scrgbClr r="0" g="0" b="0"/>
+      </a:fillRef>
+      <a:effectRef idx="0">
+        <a:scrgbClr r="0" g="0" b="0"/>
+      </a:effectRef>
+      <a:fontRef idx="minor"/>
+    </dgm:style>
+  </dgm:styleLbl>
+  <dgm:styleLbl name="solidAlignAcc1">
+    <dgm:scene3d>
+      <a:camera prst="orthographicFront"/>
+      <a:lightRig rig="threePt" dir="t"/>
+    </dgm:scene3d>
+    <dgm:sp3d/>
+    <dgm:txPr/>
+    <dgm:style>
+      <a:lnRef idx="2">
+        <a:scrgbClr r="0" g="0" b="0"/>
+      </a:lnRef>
+      <a:fillRef idx="1">
+        <a:scrgbClr r="0" g="0" b="0"/>
+      </a:fillRef>
+      <a:effectRef idx="0">
+        <a:scrgbClr r="0" g="0" b="0"/>
+      </a:effectRef>
+      <a:fontRef idx="minor"/>
+    </dgm:style>
+  </dgm:styleLbl>
+  <dgm:styleLbl name="solidBgAcc1">
+    <dgm:scene3d>
+      <a:camera prst="orthographicFront"/>
+      <a:lightRig rig="threePt" dir="t"/>
+    </dgm:scene3d>
+    <dgm:sp3d/>
+    <dgm:txPr/>
+    <dgm:style>
+      <a:lnRef idx="2">
+        <a:scrgbClr r="0" g="0" b="0"/>
+      </a:lnRef>
+      <a:fillRef idx="1">
+        <a:scrgbClr r="0" g="0" b="0"/>
+      </a:fillRef>
+      <a:effectRef idx="0">
+        <a:scrgbClr r="0" g="0" b="0"/>
+      </a:effectRef>
+      <a:fontRef idx="minor"/>
+    </dgm:style>
+  </dgm:styleLbl>
+  <dgm:styleLbl name="fgAccFollowNode1">
+    <dgm:scene3d>
+      <a:camera prst="orthographicFront"/>
+      <a:lightRig rig="threePt" dir="t"/>
+    </dgm:scene3d>
+    <dgm:sp3d/>
+    <dgm:txPr/>
+    <dgm:style>
+      <a:lnRef idx="2">
+        <a:scrgbClr r="0" g="0" b="0"/>
+      </a:lnRef>
+      <a:fillRef idx="1">
+        <a:scrgbClr r="0" g="0" b="0"/>
+      </a:fillRef>
+      <a:effectRef idx="0">
+        <a:scrgbClr r="0" g="0" b="0"/>
+      </a:effectRef>
+      <a:fontRef idx="minor"/>
+    </dgm:style>
+  </dgm:styleLbl>
+  <dgm:styleLbl name="alignAccFollowNode1">
+    <dgm:scene3d>
+      <a:camera prst="orthographicFront"/>
+      <a:lightRig rig="threePt" dir="t"/>
+    </dgm:scene3d>
+    <dgm:sp3d/>
+    <dgm:txPr/>
+    <dgm:style>
+      <a:lnRef idx="2">
+        <a:scrgbClr r="0" g="0" b="0"/>
+      </a:lnRef>
+      <a:fillRef idx="1">
+        <a:scrgbClr r="0" g="0" b="0"/>
+      </a:fillRef>
+      <a:effectRef idx="0">
+        <a:scrgbClr r="0" g="0" b="0"/>
+      </a:effectRef>
+      <a:fontRef idx="minor"/>
+    </dgm:style>
+  </dgm:styleLbl>
+  <dgm:styleLbl name="bgAccFollowNode1">
+    <dgm:scene3d>
+      <a:camera prst="orthographicFront"/>
+      <a:lightRig rig="threePt" dir="t"/>
+    </dgm:scene3d>
+    <dgm:sp3d/>
+    <dgm:txPr/>
+    <dgm:style>
+      <a:lnRef idx="2">
+        <a:scrgbClr r="0" g="0" b="0"/>
+      </a:lnRef>
+      <a:fillRef idx="1">
+        <a:scrgbClr r="0" g="0" b="0"/>
+      </a:fillRef>
+      <a:effectRef idx="0">
+        <a:scrgbClr r="0" g="0" b="0"/>
+      </a:effectRef>
+      <a:fontRef idx="minor"/>
+    </dgm:style>
+  </dgm:styleLbl>
+  <dgm:styleLbl name="fgAcc0">
+    <dgm:scene3d>
+      <a:camera prst="orthographicFront"/>
+      <a:lightRig rig="threePt" dir="t"/>
+    </dgm:scene3d>
+    <dgm:sp3d/>
+    <dgm:txPr/>
+    <dgm:style>
+      <a:lnRef idx="2">
+        <a:scrgbClr r="0" g="0" b="0"/>
+      </a:lnRef>
+      <a:fillRef idx="1">
+        <a:scrgbClr r="0" g="0" b="0"/>
+      </a:fillRef>
+      <a:effectRef idx="0">
+        <a:scrgbClr r="0" g="0" b="0"/>
+      </a:effectRef>
+      <a:fontRef idx="minor"/>
+    </dgm:style>
+  </dgm:styleLbl>
+  <dgm:styleLbl name="fgAcc2">
+    <dgm:scene3d>
+      <a:camera prst="orthographicFront"/>
+      <a:lightRig rig="threePt" dir="t"/>
+    </dgm:scene3d>
+    <dgm:sp3d/>
+    <dgm:txPr/>
+    <dgm:style>
+      <a:lnRef idx="2">
+        <a:scrgbClr r="0" g="0" b="0"/>
+      </a:lnRef>
+      <a:fillRef idx="1">
+        <a:scrgbClr r="0" g="0" b="0"/>
+      </a:fillRef>
+      <a:effectRef idx="0">
+        <a:scrgbClr r="0" g="0" b="0"/>
+      </a:effectRef>
+      <a:fontRef idx="minor"/>
+    </dgm:style>
+  </dgm:styleLbl>
+  <dgm:styleLbl name="fgAcc3">
+    <dgm:scene3d>
+      <a:camera prst="orthographicFront"/>
+      <a:lightRig rig="threePt" dir="t"/>
+    </dgm:scene3d>
+    <dgm:sp3d/>
+    <dgm:txPr/>
+    <dgm:style>
+      <a:lnRef idx="2">
+        <a:scrgbClr r="0" g="0" b="0"/>
+      </a:lnRef>
+      <a:fillRef idx="1">
+        <a:scrgbClr r="0" g="0" b="0"/>
+      </a:fillRef>
+      <a:effectRef idx="0">
+        <a:scrgbClr r="0" g="0" b="0"/>
+      </a:effectRef>
+      <a:fontRef idx="minor"/>
+    </dgm:style>
+  </dgm:styleLbl>
+  <dgm:styleLbl name="fgAcc4">
+    <dgm:scene3d>
+      <a:camera prst="orthographicFront"/>
+      <a:lightRig rig="threePt" dir="t"/>
+    </dgm:scene3d>
+    <dgm:sp3d/>
+    <dgm:txPr/>
+    <dgm:style>
+      <a:lnRef idx="2">
+        <a:scrgbClr r="0" g="0" b="0"/>
+      </a:lnRef>
+      <a:fillRef idx="1">
+        <a:scrgbClr r="0" g="0" b="0"/>
+      </a:fillRef>
+      <a:effectRef idx="0">
+        <a:scrgbClr r="0" g="0" b="0"/>
+      </a:effectRef>
+      <a:fontRef idx="minor"/>
+    </dgm:style>
+  </dgm:styleLbl>
+  <dgm:styleLbl name="bgShp">
+    <dgm:scene3d>
+      <a:camera prst="orthographicFront"/>
+      <a:lightRig rig="threePt" dir="t"/>
+    </dgm:scene3d>
+    <dgm:sp3d/>
+    <dgm:txPr/>
+    <dgm:style>
+      <a:lnRef idx="0">
+        <a:scrgbClr r="0" g="0" b="0"/>
+      </a:lnRef>
+      <a:fillRef idx="1">
+        <a:scrgbClr r="0" g="0" b="0"/>
+      </a:fillRef>
+      <a:effectRef idx="0">
+        <a:scrgbClr r="0" g="0" b="0"/>
+      </a:effectRef>
+      <a:fontRef idx="minor"/>
+    </dgm:style>
+  </dgm:styleLbl>
+  <dgm:styleLbl name="dkBgShp">
+    <dgm:scene3d>
+      <a:camera prst="orthographicFront"/>
+      <a:lightRig rig="threePt" dir="t"/>
+    </dgm:scene3d>
+    <dgm:sp3d/>
+    <dgm:txPr/>
+    <dgm:style>
+      <a:lnRef idx="0">
+        <a:scrgbClr r="0" g="0" b="0"/>
+      </a:lnRef>
+      <a:fillRef idx="1">
+        <a:scrgbClr r="0" g="0" b="0"/>
+      </a:fillRef>
+      <a:effectRef idx="0">
+        <a:scrgbClr r="0" g="0" b="0"/>
+      </a:effectRef>
+      <a:fontRef idx="minor"/>
+    </dgm:style>
+  </dgm:styleLbl>
+  <dgm:styleLbl name="trBgShp">
+    <dgm:scene3d>
+      <a:camera prst="orthographicFront"/>
+      <a:lightRig rig="threePt" dir="t"/>
+    </dgm:scene3d>
+    <dgm:sp3d/>
+    <dgm:txPr/>
+    <dgm:style>
+      <a:lnRef idx="0">
+        <a:scrgbClr r="0" g="0" b="0"/>
+      </a:lnRef>
+      <a:fillRef idx="1">
+        <a:scrgbClr r="0" g="0" b="0"/>
+      </a:fillRef>
+      <a:effectRef idx="0">
+        <a:scrgbClr r="0" g="0" b="0"/>
+      </a:effectRef>
+      <a:fontRef idx="minor"/>
+    </dgm:style>
+  </dgm:styleLbl>
+  <dgm:styleLbl name="fgShp">
+    <dgm:scene3d>
+      <a:camera prst="orthographicFront"/>
+      <a:lightRig rig="threePt" dir="t"/>
+    </dgm:scene3d>
+    <dgm:sp3d/>
+    <dgm:txPr/>
+    <dgm:style>
+      <a:lnRef idx="2">
+        <a:scrgbClr r="0" g="0" b="0"/>
+      </a:lnRef>
+      <a:fillRef idx="1">
+        <a:scrgbClr r="0" g="0" b="0"/>
+      </a:fillRef>
+      <a:effectRef idx="0">
+        <a:scrgbClr r="0" g="0" b="0"/>
+      </a:effectRef>
+      <a:fontRef idx="minor"/>
+    </dgm:style>
+  </dgm:styleLbl>
+  <dgm:styleLbl name="revTx">
+    <dgm:scene3d>
+      <a:camera prst="orthographicFront"/>
+      <a:lightRig rig="threePt" dir="t"/>
+    </dgm:scene3d>
+    <dgm:sp3d/>
+    <dgm:txPr/>
+    <dgm:style>
+      <a:lnRef idx="0">
+        <a:scrgbClr r="0" g="0" b="0"/>
+      </a:lnRef>
+      <a:fillRef idx="0">
+        <a:scrgbClr r="0" g="0" b="0"/>
+      </a:fillRef>
+      <a:effectRef idx="0">
+        <a:scrgbClr r="0" g="0" b="0"/>
+      </a:effectRef>
+      <a:fontRef idx="minor"/>
+    </dgm:style>
+  </dgm:styleLbl>
+</dgm:styleDef>
 </file>
 
 <file path=ppt/notesMasters/notesMaster1.xml><?xml version="1.0" encoding="utf-8"?>
@@ -643,24 +3195,26 @@
           <a:bodyPr/>
           <a:lstStyle/>
           <a:p>
-            <a:pPr algn="l"/>
+            <a:pPr marL="0" marR="0" lvl="0" indent="0" algn="l" defTabSz="914400" rtl="0" eaLnBrk="1" fontAlgn="auto" latinLnBrk="0" hangingPunct="1">
+              <a:lnSpc>
+                <a:spcPct val="100000"/>
+              </a:lnSpc>
+              <a:spcBef>
+                <a:spcPts val="0"/>
+              </a:spcBef>
+              <a:spcAft>
+                <a:spcPts val="0"/>
+              </a:spcAft>
+              <a:buClrTx/>
+              <a:buSzTx/>
+              <a:buFontTx/>
+              <a:buNone/>
+              <a:tabLst/>
+              <a:defRPr/>
+            </a:pPr>
             <a:r>
               <a:rPr lang="en-AU" dirty="0"/>
-              <a:t>Recently, deep learning has been used to solve many complex medical problems such as detecting Multiple Sclerosis, Alzheimer's disease and various types of cancer [8].</a:t>
-            </a:r>
-          </a:p>
-          <a:p>
-            <a:pPr algn="l"/>
-            <a:r>
-              <a:rPr lang="en-AU" dirty="0"/>
-              <a:t>The interest in deep learning for medical imaging has largely been due to the ability of convolutional neural networks (CNNs) to learn useful representations of complex images.</a:t>
-            </a:r>
-          </a:p>
-          <a:p>
-            <a:pPr algn="l"/>
-            <a:r>
-              <a:rPr lang="en-AU" dirty="0"/>
-              <a:t>Lee et al. [9] found that radiological examinations' retrospective error rate is approximately 30%. As such, automated approaches are becoming necessary.</a:t>
+              <a:t>For a cohort of 100 cognitively normal patients at age 65, it was found that a 20% reduction in the progression rate from normal cognition to MCI would avoid 5.7 cases of MCI and 5.6 cases of AD in the future [3].</a:t>
             </a:r>
           </a:p>
           <a:p>
@@ -685,7 +3239,7 @@
           <a:p>
             <a:fld id="{7971F8A2-233D-4DB7-80D9-304E9A164AF9}" type="slidenum">
               <a:rPr lang="en-AU" smtClean="0"/>
-              <a:t>5</a:t>
+              <a:t>4</a:t>
             </a:fld>
             <a:endParaRPr lang="en-AU"/>
           </a:p>
@@ -694,7 +3248,7 @@
     </p:spTree>
     <p:extLst>
       <p:ext uri="{BB962C8B-B14F-4D97-AF65-F5344CB8AC3E}">
-        <p14:creationId xmlns:p14="http://schemas.microsoft.com/office/powerpoint/2010/main" val="441370729"/>
+        <p14:creationId xmlns:p14="http://schemas.microsoft.com/office/powerpoint/2010/main" val="1879273965"/>
       </p:ext>
     </p:extLst>
   </p:cSld>
@@ -748,6 +3302,27 @@
           <a:bodyPr/>
           <a:lstStyle/>
           <a:p>
+            <a:pPr algn="l"/>
+            <a:r>
+              <a:rPr lang="en-AU" dirty="0"/>
+              <a:t>Recently, deep learning has been used to solve many complex medical problems such as detecting Multiple Sclerosis, Alzheimer's disease and various types of cancer [8].</a:t>
+            </a:r>
+          </a:p>
+          <a:p>
+            <a:pPr algn="l"/>
+            <a:r>
+              <a:rPr lang="en-AU" dirty="0"/>
+              <a:t>The interest in deep learning for medical imaging has largely been due to the ability of convolutional neural networks (CNNs) to learn useful representations of complex images.</a:t>
+            </a:r>
+          </a:p>
+          <a:p>
+            <a:pPr algn="l"/>
+            <a:r>
+              <a:rPr lang="en-AU" dirty="0"/>
+              <a:t>Lee et al. [9] found that radiological examinations' retrospective error rate is approximately 30%. As such, automated approaches are becoming necessary.</a:t>
+            </a:r>
+          </a:p>
+          <a:p>
             <a:endParaRPr lang="en-AU" dirty="0"/>
           </a:p>
         </p:txBody>
@@ -769,6 +3344,90 @@
           <a:p>
             <a:fld id="{7971F8A2-233D-4DB7-80D9-304E9A164AF9}" type="slidenum">
               <a:rPr lang="en-AU" smtClean="0"/>
+              <a:t>5</a:t>
+            </a:fld>
+            <a:endParaRPr lang="en-AU"/>
+          </a:p>
+        </p:txBody>
+      </p:sp>
+    </p:spTree>
+    <p:extLst>
+      <p:ext uri="{BB962C8B-B14F-4D97-AF65-F5344CB8AC3E}">
+        <p14:creationId xmlns:p14="http://schemas.microsoft.com/office/powerpoint/2010/main" val="441370729"/>
+      </p:ext>
+    </p:extLst>
+  </p:cSld>
+  <p:clrMapOvr>
+    <a:masterClrMapping/>
+  </p:clrMapOvr>
+</p:notes>
+</file>
+
+<file path=ppt/notesSlides/notesSlide4.xml><?xml version="1.0" encoding="utf-8"?>
+<p:notes xmlns:a="http://schemas.openxmlformats.org/drawingml/2006/main" xmlns:r="http://schemas.openxmlformats.org/officeDocument/2006/relationships" xmlns:p="http://schemas.openxmlformats.org/presentationml/2006/main">
+  <p:cSld>
+    <p:spTree>
+      <p:nvGrpSpPr>
+        <p:cNvPr id="1" name=""/>
+        <p:cNvGrpSpPr/>
+        <p:nvPr/>
+      </p:nvGrpSpPr>
+      <p:grpSpPr>
+        <a:xfrm>
+          <a:off x="0" y="0"/>
+          <a:ext cx="0" cy="0"/>
+          <a:chOff x="0" y="0"/>
+          <a:chExt cx="0" cy="0"/>
+        </a:xfrm>
+      </p:grpSpPr>
+      <p:sp>
+        <p:nvSpPr>
+          <p:cNvPr id="2" name="Slide Image Placeholder 1"/>
+          <p:cNvSpPr>
+            <a:spLocks noGrp="1" noRot="1" noChangeAspect="1"/>
+          </p:cNvSpPr>
+          <p:nvPr>
+            <p:ph type="sldImg"/>
+          </p:nvPr>
+        </p:nvSpPr>
+        <p:spPr/>
+      </p:sp>
+      <p:sp>
+        <p:nvSpPr>
+          <p:cNvPr id="3" name="Notes Placeholder 2"/>
+          <p:cNvSpPr>
+            <a:spLocks noGrp="1"/>
+          </p:cNvSpPr>
+          <p:nvPr>
+            <p:ph type="body" idx="1"/>
+          </p:nvPr>
+        </p:nvSpPr>
+        <p:spPr/>
+        <p:txBody>
+          <a:bodyPr/>
+          <a:lstStyle/>
+          <a:p>
+            <a:endParaRPr lang="en-AU" dirty="0"/>
+          </a:p>
+        </p:txBody>
+      </p:sp>
+      <p:sp>
+        <p:nvSpPr>
+          <p:cNvPr id="4" name="Slide Number Placeholder 3"/>
+          <p:cNvSpPr>
+            <a:spLocks noGrp="1"/>
+          </p:cNvSpPr>
+          <p:nvPr>
+            <p:ph type="sldNum" sz="quarter" idx="5"/>
+          </p:nvPr>
+        </p:nvSpPr>
+        <p:spPr/>
+        <p:txBody>
+          <a:bodyPr/>
+          <a:lstStyle/>
+          <a:p>
+            <a:fld id="{7971F8A2-233D-4DB7-80D9-304E9A164AF9}" type="slidenum">
+              <a:rPr lang="en-AU" smtClean="0"/>
               <a:t>6</a:t>
             </a:fld>
             <a:endParaRPr lang="en-AU"/>
@@ -779,6 +3438,437 @@
     <p:extLst>
       <p:ext uri="{BB962C8B-B14F-4D97-AF65-F5344CB8AC3E}">
         <p14:creationId xmlns:p14="http://schemas.microsoft.com/office/powerpoint/2010/main" val="2513660104"/>
+      </p:ext>
+    </p:extLst>
+  </p:cSld>
+  <p:clrMapOvr>
+    <a:masterClrMapping/>
+  </p:clrMapOvr>
+</p:notes>
+</file>
+
+<file path=ppt/notesSlides/notesSlide5.xml><?xml version="1.0" encoding="utf-8"?>
+<p:notes xmlns:a="http://schemas.openxmlformats.org/drawingml/2006/main" xmlns:r="http://schemas.openxmlformats.org/officeDocument/2006/relationships" xmlns:p="http://schemas.openxmlformats.org/presentationml/2006/main">
+  <p:cSld>
+    <p:spTree>
+      <p:nvGrpSpPr>
+        <p:cNvPr id="1" name=""/>
+        <p:cNvGrpSpPr/>
+        <p:nvPr/>
+      </p:nvGrpSpPr>
+      <p:grpSpPr>
+        <a:xfrm>
+          <a:off x="0" y="0"/>
+          <a:ext cx="0" cy="0"/>
+          <a:chOff x="0" y="0"/>
+          <a:chExt cx="0" cy="0"/>
+        </a:xfrm>
+      </p:grpSpPr>
+      <p:sp>
+        <p:nvSpPr>
+          <p:cNvPr id="2" name="Slide Image Placeholder 1"/>
+          <p:cNvSpPr>
+            <a:spLocks noGrp="1" noRot="1" noChangeAspect="1"/>
+          </p:cNvSpPr>
+          <p:nvPr>
+            <p:ph type="sldImg"/>
+          </p:nvPr>
+        </p:nvSpPr>
+        <p:spPr/>
+      </p:sp>
+      <p:sp>
+        <p:nvSpPr>
+          <p:cNvPr id="3" name="Notes Placeholder 2"/>
+          <p:cNvSpPr>
+            <a:spLocks noGrp="1"/>
+          </p:cNvSpPr>
+          <p:nvPr>
+            <p:ph type="body" idx="1"/>
+          </p:nvPr>
+        </p:nvSpPr>
+        <p:spPr/>
+        <p:txBody>
+          <a:bodyPr/>
+          <a:lstStyle/>
+          <a:p>
+            <a:endParaRPr lang="en-AU" dirty="0"/>
+          </a:p>
+        </p:txBody>
+      </p:sp>
+      <p:sp>
+        <p:nvSpPr>
+          <p:cNvPr id="4" name="Slide Number Placeholder 3"/>
+          <p:cNvSpPr>
+            <a:spLocks noGrp="1"/>
+          </p:cNvSpPr>
+          <p:nvPr>
+            <p:ph type="sldNum" sz="quarter" idx="5"/>
+          </p:nvPr>
+        </p:nvSpPr>
+        <p:spPr/>
+        <p:txBody>
+          <a:bodyPr/>
+          <a:lstStyle/>
+          <a:p>
+            <a:fld id="{7971F8A2-233D-4DB7-80D9-304E9A164AF9}" type="slidenum">
+              <a:rPr lang="en-AU" smtClean="0"/>
+              <a:t>7</a:t>
+            </a:fld>
+            <a:endParaRPr lang="en-AU"/>
+          </a:p>
+        </p:txBody>
+      </p:sp>
+    </p:spTree>
+    <p:extLst>
+      <p:ext uri="{BB962C8B-B14F-4D97-AF65-F5344CB8AC3E}">
+        <p14:creationId xmlns:p14="http://schemas.microsoft.com/office/powerpoint/2010/main" val="1752509746"/>
+      </p:ext>
+    </p:extLst>
+  </p:cSld>
+  <p:clrMapOvr>
+    <a:masterClrMapping/>
+  </p:clrMapOvr>
+</p:notes>
+</file>
+
+<file path=ppt/notesSlides/notesSlide6.xml><?xml version="1.0" encoding="utf-8"?>
+<p:notes xmlns:a="http://schemas.openxmlformats.org/drawingml/2006/main" xmlns:r="http://schemas.openxmlformats.org/officeDocument/2006/relationships" xmlns:p="http://schemas.openxmlformats.org/presentationml/2006/main">
+  <p:cSld>
+    <p:spTree>
+      <p:nvGrpSpPr>
+        <p:cNvPr id="1" name=""/>
+        <p:cNvGrpSpPr/>
+        <p:nvPr/>
+      </p:nvGrpSpPr>
+      <p:grpSpPr>
+        <a:xfrm>
+          <a:off x="0" y="0"/>
+          <a:ext cx="0" cy="0"/>
+          <a:chOff x="0" y="0"/>
+          <a:chExt cx="0" cy="0"/>
+        </a:xfrm>
+      </p:grpSpPr>
+      <p:sp>
+        <p:nvSpPr>
+          <p:cNvPr id="2" name="Slide Image Placeholder 1"/>
+          <p:cNvSpPr>
+            <a:spLocks noGrp="1" noRot="1" noChangeAspect="1"/>
+          </p:cNvSpPr>
+          <p:nvPr>
+            <p:ph type="sldImg"/>
+          </p:nvPr>
+        </p:nvSpPr>
+        <p:spPr/>
+      </p:sp>
+      <p:sp>
+        <p:nvSpPr>
+          <p:cNvPr id="3" name="Notes Placeholder 2"/>
+          <p:cNvSpPr>
+            <a:spLocks noGrp="1"/>
+          </p:cNvSpPr>
+          <p:nvPr>
+            <p:ph type="body" idx="1"/>
+          </p:nvPr>
+        </p:nvSpPr>
+        <p:spPr/>
+        <p:txBody>
+          <a:bodyPr/>
+          <a:lstStyle/>
+          <a:p>
+            <a:r>
+              <a:rPr lang="en-AU" dirty="0"/>
+              <a:t>Note skull-stripping, </a:t>
+            </a:r>
+            <a:r>
+              <a:rPr lang="en-AU" dirty="0" err="1"/>
+              <a:t>FreeSurfer</a:t>
+            </a:r>
+            <a:r>
+              <a:rPr lang="en-AU" dirty="0"/>
+              <a:t>. Other clinical data also included</a:t>
+            </a:r>
+          </a:p>
+        </p:txBody>
+      </p:sp>
+      <p:sp>
+        <p:nvSpPr>
+          <p:cNvPr id="4" name="Slide Number Placeholder 3"/>
+          <p:cNvSpPr>
+            <a:spLocks noGrp="1"/>
+          </p:cNvSpPr>
+          <p:nvPr>
+            <p:ph type="sldNum" sz="quarter" idx="5"/>
+          </p:nvPr>
+        </p:nvSpPr>
+        <p:spPr/>
+        <p:txBody>
+          <a:bodyPr/>
+          <a:lstStyle/>
+          <a:p>
+            <a:fld id="{7971F8A2-233D-4DB7-80D9-304E9A164AF9}" type="slidenum">
+              <a:rPr lang="en-AU" smtClean="0"/>
+              <a:t>8</a:t>
+            </a:fld>
+            <a:endParaRPr lang="en-AU"/>
+          </a:p>
+        </p:txBody>
+      </p:sp>
+    </p:spTree>
+    <p:extLst>
+      <p:ext uri="{BB962C8B-B14F-4D97-AF65-F5344CB8AC3E}">
+        <p14:creationId xmlns:p14="http://schemas.microsoft.com/office/powerpoint/2010/main" val="2553766585"/>
+      </p:ext>
+    </p:extLst>
+  </p:cSld>
+  <p:clrMapOvr>
+    <a:masterClrMapping/>
+  </p:clrMapOvr>
+</p:notes>
+</file>
+
+<file path=ppt/notesSlides/notesSlide7.xml><?xml version="1.0" encoding="utf-8"?>
+<p:notes xmlns:a="http://schemas.openxmlformats.org/drawingml/2006/main" xmlns:r="http://schemas.openxmlformats.org/officeDocument/2006/relationships" xmlns:p="http://schemas.openxmlformats.org/presentationml/2006/main">
+  <p:cSld>
+    <p:spTree>
+      <p:nvGrpSpPr>
+        <p:cNvPr id="1" name=""/>
+        <p:cNvGrpSpPr/>
+        <p:nvPr/>
+      </p:nvGrpSpPr>
+      <p:grpSpPr>
+        <a:xfrm>
+          <a:off x="0" y="0"/>
+          <a:ext cx="0" cy="0"/>
+          <a:chOff x="0" y="0"/>
+          <a:chExt cx="0" cy="0"/>
+        </a:xfrm>
+      </p:grpSpPr>
+      <p:sp>
+        <p:nvSpPr>
+          <p:cNvPr id="2" name="Slide Image Placeholder 1"/>
+          <p:cNvSpPr>
+            <a:spLocks noGrp="1" noRot="1" noChangeAspect="1"/>
+          </p:cNvSpPr>
+          <p:nvPr>
+            <p:ph type="sldImg"/>
+          </p:nvPr>
+        </p:nvSpPr>
+        <p:spPr/>
+      </p:sp>
+      <p:sp>
+        <p:nvSpPr>
+          <p:cNvPr id="3" name="Notes Placeholder 2"/>
+          <p:cNvSpPr>
+            <a:spLocks noGrp="1"/>
+          </p:cNvSpPr>
+          <p:nvPr>
+            <p:ph type="body" idx="1"/>
+          </p:nvPr>
+        </p:nvSpPr>
+        <p:spPr/>
+        <p:txBody>
+          <a:bodyPr/>
+          <a:lstStyle/>
+          <a:p>
+            <a:endParaRPr lang="en-AU" dirty="0"/>
+          </a:p>
+        </p:txBody>
+      </p:sp>
+      <p:sp>
+        <p:nvSpPr>
+          <p:cNvPr id="4" name="Slide Number Placeholder 3"/>
+          <p:cNvSpPr>
+            <a:spLocks noGrp="1"/>
+          </p:cNvSpPr>
+          <p:nvPr>
+            <p:ph type="sldNum" sz="quarter" idx="5"/>
+          </p:nvPr>
+        </p:nvSpPr>
+        <p:spPr/>
+        <p:txBody>
+          <a:bodyPr/>
+          <a:lstStyle/>
+          <a:p>
+            <a:fld id="{7971F8A2-233D-4DB7-80D9-304E9A164AF9}" type="slidenum">
+              <a:rPr lang="en-AU" smtClean="0"/>
+              <a:t>9</a:t>
+            </a:fld>
+            <a:endParaRPr lang="en-AU"/>
+          </a:p>
+        </p:txBody>
+      </p:sp>
+    </p:spTree>
+    <p:extLst>
+      <p:ext uri="{BB962C8B-B14F-4D97-AF65-F5344CB8AC3E}">
+        <p14:creationId xmlns:p14="http://schemas.microsoft.com/office/powerpoint/2010/main" val="2974386320"/>
+      </p:ext>
+    </p:extLst>
+  </p:cSld>
+  <p:clrMapOvr>
+    <a:masterClrMapping/>
+  </p:clrMapOvr>
+</p:notes>
+</file>
+
+<file path=ppt/notesSlides/notesSlide8.xml><?xml version="1.0" encoding="utf-8"?>
+<p:notes xmlns:a="http://schemas.openxmlformats.org/drawingml/2006/main" xmlns:r="http://schemas.openxmlformats.org/officeDocument/2006/relationships" xmlns:p="http://schemas.openxmlformats.org/presentationml/2006/main">
+  <p:cSld>
+    <p:spTree>
+      <p:nvGrpSpPr>
+        <p:cNvPr id="1" name=""/>
+        <p:cNvGrpSpPr/>
+        <p:nvPr/>
+      </p:nvGrpSpPr>
+      <p:grpSpPr>
+        <a:xfrm>
+          <a:off x="0" y="0"/>
+          <a:ext cx="0" cy="0"/>
+          <a:chOff x="0" y="0"/>
+          <a:chExt cx="0" cy="0"/>
+        </a:xfrm>
+      </p:grpSpPr>
+      <p:sp>
+        <p:nvSpPr>
+          <p:cNvPr id="2" name="Slide Image Placeholder 1"/>
+          <p:cNvSpPr>
+            <a:spLocks noGrp="1" noRot="1" noChangeAspect="1"/>
+          </p:cNvSpPr>
+          <p:nvPr>
+            <p:ph type="sldImg"/>
+          </p:nvPr>
+        </p:nvSpPr>
+        <p:spPr/>
+      </p:sp>
+      <p:sp>
+        <p:nvSpPr>
+          <p:cNvPr id="3" name="Notes Placeholder 2"/>
+          <p:cNvSpPr>
+            <a:spLocks noGrp="1"/>
+          </p:cNvSpPr>
+          <p:nvPr>
+            <p:ph type="body" idx="1"/>
+          </p:nvPr>
+        </p:nvSpPr>
+        <p:spPr/>
+        <p:txBody>
+          <a:bodyPr/>
+          <a:lstStyle/>
+          <a:p>
+            <a:endParaRPr lang="en-AU" dirty="0"/>
+          </a:p>
+        </p:txBody>
+      </p:sp>
+      <p:sp>
+        <p:nvSpPr>
+          <p:cNvPr id="4" name="Slide Number Placeholder 3"/>
+          <p:cNvSpPr>
+            <a:spLocks noGrp="1"/>
+          </p:cNvSpPr>
+          <p:nvPr>
+            <p:ph type="sldNum" sz="quarter" idx="5"/>
+          </p:nvPr>
+        </p:nvSpPr>
+        <p:spPr/>
+        <p:txBody>
+          <a:bodyPr/>
+          <a:lstStyle/>
+          <a:p>
+            <a:fld id="{7971F8A2-233D-4DB7-80D9-304E9A164AF9}" type="slidenum">
+              <a:rPr lang="en-AU" smtClean="0"/>
+              <a:t>13</a:t>
+            </a:fld>
+            <a:endParaRPr lang="en-AU"/>
+          </a:p>
+        </p:txBody>
+      </p:sp>
+    </p:spTree>
+    <p:extLst>
+      <p:ext uri="{BB962C8B-B14F-4D97-AF65-F5344CB8AC3E}">
+        <p14:creationId xmlns:p14="http://schemas.microsoft.com/office/powerpoint/2010/main" val="3087179508"/>
+      </p:ext>
+    </p:extLst>
+  </p:cSld>
+  <p:clrMapOvr>
+    <a:masterClrMapping/>
+  </p:clrMapOvr>
+</p:notes>
+</file>
+
+<file path=ppt/notesSlides/notesSlide9.xml><?xml version="1.0" encoding="utf-8"?>
+<p:notes xmlns:a="http://schemas.openxmlformats.org/drawingml/2006/main" xmlns:r="http://schemas.openxmlformats.org/officeDocument/2006/relationships" xmlns:p="http://schemas.openxmlformats.org/presentationml/2006/main">
+  <p:cSld>
+    <p:spTree>
+      <p:nvGrpSpPr>
+        <p:cNvPr id="1" name=""/>
+        <p:cNvGrpSpPr/>
+        <p:nvPr/>
+      </p:nvGrpSpPr>
+      <p:grpSpPr>
+        <a:xfrm>
+          <a:off x="0" y="0"/>
+          <a:ext cx="0" cy="0"/>
+          <a:chOff x="0" y="0"/>
+          <a:chExt cx="0" cy="0"/>
+        </a:xfrm>
+      </p:grpSpPr>
+      <p:sp>
+        <p:nvSpPr>
+          <p:cNvPr id="2" name="Slide Image Placeholder 1"/>
+          <p:cNvSpPr>
+            <a:spLocks noGrp="1" noRot="1" noChangeAspect="1"/>
+          </p:cNvSpPr>
+          <p:nvPr>
+            <p:ph type="sldImg"/>
+          </p:nvPr>
+        </p:nvSpPr>
+        <p:spPr/>
+      </p:sp>
+      <p:sp>
+        <p:nvSpPr>
+          <p:cNvPr id="3" name="Notes Placeholder 2"/>
+          <p:cNvSpPr>
+            <a:spLocks noGrp="1"/>
+          </p:cNvSpPr>
+          <p:nvPr>
+            <p:ph type="body" idx="1"/>
+          </p:nvPr>
+        </p:nvSpPr>
+        <p:spPr/>
+        <p:txBody>
+          <a:bodyPr/>
+          <a:lstStyle/>
+          <a:p>
+            <a:endParaRPr lang="en-AU" dirty="0"/>
+          </a:p>
+        </p:txBody>
+      </p:sp>
+      <p:sp>
+        <p:nvSpPr>
+          <p:cNvPr id="4" name="Slide Number Placeholder 3"/>
+          <p:cNvSpPr>
+            <a:spLocks noGrp="1"/>
+          </p:cNvSpPr>
+          <p:nvPr>
+            <p:ph type="sldNum" sz="quarter" idx="5"/>
+          </p:nvPr>
+        </p:nvSpPr>
+        <p:spPr/>
+        <p:txBody>
+          <a:bodyPr/>
+          <a:lstStyle/>
+          <a:p>
+            <a:fld id="{7971F8A2-233D-4DB7-80D9-304E9A164AF9}" type="slidenum">
+              <a:rPr lang="en-AU" smtClean="0"/>
+              <a:t>15</a:t>
+            </a:fld>
+            <a:endParaRPr lang="en-AU"/>
+          </a:p>
+        </p:txBody>
+      </p:sp>
+    </p:spTree>
+    <p:extLst>
+      <p:ext uri="{BB962C8B-B14F-4D97-AF65-F5344CB8AC3E}">
+        <p14:creationId xmlns:p14="http://schemas.microsoft.com/office/powerpoint/2010/main" val="3167806544"/>
       </p:ext>
     </p:extLst>
   </p:cSld>
@@ -7201,14 +10291,6 @@
 <file path=ppt/slides/slide1.xml><?xml version="1.0" encoding="utf-8"?>
 <p:sld xmlns:a="http://schemas.openxmlformats.org/drawingml/2006/main" xmlns:r="http://schemas.openxmlformats.org/officeDocument/2006/relationships" xmlns:p="http://schemas.openxmlformats.org/presentationml/2006/main">
   <p:cSld>
-    <p:bg>
-      <p:bgPr>
-        <a:solidFill>
-          <a:schemeClr val="bg1"/>
-        </a:solidFill>
-        <a:effectLst/>
-      </p:bgPr>
-    </p:bg>
     <p:spTree>
       <p:nvGrpSpPr>
         <p:cNvPr id="1" name=""/>
@@ -7223,189 +10305,6 @@
           <a:chExt cx="0" cy="0"/>
         </a:xfrm>
       </p:grpSpPr>
-      <p:sp useBgFill="1">
-        <p:nvSpPr>
-          <p:cNvPr id="22" name="Rectangle 21">
-            <a:extLst>
-              <a:ext uri="{FF2B5EF4-FFF2-40B4-BE49-F238E27FC236}">
-                <a16:creationId xmlns:a16="http://schemas.microsoft.com/office/drawing/2014/main" id="{46187E64-7A77-4D13-A5F4-9AEC282BBB9E}"/>
-              </a:ext>
-              <a:ext uri="{C183D7F6-B498-43B3-948B-1728B52AA6E4}">
-                <adec:decorative xmlns:adec="http://schemas.microsoft.com/office/drawing/2017/decorative" val="1"/>
-              </a:ext>
-            </a:extLst>
-          </p:cNvPr>
-          <p:cNvSpPr>
-            <a:spLocks noGrp="1" noRot="1" noChangeAspect="1" noMove="1" noResize="1" noEditPoints="1" noAdjustHandles="1" noChangeArrowheads="1" noChangeShapeType="1" noTextEdit="1"/>
-          </p:cNvSpPr>
-          <p:nvPr>
-            <p:extLst>
-              <p:ext uri="{386F3935-93C4-4BCD-93E2-E3B085C9AB24}">
-                <p16:designElem xmlns:p16="http://schemas.microsoft.com/office/powerpoint/2015/main" val="1"/>
-              </p:ext>
-            </p:extLst>
-          </p:nvPr>
-        </p:nvSpPr>
-        <p:spPr>
-          <a:xfrm>
-            <a:off x="0" y="0"/>
-            <a:ext cx="12192000" cy="6858000"/>
-          </a:xfrm>
-          <a:prstGeom prst="rect">
-            <a:avLst/>
-          </a:prstGeom>
-          <a:ln>
-            <a:noFill/>
-          </a:ln>
-        </p:spPr>
-        <p:style>
-          <a:lnRef idx="2">
-            <a:schemeClr val="accent1">
-              <a:shade val="50000"/>
-            </a:schemeClr>
-          </a:lnRef>
-          <a:fillRef idx="1">
-            <a:schemeClr val="accent1"/>
-          </a:fillRef>
-          <a:effectRef idx="0">
-            <a:schemeClr val="accent1"/>
-          </a:effectRef>
-          <a:fontRef idx="minor">
-            <a:schemeClr val="lt1"/>
-          </a:fontRef>
-        </p:style>
-        <p:txBody>
-          <a:bodyPr rtlCol="0" anchor="ctr"/>
-          <a:lstStyle/>
-          <a:p>
-            <a:pPr marL="0" marR="0" lvl="0" indent="0" algn="ctr" defTabSz="914400" rtl="0" eaLnBrk="1" fontAlgn="auto" latinLnBrk="0" hangingPunct="1">
-              <a:lnSpc>
-                <a:spcPct val="100000"/>
-              </a:lnSpc>
-              <a:spcBef>
-                <a:spcPts val="0"/>
-              </a:spcBef>
-              <a:spcAft>
-                <a:spcPts val="0"/>
-              </a:spcAft>
-              <a:buClrTx/>
-              <a:buSzTx/>
-              <a:buFontTx/>
-              <a:buNone/>
-              <a:tabLst/>
-              <a:defRPr/>
-            </a:pPr>
-            <a:endParaRPr kumimoji="0" lang="en-US" sz="1800" b="0" i="0" u="none" strike="noStrike" kern="1200" cap="none" spc="0" normalizeH="0" baseline="0" noProof="0">
-              <a:ln>
-                <a:noFill/>
-              </a:ln>
-              <a:solidFill>
-                <a:prstClr val="white"/>
-              </a:solidFill>
-              <a:effectLst/>
-              <a:uLnTx/>
-              <a:uFillTx/>
-              <a:latin typeface="Calibri" panose="020F0502020204030204"/>
-              <a:ea typeface="+mn-ea"/>
-              <a:cs typeface="+mn-cs"/>
-            </a:endParaRPr>
-          </a:p>
-        </p:txBody>
-      </p:sp>
-      <p:sp>
-        <p:nvSpPr>
-          <p:cNvPr id="24" name="!!Arc">
-            <a:extLst>
-              <a:ext uri="{FF2B5EF4-FFF2-40B4-BE49-F238E27FC236}">
-                <a16:creationId xmlns:a16="http://schemas.microsoft.com/office/drawing/2014/main" id="{E2B33195-5BCA-4BB7-A82D-6739522687DD}"/>
-              </a:ext>
-              <a:ext uri="{C183D7F6-B498-43B3-948B-1728B52AA6E4}">
-                <adec:decorative xmlns:adec="http://schemas.microsoft.com/office/drawing/2017/decorative" val="1"/>
-              </a:ext>
-            </a:extLst>
-          </p:cNvPr>
-          <p:cNvSpPr>
-            <a:spLocks noGrp="1" noRot="1" noChangeAspect="1" noMove="1" noResize="1" noEditPoints="1" noAdjustHandles="1" noChangeArrowheads="1" noChangeShapeType="1" noTextEdit="1"/>
-          </p:cNvSpPr>
-          <p:nvPr>
-            <p:extLst>
-              <p:ext uri="{386F3935-93C4-4BCD-93E2-E3B085C9AB24}">
-                <p16:designElem xmlns:p16="http://schemas.microsoft.com/office/powerpoint/2015/main" val="1"/>
-              </p:ext>
-            </p:extLst>
-          </p:nvPr>
-        </p:nvSpPr>
-        <p:spPr>
-          <a:xfrm rot="16604789">
-            <a:off x="675639" y="775849"/>
-            <a:ext cx="2987899" cy="2987899"/>
-          </a:xfrm>
-          <a:prstGeom prst="arc">
-            <a:avLst>
-              <a:gd name="adj1" fmla="val 14455503"/>
-              <a:gd name="adj2" fmla="val 0"/>
-            </a:avLst>
-          </a:prstGeom>
-          <a:ln w="127000" cap="rnd">
-            <a:solidFill>
-              <a:schemeClr val="accent4"/>
-            </a:solidFill>
-            <a:prstDash val="dash"/>
-            <a:miter lim="800000"/>
-          </a:ln>
-        </p:spPr>
-        <p:style>
-          <a:lnRef idx="1">
-            <a:schemeClr val="accent1"/>
-          </a:lnRef>
-          <a:fillRef idx="0">
-            <a:schemeClr val="accent1"/>
-          </a:fillRef>
-          <a:effectRef idx="0">
-            <a:schemeClr val="accent1"/>
-          </a:effectRef>
-          <a:fontRef idx="minor">
-            <a:schemeClr val="tx1"/>
-          </a:fontRef>
-        </p:style>
-        <p:txBody>
-          <a:bodyPr rtlCol="0" anchor="ctr"/>
-          <a:lstStyle/>
-          <a:p>
-            <a:pPr marL="0" marR="0" lvl="0" indent="0" algn="ctr" defTabSz="914400" rtl="0" eaLnBrk="1" fontAlgn="auto" latinLnBrk="0" hangingPunct="1">
-              <a:lnSpc>
-                <a:spcPct val="100000"/>
-              </a:lnSpc>
-              <a:spcBef>
-                <a:spcPts val="0"/>
-              </a:spcBef>
-              <a:spcAft>
-                <a:spcPts val="0"/>
-              </a:spcAft>
-              <a:buClrTx/>
-              <a:buSzTx/>
-              <a:buFontTx/>
-              <a:buNone/>
-              <a:tabLst/>
-              <a:defRPr/>
-            </a:pPr>
-            <a:endParaRPr kumimoji="0" lang="en-US" sz="1800" b="0" i="0" u="none" strike="noStrike" kern="1200" cap="none" spc="0" normalizeH="0" baseline="0" noProof="0">
-              <a:ln>
-                <a:noFill/>
-              </a:ln>
-              <a:solidFill>
-                <a:srgbClr val="000000"/>
-              </a:solidFill>
-              <a:effectLst/>
-              <a:uLnTx/>
-              <a:uFillTx/>
-              <a:latin typeface="Calibri" panose="020F0502020204030204"/>
-              <a:ea typeface="+mn-ea"/>
-              <a:cs typeface="+mn-cs"/>
-            </a:endParaRPr>
-          </a:p>
-        </p:txBody>
-      </p:sp>
       <p:sp>
         <p:nvSpPr>
           <p:cNvPr id="2" name="Title 1">
@@ -7436,9 +10335,10 @@
           <a:p>
             <a:pPr algn="l"/>
             <a:r>
-              <a:rPr lang="en-AU" sz="3600" dirty="0"/>
+              <a:rPr lang="en-AU" sz="3600"/>
               <a:t>Predicting Conversion from Normal Cognition to Cognitive Impairment</a:t>
             </a:r>
+            <a:endParaRPr lang="en-AU" sz="3600" dirty="0"/>
           </a:p>
         </p:txBody>
       </p:sp>
@@ -7476,7 +10376,7 @@
               </a:lnSpc>
             </a:pPr>
             <a:r>
-              <a:rPr lang="en-AU" sz="3400" dirty="0"/>
+              <a:rPr lang="en-AU" sz="3400"/>
               <a:t>Justin Bardwell </a:t>
             </a:r>
           </a:p>
@@ -7486,7 +10386,7 @@
                 <a:spcPct val="120000"/>
               </a:lnSpc>
             </a:pPr>
-            <a:endParaRPr lang="en-AU" sz="100" dirty="0"/>
+            <a:endParaRPr lang="en-AU" sz="100"/>
           </a:p>
           <a:p>
             <a:pPr algn="l">
@@ -7495,7 +10395,7 @@
               </a:lnSpc>
             </a:pPr>
             <a:r>
-              <a:rPr lang="en-AU" sz="2600" dirty="0"/>
+              <a:rPr lang="en-AU" sz="2600"/>
               <a:t>Supervisors: </a:t>
             </a:r>
           </a:p>
@@ -7506,7 +10406,7 @@
               </a:lnSpc>
             </a:pPr>
             <a:r>
-              <a:rPr lang="en-AU" sz="2300" dirty="0"/>
+              <a:rPr lang="en-AU" sz="2300"/>
               <a:t>Ghulam Mubashar Hassan </a:t>
             </a:r>
           </a:p>
@@ -7517,7 +10417,7 @@
               </a:lnSpc>
             </a:pPr>
             <a:r>
-              <a:rPr lang="en-AU" sz="2300" dirty="0"/>
+              <a:rPr lang="en-AU" sz="2300"/>
               <a:t>Farzaneh Salami </a:t>
             </a:r>
           </a:p>
@@ -7528,101 +10428,39 @@
               </a:lnSpc>
             </a:pPr>
             <a:r>
-              <a:rPr lang="en-AU" sz="2300" dirty="0"/>
+              <a:rPr lang="en-AU" sz="2300"/>
               <a:t>Naveed Akhtar</a:t>
             </a:r>
+            <a:endParaRPr lang="en-AU" sz="2300" dirty="0"/>
           </a:p>
         </p:txBody>
       </p:sp>
       <p:sp>
         <p:nvSpPr>
-          <p:cNvPr id="26" name="!!Oval">
+          <p:cNvPr id="5" name="Slide Number Placeholder 4">
             <a:extLst>
               <a:ext uri="{FF2B5EF4-FFF2-40B4-BE49-F238E27FC236}">
-                <a16:creationId xmlns:a16="http://schemas.microsoft.com/office/drawing/2014/main" id="{CF8AD9F3-9AF6-494F-83A3-2F677563935C}"/>
-              </a:ext>
-              <a:ext uri="{C183D7F6-B498-43B3-948B-1728B52AA6E4}">
-                <adec:decorative xmlns:adec="http://schemas.microsoft.com/office/drawing/2017/decorative" val="1"/>
+                <a16:creationId xmlns:a16="http://schemas.microsoft.com/office/drawing/2014/main" id="{11652D06-A357-4361-B8C6-BC20858D3D92}"/>
               </a:ext>
             </a:extLst>
           </p:cNvPr>
           <p:cNvSpPr>
-            <a:spLocks noGrp="1" noRot="1" noChangeAspect="1" noMove="1" noResize="1" noEditPoints="1" noAdjustHandles="1" noChangeArrowheads="1" noChangeShapeType="1" noTextEdit="1"/>
+            <a:spLocks noGrp="1"/>
           </p:cNvSpPr>
           <p:nvPr>
-            <p:extLst>
-              <p:ext uri="{386F3935-93C4-4BCD-93E2-E3B085C9AB24}">
-                <p16:designElem xmlns:p16="http://schemas.microsoft.com/office/powerpoint/2015/main" val="1"/>
-              </p:ext>
-            </p:extLst>
+            <p:ph type="sldNum" sz="quarter" idx="12"/>
           </p:nvPr>
         </p:nvSpPr>
-        <p:spPr>
-          <a:xfrm>
-            <a:off x="10349802" y="832686"/>
-            <a:ext cx="1104943" cy="1074969"/>
-          </a:xfrm>
-          <a:prstGeom prst="ellipse">
-            <a:avLst/>
-          </a:prstGeom>
-          <a:solidFill>
-            <a:schemeClr val="accent2"/>
-          </a:solidFill>
-          <a:ln>
-            <a:noFill/>
-          </a:ln>
-        </p:spPr>
-        <p:style>
-          <a:lnRef idx="2">
-            <a:schemeClr val="accent1">
-              <a:shade val="50000"/>
-            </a:schemeClr>
-          </a:lnRef>
-          <a:fillRef idx="1">
-            <a:schemeClr val="accent1"/>
-          </a:fillRef>
-          <a:effectRef idx="0">
-            <a:schemeClr val="accent1"/>
-          </a:effectRef>
-          <a:fontRef idx="minor">
-            <a:schemeClr val="lt1"/>
-          </a:fontRef>
-        </p:style>
+        <p:spPr/>
         <p:txBody>
-          <a:bodyPr rtlCol="0" anchor="ctr"/>
+          <a:bodyPr/>
           <a:lstStyle/>
           <a:p>
-            <a:pPr marL="0" marR="0" lvl="0" indent="0" algn="ctr" defTabSz="914400" rtl="0" eaLnBrk="1" fontAlgn="auto" latinLnBrk="0" hangingPunct="1">
-              <a:lnSpc>
-                <a:spcPct val="100000"/>
-              </a:lnSpc>
-              <a:spcBef>
-                <a:spcPts val="0"/>
-              </a:spcBef>
-              <a:spcAft>
-                <a:spcPts val="0"/>
-              </a:spcAft>
-              <a:buClrTx/>
-              <a:buSzTx/>
-              <a:buFontTx/>
-              <a:buNone/>
-              <a:tabLst/>
-              <a:defRPr/>
-            </a:pPr>
-            <a:endParaRPr kumimoji="0" lang="en-US" sz="1800" b="0" i="0" u="none" strike="noStrike" kern="1200" cap="none" spc="0" normalizeH="0" baseline="0" noProof="0">
-              <a:ln>
-                <a:noFill/>
-              </a:ln>
-              <a:solidFill>
-                <a:srgbClr val="FFFFFF"/>
-              </a:solidFill>
-              <a:effectLst/>
-              <a:uLnTx/>
-              <a:uFillTx/>
-              <a:latin typeface="Calibri" panose="020F0502020204030204"/>
-              <a:ea typeface="+mn-ea"/>
-              <a:cs typeface="+mn-cs"/>
-            </a:endParaRPr>
+            <a:fld id="{4854181D-6920-4594-9A5D-6CE56DC9F8B2}" type="slidenum">
+              <a:rPr lang="en-US" smtClean="0"/>
+              <a:t>1</a:t>
+            </a:fld>
+            <a:endParaRPr lang="en-US"/>
           </a:p>
         </p:txBody>
       </p:sp>
@@ -7641,8 +10479,14 @@
           <p:nvPr/>
         </p:nvPicPr>
         <p:blipFill rotWithShape="1">
-          <a:blip r:embed="rId3"/>
-          <a:srcRect l="2500" r="4" b="4"/>
+          <a:blip r:embed="rId3">
+            <a:extLst>
+              <a:ext uri="{28A0092B-C50C-407E-A947-70E740481C1C}">
+                <a14:useLocalDpi xmlns:a14="http://schemas.microsoft.com/office/drawing/2010/main" val="0"/>
+              </a:ext>
+            </a:extLst>
+          </a:blip>
+          <a:srcRect l="5616" r="5616"/>
           <a:stretch/>
         </p:blipFill>
         <p:spPr>
@@ -7687,12 +10531,50 @@
           </a:custGeom>
         </p:spPr>
       </p:pic>
-      <p:sp>
+    </p:spTree>
+    <p:extLst>
+      <p:ext uri="{BB962C8B-B14F-4D97-AF65-F5344CB8AC3E}">
+        <p14:creationId xmlns:p14="http://schemas.microsoft.com/office/powerpoint/2010/main" val="3158214099"/>
+      </p:ext>
+    </p:extLst>
+  </p:cSld>
+  <p:clrMapOvr>
+    <a:masterClrMapping/>
+  </p:clrMapOvr>
+</p:sld>
+</file>
+
+<file path=ppt/slides/slide10.xml><?xml version="1.0" encoding="utf-8"?>
+<p:sld xmlns:a="http://schemas.openxmlformats.org/drawingml/2006/main" xmlns:r="http://schemas.openxmlformats.org/officeDocument/2006/relationships" xmlns:p="http://schemas.openxmlformats.org/presentationml/2006/main">
+  <p:cSld>
+    <p:bg>
+      <p:bgPr>
+        <a:solidFill>
+          <a:schemeClr val="bg1"/>
+        </a:solidFill>
+        <a:effectLst/>
+      </p:bgPr>
+    </p:bg>
+    <p:spTree>
+      <p:nvGrpSpPr>
+        <p:cNvPr id="1" name=""/>
+        <p:cNvGrpSpPr/>
+        <p:nvPr/>
+      </p:nvGrpSpPr>
+      <p:grpSpPr>
+        <a:xfrm>
+          <a:off x="0" y="0"/>
+          <a:ext cx="0" cy="0"/>
+          <a:chOff x="0" y="0"/>
+          <a:chExt cx="0" cy="0"/>
+        </a:xfrm>
+      </p:grpSpPr>
+      <p:sp useBgFill="1">
         <p:nvSpPr>
-          <p:cNvPr id="28" name="!!Rectangle">
+          <p:cNvPr id="10" name="Rectangle 9">
             <a:extLst>
               <a:ext uri="{FF2B5EF4-FFF2-40B4-BE49-F238E27FC236}">
-                <a16:creationId xmlns:a16="http://schemas.microsoft.com/office/drawing/2014/main" id="{0DA5DB8B-7E5C-4ABC-8069-A9A8806F3976}"/>
+                <a16:creationId xmlns:a16="http://schemas.microsoft.com/office/drawing/2014/main" id="{7DA1F35B-C8F7-4A5A-9339-7DA4D785B300}"/>
               </a:ext>
               <a:ext uri="{C183D7F6-B498-43B3-948B-1728B52AA6E4}">
                 <adec:decorative xmlns:adec="http://schemas.microsoft.com/office/drawing/2017/decorative" val="1"/>
@@ -7712,18 +10594,14 @@
         </p:nvSpPr>
         <p:spPr>
           <a:xfrm>
-            <a:off x="6817806" y="4790720"/>
-            <a:ext cx="876704" cy="876704"/>
+            <a:off x="0" y="0"/>
+            <a:ext cx="12188952" cy="6858000"/>
           </a:xfrm>
           <a:prstGeom prst="rect">
             <a:avLst/>
           </a:prstGeom>
-          <a:noFill/>
-          <a:ln w="127000">
-            <a:solidFill>
-              <a:schemeClr val="accent6"/>
-            </a:solidFill>
-            <a:round/>
+          <a:ln>
+            <a:noFill/>
           </a:ln>
         </p:spPr>
         <p:style>
@@ -7768,7 +10646,7 @@
                 <a:noFill/>
               </a:ln>
               <a:solidFill>
-                <a:srgbClr val="FFFFFF"/>
+                <a:prstClr val="white"/>
               </a:solidFill>
               <a:effectLst/>
               <a:uLnTx/>
@@ -7782,63 +10660,97 @@
       </p:sp>
       <p:sp>
         <p:nvSpPr>
-          <p:cNvPr id="5" name="Slide Number Placeholder 4">
+          <p:cNvPr id="12" name="Arc 11">
             <a:extLst>
               <a:ext uri="{FF2B5EF4-FFF2-40B4-BE49-F238E27FC236}">
-                <a16:creationId xmlns:a16="http://schemas.microsoft.com/office/drawing/2014/main" id="{11652D06-A357-4361-B8C6-BC20858D3D92}"/>
+                <a16:creationId xmlns:a16="http://schemas.microsoft.com/office/drawing/2014/main" id="{B2D4AD41-40DA-4A81-92F5-B6E3BA1ED82A}"/>
+              </a:ext>
+              <a:ext uri="{C183D7F6-B498-43B3-948B-1728B52AA6E4}">
+                <adec:decorative xmlns:adec="http://schemas.microsoft.com/office/drawing/2017/decorative" val="1"/>
               </a:ext>
             </a:extLst>
           </p:cNvPr>
           <p:cNvSpPr>
-            <a:spLocks noGrp="1"/>
+            <a:spLocks noGrp="1" noRot="1" noChangeAspect="1" noMove="1" noResize="1" noEditPoints="1" noAdjustHandles="1" noChangeArrowheads="1" noChangeShapeType="1" noTextEdit="1"/>
           </p:cNvSpPr>
           <p:nvPr>
-            <p:ph type="sldNum" sz="quarter" idx="12"/>
+            <p:extLst>
+              <p:ext uri="{386F3935-93C4-4BCD-93E2-E3B085C9AB24}">
+                <p16:designElem xmlns:p16="http://schemas.microsoft.com/office/powerpoint/2015/main" val="1"/>
+              </p:ext>
+            </p:extLst>
           </p:nvPr>
         </p:nvSpPr>
-        <p:spPr/>
+        <p:spPr>
+          <a:xfrm rot="20746107">
+            <a:off x="8175088" y="457951"/>
+            <a:ext cx="2987899" cy="2987899"/>
+          </a:xfrm>
+          <a:prstGeom prst="arc">
+            <a:avLst>
+              <a:gd name="adj1" fmla="val 14612914"/>
+              <a:gd name="adj2" fmla="val 0"/>
+            </a:avLst>
+          </a:prstGeom>
+          <a:ln w="127000" cap="rnd">
+            <a:solidFill>
+              <a:schemeClr val="accent4"/>
+            </a:solidFill>
+            <a:prstDash val="dash"/>
+          </a:ln>
+        </p:spPr>
+        <p:style>
+          <a:lnRef idx="1">
+            <a:schemeClr val="accent1"/>
+          </a:lnRef>
+          <a:fillRef idx="0">
+            <a:schemeClr val="accent1"/>
+          </a:fillRef>
+          <a:effectRef idx="0">
+            <a:schemeClr val="accent1"/>
+          </a:effectRef>
+          <a:fontRef idx="minor">
+            <a:schemeClr val="tx1"/>
+          </a:fontRef>
+        </p:style>
         <p:txBody>
-          <a:bodyPr/>
+          <a:bodyPr rtlCol="0" anchor="ctr"/>
           <a:lstStyle/>
           <a:p>
-            <a:fld id="{4854181D-6920-4594-9A5D-6CE56DC9F8B2}" type="slidenum">
-              <a:rPr lang="en-US" smtClean="0"/>
-              <a:t>1</a:t>
-            </a:fld>
-            <a:endParaRPr lang="en-US"/>
+            <a:pPr marL="0" marR="0" lvl="0" indent="0" algn="ctr" defTabSz="914400" rtl="0" eaLnBrk="1" fontAlgn="auto" latinLnBrk="0" hangingPunct="1">
+              <a:lnSpc>
+                <a:spcPct val="100000"/>
+              </a:lnSpc>
+              <a:spcBef>
+                <a:spcPts val="0"/>
+              </a:spcBef>
+              <a:spcAft>
+                <a:spcPts val="0"/>
+              </a:spcAft>
+              <a:buClrTx/>
+              <a:buSzTx/>
+              <a:buFontTx/>
+              <a:buNone/>
+              <a:tabLst/>
+              <a:defRPr/>
+            </a:pPr>
+            <a:endParaRPr kumimoji="0" lang="en-US" sz="1800" b="0" i="0" u="none" strike="noStrike" kern="1200" cap="none" spc="0" normalizeH="0" baseline="0" noProof="0">
+              <a:ln>
+                <a:noFill/>
+              </a:ln>
+              <a:solidFill>
+                <a:srgbClr val="000000"/>
+              </a:solidFill>
+              <a:effectLst/>
+              <a:uLnTx/>
+              <a:uFillTx/>
+              <a:latin typeface="Calibri" panose="020F0502020204030204"/>
+              <a:ea typeface="+mn-ea"/>
+              <a:cs typeface="+mn-cs"/>
+            </a:endParaRPr>
           </a:p>
         </p:txBody>
       </p:sp>
-    </p:spTree>
-    <p:extLst>
-      <p:ext uri="{BB962C8B-B14F-4D97-AF65-F5344CB8AC3E}">
-        <p14:creationId xmlns:p14="http://schemas.microsoft.com/office/powerpoint/2010/main" val="3737382026"/>
-      </p:ext>
-    </p:extLst>
-  </p:cSld>
-  <p:clrMapOvr>
-    <a:masterClrMapping/>
-  </p:clrMapOvr>
-</p:sld>
-</file>
-
-<file path=ppt/slides/slide10.xml><?xml version="1.0" encoding="utf-8"?>
-<p:sld xmlns:a="http://schemas.openxmlformats.org/drawingml/2006/main" xmlns:r="http://schemas.openxmlformats.org/officeDocument/2006/relationships" xmlns:p="http://schemas.openxmlformats.org/presentationml/2006/main">
-  <p:cSld>
-    <p:spTree>
-      <p:nvGrpSpPr>
-        <p:cNvPr id="1" name=""/>
-        <p:cNvGrpSpPr/>
-        <p:nvPr/>
-      </p:nvGrpSpPr>
-      <p:grpSpPr>
-        <a:xfrm>
-          <a:off x="0" y="0"/>
-          <a:ext cx="0" cy="0"/>
-          <a:chOff x="0" y="0"/>
-          <a:chExt cx="0" cy="0"/>
-        </a:xfrm>
-      </p:grpSpPr>
       <p:sp>
         <p:nvSpPr>
           <p:cNvPr id="2" name="Title 1">
@@ -7855,113 +10767,23 @@
             <p:ph type="title"/>
           </p:nvPr>
         </p:nvSpPr>
-        <p:spPr/>
-        <p:txBody>
-          <a:bodyPr/>
-          <a:lstStyle/>
-          <a:p>
-            <a:r>
-              <a:rPr lang="en-AU" dirty="0"/>
-              <a:t>Experiments and Hypotheses</a:t>
-            </a:r>
-          </a:p>
-        </p:txBody>
-      </p:sp>
-      <p:sp>
-        <p:nvSpPr>
-          <p:cNvPr id="3" name="Content Placeholder 2">
-            <a:extLst>
-              <a:ext uri="{FF2B5EF4-FFF2-40B4-BE49-F238E27FC236}">
-                <a16:creationId xmlns:a16="http://schemas.microsoft.com/office/drawing/2014/main" id="{47E2B03F-DB1F-4B6E-BC47-AA35B4897087}"/>
-              </a:ext>
-            </a:extLst>
-          </p:cNvPr>
-          <p:cNvSpPr>
-            <a:spLocks noGrp="1"/>
-          </p:cNvSpPr>
-          <p:nvPr>
-            <p:ph idx="1"/>
-          </p:nvPr>
-        </p:nvSpPr>
         <p:spPr>
           <a:xfrm>
-            <a:off x="838199" y="1825625"/>
-            <a:ext cx="10784305" cy="3859742"/>
+            <a:off x="838200" y="365125"/>
+            <a:ext cx="10515600" cy="1325563"/>
           </a:xfrm>
         </p:spPr>
         <p:txBody>
           <a:bodyPr>
-            <a:normAutofit fontScale="92500" lnSpcReduction="20000"/>
+            <a:normAutofit/>
           </a:bodyPr>
           <a:lstStyle/>
           <a:p>
-            <a:pPr algn="l">
-              <a:lnSpc>
-                <a:spcPct val="110000"/>
-              </a:lnSpc>
-            </a:pPr>
+            <a:pPr algn="ctr"/>
             <a:r>
               <a:rPr lang="en-AU" dirty="0"/>
-              <a:t>Experiment 1 – Compare the performance of a 3D CNN using a voxel-based approach versus a patch-based approach.</a:t>
-            </a:r>
-          </a:p>
-          <a:p>
-            <a:pPr lvl="1">
-              <a:lnSpc>
-                <a:spcPct val="110000"/>
-              </a:lnSpc>
-            </a:pPr>
-            <a:r>
-              <a:rPr lang="en-AU" dirty="0"/>
-              <a:t>Hypothesis: The patch-based model will be able to provide more accurate predictions than the voxel-based model.</a:t>
-            </a:r>
-          </a:p>
-          <a:p>
-            <a:pPr marL="457200" lvl="1" indent="0">
-              <a:lnSpc>
-                <a:spcPct val="110000"/>
-              </a:lnSpc>
-              <a:buNone/>
-            </a:pPr>
-            <a:endParaRPr lang="en-AU" sz="2200" dirty="0"/>
-          </a:p>
-          <a:p>
-            <a:pPr algn="l">
-              <a:lnSpc>
-                <a:spcPct val="110000"/>
-              </a:lnSpc>
-            </a:pPr>
-            <a:r>
-              <a:rPr lang="en-AU" dirty="0"/>
-              <a:t>Experiment 2 – Explore any improvements in model performance that can be attained using different CNN architectures. </a:t>
-            </a:r>
-          </a:p>
-          <a:p>
-            <a:pPr lvl="1">
-              <a:lnSpc>
-                <a:spcPct val="110000"/>
-              </a:lnSpc>
-            </a:pPr>
-            <a:r>
-              <a:rPr lang="en-AU" dirty="0"/>
-              <a:t>Hypothesis: There will be differences in model accuracy between each model. An ensemble method using all of the CNN architectures tested will provide the greatest accuracy for our predictions. </a:t>
-            </a:r>
-          </a:p>
-          <a:p>
-            <a:pPr lvl="2">
-              <a:lnSpc>
-                <a:spcPct val="110000"/>
-              </a:lnSpc>
-            </a:pPr>
-            <a:endParaRPr lang="en-AU" dirty="0"/>
-          </a:p>
-          <a:p>
-            <a:pPr lvl="2">
-              <a:lnSpc>
-                <a:spcPct val="110000"/>
-              </a:lnSpc>
-            </a:pPr>
-            <a:endParaRPr lang="en-AU" dirty="0"/>
+              <a:t>Experiments and Hypotheses</a:t>
+            </a:r>
           </a:p>
         </p:txBody>
       </p:sp>
@@ -7981,23 +10803,83 @@
             <p:ph type="sldNum" sz="quarter" idx="12"/>
           </p:nvPr>
         </p:nvSpPr>
-        <p:spPr/>
+        <p:spPr>
+          <a:xfrm>
+            <a:off x="8610600" y="6356350"/>
+            <a:ext cx="2743200" cy="365125"/>
+          </a:xfrm>
+        </p:spPr>
         <p:txBody>
-          <a:bodyPr/>
+          <a:bodyPr>
+            <a:normAutofit/>
+          </a:bodyPr>
           <a:lstStyle/>
           <a:p>
+            <a:pPr>
+              <a:spcAft>
+                <a:spcPts val="600"/>
+              </a:spcAft>
+            </a:pPr>
             <a:fld id="{4854181D-6920-4594-9A5D-6CE56DC9F8B2}" type="slidenum">
-              <a:rPr lang="en-US" smtClean="0"/>
+              <a:rPr lang="en-US" smtClean="0">
+                <a:solidFill>
+                  <a:prstClr val="black">
+                    <a:tint val="75000"/>
+                  </a:prstClr>
+                </a:solidFill>
+              </a:rPr>
+              <a:pPr>
+                <a:spcAft>
+                  <a:spcPts val="600"/>
+                </a:spcAft>
+              </a:pPr>
               <a:t>10</a:t>
             </a:fld>
-            <a:endParaRPr lang="en-US"/>
+            <a:endParaRPr lang="en-US">
+              <a:solidFill>
+                <a:prstClr val="black">
+                  <a:tint val="75000"/>
+                </a:prstClr>
+              </a:solidFill>
+            </a:endParaRPr>
           </a:p>
         </p:txBody>
       </p:sp>
+      <p:graphicFrame>
+        <p:nvGraphicFramePr>
+          <p:cNvPr id="6" name="Content Placeholder 2">
+            <a:extLst>
+              <a:ext uri="{FF2B5EF4-FFF2-40B4-BE49-F238E27FC236}">
+                <a16:creationId xmlns:a16="http://schemas.microsoft.com/office/drawing/2014/main" id="{4A935747-D8D6-44D7-B62E-002BDA4C2BE5}"/>
+              </a:ext>
+            </a:extLst>
+          </p:cNvPr>
+          <p:cNvGraphicFramePr>
+            <a:graphicFrameLocks noGrp="1"/>
+          </p:cNvGraphicFramePr>
+          <p:nvPr>
+            <p:ph idx="1"/>
+            <p:extLst>
+              <p:ext uri="{D42A27DB-BD31-4B8C-83A1-F6EECF244321}">
+                <p14:modId xmlns:p14="http://schemas.microsoft.com/office/powerpoint/2010/main" val="2083693077"/>
+              </p:ext>
+            </p:extLst>
+          </p:nvPr>
+        </p:nvGraphicFramePr>
+        <p:xfrm>
+          <a:off x="838200" y="1825625"/>
+          <a:ext cx="10515600" cy="4394200"/>
+        </p:xfrm>
+        <a:graphic>
+          <a:graphicData uri="http://schemas.openxmlformats.org/drawingml/2006/diagram">
+            <dgm:relIds xmlns:dgm="http://schemas.openxmlformats.org/drawingml/2006/diagram" xmlns:r="http://schemas.openxmlformats.org/officeDocument/2006/relationships" r:dm="rId2" r:lo="rId3" r:qs="rId4" r:cs="rId5"/>
+          </a:graphicData>
+        </a:graphic>
+      </p:graphicFrame>
     </p:spTree>
     <p:extLst>
       <p:ext uri="{BB962C8B-B14F-4D97-AF65-F5344CB8AC3E}">
-        <p14:creationId xmlns:p14="http://schemas.microsoft.com/office/powerpoint/2010/main" val="2653186714"/>
+        <p14:creationId xmlns:p14="http://schemas.microsoft.com/office/powerpoint/2010/main" val="3252683117"/>
       </p:ext>
     </p:extLst>
   </p:cSld>
@@ -8068,7 +10950,12 @@
             <p:ph idx="1"/>
           </p:nvPr>
         </p:nvSpPr>
-        <p:spPr/>
+        <p:spPr>
+          <a:xfrm>
+            <a:off x="838200" y="1825625"/>
+            <a:ext cx="10515600" cy="1999622"/>
+          </a:xfrm>
+        </p:spPr>
         <p:txBody>
           <a:bodyPr/>
           <a:lstStyle/>
@@ -8155,10 +11042,132 @@
           </a:p>
         </p:txBody>
       </p:sp>
+      <p:grpSp>
+        <p:nvGrpSpPr>
+          <p:cNvPr id="9" name="Group 8">
+            <a:extLst>
+              <a:ext uri="{FF2B5EF4-FFF2-40B4-BE49-F238E27FC236}">
+                <a16:creationId xmlns:a16="http://schemas.microsoft.com/office/drawing/2014/main" id="{FB82F311-2923-4D99-AF8B-2BC55A88FFDC}"/>
+              </a:ext>
+            </a:extLst>
+          </p:cNvPr>
+          <p:cNvGrpSpPr/>
+          <p:nvPr/>
+        </p:nvGrpSpPr>
+        <p:grpSpPr>
+          <a:xfrm>
+            <a:off x="1250183" y="3205424"/>
+            <a:ext cx="1999621" cy="1999622"/>
+            <a:chOff x="1517302" y="3667648"/>
+            <a:chExt cx="1999621" cy="1999622"/>
+          </a:xfrm>
+        </p:grpSpPr>
+        <p:sp>
+          <p:nvSpPr>
+            <p:cNvPr id="8" name="Cube 7">
+              <a:extLst>
+                <a:ext uri="{FF2B5EF4-FFF2-40B4-BE49-F238E27FC236}">
+                  <a16:creationId xmlns:a16="http://schemas.microsoft.com/office/drawing/2014/main" id="{6574FD65-1C14-42B2-8D38-2C326DBD7DEB}"/>
+                </a:ext>
+              </a:extLst>
+            </p:cNvPr>
+            <p:cNvSpPr/>
+            <p:nvPr/>
+          </p:nvSpPr>
+          <p:spPr>
+            <a:xfrm>
+              <a:off x="1517302" y="3667648"/>
+              <a:ext cx="1999621" cy="1999622"/>
+            </a:xfrm>
+            <a:prstGeom prst="cube">
+              <a:avLst/>
+            </a:prstGeom>
+            <a:solidFill>
+              <a:schemeClr val="bg1">
+                <a:lumMod val="75000"/>
+              </a:schemeClr>
+            </a:solidFill>
+            <a:ln>
+              <a:solidFill>
+                <a:schemeClr val="tx1"/>
+              </a:solidFill>
+            </a:ln>
+          </p:spPr>
+          <p:style>
+            <a:lnRef idx="2">
+              <a:schemeClr val="accent1">
+                <a:shade val="50000"/>
+              </a:schemeClr>
+            </a:lnRef>
+            <a:fillRef idx="1">
+              <a:schemeClr val="accent1"/>
+            </a:fillRef>
+            <a:effectRef idx="0">
+              <a:schemeClr val="accent1"/>
+            </a:effectRef>
+            <a:fontRef idx="minor">
+              <a:schemeClr val="lt1"/>
+            </a:fontRef>
+          </p:style>
+          <p:txBody>
+            <a:bodyPr rtlCol="0" anchor="ctr"/>
+            <a:lstStyle/>
+            <a:p>
+              <a:pPr algn="ctr"/>
+              <a:endParaRPr lang="en-AU"/>
+            </a:p>
+          </p:txBody>
+        </p:sp>
+        <p:pic>
+          <p:nvPicPr>
+            <p:cNvPr id="5122" name="Picture 2">
+              <a:extLst>
+                <a:ext uri="{FF2B5EF4-FFF2-40B4-BE49-F238E27FC236}">
+                  <a16:creationId xmlns:a16="http://schemas.microsoft.com/office/drawing/2014/main" id="{DCED2118-BE91-41F9-803D-203BBBFA9FF9}"/>
+                </a:ext>
+              </a:extLst>
+            </p:cNvPr>
+            <p:cNvPicPr>
+              <a:picLocks noChangeAspect="1" noChangeArrowheads="1"/>
+            </p:cNvPicPr>
+            <p:nvPr/>
+          </p:nvPicPr>
+          <p:blipFill rotWithShape="1">
+            <a:blip r:embed="rId2">
+              <a:extLst>
+                <a:ext uri="{28A0092B-C50C-407E-A947-70E740481C1C}">
+                  <a14:useLocalDpi xmlns:a14="http://schemas.microsoft.com/office/drawing/2010/main" val="0"/>
+                </a:ext>
+              </a:extLst>
+            </a:blip>
+            <a:srcRect l="12247" t="17918" r="18337" b="12666"/>
+            <a:stretch/>
+          </p:blipFill>
+          <p:spPr bwMode="auto">
+            <a:xfrm>
+              <a:off x="1527351" y="4170066"/>
+              <a:ext cx="1497204" cy="1497204"/>
+            </a:xfrm>
+            <a:prstGeom prst="rect">
+              <a:avLst/>
+            </a:prstGeom>
+            <a:noFill/>
+            <a:extLst>
+              <a:ext uri="{909E8E84-426E-40DD-AFC4-6F175D3DCCD1}">
+                <a14:hiddenFill xmlns:a14="http://schemas.microsoft.com/office/drawing/2010/main">
+                  <a:solidFill>
+                    <a:srgbClr val="FFFFFF"/>
+                  </a:solidFill>
+                </a14:hiddenFill>
+              </a:ext>
+            </a:extLst>
+          </p:spPr>
+        </p:pic>
+      </p:grpSp>
     </p:spTree>
     <p:extLst>
       <p:ext uri="{BB962C8B-B14F-4D97-AF65-F5344CB8AC3E}">
-        <p14:creationId xmlns:p14="http://schemas.microsoft.com/office/powerpoint/2010/main" val="1315281082"/>
+        <p14:creationId xmlns:p14="http://schemas.microsoft.com/office/powerpoint/2010/main" val="483892010"/>
       </p:ext>
     </p:extLst>
   </p:cSld>
@@ -8229,12 +11238,7 @@
             <p:ph idx="1"/>
           </p:nvPr>
         </p:nvSpPr>
-        <p:spPr>
-          <a:xfrm>
-            <a:off x="838200" y="1825625"/>
-            <a:ext cx="10515600" cy="3859213"/>
-          </a:xfrm>
-        </p:spPr>
+        <p:spPr/>
         <p:txBody>
           <a:bodyPr/>
           <a:lstStyle/>
@@ -8324,10 +11328,376 @@
           </a:p>
         </p:txBody>
       </p:sp>
+      <p:grpSp>
+        <p:nvGrpSpPr>
+          <p:cNvPr id="4" name="Group 3">
+            <a:extLst>
+              <a:ext uri="{FF2B5EF4-FFF2-40B4-BE49-F238E27FC236}">
+                <a16:creationId xmlns:a16="http://schemas.microsoft.com/office/drawing/2014/main" id="{5C2D732B-8E99-42CA-BEE0-88E1C6384DDF}"/>
+              </a:ext>
+            </a:extLst>
+          </p:cNvPr>
+          <p:cNvGrpSpPr/>
+          <p:nvPr/>
+        </p:nvGrpSpPr>
+        <p:grpSpPr>
+          <a:xfrm>
+            <a:off x="1069007" y="1825625"/>
+            <a:ext cx="769841" cy="773027"/>
+            <a:chOff x="1722150" y="4411226"/>
+            <a:chExt cx="769841" cy="773027"/>
+          </a:xfrm>
+        </p:grpSpPr>
+        <p:sp>
+          <p:nvSpPr>
+            <p:cNvPr id="10" name="Cube 9">
+              <a:extLst>
+                <a:ext uri="{FF2B5EF4-FFF2-40B4-BE49-F238E27FC236}">
+                  <a16:creationId xmlns:a16="http://schemas.microsoft.com/office/drawing/2014/main" id="{F0B196FE-3654-4699-BA2A-F0306F32B9C3}"/>
+                </a:ext>
+              </a:extLst>
+            </p:cNvPr>
+            <p:cNvSpPr/>
+            <p:nvPr/>
+          </p:nvSpPr>
+          <p:spPr>
+            <a:xfrm>
+              <a:off x="1722150" y="4411226"/>
+              <a:ext cx="769841" cy="773027"/>
+            </a:xfrm>
+            <a:prstGeom prst="cube">
+              <a:avLst/>
+            </a:prstGeom>
+            <a:solidFill>
+              <a:schemeClr val="bg1">
+                <a:lumMod val="75000"/>
+              </a:schemeClr>
+            </a:solidFill>
+            <a:ln>
+              <a:solidFill>
+                <a:schemeClr val="tx1"/>
+              </a:solidFill>
+            </a:ln>
+          </p:spPr>
+          <p:style>
+            <a:lnRef idx="2">
+              <a:schemeClr val="accent1">
+                <a:shade val="50000"/>
+              </a:schemeClr>
+            </a:lnRef>
+            <a:fillRef idx="1">
+              <a:schemeClr val="accent1"/>
+            </a:fillRef>
+            <a:effectRef idx="0">
+              <a:schemeClr val="accent1"/>
+            </a:effectRef>
+            <a:fontRef idx="minor">
+              <a:schemeClr val="lt1"/>
+            </a:fontRef>
+          </p:style>
+          <p:txBody>
+            <a:bodyPr rtlCol="0" anchor="ctr"/>
+            <a:lstStyle/>
+            <a:p>
+              <a:pPr algn="ctr"/>
+              <a:endParaRPr lang="en-AU"/>
+            </a:p>
+          </p:txBody>
+        </p:sp>
+        <p:pic>
+          <p:nvPicPr>
+            <p:cNvPr id="14" name="Picture 2">
+              <a:extLst>
+                <a:ext uri="{FF2B5EF4-FFF2-40B4-BE49-F238E27FC236}">
+                  <a16:creationId xmlns:a16="http://schemas.microsoft.com/office/drawing/2014/main" id="{BB6770F9-7D62-454C-90BF-A1A106E99C7C}"/>
+                </a:ext>
+              </a:extLst>
+            </p:cNvPr>
+            <p:cNvPicPr>
+              <a:picLocks noChangeAspect="1" noChangeArrowheads="1"/>
+            </p:cNvPicPr>
+            <p:nvPr/>
+          </p:nvPicPr>
+          <p:blipFill rotWithShape="1">
+            <a:blip r:embed="rId2">
+              <a:extLst>
+                <a:ext uri="{28A0092B-C50C-407E-A947-70E740481C1C}">
+                  <a14:useLocalDpi xmlns:a14="http://schemas.microsoft.com/office/drawing/2010/main" val="0"/>
+                </a:ext>
+              </a:extLst>
+            </a:blip>
+            <a:srcRect l="12246" t="17918" r="53046" b="47374"/>
+            <a:stretch/>
+          </p:blipFill>
+          <p:spPr bwMode="auto">
+            <a:xfrm>
+              <a:off x="1722150" y="4608253"/>
+              <a:ext cx="576000" cy="576000"/>
+            </a:xfrm>
+            <a:prstGeom prst="rect">
+              <a:avLst/>
+            </a:prstGeom>
+            <a:noFill/>
+            <a:extLst>
+              <a:ext uri="{909E8E84-426E-40DD-AFC4-6F175D3DCCD1}">
+                <a14:hiddenFill xmlns:a14="http://schemas.microsoft.com/office/drawing/2010/main">
+                  <a:solidFill>
+                    <a:srgbClr val="FFFFFF"/>
+                  </a:solidFill>
+                </a14:hiddenFill>
+              </a:ext>
+            </a:extLst>
+          </p:spPr>
+        </p:pic>
+      </p:grpSp>
+      <p:grpSp>
+        <p:nvGrpSpPr>
+          <p:cNvPr id="17" name="Group 16">
+            <a:extLst>
+              <a:ext uri="{FF2B5EF4-FFF2-40B4-BE49-F238E27FC236}">
+                <a16:creationId xmlns:a16="http://schemas.microsoft.com/office/drawing/2014/main" id="{EDE17E02-6443-4824-BD6C-7F8F20496F19}"/>
+              </a:ext>
+            </a:extLst>
+          </p:cNvPr>
+          <p:cNvGrpSpPr/>
+          <p:nvPr/>
+        </p:nvGrpSpPr>
+        <p:grpSpPr>
+          <a:xfrm>
+            <a:off x="1069006" y="2775957"/>
+            <a:ext cx="769841" cy="773027"/>
+            <a:chOff x="1722150" y="4411226"/>
+            <a:chExt cx="769841" cy="773027"/>
+          </a:xfrm>
+        </p:grpSpPr>
+        <p:sp>
+          <p:nvSpPr>
+            <p:cNvPr id="18" name="Cube 17">
+              <a:extLst>
+                <a:ext uri="{FF2B5EF4-FFF2-40B4-BE49-F238E27FC236}">
+                  <a16:creationId xmlns:a16="http://schemas.microsoft.com/office/drawing/2014/main" id="{4EA10F3C-C088-4F3C-99BA-DBF26CB60AC0}"/>
+                </a:ext>
+              </a:extLst>
+            </p:cNvPr>
+            <p:cNvSpPr/>
+            <p:nvPr/>
+          </p:nvSpPr>
+          <p:spPr>
+            <a:xfrm>
+              <a:off x="1722150" y="4411226"/>
+              <a:ext cx="769841" cy="773027"/>
+            </a:xfrm>
+            <a:prstGeom prst="cube">
+              <a:avLst/>
+            </a:prstGeom>
+            <a:solidFill>
+              <a:schemeClr val="bg1">
+                <a:lumMod val="75000"/>
+              </a:schemeClr>
+            </a:solidFill>
+            <a:ln>
+              <a:solidFill>
+                <a:schemeClr val="tx1"/>
+              </a:solidFill>
+            </a:ln>
+          </p:spPr>
+          <p:style>
+            <a:lnRef idx="2">
+              <a:schemeClr val="accent1">
+                <a:shade val="50000"/>
+              </a:schemeClr>
+            </a:lnRef>
+            <a:fillRef idx="1">
+              <a:schemeClr val="accent1"/>
+            </a:fillRef>
+            <a:effectRef idx="0">
+              <a:schemeClr val="accent1"/>
+            </a:effectRef>
+            <a:fontRef idx="minor">
+              <a:schemeClr val="lt1"/>
+            </a:fontRef>
+          </p:style>
+          <p:txBody>
+            <a:bodyPr rtlCol="0" anchor="ctr"/>
+            <a:lstStyle/>
+            <a:p>
+              <a:pPr algn="ctr"/>
+              <a:endParaRPr lang="en-AU"/>
+            </a:p>
+          </p:txBody>
+        </p:sp>
+        <p:pic>
+          <p:nvPicPr>
+            <p:cNvPr id="19" name="Picture 2">
+              <a:extLst>
+                <a:ext uri="{FF2B5EF4-FFF2-40B4-BE49-F238E27FC236}">
+                  <a16:creationId xmlns:a16="http://schemas.microsoft.com/office/drawing/2014/main" id="{9DC79AB1-B064-4537-B24C-0B85F0210E22}"/>
+                </a:ext>
+              </a:extLst>
+            </p:cNvPr>
+            <p:cNvPicPr>
+              <a:picLocks noChangeAspect="1" noChangeArrowheads="1"/>
+            </p:cNvPicPr>
+            <p:nvPr/>
+          </p:nvPicPr>
+          <p:blipFill>
+            <a:blip r:embed="rId3">
+              <a:extLst>
+                <a:ext uri="{28A0092B-C50C-407E-A947-70E740481C1C}">
+                  <a14:useLocalDpi xmlns:a14="http://schemas.microsoft.com/office/drawing/2010/main" val="0"/>
+                </a:ext>
+              </a:extLst>
+            </a:blip>
+            <a:srcRect/>
+            <a:stretch/>
+          </p:blipFill>
+          <p:spPr bwMode="auto">
+            <a:xfrm>
+              <a:off x="1722150" y="4608253"/>
+              <a:ext cx="576000" cy="576000"/>
+            </a:xfrm>
+            <a:prstGeom prst="rect">
+              <a:avLst/>
+            </a:prstGeom>
+            <a:noFill/>
+            <a:extLst>
+              <a:ext uri="{909E8E84-426E-40DD-AFC4-6F175D3DCCD1}">
+                <a14:hiddenFill xmlns:a14="http://schemas.microsoft.com/office/drawing/2010/main">
+                  <a:solidFill>
+                    <a:srgbClr val="FFFFFF"/>
+                  </a:solidFill>
+                </a14:hiddenFill>
+              </a:ext>
+            </a:extLst>
+          </p:spPr>
+        </p:pic>
+      </p:grpSp>
+      <p:grpSp>
+        <p:nvGrpSpPr>
+          <p:cNvPr id="20" name="Group 19">
+            <a:extLst>
+              <a:ext uri="{FF2B5EF4-FFF2-40B4-BE49-F238E27FC236}">
+                <a16:creationId xmlns:a16="http://schemas.microsoft.com/office/drawing/2014/main" id="{7EB0B388-757C-4F85-B35F-68115D2F6B68}"/>
+              </a:ext>
+            </a:extLst>
+          </p:cNvPr>
+          <p:cNvGrpSpPr/>
+          <p:nvPr/>
+        </p:nvGrpSpPr>
+        <p:grpSpPr>
+          <a:xfrm>
+            <a:off x="1069005" y="4614479"/>
+            <a:ext cx="769841" cy="773027"/>
+            <a:chOff x="1722150" y="4411226"/>
+            <a:chExt cx="769841" cy="773027"/>
+          </a:xfrm>
+        </p:grpSpPr>
+        <p:sp>
+          <p:nvSpPr>
+            <p:cNvPr id="21" name="Cube 20">
+              <a:extLst>
+                <a:ext uri="{FF2B5EF4-FFF2-40B4-BE49-F238E27FC236}">
+                  <a16:creationId xmlns:a16="http://schemas.microsoft.com/office/drawing/2014/main" id="{FF3AD5AB-4456-4E92-8B25-A2353351CFB1}"/>
+                </a:ext>
+              </a:extLst>
+            </p:cNvPr>
+            <p:cNvSpPr/>
+            <p:nvPr/>
+          </p:nvSpPr>
+          <p:spPr>
+            <a:xfrm>
+              <a:off x="1722150" y="4411226"/>
+              <a:ext cx="769841" cy="773027"/>
+            </a:xfrm>
+            <a:prstGeom prst="cube">
+              <a:avLst/>
+            </a:prstGeom>
+            <a:solidFill>
+              <a:schemeClr val="bg1">
+                <a:lumMod val="75000"/>
+              </a:schemeClr>
+            </a:solidFill>
+            <a:ln>
+              <a:solidFill>
+                <a:schemeClr val="tx1"/>
+              </a:solidFill>
+            </a:ln>
+          </p:spPr>
+          <p:style>
+            <a:lnRef idx="2">
+              <a:schemeClr val="accent1">
+                <a:shade val="50000"/>
+              </a:schemeClr>
+            </a:lnRef>
+            <a:fillRef idx="1">
+              <a:schemeClr val="accent1"/>
+            </a:fillRef>
+            <a:effectRef idx="0">
+              <a:schemeClr val="accent1"/>
+            </a:effectRef>
+            <a:fontRef idx="minor">
+              <a:schemeClr val="lt1"/>
+            </a:fontRef>
+          </p:style>
+          <p:txBody>
+            <a:bodyPr rtlCol="0" anchor="ctr"/>
+            <a:lstStyle/>
+            <a:p>
+              <a:pPr algn="ctr"/>
+              <a:endParaRPr lang="en-AU"/>
+            </a:p>
+          </p:txBody>
+        </p:sp>
+        <p:pic>
+          <p:nvPicPr>
+            <p:cNvPr id="22" name="Picture 2">
+              <a:extLst>
+                <a:ext uri="{FF2B5EF4-FFF2-40B4-BE49-F238E27FC236}">
+                  <a16:creationId xmlns:a16="http://schemas.microsoft.com/office/drawing/2014/main" id="{5BC751D3-9027-4117-85C4-86AE9AFD8075}"/>
+                </a:ext>
+              </a:extLst>
+            </p:cNvPr>
+            <p:cNvPicPr>
+              <a:picLocks noChangeAspect="1" noChangeArrowheads="1"/>
+            </p:cNvPicPr>
+            <p:nvPr/>
+          </p:nvPicPr>
+          <p:blipFill>
+            <a:blip r:embed="rId4">
+              <a:extLst>
+                <a:ext uri="{28A0092B-C50C-407E-A947-70E740481C1C}">
+                  <a14:useLocalDpi xmlns:a14="http://schemas.microsoft.com/office/drawing/2010/main" val="0"/>
+                </a:ext>
+              </a:extLst>
+            </a:blip>
+            <a:srcRect/>
+            <a:stretch/>
+          </p:blipFill>
+          <p:spPr bwMode="auto">
+            <a:xfrm>
+              <a:off x="1722150" y="4608253"/>
+              <a:ext cx="576000" cy="576000"/>
+            </a:xfrm>
+            <a:prstGeom prst="rect">
+              <a:avLst/>
+            </a:prstGeom>
+            <a:noFill/>
+            <a:extLst>
+              <a:ext uri="{909E8E84-426E-40DD-AFC4-6F175D3DCCD1}">
+                <a14:hiddenFill xmlns:a14="http://schemas.microsoft.com/office/drawing/2010/main">
+                  <a:solidFill>
+                    <a:srgbClr val="FFFFFF"/>
+                  </a:solidFill>
+                </a14:hiddenFill>
+              </a:ext>
+            </a:extLst>
+          </p:spPr>
+        </p:pic>
+      </p:grpSp>
     </p:spTree>
     <p:extLst>
       <p:ext uri="{BB962C8B-B14F-4D97-AF65-F5344CB8AC3E}">
-        <p14:creationId xmlns:p14="http://schemas.microsoft.com/office/powerpoint/2010/main" val="1177064563"/>
+        <p14:creationId xmlns:p14="http://schemas.microsoft.com/office/powerpoint/2010/main" val="2498532156"/>
       </p:ext>
     </p:extLst>
   </p:cSld>
@@ -8356,6 +11726,34 @@
       </p:grpSpPr>
       <p:sp>
         <p:nvSpPr>
+          <p:cNvPr id="2" name="Title 1">
+            <a:extLst>
+              <a:ext uri="{FF2B5EF4-FFF2-40B4-BE49-F238E27FC236}">
+                <a16:creationId xmlns:a16="http://schemas.microsoft.com/office/drawing/2014/main" id="{BB5EEDDC-F50B-4170-9348-34949B0AF814}"/>
+              </a:ext>
+            </a:extLst>
+          </p:cNvPr>
+          <p:cNvSpPr>
+            <a:spLocks noGrp="1"/>
+          </p:cNvSpPr>
+          <p:nvPr>
+            <p:ph type="title"/>
+          </p:nvPr>
+        </p:nvSpPr>
+        <p:spPr/>
+        <p:txBody>
+          <a:bodyPr/>
+          <a:lstStyle/>
+          <a:p>
+            <a:r>
+              <a:rPr lang="en-AU" dirty="0"/>
+              <a:t>Results – Experiment 1</a:t>
+            </a:r>
+          </a:p>
+        </p:txBody>
+      </p:sp>
+      <p:sp>
+        <p:nvSpPr>
           <p:cNvPr id="17" name="Content Placeholder 2">
             <a:extLst>
               <a:ext uri="{FF2B5EF4-FFF2-40B4-BE49-F238E27FC236}">
@@ -8391,10 +11789,10 @@
       </p:sp>
       <p:sp>
         <p:nvSpPr>
-          <p:cNvPr id="2" name="Title 1">
+          <p:cNvPr id="6" name="Slide Number Placeholder 5">
             <a:extLst>
               <a:ext uri="{FF2B5EF4-FFF2-40B4-BE49-F238E27FC236}">
-                <a16:creationId xmlns:a16="http://schemas.microsoft.com/office/drawing/2014/main" id="{BB5EEDDC-F50B-4170-9348-34949B0AF814}"/>
+                <a16:creationId xmlns:a16="http://schemas.microsoft.com/office/drawing/2014/main" id="{D349B2E2-E393-4D7F-A12E-59325F57D747}"/>
               </a:ext>
             </a:extLst>
           </p:cNvPr>
@@ -8402,7 +11800,7 @@
             <a:spLocks noGrp="1"/>
           </p:cNvSpPr>
           <p:nvPr>
-            <p:ph type="title"/>
+            <p:ph type="sldNum" sz="quarter" idx="12"/>
           </p:nvPr>
         </p:nvSpPr>
         <p:spPr/>
@@ -8410,10 +11808,11 @@
           <a:bodyPr/>
           <a:lstStyle/>
           <a:p>
-            <a:r>
-              <a:rPr lang="en-AU" dirty="0"/>
-              <a:t>Results -  Experiment 1</a:t>
-            </a:r>
+            <a:fld id="{4854181D-6920-4594-9A5D-6CE56DC9F8B2}" type="slidenum">
+              <a:rPr lang="en-US" smtClean="0"/>
+              <a:t>13</a:t>
+            </a:fld>
+            <a:endParaRPr lang="en-US"/>
           </a:p>
         </p:txBody>
       </p:sp>
@@ -8429,13 +11828,7 @@
           <p:cNvGraphicFramePr>
             <a:graphicFrameLocks noGrp="1"/>
           </p:cNvGraphicFramePr>
-          <p:nvPr>
-            <p:extLst>
-              <p:ext uri="{D42A27DB-BD31-4B8C-83A1-F6EECF244321}">
-                <p14:modId xmlns:p14="http://schemas.microsoft.com/office/powerpoint/2010/main" val="1078663415"/>
-              </p:ext>
-            </p:extLst>
-          </p:nvPr>
+          <p:nvPr/>
         </p:nvGraphicFramePr>
         <p:xfrm>
           <a:off x="1866000" y="2305518"/>
@@ -8577,7 +11970,7 @@
                     <a:p>
                       <a:r>
                         <a:rPr lang="en-AU" dirty="0"/>
-                        <a:t>0.5</a:t>
+                        <a:t>0.50</a:t>
                       </a:r>
                     </a:p>
                   </a:txBody>
@@ -8590,7 +11983,7 @@
                     <a:p>
                       <a:r>
                         <a:rPr lang="en-AU" dirty="0"/>
-                        <a:t>0.5</a:t>
+                        <a:t>0.50</a:t>
                       </a:r>
                     </a:p>
                   </a:txBody>
@@ -8603,7 +11996,7 @@
                     <a:p>
                       <a:r>
                         <a:rPr lang="en-AU" dirty="0"/>
-                        <a:t>0.0</a:t>
+                        <a:t>0.00</a:t>
                       </a:r>
                     </a:p>
                   </a:txBody>
@@ -8616,7 +12009,7 @@
                     <a:p>
                       <a:r>
                         <a:rPr lang="en-AU" dirty="0"/>
-                        <a:t>1.0</a:t>
+                        <a:t>1.00</a:t>
                       </a:r>
                     </a:p>
                   </a:txBody>
@@ -8649,7 +12042,7 @@
                     <a:p>
                       <a:r>
                         <a:rPr lang="en-AU" dirty="0"/>
-                        <a:t>0.9</a:t>
+                        <a:t>0.90</a:t>
                       </a:r>
                     </a:p>
                   </a:txBody>
@@ -8675,7 +12068,7 @@
                     <a:p>
                       <a:r>
                         <a:rPr lang="en-AU" dirty="0"/>
-                        <a:t>0.8</a:t>
+                        <a:t>0.80</a:t>
                       </a:r>
                     </a:p>
                   </a:txBody>
@@ -8688,7 +12081,7 @@
                     <a:p>
                       <a:r>
                         <a:rPr lang="en-AU" dirty="0"/>
-                        <a:t>1.0</a:t>
+                        <a:t>1.00</a:t>
                       </a:r>
                     </a:p>
                   </a:txBody>
@@ -8704,86 +12097,722 @@
           </a:graphicData>
         </a:graphic>
       </p:graphicFrame>
-      <p:pic>
-        <p:nvPicPr>
-          <p:cNvPr id="1044" name="Picture 20">
+      <p:graphicFrame>
+        <p:nvGraphicFramePr>
+          <p:cNvPr id="8" name="Table 4">
             <a:extLst>
               <a:ext uri="{FF2B5EF4-FFF2-40B4-BE49-F238E27FC236}">
-                <a16:creationId xmlns:a16="http://schemas.microsoft.com/office/drawing/2014/main" id="{5BBD6D5E-D246-4AB7-AD20-D28D5239C79D}"/>
+                <a16:creationId xmlns:a16="http://schemas.microsoft.com/office/drawing/2014/main" id="{518CC5EC-2E15-4E33-9D4E-3945CA6C0777}"/>
               </a:ext>
             </a:extLst>
           </p:cNvPr>
-          <p:cNvPicPr>
-            <a:picLocks noChangeAspect="1" noChangeArrowheads="1"/>
-          </p:cNvPicPr>
+          <p:cNvGraphicFramePr>
+            <a:graphicFrameLocks noGrp="1"/>
+          </p:cNvGraphicFramePr>
           <p:nvPr/>
-        </p:nvPicPr>
-        <p:blipFill>
-          <a:blip r:embed="rId2">
+        </p:nvGraphicFramePr>
+        <p:xfrm>
+          <a:off x="802432" y="3960502"/>
+          <a:ext cx="4889241" cy="1710414"/>
+        </p:xfrm>
+        <a:graphic>
+          <a:graphicData uri="http://schemas.openxmlformats.org/drawingml/2006/table">
+            <a:tbl>
+              <a:tblPr firstRow="1" bandRow="1">
+                <a:tableStyleId>{5940675A-B579-460E-94D1-54222C63F5DA}</a:tableStyleId>
+              </a:tblPr>
+              <a:tblGrid>
+                <a:gridCol w="1629747">
+                  <a:extLst>
+                    <a:ext uri="{9D8B030D-6E8A-4147-A177-3AD203B41FA5}">
+                      <a16:colId xmlns:a16="http://schemas.microsoft.com/office/drawing/2014/main" val="4049177488"/>
+                    </a:ext>
+                  </a:extLst>
+                </a:gridCol>
+                <a:gridCol w="1629747">
+                  <a:extLst>
+                    <a:ext uri="{9D8B030D-6E8A-4147-A177-3AD203B41FA5}">
+                      <a16:colId xmlns:a16="http://schemas.microsoft.com/office/drawing/2014/main" val="3439500369"/>
+                    </a:ext>
+                  </a:extLst>
+                </a:gridCol>
+                <a:gridCol w="1629747">
+                  <a:extLst>
+                    <a:ext uri="{9D8B030D-6E8A-4147-A177-3AD203B41FA5}">
+                      <a16:colId xmlns:a16="http://schemas.microsoft.com/office/drawing/2014/main" val="2421245066"/>
+                    </a:ext>
+                  </a:extLst>
+                </a:gridCol>
+              </a:tblGrid>
+              <a:tr h="429073">
+                <a:tc>
+                  <a:txBody>
+                    <a:bodyPr/>
+                    <a:lstStyle/>
+                    <a:p>
+                      <a:pPr algn="ctr"/>
+                      <a:endParaRPr lang="en-AU" dirty="0"/>
+                    </a:p>
+                  </a:txBody>
+                  <a:tcPr>
+                    <a:lnL w="12700" cmpd="sng">
+                      <a:noFill/>
+                    </a:lnL>
+                    <a:lnR w="12700" cmpd="sng">
+                      <a:noFill/>
+                    </a:lnR>
+                    <a:lnT w="12700" cmpd="sng">
+                      <a:noFill/>
+                    </a:lnT>
+                    <a:lnB w="12700" cmpd="sng">
+                      <a:noFill/>
+                    </a:lnB>
+                    <a:lnTlToBr w="12700" cmpd="sng">
+                      <a:noFill/>
+                      <a:prstDash val="solid"/>
+                    </a:lnTlToBr>
+                    <a:lnBlToTr w="12700" cmpd="sng">
+                      <a:noFill/>
+                      <a:prstDash val="solid"/>
+                    </a:lnBlToTr>
+                  </a:tcPr>
+                </a:tc>
+                <a:tc gridSpan="2">
+                  <a:txBody>
+                    <a:bodyPr/>
+                    <a:lstStyle/>
+                    <a:p>
+                      <a:pPr algn="ctr"/>
+                      <a:r>
+                        <a:rPr lang="en-AU" dirty="0"/>
+                        <a:t>Actual</a:t>
+                      </a:r>
+                    </a:p>
+                  </a:txBody>
+                  <a:tcPr anchor="b">
+                    <a:lnL w="12700" cmpd="sng">
+                      <a:noFill/>
+                    </a:lnL>
+                    <a:lnR w="12700" cap="flat" cmpd="sng" algn="ctr">
+                      <a:noFill/>
+                      <a:prstDash val="solid"/>
+                      <a:round/>
+                      <a:headEnd type="none" w="med" len="med"/>
+                      <a:tailEnd type="none" w="med" len="med"/>
+                    </a:lnR>
+                    <a:lnT w="12700" cap="flat" cmpd="sng" algn="ctr">
+                      <a:noFill/>
+                      <a:prstDash val="solid"/>
+                      <a:round/>
+                      <a:headEnd type="none" w="med" len="med"/>
+                      <a:tailEnd type="none" w="med" len="med"/>
+                    </a:lnT>
+                  </a:tcPr>
+                </a:tc>
+                <a:tc hMerge="1">
+                  <a:txBody>
+                    <a:bodyPr/>
+                    <a:lstStyle/>
+                    <a:p>
+                      <a:endParaRPr lang="en-AU" dirty="0"/>
+                    </a:p>
+                  </a:txBody>
+                  <a:tcPr/>
+                </a:tc>
+                <a:extLst>
+                  <a:ext uri="{0D108BD9-81ED-4DB2-BD59-A6C34878D82A}">
+                    <a16:rowId xmlns:a16="http://schemas.microsoft.com/office/drawing/2014/main" val="3030743026"/>
+                  </a:ext>
+                </a:extLst>
+              </a:tr>
+              <a:tr h="429073">
+                <a:tc>
+                  <a:txBody>
+                    <a:bodyPr/>
+                    <a:lstStyle/>
+                    <a:p>
+                      <a:endParaRPr lang="en-AU" dirty="0"/>
+                    </a:p>
+                  </a:txBody>
+                  <a:tcPr>
+                    <a:lnL w="12700" cap="flat" cmpd="sng" algn="ctr">
+                      <a:noFill/>
+                      <a:prstDash val="solid"/>
+                      <a:round/>
+                      <a:headEnd type="none" w="med" len="med"/>
+                      <a:tailEnd type="none" w="med" len="med"/>
+                    </a:lnL>
+                    <a:lnT w="12700" cmpd="sng">
+                      <a:noFill/>
+                    </a:lnT>
+                  </a:tcPr>
+                </a:tc>
+                <a:tc>
+                  <a:txBody>
+                    <a:bodyPr/>
+                    <a:lstStyle/>
+                    <a:p>
+                      <a:pPr algn="ctr"/>
+                      <a:r>
+                        <a:rPr lang="en-AU" dirty="0"/>
+                        <a:t>Converted (1)</a:t>
+                      </a:r>
+                    </a:p>
+                  </a:txBody>
+                  <a:tcPr/>
+                </a:tc>
+                <a:tc>
+                  <a:txBody>
+                    <a:bodyPr/>
+                    <a:lstStyle/>
+                    <a:p>
+                      <a:pPr algn="ctr"/>
+                      <a:r>
+                        <a:rPr lang="en-AU" dirty="0"/>
+                        <a:t>CN (0)</a:t>
+                      </a:r>
+                    </a:p>
+                  </a:txBody>
+                  <a:tcPr/>
+                </a:tc>
+                <a:extLst>
+                  <a:ext uri="{0D108BD9-81ED-4DB2-BD59-A6C34878D82A}">
+                    <a16:rowId xmlns:a16="http://schemas.microsoft.com/office/drawing/2014/main" val="1793751587"/>
+                  </a:ext>
+                </a:extLst>
+              </a:tr>
+              <a:tr h="429073">
+                <a:tc>
+                  <a:txBody>
+                    <a:bodyPr/>
+                    <a:lstStyle/>
+                    <a:p>
+                      <a:pPr algn="r"/>
+                      <a:r>
+                        <a:rPr lang="en-AU" dirty="0"/>
+                        <a:t>Converted (1)</a:t>
+                      </a:r>
+                    </a:p>
+                  </a:txBody>
+                  <a:tcPr/>
+                </a:tc>
+                <a:tc>
+                  <a:txBody>
+                    <a:bodyPr/>
+                    <a:lstStyle/>
+                    <a:p>
+                      <a:pPr algn="ctr"/>
+                      <a:r>
+                        <a:rPr lang="en-AU" dirty="0"/>
+                        <a:t>0</a:t>
+                      </a:r>
+                    </a:p>
+                  </a:txBody>
+                  <a:tcPr/>
+                </a:tc>
+                <a:tc>
+                  <a:txBody>
+                    <a:bodyPr/>
+                    <a:lstStyle/>
+                    <a:p>
+                      <a:pPr algn="ctr"/>
+                      <a:r>
+                        <a:rPr lang="en-AU" dirty="0"/>
+                        <a:t>0</a:t>
+                      </a:r>
+                    </a:p>
+                  </a:txBody>
+                  <a:tcPr/>
+                </a:tc>
+                <a:extLst>
+                  <a:ext uri="{0D108BD9-81ED-4DB2-BD59-A6C34878D82A}">
+                    <a16:rowId xmlns:a16="http://schemas.microsoft.com/office/drawing/2014/main" val="2937502426"/>
+                  </a:ext>
+                </a:extLst>
+              </a:tr>
+              <a:tr h="423195">
+                <a:tc>
+                  <a:txBody>
+                    <a:bodyPr/>
+                    <a:lstStyle/>
+                    <a:p>
+                      <a:pPr algn="r"/>
+                      <a:r>
+                        <a:rPr lang="en-AU" dirty="0"/>
+                        <a:t>CN (0)</a:t>
+                      </a:r>
+                    </a:p>
+                  </a:txBody>
+                  <a:tcPr/>
+                </a:tc>
+                <a:tc>
+                  <a:txBody>
+                    <a:bodyPr/>
+                    <a:lstStyle/>
+                    <a:p>
+                      <a:pPr algn="ctr"/>
+                      <a:r>
+                        <a:rPr lang="en-AU" dirty="0"/>
+                        <a:t>10</a:t>
+                      </a:r>
+                    </a:p>
+                  </a:txBody>
+                  <a:tcPr/>
+                </a:tc>
+                <a:tc>
+                  <a:txBody>
+                    <a:bodyPr/>
+                    <a:lstStyle/>
+                    <a:p>
+                      <a:pPr algn="ctr"/>
+                      <a:r>
+                        <a:rPr lang="en-AU" dirty="0"/>
+                        <a:t>10</a:t>
+                      </a:r>
+                    </a:p>
+                  </a:txBody>
+                  <a:tcPr/>
+                </a:tc>
+                <a:extLst>
+                  <a:ext uri="{0D108BD9-81ED-4DB2-BD59-A6C34878D82A}">
+                    <a16:rowId xmlns:a16="http://schemas.microsoft.com/office/drawing/2014/main" val="4048483609"/>
+                  </a:ext>
+                </a:extLst>
+              </a:tr>
+            </a:tbl>
+          </a:graphicData>
+        </a:graphic>
+      </p:graphicFrame>
+      <p:sp>
+        <p:nvSpPr>
+          <p:cNvPr id="5" name="TextBox 4">
             <a:extLst>
-              <a:ext uri="{28A0092B-C50C-407E-A947-70E740481C1C}">
-                <a14:useLocalDpi xmlns:a14="http://schemas.microsoft.com/office/drawing/2010/main" val="0"/>
+              <a:ext uri="{FF2B5EF4-FFF2-40B4-BE49-F238E27FC236}">
+                <a16:creationId xmlns:a16="http://schemas.microsoft.com/office/drawing/2014/main" id="{6370CABF-0D3E-4151-A84B-EF6ECD7C9E2E}"/>
               </a:ext>
             </a:extLst>
-          </a:blip>
-          <a:srcRect/>
-          <a:stretch>
-            <a:fillRect/>
-          </a:stretch>
-        </p:blipFill>
-        <p:spPr bwMode="auto">
-          <a:xfrm>
-            <a:off x="8153836" y="3711686"/>
-            <a:ext cx="2480074" cy="2253139"/>
+          </p:cNvPr>
+          <p:cNvSpPr txBox="1"/>
+          <p:nvPr/>
+        </p:nvSpPr>
+        <p:spPr>
+          <a:xfrm rot="16200000">
+            <a:off x="-29641" y="4890156"/>
+            <a:ext cx="1192186" cy="369332"/>
           </a:xfrm>
           <a:prstGeom prst="rect">
             <a:avLst/>
           </a:prstGeom>
           <a:noFill/>
-          <a:extLst>
-            <a:ext uri="{909E8E84-426E-40DD-AFC4-6F175D3DCCD1}">
-              <a14:hiddenFill xmlns:a14="http://schemas.microsoft.com/office/drawing/2010/main">
-                <a:solidFill>
-                  <a:srgbClr val="FFFFFF"/>
-                </a:solidFill>
-              </a14:hiddenFill>
-            </a:ext>
-          </a:extLst>
         </p:spPr>
-      </p:pic>
-      <p:sp>
-        <p:nvSpPr>
-          <p:cNvPr id="6" name="Slide Number Placeholder 5">
+        <p:txBody>
+          <a:bodyPr wrap="none" rtlCol="0">
+            <a:spAutoFit/>
+          </a:bodyPr>
+          <a:lstStyle/>
+          <a:p>
+            <a:r>
+              <a:rPr lang="en-AU" dirty="0"/>
+              <a:t>Predicted</a:t>
+            </a:r>
+          </a:p>
+        </p:txBody>
+      </p:sp>
+      <p:graphicFrame>
+        <p:nvGraphicFramePr>
+          <p:cNvPr id="10" name="Table 4">
             <a:extLst>
               <a:ext uri="{FF2B5EF4-FFF2-40B4-BE49-F238E27FC236}">
-                <a16:creationId xmlns:a16="http://schemas.microsoft.com/office/drawing/2014/main" id="{D349B2E2-E393-4D7F-A12E-59325F57D747}"/>
+                <a16:creationId xmlns:a16="http://schemas.microsoft.com/office/drawing/2014/main" id="{AF8C35B9-7174-4E46-9FCA-1CA786860A85}"/>
               </a:ext>
             </a:extLst>
           </p:cNvPr>
-          <p:cNvSpPr>
-            <a:spLocks noGrp="1"/>
-          </p:cNvSpPr>
-          <p:nvPr>
-            <p:ph type="sldNum" sz="quarter" idx="12"/>
-          </p:nvPr>
+          <p:cNvGraphicFramePr>
+            <a:graphicFrameLocks noGrp="1"/>
+          </p:cNvGraphicFramePr>
+          <p:nvPr/>
+        </p:nvGraphicFramePr>
+        <p:xfrm>
+          <a:off x="6515873" y="3960502"/>
+          <a:ext cx="4889241" cy="1710414"/>
+        </p:xfrm>
+        <a:graphic>
+          <a:graphicData uri="http://schemas.openxmlformats.org/drawingml/2006/table">
+            <a:tbl>
+              <a:tblPr firstRow="1" bandRow="1">
+                <a:tableStyleId>{5940675A-B579-460E-94D1-54222C63F5DA}</a:tableStyleId>
+              </a:tblPr>
+              <a:tblGrid>
+                <a:gridCol w="1629747">
+                  <a:extLst>
+                    <a:ext uri="{9D8B030D-6E8A-4147-A177-3AD203B41FA5}">
+                      <a16:colId xmlns:a16="http://schemas.microsoft.com/office/drawing/2014/main" val="4049177488"/>
+                    </a:ext>
+                  </a:extLst>
+                </a:gridCol>
+                <a:gridCol w="1629747">
+                  <a:extLst>
+                    <a:ext uri="{9D8B030D-6E8A-4147-A177-3AD203B41FA5}">
+                      <a16:colId xmlns:a16="http://schemas.microsoft.com/office/drawing/2014/main" val="3439500369"/>
+                    </a:ext>
+                  </a:extLst>
+                </a:gridCol>
+                <a:gridCol w="1629747">
+                  <a:extLst>
+                    <a:ext uri="{9D8B030D-6E8A-4147-A177-3AD203B41FA5}">
+                      <a16:colId xmlns:a16="http://schemas.microsoft.com/office/drawing/2014/main" val="2421245066"/>
+                    </a:ext>
+                  </a:extLst>
+                </a:gridCol>
+              </a:tblGrid>
+              <a:tr h="429073">
+                <a:tc>
+                  <a:txBody>
+                    <a:bodyPr/>
+                    <a:lstStyle/>
+                    <a:p>
+                      <a:pPr algn="ctr"/>
+                      <a:endParaRPr lang="en-AU" dirty="0"/>
+                    </a:p>
+                  </a:txBody>
+                  <a:tcPr>
+                    <a:lnL w="12700" cmpd="sng">
+                      <a:noFill/>
+                    </a:lnL>
+                    <a:lnR w="12700" cmpd="sng">
+                      <a:noFill/>
+                    </a:lnR>
+                    <a:lnT w="12700" cmpd="sng">
+                      <a:noFill/>
+                    </a:lnT>
+                    <a:lnB w="12700" cmpd="sng">
+                      <a:noFill/>
+                    </a:lnB>
+                    <a:lnTlToBr w="12700" cmpd="sng">
+                      <a:noFill/>
+                      <a:prstDash val="solid"/>
+                    </a:lnTlToBr>
+                    <a:lnBlToTr w="12700" cmpd="sng">
+                      <a:noFill/>
+                      <a:prstDash val="solid"/>
+                    </a:lnBlToTr>
+                  </a:tcPr>
+                </a:tc>
+                <a:tc gridSpan="2">
+                  <a:txBody>
+                    <a:bodyPr/>
+                    <a:lstStyle/>
+                    <a:p>
+                      <a:pPr algn="ctr"/>
+                      <a:r>
+                        <a:rPr lang="en-AU" dirty="0"/>
+                        <a:t>Actual</a:t>
+                      </a:r>
+                    </a:p>
+                  </a:txBody>
+                  <a:tcPr anchor="b">
+                    <a:lnL w="12700" cmpd="sng">
+                      <a:noFill/>
+                    </a:lnL>
+                    <a:lnR w="12700" cap="flat" cmpd="sng" algn="ctr">
+                      <a:noFill/>
+                      <a:prstDash val="solid"/>
+                      <a:round/>
+                      <a:headEnd type="none" w="med" len="med"/>
+                      <a:tailEnd type="none" w="med" len="med"/>
+                    </a:lnR>
+                    <a:lnT w="12700" cap="flat" cmpd="sng" algn="ctr">
+                      <a:noFill/>
+                      <a:prstDash val="solid"/>
+                      <a:round/>
+                      <a:headEnd type="none" w="med" len="med"/>
+                      <a:tailEnd type="none" w="med" len="med"/>
+                    </a:lnT>
+                  </a:tcPr>
+                </a:tc>
+                <a:tc hMerge="1">
+                  <a:txBody>
+                    <a:bodyPr/>
+                    <a:lstStyle/>
+                    <a:p>
+                      <a:endParaRPr lang="en-AU" dirty="0"/>
+                    </a:p>
+                  </a:txBody>
+                  <a:tcPr/>
+                </a:tc>
+                <a:extLst>
+                  <a:ext uri="{0D108BD9-81ED-4DB2-BD59-A6C34878D82A}">
+                    <a16:rowId xmlns:a16="http://schemas.microsoft.com/office/drawing/2014/main" val="3030743026"/>
+                  </a:ext>
+                </a:extLst>
+              </a:tr>
+              <a:tr h="429073">
+                <a:tc>
+                  <a:txBody>
+                    <a:bodyPr/>
+                    <a:lstStyle/>
+                    <a:p>
+                      <a:endParaRPr lang="en-AU" dirty="0"/>
+                    </a:p>
+                  </a:txBody>
+                  <a:tcPr>
+                    <a:lnL w="12700" cap="flat" cmpd="sng" algn="ctr">
+                      <a:noFill/>
+                      <a:prstDash val="solid"/>
+                      <a:round/>
+                      <a:headEnd type="none" w="med" len="med"/>
+                      <a:tailEnd type="none" w="med" len="med"/>
+                    </a:lnL>
+                    <a:lnT w="12700" cmpd="sng">
+                      <a:noFill/>
+                    </a:lnT>
+                  </a:tcPr>
+                </a:tc>
+                <a:tc>
+                  <a:txBody>
+                    <a:bodyPr/>
+                    <a:lstStyle/>
+                    <a:p>
+                      <a:pPr algn="ctr"/>
+                      <a:r>
+                        <a:rPr lang="en-AU" dirty="0"/>
+                        <a:t>Converted (1)</a:t>
+                      </a:r>
+                    </a:p>
+                  </a:txBody>
+                  <a:tcPr/>
+                </a:tc>
+                <a:tc>
+                  <a:txBody>
+                    <a:bodyPr/>
+                    <a:lstStyle/>
+                    <a:p>
+                      <a:pPr algn="ctr"/>
+                      <a:r>
+                        <a:rPr lang="en-AU" dirty="0"/>
+                        <a:t>CN (0)</a:t>
+                      </a:r>
+                    </a:p>
+                  </a:txBody>
+                  <a:tcPr/>
+                </a:tc>
+                <a:extLst>
+                  <a:ext uri="{0D108BD9-81ED-4DB2-BD59-A6C34878D82A}">
+                    <a16:rowId xmlns:a16="http://schemas.microsoft.com/office/drawing/2014/main" val="1793751587"/>
+                  </a:ext>
+                </a:extLst>
+              </a:tr>
+              <a:tr h="429073">
+                <a:tc>
+                  <a:txBody>
+                    <a:bodyPr/>
+                    <a:lstStyle/>
+                    <a:p>
+                      <a:pPr algn="r"/>
+                      <a:r>
+                        <a:rPr lang="en-AU" dirty="0"/>
+                        <a:t>Converted (1)</a:t>
+                      </a:r>
+                    </a:p>
+                  </a:txBody>
+                  <a:tcPr/>
+                </a:tc>
+                <a:tc>
+                  <a:txBody>
+                    <a:bodyPr/>
+                    <a:lstStyle/>
+                    <a:p>
+                      <a:pPr algn="ctr"/>
+                      <a:r>
+                        <a:rPr lang="en-AU" dirty="0"/>
+                        <a:t>10</a:t>
+                      </a:r>
+                    </a:p>
+                  </a:txBody>
+                  <a:tcPr/>
+                </a:tc>
+                <a:tc>
+                  <a:txBody>
+                    <a:bodyPr/>
+                    <a:lstStyle/>
+                    <a:p>
+                      <a:pPr algn="ctr"/>
+                      <a:r>
+                        <a:rPr lang="en-AU" dirty="0"/>
+                        <a:t>0</a:t>
+                      </a:r>
+                    </a:p>
+                  </a:txBody>
+                  <a:tcPr/>
+                </a:tc>
+                <a:extLst>
+                  <a:ext uri="{0D108BD9-81ED-4DB2-BD59-A6C34878D82A}">
+                    <a16:rowId xmlns:a16="http://schemas.microsoft.com/office/drawing/2014/main" val="2937502426"/>
+                  </a:ext>
+                </a:extLst>
+              </a:tr>
+              <a:tr h="423195">
+                <a:tc>
+                  <a:txBody>
+                    <a:bodyPr/>
+                    <a:lstStyle/>
+                    <a:p>
+                      <a:pPr algn="r"/>
+                      <a:r>
+                        <a:rPr lang="en-AU" dirty="0"/>
+                        <a:t>CN (0)</a:t>
+                      </a:r>
+                    </a:p>
+                  </a:txBody>
+                  <a:tcPr/>
+                </a:tc>
+                <a:tc>
+                  <a:txBody>
+                    <a:bodyPr/>
+                    <a:lstStyle/>
+                    <a:p>
+                      <a:pPr algn="ctr"/>
+                      <a:r>
+                        <a:rPr lang="en-AU" dirty="0"/>
+                        <a:t>2</a:t>
+                      </a:r>
+                    </a:p>
+                  </a:txBody>
+                  <a:tcPr/>
+                </a:tc>
+                <a:tc>
+                  <a:txBody>
+                    <a:bodyPr/>
+                    <a:lstStyle/>
+                    <a:p>
+                      <a:pPr algn="ctr"/>
+                      <a:r>
+                        <a:rPr lang="en-AU" dirty="0"/>
+                        <a:t>8</a:t>
+                      </a:r>
+                    </a:p>
+                  </a:txBody>
+                  <a:tcPr/>
+                </a:tc>
+                <a:extLst>
+                  <a:ext uri="{0D108BD9-81ED-4DB2-BD59-A6C34878D82A}">
+                    <a16:rowId xmlns:a16="http://schemas.microsoft.com/office/drawing/2014/main" val="4048483609"/>
+                  </a:ext>
+                </a:extLst>
+              </a:tr>
+            </a:tbl>
+          </a:graphicData>
+        </a:graphic>
+      </p:graphicFrame>
+      <p:sp>
+        <p:nvSpPr>
+          <p:cNvPr id="11" name="TextBox 10">
+            <a:extLst>
+              <a:ext uri="{FF2B5EF4-FFF2-40B4-BE49-F238E27FC236}">
+                <a16:creationId xmlns:a16="http://schemas.microsoft.com/office/drawing/2014/main" id="{A83A65E2-6798-44C0-9244-EAF21A7AD2DC}"/>
+              </a:ext>
+            </a:extLst>
+          </p:cNvPr>
+          <p:cNvSpPr txBox="1"/>
+          <p:nvPr/>
         </p:nvSpPr>
-        <p:spPr/>
+        <p:spPr>
+          <a:xfrm rot="16200000">
+            <a:off x="5683800" y="4890157"/>
+            <a:ext cx="1192186" cy="369332"/>
+          </a:xfrm>
+          <a:prstGeom prst="rect">
+            <a:avLst/>
+          </a:prstGeom>
+          <a:noFill/>
+        </p:spPr>
         <p:txBody>
-          <a:bodyPr/>
+          <a:bodyPr wrap="none" rtlCol="0">
+            <a:spAutoFit/>
+          </a:bodyPr>
           <a:lstStyle/>
           <a:p>
-            <a:fld id="{4854181D-6920-4594-9A5D-6CE56DC9F8B2}" type="slidenum">
-              <a:rPr lang="en-US" smtClean="0"/>
-              <a:t>13</a:t>
-            </a:fld>
-            <a:endParaRPr lang="en-US"/>
+            <a:r>
+              <a:rPr lang="en-AU" dirty="0"/>
+              <a:t>Predicted</a:t>
+            </a:r>
+          </a:p>
+        </p:txBody>
+      </p:sp>
+      <p:sp>
+        <p:nvSpPr>
+          <p:cNvPr id="7" name="TextBox 6">
+            <a:extLst>
+              <a:ext uri="{FF2B5EF4-FFF2-40B4-BE49-F238E27FC236}">
+                <a16:creationId xmlns:a16="http://schemas.microsoft.com/office/drawing/2014/main" id="{459D43CC-1897-418F-8AE7-C5AA1DC37169}"/>
+              </a:ext>
+            </a:extLst>
+          </p:cNvPr>
+          <p:cNvSpPr txBox="1"/>
+          <p:nvPr/>
+        </p:nvSpPr>
+        <p:spPr>
+          <a:xfrm>
+            <a:off x="566452" y="3658456"/>
+            <a:ext cx="5109676" cy="369332"/>
+          </a:xfrm>
+          <a:prstGeom prst="rect">
+            <a:avLst/>
+          </a:prstGeom>
+          <a:noFill/>
+        </p:spPr>
+        <p:txBody>
+          <a:bodyPr wrap="square" rtlCol="0">
+            <a:spAutoFit/>
+          </a:bodyPr>
+          <a:lstStyle/>
+          <a:p>
+            <a:r>
+              <a:rPr lang="en-AU" b="1" dirty="0"/>
+              <a:t>Voxel-based confusion matrix:</a:t>
+            </a:r>
+          </a:p>
+        </p:txBody>
+      </p:sp>
+      <p:sp>
+        <p:nvSpPr>
+          <p:cNvPr id="13" name="TextBox 12">
+            <a:extLst>
+              <a:ext uri="{FF2B5EF4-FFF2-40B4-BE49-F238E27FC236}">
+                <a16:creationId xmlns:a16="http://schemas.microsoft.com/office/drawing/2014/main" id="{EBA16629-51BE-4383-B60B-6EEEB8889385}"/>
+              </a:ext>
+            </a:extLst>
+          </p:cNvPr>
+          <p:cNvSpPr txBox="1"/>
+          <p:nvPr/>
+        </p:nvSpPr>
+        <p:spPr>
+          <a:xfrm>
+            <a:off x="6464559" y="3648433"/>
+            <a:ext cx="5109676" cy="369332"/>
+          </a:xfrm>
+          <a:prstGeom prst="rect">
+            <a:avLst/>
+          </a:prstGeom>
+          <a:noFill/>
+        </p:spPr>
+        <p:txBody>
+          <a:bodyPr wrap="square" rtlCol="0">
+            <a:spAutoFit/>
+          </a:bodyPr>
+          <a:lstStyle/>
+          <a:p>
+            <a:r>
+              <a:rPr lang="en-AU" b="1" dirty="0"/>
+              <a:t>Patch-based confusion matrix:</a:t>
+            </a:r>
           </a:p>
         </p:txBody>
       </p:sp>
     </p:spTree>
     <p:extLst>
       <p:ext uri="{BB962C8B-B14F-4D97-AF65-F5344CB8AC3E}">
-        <p14:creationId xmlns:p14="http://schemas.microsoft.com/office/powerpoint/2010/main" val="903557951"/>
+        <p14:creationId xmlns:p14="http://schemas.microsoft.com/office/powerpoint/2010/main" val="3993941524"/>
       </p:ext>
     </p:extLst>
   </p:cSld>
@@ -8833,8 +12862,107 @@
           <a:p>
             <a:r>
               <a:rPr lang="en-AU" dirty="0"/>
-              <a:t>Results -  Experiment 2</a:t>
-            </a:r>
+              <a:t>Results – Experiment 2</a:t>
+            </a:r>
+          </a:p>
+        </p:txBody>
+      </p:sp>
+      <p:sp>
+        <p:nvSpPr>
+          <p:cNvPr id="7" name="Content Placeholder 2">
+            <a:extLst>
+              <a:ext uri="{FF2B5EF4-FFF2-40B4-BE49-F238E27FC236}">
+                <a16:creationId xmlns:a16="http://schemas.microsoft.com/office/drawing/2014/main" id="{E504F6FA-01EB-4FE6-93BF-AD3231A54AA7}"/>
+              </a:ext>
+            </a:extLst>
+          </p:cNvPr>
+          <p:cNvSpPr>
+            <a:spLocks noGrp="1"/>
+          </p:cNvSpPr>
+          <p:nvPr>
+            <p:ph idx="1"/>
+          </p:nvPr>
+        </p:nvSpPr>
+        <p:spPr>
+          <a:xfrm>
+            <a:off x="838200" y="1681245"/>
+            <a:ext cx="10515600" cy="1891597"/>
+          </a:xfrm>
+        </p:spPr>
+        <p:txBody>
+          <a:bodyPr>
+            <a:normAutofit/>
+          </a:bodyPr>
+          <a:lstStyle/>
+          <a:p>
+            <a:pPr>
+              <a:lnSpc>
+                <a:spcPct val="100000"/>
+              </a:lnSpc>
+            </a:pPr>
+            <a:r>
+              <a:rPr lang="en-AU" sz="2400" dirty="0"/>
+              <a:t>ResNet50 and SEResNet50 provide the greatest prediction results. These two models provide identical predictions.</a:t>
+            </a:r>
+          </a:p>
+          <a:p>
+            <a:pPr>
+              <a:lnSpc>
+                <a:spcPct val="100000"/>
+              </a:lnSpc>
+            </a:pPr>
+            <a:r>
+              <a:rPr lang="en-AU" sz="2400" dirty="0"/>
+              <a:t>DenseNet121 does not perform as well as ResNet50.</a:t>
+            </a:r>
+          </a:p>
+          <a:p>
+            <a:pPr>
+              <a:lnSpc>
+                <a:spcPct val="100000"/>
+              </a:lnSpc>
+            </a:pPr>
+            <a:r>
+              <a:rPr lang="en-AU" sz="2400" dirty="0"/>
+              <a:t>The ensemble model did not have the greatest performance.</a:t>
+            </a:r>
+          </a:p>
+          <a:p>
+            <a:pPr>
+              <a:lnSpc>
+                <a:spcPct val="100000"/>
+              </a:lnSpc>
+            </a:pPr>
+            <a:endParaRPr lang="en-AU" sz="2400" dirty="0"/>
+          </a:p>
+        </p:txBody>
+      </p:sp>
+      <p:sp>
+        <p:nvSpPr>
+          <p:cNvPr id="3" name="Slide Number Placeholder 2">
+            <a:extLst>
+              <a:ext uri="{FF2B5EF4-FFF2-40B4-BE49-F238E27FC236}">
+                <a16:creationId xmlns:a16="http://schemas.microsoft.com/office/drawing/2014/main" id="{4295ED86-50CC-4847-8842-614B6E323265}"/>
+              </a:ext>
+            </a:extLst>
+          </p:cNvPr>
+          <p:cNvSpPr>
+            <a:spLocks noGrp="1"/>
+          </p:cNvSpPr>
+          <p:nvPr>
+            <p:ph type="sldNum" sz="quarter" idx="12"/>
+          </p:nvPr>
+        </p:nvSpPr>
+        <p:spPr/>
+        <p:txBody>
+          <a:bodyPr/>
+          <a:lstStyle/>
+          <a:p>
+            <a:fld id="{4854181D-6920-4594-9A5D-6CE56DC9F8B2}" type="slidenum">
+              <a:rPr lang="en-US" smtClean="0"/>
+              <a:t>14</a:t>
+            </a:fld>
+            <a:endParaRPr lang="en-US"/>
           </a:p>
         </p:txBody>
       </p:sp>
@@ -8850,13 +12978,7 @@
           <p:cNvGraphicFramePr>
             <a:graphicFrameLocks noGrp="1"/>
           </p:cNvGraphicFramePr>
-          <p:nvPr>
-            <p:extLst>
-              <p:ext uri="{D42A27DB-BD31-4B8C-83A1-F6EECF244321}">
-                <p14:modId xmlns:p14="http://schemas.microsoft.com/office/powerpoint/2010/main" val="1535327739"/>
-              </p:ext>
-            </p:extLst>
-          </p:nvPr>
+          <p:nvPr/>
         </p:nvGraphicFramePr>
         <p:xfrm>
           <a:off x="2136000" y="3572842"/>
@@ -8998,7 +13120,7 @@
                     <a:p>
                       <a:r>
                         <a:rPr lang="en-AU" dirty="0"/>
-                        <a:t>0.9</a:t>
+                        <a:t>0.90</a:t>
                       </a:r>
                     </a:p>
                   </a:txBody>
@@ -9024,7 +13146,7 @@
                     <a:p>
                       <a:r>
                         <a:rPr lang="en-AU" dirty="0"/>
-                        <a:t>0.8</a:t>
+                        <a:t>0.80</a:t>
                       </a:r>
                     </a:p>
                   </a:txBody>
@@ -9037,7 +13159,7 @@
                     <a:p>
                       <a:r>
                         <a:rPr lang="en-AU" dirty="0"/>
-                        <a:t>1.0</a:t>
+                        <a:t>1.00</a:t>
                       </a:r>
                     </a:p>
                   </a:txBody>
@@ -9070,7 +13192,7 @@
                     <a:p>
                       <a:r>
                         <a:rPr lang="en-AU" dirty="0"/>
-                        <a:t>0.9</a:t>
+                        <a:t>0.90</a:t>
                       </a:r>
                     </a:p>
                   </a:txBody>
@@ -9096,7 +13218,7 @@
                     <a:p>
                       <a:r>
                         <a:rPr lang="en-AU" dirty="0"/>
-                        <a:t>0.8</a:t>
+                        <a:t>0.80</a:t>
                       </a:r>
                     </a:p>
                   </a:txBody>
@@ -9109,7 +13231,7 @@
                     <a:p>
                       <a:r>
                         <a:rPr lang="en-AU" dirty="0"/>
-                        <a:t>1.0</a:t>
+                        <a:t>1.00</a:t>
                       </a:r>
                     </a:p>
                   </a:txBody>
@@ -9168,7 +13290,7 @@
                     <a:p>
                       <a:r>
                         <a:rPr lang="en-AU" dirty="0"/>
-                        <a:t>0.9</a:t>
+                        <a:t>0.90</a:t>
                       </a:r>
                     </a:p>
                   </a:txBody>
@@ -9181,7 +13303,7 @@
                     <a:p>
                       <a:r>
                         <a:rPr lang="en-AU" dirty="0"/>
-                        <a:t>0.6</a:t>
+                        <a:t>0.60</a:t>
                       </a:r>
                     </a:p>
                   </a:txBody>
@@ -9240,7 +13362,7 @@
                     <a:p>
                       <a:r>
                         <a:rPr lang="en-AU" dirty="0"/>
-                        <a:t>0.7</a:t>
+                        <a:t>0.70</a:t>
                       </a:r>
                     </a:p>
                   </a:txBody>
@@ -9253,7 +13375,7 @@
                     <a:p>
                       <a:r>
                         <a:rPr lang="en-AU" dirty="0"/>
-                        <a:t>0.6</a:t>
+                        <a:t>0.60</a:t>
                       </a:r>
                     </a:p>
                   </a:txBody>
@@ -9312,7 +13434,7 @@
                     <a:p>
                       <a:r>
                         <a:rPr lang="en-AU" dirty="0"/>
-                        <a:t>1.0</a:t>
+                        <a:t>1.00</a:t>
                       </a:r>
                     </a:p>
                   </a:txBody>
@@ -9325,7 +13447,7 @@
                     <a:p>
                       <a:r>
                         <a:rPr lang="en-AU" dirty="0"/>
-                        <a:t>0.7</a:t>
+                        <a:t>0.70</a:t>
                       </a:r>
                     </a:p>
                   </a:txBody>
@@ -9384,7 +13506,7 @@
                     <a:p>
                       <a:r>
                         <a:rPr lang="en-AU" dirty="0"/>
-                        <a:t>1.0</a:t>
+                        <a:t>1.00</a:t>
                       </a:r>
                     </a:p>
                   </a:txBody>
@@ -9397,7 +13519,7 @@
                     <a:p>
                       <a:r>
                         <a:rPr lang="en-AU" dirty="0"/>
-                        <a:t>0.7</a:t>
+                        <a:t>0.70</a:t>
                       </a:r>
                     </a:p>
                   </a:txBody>
@@ -9413,109 +13535,10 @@
           </a:graphicData>
         </a:graphic>
       </p:graphicFrame>
-      <p:sp>
-        <p:nvSpPr>
-          <p:cNvPr id="7" name="Content Placeholder 2">
-            <a:extLst>
-              <a:ext uri="{FF2B5EF4-FFF2-40B4-BE49-F238E27FC236}">
-                <a16:creationId xmlns:a16="http://schemas.microsoft.com/office/drawing/2014/main" id="{E504F6FA-01EB-4FE6-93BF-AD3231A54AA7}"/>
-              </a:ext>
-            </a:extLst>
-          </p:cNvPr>
-          <p:cNvSpPr>
-            <a:spLocks noGrp="1"/>
-          </p:cNvSpPr>
-          <p:nvPr>
-            <p:ph idx="1"/>
-          </p:nvPr>
-        </p:nvSpPr>
-        <p:spPr>
-          <a:xfrm>
-            <a:off x="838200" y="1681245"/>
-            <a:ext cx="10515600" cy="1891597"/>
-          </a:xfrm>
-        </p:spPr>
-        <p:txBody>
-          <a:bodyPr>
-            <a:normAutofit/>
-          </a:bodyPr>
-          <a:lstStyle/>
-          <a:p>
-            <a:pPr>
-              <a:lnSpc>
-                <a:spcPct val="100000"/>
-              </a:lnSpc>
-            </a:pPr>
-            <a:r>
-              <a:rPr lang="en-AU" sz="2400" dirty="0"/>
-              <a:t>ResNet50 and SEResNet50 provide the greatest prediction results. These two models provide identical predictions.</a:t>
-            </a:r>
-          </a:p>
-          <a:p>
-            <a:pPr>
-              <a:lnSpc>
-                <a:spcPct val="100000"/>
-              </a:lnSpc>
-            </a:pPr>
-            <a:r>
-              <a:rPr lang="en-AU" sz="2400" dirty="0"/>
-              <a:t>DenseNet121 does not perform as well as ResNet50.</a:t>
-            </a:r>
-          </a:p>
-          <a:p>
-            <a:pPr>
-              <a:lnSpc>
-                <a:spcPct val="100000"/>
-              </a:lnSpc>
-            </a:pPr>
-            <a:r>
-              <a:rPr lang="en-AU" sz="2400" dirty="0"/>
-              <a:t>The ensemble model did not have the greatest performance.</a:t>
-            </a:r>
-          </a:p>
-          <a:p>
-            <a:pPr>
-              <a:lnSpc>
-                <a:spcPct val="100000"/>
-              </a:lnSpc>
-            </a:pPr>
-            <a:endParaRPr lang="en-AU" sz="2400" dirty="0"/>
-          </a:p>
-        </p:txBody>
-      </p:sp>
-      <p:sp>
-        <p:nvSpPr>
-          <p:cNvPr id="3" name="Slide Number Placeholder 2">
-            <a:extLst>
-              <a:ext uri="{FF2B5EF4-FFF2-40B4-BE49-F238E27FC236}">
-                <a16:creationId xmlns:a16="http://schemas.microsoft.com/office/drawing/2014/main" id="{4295ED86-50CC-4847-8842-614B6E323265}"/>
-              </a:ext>
-            </a:extLst>
-          </p:cNvPr>
-          <p:cNvSpPr>
-            <a:spLocks noGrp="1"/>
-          </p:cNvSpPr>
-          <p:nvPr>
-            <p:ph type="sldNum" sz="quarter" idx="12"/>
-          </p:nvPr>
-        </p:nvSpPr>
-        <p:spPr/>
-        <p:txBody>
-          <a:bodyPr/>
-          <a:lstStyle/>
-          <a:p>
-            <a:fld id="{4854181D-6920-4594-9A5D-6CE56DC9F8B2}" type="slidenum">
-              <a:rPr lang="en-US" smtClean="0"/>
-              <a:t>14</a:t>
-            </a:fld>
-            <a:endParaRPr lang="en-US"/>
-          </a:p>
-        </p:txBody>
-      </p:sp>
     </p:spTree>
     <p:extLst>
       <p:ext uri="{BB962C8B-B14F-4D97-AF65-F5344CB8AC3E}">
-        <p14:creationId xmlns:p14="http://schemas.microsoft.com/office/powerpoint/2010/main" val="758209384"/>
+        <p14:creationId xmlns:p14="http://schemas.microsoft.com/office/powerpoint/2010/main" val="2147648810"/>
       </p:ext>
     </p:extLst>
   </p:cSld>
@@ -9565,47 +13588,7 @@
           <a:p>
             <a:r>
               <a:rPr lang="en-AU" dirty="0"/>
-              <a:t>Results -  Experiment 2</a:t>
-            </a:r>
-          </a:p>
-        </p:txBody>
-      </p:sp>
-      <p:sp>
-        <p:nvSpPr>
-          <p:cNvPr id="7" name="Content Placeholder 2">
-            <a:extLst>
-              <a:ext uri="{FF2B5EF4-FFF2-40B4-BE49-F238E27FC236}">
-                <a16:creationId xmlns:a16="http://schemas.microsoft.com/office/drawing/2014/main" id="{E504F6FA-01EB-4FE6-93BF-AD3231A54AA7}"/>
-              </a:ext>
-            </a:extLst>
-          </p:cNvPr>
-          <p:cNvSpPr>
-            <a:spLocks noGrp="1"/>
-          </p:cNvSpPr>
-          <p:nvPr>
-            <p:ph idx="1"/>
-          </p:nvPr>
-        </p:nvSpPr>
-        <p:spPr>
-          <a:xfrm>
-            <a:off x="838200" y="1681245"/>
-            <a:ext cx="10515600" cy="1891597"/>
-          </a:xfrm>
-        </p:spPr>
-        <p:txBody>
-          <a:bodyPr>
-            <a:normAutofit/>
-          </a:bodyPr>
-          <a:lstStyle/>
-          <a:p>
-            <a:pPr>
-              <a:lnSpc>
-                <a:spcPct val="100000"/>
-              </a:lnSpc>
-            </a:pPr>
-            <a:r>
-              <a:rPr lang="en-AU" dirty="0"/>
-              <a:t>Have the ROC curves of all the models</a:t>
+              <a:t>Results – Comparison</a:t>
             </a:r>
           </a:p>
         </p:txBody>
@@ -9639,10 +13622,935 @@
           </a:p>
         </p:txBody>
       </p:sp>
+      <p:graphicFrame>
+        <p:nvGraphicFramePr>
+          <p:cNvPr id="5" name="Table 4">
+            <a:extLst>
+              <a:ext uri="{FF2B5EF4-FFF2-40B4-BE49-F238E27FC236}">
+                <a16:creationId xmlns:a16="http://schemas.microsoft.com/office/drawing/2014/main" id="{4C4B786F-DBDD-4F88-83E3-15CB96D9B3BF}"/>
+              </a:ext>
+            </a:extLst>
+          </p:cNvPr>
+          <p:cNvGraphicFramePr>
+            <a:graphicFrameLocks noGrp="1"/>
+          </p:cNvGraphicFramePr>
+          <p:nvPr/>
+        </p:nvGraphicFramePr>
+        <p:xfrm>
+          <a:off x="1056000" y="1828800"/>
+          <a:ext cx="10080000" cy="3474720"/>
+        </p:xfrm>
+        <a:graphic>
+          <a:graphicData uri="http://schemas.openxmlformats.org/drawingml/2006/table">
+            <a:tbl>
+              <a:tblPr firstRow="1" bandRow="1">
+                <a:tableStyleId>{616DA210-FB5B-4158-B5E0-FEB733F419BA}</a:tableStyleId>
+              </a:tblPr>
+              <a:tblGrid>
+                <a:gridCol w="1980000">
+                  <a:extLst>
+                    <a:ext uri="{9D8B030D-6E8A-4147-A177-3AD203B41FA5}">
+                      <a16:colId xmlns:a16="http://schemas.microsoft.com/office/drawing/2014/main" val="4049177488"/>
+                    </a:ext>
+                  </a:extLst>
+                </a:gridCol>
+                <a:gridCol w="2340000">
+                  <a:extLst>
+                    <a:ext uri="{9D8B030D-6E8A-4147-A177-3AD203B41FA5}">
+                      <a16:colId xmlns:a16="http://schemas.microsoft.com/office/drawing/2014/main" val="3439500369"/>
+                    </a:ext>
+                  </a:extLst>
+                </a:gridCol>
+                <a:gridCol w="1440000">
+                  <a:extLst>
+                    <a:ext uri="{9D8B030D-6E8A-4147-A177-3AD203B41FA5}">
+                      <a16:colId xmlns:a16="http://schemas.microsoft.com/office/drawing/2014/main" val="348599610"/>
+                    </a:ext>
+                  </a:extLst>
+                </a:gridCol>
+                <a:gridCol w="1440000">
+                  <a:extLst>
+                    <a:ext uri="{9D8B030D-6E8A-4147-A177-3AD203B41FA5}">
+                      <a16:colId xmlns:a16="http://schemas.microsoft.com/office/drawing/2014/main" val="2421245066"/>
+                    </a:ext>
+                  </a:extLst>
+                </a:gridCol>
+                <a:gridCol w="1440000">
+                  <a:extLst>
+                    <a:ext uri="{9D8B030D-6E8A-4147-A177-3AD203B41FA5}">
+                      <a16:colId xmlns:a16="http://schemas.microsoft.com/office/drawing/2014/main" val="1572832976"/>
+                    </a:ext>
+                  </a:extLst>
+                </a:gridCol>
+                <a:gridCol w="1440000">
+                  <a:extLst>
+                    <a:ext uri="{9D8B030D-6E8A-4147-A177-3AD203B41FA5}">
+                      <a16:colId xmlns:a16="http://schemas.microsoft.com/office/drawing/2014/main" val="3615339399"/>
+                    </a:ext>
+                  </a:extLst>
+                </a:gridCol>
+              </a:tblGrid>
+              <a:tr h="370840">
+                <a:tc>
+                  <a:txBody>
+                    <a:bodyPr/>
+                    <a:lstStyle/>
+                    <a:p>
+                      <a:endParaRPr lang="en-AU" dirty="0"/>
+                    </a:p>
+                  </a:txBody>
+                  <a:tcPr/>
+                </a:tc>
+                <a:tc>
+                  <a:txBody>
+                    <a:bodyPr/>
+                    <a:lstStyle/>
+                    <a:p>
+                      <a:pPr marL="0" marR="0" lvl="0" indent="0" algn="l" defTabSz="914400" rtl="0" eaLnBrk="1" fontAlgn="auto" latinLnBrk="0" hangingPunct="1">
+                        <a:lnSpc>
+                          <a:spcPct val="100000"/>
+                        </a:lnSpc>
+                        <a:spcBef>
+                          <a:spcPts val="0"/>
+                        </a:spcBef>
+                        <a:spcAft>
+                          <a:spcPts val="0"/>
+                        </a:spcAft>
+                        <a:buClrTx/>
+                        <a:buSzTx/>
+                        <a:buFontTx/>
+                        <a:buNone/>
+                        <a:tabLst/>
+                        <a:defRPr/>
+                      </a:pPr>
+                      <a:r>
+                        <a:rPr lang="en-AU" dirty="0"/>
+                        <a:t>Model</a:t>
+                      </a:r>
+                    </a:p>
+                  </a:txBody>
+                  <a:tcPr/>
+                </a:tc>
+                <a:tc>
+                  <a:txBody>
+                    <a:bodyPr/>
+                    <a:lstStyle/>
+                    <a:p>
+                      <a:r>
+                        <a:rPr lang="en-AU" dirty="0"/>
+                        <a:t>Time to outcome</a:t>
+                      </a:r>
+                    </a:p>
+                  </a:txBody>
+                  <a:tcPr/>
+                </a:tc>
+                <a:tc>
+                  <a:txBody>
+                    <a:bodyPr/>
+                    <a:lstStyle/>
+                    <a:p>
+                      <a:r>
+                        <a:rPr lang="en-AU" dirty="0"/>
+                        <a:t>AUC</a:t>
+                      </a:r>
+                    </a:p>
+                  </a:txBody>
+                  <a:tcPr/>
+                </a:tc>
+                <a:tc>
+                  <a:txBody>
+                    <a:bodyPr/>
+                    <a:lstStyle/>
+                    <a:p>
+                      <a:r>
+                        <a:rPr lang="en-AU" dirty="0"/>
+                        <a:t>Sensitivity</a:t>
+                      </a:r>
+                    </a:p>
+                  </a:txBody>
+                  <a:tcPr/>
+                </a:tc>
+                <a:tc>
+                  <a:txBody>
+                    <a:bodyPr/>
+                    <a:lstStyle/>
+                    <a:p>
+                      <a:r>
+                        <a:rPr lang="en-AU" dirty="0"/>
+                        <a:t>Specificity</a:t>
+                      </a:r>
+                    </a:p>
+                  </a:txBody>
+                  <a:tcPr/>
+                </a:tc>
+                <a:extLst>
+                  <a:ext uri="{0D108BD9-81ED-4DB2-BD59-A6C34878D82A}">
+                    <a16:rowId xmlns:a16="http://schemas.microsoft.com/office/drawing/2014/main" val="1793751587"/>
+                  </a:ext>
+                </a:extLst>
+              </a:tr>
+              <a:tr h="333055">
+                <a:tc rowSpan="6">
+                  <a:txBody>
+                    <a:bodyPr/>
+                    <a:lstStyle/>
+                    <a:p>
+                      <a:pPr algn="l"/>
+                      <a:r>
+                        <a:rPr lang="en-AU" sz="1800" b="0" i="0" u="none" strike="noStrike" kern="1200" baseline="0" dirty="0">
+                          <a:solidFill>
+                            <a:schemeClr val="tx1"/>
+                          </a:solidFill>
+                          <a:latin typeface="+mn-lt"/>
+                          <a:ea typeface="+mn-ea"/>
+                          <a:cs typeface="+mn-cs"/>
+                        </a:rPr>
+                        <a:t>Albert </a:t>
+                      </a:r>
+                      <a:r>
+                        <a:rPr lang="en-AU" sz="1800" b="0" i="1" u="none" strike="noStrike" kern="1200" baseline="0" dirty="0">
+                          <a:solidFill>
+                            <a:schemeClr val="tx1"/>
+                          </a:solidFill>
+                          <a:latin typeface="+mn-lt"/>
+                          <a:ea typeface="+mn-ea"/>
+                          <a:cs typeface="+mn-cs"/>
+                        </a:rPr>
+                        <a:t>et al. </a:t>
+                      </a:r>
+                      <a:r>
+                        <a:rPr lang="en-AU" sz="1800" b="0" i="0" u="none" strike="noStrike" kern="1200" baseline="0" dirty="0">
+                          <a:solidFill>
+                            <a:schemeClr val="tx1"/>
+                          </a:solidFill>
+                          <a:latin typeface="+mn-lt"/>
+                          <a:ea typeface="+mn-ea"/>
+                          <a:cs typeface="+mn-cs"/>
+                        </a:rPr>
+                        <a:t>[xxx]</a:t>
+                      </a:r>
+                      <a:endParaRPr lang="en-AU" i="1" dirty="0"/>
+                    </a:p>
+                  </a:txBody>
+                  <a:tcPr anchor="ctr"/>
+                </a:tc>
+                <a:tc rowSpan="3">
+                  <a:txBody>
+                    <a:bodyPr/>
+                    <a:lstStyle/>
+                    <a:p>
+                      <a:pPr algn="l"/>
+                      <a:r>
+                        <a:rPr lang="en-AU" dirty="0"/>
+                        <a:t>Cox regression </a:t>
+                      </a:r>
+                    </a:p>
+                    <a:p>
+                      <a:pPr algn="l"/>
+                      <a:r>
+                        <a:rPr lang="en-AU" dirty="0"/>
+                        <a:t>(MRI data only)</a:t>
+                      </a:r>
+                    </a:p>
+                  </a:txBody>
+                  <a:tcPr anchor="ctr"/>
+                </a:tc>
+                <a:tc>
+                  <a:txBody>
+                    <a:bodyPr/>
+                    <a:lstStyle/>
+                    <a:p>
+                      <a:pPr algn="l"/>
+                      <a:r>
+                        <a:rPr lang="en-AU" dirty="0"/>
+                        <a:t>5 years</a:t>
+                      </a:r>
+                    </a:p>
+                  </a:txBody>
+                  <a:tcPr/>
+                </a:tc>
+                <a:tc>
+                  <a:txBody>
+                    <a:bodyPr/>
+                    <a:lstStyle/>
+                    <a:p>
+                      <a:pPr algn="l"/>
+                      <a:r>
+                        <a:rPr lang="en-AU" dirty="0"/>
+                        <a:t>0.740</a:t>
+                      </a:r>
+                    </a:p>
+                  </a:txBody>
+                  <a:tcPr/>
+                </a:tc>
+                <a:tc>
+                  <a:txBody>
+                    <a:bodyPr/>
+                    <a:lstStyle/>
+                    <a:p>
+                      <a:pPr algn="l"/>
+                      <a:r>
+                        <a:rPr lang="en-AU" dirty="0"/>
+                        <a:t>0.641</a:t>
+                      </a:r>
+                    </a:p>
+                  </a:txBody>
+                  <a:tcPr/>
+                </a:tc>
+                <a:tc>
+                  <a:txBody>
+                    <a:bodyPr/>
+                    <a:lstStyle/>
+                    <a:p>
+                      <a:pPr algn="l"/>
+                      <a:r>
+                        <a:rPr lang="en-AU" dirty="0"/>
+                        <a:t>0.710</a:t>
+                      </a:r>
+                    </a:p>
+                  </a:txBody>
+                  <a:tcPr/>
+                </a:tc>
+                <a:extLst>
+                  <a:ext uri="{0D108BD9-81ED-4DB2-BD59-A6C34878D82A}">
+                    <a16:rowId xmlns:a16="http://schemas.microsoft.com/office/drawing/2014/main" val="522123696"/>
+                  </a:ext>
+                </a:extLst>
+              </a:tr>
+              <a:tr h="333055">
+                <a:tc vMerge="1">
+                  <a:txBody>
+                    <a:bodyPr/>
+                    <a:lstStyle/>
+                    <a:p>
+                      <a:pPr marL="0" marR="0" lvl="0" indent="0" algn="l" defTabSz="914400" rtl="0" eaLnBrk="1" fontAlgn="auto" latinLnBrk="0" hangingPunct="1">
+                        <a:lnSpc>
+                          <a:spcPct val="100000"/>
+                        </a:lnSpc>
+                        <a:spcBef>
+                          <a:spcPts val="0"/>
+                        </a:spcBef>
+                        <a:spcAft>
+                          <a:spcPts val="0"/>
+                        </a:spcAft>
+                        <a:buClrTx/>
+                        <a:buSzTx/>
+                        <a:buFontTx/>
+                        <a:buNone/>
+                        <a:tabLst/>
+                        <a:defRPr/>
+                      </a:pPr>
+                      <a:endParaRPr lang="en-AU" i="1" dirty="0"/>
+                    </a:p>
+                  </a:txBody>
+                  <a:tcPr/>
+                </a:tc>
+                <a:tc vMerge="1">
+                  <a:txBody>
+                    <a:bodyPr/>
+                    <a:lstStyle/>
+                    <a:p>
+                      <a:endParaRPr lang="en-AU" dirty="0"/>
+                    </a:p>
+                  </a:txBody>
+                  <a:tcPr/>
+                </a:tc>
+                <a:tc>
+                  <a:txBody>
+                    <a:bodyPr/>
+                    <a:lstStyle/>
+                    <a:p>
+                      <a:pPr algn="l"/>
+                      <a:r>
+                        <a:rPr lang="en-AU" dirty="0"/>
+                        <a:t>7 years</a:t>
+                      </a:r>
+                    </a:p>
+                  </a:txBody>
+                  <a:tcPr anchor="ctr"/>
+                </a:tc>
+                <a:tc>
+                  <a:txBody>
+                    <a:bodyPr/>
+                    <a:lstStyle/>
+                    <a:p>
+                      <a:pPr algn="l"/>
+                      <a:r>
+                        <a:rPr lang="en-AU" dirty="0"/>
+                        <a:t>0.722</a:t>
+                      </a:r>
+                    </a:p>
+                  </a:txBody>
+                  <a:tcPr anchor="ctr"/>
+                </a:tc>
+                <a:tc>
+                  <a:txBody>
+                    <a:bodyPr/>
+                    <a:lstStyle/>
+                    <a:p>
+                      <a:pPr algn="l"/>
+                      <a:r>
+                        <a:rPr lang="en-AU" dirty="0"/>
+                        <a:t>0.662</a:t>
+                      </a:r>
+                    </a:p>
+                  </a:txBody>
+                  <a:tcPr anchor="ctr"/>
+                </a:tc>
+                <a:tc>
+                  <a:txBody>
+                    <a:bodyPr/>
+                    <a:lstStyle/>
+                    <a:p>
+                      <a:pPr algn="l"/>
+                      <a:r>
+                        <a:rPr lang="en-AU" dirty="0"/>
+                        <a:t>0.659</a:t>
+                      </a:r>
+                    </a:p>
+                  </a:txBody>
+                  <a:tcPr anchor="ctr"/>
+                </a:tc>
+                <a:extLst>
+                  <a:ext uri="{0D108BD9-81ED-4DB2-BD59-A6C34878D82A}">
+                    <a16:rowId xmlns:a16="http://schemas.microsoft.com/office/drawing/2014/main" val="1487760736"/>
+                  </a:ext>
+                </a:extLst>
+              </a:tr>
+              <a:tr h="333055">
+                <a:tc vMerge="1">
+                  <a:txBody>
+                    <a:bodyPr/>
+                    <a:lstStyle/>
+                    <a:p>
+                      <a:endParaRPr lang="en-AU" i="1" dirty="0"/>
+                    </a:p>
+                  </a:txBody>
+                  <a:tcPr/>
+                </a:tc>
+                <a:tc vMerge="1">
+                  <a:txBody>
+                    <a:bodyPr/>
+                    <a:lstStyle/>
+                    <a:p>
+                      <a:endParaRPr lang="en-AU" dirty="0"/>
+                    </a:p>
+                  </a:txBody>
+                  <a:tcPr/>
+                </a:tc>
+                <a:tc>
+                  <a:txBody>
+                    <a:bodyPr/>
+                    <a:lstStyle/>
+                    <a:p>
+                      <a:pPr algn="l"/>
+                      <a:r>
+                        <a:rPr lang="en-AU" dirty="0"/>
+                        <a:t>9 years</a:t>
+                      </a:r>
+                    </a:p>
+                  </a:txBody>
+                  <a:tcPr anchor="ctr"/>
+                </a:tc>
+                <a:tc>
+                  <a:txBody>
+                    <a:bodyPr/>
+                    <a:lstStyle/>
+                    <a:p>
+                      <a:pPr algn="l"/>
+                      <a:r>
+                        <a:rPr lang="en-AU" dirty="0"/>
+                        <a:t>0.705</a:t>
+                      </a:r>
+                    </a:p>
+                  </a:txBody>
+                  <a:tcPr anchor="ctr"/>
+                </a:tc>
+                <a:tc>
+                  <a:txBody>
+                    <a:bodyPr/>
+                    <a:lstStyle/>
+                    <a:p>
+                      <a:pPr algn="l"/>
+                      <a:r>
+                        <a:rPr lang="en-AU" dirty="0"/>
+                        <a:t>0.616</a:t>
+                      </a:r>
+                    </a:p>
+                  </a:txBody>
+                  <a:tcPr anchor="ctr"/>
+                </a:tc>
+                <a:tc>
+                  <a:txBody>
+                    <a:bodyPr/>
+                    <a:lstStyle/>
+                    <a:p>
+                      <a:pPr algn="l"/>
+                      <a:r>
+                        <a:rPr lang="en-AU" dirty="0"/>
+                        <a:t>0.678</a:t>
+                      </a:r>
+                    </a:p>
+                  </a:txBody>
+                  <a:tcPr anchor="ctr"/>
+                </a:tc>
+                <a:extLst>
+                  <a:ext uri="{0D108BD9-81ED-4DB2-BD59-A6C34878D82A}">
+                    <a16:rowId xmlns:a16="http://schemas.microsoft.com/office/drawing/2014/main" val="330713086"/>
+                  </a:ext>
+                </a:extLst>
+              </a:tr>
+              <a:tr h="333055">
+                <a:tc vMerge="1">
+                  <a:txBody>
+                    <a:bodyPr/>
+                    <a:lstStyle/>
+                    <a:p>
+                      <a:pPr marL="0" marR="0" lvl="0" indent="0" algn="l" defTabSz="914400" rtl="0" eaLnBrk="1" fontAlgn="auto" latinLnBrk="0" hangingPunct="1">
+                        <a:lnSpc>
+                          <a:spcPct val="100000"/>
+                        </a:lnSpc>
+                        <a:spcBef>
+                          <a:spcPts val="0"/>
+                        </a:spcBef>
+                        <a:spcAft>
+                          <a:spcPts val="0"/>
+                        </a:spcAft>
+                        <a:buClrTx/>
+                        <a:buSzTx/>
+                        <a:buFontTx/>
+                        <a:buNone/>
+                        <a:tabLst/>
+                        <a:defRPr/>
+                      </a:pPr>
+                      <a:endParaRPr lang="en-AU" i="1" dirty="0"/>
+                    </a:p>
+                  </a:txBody>
+                  <a:tcPr/>
+                </a:tc>
+                <a:tc rowSpan="3">
+                  <a:txBody>
+                    <a:bodyPr/>
+                    <a:lstStyle/>
+                    <a:p>
+                      <a:pPr algn="l"/>
+                      <a:r>
+                        <a:rPr lang="en-AU" dirty="0"/>
+                        <a:t>Cox Regression (MRI + APOE-4 + CSF + cognitive testing)</a:t>
+                      </a:r>
+                    </a:p>
+                  </a:txBody>
+                  <a:tcPr anchor="ctr"/>
+                </a:tc>
+                <a:tc>
+                  <a:txBody>
+                    <a:bodyPr/>
+                    <a:lstStyle/>
+                    <a:p>
+                      <a:pPr algn="l"/>
+                      <a:r>
+                        <a:rPr lang="en-AU" dirty="0"/>
+                        <a:t>5 years</a:t>
+                      </a:r>
+                    </a:p>
+                  </a:txBody>
+                  <a:tcPr anchor="ctr"/>
+                </a:tc>
+                <a:tc>
+                  <a:txBody>
+                    <a:bodyPr/>
+                    <a:lstStyle/>
+                    <a:p>
+                      <a:pPr algn="l"/>
+                      <a:r>
+                        <a:rPr lang="en-AU" dirty="0"/>
+                        <a:t>0.850</a:t>
+                      </a:r>
+                    </a:p>
+                  </a:txBody>
+                  <a:tcPr anchor="ctr"/>
+                </a:tc>
+                <a:tc>
+                  <a:txBody>
+                    <a:bodyPr/>
+                    <a:lstStyle/>
+                    <a:p>
+                      <a:pPr algn="l"/>
+                      <a:r>
+                        <a:rPr lang="en-AU" dirty="0"/>
+                        <a:t>0.804</a:t>
+                      </a:r>
+                    </a:p>
+                  </a:txBody>
+                  <a:tcPr anchor="ctr"/>
+                </a:tc>
+                <a:tc>
+                  <a:txBody>
+                    <a:bodyPr/>
+                    <a:lstStyle/>
+                    <a:p>
+                      <a:pPr algn="l"/>
+                      <a:r>
+                        <a:rPr lang="en-AU" dirty="0"/>
+                        <a:t>0.740</a:t>
+                      </a:r>
+                    </a:p>
+                  </a:txBody>
+                  <a:tcPr anchor="ctr"/>
+                </a:tc>
+                <a:extLst>
+                  <a:ext uri="{0D108BD9-81ED-4DB2-BD59-A6C34878D82A}">
+                    <a16:rowId xmlns:a16="http://schemas.microsoft.com/office/drawing/2014/main" val="2308906065"/>
+                  </a:ext>
+                </a:extLst>
+              </a:tr>
+              <a:tr h="333055">
+                <a:tc vMerge="1">
+                  <a:txBody>
+                    <a:bodyPr/>
+                    <a:lstStyle/>
+                    <a:p>
+                      <a:pPr marL="0" marR="0" lvl="0" indent="0" algn="l" defTabSz="914400" rtl="0" eaLnBrk="1" fontAlgn="auto" latinLnBrk="0" hangingPunct="1">
+                        <a:lnSpc>
+                          <a:spcPct val="100000"/>
+                        </a:lnSpc>
+                        <a:spcBef>
+                          <a:spcPts val="0"/>
+                        </a:spcBef>
+                        <a:spcAft>
+                          <a:spcPts val="0"/>
+                        </a:spcAft>
+                        <a:buClrTx/>
+                        <a:buSzTx/>
+                        <a:buFontTx/>
+                        <a:buNone/>
+                        <a:tabLst/>
+                        <a:defRPr/>
+                      </a:pPr>
+                      <a:endParaRPr lang="en-AU" i="1" dirty="0"/>
+                    </a:p>
+                  </a:txBody>
+                  <a:tcPr/>
+                </a:tc>
+                <a:tc vMerge="1">
+                  <a:txBody>
+                    <a:bodyPr/>
+                    <a:lstStyle/>
+                    <a:p>
+                      <a:endParaRPr lang="en-AU" dirty="0"/>
+                    </a:p>
+                  </a:txBody>
+                  <a:tcPr/>
+                </a:tc>
+                <a:tc>
+                  <a:txBody>
+                    <a:bodyPr/>
+                    <a:lstStyle/>
+                    <a:p>
+                      <a:pPr algn="l"/>
+                      <a:r>
+                        <a:rPr lang="en-AU" dirty="0"/>
+                        <a:t>7 years</a:t>
+                      </a:r>
+                    </a:p>
+                  </a:txBody>
+                  <a:tcPr anchor="ctr"/>
+                </a:tc>
+                <a:tc>
+                  <a:txBody>
+                    <a:bodyPr/>
+                    <a:lstStyle/>
+                    <a:p>
+                      <a:pPr algn="l"/>
+                      <a:r>
+                        <a:rPr lang="en-AU" dirty="0"/>
+                        <a:t>0.843</a:t>
+                      </a:r>
+                    </a:p>
+                  </a:txBody>
+                  <a:tcPr anchor="ctr"/>
+                </a:tc>
+                <a:tc>
+                  <a:txBody>
+                    <a:bodyPr/>
+                    <a:lstStyle/>
+                    <a:p>
+                      <a:pPr algn="l"/>
+                      <a:r>
+                        <a:rPr lang="en-AU" dirty="0"/>
+                        <a:t>0.815</a:t>
+                      </a:r>
+                    </a:p>
+                  </a:txBody>
+                  <a:tcPr anchor="ctr"/>
+                </a:tc>
+                <a:tc>
+                  <a:txBody>
+                    <a:bodyPr/>
+                    <a:lstStyle/>
+                    <a:p>
+                      <a:pPr algn="l"/>
+                      <a:r>
+                        <a:rPr lang="en-AU" dirty="0"/>
+                        <a:t>0.724</a:t>
+                      </a:r>
+                    </a:p>
+                  </a:txBody>
+                  <a:tcPr anchor="ctr"/>
+                </a:tc>
+                <a:extLst>
+                  <a:ext uri="{0D108BD9-81ED-4DB2-BD59-A6C34878D82A}">
+                    <a16:rowId xmlns:a16="http://schemas.microsoft.com/office/drawing/2014/main" val="2978298500"/>
+                  </a:ext>
+                </a:extLst>
+              </a:tr>
+              <a:tr h="333055">
+                <a:tc vMerge="1">
+                  <a:txBody>
+                    <a:bodyPr/>
+                    <a:lstStyle/>
+                    <a:p>
+                      <a:pPr marL="0" marR="0" lvl="0" indent="0" algn="l" defTabSz="914400" rtl="0" eaLnBrk="1" fontAlgn="auto" latinLnBrk="0" hangingPunct="1">
+                        <a:lnSpc>
+                          <a:spcPct val="100000"/>
+                        </a:lnSpc>
+                        <a:spcBef>
+                          <a:spcPts val="0"/>
+                        </a:spcBef>
+                        <a:spcAft>
+                          <a:spcPts val="0"/>
+                        </a:spcAft>
+                        <a:buClrTx/>
+                        <a:buSzTx/>
+                        <a:buFontTx/>
+                        <a:buNone/>
+                        <a:tabLst/>
+                        <a:defRPr/>
+                      </a:pPr>
+                      <a:endParaRPr lang="en-AU" i="1" dirty="0"/>
+                    </a:p>
+                  </a:txBody>
+                  <a:tcPr/>
+                </a:tc>
+                <a:tc vMerge="1">
+                  <a:txBody>
+                    <a:bodyPr/>
+                    <a:lstStyle/>
+                    <a:p>
+                      <a:endParaRPr lang="en-AU" dirty="0"/>
+                    </a:p>
+                  </a:txBody>
+                  <a:tcPr/>
+                </a:tc>
+                <a:tc>
+                  <a:txBody>
+                    <a:bodyPr/>
+                    <a:lstStyle/>
+                    <a:p>
+                      <a:pPr algn="l"/>
+                      <a:r>
+                        <a:rPr lang="en-AU" dirty="0"/>
+                        <a:t>9 years</a:t>
+                      </a:r>
+                    </a:p>
+                  </a:txBody>
+                  <a:tcPr anchor="ctr"/>
+                </a:tc>
+                <a:tc>
+                  <a:txBody>
+                    <a:bodyPr/>
+                    <a:lstStyle/>
+                    <a:p>
+                      <a:pPr algn="l"/>
+                      <a:r>
+                        <a:rPr lang="en-AU" dirty="0"/>
+                        <a:t>0.831</a:t>
+                      </a:r>
+                    </a:p>
+                  </a:txBody>
+                  <a:tcPr anchor="ctr"/>
+                </a:tc>
+                <a:tc>
+                  <a:txBody>
+                    <a:bodyPr/>
+                    <a:lstStyle/>
+                    <a:p>
+                      <a:pPr algn="l"/>
+                      <a:r>
+                        <a:rPr lang="en-AU" dirty="0"/>
+                        <a:t>0.764</a:t>
+                      </a:r>
+                    </a:p>
+                  </a:txBody>
+                  <a:tcPr anchor="ctr"/>
+                </a:tc>
+                <a:tc>
+                  <a:txBody>
+                    <a:bodyPr/>
+                    <a:lstStyle/>
+                    <a:p>
+                      <a:pPr algn="l"/>
+                      <a:r>
+                        <a:rPr lang="en-AU" dirty="0"/>
+                        <a:t>0.759</a:t>
+                      </a:r>
+                    </a:p>
+                  </a:txBody>
+                  <a:tcPr anchor="ctr"/>
+                </a:tc>
+                <a:extLst>
+                  <a:ext uri="{0D108BD9-81ED-4DB2-BD59-A6C34878D82A}">
+                    <a16:rowId xmlns:a16="http://schemas.microsoft.com/office/drawing/2014/main" val="15463635"/>
+                  </a:ext>
+                </a:extLst>
+              </a:tr>
+              <a:tr h="333055">
+                <a:tc>
+                  <a:txBody>
+                    <a:bodyPr/>
+                    <a:lstStyle/>
+                    <a:p>
+                      <a:pPr algn="l"/>
+                      <a:r>
+                        <a:rPr lang="en-AU" b="1" dirty="0"/>
+                        <a:t>Our approach</a:t>
+                      </a:r>
+                    </a:p>
+                  </a:txBody>
+                  <a:tcPr anchor="ctr">
+                    <a:solidFill>
+                      <a:schemeClr val="accent1">
+                        <a:lumMod val="40000"/>
+                        <a:lumOff val="60000"/>
+                        <a:alpha val="20000"/>
+                      </a:schemeClr>
+                    </a:solidFill>
+                  </a:tcPr>
+                </a:tc>
+                <a:tc>
+                  <a:txBody>
+                    <a:bodyPr/>
+                    <a:lstStyle/>
+                    <a:p>
+                      <a:pPr algn="l"/>
+                      <a:r>
+                        <a:rPr lang="en-AU" b="1" dirty="0"/>
+                        <a:t>Patch-based ResNet50</a:t>
+                      </a:r>
+                    </a:p>
+                  </a:txBody>
+                  <a:tcPr anchor="ctr">
+                    <a:solidFill>
+                      <a:schemeClr val="accent1">
+                        <a:lumMod val="40000"/>
+                        <a:lumOff val="60000"/>
+                        <a:alpha val="20000"/>
+                      </a:schemeClr>
+                    </a:solidFill>
+                  </a:tcPr>
+                </a:tc>
+                <a:tc>
+                  <a:txBody>
+                    <a:bodyPr/>
+                    <a:lstStyle/>
+                    <a:p>
+                      <a:pPr algn="l"/>
+                      <a:r>
+                        <a:rPr lang="en-AU" b="1" dirty="0"/>
+                        <a:t>1000 days</a:t>
+                      </a:r>
+                    </a:p>
+                  </a:txBody>
+                  <a:tcPr anchor="ctr">
+                    <a:solidFill>
+                      <a:schemeClr val="accent1">
+                        <a:lumMod val="40000"/>
+                        <a:lumOff val="60000"/>
+                        <a:alpha val="20000"/>
+                      </a:schemeClr>
+                    </a:solidFill>
+                  </a:tcPr>
+                </a:tc>
+                <a:tc>
+                  <a:txBody>
+                    <a:bodyPr/>
+                    <a:lstStyle/>
+                    <a:p>
+                      <a:pPr algn="l"/>
+                      <a:r>
+                        <a:rPr lang="en-AU" b="1" dirty="0"/>
+                        <a:t>0.990</a:t>
+                      </a:r>
+                    </a:p>
+                  </a:txBody>
+                  <a:tcPr anchor="ctr">
+                    <a:solidFill>
+                      <a:schemeClr val="accent1">
+                        <a:lumMod val="40000"/>
+                        <a:lumOff val="60000"/>
+                        <a:alpha val="20000"/>
+                      </a:schemeClr>
+                    </a:solidFill>
+                  </a:tcPr>
+                </a:tc>
+                <a:tc>
+                  <a:txBody>
+                    <a:bodyPr/>
+                    <a:lstStyle/>
+                    <a:p>
+                      <a:pPr algn="l"/>
+                      <a:r>
+                        <a:rPr lang="en-AU" b="1" dirty="0"/>
+                        <a:t>0.800</a:t>
+                      </a:r>
+                    </a:p>
+                  </a:txBody>
+                  <a:tcPr anchor="ctr">
+                    <a:solidFill>
+                      <a:schemeClr val="accent1">
+                        <a:lumMod val="40000"/>
+                        <a:lumOff val="60000"/>
+                        <a:alpha val="20000"/>
+                      </a:schemeClr>
+                    </a:solidFill>
+                  </a:tcPr>
+                </a:tc>
+                <a:tc>
+                  <a:txBody>
+                    <a:bodyPr/>
+                    <a:lstStyle/>
+                    <a:p>
+                      <a:pPr algn="l"/>
+                      <a:r>
+                        <a:rPr lang="en-AU" b="1" dirty="0"/>
+                        <a:t>1.000</a:t>
+                      </a:r>
+                    </a:p>
+                  </a:txBody>
+                  <a:tcPr anchor="ctr">
+                    <a:solidFill>
+                      <a:schemeClr val="accent1">
+                        <a:lumMod val="40000"/>
+                        <a:lumOff val="60000"/>
+                        <a:alpha val="20000"/>
+                      </a:schemeClr>
+                    </a:solidFill>
+                  </a:tcPr>
+                </a:tc>
+                <a:extLst>
+                  <a:ext uri="{0D108BD9-81ED-4DB2-BD59-A6C34878D82A}">
+                    <a16:rowId xmlns:a16="http://schemas.microsoft.com/office/drawing/2014/main" val="1534897650"/>
+                  </a:ext>
+                </a:extLst>
+              </a:tr>
+            </a:tbl>
+          </a:graphicData>
+        </a:graphic>
+      </p:graphicFrame>
     </p:spTree>
     <p:extLst>
       <p:ext uri="{BB962C8B-B14F-4D97-AF65-F5344CB8AC3E}">
-        <p14:creationId xmlns:p14="http://schemas.microsoft.com/office/powerpoint/2010/main" val="1469830356"/>
+        <p14:creationId xmlns:p14="http://schemas.microsoft.com/office/powerpoint/2010/main" val="4240944519"/>
       </p:ext>
     </p:extLst>
   </p:cSld>
@@ -9692,7 +14600,7 @@
           <a:p>
             <a:r>
               <a:rPr lang="en-AU" dirty="0"/>
-              <a:t>Discussion</a:t>
+              <a:t>Discussion for Future Work</a:t>
             </a:r>
           </a:p>
         </p:txBody>
@@ -9718,7 +14626,48 @@
           <a:bodyPr/>
           <a:lstStyle/>
           <a:p>
-            <a:endParaRPr lang="en-AU" dirty="0"/>
+            <a:pPr>
+              <a:lnSpc>
+                <a:spcPct val="100000"/>
+              </a:lnSpc>
+            </a:pPr>
+            <a:r>
+              <a:rPr lang="en-AU" dirty="0"/>
+              <a:t>Expand our testing  to cover longer time-frames for conversion.</a:t>
+            </a:r>
+          </a:p>
+          <a:p>
+            <a:pPr>
+              <a:lnSpc>
+                <a:spcPct val="100000"/>
+              </a:lnSpc>
+            </a:pPr>
+            <a:r>
+              <a:rPr lang="en-AU" dirty="0"/>
+              <a:t>Inclusion of clinical data in our models.</a:t>
+            </a:r>
+          </a:p>
+          <a:p>
+            <a:pPr>
+              <a:lnSpc>
+                <a:spcPct val="100000"/>
+              </a:lnSpc>
+            </a:pPr>
+            <a:r>
+              <a:rPr lang="en-AU" dirty="0"/>
+              <a:t>Test our models on other datasets.</a:t>
+            </a:r>
+          </a:p>
+          <a:p>
+            <a:pPr>
+              <a:lnSpc>
+                <a:spcPct val="100000"/>
+              </a:lnSpc>
+            </a:pPr>
+            <a:r>
+              <a:rPr lang="en-AU" dirty="0"/>
+              <a:t>Investigate the possibility of predicting time to conversion.</a:t>
+            </a:r>
           </a:p>
         </p:txBody>
       </p:sp>
@@ -9754,7 +14703,7 @@
     </p:spTree>
     <p:extLst>
       <p:ext uri="{BB962C8B-B14F-4D97-AF65-F5344CB8AC3E}">
-        <p14:creationId xmlns:p14="http://schemas.microsoft.com/office/powerpoint/2010/main" val="1960451994"/>
+        <p14:creationId xmlns:p14="http://schemas.microsoft.com/office/powerpoint/2010/main" val="1661239287"/>
       </p:ext>
     </p:extLst>
   </p:cSld>
@@ -9830,7 +14779,22 @@
           <a:bodyPr/>
           <a:lstStyle/>
           <a:p>
-            <a:endParaRPr lang="en-AU"/>
+            <a:r>
+              <a:rPr lang="en-AU" dirty="0"/>
+              <a:t>Patch-based approach has outperformed the voxel-based approach.</a:t>
+            </a:r>
+          </a:p>
+          <a:p>
+            <a:r>
+              <a:rPr lang="en-AU" dirty="0"/>
+              <a:t>Models with large amounts of parameters tend to outperform those with less parameters.</a:t>
+            </a:r>
+          </a:p>
+          <a:p>
+            <a:r>
+              <a:rPr lang="en-AU" dirty="0"/>
+              <a:t>Our patch-based ResNet50 approach has outperformed the current state-of-the-art approaches for predicting conversion from normal cognition to cognitive impairment.</a:t>
+            </a:r>
           </a:p>
         </p:txBody>
       </p:sp>
@@ -9866,7 +14830,7 @@
     </p:spTree>
     <p:extLst>
       <p:ext uri="{BB962C8B-B14F-4D97-AF65-F5344CB8AC3E}">
-        <p14:creationId xmlns:p14="http://schemas.microsoft.com/office/powerpoint/2010/main" val="3282433342"/>
+        <p14:creationId xmlns:p14="http://schemas.microsoft.com/office/powerpoint/2010/main" val="1131075187"/>
       </p:ext>
     </p:extLst>
   </p:cSld>
@@ -9940,7 +14904,7 @@
         <p:spPr/>
         <p:txBody>
           <a:bodyPr>
-            <a:normAutofit fontScale="85000" lnSpcReduction="10000"/>
+            <a:normAutofit fontScale="77500" lnSpcReduction="20000"/>
           </a:bodyPr>
           <a:lstStyle/>
           <a:p>
@@ -10182,6 +15146,97 @@
               </a:lnSpc>
               <a:buNone/>
             </a:pPr>
+            <a:r>
+              <a:rPr lang="en-AU" sz="1200" b="0" i="0" dirty="0">
+                <a:effectLst/>
+                <a:latin typeface="Arial" panose="020B0604020202020204" pitchFamily="34" charset="0"/>
+              </a:rPr>
+              <a:t>[xxx] M. Albert, Y. Zhu, A. </a:t>
+            </a:r>
+            <a:r>
+              <a:rPr lang="en-AU" sz="1200" b="0" i="0" dirty="0" err="1">
+                <a:effectLst/>
+                <a:latin typeface="Arial" panose="020B0604020202020204" pitchFamily="34" charset="0"/>
+              </a:rPr>
+              <a:t>Moghekar</a:t>
+            </a:r>
+            <a:r>
+              <a:rPr lang="en-AU" sz="1200" b="0" i="0" dirty="0">
+                <a:effectLst/>
+                <a:latin typeface="Arial" panose="020B0604020202020204" pitchFamily="34" charset="0"/>
+              </a:rPr>
+              <a:t>, S. Mori, M. I. Miller, A. Soldan, C. Petti-grew, O. </a:t>
+            </a:r>
+            <a:r>
+              <a:rPr lang="en-AU" sz="1200" b="0" i="0" dirty="0" err="1">
+                <a:effectLst/>
+                <a:latin typeface="Arial" panose="020B0604020202020204" pitchFamily="34" charset="0"/>
+              </a:rPr>
+              <a:t>Selnes</a:t>
+            </a:r>
+            <a:r>
+              <a:rPr lang="en-AU" sz="1200" b="0" i="0" dirty="0">
+                <a:effectLst/>
+                <a:latin typeface="Arial" panose="020B0604020202020204" pitchFamily="34" charset="0"/>
+              </a:rPr>
+              <a:t>, S. Li, and M.-C. Wang, “Predicting progression from </a:t>
+            </a:r>
+            <a:r>
+              <a:rPr lang="en-AU" sz="1200" b="0" i="0" dirty="0" err="1">
+                <a:effectLst/>
+                <a:latin typeface="Arial" panose="020B0604020202020204" pitchFamily="34" charset="0"/>
+              </a:rPr>
+              <a:t>normalcognition</a:t>
+            </a:r>
+            <a:r>
+              <a:rPr lang="en-AU" sz="1200" b="0" i="0" dirty="0">
+                <a:effectLst/>
+                <a:latin typeface="Arial" panose="020B0604020202020204" pitchFamily="34" charset="0"/>
+              </a:rPr>
+              <a:t> to mild cognitive impairment for individuals at 5 </a:t>
+            </a:r>
+            <a:r>
+              <a:rPr lang="en-AU" sz="1200" b="0" i="0" dirty="0" err="1">
+                <a:effectLst/>
+                <a:latin typeface="Arial" panose="020B0604020202020204" pitchFamily="34" charset="0"/>
+              </a:rPr>
+              <a:t>years,”Brain</a:t>
+            </a:r>
+            <a:r>
+              <a:rPr lang="en-AU" sz="1200" b="0" i="0" dirty="0">
+                <a:effectLst/>
+                <a:latin typeface="Arial" panose="020B0604020202020204" pitchFamily="34" charset="0"/>
+              </a:rPr>
+              <a:t>, vol.141, no. 3, pp. 877–887, 2018.</a:t>
+            </a:r>
+          </a:p>
+          <a:p>
+            <a:pPr marL="0" indent="0" algn="l">
+              <a:lnSpc>
+                <a:spcPct val="110000"/>
+              </a:lnSpc>
+              <a:buNone/>
+            </a:pPr>
+            <a:r>
+              <a:rPr lang="en-GB" sz="1200" dirty="0"/>
+              <a:t>[23] National Institute on Aging, &amp; Alzheimer’s Disease Education and Referral </a:t>
+            </a:r>
+            <a:r>
+              <a:rPr lang="en-GB" sz="1200" dirty="0" err="1"/>
+              <a:t>Center</a:t>
+            </a:r>
+            <a:r>
+              <a:rPr lang="en-GB" sz="1200" dirty="0"/>
+              <a:t>, Alzheimer’s disease: </a:t>
+            </a:r>
+            <a:r>
+              <a:rPr lang="en-GB" sz="1200" dirty="0" err="1"/>
+              <a:t>Unraveling</a:t>
+            </a:r>
+            <a:r>
+              <a:rPr lang="en-GB" sz="1200" dirty="0"/>
+              <a:t> the mystery. U.S. Department of Health and Human Services NIH Publication Number: 08-3782, 2008.</a:t>
+            </a:r>
             <a:endParaRPr lang="en-AU" sz="1800" dirty="0">
               <a:latin typeface="CMR12"/>
             </a:endParaRPr>
@@ -10283,7 +15338,7 @@
     </p:spTree>
     <p:extLst>
       <p:ext uri="{BB962C8B-B14F-4D97-AF65-F5344CB8AC3E}">
-        <p14:creationId xmlns:p14="http://schemas.microsoft.com/office/powerpoint/2010/main" val="627192904"/>
+        <p14:creationId xmlns:p14="http://schemas.microsoft.com/office/powerpoint/2010/main" val="199769398"/>
       </p:ext>
     </p:extLst>
   </p:cSld>
@@ -10332,10 +15387,9 @@
           <a:lstStyle/>
           <a:p>
             <a:r>
-              <a:rPr lang="en-AU"/>
+              <a:rPr lang="en-AU" dirty="0"/>
               <a:t>Alzheimer’s Disease</a:t>
             </a:r>
-            <a:endParaRPr lang="en-AU" dirty="0"/>
           </a:p>
         </p:txBody>
       </p:sp>
@@ -10410,7 +15464,7 @@
             </a:pPr>
             <a:r>
               <a:rPr lang="en-AU" dirty="0"/>
-              <a:t>Cognitively Normal (NC)</a:t>
+              <a:t>Cognitively Normal (CN)</a:t>
             </a:r>
           </a:p>
           <a:p>
@@ -10469,7 +15523,7 @@
     </p:spTree>
     <p:extLst>
       <p:ext uri="{BB962C8B-B14F-4D97-AF65-F5344CB8AC3E}">
-        <p14:creationId xmlns:p14="http://schemas.microsoft.com/office/powerpoint/2010/main" val="996926440"/>
+        <p14:creationId xmlns:p14="http://schemas.microsoft.com/office/powerpoint/2010/main" val="308336490"/>
       </p:ext>
     </p:extLst>
   </p:cSld>
@@ -10519,7 +15573,7 @@
           <a:p>
             <a:r>
               <a:rPr lang="en-AU" dirty="0"/>
-              <a:t>Early Detection</a:t>
+              <a:t>Timeline of Cognitive Impairment</a:t>
             </a:r>
           </a:p>
         </p:txBody>
@@ -10542,15 +15596,26 @@
         </p:nvSpPr>
         <p:spPr>
           <a:xfrm>
-            <a:off x="838199" y="1825625"/>
-            <a:ext cx="10704095" cy="3859742"/>
+            <a:off x="4817896" y="1536375"/>
+            <a:ext cx="6915539" cy="4304587"/>
           </a:xfrm>
         </p:spPr>
         <p:txBody>
           <a:bodyPr>
-            <a:normAutofit fontScale="92500" lnSpcReduction="20000"/>
+            <a:normAutofit/>
           </a:bodyPr>
           <a:lstStyle/>
+          <a:p>
+            <a:pPr algn="l">
+              <a:lnSpc>
+                <a:spcPct val="100000"/>
+              </a:lnSpc>
+            </a:pPr>
+            <a:r>
+              <a:rPr lang="en-GB" dirty="0"/>
+              <a:t>MCI is a condition in which people experience significant memory loss but do not yet meet the criteria for a clinical diagnosis of AD [2].</a:t>
+            </a:r>
+          </a:p>
           <a:p>
             <a:pPr algn="l">
               <a:lnSpc>
@@ -10559,17 +15624,6 @@
             </a:pPr>
             <a:r>
               <a:rPr lang="en-GB" dirty="0"/>
-              <a:t>MCI is a condition in which people experience significant memory loss but do not yet meet the criteria for a clinical diagnosis of AD [2].</a:t>
-            </a:r>
-          </a:p>
-          <a:p>
-            <a:pPr algn="l">
-              <a:lnSpc>
-                <a:spcPct val="110000"/>
-              </a:lnSpc>
-            </a:pPr>
-            <a:r>
-              <a:rPr lang="en-GB" dirty="0"/>
               <a:t>Annually, at age 65:</a:t>
             </a:r>
           </a:p>
@@ -10597,17 +15651,6 @@
             <a:r>
               <a:rPr lang="en-AU" dirty="0"/>
               <a:t>of AD [3].</a:t>
-            </a:r>
-          </a:p>
-          <a:p>
-            <a:pPr>
-              <a:lnSpc>
-                <a:spcPct val="110000"/>
-              </a:lnSpc>
-            </a:pPr>
-            <a:r>
-              <a:rPr lang="en-AU" dirty="0"/>
-              <a:t>For a cohort of 100 cognitively normal patients at age 65, it was found that a 20% reduction in the progression rate from normal cognition to MCI would avoid 5.7 cases of MCI and 5.6 cases of AD in the future [3].</a:t>
             </a:r>
           </a:p>
         </p:txBody>
@@ -10641,10 +15684,106 @@
           </a:p>
         </p:txBody>
       </p:sp>
+      <p:pic>
+        <p:nvPicPr>
+          <p:cNvPr id="5" name="Picture 2" descr="Charting the Course of Healthy Aging, Mild Cognitive Impairment, and Alzheimer's Disease. National Institute on Aging 2009 [23].  ">
+            <a:extLst>
+              <a:ext uri="{FF2B5EF4-FFF2-40B4-BE49-F238E27FC236}">
+                <a16:creationId xmlns:a16="http://schemas.microsoft.com/office/drawing/2014/main" id="{EFBCDADF-5AEA-4025-B2EF-6D22E788F4D8}"/>
+              </a:ext>
+            </a:extLst>
+          </p:cNvPr>
+          <p:cNvPicPr>
+            <a:picLocks noChangeAspect="1" noChangeArrowheads="1"/>
+          </p:cNvPicPr>
+          <p:nvPr/>
+        </p:nvPicPr>
+        <p:blipFill rotWithShape="1">
+          <a:blip r:embed="rId2">
+            <a:extLst>
+              <a:ext uri="{28A0092B-C50C-407E-A947-70E740481C1C}">
+                <a14:useLocalDpi xmlns:a14="http://schemas.microsoft.com/office/drawing/2010/main" val="0"/>
+              </a:ext>
+            </a:extLst>
+          </a:blip>
+          <a:srcRect t="8126" r="3247"/>
+          <a:stretch/>
+        </p:blipFill>
+        <p:spPr bwMode="auto">
+          <a:xfrm>
+            <a:off x="349119" y="1672026"/>
+            <a:ext cx="4269534" cy="3354905"/>
+          </a:xfrm>
+          <a:prstGeom prst="rect">
+            <a:avLst/>
+          </a:prstGeom>
+          <a:noFill/>
+          <a:extLst>
+            <a:ext uri="{909E8E84-426E-40DD-AFC4-6F175D3DCCD1}">
+              <a14:hiddenFill xmlns:a14="http://schemas.microsoft.com/office/drawing/2010/main">
+                <a:solidFill>
+                  <a:srgbClr val="FFFFFF"/>
+                </a:solidFill>
+              </a14:hiddenFill>
+            </a:ext>
+          </a:extLst>
+        </p:spPr>
+      </p:pic>
+      <p:sp>
+        <p:nvSpPr>
+          <p:cNvPr id="12" name="TextBox 11">
+            <a:extLst>
+              <a:ext uri="{FF2B5EF4-FFF2-40B4-BE49-F238E27FC236}">
+                <a16:creationId xmlns:a16="http://schemas.microsoft.com/office/drawing/2014/main" id="{7952BD86-91E8-42DC-9313-EB92EB737903}"/>
+              </a:ext>
+            </a:extLst>
+          </p:cNvPr>
+          <p:cNvSpPr txBox="1"/>
+          <p:nvPr/>
+        </p:nvSpPr>
+        <p:spPr>
+          <a:xfrm>
+            <a:off x="349119" y="5020329"/>
+            <a:ext cx="4269534" cy="351386"/>
+          </a:xfrm>
+          <a:prstGeom prst="rect">
+            <a:avLst/>
+          </a:prstGeom>
+          <a:solidFill>
+            <a:srgbClr val="000000">
+              <a:alpha val="50000"/>
+            </a:srgbClr>
+          </a:solidFill>
+          <a:ln>
+            <a:noFill/>
+          </a:ln>
+        </p:spPr>
+        <p:txBody>
+          <a:bodyPr wrap="square">
+            <a:noAutofit/>
+          </a:bodyPr>
+          <a:lstStyle/>
+          <a:p>
+            <a:pPr algn="ctr">
+              <a:spcAft>
+                <a:spcPts val="600"/>
+              </a:spcAft>
+            </a:pPr>
+            <a:r>
+              <a:rPr lang="en-GB" sz="1250" dirty="0">
+                <a:solidFill>
+                  <a:srgbClr val="FFFFFF"/>
+                </a:solidFill>
+              </a:rPr>
+              <a:t>Timeline of healthy aging, MCI, and AD [23]</a:t>
+            </a:r>
+          </a:p>
+        </p:txBody>
+      </p:sp>
     </p:spTree>
     <p:extLst>
       <p:ext uri="{BB962C8B-B14F-4D97-AF65-F5344CB8AC3E}">
-        <p14:creationId xmlns:p14="http://schemas.microsoft.com/office/powerpoint/2010/main" val="259289390"/>
+        <p14:creationId xmlns:p14="http://schemas.microsoft.com/office/powerpoint/2010/main" val="3797568064"/>
       </p:ext>
     </p:extLst>
   </p:cSld>
@@ -10793,7 +15932,7 @@
     </p:spTree>
     <p:extLst>
       <p:ext uri="{BB962C8B-B14F-4D97-AF65-F5344CB8AC3E}">
-        <p14:creationId xmlns:p14="http://schemas.microsoft.com/office/powerpoint/2010/main" val="2406778267"/>
+        <p14:creationId xmlns:p14="http://schemas.microsoft.com/office/powerpoint/2010/main" val="2647748799"/>
       </p:ext>
     </p:extLst>
   </p:cSld>
@@ -10842,9 +15981,10 @@
           <a:lstStyle/>
           <a:p>
             <a:r>
-              <a:rPr lang="en-AU" dirty="0"/>
+              <a:rPr lang="en-AU"/>
               <a:t>Deep Learning in Medical Imaging</a:t>
             </a:r>
+            <a:endParaRPr lang="en-AU" dirty="0"/>
           </a:p>
         </p:txBody>
       </p:sp>
@@ -10883,7 +16023,51 @@
             </a:pPr>
             <a:r>
               <a:rPr lang="en-AU" dirty="0"/>
-              <a:t>Recently, deep learning has been used to solve many complex medical problems such as detecting Multiple Sclerosis, Alzheimer's disease and various types of cancer [8].</a:t>
+              <a:t>Applications:</a:t>
+            </a:r>
+          </a:p>
+          <a:p>
+            <a:pPr lvl="1">
+              <a:lnSpc>
+                <a:spcPct val="100000"/>
+              </a:lnSpc>
+            </a:pPr>
+            <a:r>
+              <a:rPr lang="en-AU" dirty="0"/>
+              <a:t>Multiple Sclerosis </a:t>
+            </a:r>
+          </a:p>
+          <a:p>
+            <a:pPr lvl="1">
+              <a:lnSpc>
+                <a:spcPct val="100000"/>
+              </a:lnSpc>
+            </a:pPr>
+            <a:r>
+              <a:rPr lang="en-AU" dirty="0"/>
+              <a:t>Alzheimer's disease </a:t>
+            </a:r>
+          </a:p>
+          <a:p>
+            <a:pPr lvl="1">
+              <a:lnSpc>
+                <a:spcPct val="100000"/>
+              </a:lnSpc>
+            </a:pPr>
+            <a:r>
+              <a:rPr lang="en-AU" dirty="0"/>
+              <a:t>Cancer</a:t>
+            </a:r>
+          </a:p>
+          <a:p>
+            <a:pPr lvl="1">
+              <a:lnSpc>
+                <a:spcPct val="100000"/>
+              </a:lnSpc>
+            </a:pPr>
+            <a:r>
+              <a:rPr lang="en-AU" dirty="0"/>
+              <a:t>COVID-19</a:t>
             </a:r>
           </a:p>
           <a:p>
@@ -10894,7 +16078,7 @@
             </a:pPr>
             <a:r>
               <a:rPr lang="en-AU" dirty="0"/>
-              <a:t>The interest in deep learning for medical imaging has largely been due to the ability of convolutional neural networks (CNNs) to learn useful representations of complex images.</a:t>
+              <a:t>CNNs able to learn useful representations of complex images.</a:t>
             </a:r>
           </a:p>
           <a:p>
@@ -10905,7 +16089,7 @@
             </a:pPr>
             <a:r>
               <a:rPr lang="en-AU" dirty="0"/>
-              <a:t>Lee et al. [9] found that radiological examinations' retrospective error rate is approximately 30%. As such, automated approaches are becoming necessary.</a:t>
+              <a:t>Radiological examinations' retrospective error rate is approximately 30% [9]</a:t>
             </a:r>
           </a:p>
         </p:txBody>
@@ -10942,7 +16126,7 @@
     </p:spTree>
     <p:extLst>
       <p:ext uri="{BB962C8B-B14F-4D97-AF65-F5344CB8AC3E}">
-        <p14:creationId xmlns:p14="http://schemas.microsoft.com/office/powerpoint/2010/main" val="417951211"/>
+        <p14:creationId xmlns:p14="http://schemas.microsoft.com/office/powerpoint/2010/main" val="2783581311"/>
       </p:ext>
     </p:extLst>
   </p:cSld>
@@ -10979,10 +16163,10 @@
       </p:grpSpPr>
       <p:sp useBgFill="1">
         <p:nvSpPr>
-          <p:cNvPr id="19" name="Rectangle 18">
+          <p:cNvPr id="20" name="Rectangle 19">
             <a:extLst>
               <a:ext uri="{FF2B5EF4-FFF2-40B4-BE49-F238E27FC236}">
-                <a16:creationId xmlns:a16="http://schemas.microsoft.com/office/drawing/2014/main" id="{CB6E2F43-29E9-49D9-91FC-E5FEFAAA70DE}"/>
+                <a16:creationId xmlns:a16="http://schemas.microsoft.com/office/drawing/2014/main" id="{95199994-21AE-49A2-BA0D-12E295989A9A}"/>
               </a:ext>
               <a:ext uri="{C183D7F6-B498-43B3-948B-1728B52AA6E4}">
                 <adec:decorative xmlns:adec="http://schemas.microsoft.com/office/drawing/2017/decorative" val="1"/>
@@ -11160,6 +16344,41 @@
           </a:p>
         </p:txBody>
       </p:sp>
+      <p:sp>
+        <p:nvSpPr>
+          <p:cNvPr id="2" name="Title 1">
+            <a:extLst>
+              <a:ext uri="{FF2B5EF4-FFF2-40B4-BE49-F238E27FC236}">
+                <a16:creationId xmlns:a16="http://schemas.microsoft.com/office/drawing/2014/main" id="{DA98D90C-4A93-4C01-AA61-A5A5EDA38A8A}"/>
+              </a:ext>
+            </a:extLst>
+          </p:cNvPr>
+          <p:cNvSpPr>
+            <a:spLocks noGrp="1"/>
+          </p:cNvSpPr>
+          <p:nvPr>
+            <p:ph type="title"/>
+          </p:nvPr>
+        </p:nvSpPr>
+        <p:spPr>
+          <a:xfrm>
+            <a:off x="6769570" y="530578"/>
+            <a:ext cx="4771178" cy="1160110"/>
+          </a:xfrm>
+        </p:spPr>
+        <p:txBody>
+          <a:bodyPr>
+            <a:normAutofit/>
+          </a:bodyPr>
+          <a:lstStyle/>
+          <a:p>
+            <a:r>
+              <a:rPr lang="en-AU" sz="3700"/>
+              <a:t>Significant Results in the Literature </a:t>
+            </a:r>
+          </a:p>
+        </p:txBody>
+      </p:sp>
       <p:pic>
         <p:nvPicPr>
           <p:cNvPr id="5" name="Picture 4">
@@ -11182,8 +16401,8 @@
         </p:blipFill>
         <p:spPr>
           <a:xfrm>
-            <a:off x="7069761" y="2751152"/>
-            <a:ext cx="4716440" cy="3046384"/>
+            <a:off x="838199" y="1615624"/>
+            <a:ext cx="5440195" cy="3513862"/>
           </a:xfrm>
           <a:custGeom>
             <a:avLst/>
@@ -11192,29 +16411,41 @@
             <a:cxnLst/>
             <a:rect l="l" t="t" r="r" b="b"/>
             <a:pathLst>
-              <a:path w="5580942" h="5519103">
+              <a:path w="4643496" h="5550370">
                 <a:moveTo>
-                  <a:pt x="169765" y="0"/>
+                  <a:pt x="81586" y="0"/>
                 </a:moveTo>
                 <a:lnTo>
-                  <a:pt x="5580942" y="0"/>
-                </a:lnTo>
-                <a:lnTo>
-                  <a:pt x="5580942" y="5519103"/>
-                </a:lnTo>
-                <a:lnTo>
-                  <a:pt x="9100" y="5519103"/>
-                </a:lnTo>
-                <a:lnTo>
-                  <a:pt x="0" y="5474029"/>
-                </a:lnTo>
-                <a:lnTo>
-                  <a:pt x="0" y="169765"/>
+                  <a:pt x="4561910" y="0"/>
                 </a:lnTo>
                 <a:cubicBezTo>
-                  <a:pt x="0" y="76006"/>
-                  <a:pt x="76006" y="0"/>
-                  <a:pt x="169765" y="0"/>
+                  <a:pt x="4606969" y="0"/>
+                  <a:pt x="4643496" y="36527"/>
+                  <a:pt x="4643496" y="81586"/>
+                </a:cubicBezTo>
+                <a:lnTo>
+                  <a:pt x="4643496" y="5468784"/>
+                </a:lnTo>
+                <a:cubicBezTo>
+                  <a:pt x="4643496" y="5513843"/>
+                  <a:pt x="4606969" y="5550370"/>
+                  <a:pt x="4561910" y="5550370"/>
+                </a:cubicBezTo>
+                <a:lnTo>
+                  <a:pt x="81586" y="5550370"/>
+                </a:lnTo>
+                <a:cubicBezTo>
+                  <a:pt x="36527" y="5550370"/>
+                  <a:pt x="0" y="5513843"/>
+                  <a:pt x="0" y="5468784"/>
+                </a:cubicBezTo>
+                <a:lnTo>
+                  <a:pt x="0" y="81586"/>
+                </a:lnTo>
+                <a:cubicBezTo>
+                  <a:pt x="0" y="36527"/>
+                  <a:pt x="36527" y="0"/>
+                  <a:pt x="81586" y="0"/>
                 </a:cubicBezTo>
                 <a:close/>
               </a:path>
@@ -11224,10 +16455,10 @@
       </p:pic>
       <p:sp>
         <p:nvSpPr>
-          <p:cNvPr id="21" name="Oval 20">
+          <p:cNvPr id="22" name="Arc 21">
             <a:extLst>
               <a:ext uri="{FF2B5EF4-FFF2-40B4-BE49-F238E27FC236}">
-                <a16:creationId xmlns:a16="http://schemas.microsoft.com/office/drawing/2014/main" id="{8E63CC27-1C86-4653-8866-79C24C5C51FB}"/>
+                <a16:creationId xmlns:a16="http://schemas.microsoft.com/office/drawing/2014/main" id="{A2C34835-4F79-4934-B151-D68E79764C72}"/>
               </a:ext>
               <a:ext uri="{C183D7F6-B498-43B3-948B-1728B52AA6E4}">
                 <adec:decorative xmlns:adec="http://schemas.microsoft.com/office/drawing/2017/decorative" val="1"/>
@@ -11246,111 +16477,21 @@
           </p:nvPr>
         </p:nvSpPr>
         <p:spPr>
-          <a:xfrm>
-            <a:off x="6295924" y="1656147"/>
-            <a:ext cx="546100" cy="546100"/>
-          </a:xfrm>
-          <a:prstGeom prst="ellipse">
-            <a:avLst/>
-          </a:prstGeom>
-          <a:solidFill>
-            <a:schemeClr val="accent5"/>
-          </a:solidFill>
-          <a:ln>
-            <a:noFill/>
-          </a:ln>
-        </p:spPr>
-        <p:style>
-          <a:lnRef idx="2">
-            <a:schemeClr val="accent1">
-              <a:shade val="50000"/>
-            </a:schemeClr>
-          </a:lnRef>
-          <a:fillRef idx="1">
-            <a:schemeClr val="accent1"/>
-          </a:fillRef>
-          <a:effectRef idx="0">
-            <a:schemeClr val="accent1"/>
-          </a:effectRef>
-          <a:fontRef idx="minor">
-            <a:schemeClr val="lt1"/>
-          </a:fontRef>
-        </p:style>
-        <p:txBody>
-          <a:bodyPr rtlCol="0" anchor="ctr"/>
-          <a:lstStyle/>
-          <a:p>
-            <a:pPr marL="0" marR="0" lvl="0" indent="0" algn="ctr" defTabSz="914400" rtl="0" eaLnBrk="1" fontAlgn="auto" latinLnBrk="0" hangingPunct="1">
-              <a:lnSpc>
-                <a:spcPct val="100000"/>
-              </a:lnSpc>
-              <a:spcBef>
-                <a:spcPts val="0"/>
-              </a:spcBef>
-              <a:spcAft>
-                <a:spcPts val="0"/>
-              </a:spcAft>
-              <a:buClrTx/>
-              <a:buSzTx/>
-              <a:buFontTx/>
-              <a:buNone/>
-              <a:tabLst/>
-              <a:defRPr/>
-            </a:pPr>
-            <a:endParaRPr kumimoji="0" lang="en-US" sz="1800" b="0" i="0" u="none" strike="noStrike" kern="1200" cap="none" spc="0" normalizeH="0" baseline="0" noProof="0">
-              <a:ln>
-                <a:noFill/>
-              </a:ln>
-              <a:solidFill>
-                <a:srgbClr val="FFFFFF"/>
-              </a:solidFill>
-              <a:effectLst/>
-              <a:uLnTx/>
-              <a:uFillTx/>
-              <a:latin typeface="Calibri" panose="020F0502020204030204"/>
-              <a:ea typeface="+mn-ea"/>
-              <a:cs typeface="+mn-cs"/>
-            </a:endParaRPr>
-          </a:p>
-        </p:txBody>
-      </p:sp>
-      <p:sp>
-        <p:nvSpPr>
-          <p:cNvPr id="23" name="Arc 22">
-            <a:extLst>
-              <a:ext uri="{FF2B5EF4-FFF2-40B4-BE49-F238E27FC236}">
-                <a16:creationId xmlns:a16="http://schemas.microsoft.com/office/drawing/2014/main" id="{3BA62E19-CD42-4C09-B825-844B4943D49D}"/>
-              </a:ext>
-              <a:ext uri="{C183D7F6-B498-43B3-948B-1728B52AA6E4}">
-                <adec:decorative xmlns:adec="http://schemas.microsoft.com/office/drawing/2017/decorative" val="1"/>
-              </a:ext>
-            </a:extLst>
-          </p:cNvPr>
-          <p:cNvSpPr>
-            <a:spLocks noGrp="1" noRot="1" noChangeAspect="1" noMove="1" noResize="1" noEditPoints="1" noAdjustHandles="1" noChangeArrowheads="1" noChangeShapeType="1" noTextEdit="1"/>
-          </p:cNvSpPr>
-          <p:nvPr>
-            <p:extLst>
-              <p:ext uri="{386F3935-93C4-4BCD-93E2-E3B085C9AB24}">
-                <p16:designElem xmlns:p16="http://schemas.microsoft.com/office/powerpoint/2015/main" val="1"/>
-              </p:ext>
-            </p:extLst>
-          </p:nvPr>
-        </p:nvSpPr>
-        <p:spPr>
-          <a:xfrm>
-            <a:off x="7787212" y="587516"/>
+          <a:xfrm rot="6269068">
+            <a:off x="8717845" y="3339275"/>
             <a:ext cx="2987899" cy="2987899"/>
           </a:xfrm>
           <a:prstGeom prst="arc">
             <a:avLst>
-              <a:gd name="adj1" fmla="val 15817365"/>
-              <a:gd name="adj2" fmla="val 1781380"/>
+              <a:gd name="adj1" fmla="val 14441841"/>
+              <a:gd name="adj2" fmla="val 0"/>
             </a:avLst>
           </a:prstGeom>
           <a:ln w="127000" cap="rnd">
             <a:solidFill>
-              <a:schemeClr val="accent4"/>
+              <a:schemeClr val="accent4">
+                <a:alpha val="95000"/>
+              </a:schemeClr>
             </a:solidFill>
             <a:prstDash val="dash"/>
             <a:miter lim="800000"/>
@@ -11410,41 +16551,6 @@
       </p:sp>
       <p:sp>
         <p:nvSpPr>
-          <p:cNvPr id="2" name="Title 1">
-            <a:extLst>
-              <a:ext uri="{FF2B5EF4-FFF2-40B4-BE49-F238E27FC236}">
-                <a16:creationId xmlns:a16="http://schemas.microsoft.com/office/drawing/2014/main" id="{DA98D90C-4A93-4C01-AA61-A5A5EDA38A8A}"/>
-              </a:ext>
-            </a:extLst>
-          </p:cNvPr>
-          <p:cNvSpPr>
-            <a:spLocks noGrp="1"/>
-          </p:cNvSpPr>
-          <p:nvPr>
-            <p:ph type="title"/>
-          </p:nvPr>
-        </p:nvSpPr>
-        <p:spPr>
-          <a:xfrm>
-            <a:off x="838200" y="365125"/>
-            <a:ext cx="10515600" cy="1325563"/>
-          </a:xfrm>
-        </p:spPr>
-        <p:txBody>
-          <a:bodyPr>
-            <a:normAutofit/>
-          </a:bodyPr>
-          <a:lstStyle/>
-          <a:p>
-            <a:r>
-              <a:rPr lang="en-AU" dirty="0"/>
-              <a:t>Significant Results in the Literature </a:t>
-            </a:r>
-          </a:p>
-        </p:txBody>
-      </p:sp>
-      <p:sp>
-        <p:nvSpPr>
           <p:cNvPr id="3" name="Content Placeholder 2">
             <a:extLst>
               <a:ext uri="{FF2B5EF4-FFF2-40B4-BE49-F238E27FC236}">
@@ -11461,8 +16567,8 @@
         </p:nvSpPr>
         <p:spPr>
           <a:xfrm>
-            <a:off x="838200" y="1825625"/>
-            <a:ext cx="5937922" cy="4351338"/>
+            <a:off x="6769570" y="1825625"/>
+            <a:ext cx="4771178" cy="3851694"/>
           </a:xfrm>
         </p:spPr>
         <p:txBody>
@@ -11471,78 +16577,21 @@
           </a:bodyPr>
           <a:lstStyle/>
           <a:p>
-            <a:pPr>
-              <a:lnSpc>
-                <a:spcPct val="100000"/>
-              </a:lnSpc>
-            </a:pPr>
             <a:r>
               <a:rPr lang="en-AU" sz="2400" dirty="0"/>
-              <a:t>3D CNNs have been found to have a greater ability to extract discriminative features from MRI data than 2D CNNs [19].</a:t>
-            </a:r>
-          </a:p>
-          <a:p>
-            <a:pPr>
-              <a:lnSpc>
-                <a:spcPct val="100000"/>
-              </a:lnSpc>
-            </a:pPr>
+              <a:t>3D CNNs found to have a greater ability to extract discriminative features from MRI data than 2D CNNs [19].</a:t>
+            </a:r>
+          </a:p>
+          <a:p>
             <a:r>
               <a:rPr lang="en-AU" sz="2400" dirty="0"/>
-              <a:t>Problem of binary classification between NC and MCI/AD has been  solved [10].</a:t>
-            </a:r>
-          </a:p>
-          <a:p>
-            <a:pPr>
-              <a:lnSpc>
-                <a:spcPct val="100000"/>
-              </a:lnSpc>
-            </a:pPr>
-            <a:endParaRPr lang="en-AU" sz="2400" b="0" i="0" u="none" strike="noStrike" baseline="0" dirty="0">
-              <a:latin typeface="CMR12"/>
-            </a:endParaRPr>
-          </a:p>
-          <a:p>
-            <a:pPr>
-              <a:lnSpc>
-                <a:spcPct val="100000"/>
-              </a:lnSpc>
-            </a:pPr>
-            <a:endParaRPr lang="en-AU" sz="2400" dirty="0"/>
-          </a:p>
-        </p:txBody>
-      </p:sp>
-      <p:sp>
-        <p:nvSpPr>
-          <p:cNvPr id="15" name="TextBox 14">
-            <a:extLst>
-              <a:ext uri="{FF2B5EF4-FFF2-40B4-BE49-F238E27FC236}">
-                <a16:creationId xmlns:a16="http://schemas.microsoft.com/office/drawing/2014/main" id="{595FF867-13E5-4499-B3B5-83B2E98AA561}"/>
-              </a:ext>
-            </a:extLst>
-          </p:cNvPr>
-          <p:cNvSpPr txBox="1"/>
-          <p:nvPr/>
-        </p:nvSpPr>
-        <p:spPr>
-          <a:xfrm>
-            <a:off x="6798639" y="5797536"/>
-            <a:ext cx="5393361" cy="253916"/>
-          </a:xfrm>
-          <a:prstGeom prst="rect">
-            <a:avLst/>
-          </a:prstGeom>
-          <a:noFill/>
-        </p:spPr>
-        <p:txBody>
-          <a:bodyPr wrap="square">
-            <a:spAutoFit/>
-          </a:bodyPr>
-          <a:lstStyle/>
-          <a:p>
-            <a:r>
-              <a:rPr lang="en-AU" sz="1050" dirty="0"/>
-              <a:t>Figure 2: Binary classification accuracy comparison (Source: Farooq et al., 2017) [18]</a:t>
+              <a:t>Problem of binary classification between CN and MCI/AD has been  solved [10].</a:t>
+            </a:r>
+          </a:p>
+          <a:p>
+            <a:r>
+              <a:rPr lang="en-AU" sz="2400" dirty="0"/>
+              <a:t>State-of-the-art method for prediction of conversion to MCI has an AUC of 0.85 [xxx].</a:t>
             </a:r>
           </a:p>
         </p:txBody>
@@ -11563,23 +16612,105 @@
             <p:ph type="sldNum" sz="quarter" idx="12"/>
           </p:nvPr>
         </p:nvSpPr>
-        <p:spPr/>
+        <p:spPr>
+          <a:xfrm>
+            <a:off x="8610600" y="6356350"/>
+            <a:ext cx="2743200" cy="365125"/>
+          </a:xfrm>
+        </p:spPr>
         <p:txBody>
-          <a:bodyPr/>
+          <a:bodyPr>
+            <a:normAutofit/>
+          </a:bodyPr>
           <a:lstStyle/>
           <a:p>
+            <a:pPr>
+              <a:spcAft>
+                <a:spcPts val="600"/>
+              </a:spcAft>
+            </a:pPr>
             <a:fld id="{4854181D-6920-4594-9A5D-6CE56DC9F8B2}" type="slidenum">
-              <a:rPr lang="en-US" smtClean="0"/>
+              <a:rPr lang="en-US">
+                <a:solidFill>
+                  <a:prstClr val="black">
+                    <a:lumMod val="50000"/>
+                    <a:lumOff val="50000"/>
+                  </a:prstClr>
+                </a:solidFill>
+              </a:rPr>
+              <a:pPr>
+                <a:spcAft>
+                  <a:spcPts val="600"/>
+                </a:spcAft>
+              </a:pPr>
               <a:t>6</a:t>
             </a:fld>
-            <a:endParaRPr lang="en-US"/>
+            <a:endParaRPr lang="en-US">
+              <a:solidFill>
+                <a:prstClr val="black">
+                  <a:lumMod val="50000"/>
+                  <a:lumOff val="50000"/>
+                </a:prstClr>
+              </a:solidFill>
+            </a:endParaRPr>
+          </a:p>
+        </p:txBody>
+      </p:sp>
+      <p:sp>
+        <p:nvSpPr>
+          <p:cNvPr id="15" name="TextBox 14">
+            <a:extLst>
+              <a:ext uri="{FF2B5EF4-FFF2-40B4-BE49-F238E27FC236}">
+                <a16:creationId xmlns:a16="http://schemas.microsoft.com/office/drawing/2014/main" id="{595FF867-13E5-4499-B3B5-83B2E98AA561}"/>
+              </a:ext>
+            </a:extLst>
+          </p:cNvPr>
+          <p:cNvSpPr txBox="1"/>
+          <p:nvPr/>
+        </p:nvSpPr>
+        <p:spPr>
+          <a:xfrm>
+            <a:off x="868344" y="5069503"/>
+            <a:ext cx="5361634" cy="351386"/>
+          </a:xfrm>
+          <a:prstGeom prst="rect">
+            <a:avLst/>
+          </a:prstGeom>
+          <a:solidFill>
+            <a:srgbClr val="000000">
+              <a:alpha val="50000"/>
+            </a:srgbClr>
+          </a:solidFill>
+          <a:ln>
+            <a:noFill/>
+          </a:ln>
+        </p:spPr>
+        <p:txBody>
+          <a:bodyPr wrap="square">
+            <a:noAutofit/>
+          </a:bodyPr>
+          <a:lstStyle/>
+          <a:p>
+            <a:pPr algn="ctr">
+              <a:spcAft>
+                <a:spcPts val="600"/>
+              </a:spcAft>
+            </a:pPr>
+            <a:r>
+              <a:rPr lang="en-AU" sz="1250" dirty="0">
+                <a:solidFill>
+                  <a:srgbClr val="FFFFFF"/>
+                </a:solidFill>
+              </a:rPr>
+              <a:t>Binary classification accuracy comparison[18]</a:t>
+            </a:r>
           </a:p>
         </p:txBody>
       </p:sp>
     </p:spTree>
     <p:extLst>
       <p:ext uri="{BB962C8B-B14F-4D97-AF65-F5344CB8AC3E}">
-        <p14:creationId xmlns:p14="http://schemas.microsoft.com/office/powerpoint/2010/main" val="2282478555"/>
+        <p14:creationId xmlns:p14="http://schemas.microsoft.com/office/powerpoint/2010/main" val="1893620520"/>
       </p:ext>
     </p:extLst>
   </p:cSld>
@@ -11590,155 +16721,6 @@
 </file>
 
 <file path=ppt/slides/slide7.xml><?xml version="1.0" encoding="utf-8"?>
-<p:sld xmlns:a="http://schemas.openxmlformats.org/drawingml/2006/main" xmlns:r="http://schemas.openxmlformats.org/officeDocument/2006/relationships" xmlns:p="http://schemas.openxmlformats.org/presentationml/2006/main">
-  <p:cSld>
-    <p:spTree>
-      <p:nvGrpSpPr>
-        <p:cNvPr id="1" name=""/>
-        <p:cNvGrpSpPr/>
-        <p:nvPr/>
-      </p:nvGrpSpPr>
-      <p:grpSpPr>
-        <a:xfrm>
-          <a:off x="0" y="0"/>
-          <a:ext cx="0" cy="0"/>
-          <a:chOff x="0" y="0"/>
-          <a:chExt cx="0" cy="0"/>
-        </a:xfrm>
-      </p:grpSpPr>
-      <p:sp>
-        <p:nvSpPr>
-          <p:cNvPr id="2" name="Title 1">
-            <a:extLst>
-              <a:ext uri="{FF2B5EF4-FFF2-40B4-BE49-F238E27FC236}">
-                <a16:creationId xmlns:a16="http://schemas.microsoft.com/office/drawing/2014/main" id="{31F78683-9710-49B3-8BCF-257A68D447DA}"/>
-              </a:ext>
-            </a:extLst>
-          </p:cNvPr>
-          <p:cNvSpPr>
-            <a:spLocks noGrp="1"/>
-          </p:cNvSpPr>
-          <p:nvPr>
-            <p:ph type="title"/>
-          </p:nvPr>
-        </p:nvSpPr>
-        <p:spPr/>
-        <p:txBody>
-          <a:bodyPr/>
-          <a:lstStyle/>
-          <a:p>
-            <a:r>
-              <a:rPr lang="en-AU" dirty="0"/>
-              <a:t>OASIS-3 Data</a:t>
-            </a:r>
-          </a:p>
-        </p:txBody>
-      </p:sp>
-      <p:sp>
-        <p:nvSpPr>
-          <p:cNvPr id="3" name="Content Placeholder 2">
-            <a:extLst>
-              <a:ext uri="{FF2B5EF4-FFF2-40B4-BE49-F238E27FC236}">
-                <a16:creationId xmlns:a16="http://schemas.microsoft.com/office/drawing/2014/main" id="{09840B1A-5330-45D6-910B-E1F81ED95F27}"/>
-              </a:ext>
-            </a:extLst>
-          </p:cNvPr>
-          <p:cNvSpPr>
-            <a:spLocks noGrp="1"/>
-          </p:cNvSpPr>
-          <p:nvPr>
-            <p:ph idx="1"/>
-          </p:nvPr>
-        </p:nvSpPr>
-        <p:spPr>
-          <a:xfrm>
-            <a:off x="838200" y="1825625"/>
-            <a:ext cx="10515600" cy="3127375"/>
-          </a:xfrm>
-        </p:spPr>
-        <p:txBody>
-          <a:bodyPr>
-            <a:normAutofit/>
-          </a:bodyPr>
-          <a:lstStyle/>
-          <a:p>
-            <a:pPr algn="l">
-              <a:lnSpc>
-                <a:spcPct val="100000"/>
-              </a:lnSpc>
-            </a:pPr>
-            <a:r>
-              <a:rPr lang="en-AU" dirty="0"/>
-              <a:t>OASIS-3 is an openly available dataset containing MRI and PET imaging for 1,098 subjects [12].</a:t>
-            </a:r>
-          </a:p>
-          <a:p>
-            <a:pPr algn="l">
-              <a:lnSpc>
-                <a:spcPct val="100000"/>
-              </a:lnSpc>
-            </a:pPr>
-            <a:r>
-              <a:rPr lang="en-AU" dirty="0"/>
-              <a:t>850 of the participants entered the study as (CN). </a:t>
-            </a:r>
-          </a:p>
-          <a:p>
-            <a:pPr algn="l">
-              <a:lnSpc>
-                <a:spcPct val="100000"/>
-              </a:lnSpc>
-            </a:pPr>
-            <a:r>
-              <a:rPr lang="en-AU" dirty="0"/>
-              <a:t>245 of these converted to a state of cognitive impairment over the 10 year duration of the study.</a:t>
-            </a:r>
-          </a:p>
-        </p:txBody>
-      </p:sp>
-      <p:sp>
-        <p:nvSpPr>
-          <p:cNvPr id="5" name="Slide Number Placeholder 4">
-            <a:extLst>
-              <a:ext uri="{FF2B5EF4-FFF2-40B4-BE49-F238E27FC236}">
-                <a16:creationId xmlns:a16="http://schemas.microsoft.com/office/drawing/2014/main" id="{2606F35E-7686-4C58-9A3C-D05063AC0B90}"/>
-              </a:ext>
-            </a:extLst>
-          </p:cNvPr>
-          <p:cNvSpPr>
-            <a:spLocks noGrp="1"/>
-          </p:cNvSpPr>
-          <p:nvPr>
-            <p:ph type="sldNum" sz="quarter" idx="12"/>
-          </p:nvPr>
-        </p:nvSpPr>
-        <p:spPr/>
-        <p:txBody>
-          <a:bodyPr/>
-          <a:lstStyle/>
-          <a:p>
-            <a:fld id="{4854181D-6920-4594-9A5D-6CE56DC9F8B2}" type="slidenum">
-              <a:rPr lang="en-US" smtClean="0"/>
-              <a:t>7</a:t>
-            </a:fld>
-            <a:endParaRPr lang="en-US"/>
-          </a:p>
-        </p:txBody>
-      </p:sp>
-    </p:spTree>
-    <p:extLst>
-      <p:ext uri="{BB962C8B-B14F-4D97-AF65-F5344CB8AC3E}">
-        <p14:creationId xmlns:p14="http://schemas.microsoft.com/office/powerpoint/2010/main" val="1171989719"/>
-      </p:ext>
-    </p:extLst>
-  </p:cSld>
-  <p:clrMapOvr>
-    <a:masterClrMapping/>
-  </p:clrMapOvr>
-</p:sld>
-</file>
-
-<file path=ppt/slides/slide8.xml><?xml version="1.0" encoding="utf-8"?>
 <p:sld xmlns:a="http://schemas.openxmlformats.org/drawingml/2006/main" xmlns:r="http://schemas.openxmlformats.org/officeDocument/2006/relationships" xmlns:p="http://schemas.openxmlformats.org/presentationml/2006/main">
   <p:cSld>
     <p:spTree>
@@ -11799,7 +16781,12 @@
             <p:ph idx="1"/>
           </p:nvPr>
         </p:nvSpPr>
-        <p:spPr/>
+        <p:spPr>
+          <a:xfrm>
+            <a:off x="838200" y="1825624"/>
+            <a:ext cx="7290916" cy="4414401"/>
+          </a:xfrm>
+        </p:spPr>
         <p:txBody>
           <a:bodyPr>
             <a:normAutofit/>
@@ -11846,7 +16833,7 @@
             </a:pPr>
             <a:r>
               <a:rPr lang="en-AU" dirty="0"/>
-              <a:t>Patch-based approaches are able to learn from the whole brain with significantly reduced dimensionality in comparison to voxel-based approaches [20].</a:t>
+              <a:t>Patch-based approaches are able to learn from the whole brain with significantly reduced dimensionality [20].</a:t>
             </a:r>
           </a:p>
         </p:txBody>
@@ -11874,16 +16861,1259 @@
           <a:p>
             <a:fld id="{4854181D-6920-4594-9A5D-6CE56DC9F8B2}" type="slidenum">
               <a:rPr lang="en-US" smtClean="0"/>
-              <a:t>8</a:t>
+              <a:t>7</a:t>
             </a:fld>
             <a:endParaRPr lang="en-US"/>
+          </a:p>
+        </p:txBody>
+      </p:sp>
+      <p:pic>
+        <p:nvPicPr>
+          <p:cNvPr id="5" name="Picture 2">
+            <a:extLst>
+              <a:ext uri="{FF2B5EF4-FFF2-40B4-BE49-F238E27FC236}">
+                <a16:creationId xmlns:a16="http://schemas.microsoft.com/office/drawing/2014/main" id="{8EA6B73D-F0F1-448F-AB94-2F2954958DAA}"/>
+              </a:ext>
+            </a:extLst>
+          </p:cNvPr>
+          <p:cNvPicPr>
+            <a:picLocks noChangeAspect="1" noChangeArrowheads="1"/>
+          </p:cNvPicPr>
+          <p:nvPr/>
+        </p:nvPicPr>
+        <p:blipFill rotWithShape="1">
+          <a:blip r:embed="rId3">
+            <a:extLst>
+              <a:ext uri="{28A0092B-C50C-407E-A947-70E740481C1C}">
+                <a14:useLocalDpi xmlns:a14="http://schemas.microsoft.com/office/drawing/2010/main" val="0"/>
+              </a:ext>
+            </a:extLst>
+          </a:blip>
+          <a:srcRect l="12247" t="17918" r="18337" b="12666"/>
+          <a:stretch/>
+        </p:blipFill>
+        <p:spPr bwMode="auto">
+          <a:xfrm>
+            <a:off x="8871857" y="2579249"/>
+            <a:ext cx="2304000" cy="2304000"/>
+          </a:xfrm>
+          <a:prstGeom prst="rect">
+            <a:avLst/>
+          </a:prstGeom>
+          <a:noFill/>
+          <a:extLst>
+            <a:ext uri="{909E8E84-426E-40DD-AFC4-6F175D3DCCD1}">
+              <a14:hiddenFill xmlns:a14="http://schemas.microsoft.com/office/drawing/2010/main">
+                <a:solidFill>
+                  <a:srgbClr val="FFFFFF"/>
+                </a:solidFill>
+              </a14:hiddenFill>
+            </a:ext>
+          </a:extLst>
+        </p:spPr>
+      </p:pic>
+      <p:sp>
+        <p:nvSpPr>
+          <p:cNvPr id="8" name="Rectangle 7">
+            <a:extLst>
+              <a:ext uri="{FF2B5EF4-FFF2-40B4-BE49-F238E27FC236}">
+                <a16:creationId xmlns:a16="http://schemas.microsoft.com/office/drawing/2014/main" id="{5EF26259-5632-4D0B-8B20-75F9537D32C9}"/>
+              </a:ext>
+            </a:extLst>
+          </p:cNvPr>
+          <p:cNvSpPr/>
+          <p:nvPr/>
+        </p:nvSpPr>
+        <p:spPr>
+          <a:xfrm>
+            <a:off x="8871857" y="2579249"/>
+            <a:ext cx="1152000" cy="1152000"/>
+          </a:xfrm>
+          <a:prstGeom prst="rect">
+            <a:avLst/>
+          </a:prstGeom>
+          <a:noFill/>
+          <a:ln w="38100">
+            <a:solidFill>
+              <a:srgbClr val="FF0000"/>
+            </a:solidFill>
+          </a:ln>
+        </p:spPr>
+        <p:style>
+          <a:lnRef idx="2">
+            <a:schemeClr val="accent1">
+              <a:shade val="50000"/>
+            </a:schemeClr>
+          </a:lnRef>
+          <a:fillRef idx="1">
+            <a:schemeClr val="accent1"/>
+          </a:fillRef>
+          <a:effectRef idx="0">
+            <a:schemeClr val="accent1"/>
+          </a:effectRef>
+          <a:fontRef idx="minor">
+            <a:schemeClr val="lt1"/>
+          </a:fontRef>
+        </p:style>
+        <p:txBody>
+          <a:bodyPr rtlCol="0" anchor="ctr"/>
+          <a:lstStyle/>
+          <a:p>
+            <a:pPr algn="ctr"/>
+            <a:endParaRPr lang="en-AU"/>
           </a:p>
         </p:txBody>
       </p:sp>
     </p:spTree>
     <p:extLst>
       <p:ext uri="{BB962C8B-B14F-4D97-AF65-F5344CB8AC3E}">
-        <p14:creationId xmlns:p14="http://schemas.microsoft.com/office/powerpoint/2010/main" val="736684572"/>
+        <p14:creationId xmlns:p14="http://schemas.microsoft.com/office/powerpoint/2010/main" val="423423655"/>
+      </p:ext>
+    </p:extLst>
+  </p:cSld>
+  <p:clrMapOvr>
+    <a:masterClrMapping/>
+  </p:clrMapOvr>
+  <p:timing>
+    <p:tnLst>
+      <p:par>
+        <p:cTn id="1" dur="indefinite" restart="never" nodeType="tmRoot">
+          <p:childTnLst>
+            <p:seq concurrent="1" nextAc="seek">
+              <p:cTn id="2" dur="indefinite" nodeType="mainSeq">
+                <p:childTnLst>
+                  <p:par>
+                    <p:cTn id="3" fill="hold">
+                      <p:stCondLst>
+                        <p:cond delay="indefinite"/>
+                      </p:stCondLst>
+                      <p:childTnLst>
+                        <p:par>
+                          <p:cTn id="4" fill="hold">
+                            <p:stCondLst>
+                              <p:cond delay="0"/>
+                            </p:stCondLst>
+                            <p:childTnLst>
+                              <p:par>
+                                <p:cTn id="5" presetID="42" presetClass="path" presetSubtype="0" accel="50000" decel="50000" fill="hold" grpId="0" nodeType="clickEffect">
+                                  <p:stCondLst>
+                                    <p:cond delay="0"/>
+                                  </p:stCondLst>
+                                  <p:childTnLst>
+                                    <p:animMotion origin="layout" path="M 2.08333E-7 -3.7037E-6 L 0.04727 -3.7037E-6 " pathEditMode="relative" rAng="0" ptsTypes="AA">
+                                      <p:cBhvr>
+                                        <p:cTn id="6" dur="500" fill="hold"/>
+                                        <p:tgtEl>
+                                          <p:spTgt spid="8"/>
+                                        </p:tgtEl>
+                                        <p:attrNameLst>
+                                          <p:attrName>ppt_x</p:attrName>
+                                          <p:attrName>ppt_y</p:attrName>
+                                        </p:attrNameLst>
+                                      </p:cBhvr>
+                                      <p:rCtr x="2357" y="0"/>
+                                    </p:animMotion>
+                                  </p:childTnLst>
+                                </p:cTn>
+                              </p:par>
+                            </p:childTnLst>
+                          </p:cTn>
+                        </p:par>
+                      </p:childTnLst>
+                    </p:cTn>
+                  </p:par>
+                  <p:par>
+                    <p:cTn id="7" fill="hold">
+                      <p:stCondLst>
+                        <p:cond delay="indefinite"/>
+                      </p:stCondLst>
+                      <p:childTnLst>
+                        <p:par>
+                          <p:cTn id="8" fill="hold">
+                            <p:stCondLst>
+                              <p:cond delay="0"/>
+                            </p:stCondLst>
+                            <p:childTnLst>
+                              <p:par>
+                                <p:cTn id="9" presetID="42" presetClass="path" presetSubtype="0" accel="50000" decel="50000" fill="hold" grpId="1" nodeType="clickEffect">
+                                  <p:stCondLst>
+                                    <p:cond delay="0"/>
+                                  </p:stCondLst>
+                                  <p:childTnLst>
+                                    <p:animMotion origin="layout" path="M 0.04727 -3.7037E-6 L 0.09297 -3.7037E-6 " pathEditMode="relative" rAng="0" ptsTypes="AA">
+                                      <p:cBhvr>
+                                        <p:cTn id="10" dur="500" fill="hold"/>
+                                        <p:tgtEl>
+                                          <p:spTgt spid="8"/>
+                                        </p:tgtEl>
+                                        <p:attrNameLst>
+                                          <p:attrName>ppt_x</p:attrName>
+                                          <p:attrName>ppt_y</p:attrName>
+                                        </p:attrNameLst>
+                                      </p:cBhvr>
+                                      <p:rCtr x="2279" y="0"/>
+                                    </p:animMotion>
+                                  </p:childTnLst>
+                                </p:cTn>
+                              </p:par>
+                            </p:childTnLst>
+                          </p:cTn>
+                        </p:par>
+                      </p:childTnLst>
+                    </p:cTn>
+                  </p:par>
+                  <p:par>
+                    <p:cTn id="11" fill="hold">
+                      <p:stCondLst>
+                        <p:cond delay="indefinite"/>
+                      </p:stCondLst>
+                      <p:childTnLst>
+                        <p:par>
+                          <p:cTn id="12" fill="hold">
+                            <p:stCondLst>
+                              <p:cond delay="0"/>
+                            </p:stCondLst>
+                            <p:childTnLst>
+                              <p:par>
+                                <p:cTn id="13" presetID="42" presetClass="path" presetSubtype="0" accel="50000" decel="50000" fill="hold" grpId="2" nodeType="clickEffect">
+                                  <p:stCondLst>
+                                    <p:cond delay="0"/>
+                                  </p:stCondLst>
+                                  <p:childTnLst>
+                                    <p:animMotion origin="layout" path="M 0.09297 -3.7037E-6 L -0.00156 0.08403 " pathEditMode="relative" rAng="0" ptsTypes="AA">
+                                      <p:cBhvr>
+                                        <p:cTn id="14" dur="500" fill="hold"/>
+                                        <p:tgtEl>
+                                          <p:spTgt spid="8"/>
+                                        </p:tgtEl>
+                                        <p:attrNameLst>
+                                          <p:attrName>ppt_x</p:attrName>
+                                          <p:attrName>ppt_y</p:attrName>
+                                        </p:attrNameLst>
+                                      </p:cBhvr>
+                                      <p:rCtr x="-4727" y="4190"/>
+                                    </p:animMotion>
+                                  </p:childTnLst>
+                                </p:cTn>
+                              </p:par>
+                            </p:childTnLst>
+                          </p:cTn>
+                        </p:par>
+                      </p:childTnLst>
+                    </p:cTn>
+                  </p:par>
+                  <p:par>
+                    <p:cTn id="15" fill="hold">
+                      <p:stCondLst>
+                        <p:cond delay="indefinite"/>
+                      </p:stCondLst>
+                      <p:childTnLst>
+                        <p:par>
+                          <p:cTn id="16" fill="hold">
+                            <p:stCondLst>
+                              <p:cond delay="0"/>
+                            </p:stCondLst>
+                            <p:childTnLst>
+                              <p:par>
+                                <p:cTn id="17" presetID="42" presetClass="path" presetSubtype="0" accel="50000" decel="50000" fill="hold" grpId="3" nodeType="clickEffect">
+                                  <p:stCondLst>
+                                    <p:cond delay="0"/>
+                                  </p:stCondLst>
+                                  <p:childTnLst>
+                                    <p:animMotion origin="layout" path="M -0.00156 0.08403 L 0.04727 0.08403 " pathEditMode="relative" rAng="0" ptsTypes="AA">
+                                      <p:cBhvr>
+                                        <p:cTn id="18" dur="500" fill="hold"/>
+                                        <p:tgtEl>
+                                          <p:spTgt spid="8"/>
+                                        </p:tgtEl>
+                                        <p:attrNameLst>
+                                          <p:attrName>ppt_x</p:attrName>
+                                          <p:attrName>ppt_y</p:attrName>
+                                        </p:attrNameLst>
+                                      </p:cBhvr>
+                                      <p:rCtr x="2435" y="0"/>
+                                    </p:animMotion>
+                                  </p:childTnLst>
+                                </p:cTn>
+                              </p:par>
+                            </p:childTnLst>
+                          </p:cTn>
+                        </p:par>
+                      </p:childTnLst>
+                    </p:cTn>
+                  </p:par>
+                  <p:par>
+                    <p:cTn id="19" fill="hold">
+                      <p:stCondLst>
+                        <p:cond delay="indefinite"/>
+                      </p:stCondLst>
+                      <p:childTnLst>
+                        <p:par>
+                          <p:cTn id="20" fill="hold">
+                            <p:stCondLst>
+                              <p:cond delay="0"/>
+                            </p:stCondLst>
+                            <p:childTnLst>
+                              <p:par>
+                                <p:cTn id="21" presetID="42" presetClass="path" presetSubtype="0" accel="50000" decel="50000" fill="hold" grpId="4" nodeType="clickEffect">
+                                  <p:stCondLst>
+                                    <p:cond delay="0"/>
+                                  </p:stCondLst>
+                                  <p:childTnLst>
+                                    <p:animMotion origin="layout" path="M 0.04727 0.08403 L 0.09375 0.08403 " pathEditMode="relative" rAng="0" ptsTypes="AA">
+                                      <p:cBhvr>
+                                        <p:cTn id="22" dur="500" fill="hold"/>
+                                        <p:tgtEl>
+                                          <p:spTgt spid="8"/>
+                                        </p:tgtEl>
+                                        <p:attrNameLst>
+                                          <p:attrName>ppt_x</p:attrName>
+                                          <p:attrName>ppt_y</p:attrName>
+                                        </p:attrNameLst>
+                                      </p:cBhvr>
+                                      <p:rCtr x="2318" y="0"/>
+                                    </p:animMotion>
+                                  </p:childTnLst>
+                                </p:cTn>
+                              </p:par>
+                            </p:childTnLst>
+                          </p:cTn>
+                        </p:par>
+                      </p:childTnLst>
+                    </p:cTn>
+                  </p:par>
+                  <p:par>
+                    <p:cTn id="23" fill="hold">
+                      <p:stCondLst>
+                        <p:cond delay="indefinite"/>
+                      </p:stCondLst>
+                      <p:childTnLst>
+                        <p:par>
+                          <p:cTn id="24" fill="hold">
+                            <p:stCondLst>
+                              <p:cond delay="0"/>
+                            </p:stCondLst>
+                            <p:childTnLst>
+                              <p:par>
+                                <p:cTn id="25" presetID="42" presetClass="path" presetSubtype="0" accel="50000" decel="50000" fill="hold" grpId="5" nodeType="clickEffect">
+                                  <p:stCondLst>
+                                    <p:cond delay="0"/>
+                                  </p:stCondLst>
+                                  <p:childTnLst>
+                                    <p:animMotion origin="layout" path="M 0.09375 0.08403 L -0.00078 0.16852 " pathEditMode="relative" rAng="0" ptsTypes="AA">
+                                      <p:cBhvr>
+                                        <p:cTn id="26" dur="500" fill="hold"/>
+                                        <p:tgtEl>
+                                          <p:spTgt spid="8"/>
+                                        </p:tgtEl>
+                                        <p:attrNameLst>
+                                          <p:attrName>ppt_x</p:attrName>
+                                          <p:attrName>ppt_y</p:attrName>
+                                        </p:attrNameLst>
+                                      </p:cBhvr>
+                                      <p:rCtr x="-4727" y="4213"/>
+                                    </p:animMotion>
+                                  </p:childTnLst>
+                                </p:cTn>
+                              </p:par>
+                            </p:childTnLst>
+                          </p:cTn>
+                        </p:par>
+                      </p:childTnLst>
+                    </p:cTn>
+                  </p:par>
+                  <p:par>
+                    <p:cTn id="27" fill="hold">
+                      <p:stCondLst>
+                        <p:cond delay="indefinite"/>
+                      </p:stCondLst>
+                      <p:childTnLst>
+                        <p:par>
+                          <p:cTn id="28" fill="hold">
+                            <p:stCondLst>
+                              <p:cond delay="0"/>
+                            </p:stCondLst>
+                            <p:childTnLst>
+                              <p:par>
+                                <p:cTn id="29" presetID="42" presetClass="path" presetSubtype="0" accel="50000" decel="50000" fill="hold" grpId="6" nodeType="clickEffect">
+                                  <p:stCondLst>
+                                    <p:cond delay="0"/>
+                                  </p:stCondLst>
+                                  <p:childTnLst>
+                                    <p:animMotion origin="layout" path="M -0.00078 0.16852 L 0.04727 0.16852 " pathEditMode="relative" rAng="0" ptsTypes="AA">
+                                      <p:cBhvr>
+                                        <p:cTn id="30" dur="500" fill="hold"/>
+                                        <p:tgtEl>
+                                          <p:spTgt spid="8"/>
+                                        </p:tgtEl>
+                                        <p:attrNameLst>
+                                          <p:attrName>ppt_x</p:attrName>
+                                          <p:attrName>ppt_y</p:attrName>
+                                        </p:attrNameLst>
+                                      </p:cBhvr>
+                                      <p:rCtr x="2396" y="0"/>
+                                    </p:animMotion>
+                                  </p:childTnLst>
+                                </p:cTn>
+                              </p:par>
+                            </p:childTnLst>
+                          </p:cTn>
+                        </p:par>
+                      </p:childTnLst>
+                    </p:cTn>
+                  </p:par>
+                  <p:par>
+                    <p:cTn id="31" fill="hold">
+                      <p:stCondLst>
+                        <p:cond delay="indefinite"/>
+                      </p:stCondLst>
+                      <p:childTnLst>
+                        <p:par>
+                          <p:cTn id="32" fill="hold">
+                            <p:stCondLst>
+                              <p:cond delay="0"/>
+                            </p:stCondLst>
+                            <p:childTnLst>
+                              <p:par>
+                                <p:cTn id="33" presetID="42" presetClass="path" presetSubtype="0" accel="50000" decel="50000" fill="hold" grpId="7" nodeType="clickEffect">
+                                  <p:stCondLst>
+                                    <p:cond delay="0"/>
+                                  </p:stCondLst>
+                                  <p:childTnLst>
+                                    <p:animMotion origin="layout" path="M 0.04727 0.16852 L 0.09453 0.16852 " pathEditMode="relative" rAng="0" ptsTypes="AA">
+                                      <p:cBhvr>
+                                        <p:cTn id="34" dur="500" fill="hold"/>
+                                        <p:tgtEl>
+                                          <p:spTgt spid="8"/>
+                                        </p:tgtEl>
+                                        <p:attrNameLst>
+                                          <p:attrName>ppt_x</p:attrName>
+                                          <p:attrName>ppt_y</p:attrName>
+                                        </p:attrNameLst>
+                                      </p:cBhvr>
+                                      <p:rCtr x="2357" y="0"/>
+                                    </p:animMotion>
+                                  </p:childTnLst>
+                                </p:cTn>
+                              </p:par>
+                            </p:childTnLst>
+                          </p:cTn>
+                        </p:par>
+                      </p:childTnLst>
+                    </p:cTn>
+                  </p:par>
+                </p:childTnLst>
+              </p:cTn>
+              <p:prevCondLst>
+                <p:cond evt="onPrev" delay="0">
+                  <p:tgtEl>
+                    <p:sldTgt/>
+                  </p:tgtEl>
+                </p:cond>
+              </p:prevCondLst>
+              <p:nextCondLst>
+                <p:cond evt="onNext" delay="0">
+                  <p:tgtEl>
+                    <p:sldTgt/>
+                  </p:tgtEl>
+                </p:cond>
+              </p:nextCondLst>
+            </p:seq>
+          </p:childTnLst>
+        </p:cTn>
+      </p:par>
+    </p:tnLst>
+    <p:bldLst>
+      <p:bldP spid="8" grpId="0" animBg="1"/>
+      <p:bldP spid="8" grpId="1" animBg="1"/>
+      <p:bldP spid="8" grpId="2" animBg="1"/>
+      <p:bldP spid="8" grpId="3" animBg="1"/>
+      <p:bldP spid="8" grpId="4" animBg="1"/>
+      <p:bldP spid="8" grpId="5" animBg="1"/>
+      <p:bldP spid="8" grpId="6" animBg="1"/>
+      <p:bldP spid="8" grpId="7" animBg="1"/>
+    </p:bldLst>
+  </p:timing>
+</p:sld>
+</file>
+
+<file path=ppt/slides/slide8.xml><?xml version="1.0" encoding="utf-8"?>
+<p:sld xmlns:a="http://schemas.openxmlformats.org/drawingml/2006/main" xmlns:r="http://schemas.openxmlformats.org/officeDocument/2006/relationships" xmlns:p="http://schemas.openxmlformats.org/presentationml/2006/main">
+  <p:cSld>
+    <p:bg>
+      <p:bgPr>
+        <a:solidFill>
+          <a:schemeClr val="bg1"/>
+        </a:solidFill>
+        <a:effectLst/>
+      </p:bgPr>
+    </p:bg>
+    <p:spTree>
+      <p:nvGrpSpPr>
+        <p:cNvPr id="1" name=""/>
+        <p:cNvGrpSpPr/>
+        <p:nvPr/>
+      </p:nvGrpSpPr>
+      <p:grpSpPr>
+        <a:xfrm>
+          <a:off x="0" y="0"/>
+          <a:ext cx="0" cy="0"/>
+          <a:chOff x="0" y="0"/>
+          <a:chExt cx="0" cy="0"/>
+        </a:xfrm>
+      </p:grpSpPr>
+      <p:sp useBgFill="1">
+        <p:nvSpPr>
+          <p:cNvPr id="192" name="Rectangle 191">
+            <a:extLst>
+              <a:ext uri="{FF2B5EF4-FFF2-40B4-BE49-F238E27FC236}">
+                <a16:creationId xmlns:a16="http://schemas.microsoft.com/office/drawing/2014/main" id="{B3684CCF-CEBB-4D8E-A366-95E43D4C790B}"/>
+              </a:ext>
+              <a:ext uri="{C183D7F6-B498-43B3-948B-1728B52AA6E4}">
+                <adec:decorative xmlns:adec="http://schemas.microsoft.com/office/drawing/2017/decorative" val="1"/>
+              </a:ext>
+            </a:extLst>
+          </p:cNvPr>
+          <p:cNvSpPr>
+            <a:spLocks noGrp="1" noRot="1" noChangeAspect="1" noMove="1" noResize="1" noEditPoints="1" noAdjustHandles="1" noChangeArrowheads="1" noChangeShapeType="1" noTextEdit="1"/>
+          </p:cNvSpPr>
+          <p:nvPr>
+            <p:extLst>
+              <p:ext uri="{386F3935-93C4-4BCD-93E2-E3B085C9AB24}">
+                <p16:designElem xmlns:p16="http://schemas.microsoft.com/office/powerpoint/2015/main" val="1"/>
+              </p:ext>
+            </p:extLst>
+          </p:nvPr>
+        </p:nvSpPr>
+        <p:spPr>
+          <a:xfrm>
+            <a:off x="0" y="0"/>
+            <a:ext cx="12188952" cy="6858000"/>
+          </a:xfrm>
+          <a:prstGeom prst="rect">
+            <a:avLst/>
+          </a:prstGeom>
+          <a:ln>
+            <a:noFill/>
+          </a:ln>
+        </p:spPr>
+        <p:style>
+          <a:lnRef idx="2">
+            <a:schemeClr val="accent1">
+              <a:shade val="50000"/>
+            </a:schemeClr>
+          </a:lnRef>
+          <a:fillRef idx="1">
+            <a:schemeClr val="accent1"/>
+          </a:fillRef>
+          <a:effectRef idx="0">
+            <a:schemeClr val="accent1"/>
+          </a:effectRef>
+          <a:fontRef idx="minor">
+            <a:schemeClr val="lt1"/>
+          </a:fontRef>
+        </p:style>
+        <p:txBody>
+          <a:bodyPr rtlCol="0" anchor="ctr"/>
+          <a:lstStyle/>
+          <a:p>
+            <a:pPr marL="0" marR="0" lvl="0" indent="0" algn="ctr" defTabSz="914400" rtl="0" eaLnBrk="1" fontAlgn="auto" latinLnBrk="0" hangingPunct="1">
+              <a:lnSpc>
+                <a:spcPct val="100000"/>
+              </a:lnSpc>
+              <a:spcBef>
+                <a:spcPts val="0"/>
+              </a:spcBef>
+              <a:spcAft>
+                <a:spcPts val="0"/>
+              </a:spcAft>
+              <a:buClrTx/>
+              <a:buSzTx/>
+              <a:buFontTx/>
+              <a:buNone/>
+              <a:tabLst/>
+              <a:defRPr/>
+            </a:pPr>
+            <a:endParaRPr kumimoji="0" lang="en-US" sz="1800" b="0" i="0" u="none" strike="noStrike" kern="1200" cap="none" spc="0" normalizeH="0" baseline="0" noProof="0">
+              <a:ln>
+                <a:noFill/>
+              </a:ln>
+              <a:solidFill>
+                <a:prstClr val="white"/>
+              </a:solidFill>
+              <a:effectLst/>
+              <a:uLnTx/>
+              <a:uFillTx/>
+              <a:latin typeface="Calibri" panose="020F0502020204030204"/>
+              <a:ea typeface="+mn-ea"/>
+              <a:cs typeface="+mn-cs"/>
+            </a:endParaRPr>
+          </a:p>
+        </p:txBody>
+      </p:sp>
+      <p:sp>
+        <p:nvSpPr>
+          <p:cNvPr id="2" name="Title 1">
+            <a:extLst>
+              <a:ext uri="{FF2B5EF4-FFF2-40B4-BE49-F238E27FC236}">
+                <a16:creationId xmlns:a16="http://schemas.microsoft.com/office/drawing/2014/main" id="{31F78683-9710-49B3-8BCF-257A68D447DA}"/>
+              </a:ext>
+            </a:extLst>
+          </p:cNvPr>
+          <p:cNvSpPr>
+            <a:spLocks noGrp="1"/>
+          </p:cNvSpPr>
+          <p:nvPr>
+            <p:ph type="title"/>
+          </p:nvPr>
+        </p:nvSpPr>
+        <p:spPr>
+          <a:xfrm>
+            <a:off x="6637345" y="345810"/>
+            <a:ext cx="4960945" cy="1325563"/>
+          </a:xfrm>
+        </p:spPr>
+        <p:txBody>
+          <a:bodyPr vert="horz" lIns="91440" tIns="45720" rIns="91440" bIns="45720" rtlCol="0" anchor="ctr">
+            <a:normAutofit/>
+          </a:bodyPr>
+          <a:lstStyle/>
+          <a:p>
+            <a:r>
+              <a:rPr lang="en-US" sz="4400" kern="1200">
+                <a:solidFill>
+                  <a:schemeClr val="tx1"/>
+                </a:solidFill>
+                <a:latin typeface="+mj-lt"/>
+                <a:ea typeface="+mj-ea"/>
+                <a:cs typeface="+mj-cs"/>
+              </a:rPr>
+              <a:t>OASIS-3 Data</a:t>
+            </a:r>
+          </a:p>
+        </p:txBody>
+      </p:sp>
+      <p:sp>
+        <p:nvSpPr>
+          <p:cNvPr id="16" name="Content Placeholder 2">
+            <a:extLst>
+              <a:ext uri="{FF2B5EF4-FFF2-40B4-BE49-F238E27FC236}">
+                <a16:creationId xmlns:a16="http://schemas.microsoft.com/office/drawing/2014/main" id="{CD83B137-90A2-4271-99E8-38B5DA7F0E40}"/>
+              </a:ext>
+            </a:extLst>
+          </p:cNvPr>
+          <p:cNvSpPr txBox="1">
+            <a:spLocks/>
+          </p:cNvSpPr>
+          <p:nvPr/>
+        </p:nvSpPr>
+        <p:spPr>
+          <a:xfrm>
+            <a:off x="6637345" y="1825625"/>
+            <a:ext cx="4933462" cy="4351338"/>
+          </a:xfrm>
+          <a:prstGeom prst="rect">
+            <a:avLst/>
+          </a:prstGeom>
+        </p:spPr>
+        <p:txBody>
+          <a:bodyPr vert="horz" lIns="91440" tIns="45720" rIns="91440" bIns="45720" rtlCol="0">
+            <a:normAutofit/>
+          </a:bodyPr>
+          <a:lstStyle>
+            <a:lvl1pPr marL="228600" indent="-228600" algn="l" defTabSz="914400" rtl="0" eaLnBrk="1" latinLnBrk="0" hangingPunct="1">
+              <a:lnSpc>
+                <a:spcPct val="90000"/>
+              </a:lnSpc>
+              <a:spcBef>
+                <a:spcPts val="1000"/>
+              </a:spcBef>
+              <a:buFont typeface="Arial" panose="020B0604020202020204" pitchFamily="34" charset="0"/>
+              <a:buChar char="•"/>
+              <a:defRPr sz="2800" kern="1200">
+                <a:solidFill>
+                  <a:schemeClr val="tx1"/>
+                </a:solidFill>
+                <a:latin typeface="+mn-lt"/>
+                <a:ea typeface="+mn-ea"/>
+                <a:cs typeface="+mn-cs"/>
+              </a:defRPr>
+            </a:lvl1pPr>
+            <a:lvl2pPr marL="685800" indent="-228600" algn="l" defTabSz="914400" rtl="0" eaLnBrk="1" latinLnBrk="0" hangingPunct="1">
+              <a:lnSpc>
+                <a:spcPct val="90000"/>
+              </a:lnSpc>
+              <a:spcBef>
+                <a:spcPts val="500"/>
+              </a:spcBef>
+              <a:buFont typeface="Arial" panose="020B0604020202020204" pitchFamily="34" charset="0"/>
+              <a:buChar char="•"/>
+              <a:defRPr sz="2400" kern="1200">
+                <a:solidFill>
+                  <a:schemeClr val="tx1"/>
+                </a:solidFill>
+                <a:latin typeface="+mn-lt"/>
+                <a:ea typeface="+mn-ea"/>
+                <a:cs typeface="+mn-cs"/>
+              </a:defRPr>
+            </a:lvl2pPr>
+            <a:lvl3pPr marL="1143000" indent="-228600" algn="l" defTabSz="914400" rtl="0" eaLnBrk="1" latinLnBrk="0" hangingPunct="1">
+              <a:lnSpc>
+                <a:spcPct val="90000"/>
+              </a:lnSpc>
+              <a:spcBef>
+                <a:spcPts val="500"/>
+              </a:spcBef>
+              <a:buFont typeface="Arial" panose="020B0604020202020204" pitchFamily="34" charset="0"/>
+              <a:buChar char="•"/>
+              <a:defRPr sz="2000" kern="1200">
+                <a:solidFill>
+                  <a:schemeClr val="tx1"/>
+                </a:solidFill>
+                <a:latin typeface="+mn-lt"/>
+                <a:ea typeface="+mn-ea"/>
+                <a:cs typeface="+mn-cs"/>
+              </a:defRPr>
+            </a:lvl3pPr>
+            <a:lvl4pPr marL="1600200" indent="-228600" algn="l" defTabSz="914400" rtl="0" eaLnBrk="1" latinLnBrk="0" hangingPunct="1">
+              <a:lnSpc>
+                <a:spcPct val="90000"/>
+              </a:lnSpc>
+              <a:spcBef>
+                <a:spcPts val="500"/>
+              </a:spcBef>
+              <a:buFont typeface="Arial" panose="020B0604020202020204" pitchFamily="34" charset="0"/>
+              <a:buChar char="•"/>
+              <a:defRPr sz="1800" kern="1200">
+                <a:solidFill>
+                  <a:schemeClr val="tx1"/>
+                </a:solidFill>
+                <a:latin typeface="+mn-lt"/>
+                <a:ea typeface="+mn-ea"/>
+                <a:cs typeface="+mn-cs"/>
+              </a:defRPr>
+            </a:lvl4pPr>
+            <a:lvl5pPr marL="2057400" indent="-228600" algn="l" defTabSz="914400" rtl="0" eaLnBrk="1" latinLnBrk="0" hangingPunct="1">
+              <a:lnSpc>
+                <a:spcPct val="90000"/>
+              </a:lnSpc>
+              <a:spcBef>
+                <a:spcPts val="500"/>
+              </a:spcBef>
+              <a:buFont typeface="Arial" panose="020B0604020202020204" pitchFamily="34" charset="0"/>
+              <a:buChar char="•"/>
+              <a:defRPr sz="1800" kern="1200">
+                <a:solidFill>
+                  <a:schemeClr val="tx1"/>
+                </a:solidFill>
+                <a:latin typeface="+mn-lt"/>
+                <a:ea typeface="+mn-ea"/>
+                <a:cs typeface="+mn-cs"/>
+              </a:defRPr>
+            </a:lvl5pPr>
+            <a:lvl6pPr marL="2514600" indent="-228600" algn="l" defTabSz="914400" rtl="0" eaLnBrk="1" latinLnBrk="0" hangingPunct="1">
+              <a:lnSpc>
+                <a:spcPct val="90000"/>
+              </a:lnSpc>
+              <a:spcBef>
+                <a:spcPts val="500"/>
+              </a:spcBef>
+              <a:buFont typeface="Arial" panose="020B0604020202020204" pitchFamily="34" charset="0"/>
+              <a:buChar char="•"/>
+              <a:defRPr sz="1800" kern="1200">
+                <a:solidFill>
+                  <a:schemeClr val="tx1"/>
+                </a:solidFill>
+                <a:latin typeface="+mn-lt"/>
+                <a:ea typeface="+mn-ea"/>
+                <a:cs typeface="+mn-cs"/>
+              </a:defRPr>
+            </a:lvl6pPr>
+            <a:lvl7pPr marL="2971800" indent="-228600" algn="l" defTabSz="914400" rtl="0" eaLnBrk="1" latinLnBrk="0" hangingPunct="1">
+              <a:lnSpc>
+                <a:spcPct val="90000"/>
+              </a:lnSpc>
+              <a:spcBef>
+                <a:spcPts val="500"/>
+              </a:spcBef>
+              <a:buFont typeface="Arial" panose="020B0604020202020204" pitchFamily="34" charset="0"/>
+              <a:buChar char="•"/>
+              <a:defRPr sz="1800" kern="1200">
+                <a:solidFill>
+                  <a:schemeClr val="tx1"/>
+                </a:solidFill>
+                <a:latin typeface="+mn-lt"/>
+                <a:ea typeface="+mn-ea"/>
+                <a:cs typeface="+mn-cs"/>
+              </a:defRPr>
+            </a:lvl7pPr>
+            <a:lvl8pPr marL="3429000" indent="-228600" algn="l" defTabSz="914400" rtl="0" eaLnBrk="1" latinLnBrk="0" hangingPunct="1">
+              <a:lnSpc>
+                <a:spcPct val="90000"/>
+              </a:lnSpc>
+              <a:spcBef>
+                <a:spcPts val="500"/>
+              </a:spcBef>
+              <a:buFont typeface="Arial" panose="020B0604020202020204" pitchFamily="34" charset="0"/>
+              <a:buChar char="•"/>
+              <a:defRPr sz="1800" kern="1200">
+                <a:solidFill>
+                  <a:schemeClr val="tx1"/>
+                </a:solidFill>
+                <a:latin typeface="+mn-lt"/>
+                <a:ea typeface="+mn-ea"/>
+                <a:cs typeface="+mn-cs"/>
+              </a:defRPr>
+            </a:lvl8pPr>
+            <a:lvl9pPr marL="3886200" indent="-228600" algn="l" defTabSz="914400" rtl="0" eaLnBrk="1" latinLnBrk="0" hangingPunct="1">
+              <a:lnSpc>
+                <a:spcPct val="90000"/>
+              </a:lnSpc>
+              <a:spcBef>
+                <a:spcPts val="500"/>
+              </a:spcBef>
+              <a:buFont typeface="Arial" panose="020B0604020202020204" pitchFamily="34" charset="0"/>
+              <a:buChar char="•"/>
+              <a:defRPr sz="1800" kern="1200">
+                <a:solidFill>
+                  <a:schemeClr val="tx1"/>
+                </a:solidFill>
+                <a:latin typeface="+mn-lt"/>
+                <a:ea typeface="+mn-ea"/>
+                <a:cs typeface="+mn-cs"/>
+              </a:defRPr>
+            </a:lvl9pPr>
+          </a:lstStyle>
+          <a:p>
+            <a:r>
+              <a:rPr lang="en-US" sz="2400" dirty="0"/>
+              <a:t>OASIS-3 is an openly available dataset containing MRI and PET imaging for 1,098 subjects [12].</a:t>
+            </a:r>
+          </a:p>
+          <a:p>
+            <a:r>
+              <a:rPr lang="en-US" sz="2400" dirty="0"/>
+              <a:t>850 of the participants entered the study as CN. </a:t>
+            </a:r>
+          </a:p>
+          <a:p>
+            <a:r>
+              <a:rPr lang="en-US" sz="2400" dirty="0"/>
+              <a:t>245 of these converted to a state of cognitive impairment over the 10-year duration of the study.</a:t>
+            </a:r>
+          </a:p>
+        </p:txBody>
+      </p:sp>
+      <p:pic>
+        <p:nvPicPr>
+          <p:cNvPr id="1028" name="Picture 4">
+            <a:extLst>
+              <a:ext uri="{FF2B5EF4-FFF2-40B4-BE49-F238E27FC236}">
+                <a16:creationId xmlns:a16="http://schemas.microsoft.com/office/drawing/2014/main" id="{555C79F1-56CA-4B01-8CA9-14BC5986911F}"/>
+              </a:ext>
+            </a:extLst>
+          </p:cNvPr>
+          <p:cNvPicPr>
+            <a:picLocks noChangeAspect="1" noChangeArrowheads="1"/>
+          </p:cNvPicPr>
+          <p:nvPr/>
+        </p:nvPicPr>
+        <p:blipFill rotWithShape="1">
+          <a:blip r:embed="rId3">
+            <a:extLst>
+              <a:ext uri="{28A0092B-C50C-407E-A947-70E740481C1C}">
+                <a14:useLocalDpi xmlns:a14="http://schemas.microsoft.com/office/drawing/2010/main" val="0"/>
+              </a:ext>
+            </a:extLst>
+          </a:blip>
+          <a:srcRect t="3334" r="-2" b="4788"/>
+          <a:stretch/>
+        </p:blipFill>
+        <p:spPr bwMode="auto">
+          <a:xfrm>
+            <a:off x="1303383" y="3154859"/>
+            <a:ext cx="4030579" cy="3703141"/>
+          </a:xfrm>
+          <a:custGeom>
+            <a:avLst/>
+            <a:gdLst/>
+            <a:ahLst/>
+            <a:cxnLst/>
+            <a:rect l="l" t="t" r="r" b="b"/>
+            <a:pathLst>
+              <a:path w="4030579" h="3703141">
+                <a:moveTo>
+                  <a:pt x="2015289" y="0"/>
+                </a:moveTo>
+                <a:cubicBezTo>
+                  <a:pt x="3128303" y="0"/>
+                  <a:pt x="4030579" y="902277"/>
+                  <a:pt x="4030579" y="2015290"/>
+                </a:cubicBezTo>
+                <a:cubicBezTo>
+                  <a:pt x="4030579" y="2710923"/>
+                  <a:pt x="3678127" y="3324237"/>
+                  <a:pt x="3142057" y="3686399"/>
+                </a:cubicBezTo>
+                <a:lnTo>
+                  <a:pt x="3114499" y="3703141"/>
+                </a:lnTo>
+                <a:lnTo>
+                  <a:pt x="916080" y="3703141"/>
+                </a:lnTo>
+                <a:lnTo>
+                  <a:pt x="888522" y="3686399"/>
+                </a:lnTo>
+                <a:cubicBezTo>
+                  <a:pt x="352452" y="3324237"/>
+                  <a:pt x="0" y="2710923"/>
+                  <a:pt x="0" y="2015290"/>
+                </a:cubicBezTo>
+                <a:cubicBezTo>
+                  <a:pt x="0" y="902277"/>
+                  <a:pt x="902277" y="0"/>
+                  <a:pt x="2015289" y="0"/>
+                </a:cubicBezTo>
+                <a:close/>
+              </a:path>
+            </a:pathLst>
+          </a:custGeom>
+          <a:noFill/>
+          <a:extLst>
+            <a:ext uri="{909E8E84-426E-40DD-AFC4-6F175D3DCCD1}">
+              <a14:hiddenFill xmlns:a14="http://schemas.microsoft.com/office/drawing/2010/main">
+                <a:solidFill>
+                  <a:srgbClr val="FFFFFF"/>
+                </a:solidFill>
+              </a14:hiddenFill>
+            </a:ext>
+          </a:extLst>
+        </p:spPr>
+      </p:pic>
+      <p:sp>
+        <p:nvSpPr>
+          <p:cNvPr id="193" name="Arc 192">
+            <a:extLst>
+              <a:ext uri="{FF2B5EF4-FFF2-40B4-BE49-F238E27FC236}">
+                <a16:creationId xmlns:a16="http://schemas.microsoft.com/office/drawing/2014/main" id="{70BEB1E7-2F88-40BC-B73D-42E5B6F80BFC}"/>
+              </a:ext>
+              <a:ext uri="{C183D7F6-B498-43B3-948B-1728B52AA6E4}">
+                <adec:decorative xmlns:adec="http://schemas.microsoft.com/office/drawing/2017/decorative" val="1"/>
+              </a:ext>
+            </a:extLst>
+          </p:cNvPr>
+          <p:cNvSpPr>
+            <a:spLocks noGrp="1" noRot="1" noChangeAspect="1" noMove="1" noResize="1" noEditPoints="1" noAdjustHandles="1" noChangeArrowheads="1" noChangeShapeType="1" noTextEdit="1"/>
+          </p:cNvSpPr>
+          <p:nvPr>
+            <p:extLst>
+              <p:ext uri="{386F3935-93C4-4BCD-93E2-E3B085C9AB24}">
+                <p16:designElem xmlns:p16="http://schemas.microsoft.com/office/powerpoint/2015/main" val="1"/>
+              </p:ext>
+            </p:extLst>
+          </p:nvPr>
+        </p:nvSpPr>
+        <p:spPr>
+          <a:xfrm rot="16840930" flipH="1" flipV="1">
+            <a:off x="2387864" y="-729071"/>
+            <a:ext cx="4083433" cy="4083433"/>
+          </a:xfrm>
+          <a:prstGeom prst="arc">
+            <a:avLst>
+              <a:gd name="adj1" fmla="val 16200000"/>
+              <a:gd name="adj2" fmla="val 20093138"/>
+            </a:avLst>
+          </a:prstGeom>
+          <a:ln w="127000" cap="rnd">
+            <a:solidFill>
+              <a:schemeClr val="accent4"/>
+            </a:solidFill>
+            <a:prstDash val="dash"/>
+          </a:ln>
+        </p:spPr>
+        <p:style>
+          <a:lnRef idx="1">
+            <a:schemeClr val="accent1"/>
+          </a:lnRef>
+          <a:fillRef idx="0">
+            <a:schemeClr val="accent1"/>
+          </a:fillRef>
+          <a:effectRef idx="0">
+            <a:schemeClr val="accent1"/>
+          </a:effectRef>
+          <a:fontRef idx="minor">
+            <a:schemeClr val="tx1"/>
+          </a:fontRef>
+        </p:style>
+        <p:txBody>
+          <a:bodyPr rtlCol="0" anchor="ctr"/>
+          <a:lstStyle/>
+          <a:p>
+            <a:pPr marL="0" marR="0" lvl="0" indent="0" algn="ctr" defTabSz="914400" rtl="0" eaLnBrk="1" fontAlgn="auto" latinLnBrk="0" hangingPunct="1">
+              <a:lnSpc>
+                <a:spcPct val="100000"/>
+              </a:lnSpc>
+              <a:spcBef>
+                <a:spcPts val="0"/>
+              </a:spcBef>
+              <a:spcAft>
+                <a:spcPts val="0"/>
+              </a:spcAft>
+              <a:buClrTx/>
+              <a:buSzTx/>
+              <a:buFontTx/>
+              <a:buNone/>
+              <a:tabLst/>
+              <a:defRPr/>
+            </a:pPr>
+            <a:endParaRPr kumimoji="0" lang="en-US" sz="1800" b="0" i="0" u="none" strike="noStrike" kern="1200" cap="none" spc="0" normalizeH="0" baseline="0" noProof="0" dirty="0">
+              <a:ln>
+                <a:noFill/>
+              </a:ln>
+              <a:solidFill>
+                <a:prstClr val="black"/>
+              </a:solidFill>
+              <a:effectLst/>
+              <a:uLnTx/>
+              <a:uFillTx/>
+              <a:latin typeface="Calibri" panose="020F0502020204030204"/>
+              <a:ea typeface="+mn-ea"/>
+              <a:cs typeface="+mn-cs"/>
+            </a:endParaRPr>
+          </a:p>
+        </p:txBody>
+      </p:sp>
+      <p:pic>
+        <p:nvPicPr>
+          <p:cNvPr id="1026" name="Picture 2">
+            <a:extLst>
+              <a:ext uri="{FF2B5EF4-FFF2-40B4-BE49-F238E27FC236}">
+                <a16:creationId xmlns:a16="http://schemas.microsoft.com/office/drawing/2014/main" id="{1AAF5AD6-42AF-40F0-9DC0-963AA7224ED1}"/>
+              </a:ext>
+            </a:extLst>
+          </p:cNvPr>
+          <p:cNvPicPr>
+            <a:picLocks noChangeAspect="1" noChangeArrowheads="1"/>
+          </p:cNvPicPr>
+          <p:nvPr/>
+        </p:nvPicPr>
+        <p:blipFill rotWithShape="1">
+          <a:blip r:embed="rId4">
+            <a:extLst>
+              <a:ext uri="{28A0092B-C50C-407E-A947-70E740481C1C}">
+                <a14:useLocalDpi xmlns:a14="http://schemas.microsoft.com/office/drawing/2010/main" val="0"/>
+              </a:ext>
+            </a:extLst>
+          </a:blip>
+          <a:srcRect l="15752" r="15052" b="-2"/>
+          <a:stretch/>
+        </p:blipFill>
+        <p:spPr bwMode="auto">
+          <a:xfrm>
+            <a:off x="20" y="330442"/>
+            <a:ext cx="2377016" cy="3435255"/>
+          </a:xfrm>
+          <a:custGeom>
+            <a:avLst/>
+            <a:gdLst/>
+            <a:ahLst/>
+            <a:cxnLst/>
+            <a:rect l="l" t="t" r="r" b="b"/>
+            <a:pathLst>
+              <a:path w="2377036" h="3435255">
+                <a:moveTo>
+                  <a:pt x="659409" y="0"/>
+                </a:moveTo>
+                <a:cubicBezTo>
+                  <a:pt x="1608028" y="0"/>
+                  <a:pt x="2377036" y="769008"/>
+                  <a:pt x="2377036" y="1717628"/>
+                </a:cubicBezTo>
+                <a:cubicBezTo>
+                  <a:pt x="2377036" y="2666247"/>
+                  <a:pt x="1608028" y="3435255"/>
+                  <a:pt x="659409" y="3435255"/>
+                </a:cubicBezTo>
+                <a:cubicBezTo>
+                  <a:pt x="481542" y="3435255"/>
+                  <a:pt x="309991" y="3408220"/>
+                  <a:pt x="148639" y="3358034"/>
+                </a:cubicBezTo>
+                <a:lnTo>
+                  <a:pt x="0" y="3303632"/>
+                </a:lnTo>
+                <a:lnTo>
+                  <a:pt x="0" y="131624"/>
+                </a:lnTo>
+                <a:lnTo>
+                  <a:pt x="148639" y="77221"/>
+                </a:lnTo>
+                <a:cubicBezTo>
+                  <a:pt x="309991" y="27036"/>
+                  <a:pt x="481542" y="0"/>
+                  <a:pt x="659409" y="0"/>
+                </a:cubicBezTo>
+                <a:close/>
+              </a:path>
+            </a:pathLst>
+          </a:custGeom>
+          <a:noFill/>
+          <a:extLst>
+            <a:ext uri="{909E8E84-426E-40DD-AFC4-6F175D3DCCD1}">
+              <a14:hiddenFill xmlns:a14="http://schemas.microsoft.com/office/drawing/2010/main">
+                <a:solidFill>
+                  <a:srgbClr val="FFFFFF"/>
+                </a:solidFill>
+              </a14:hiddenFill>
+            </a:ext>
+          </a:extLst>
+        </p:spPr>
+      </p:pic>
+      <p:pic>
+        <p:nvPicPr>
+          <p:cNvPr id="1030" name="Picture 6">
+            <a:extLst>
+              <a:ext uri="{FF2B5EF4-FFF2-40B4-BE49-F238E27FC236}">
+                <a16:creationId xmlns:a16="http://schemas.microsoft.com/office/drawing/2014/main" id="{835DB7D3-836F-47DF-9A44-AE579EC5D3D2}"/>
+              </a:ext>
+            </a:extLst>
+          </p:cNvPr>
+          <p:cNvPicPr>
+            <a:picLocks noChangeAspect="1" noChangeArrowheads="1"/>
+          </p:cNvPicPr>
+          <p:nvPr/>
+        </p:nvPicPr>
+        <p:blipFill rotWithShape="1">
+          <a:blip r:embed="rId5">
+            <a:extLst>
+              <a:ext uri="{28A0092B-C50C-407E-A947-70E740481C1C}">
+                <a14:useLocalDpi xmlns:a14="http://schemas.microsoft.com/office/drawing/2010/main" val="0"/>
+              </a:ext>
+            </a:extLst>
+          </a:blip>
+          <a:srcRect t="7593" r="-1" b="6938"/>
+          <a:stretch/>
+        </p:blipFill>
+        <p:spPr bwMode="auto">
+          <a:xfrm>
+            <a:off x="2694837" y="1"/>
+            <a:ext cx="3519312" cy="3007909"/>
+          </a:xfrm>
+          <a:custGeom>
+            <a:avLst/>
+            <a:gdLst/>
+            <a:ahLst/>
+            <a:cxnLst/>
+            <a:rect l="l" t="t" r="r" b="b"/>
+            <a:pathLst>
+              <a:path w="3519312" h="3007909">
+                <a:moveTo>
+                  <a:pt x="519780" y="0"/>
+                </a:moveTo>
+                <a:lnTo>
+                  <a:pt x="2999532" y="0"/>
+                </a:lnTo>
+                <a:lnTo>
+                  <a:pt x="3003921" y="3989"/>
+                </a:lnTo>
+                <a:cubicBezTo>
+                  <a:pt x="3322356" y="322424"/>
+                  <a:pt x="3519312" y="762338"/>
+                  <a:pt x="3519312" y="1248253"/>
+                </a:cubicBezTo>
+                <a:cubicBezTo>
+                  <a:pt x="3519312" y="2220084"/>
+                  <a:pt x="2731487" y="3007909"/>
+                  <a:pt x="1759656" y="3007909"/>
+                </a:cubicBezTo>
+                <a:cubicBezTo>
+                  <a:pt x="787826" y="3007909"/>
+                  <a:pt x="0" y="2220084"/>
+                  <a:pt x="0" y="1248253"/>
+                </a:cubicBezTo>
+                <a:cubicBezTo>
+                  <a:pt x="0" y="762338"/>
+                  <a:pt x="196957" y="322424"/>
+                  <a:pt x="515392" y="3989"/>
+                </a:cubicBezTo>
+                <a:close/>
+              </a:path>
+            </a:pathLst>
+          </a:custGeom>
+          <a:noFill/>
+          <a:extLst>
+            <a:ext uri="{909E8E84-426E-40DD-AFC4-6F175D3DCCD1}">
+              <a14:hiddenFill xmlns:a14="http://schemas.microsoft.com/office/drawing/2010/main">
+                <a:solidFill>
+                  <a:srgbClr val="FFFFFF"/>
+                </a:solidFill>
+              </a14:hiddenFill>
+            </a:ext>
+          </a:extLst>
+        </p:spPr>
+      </p:pic>
+      <p:sp>
+        <p:nvSpPr>
+          <p:cNvPr id="5" name="Slide Number Placeholder 4">
+            <a:extLst>
+              <a:ext uri="{FF2B5EF4-FFF2-40B4-BE49-F238E27FC236}">
+                <a16:creationId xmlns:a16="http://schemas.microsoft.com/office/drawing/2014/main" id="{2606F35E-7686-4C58-9A3C-D05063AC0B90}"/>
+              </a:ext>
+            </a:extLst>
+          </p:cNvPr>
+          <p:cNvSpPr>
+            <a:spLocks noGrp="1"/>
+          </p:cNvSpPr>
+          <p:nvPr>
+            <p:ph type="sldNum" sz="quarter" idx="12"/>
+          </p:nvPr>
+        </p:nvSpPr>
+        <p:spPr>
+          <a:xfrm>
+            <a:off x="10437374" y="6356349"/>
+            <a:ext cx="916425" cy="365125"/>
+          </a:xfrm>
+        </p:spPr>
+        <p:txBody>
+          <a:bodyPr vert="horz" lIns="91440" tIns="45720" rIns="91440" bIns="45720" rtlCol="0" anchor="ctr">
+            <a:normAutofit/>
+          </a:bodyPr>
+          <a:lstStyle/>
+          <a:p>
+            <a:pPr>
+              <a:spcAft>
+                <a:spcPts val="600"/>
+              </a:spcAft>
+            </a:pPr>
+            <a:fld id="{4854181D-6920-4594-9A5D-6CE56DC9F8B2}" type="slidenum">
+              <a:rPr lang="en-US">
+                <a:solidFill>
+                  <a:prstClr val="black">
+                    <a:tint val="75000"/>
+                  </a:prstClr>
+                </a:solidFill>
+              </a:rPr>
+              <a:pPr>
+                <a:spcAft>
+                  <a:spcPts val="600"/>
+                </a:spcAft>
+              </a:pPr>
+              <a:t>8</a:t>
+            </a:fld>
+            <a:endParaRPr lang="en-US">
+              <a:solidFill>
+                <a:prstClr val="black">
+                  <a:tint val="75000"/>
+                </a:prstClr>
+              </a:solidFill>
+            </a:endParaRPr>
+          </a:p>
+        </p:txBody>
+      </p:sp>
+    </p:spTree>
+    <p:extLst>
+      <p:ext uri="{BB962C8B-B14F-4D97-AF65-F5344CB8AC3E}">
+        <p14:creationId xmlns:p14="http://schemas.microsoft.com/office/powerpoint/2010/main" val="2124043031"/>
       </p:ext>
     </p:extLst>
   </p:cSld>
@@ -11984,7 +18214,7 @@
             </a:pPr>
             <a:r>
               <a:rPr lang="en-AU" dirty="0"/>
-              <a:t>Those who remained cognitively normal for at least 3000 days after their initial scan.</a:t>
+              <a:t>CN – Those who remained cognitively normal for at least 3000 days after their initial scan.</a:t>
             </a:r>
           </a:p>
           <a:p>
@@ -11995,16 +18225,8 @@
             </a:pPr>
             <a:r>
               <a:rPr lang="en-AU" dirty="0"/>
-              <a:t>Those who converted from normal cognition to cognitive impairment within 1000 days after their scan.</a:t>
-            </a:r>
-          </a:p>
-          <a:p>
-            <a:pPr>
-              <a:lnSpc>
-                <a:spcPct val="100000"/>
-              </a:lnSpc>
-            </a:pPr>
-            <a:endParaRPr lang="en-AU" dirty="0"/>
+              <a:t>Converters – Those who converted from normal cognition to cognitive impairment within 1000 days after their scan.</a:t>
+            </a:r>
           </a:p>
           <a:p>
             <a:pPr>
@@ -12041,7 +18263,7 @@
               <a:rPr lang="en-US" smtClean="0"/>
               <a:t>9</a:t>
             </a:fld>
-            <a:endParaRPr lang="en-US"/>
+            <a:endParaRPr lang="en-US" dirty="0"/>
           </a:p>
         </p:txBody>
       </p:sp>
@@ -12057,16 +18279,10 @@
           <p:cNvGraphicFramePr>
             <a:graphicFrameLocks noGrp="1"/>
           </p:cNvGraphicFramePr>
-          <p:nvPr>
-            <p:extLst>
-              <p:ext uri="{D42A27DB-BD31-4B8C-83A1-F6EECF244321}">
-                <p14:modId xmlns:p14="http://schemas.microsoft.com/office/powerpoint/2010/main" val="1920961517"/>
-              </p:ext>
-            </p:extLst>
-          </p:nvPr>
+          <p:nvPr/>
         </p:nvGraphicFramePr>
         <p:xfrm>
-          <a:off x="6696278" y="4369859"/>
+          <a:off x="3767239" y="4169304"/>
           <a:ext cx="4657522" cy="1651000"/>
         </p:xfrm>
         <a:graphic>
@@ -12197,7 +18413,7 @@
     </p:spTree>
     <p:extLst>
       <p:ext uri="{BB962C8B-B14F-4D97-AF65-F5344CB8AC3E}">
-        <p14:creationId xmlns:p14="http://schemas.microsoft.com/office/powerpoint/2010/main" val="1926294667"/>
+        <p14:creationId xmlns:p14="http://schemas.microsoft.com/office/powerpoint/2010/main" val="1888707941"/>
       </p:ext>
     </p:extLst>
   </p:cSld>

--- a/21961992_Seminar.pptx
+++ b/21961992_Seminar.pptx
@@ -2799,7 +2799,7 @@
           <a:p>
             <a:fld id="{641007DD-9852-40D1-877A-A9DEACFE410E}" type="datetimeFigureOut">
               <a:rPr lang="en-AU" smtClean="0"/>
-              <a:t>7/10/2021</a:t>
+              <a:t>8/10/2021</a:t>
             </a:fld>
             <a:endParaRPr lang="en-AU"/>
           </a:p>
@@ -3151,6 +3151,397 @@
 </p:notes>
 </file>
 
+<file path=ppt/notesSlides/notesSlide10.xml><?xml version="1.0" encoding="utf-8"?>
+<p:notes xmlns:a="http://schemas.openxmlformats.org/drawingml/2006/main" xmlns:r="http://schemas.openxmlformats.org/officeDocument/2006/relationships" xmlns:p="http://schemas.openxmlformats.org/presentationml/2006/main">
+  <p:cSld>
+    <p:spTree>
+      <p:nvGrpSpPr>
+        <p:cNvPr id="1" name=""/>
+        <p:cNvGrpSpPr/>
+        <p:nvPr/>
+      </p:nvGrpSpPr>
+      <p:grpSpPr>
+        <a:xfrm>
+          <a:off x="0" y="0"/>
+          <a:ext cx="0" cy="0"/>
+          <a:chOff x="0" y="0"/>
+          <a:chExt cx="0" cy="0"/>
+        </a:xfrm>
+      </p:grpSpPr>
+      <p:sp>
+        <p:nvSpPr>
+          <p:cNvPr id="2" name="Slide Image Placeholder 1"/>
+          <p:cNvSpPr>
+            <a:spLocks noGrp="1" noRot="1" noChangeAspect="1"/>
+          </p:cNvSpPr>
+          <p:nvPr>
+            <p:ph type="sldImg"/>
+          </p:nvPr>
+        </p:nvSpPr>
+        <p:spPr/>
+      </p:sp>
+      <p:sp>
+        <p:nvSpPr>
+          <p:cNvPr id="3" name="Notes Placeholder 2"/>
+          <p:cNvSpPr>
+            <a:spLocks noGrp="1"/>
+          </p:cNvSpPr>
+          <p:nvPr>
+            <p:ph type="body" idx="1"/>
+          </p:nvPr>
+        </p:nvSpPr>
+        <p:spPr/>
+        <p:txBody>
+          <a:bodyPr/>
+          <a:lstStyle/>
+          <a:p>
+            <a:pPr>
+              <a:lnSpc>
+                <a:spcPct val="100000"/>
+              </a:lnSpc>
+            </a:pPr>
+            <a:r>
+              <a:rPr lang="en-AU" sz="1200" dirty="0"/>
+              <a:t>Show image of the architecture instead of text</a:t>
+            </a:r>
+          </a:p>
+          <a:p>
+            <a:pPr lvl="1">
+              <a:lnSpc>
+                <a:spcPct val="100000"/>
+              </a:lnSpc>
+            </a:pPr>
+            <a:r>
+              <a:rPr lang="en-AU" sz="1100" dirty="0"/>
+              <a:t>Break whole brain down to 27 patches (3x3x3)</a:t>
+            </a:r>
+          </a:p>
+          <a:p>
+            <a:pPr lvl="1">
+              <a:lnSpc>
+                <a:spcPct val="100000"/>
+              </a:lnSpc>
+            </a:pPr>
+            <a:r>
+              <a:rPr lang="en-AU" sz="1100" dirty="0"/>
+              <a:t>Feed each of the patches into a 3D CNN</a:t>
+            </a:r>
+          </a:p>
+          <a:p>
+            <a:pPr lvl="1">
+              <a:lnSpc>
+                <a:spcPct val="100000"/>
+              </a:lnSpc>
+            </a:pPr>
+            <a:r>
+              <a:rPr lang="en-AU" sz="1100" dirty="0"/>
+              <a:t>Save the output predictions from each patch</a:t>
+            </a:r>
+          </a:p>
+          <a:p>
+            <a:pPr lvl="1">
+              <a:lnSpc>
+                <a:spcPct val="100000"/>
+              </a:lnSpc>
+            </a:pPr>
+            <a:r>
+              <a:rPr lang="en-AU" sz="1100" dirty="0"/>
+              <a:t>Using outputs from each patch based model as features to feed in to a logistic regression model for us to make our final prediction.</a:t>
+            </a:r>
+          </a:p>
+          <a:p>
+            <a:endParaRPr lang="en-AU" dirty="0"/>
+          </a:p>
+        </p:txBody>
+      </p:sp>
+      <p:sp>
+        <p:nvSpPr>
+          <p:cNvPr id="4" name="Slide Number Placeholder 3"/>
+          <p:cNvSpPr>
+            <a:spLocks noGrp="1"/>
+          </p:cNvSpPr>
+          <p:nvPr>
+            <p:ph type="sldNum" sz="quarter" idx="5"/>
+          </p:nvPr>
+        </p:nvSpPr>
+        <p:spPr/>
+        <p:txBody>
+          <a:bodyPr/>
+          <a:lstStyle/>
+          <a:p>
+            <a:fld id="{7971F8A2-233D-4DB7-80D9-304E9A164AF9}" type="slidenum">
+              <a:rPr lang="en-AU" smtClean="0"/>
+              <a:t>12</a:t>
+            </a:fld>
+            <a:endParaRPr lang="en-AU"/>
+          </a:p>
+        </p:txBody>
+      </p:sp>
+    </p:spTree>
+    <p:extLst>
+      <p:ext uri="{BB962C8B-B14F-4D97-AF65-F5344CB8AC3E}">
+        <p14:creationId xmlns:p14="http://schemas.microsoft.com/office/powerpoint/2010/main" val="2737881684"/>
+      </p:ext>
+    </p:extLst>
+  </p:cSld>
+  <p:clrMapOvr>
+    <a:masterClrMapping/>
+  </p:clrMapOvr>
+</p:notes>
+</file>
+
+<file path=ppt/notesSlides/notesSlide11.xml><?xml version="1.0" encoding="utf-8"?>
+<p:notes xmlns:a="http://schemas.openxmlformats.org/drawingml/2006/main" xmlns:r="http://schemas.openxmlformats.org/officeDocument/2006/relationships" xmlns:p="http://schemas.openxmlformats.org/presentationml/2006/main">
+  <p:cSld>
+    <p:spTree>
+      <p:nvGrpSpPr>
+        <p:cNvPr id="1" name=""/>
+        <p:cNvGrpSpPr/>
+        <p:nvPr/>
+      </p:nvGrpSpPr>
+      <p:grpSpPr>
+        <a:xfrm>
+          <a:off x="0" y="0"/>
+          <a:ext cx="0" cy="0"/>
+          <a:chOff x="0" y="0"/>
+          <a:chExt cx="0" cy="0"/>
+        </a:xfrm>
+      </p:grpSpPr>
+      <p:sp>
+        <p:nvSpPr>
+          <p:cNvPr id="2" name="Slide Image Placeholder 1"/>
+          <p:cNvSpPr>
+            <a:spLocks noGrp="1" noRot="1" noChangeAspect="1"/>
+          </p:cNvSpPr>
+          <p:nvPr>
+            <p:ph type="sldImg"/>
+          </p:nvPr>
+        </p:nvSpPr>
+        <p:spPr/>
+      </p:sp>
+      <p:sp>
+        <p:nvSpPr>
+          <p:cNvPr id="3" name="Notes Placeholder 2"/>
+          <p:cNvSpPr>
+            <a:spLocks noGrp="1"/>
+          </p:cNvSpPr>
+          <p:nvPr>
+            <p:ph type="body" idx="1"/>
+          </p:nvPr>
+        </p:nvSpPr>
+        <p:spPr/>
+        <p:txBody>
+          <a:bodyPr/>
+          <a:lstStyle/>
+          <a:p>
+            <a:endParaRPr lang="en-AU" dirty="0"/>
+          </a:p>
+        </p:txBody>
+      </p:sp>
+      <p:sp>
+        <p:nvSpPr>
+          <p:cNvPr id="4" name="Slide Number Placeholder 3"/>
+          <p:cNvSpPr>
+            <a:spLocks noGrp="1"/>
+          </p:cNvSpPr>
+          <p:nvPr>
+            <p:ph type="sldNum" sz="quarter" idx="5"/>
+          </p:nvPr>
+        </p:nvSpPr>
+        <p:spPr/>
+        <p:txBody>
+          <a:bodyPr/>
+          <a:lstStyle/>
+          <a:p>
+            <a:fld id="{7971F8A2-233D-4DB7-80D9-304E9A164AF9}" type="slidenum">
+              <a:rPr lang="en-AU" smtClean="0"/>
+              <a:t>13</a:t>
+            </a:fld>
+            <a:endParaRPr lang="en-AU"/>
+          </a:p>
+        </p:txBody>
+      </p:sp>
+    </p:spTree>
+    <p:extLst>
+      <p:ext uri="{BB962C8B-B14F-4D97-AF65-F5344CB8AC3E}">
+        <p14:creationId xmlns:p14="http://schemas.microsoft.com/office/powerpoint/2010/main" val="3087179508"/>
+      </p:ext>
+    </p:extLst>
+  </p:cSld>
+  <p:clrMapOvr>
+    <a:masterClrMapping/>
+  </p:clrMapOvr>
+</p:notes>
+</file>
+
+<file path=ppt/notesSlides/notesSlide12.xml><?xml version="1.0" encoding="utf-8"?>
+<p:notes xmlns:a="http://schemas.openxmlformats.org/drawingml/2006/main" xmlns:r="http://schemas.openxmlformats.org/officeDocument/2006/relationships" xmlns:p="http://schemas.openxmlformats.org/presentationml/2006/main">
+  <p:cSld>
+    <p:spTree>
+      <p:nvGrpSpPr>
+        <p:cNvPr id="1" name=""/>
+        <p:cNvGrpSpPr/>
+        <p:nvPr/>
+      </p:nvGrpSpPr>
+      <p:grpSpPr>
+        <a:xfrm>
+          <a:off x="0" y="0"/>
+          <a:ext cx="0" cy="0"/>
+          <a:chOff x="0" y="0"/>
+          <a:chExt cx="0" cy="0"/>
+        </a:xfrm>
+      </p:grpSpPr>
+      <p:sp>
+        <p:nvSpPr>
+          <p:cNvPr id="2" name="Slide Image Placeholder 1"/>
+          <p:cNvSpPr>
+            <a:spLocks noGrp="1" noRot="1" noChangeAspect="1"/>
+          </p:cNvSpPr>
+          <p:nvPr>
+            <p:ph type="sldImg"/>
+          </p:nvPr>
+        </p:nvSpPr>
+        <p:spPr/>
+      </p:sp>
+      <p:sp>
+        <p:nvSpPr>
+          <p:cNvPr id="3" name="Notes Placeholder 2"/>
+          <p:cNvSpPr>
+            <a:spLocks noGrp="1"/>
+          </p:cNvSpPr>
+          <p:nvPr>
+            <p:ph type="body" idx="1"/>
+          </p:nvPr>
+        </p:nvSpPr>
+        <p:spPr/>
+        <p:txBody>
+          <a:bodyPr/>
+          <a:lstStyle/>
+          <a:p>
+            <a:endParaRPr lang="en-AU" dirty="0"/>
+          </a:p>
+        </p:txBody>
+      </p:sp>
+      <p:sp>
+        <p:nvSpPr>
+          <p:cNvPr id="4" name="Slide Number Placeholder 3"/>
+          <p:cNvSpPr>
+            <a:spLocks noGrp="1"/>
+          </p:cNvSpPr>
+          <p:nvPr>
+            <p:ph type="sldNum" sz="quarter" idx="5"/>
+          </p:nvPr>
+        </p:nvSpPr>
+        <p:spPr/>
+        <p:txBody>
+          <a:bodyPr/>
+          <a:lstStyle/>
+          <a:p>
+            <a:fld id="{7971F8A2-233D-4DB7-80D9-304E9A164AF9}" type="slidenum">
+              <a:rPr lang="en-AU" smtClean="0"/>
+              <a:t>15</a:t>
+            </a:fld>
+            <a:endParaRPr lang="en-AU"/>
+          </a:p>
+        </p:txBody>
+      </p:sp>
+    </p:spTree>
+    <p:extLst>
+      <p:ext uri="{BB962C8B-B14F-4D97-AF65-F5344CB8AC3E}">
+        <p14:creationId xmlns:p14="http://schemas.microsoft.com/office/powerpoint/2010/main" val="3167806544"/>
+      </p:ext>
+    </p:extLst>
+  </p:cSld>
+  <p:clrMapOvr>
+    <a:masterClrMapping/>
+  </p:clrMapOvr>
+</p:notes>
+</file>
+
+<file path=ppt/notesSlides/notesSlide13.xml><?xml version="1.0" encoding="utf-8"?>
+<p:notes xmlns:a="http://schemas.openxmlformats.org/drawingml/2006/main" xmlns:r="http://schemas.openxmlformats.org/officeDocument/2006/relationships" xmlns:p="http://schemas.openxmlformats.org/presentationml/2006/main">
+  <p:cSld>
+    <p:spTree>
+      <p:nvGrpSpPr>
+        <p:cNvPr id="1" name=""/>
+        <p:cNvGrpSpPr/>
+        <p:nvPr/>
+      </p:nvGrpSpPr>
+      <p:grpSpPr>
+        <a:xfrm>
+          <a:off x="0" y="0"/>
+          <a:ext cx="0" cy="0"/>
+          <a:chOff x="0" y="0"/>
+          <a:chExt cx="0" cy="0"/>
+        </a:xfrm>
+      </p:grpSpPr>
+      <p:sp>
+        <p:nvSpPr>
+          <p:cNvPr id="2" name="Slide Image Placeholder 1"/>
+          <p:cNvSpPr>
+            <a:spLocks noGrp="1" noRot="1" noChangeAspect="1"/>
+          </p:cNvSpPr>
+          <p:nvPr>
+            <p:ph type="sldImg"/>
+          </p:nvPr>
+        </p:nvSpPr>
+        <p:spPr/>
+      </p:sp>
+      <p:sp>
+        <p:nvSpPr>
+          <p:cNvPr id="3" name="Notes Placeholder 2"/>
+          <p:cNvSpPr>
+            <a:spLocks noGrp="1"/>
+          </p:cNvSpPr>
+          <p:nvPr>
+            <p:ph type="body" idx="1"/>
+          </p:nvPr>
+        </p:nvSpPr>
+        <p:spPr/>
+        <p:txBody>
+          <a:bodyPr/>
+          <a:lstStyle/>
+          <a:p>
+            <a:endParaRPr lang="en-AU" dirty="0"/>
+          </a:p>
+        </p:txBody>
+      </p:sp>
+      <p:sp>
+        <p:nvSpPr>
+          <p:cNvPr id="4" name="Slide Number Placeholder 3"/>
+          <p:cNvSpPr>
+            <a:spLocks noGrp="1"/>
+          </p:cNvSpPr>
+          <p:nvPr>
+            <p:ph type="sldNum" sz="quarter" idx="5"/>
+          </p:nvPr>
+        </p:nvSpPr>
+        <p:spPr/>
+        <p:txBody>
+          <a:bodyPr/>
+          <a:lstStyle/>
+          <a:p>
+            <a:fld id="{7971F8A2-233D-4DB7-80D9-304E9A164AF9}" type="slidenum">
+              <a:rPr lang="en-AU" smtClean="0"/>
+              <a:t>18</a:t>
+            </a:fld>
+            <a:endParaRPr lang="en-AU"/>
+          </a:p>
+        </p:txBody>
+      </p:sp>
+    </p:spTree>
+    <p:extLst>
+      <p:ext uri="{BB962C8B-B14F-4D97-AF65-F5344CB8AC3E}">
+        <p14:creationId xmlns:p14="http://schemas.microsoft.com/office/powerpoint/2010/main" val="2469552577"/>
+      </p:ext>
+    </p:extLst>
+  </p:cSld>
+  <p:clrMapOvr>
+    <a:masterClrMapping/>
+  </p:clrMapOvr>
+</p:notes>
+</file>
+
 <file path=ppt/notesSlides/notesSlide2.xml><?xml version="1.0" encoding="utf-8"?>
 <p:notes xmlns:a="http://schemas.openxmlformats.org/drawingml/2006/main" xmlns:r="http://schemas.openxmlformats.org/officeDocument/2006/relationships" xmlns:p="http://schemas.openxmlformats.org/presentationml/2006/main">
   <p:cSld>
@@ -3195,29 +3586,6 @@
           <a:bodyPr/>
           <a:lstStyle/>
           <a:p>
-            <a:pPr marL="0" marR="0" lvl="0" indent="0" algn="l" defTabSz="914400" rtl="0" eaLnBrk="1" fontAlgn="auto" latinLnBrk="0" hangingPunct="1">
-              <a:lnSpc>
-                <a:spcPct val="100000"/>
-              </a:lnSpc>
-              <a:spcBef>
-                <a:spcPts val="0"/>
-              </a:spcBef>
-              <a:spcAft>
-                <a:spcPts val="0"/>
-              </a:spcAft>
-              <a:buClrTx/>
-              <a:buSzTx/>
-              <a:buFontTx/>
-              <a:buNone/>
-              <a:tabLst/>
-              <a:defRPr/>
-            </a:pPr>
-            <a:r>
-              <a:rPr lang="en-AU" dirty="0"/>
-              <a:t>For a cohort of 100 cognitively normal patients at age 65, it was found that a 20% reduction in the progression rate from normal cognition to MCI would avoid 5.7 cases of MCI and 5.6 cases of AD in the future [3].</a:t>
-            </a:r>
-          </a:p>
-          <a:p>
             <a:endParaRPr lang="en-AU" dirty="0"/>
           </a:p>
         </p:txBody>
@@ -3239,7 +3607,7 @@
           <a:p>
             <a:fld id="{7971F8A2-233D-4DB7-80D9-304E9A164AF9}" type="slidenum">
               <a:rPr lang="en-AU" smtClean="0"/>
-              <a:t>4</a:t>
+              <a:t>2</a:t>
             </a:fld>
             <a:endParaRPr lang="en-AU"/>
           </a:p>
@@ -3248,7 +3616,7 @@
     </p:spTree>
     <p:extLst>
       <p:ext uri="{BB962C8B-B14F-4D97-AF65-F5344CB8AC3E}">
-        <p14:creationId xmlns:p14="http://schemas.microsoft.com/office/powerpoint/2010/main" val="1879273965"/>
+        <p14:creationId xmlns:p14="http://schemas.microsoft.com/office/powerpoint/2010/main" val="2370648258"/>
       </p:ext>
     </p:extLst>
   </p:cSld>
@@ -3302,27 +3670,6 @@
           <a:bodyPr/>
           <a:lstStyle/>
           <a:p>
-            <a:pPr algn="l"/>
-            <a:r>
-              <a:rPr lang="en-AU" dirty="0"/>
-              <a:t>Recently, deep learning has been used to solve many complex medical problems such as detecting Multiple Sclerosis, Alzheimer's disease and various types of cancer [8].</a:t>
-            </a:r>
-          </a:p>
-          <a:p>
-            <a:pPr algn="l"/>
-            <a:r>
-              <a:rPr lang="en-AU" dirty="0"/>
-              <a:t>The interest in deep learning for medical imaging has largely been due to the ability of convolutional neural networks (CNNs) to learn useful representations of complex images.</a:t>
-            </a:r>
-          </a:p>
-          <a:p>
-            <a:pPr algn="l"/>
-            <a:r>
-              <a:rPr lang="en-AU" dirty="0"/>
-              <a:t>Lee et al. [9] found that radiological examinations' retrospective error rate is approximately 30%. As such, automated approaches are becoming necessary.</a:t>
-            </a:r>
-          </a:p>
-          <a:p>
             <a:endParaRPr lang="en-AU" dirty="0"/>
           </a:p>
         </p:txBody>
@@ -3344,7 +3691,7 @@
           <a:p>
             <a:fld id="{7971F8A2-233D-4DB7-80D9-304E9A164AF9}" type="slidenum">
               <a:rPr lang="en-AU" smtClean="0"/>
-              <a:t>5</a:t>
+              <a:t>3</a:t>
             </a:fld>
             <a:endParaRPr lang="en-AU"/>
           </a:p>
@@ -3353,7 +3700,7 @@
     </p:spTree>
     <p:extLst>
       <p:ext uri="{BB962C8B-B14F-4D97-AF65-F5344CB8AC3E}">
-        <p14:creationId xmlns:p14="http://schemas.microsoft.com/office/powerpoint/2010/main" val="441370729"/>
+        <p14:creationId xmlns:p14="http://schemas.microsoft.com/office/powerpoint/2010/main" val="1569354761"/>
       </p:ext>
     </p:extLst>
   </p:cSld>
@@ -3407,6 +3754,115 @@
           <a:bodyPr/>
           <a:lstStyle/>
           <a:p>
+            <a:pPr marL="0" marR="0" lvl="0" indent="0" algn="l" defTabSz="914400" rtl="0" eaLnBrk="1" fontAlgn="auto" latinLnBrk="0" hangingPunct="1">
+              <a:lnSpc>
+                <a:spcPct val="100000"/>
+              </a:lnSpc>
+              <a:spcBef>
+                <a:spcPts val="0"/>
+              </a:spcBef>
+              <a:spcAft>
+                <a:spcPts val="0"/>
+              </a:spcAft>
+              <a:buClrTx/>
+              <a:buSzTx/>
+              <a:buFontTx/>
+              <a:buNone/>
+              <a:tabLst/>
+              <a:defRPr/>
+            </a:pPr>
+            <a:r>
+              <a:rPr lang="en-AU" dirty="0"/>
+              <a:t>Non-pharmacological interventions such as diet, exercise and cognitive exercise have been shown to have an influence on reducing the incidence of development of MCI and dementia [4]. </a:t>
+            </a:r>
+          </a:p>
+          <a:p>
+            <a:pPr marL="0" marR="0" lvl="0" indent="0" algn="l" defTabSz="914400" rtl="0" eaLnBrk="1" fontAlgn="auto" latinLnBrk="0" hangingPunct="1">
+              <a:lnSpc>
+                <a:spcPct val="100000"/>
+              </a:lnSpc>
+              <a:spcBef>
+                <a:spcPts val="0"/>
+              </a:spcBef>
+              <a:spcAft>
+                <a:spcPts val="0"/>
+              </a:spcAft>
+              <a:buClrTx/>
+              <a:buSzTx/>
+              <a:buFontTx/>
+              <a:buNone/>
+              <a:tabLst/>
+              <a:defRPr/>
+            </a:pPr>
+            <a:endParaRPr lang="en-AU" dirty="0"/>
+          </a:p>
+          <a:p>
+            <a:pPr marL="0" marR="0" lvl="0" indent="0" algn="l" defTabSz="914400" rtl="0" eaLnBrk="1" fontAlgn="auto" latinLnBrk="0" hangingPunct="1">
+              <a:lnSpc>
+                <a:spcPct val="100000"/>
+              </a:lnSpc>
+              <a:spcBef>
+                <a:spcPts val="0"/>
+              </a:spcBef>
+              <a:spcAft>
+                <a:spcPts val="0"/>
+              </a:spcAft>
+              <a:buClrTx/>
+              <a:buSzTx/>
+              <a:buFontTx/>
+              <a:buNone/>
+              <a:tabLst/>
+              <a:defRPr/>
+            </a:pPr>
+            <a:r>
+              <a:rPr lang="en-AU" dirty="0"/>
+              <a:t>No cure for AD, so early intervention is extremely valuable.</a:t>
+            </a:r>
+          </a:p>
+          <a:p>
+            <a:pPr marL="0" marR="0" lvl="0" indent="0" algn="l" defTabSz="914400" rtl="0" eaLnBrk="1" fontAlgn="auto" latinLnBrk="0" hangingPunct="1">
+              <a:lnSpc>
+                <a:spcPct val="100000"/>
+              </a:lnSpc>
+              <a:spcBef>
+                <a:spcPts val="0"/>
+              </a:spcBef>
+              <a:spcAft>
+                <a:spcPts val="0"/>
+              </a:spcAft>
+              <a:buClrTx/>
+              <a:buSzTx/>
+              <a:buFontTx/>
+              <a:buNone/>
+              <a:tabLst/>
+              <a:defRPr/>
+            </a:pPr>
+            <a:endParaRPr lang="en-AU" dirty="0"/>
+          </a:p>
+          <a:p>
+            <a:pPr marL="0" marR="0" lvl="0" indent="0" algn="l" defTabSz="914400" rtl="0" eaLnBrk="1" fontAlgn="auto" latinLnBrk="0" hangingPunct="1">
+              <a:lnSpc>
+                <a:spcPct val="100000"/>
+              </a:lnSpc>
+              <a:spcBef>
+                <a:spcPts val="0"/>
+              </a:spcBef>
+              <a:spcAft>
+                <a:spcPts val="0"/>
+              </a:spcAft>
+              <a:buClrTx/>
+              <a:buSzTx/>
+              <a:buFontTx/>
+              <a:buNone/>
+              <a:tabLst/>
+              <a:defRPr/>
+            </a:pPr>
+            <a:r>
+              <a:rPr lang="en-AU" dirty="0"/>
+              <a:t>For a cohort of 100 cognitively normal patients at age 65, it was found that a 20% reduction in the progression rate from normal cognition to MCI would avoid 5.7 cases of MCI and 5.6 cases of AD in the future [3].</a:t>
+            </a:r>
+          </a:p>
+          <a:p>
             <a:endParaRPr lang="en-AU" dirty="0"/>
           </a:p>
         </p:txBody>
@@ -3428,7 +3884,7 @@
           <a:p>
             <a:fld id="{7971F8A2-233D-4DB7-80D9-304E9A164AF9}" type="slidenum">
               <a:rPr lang="en-AU" smtClean="0"/>
-              <a:t>6</a:t>
+              <a:t>4</a:t>
             </a:fld>
             <a:endParaRPr lang="en-AU"/>
           </a:p>
@@ -3437,7 +3893,7 @@
     </p:spTree>
     <p:extLst>
       <p:ext uri="{BB962C8B-B14F-4D97-AF65-F5344CB8AC3E}">
-        <p14:creationId xmlns:p14="http://schemas.microsoft.com/office/powerpoint/2010/main" val="2513660104"/>
+        <p14:creationId xmlns:p14="http://schemas.microsoft.com/office/powerpoint/2010/main" val="1879273965"/>
       </p:ext>
     </p:extLst>
   </p:cSld>
@@ -3491,6 +3947,27 @@
           <a:bodyPr/>
           <a:lstStyle/>
           <a:p>
+            <a:pPr algn="l"/>
+            <a:r>
+              <a:rPr lang="en-AU" dirty="0"/>
+              <a:t>Recently, deep learning has been used to solve many complex medical problems such as detecting Multiple Sclerosis, Alzheimer's disease and various types of cancer [8].</a:t>
+            </a:r>
+          </a:p>
+          <a:p>
+            <a:pPr algn="l"/>
+            <a:r>
+              <a:rPr lang="en-AU" dirty="0"/>
+              <a:t>The interest in deep learning for medical imaging has largely been due to the ability of convolutional neural networks (CNNs) to learn useful representations of complex images.</a:t>
+            </a:r>
+          </a:p>
+          <a:p>
+            <a:pPr algn="l"/>
+            <a:r>
+              <a:rPr lang="en-AU" dirty="0"/>
+              <a:t>Lee et al. [9] found that radiological examinations' retrospective error rate is approximately 30%. As such, automated approaches are becoming necessary.</a:t>
+            </a:r>
+          </a:p>
+          <a:p>
             <a:endParaRPr lang="en-AU" dirty="0"/>
           </a:p>
         </p:txBody>
@@ -3512,7 +3989,7 @@
           <a:p>
             <a:fld id="{7971F8A2-233D-4DB7-80D9-304E9A164AF9}" type="slidenum">
               <a:rPr lang="en-AU" smtClean="0"/>
-              <a:t>7</a:t>
+              <a:t>5</a:t>
             </a:fld>
             <a:endParaRPr lang="en-AU"/>
           </a:p>
@@ -3521,7 +3998,7 @@
     </p:spTree>
     <p:extLst>
       <p:ext uri="{BB962C8B-B14F-4D97-AF65-F5344CB8AC3E}">
-        <p14:creationId xmlns:p14="http://schemas.microsoft.com/office/powerpoint/2010/main" val="1752509746"/>
+        <p14:creationId xmlns:p14="http://schemas.microsoft.com/office/powerpoint/2010/main" val="441370729"/>
       </p:ext>
     </p:extLst>
   </p:cSld>
@@ -3575,18 +4052,7 @@
           <a:bodyPr/>
           <a:lstStyle/>
           <a:p>
-            <a:r>
-              <a:rPr lang="en-AU" dirty="0"/>
-              <a:t>Note skull-stripping, </a:t>
-            </a:r>
-            <a:r>
-              <a:rPr lang="en-AU" dirty="0" err="1"/>
-              <a:t>FreeSurfer</a:t>
-            </a:r>
-            <a:r>
-              <a:rPr lang="en-AU" dirty="0"/>
-              <a:t>. Other clinical data also included</a:t>
-            </a:r>
+            <a:endParaRPr lang="en-AU" dirty="0"/>
           </a:p>
         </p:txBody>
       </p:sp>
@@ -3607,7 +4073,7 @@
           <a:p>
             <a:fld id="{7971F8A2-233D-4DB7-80D9-304E9A164AF9}" type="slidenum">
               <a:rPr lang="en-AU" smtClean="0"/>
-              <a:t>8</a:t>
+              <a:t>6</a:t>
             </a:fld>
             <a:endParaRPr lang="en-AU"/>
           </a:p>
@@ -3616,7 +4082,7 @@
     </p:spTree>
     <p:extLst>
       <p:ext uri="{BB962C8B-B14F-4D97-AF65-F5344CB8AC3E}">
-        <p14:creationId xmlns:p14="http://schemas.microsoft.com/office/powerpoint/2010/main" val="2553766585"/>
+        <p14:creationId xmlns:p14="http://schemas.microsoft.com/office/powerpoint/2010/main" val="2513660104"/>
       </p:ext>
     </p:extLst>
   </p:cSld>
@@ -3691,7 +4157,7 @@
           <a:p>
             <a:fld id="{7971F8A2-233D-4DB7-80D9-304E9A164AF9}" type="slidenum">
               <a:rPr lang="en-AU" smtClean="0"/>
-              <a:t>9</a:t>
+              <a:t>7</a:t>
             </a:fld>
             <a:endParaRPr lang="en-AU"/>
           </a:p>
@@ -3700,7 +4166,7 @@
     </p:spTree>
     <p:extLst>
       <p:ext uri="{BB962C8B-B14F-4D97-AF65-F5344CB8AC3E}">
-        <p14:creationId xmlns:p14="http://schemas.microsoft.com/office/powerpoint/2010/main" val="2974386320"/>
+        <p14:creationId xmlns:p14="http://schemas.microsoft.com/office/powerpoint/2010/main" val="1752509746"/>
       </p:ext>
     </p:extLst>
   </p:cSld>
@@ -3754,7 +4220,18 @@
           <a:bodyPr/>
           <a:lstStyle/>
           <a:p>
-            <a:endParaRPr lang="en-AU" dirty="0"/>
+            <a:r>
+              <a:rPr lang="en-AU" dirty="0"/>
+              <a:t>Note skull-stripping, </a:t>
+            </a:r>
+            <a:r>
+              <a:rPr lang="en-AU" dirty="0" err="1"/>
+              <a:t>FreeSurfer</a:t>
+            </a:r>
+            <a:r>
+              <a:rPr lang="en-AU" dirty="0"/>
+              <a:t>. Other clinical data also included</a:t>
+            </a:r>
           </a:p>
         </p:txBody>
       </p:sp>
@@ -3775,7 +4252,7 @@
           <a:p>
             <a:fld id="{7971F8A2-233D-4DB7-80D9-304E9A164AF9}" type="slidenum">
               <a:rPr lang="en-AU" smtClean="0"/>
-              <a:t>13</a:t>
+              <a:t>8</a:t>
             </a:fld>
             <a:endParaRPr lang="en-AU"/>
           </a:p>
@@ -3784,7 +4261,7 @@
     </p:spTree>
     <p:extLst>
       <p:ext uri="{BB962C8B-B14F-4D97-AF65-F5344CB8AC3E}">
-        <p14:creationId xmlns:p14="http://schemas.microsoft.com/office/powerpoint/2010/main" val="3087179508"/>
+        <p14:creationId xmlns:p14="http://schemas.microsoft.com/office/powerpoint/2010/main" val="2553766585"/>
       </p:ext>
     </p:extLst>
   </p:cSld>
@@ -3859,7 +4336,7 @@
           <a:p>
             <a:fld id="{7971F8A2-233D-4DB7-80D9-304E9A164AF9}" type="slidenum">
               <a:rPr lang="en-AU" smtClean="0"/>
-              <a:t>15</a:t>
+              <a:t>9</a:t>
             </a:fld>
             <a:endParaRPr lang="en-AU"/>
           </a:p>
@@ -3868,7 +4345,7 @@
     </p:spTree>
     <p:extLst>
       <p:ext uri="{BB962C8B-B14F-4D97-AF65-F5344CB8AC3E}">
-        <p14:creationId xmlns:p14="http://schemas.microsoft.com/office/powerpoint/2010/main" val="3167806544"/>
+        <p14:creationId xmlns:p14="http://schemas.microsoft.com/office/powerpoint/2010/main" val="2974386320"/>
       </p:ext>
     </p:extLst>
   </p:cSld>
@@ -4025,7 +4502,7 @@
           <a:p>
             <a:fld id="{19FCC6BE-DE4C-49E6-AA89-0BF81C1C9E15}" type="datetime1">
               <a:rPr lang="en-US" smtClean="0"/>
-              <a:t>10/7/2021</a:t>
+              <a:t>10/8/2021</a:t>
             </a:fld>
             <a:endParaRPr lang="en-US" dirty="0"/>
           </a:p>
@@ -4440,7 +4917,7 @@
           <a:p>
             <a:fld id="{76A28B9F-3A9B-412A-8435-7DF34B08E525}" type="datetime1">
               <a:rPr lang="en-US" smtClean="0"/>
-              <a:t>10/7/2021</a:t>
+              <a:t>10/8/2021</a:t>
             </a:fld>
             <a:endParaRPr lang="en-US"/>
           </a:p>
@@ -4932,7 +5409,7 @@
           <a:p>
             <a:fld id="{6E90F90B-9D46-42B4-98F6-045831B94B44}" type="datetime1">
               <a:rPr lang="en-US" smtClean="0"/>
-              <a:t>10/7/2021</a:t>
+              <a:t>10/8/2021</a:t>
             </a:fld>
             <a:endParaRPr lang="en-US"/>
           </a:p>
@@ -5419,7 +5896,7 @@
           <a:p>
             <a:fld id="{34A90BBD-7CBB-4FE0-804E-7FF8FF06AE36}" type="datetime1">
               <a:rPr lang="en-US" smtClean="0"/>
-              <a:t>10/7/2021</a:t>
+              <a:t>10/8/2021</a:t>
             </a:fld>
             <a:endParaRPr lang="en-US" dirty="0"/>
           </a:p>
@@ -6188,7 +6665,7 @@
           <a:p>
             <a:fld id="{C4D6C5FB-6CED-4648-9B1E-A79C06976435}" type="datetime1">
               <a:rPr lang="en-US" smtClean="0"/>
-              <a:t>10/7/2021</a:t>
+              <a:t>10/8/2021</a:t>
             </a:fld>
             <a:endParaRPr lang="en-US"/>
           </a:p>
@@ -6670,7 +7147,7 @@
           <a:p>
             <a:fld id="{A9EB814B-2280-4EF5-8A64-455FF2C147E9}" type="datetime1">
               <a:rPr lang="en-US" smtClean="0"/>
-              <a:t>10/7/2021</a:t>
+              <a:t>10/8/2021</a:t>
             </a:fld>
             <a:endParaRPr lang="en-US"/>
           </a:p>
@@ -7366,7 +7843,7 @@
           <a:p>
             <a:fld id="{213EF9EB-5A7A-4E98-8FCF-A4E57142B912}" type="datetime1">
               <a:rPr lang="en-US" smtClean="0"/>
-              <a:t>10/7/2021</a:t>
+              <a:t>10/8/2021</a:t>
             </a:fld>
             <a:endParaRPr lang="en-US"/>
           </a:p>
@@ -7791,7 +8268,7 @@
           <a:p>
             <a:fld id="{C00EE607-CFAA-438D-82BE-FB41379DF84A}" type="datetime1">
               <a:rPr lang="en-US" smtClean="0"/>
-              <a:t>10/7/2021</a:t>
+              <a:t>10/8/2021</a:t>
             </a:fld>
             <a:endParaRPr lang="en-US"/>
           </a:p>
@@ -8188,7 +8665,7 @@
           <a:p>
             <a:fld id="{8BC25AB1-2D92-48E6-BCD7-F99E6660DA1D}" type="datetime1">
               <a:rPr lang="en-US" smtClean="0"/>
-              <a:t>10/7/2021</a:t>
+              <a:t>10/8/2021</a:t>
             </a:fld>
             <a:endParaRPr lang="en-US"/>
           </a:p>
@@ -8783,7 +9260,7 @@
           <a:p>
             <a:fld id="{B4180CD0-A630-4B4B-87F8-BCE6DAF44310}" type="datetime1">
               <a:rPr lang="en-US" smtClean="0"/>
-              <a:t>10/7/2021</a:t>
+              <a:t>10/8/2021</a:t>
             </a:fld>
             <a:endParaRPr lang="en-US"/>
           </a:p>
@@ -9358,7 +9835,7 @@
           <a:p>
             <a:fld id="{40BAA683-EB3C-4792-BA68-AF42246DBF6F}" type="datetime1">
               <a:rPr lang="en-US" smtClean="0"/>
-              <a:t>10/7/2021</a:t>
+              <a:t>10/8/2021</a:t>
             </a:fld>
             <a:endParaRPr lang="en-US"/>
           </a:p>
@@ -9884,7 +10361,7 @@
           <a:p>
             <a:fld id="{8568B2C1-F547-45FE-B409-11B66C8D39B9}" type="datetime1">
               <a:rPr lang="en-US" smtClean="0"/>
-              <a:t>10/7/2021</a:t>
+              <a:t>10/8/2021</a:t>
             </a:fld>
             <a:endParaRPr lang="en-US" dirty="0"/>
           </a:p>
@@ -10936,85 +11413,6 @@
       </p:sp>
       <p:sp>
         <p:nvSpPr>
-          <p:cNvPr id="5" name="Content Placeholder 4">
-            <a:extLst>
-              <a:ext uri="{FF2B5EF4-FFF2-40B4-BE49-F238E27FC236}">
-                <a16:creationId xmlns:a16="http://schemas.microsoft.com/office/drawing/2014/main" id="{F16B1B84-1E18-4353-9BAB-257BFEA31E09}"/>
-              </a:ext>
-            </a:extLst>
-          </p:cNvPr>
-          <p:cNvSpPr>
-            <a:spLocks noGrp="1"/>
-          </p:cNvSpPr>
-          <p:nvPr>
-            <p:ph idx="1"/>
-          </p:nvPr>
-        </p:nvSpPr>
-        <p:spPr>
-          <a:xfrm>
-            <a:off x="838200" y="1825625"/>
-            <a:ext cx="10515600" cy="1999622"/>
-          </a:xfrm>
-        </p:spPr>
-        <p:txBody>
-          <a:bodyPr/>
-          <a:lstStyle/>
-          <a:p>
-            <a:pPr>
-              <a:lnSpc>
-                <a:spcPct val="100000"/>
-              </a:lnSpc>
-            </a:pPr>
-            <a:r>
-              <a:rPr lang="en-AU" dirty="0"/>
-              <a:t>Show image of the architecture instead of text</a:t>
-            </a:r>
-          </a:p>
-          <a:p>
-            <a:pPr lvl="1">
-              <a:lnSpc>
-                <a:spcPct val="100000"/>
-              </a:lnSpc>
-            </a:pPr>
-            <a:r>
-              <a:rPr lang="en-AU" dirty="0"/>
-              <a:t>ResNet50 – ImageNet weights</a:t>
-            </a:r>
-          </a:p>
-          <a:p>
-            <a:pPr lvl="1">
-              <a:lnSpc>
-                <a:spcPct val="100000"/>
-              </a:lnSpc>
-            </a:pPr>
-            <a:r>
-              <a:rPr lang="en-AU" dirty="0"/>
-              <a:t>3D image of whole brain used as input</a:t>
-            </a:r>
-          </a:p>
-          <a:p>
-            <a:pPr lvl="1">
-              <a:lnSpc>
-                <a:spcPct val="100000"/>
-              </a:lnSpc>
-            </a:pPr>
-            <a:r>
-              <a:rPr lang="en-AU" dirty="0"/>
-              <a:t>Output layer is sigmoid which provides a predicted probability</a:t>
-            </a:r>
-          </a:p>
-          <a:p>
-            <a:pPr lvl="1">
-              <a:lnSpc>
-                <a:spcPct val="100000"/>
-              </a:lnSpc>
-            </a:pPr>
-            <a:endParaRPr lang="en-AU" dirty="0"/>
-          </a:p>
-        </p:txBody>
-      </p:sp>
-      <p:sp>
-        <p:nvSpPr>
           <p:cNvPr id="7" name="Slide Number Placeholder 6">
             <a:extLst>
               <a:ext uri="{FF2B5EF4-FFF2-40B4-BE49-F238E27FC236}">
@@ -11044,10 +11442,10 @@
       </p:sp>
       <p:grpSp>
         <p:nvGrpSpPr>
-          <p:cNvPr id="9" name="Group 8">
+          <p:cNvPr id="4" name="Group 3">
             <a:extLst>
               <a:ext uri="{FF2B5EF4-FFF2-40B4-BE49-F238E27FC236}">
-                <a16:creationId xmlns:a16="http://schemas.microsoft.com/office/drawing/2014/main" id="{FB82F311-2923-4D99-AF8B-2BC55A88FFDC}"/>
+                <a16:creationId xmlns:a16="http://schemas.microsoft.com/office/drawing/2014/main" id="{AC1FC310-4944-4B4E-85C3-B568A1349C60}"/>
               </a:ext>
             </a:extLst>
           </p:cNvPr>
@@ -11056,18 +11454,590 @@
         </p:nvGrpSpPr>
         <p:grpSpPr>
           <a:xfrm>
-            <a:off x="1250183" y="3205424"/>
-            <a:ext cx="1999621" cy="1999622"/>
-            <a:chOff x="1517302" y="3667648"/>
-            <a:chExt cx="1999621" cy="1999622"/>
+            <a:off x="1555154" y="2099497"/>
+            <a:ext cx="2147573" cy="2670002"/>
+            <a:chOff x="773748" y="2326167"/>
+            <a:chExt cx="2147573" cy="2670002"/>
           </a:xfrm>
         </p:grpSpPr>
+        <p:grpSp>
+          <p:nvGrpSpPr>
+            <p:cNvPr id="9" name="Group 8">
+              <a:extLst>
+                <a:ext uri="{FF2B5EF4-FFF2-40B4-BE49-F238E27FC236}">
+                  <a16:creationId xmlns:a16="http://schemas.microsoft.com/office/drawing/2014/main" id="{FB82F311-2923-4D99-AF8B-2BC55A88FFDC}"/>
+                </a:ext>
+              </a:extLst>
+            </p:cNvPr>
+            <p:cNvGrpSpPr/>
+            <p:nvPr/>
+          </p:nvGrpSpPr>
+          <p:grpSpPr>
+            <a:xfrm>
+              <a:off x="838200" y="2326167"/>
+              <a:ext cx="1999621" cy="1999622"/>
+              <a:chOff x="1517302" y="3667648"/>
+              <a:chExt cx="1999621" cy="1999622"/>
+            </a:xfrm>
+          </p:grpSpPr>
+          <p:sp>
+            <p:nvSpPr>
+              <p:cNvPr id="8" name="Cube 7">
+                <a:extLst>
+                  <a:ext uri="{FF2B5EF4-FFF2-40B4-BE49-F238E27FC236}">
+                    <a16:creationId xmlns:a16="http://schemas.microsoft.com/office/drawing/2014/main" id="{6574FD65-1C14-42B2-8D38-2C326DBD7DEB}"/>
+                  </a:ext>
+                </a:extLst>
+              </p:cNvPr>
+              <p:cNvSpPr/>
+              <p:nvPr/>
+            </p:nvSpPr>
+            <p:spPr>
+              <a:xfrm>
+                <a:off x="1517302" y="3667648"/>
+                <a:ext cx="1999621" cy="1999622"/>
+              </a:xfrm>
+              <a:prstGeom prst="cube">
+                <a:avLst/>
+              </a:prstGeom>
+              <a:solidFill>
+                <a:schemeClr val="bg1">
+                  <a:lumMod val="75000"/>
+                </a:schemeClr>
+              </a:solidFill>
+              <a:ln>
+                <a:solidFill>
+                  <a:schemeClr val="tx1"/>
+                </a:solidFill>
+              </a:ln>
+            </p:spPr>
+            <p:style>
+              <a:lnRef idx="2">
+                <a:schemeClr val="accent1">
+                  <a:shade val="50000"/>
+                </a:schemeClr>
+              </a:lnRef>
+              <a:fillRef idx="1">
+                <a:schemeClr val="accent1"/>
+              </a:fillRef>
+              <a:effectRef idx="0">
+                <a:schemeClr val="accent1"/>
+              </a:effectRef>
+              <a:fontRef idx="minor">
+                <a:schemeClr val="lt1"/>
+              </a:fontRef>
+            </p:style>
+            <p:txBody>
+              <a:bodyPr rtlCol="0" anchor="ctr"/>
+              <a:lstStyle/>
+              <a:p>
+                <a:pPr algn="ctr"/>
+                <a:endParaRPr lang="en-AU"/>
+              </a:p>
+            </p:txBody>
+          </p:sp>
+          <p:pic>
+            <p:nvPicPr>
+              <p:cNvPr id="5122" name="Picture 2">
+                <a:extLst>
+                  <a:ext uri="{FF2B5EF4-FFF2-40B4-BE49-F238E27FC236}">
+                    <a16:creationId xmlns:a16="http://schemas.microsoft.com/office/drawing/2014/main" id="{DCED2118-BE91-41F9-803D-203BBBFA9FF9}"/>
+                  </a:ext>
+                </a:extLst>
+              </p:cNvPr>
+              <p:cNvPicPr>
+                <a:picLocks noChangeAspect="1" noChangeArrowheads="1"/>
+              </p:cNvPicPr>
+              <p:nvPr/>
+            </p:nvPicPr>
+            <p:blipFill rotWithShape="1">
+              <a:blip r:embed="rId2">
+                <a:extLst>
+                  <a:ext uri="{28A0092B-C50C-407E-A947-70E740481C1C}">
+                    <a14:useLocalDpi xmlns:a14="http://schemas.microsoft.com/office/drawing/2010/main" val="0"/>
+                  </a:ext>
+                </a:extLst>
+              </a:blip>
+              <a:srcRect l="12247" t="17918" r="18337" b="12666"/>
+              <a:stretch/>
+            </p:blipFill>
+            <p:spPr bwMode="auto">
+              <a:xfrm>
+                <a:off x="1518473" y="4170066"/>
+                <a:ext cx="1497204" cy="1497204"/>
+              </a:xfrm>
+              <a:prstGeom prst="rect">
+                <a:avLst/>
+              </a:prstGeom>
+              <a:noFill/>
+              <a:extLst>
+                <a:ext uri="{909E8E84-426E-40DD-AFC4-6F175D3DCCD1}">
+                  <a14:hiddenFill xmlns:a14="http://schemas.microsoft.com/office/drawing/2010/main">
+                    <a:solidFill>
+                      <a:srgbClr val="FFFFFF"/>
+                    </a:solidFill>
+                  </a14:hiddenFill>
+                </a:ext>
+              </a:extLst>
+            </p:spPr>
+          </p:pic>
+        </p:grpSp>
+        <p:grpSp>
+          <p:nvGrpSpPr>
+            <p:cNvPr id="10" name="Group 9">
+              <a:extLst>
+                <a:ext uri="{FF2B5EF4-FFF2-40B4-BE49-F238E27FC236}">
+                  <a16:creationId xmlns:a16="http://schemas.microsoft.com/office/drawing/2014/main" id="{D4C5CB48-56F5-4EC2-A23B-AE436382F7F8}"/>
+                </a:ext>
+              </a:extLst>
+            </p:cNvPr>
+            <p:cNvGrpSpPr/>
+            <p:nvPr/>
+          </p:nvGrpSpPr>
+          <p:grpSpPr>
+            <a:xfrm>
+              <a:off x="773748" y="4354364"/>
+              <a:ext cx="2147573" cy="641805"/>
+              <a:chOff x="0" y="89075"/>
+              <a:chExt cx="10515600" cy="1074060"/>
+            </a:xfrm>
+          </p:grpSpPr>
+          <p:sp>
+            <p:nvSpPr>
+              <p:cNvPr id="11" name="Rectangle: Rounded Corners 10">
+                <a:extLst>
+                  <a:ext uri="{FF2B5EF4-FFF2-40B4-BE49-F238E27FC236}">
+                    <a16:creationId xmlns:a16="http://schemas.microsoft.com/office/drawing/2014/main" id="{8BF64F6F-C540-43A5-A6D5-372848F6557B}"/>
+                  </a:ext>
+                </a:extLst>
+              </p:cNvPr>
+              <p:cNvSpPr/>
+              <p:nvPr/>
+            </p:nvSpPr>
+            <p:spPr>
+              <a:xfrm>
+                <a:off x="0" y="89075"/>
+                <a:ext cx="10515600" cy="1074060"/>
+              </a:xfrm>
+              <a:prstGeom prst="roundRect">
+                <a:avLst/>
+              </a:prstGeom>
+            </p:spPr>
+            <p:style>
+              <a:lnRef idx="2">
+                <a:schemeClr val="lt1">
+                  <a:hueOff val="0"/>
+                  <a:satOff val="0"/>
+                  <a:lumOff val="0"/>
+                  <a:alphaOff val="0"/>
+                </a:schemeClr>
+              </a:lnRef>
+              <a:fillRef idx="1">
+                <a:schemeClr val="accent2">
+                  <a:hueOff val="0"/>
+                  <a:satOff val="0"/>
+                  <a:lumOff val="0"/>
+                  <a:alphaOff val="0"/>
+                </a:schemeClr>
+              </a:fillRef>
+              <a:effectRef idx="0">
+                <a:schemeClr val="accent2">
+                  <a:hueOff val="0"/>
+                  <a:satOff val="0"/>
+                  <a:lumOff val="0"/>
+                  <a:alphaOff val="0"/>
+                </a:schemeClr>
+              </a:effectRef>
+              <a:fontRef idx="minor">
+                <a:schemeClr val="lt1"/>
+              </a:fontRef>
+            </p:style>
+          </p:sp>
+          <p:sp>
+            <p:nvSpPr>
+              <p:cNvPr id="12" name="Rectangle: Rounded Corners 4">
+                <a:extLst>
+                  <a:ext uri="{FF2B5EF4-FFF2-40B4-BE49-F238E27FC236}">
+                    <a16:creationId xmlns:a16="http://schemas.microsoft.com/office/drawing/2014/main" id="{8AB23CED-63F0-4256-8772-01D6677B0584}"/>
+                  </a:ext>
+                </a:extLst>
+              </p:cNvPr>
+              <p:cNvSpPr txBox="1"/>
+              <p:nvPr/>
+            </p:nvSpPr>
+            <p:spPr>
+              <a:xfrm>
+                <a:off x="52432" y="141506"/>
+                <a:ext cx="10410736" cy="969198"/>
+              </a:xfrm>
+              <a:prstGeom prst="rect">
+                <a:avLst/>
+              </a:prstGeom>
+            </p:spPr>
+            <p:style>
+              <a:lnRef idx="0">
+                <a:scrgbClr r="0" g="0" b="0"/>
+              </a:lnRef>
+              <a:fillRef idx="0">
+                <a:scrgbClr r="0" g="0" b="0"/>
+              </a:fillRef>
+              <a:effectRef idx="0">
+                <a:scrgbClr r="0" g="0" b="0"/>
+              </a:effectRef>
+              <a:fontRef idx="minor">
+                <a:schemeClr val="lt1"/>
+              </a:fontRef>
+            </p:style>
+            <p:txBody>
+              <a:bodyPr spcFirstLastPara="0" vert="horz" wrap="square" lIns="102870" tIns="102870" rIns="102870" bIns="102870" numCol="1" spcCol="1270" anchor="ctr" anchorCtr="0">
+                <a:noAutofit/>
+              </a:bodyPr>
+              <a:lstStyle/>
+              <a:p>
+                <a:pPr marL="0" lvl="0" indent="0" algn="ctr" defTabSz="1200150">
+                  <a:lnSpc>
+                    <a:spcPct val="90000"/>
+                  </a:lnSpc>
+                  <a:spcBef>
+                    <a:spcPct val="0"/>
+                  </a:spcBef>
+                  <a:spcAft>
+                    <a:spcPct val="35000"/>
+                  </a:spcAft>
+                  <a:buNone/>
+                </a:pPr>
+                <a:r>
+                  <a:rPr lang="en-US" dirty="0"/>
+                  <a:t>128 x 128 x 128 whole brain MRI</a:t>
+                </a:r>
+                <a:endParaRPr lang="en-US" kern="1200" dirty="0"/>
+              </a:p>
+            </p:txBody>
+          </p:sp>
+        </p:grpSp>
+      </p:grpSp>
+      <p:cxnSp>
+        <p:nvCxnSpPr>
+          <p:cNvPr id="33" name="Straight Arrow Connector 32">
+            <a:extLst>
+              <a:ext uri="{FF2B5EF4-FFF2-40B4-BE49-F238E27FC236}">
+                <a16:creationId xmlns:a16="http://schemas.microsoft.com/office/drawing/2014/main" id="{3D326AE1-E3A4-481D-A485-2B4C86A178B7}"/>
+              </a:ext>
+            </a:extLst>
+          </p:cNvPr>
+          <p:cNvCxnSpPr/>
+          <p:nvPr/>
+        </p:nvCxnSpPr>
+        <p:spPr>
+          <a:xfrm>
+            <a:off x="3702727" y="3083450"/>
+            <a:ext cx="907807" cy="0"/>
+          </a:xfrm>
+          <a:prstGeom prst="straightConnector1">
+            <a:avLst/>
+          </a:prstGeom>
+          <a:ln w="28575">
+            <a:solidFill>
+              <a:srgbClr val="21B87C"/>
+            </a:solidFill>
+            <a:tailEnd type="triangle"/>
+          </a:ln>
+        </p:spPr>
+        <p:style>
+          <a:lnRef idx="1">
+            <a:schemeClr val="accent1"/>
+          </a:lnRef>
+          <a:fillRef idx="0">
+            <a:schemeClr val="accent1"/>
+          </a:fillRef>
+          <a:effectRef idx="0">
+            <a:schemeClr val="accent1"/>
+          </a:effectRef>
+          <a:fontRef idx="minor">
+            <a:schemeClr val="tx1"/>
+          </a:fontRef>
+        </p:style>
+      </p:cxnSp>
+      <p:cxnSp>
+        <p:nvCxnSpPr>
+          <p:cNvPr id="35" name="Straight Arrow Connector 34">
+            <a:extLst>
+              <a:ext uri="{FF2B5EF4-FFF2-40B4-BE49-F238E27FC236}">
+                <a16:creationId xmlns:a16="http://schemas.microsoft.com/office/drawing/2014/main" id="{5E7F83C9-245B-44F5-BCF7-9603F599C127}"/>
+              </a:ext>
+            </a:extLst>
+          </p:cNvPr>
+          <p:cNvCxnSpPr>
+            <a:cxnSpLocks/>
+            <a:endCxn id="43" idx="1"/>
+          </p:cNvCxnSpPr>
+          <p:nvPr/>
+        </p:nvCxnSpPr>
+        <p:spPr>
+          <a:xfrm>
+            <a:off x="6823557" y="2382031"/>
+            <a:ext cx="1169583" cy="0"/>
+          </a:xfrm>
+          <a:prstGeom prst="straightConnector1">
+            <a:avLst/>
+          </a:prstGeom>
+          <a:ln w="28575">
+            <a:solidFill>
+              <a:srgbClr val="21B87C"/>
+            </a:solidFill>
+            <a:tailEnd type="triangle"/>
+          </a:ln>
+        </p:spPr>
+        <p:style>
+          <a:lnRef idx="1">
+            <a:schemeClr val="accent1"/>
+          </a:lnRef>
+          <a:fillRef idx="0">
+            <a:schemeClr val="accent1"/>
+          </a:fillRef>
+          <a:effectRef idx="0">
+            <a:schemeClr val="accent1"/>
+          </a:effectRef>
+          <a:fontRef idx="minor">
+            <a:schemeClr val="tx1"/>
+          </a:fontRef>
+        </p:style>
+      </p:cxnSp>
+      <p:grpSp>
+        <p:nvGrpSpPr>
+          <p:cNvPr id="63" name="Group 62">
+            <a:extLst>
+              <a:ext uri="{FF2B5EF4-FFF2-40B4-BE49-F238E27FC236}">
+                <a16:creationId xmlns:a16="http://schemas.microsoft.com/office/drawing/2014/main" id="{E9E11BD2-18B0-4391-A698-8DE1E1295893}"/>
+              </a:ext>
+            </a:extLst>
+          </p:cNvPr>
+          <p:cNvGrpSpPr/>
+          <p:nvPr/>
+        </p:nvGrpSpPr>
+        <p:grpSpPr>
+          <a:xfrm>
+            <a:off x="4675984" y="2092622"/>
+            <a:ext cx="2147573" cy="2672757"/>
+            <a:chOff x="3745628" y="2225852"/>
+            <a:chExt cx="2147573" cy="2672757"/>
+          </a:xfrm>
+        </p:grpSpPr>
+        <p:grpSp>
+          <p:nvGrpSpPr>
+            <p:cNvPr id="6" name="Group 5">
+              <a:extLst>
+                <a:ext uri="{FF2B5EF4-FFF2-40B4-BE49-F238E27FC236}">
+                  <a16:creationId xmlns:a16="http://schemas.microsoft.com/office/drawing/2014/main" id="{9D429C4A-5CE8-4D89-B870-4DCB734D7B26}"/>
+                </a:ext>
+              </a:extLst>
+            </p:cNvPr>
+            <p:cNvGrpSpPr/>
+            <p:nvPr/>
+          </p:nvGrpSpPr>
+          <p:grpSpPr>
+            <a:xfrm>
+              <a:off x="3745628" y="2228607"/>
+              <a:ext cx="2147573" cy="2670002"/>
+              <a:chOff x="3745628" y="2228607"/>
+              <a:chExt cx="2147573" cy="2670002"/>
+            </a:xfrm>
+          </p:grpSpPr>
+          <p:sp>
+            <p:nvSpPr>
+              <p:cNvPr id="18" name="Cube 17">
+                <a:extLst>
+                  <a:ext uri="{FF2B5EF4-FFF2-40B4-BE49-F238E27FC236}">
+                    <a16:creationId xmlns:a16="http://schemas.microsoft.com/office/drawing/2014/main" id="{0DD4A0AE-33E7-4362-BF6F-B97B4C6D9F64}"/>
+                  </a:ext>
+                </a:extLst>
+              </p:cNvPr>
+              <p:cNvSpPr/>
+              <p:nvPr/>
+            </p:nvSpPr>
+            <p:spPr>
+              <a:xfrm>
+                <a:off x="3810080" y="2228607"/>
+                <a:ext cx="142795" cy="1999622"/>
+              </a:xfrm>
+              <a:prstGeom prst="cube">
+                <a:avLst/>
+              </a:prstGeom>
+              <a:solidFill>
+                <a:schemeClr val="bg1">
+                  <a:lumMod val="75000"/>
+                </a:schemeClr>
+              </a:solidFill>
+              <a:ln>
+                <a:solidFill>
+                  <a:schemeClr val="tx1"/>
+                </a:solidFill>
+              </a:ln>
+            </p:spPr>
+            <p:style>
+              <a:lnRef idx="2">
+                <a:schemeClr val="accent1">
+                  <a:shade val="50000"/>
+                </a:schemeClr>
+              </a:lnRef>
+              <a:fillRef idx="1">
+                <a:schemeClr val="accent1"/>
+              </a:fillRef>
+              <a:effectRef idx="0">
+                <a:schemeClr val="accent1"/>
+              </a:effectRef>
+              <a:fontRef idx="minor">
+                <a:schemeClr val="lt1"/>
+              </a:fontRef>
+            </p:style>
+            <p:txBody>
+              <a:bodyPr rtlCol="0" anchor="ctr"/>
+              <a:lstStyle/>
+              <a:p>
+                <a:pPr algn="ctr"/>
+                <a:endParaRPr lang="en-AU"/>
+              </a:p>
+            </p:txBody>
+          </p:sp>
+          <p:grpSp>
+            <p:nvGrpSpPr>
+              <p:cNvPr id="15" name="Group 14">
+                <a:extLst>
+                  <a:ext uri="{FF2B5EF4-FFF2-40B4-BE49-F238E27FC236}">
+                    <a16:creationId xmlns:a16="http://schemas.microsoft.com/office/drawing/2014/main" id="{E92A30F3-CB68-43FF-B7B3-714E9B2A3F5E}"/>
+                  </a:ext>
+                </a:extLst>
+              </p:cNvPr>
+              <p:cNvGrpSpPr/>
+              <p:nvPr/>
+            </p:nvGrpSpPr>
+            <p:grpSpPr>
+              <a:xfrm>
+                <a:off x="3745628" y="4256804"/>
+                <a:ext cx="2147573" cy="641805"/>
+                <a:chOff x="0" y="89075"/>
+                <a:chExt cx="10515600" cy="1074060"/>
+              </a:xfrm>
+            </p:grpSpPr>
+            <p:sp>
+              <p:nvSpPr>
+                <p:cNvPr id="16" name="Rectangle: Rounded Corners 15">
+                  <a:extLst>
+                    <a:ext uri="{FF2B5EF4-FFF2-40B4-BE49-F238E27FC236}">
+                      <a16:creationId xmlns:a16="http://schemas.microsoft.com/office/drawing/2014/main" id="{4AF69708-499E-479A-91C5-E746F59F6390}"/>
+                    </a:ext>
+                  </a:extLst>
+                </p:cNvPr>
+                <p:cNvSpPr/>
+                <p:nvPr/>
+              </p:nvSpPr>
+              <p:spPr>
+                <a:xfrm>
+                  <a:off x="0" y="89075"/>
+                  <a:ext cx="10515600" cy="1074060"/>
+                </a:xfrm>
+                <a:prstGeom prst="roundRect">
+                  <a:avLst/>
+                </a:prstGeom>
+              </p:spPr>
+              <p:style>
+                <a:lnRef idx="2">
+                  <a:schemeClr val="lt1">
+                    <a:hueOff val="0"/>
+                    <a:satOff val="0"/>
+                    <a:lumOff val="0"/>
+                    <a:alphaOff val="0"/>
+                  </a:schemeClr>
+                </a:lnRef>
+                <a:fillRef idx="1">
+                  <a:schemeClr val="accent2">
+                    <a:hueOff val="0"/>
+                    <a:satOff val="0"/>
+                    <a:lumOff val="0"/>
+                    <a:alphaOff val="0"/>
+                  </a:schemeClr>
+                </a:fillRef>
+                <a:effectRef idx="0">
+                  <a:schemeClr val="accent2">
+                    <a:hueOff val="0"/>
+                    <a:satOff val="0"/>
+                    <a:lumOff val="0"/>
+                    <a:alphaOff val="0"/>
+                  </a:schemeClr>
+                </a:effectRef>
+                <a:fontRef idx="minor">
+                  <a:schemeClr val="lt1"/>
+                </a:fontRef>
+              </p:style>
+            </p:sp>
+            <p:sp>
+              <p:nvSpPr>
+                <p:cNvPr id="17" name="Rectangle: Rounded Corners 4">
+                  <a:extLst>
+                    <a:ext uri="{FF2B5EF4-FFF2-40B4-BE49-F238E27FC236}">
+                      <a16:creationId xmlns:a16="http://schemas.microsoft.com/office/drawing/2014/main" id="{155D0D36-848A-4451-BD09-70B712A9E51E}"/>
+                    </a:ext>
+                  </a:extLst>
+                </p:cNvPr>
+                <p:cNvSpPr txBox="1"/>
+                <p:nvPr/>
+              </p:nvSpPr>
+              <p:spPr>
+                <a:xfrm>
+                  <a:off x="52432" y="141506"/>
+                  <a:ext cx="10463168" cy="969200"/>
+                </a:xfrm>
+                <a:prstGeom prst="rect">
+                  <a:avLst/>
+                </a:prstGeom>
+              </p:spPr>
+              <p:style>
+                <a:lnRef idx="0">
+                  <a:scrgbClr r="0" g="0" b="0"/>
+                </a:lnRef>
+                <a:fillRef idx="0">
+                  <a:scrgbClr r="0" g="0" b="0"/>
+                </a:fillRef>
+                <a:effectRef idx="0">
+                  <a:scrgbClr r="0" g="0" b="0"/>
+                </a:effectRef>
+                <a:fontRef idx="minor">
+                  <a:schemeClr val="lt1"/>
+                </a:fontRef>
+              </p:style>
+              <p:txBody>
+                <a:bodyPr spcFirstLastPara="0" vert="horz" wrap="square" lIns="102870" tIns="102870" rIns="102870" bIns="102870" numCol="1" spcCol="1270" anchor="ctr" anchorCtr="0">
+                  <a:noAutofit/>
+                </a:bodyPr>
+                <a:lstStyle/>
+                <a:p>
+                  <a:pPr marL="0" lvl="0" indent="0" algn="ctr" defTabSz="1200150">
+                    <a:lnSpc>
+                      <a:spcPct val="90000"/>
+                    </a:lnSpc>
+                    <a:spcBef>
+                      <a:spcPct val="0"/>
+                    </a:spcBef>
+                    <a:spcAft>
+                      <a:spcPct val="35000"/>
+                    </a:spcAft>
+                    <a:buNone/>
+                  </a:pPr>
+                  <a:r>
+                    <a:rPr lang="en-US" kern="1200" dirty="0"/>
+                    <a:t>3D CNN using ImageNet weights</a:t>
+                  </a:r>
+                </a:p>
+              </p:txBody>
+            </p:sp>
+          </p:grpSp>
+        </p:grpSp>
         <p:sp>
           <p:nvSpPr>
-            <p:cNvPr id="8" name="Cube 7">
+            <p:cNvPr id="20" name="Cube 19">
               <a:extLst>
                 <a:ext uri="{FF2B5EF4-FFF2-40B4-BE49-F238E27FC236}">
-                  <a16:creationId xmlns:a16="http://schemas.microsoft.com/office/drawing/2014/main" id="{6574FD65-1C14-42B2-8D38-2C326DBD7DEB}"/>
+                  <a16:creationId xmlns:a16="http://schemas.microsoft.com/office/drawing/2014/main" id="{8C608D97-7590-4D34-87C1-6EB9CDEDD514}"/>
                 </a:ext>
               </a:extLst>
             </p:cNvPr>
@@ -11076,8 +12046,8 @@
           </p:nvSpPr>
           <p:spPr>
             <a:xfrm>
-              <a:off x="1517302" y="3667648"/>
-              <a:ext cx="1999621" cy="1999622"/>
+              <a:off x="3952875" y="2225852"/>
+              <a:ext cx="142795" cy="1999622"/>
             </a:xfrm>
             <a:prstGeom prst="cube">
               <a:avLst/>
@@ -11118,52 +12088,1166 @@
             </a:p>
           </p:txBody>
         </p:sp>
-        <p:pic>
-          <p:nvPicPr>
-            <p:cNvPr id="5122" name="Picture 2">
+        <p:sp>
+          <p:nvSpPr>
+            <p:cNvPr id="21" name="Cube 20">
               <a:extLst>
                 <a:ext uri="{FF2B5EF4-FFF2-40B4-BE49-F238E27FC236}">
-                  <a16:creationId xmlns:a16="http://schemas.microsoft.com/office/drawing/2014/main" id="{DCED2118-BE91-41F9-803D-203BBBFA9FF9}"/>
+                  <a16:creationId xmlns:a16="http://schemas.microsoft.com/office/drawing/2014/main" id="{79692C5A-D98E-451D-B737-4E10B39E876D}"/>
                 </a:ext>
               </a:extLst>
             </p:cNvPr>
-            <p:cNvPicPr>
-              <a:picLocks noChangeAspect="1" noChangeArrowheads="1"/>
-            </p:cNvPicPr>
+            <p:cNvSpPr/>
             <p:nvPr/>
-          </p:nvPicPr>
-          <p:blipFill rotWithShape="1">
-            <a:blip r:embed="rId2">
+          </p:nvSpPr>
+          <p:spPr>
+            <a:xfrm>
+              <a:off x="4095670" y="2225852"/>
+              <a:ext cx="142795" cy="1999622"/>
+            </a:xfrm>
+            <a:prstGeom prst="cube">
+              <a:avLst/>
+            </a:prstGeom>
+            <a:solidFill>
+              <a:schemeClr val="bg1">
+                <a:lumMod val="75000"/>
+              </a:schemeClr>
+            </a:solidFill>
+            <a:ln>
+              <a:solidFill>
+                <a:schemeClr val="tx1"/>
+              </a:solidFill>
+            </a:ln>
+          </p:spPr>
+          <p:style>
+            <a:lnRef idx="2">
+              <a:schemeClr val="accent1">
+                <a:shade val="50000"/>
+              </a:schemeClr>
+            </a:lnRef>
+            <a:fillRef idx="1">
+              <a:schemeClr val="accent1"/>
+            </a:fillRef>
+            <a:effectRef idx="0">
+              <a:schemeClr val="accent1"/>
+            </a:effectRef>
+            <a:fontRef idx="minor">
+              <a:schemeClr val="lt1"/>
+            </a:fontRef>
+          </p:style>
+          <p:txBody>
+            <a:bodyPr rtlCol="0" anchor="ctr"/>
+            <a:lstStyle/>
+            <a:p>
+              <a:pPr algn="ctr"/>
+              <a:endParaRPr lang="en-AU"/>
+            </a:p>
+          </p:txBody>
+        </p:sp>
+        <p:sp>
+          <p:nvSpPr>
+            <p:cNvPr id="22" name="Cube 21">
               <a:extLst>
-                <a:ext uri="{28A0092B-C50C-407E-A947-70E740481C1C}">
-                  <a14:useLocalDpi xmlns:a14="http://schemas.microsoft.com/office/drawing/2010/main" val="0"/>
+                <a:ext uri="{FF2B5EF4-FFF2-40B4-BE49-F238E27FC236}">
+                  <a16:creationId xmlns:a16="http://schemas.microsoft.com/office/drawing/2014/main" id="{71A27B96-12E5-4350-B7F3-FF1598E24DC8}"/>
                 </a:ext>
               </a:extLst>
-            </a:blip>
-            <a:srcRect l="12247" t="17918" r="18337" b="12666"/>
-            <a:stretch/>
-          </p:blipFill>
-          <p:spPr bwMode="auto">
+            </p:cNvPr>
+            <p:cNvSpPr/>
+            <p:nvPr/>
+          </p:nvSpPr>
+          <p:spPr>
             <a:xfrm>
-              <a:off x="1527351" y="4170066"/>
-              <a:ext cx="1497204" cy="1497204"/>
+              <a:off x="4238465" y="2225852"/>
+              <a:ext cx="142795" cy="1999622"/>
+            </a:xfrm>
+            <a:prstGeom prst="cube">
+              <a:avLst/>
+            </a:prstGeom>
+            <a:solidFill>
+              <a:schemeClr val="bg1">
+                <a:lumMod val="75000"/>
+              </a:schemeClr>
+            </a:solidFill>
+            <a:ln>
+              <a:solidFill>
+                <a:schemeClr val="tx1"/>
+              </a:solidFill>
+            </a:ln>
+          </p:spPr>
+          <p:style>
+            <a:lnRef idx="2">
+              <a:schemeClr val="accent1">
+                <a:shade val="50000"/>
+              </a:schemeClr>
+            </a:lnRef>
+            <a:fillRef idx="1">
+              <a:schemeClr val="accent1"/>
+            </a:fillRef>
+            <a:effectRef idx="0">
+              <a:schemeClr val="accent1"/>
+            </a:effectRef>
+            <a:fontRef idx="minor">
+              <a:schemeClr val="lt1"/>
+            </a:fontRef>
+          </p:style>
+          <p:txBody>
+            <a:bodyPr rtlCol="0" anchor="ctr"/>
+            <a:lstStyle/>
+            <a:p>
+              <a:pPr algn="ctr"/>
+              <a:endParaRPr lang="en-AU"/>
+            </a:p>
+          </p:txBody>
+        </p:sp>
+        <p:sp>
+          <p:nvSpPr>
+            <p:cNvPr id="24" name="Cube 23">
+              <a:extLst>
+                <a:ext uri="{FF2B5EF4-FFF2-40B4-BE49-F238E27FC236}">
+                  <a16:creationId xmlns:a16="http://schemas.microsoft.com/office/drawing/2014/main" id="{411A6321-40E3-4CCE-A7DB-71C5E7DBA1B7}"/>
+                </a:ext>
+              </a:extLst>
+            </p:cNvPr>
+            <p:cNvSpPr/>
+            <p:nvPr/>
+          </p:nvSpPr>
+          <p:spPr>
+            <a:xfrm>
+              <a:off x="4381260" y="2225852"/>
+              <a:ext cx="142795" cy="1999622"/>
+            </a:xfrm>
+            <a:prstGeom prst="cube">
+              <a:avLst/>
+            </a:prstGeom>
+            <a:solidFill>
+              <a:schemeClr val="bg1">
+                <a:lumMod val="75000"/>
+              </a:schemeClr>
+            </a:solidFill>
+            <a:ln>
+              <a:solidFill>
+                <a:schemeClr val="tx1"/>
+              </a:solidFill>
+            </a:ln>
+          </p:spPr>
+          <p:style>
+            <a:lnRef idx="2">
+              <a:schemeClr val="accent1">
+                <a:shade val="50000"/>
+              </a:schemeClr>
+            </a:lnRef>
+            <a:fillRef idx="1">
+              <a:schemeClr val="accent1"/>
+            </a:fillRef>
+            <a:effectRef idx="0">
+              <a:schemeClr val="accent1"/>
+            </a:effectRef>
+            <a:fontRef idx="minor">
+              <a:schemeClr val="lt1"/>
+            </a:fontRef>
+          </p:style>
+          <p:txBody>
+            <a:bodyPr rtlCol="0" anchor="ctr"/>
+            <a:lstStyle/>
+            <a:p>
+              <a:pPr algn="ctr"/>
+              <a:endParaRPr lang="en-AU"/>
+            </a:p>
+          </p:txBody>
+        </p:sp>
+        <p:sp>
+          <p:nvSpPr>
+            <p:cNvPr id="25" name="Cube 24">
+              <a:extLst>
+                <a:ext uri="{FF2B5EF4-FFF2-40B4-BE49-F238E27FC236}">
+                  <a16:creationId xmlns:a16="http://schemas.microsoft.com/office/drawing/2014/main" id="{7725C125-354D-40A3-AEE1-CB23DE1BFC54}"/>
+                </a:ext>
+              </a:extLst>
+            </p:cNvPr>
+            <p:cNvSpPr/>
+            <p:nvPr/>
+          </p:nvSpPr>
+          <p:spPr>
+            <a:xfrm>
+              <a:off x="4524055" y="2225852"/>
+              <a:ext cx="142795" cy="1999622"/>
+            </a:xfrm>
+            <a:prstGeom prst="cube">
+              <a:avLst/>
+            </a:prstGeom>
+            <a:solidFill>
+              <a:schemeClr val="bg1">
+                <a:lumMod val="75000"/>
+              </a:schemeClr>
+            </a:solidFill>
+            <a:ln>
+              <a:solidFill>
+                <a:schemeClr val="tx1"/>
+              </a:solidFill>
+            </a:ln>
+          </p:spPr>
+          <p:style>
+            <a:lnRef idx="2">
+              <a:schemeClr val="accent1">
+                <a:shade val="50000"/>
+              </a:schemeClr>
+            </a:lnRef>
+            <a:fillRef idx="1">
+              <a:schemeClr val="accent1"/>
+            </a:fillRef>
+            <a:effectRef idx="0">
+              <a:schemeClr val="accent1"/>
+            </a:effectRef>
+            <a:fontRef idx="minor">
+              <a:schemeClr val="lt1"/>
+            </a:fontRef>
+          </p:style>
+          <p:txBody>
+            <a:bodyPr rtlCol="0" anchor="ctr"/>
+            <a:lstStyle/>
+            <a:p>
+              <a:pPr algn="ctr"/>
+              <a:endParaRPr lang="en-AU"/>
+            </a:p>
+          </p:txBody>
+        </p:sp>
+        <p:sp>
+          <p:nvSpPr>
+            <p:cNvPr id="26" name="Cube 25">
+              <a:extLst>
+                <a:ext uri="{FF2B5EF4-FFF2-40B4-BE49-F238E27FC236}">
+                  <a16:creationId xmlns:a16="http://schemas.microsoft.com/office/drawing/2014/main" id="{35AEDD0C-E86E-46C5-9101-F5B40E26FE0F}"/>
+                </a:ext>
+              </a:extLst>
+            </p:cNvPr>
+            <p:cNvSpPr/>
+            <p:nvPr/>
+          </p:nvSpPr>
+          <p:spPr>
+            <a:xfrm>
+              <a:off x="4666850" y="2225852"/>
+              <a:ext cx="142795" cy="1999622"/>
+            </a:xfrm>
+            <a:prstGeom prst="cube">
+              <a:avLst/>
+            </a:prstGeom>
+            <a:solidFill>
+              <a:schemeClr val="bg1">
+                <a:lumMod val="75000"/>
+              </a:schemeClr>
+            </a:solidFill>
+            <a:ln>
+              <a:solidFill>
+                <a:schemeClr val="tx1"/>
+              </a:solidFill>
+            </a:ln>
+          </p:spPr>
+          <p:style>
+            <a:lnRef idx="2">
+              <a:schemeClr val="accent1">
+                <a:shade val="50000"/>
+              </a:schemeClr>
+            </a:lnRef>
+            <a:fillRef idx="1">
+              <a:schemeClr val="accent1"/>
+            </a:fillRef>
+            <a:effectRef idx="0">
+              <a:schemeClr val="accent1"/>
+            </a:effectRef>
+            <a:fontRef idx="minor">
+              <a:schemeClr val="lt1"/>
+            </a:fontRef>
+          </p:style>
+          <p:txBody>
+            <a:bodyPr rtlCol="0" anchor="ctr"/>
+            <a:lstStyle/>
+            <a:p>
+              <a:pPr algn="ctr"/>
+              <a:endParaRPr lang="en-AU"/>
+            </a:p>
+          </p:txBody>
+        </p:sp>
+        <p:sp>
+          <p:nvSpPr>
+            <p:cNvPr id="27" name="Cube 26">
+              <a:extLst>
+                <a:ext uri="{FF2B5EF4-FFF2-40B4-BE49-F238E27FC236}">
+                  <a16:creationId xmlns:a16="http://schemas.microsoft.com/office/drawing/2014/main" id="{92C3AC08-A696-4D02-ABBB-166EB26C7935}"/>
+                </a:ext>
+              </a:extLst>
+            </p:cNvPr>
+            <p:cNvSpPr/>
+            <p:nvPr/>
+          </p:nvSpPr>
+          <p:spPr>
+            <a:xfrm>
+              <a:off x="4801307" y="2232727"/>
+              <a:ext cx="142795" cy="1999622"/>
+            </a:xfrm>
+            <a:prstGeom prst="cube">
+              <a:avLst/>
+            </a:prstGeom>
+            <a:solidFill>
+              <a:schemeClr val="bg1">
+                <a:lumMod val="75000"/>
+              </a:schemeClr>
+            </a:solidFill>
+            <a:ln>
+              <a:solidFill>
+                <a:schemeClr val="tx1"/>
+              </a:solidFill>
+            </a:ln>
+          </p:spPr>
+          <p:style>
+            <a:lnRef idx="2">
+              <a:schemeClr val="accent1">
+                <a:shade val="50000"/>
+              </a:schemeClr>
+            </a:lnRef>
+            <a:fillRef idx="1">
+              <a:schemeClr val="accent1"/>
+            </a:fillRef>
+            <a:effectRef idx="0">
+              <a:schemeClr val="accent1"/>
+            </a:effectRef>
+            <a:fontRef idx="minor">
+              <a:schemeClr val="lt1"/>
+            </a:fontRef>
+          </p:style>
+          <p:txBody>
+            <a:bodyPr rtlCol="0" anchor="ctr"/>
+            <a:lstStyle/>
+            <a:p>
+              <a:pPr algn="ctr"/>
+              <a:endParaRPr lang="en-AU"/>
+            </a:p>
+          </p:txBody>
+        </p:sp>
+        <p:sp>
+          <p:nvSpPr>
+            <p:cNvPr id="28" name="Cube 27">
+              <a:extLst>
+                <a:ext uri="{FF2B5EF4-FFF2-40B4-BE49-F238E27FC236}">
+                  <a16:creationId xmlns:a16="http://schemas.microsoft.com/office/drawing/2014/main" id="{11E1E40C-88C9-4497-A110-9302A7B75CEC}"/>
+                </a:ext>
+              </a:extLst>
+            </p:cNvPr>
+            <p:cNvSpPr/>
+            <p:nvPr/>
+          </p:nvSpPr>
+          <p:spPr>
+            <a:xfrm>
+              <a:off x="4944102" y="2232727"/>
+              <a:ext cx="142795" cy="1999622"/>
+            </a:xfrm>
+            <a:prstGeom prst="cube">
+              <a:avLst/>
+            </a:prstGeom>
+            <a:solidFill>
+              <a:schemeClr val="bg1">
+                <a:lumMod val="75000"/>
+              </a:schemeClr>
+            </a:solidFill>
+            <a:ln>
+              <a:solidFill>
+                <a:schemeClr val="tx1"/>
+              </a:solidFill>
+            </a:ln>
+          </p:spPr>
+          <p:style>
+            <a:lnRef idx="2">
+              <a:schemeClr val="accent1">
+                <a:shade val="50000"/>
+              </a:schemeClr>
+            </a:lnRef>
+            <a:fillRef idx="1">
+              <a:schemeClr val="accent1"/>
+            </a:fillRef>
+            <a:effectRef idx="0">
+              <a:schemeClr val="accent1"/>
+            </a:effectRef>
+            <a:fontRef idx="minor">
+              <a:schemeClr val="lt1"/>
+            </a:fontRef>
+          </p:style>
+          <p:txBody>
+            <a:bodyPr rtlCol="0" anchor="ctr"/>
+            <a:lstStyle/>
+            <a:p>
+              <a:pPr algn="ctr"/>
+              <a:endParaRPr lang="en-AU"/>
+            </a:p>
+          </p:txBody>
+        </p:sp>
+        <p:sp>
+          <p:nvSpPr>
+            <p:cNvPr id="29" name="Cube 28">
+              <a:extLst>
+                <a:ext uri="{FF2B5EF4-FFF2-40B4-BE49-F238E27FC236}">
+                  <a16:creationId xmlns:a16="http://schemas.microsoft.com/office/drawing/2014/main" id="{6D47AAB3-6106-44A2-A797-1F18DE2F6447}"/>
+                </a:ext>
+              </a:extLst>
+            </p:cNvPr>
+            <p:cNvSpPr/>
+            <p:nvPr/>
+          </p:nvSpPr>
+          <p:spPr>
+            <a:xfrm>
+              <a:off x="5086897" y="2232727"/>
+              <a:ext cx="142795" cy="1999622"/>
+            </a:xfrm>
+            <a:prstGeom prst="cube">
+              <a:avLst/>
+            </a:prstGeom>
+            <a:solidFill>
+              <a:schemeClr val="bg1">
+                <a:lumMod val="75000"/>
+              </a:schemeClr>
+            </a:solidFill>
+            <a:ln>
+              <a:solidFill>
+                <a:schemeClr val="tx1"/>
+              </a:solidFill>
+            </a:ln>
+          </p:spPr>
+          <p:style>
+            <a:lnRef idx="2">
+              <a:schemeClr val="accent1">
+                <a:shade val="50000"/>
+              </a:schemeClr>
+            </a:lnRef>
+            <a:fillRef idx="1">
+              <a:schemeClr val="accent1"/>
+            </a:fillRef>
+            <a:effectRef idx="0">
+              <a:schemeClr val="accent1"/>
+            </a:effectRef>
+            <a:fontRef idx="minor">
+              <a:schemeClr val="lt1"/>
+            </a:fontRef>
+          </p:style>
+          <p:txBody>
+            <a:bodyPr rtlCol="0" anchor="ctr"/>
+            <a:lstStyle/>
+            <a:p>
+              <a:pPr algn="ctr"/>
+              <a:endParaRPr lang="en-AU"/>
+            </a:p>
+          </p:txBody>
+        </p:sp>
+        <p:sp>
+          <p:nvSpPr>
+            <p:cNvPr id="30" name="Cube 29">
+              <a:extLst>
+                <a:ext uri="{FF2B5EF4-FFF2-40B4-BE49-F238E27FC236}">
+                  <a16:creationId xmlns:a16="http://schemas.microsoft.com/office/drawing/2014/main" id="{A37F8111-F82E-4EDE-9DC9-D85B837F7236}"/>
+                </a:ext>
+              </a:extLst>
+            </p:cNvPr>
+            <p:cNvSpPr/>
+            <p:nvPr/>
+          </p:nvSpPr>
+          <p:spPr>
+            <a:xfrm>
+              <a:off x="5229692" y="2232727"/>
+              <a:ext cx="142795" cy="1999622"/>
+            </a:xfrm>
+            <a:prstGeom prst="cube">
+              <a:avLst/>
+            </a:prstGeom>
+            <a:solidFill>
+              <a:schemeClr val="bg1">
+                <a:lumMod val="75000"/>
+              </a:schemeClr>
+            </a:solidFill>
+            <a:ln>
+              <a:solidFill>
+                <a:schemeClr val="tx1"/>
+              </a:solidFill>
+            </a:ln>
+          </p:spPr>
+          <p:style>
+            <a:lnRef idx="2">
+              <a:schemeClr val="accent1">
+                <a:shade val="50000"/>
+              </a:schemeClr>
+            </a:lnRef>
+            <a:fillRef idx="1">
+              <a:schemeClr val="accent1"/>
+            </a:fillRef>
+            <a:effectRef idx="0">
+              <a:schemeClr val="accent1"/>
+            </a:effectRef>
+            <a:fontRef idx="minor">
+              <a:schemeClr val="lt1"/>
+            </a:fontRef>
+          </p:style>
+          <p:txBody>
+            <a:bodyPr rtlCol="0" anchor="ctr"/>
+            <a:lstStyle/>
+            <a:p>
+              <a:pPr algn="ctr"/>
+              <a:endParaRPr lang="en-AU"/>
+            </a:p>
+          </p:txBody>
+        </p:sp>
+        <p:sp>
+          <p:nvSpPr>
+            <p:cNvPr id="31" name="Cube 30">
+              <a:extLst>
+                <a:ext uri="{FF2B5EF4-FFF2-40B4-BE49-F238E27FC236}">
+                  <a16:creationId xmlns:a16="http://schemas.microsoft.com/office/drawing/2014/main" id="{C3874058-4ECE-4236-89A2-E28BE75D8863}"/>
+                </a:ext>
+              </a:extLst>
+            </p:cNvPr>
+            <p:cNvSpPr/>
+            <p:nvPr/>
+          </p:nvSpPr>
+          <p:spPr>
+            <a:xfrm>
+              <a:off x="5372487" y="2232727"/>
+              <a:ext cx="142795" cy="1999622"/>
+            </a:xfrm>
+            <a:prstGeom prst="cube">
+              <a:avLst/>
+            </a:prstGeom>
+            <a:solidFill>
+              <a:schemeClr val="bg1">
+                <a:lumMod val="75000"/>
+              </a:schemeClr>
+            </a:solidFill>
+            <a:ln>
+              <a:solidFill>
+                <a:schemeClr val="tx1"/>
+              </a:solidFill>
+            </a:ln>
+          </p:spPr>
+          <p:style>
+            <a:lnRef idx="2">
+              <a:schemeClr val="accent1">
+                <a:shade val="50000"/>
+              </a:schemeClr>
+            </a:lnRef>
+            <a:fillRef idx="1">
+              <a:schemeClr val="accent1"/>
+            </a:fillRef>
+            <a:effectRef idx="0">
+              <a:schemeClr val="accent1"/>
+            </a:effectRef>
+            <a:fontRef idx="minor">
+              <a:schemeClr val="lt1"/>
+            </a:fontRef>
+          </p:style>
+          <p:txBody>
+            <a:bodyPr rtlCol="0" anchor="ctr"/>
+            <a:lstStyle/>
+            <a:p>
+              <a:pPr algn="ctr"/>
+              <a:endParaRPr lang="en-AU"/>
+            </a:p>
+          </p:txBody>
+        </p:sp>
+        <p:sp>
+          <p:nvSpPr>
+            <p:cNvPr id="32" name="Cube 31">
+              <a:extLst>
+                <a:ext uri="{FF2B5EF4-FFF2-40B4-BE49-F238E27FC236}">
+                  <a16:creationId xmlns:a16="http://schemas.microsoft.com/office/drawing/2014/main" id="{87131A99-5E71-4231-8A7D-D57ACE74949E}"/>
+                </a:ext>
+              </a:extLst>
+            </p:cNvPr>
+            <p:cNvSpPr/>
+            <p:nvPr/>
+          </p:nvSpPr>
+          <p:spPr>
+            <a:xfrm>
+              <a:off x="5515282" y="2232727"/>
+              <a:ext cx="142795" cy="1999622"/>
+            </a:xfrm>
+            <a:prstGeom prst="cube">
+              <a:avLst/>
+            </a:prstGeom>
+            <a:solidFill>
+              <a:schemeClr val="bg1">
+                <a:lumMod val="75000"/>
+              </a:schemeClr>
+            </a:solidFill>
+            <a:ln>
+              <a:solidFill>
+                <a:schemeClr val="tx1"/>
+              </a:solidFill>
+            </a:ln>
+          </p:spPr>
+          <p:style>
+            <a:lnRef idx="2">
+              <a:schemeClr val="accent1">
+                <a:shade val="50000"/>
+              </a:schemeClr>
+            </a:lnRef>
+            <a:fillRef idx="1">
+              <a:schemeClr val="accent1"/>
+            </a:fillRef>
+            <a:effectRef idx="0">
+              <a:schemeClr val="accent1"/>
+            </a:effectRef>
+            <a:fontRef idx="minor">
+              <a:schemeClr val="lt1"/>
+            </a:fontRef>
+          </p:style>
+          <p:txBody>
+            <a:bodyPr rtlCol="0" anchor="ctr"/>
+            <a:lstStyle/>
+            <a:p>
+              <a:pPr algn="ctr"/>
+              <a:endParaRPr lang="en-AU"/>
+            </a:p>
+          </p:txBody>
+        </p:sp>
+        <p:sp>
+          <p:nvSpPr>
+            <p:cNvPr id="36" name="Cube 35">
+              <a:extLst>
+                <a:ext uri="{FF2B5EF4-FFF2-40B4-BE49-F238E27FC236}">
+                  <a16:creationId xmlns:a16="http://schemas.microsoft.com/office/drawing/2014/main" id="{2BC2515C-6E12-4EBD-9365-396876F84A95}"/>
+                </a:ext>
+              </a:extLst>
+            </p:cNvPr>
+            <p:cNvSpPr/>
+            <p:nvPr/>
+          </p:nvSpPr>
+          <p:spPr>
+            <a:xfrm>
+              <a:off x="5658637" y="2232727"/>
+              <a:ext cx="142795" cy="1999622"/>
+            </a:xfrm>
+            <a:prstGeom prst="cube">
+              <a:avLst/>
+            </a:prstGeom>
+            <a:solidFill>
+              <a:schemeClr val="bg1">
+                <a:lumMod val="75000"/>
+              </a:schemeClr>
+            </a:solidFill>
+            <a:ln>
+              <a:solidFill>
+                <a:schemeClr val="tx1"/>
+              </a:solidFill>
+            </a:ln>
+          </p:spPr>
+          <p:style>
+            <a:lnRef idx="2">
+              <a:schemeClr val="accent1">
+                <a:shade val="50000"/>
+              </a:schemeClr>
+            </a:lnRef>
+            <a:fillRef idx="1">
+              <a:schemeClr val="accent1"/>
+            </a:fillRef>
+            <a:effectRef idx="0">
+              <a:schemeClr val="accent1"/>
+            </a:effectRef>
+            <a:fontRef idx="minor">
+              <a:schemeClr val="lt1"/>
+            </a:fontRef>
+          </p:style>
+          <p:txBody>
+            <a:bodyPr rtlCol="0" anchor="ctr"/>
+            <a:lstStyle/>
+            <a:p>
+              <a:pPr algn="ctr"/>
+              <a:endParaRPr lang="en-AU"/>
+            </a:p>
+          </p:txBody>
+        </p:sp>
+      </p:grpSp>
+      <p:grpSp>
+        <p:nvGrpSpPr>
+          <p:cNvPr id="38" name="Group 37">
+            <a:extLst>
+              <a:ext uri="{FF2B5EF4-FFF2-40B4-BE49-F238E27FC236}">
+                <a16:creationId xmlns:a16="http://schemas.microsoft.com/office/drawing/2014/main" id="{DAF8A17E-D223-4B5E-AF3F-AA61122CAC64}"/>
+              </a:ext>
+            </a:extLst>
+          </p:cNvPr>
+          <p:cNvGrpSpPr/>
+          <p:nvPr/>
+        </p:nvGrpSpPr>
+        <p:grpSpPr>
+          <a:xfrm>
+            <a:off x="7980648" y="2061128"/>
+            <a:ext cx="2505308" cy="641805"/>
+            <a:chOff x="990600" y="4409204"/>
+            <a:chExt cx="2147573" cy="641805"/>
+          </a:xfrm>
+        </p:grpSpPr>
+        <p:sp>
+          <p:nvSpPr>
+            <p:cNvPr id="42" name="Rectangle: Rounded Corners 41">
+              <a:extLst>
+                <a:ext uri="{FF2B5EF4-FFF2-40B4-BE49-F238E27FC236}">
+                  <a16:creationId xmlns:a16="http://schemas.microsoft.com/office/drawing/2014/main" id="{CD269BF6-C2F1-4BE3-90B8-3D864E3E4BCC}"/>
+                </a:ext>
+              </a:extLst>
+            </p:cNvPr>
+            <p:cNvSpPr/>
+            <p:nvPr/>
+          </p:nvSpPr>
+          <p:spPr>
+            <a:xfrm>
+              <a:off x="990600" y="4409204"/>
+              <a:ext cx="2147573" cy="641805"/>
+            </a:xfrm>
+            <a:prstGeom prst="roundRect">
+              <a:avLst/>
+            </a:prstGeom>
+          </p:spPr>
+          <p:style>
+            <a:lnRef idx="2">
+              <a:schemeClr val="lt1">
+                <a:hueOff val="0"/>
+                <a:satOff val="0"/>
+                <a:lumOff val="0"/>
+                <a:alphaOff val="0"/>
+              </a:schemeClr>
+            </a:lnRef>
+            <a:fillRef idx="1">
+              <a:schemeClr val="accent2">
+                <a:hueOff val="0"/>
+                <a:satOff val="0"/>
+                <a:lumOff val="0"/>
+                <a:alphaOff val="0"/>
+              </a:schemeClr>
+            </a:fillRef>
+            <a:effectRef idx="0">
+              <a:schemeClr val="accent2">
+                <a:hueOff val="0"/>
+                <a:satOff val="0"/>
+                <a:lumOff val="0"/>
+                <a:alphaOff val="0"/>
+              </a:schemeClr>
+            </a:effectRef>
+            <a:fontRef idx="minor">
+              <a:schemeClr val="lt1"/>
+            </a:fontRef>
+          </p:style>
+        </p:sp>
+        <p:sp>
+          <p:nvSpPr>
+            <p:cNvPr id="43" name="Rectangle: Rounded Corners 4">
+              <a:extLst>
+                <a:ext uri="{FF2B5EF4-FFF2-40B4-BE49-F238E27FC236}">
+                  <a16:creationId xmlns:a16="http://schemas.microsoft.com/office/drawing/2014/main" id="{E7903F8B-C8B4-42A2-979C-701523CAAF5E}"/>
+                </a:ext>
+              </a:extLst>
+            </p:cNvPr>
+            <p:cNvSpPr txBox="1"/>
+            <p:nvPr/>
+          </p:nvSpPr>
+          <p:spPr>
+            <a:xfrm>
+              <a:off x="1001308" y="4440534"/>
+              <a:ext cx="2126157" cy="579145"/>
             </a:xfrm>
             <a:prstGeom prst="rect">
               <a:avLst/>
             </a:prstGeom>
-            <a:noFill/>
+          </p:spPr>
+          <p:style>
+            <a:lnRef idx="0">
+              <a:scrgbClr r="0" g="0" b="0"/>
+            </a:lnRef>
+            <a:fillRef idx="0">
+              <a:scrgbClr r="0" g="0" b="0"/>
+            </a:fillRef>
+            <a:effectRef idx="0">
+              <a:scrgbClr r="0" g="0" b="0"/>
+            </a:effectRef>
+            <a:fontRef idx="minor">
+              <a:schemeClr val="lt1"/>
+            </a:fontRef>
+          </p:style>
+          <p:txBody>
+            <a:bodyPr spcFirstLastPara="0" vert="horz" wrap="square" lIns="102870" tIns="102870" rIns="102870" bIns="102870" numCol="1" spcCol="1270" anchor="ctr" anchorCtr="0">
+              <a:noAutofit/>
+            </a:bodyPr>
+            <a:lstStyle/>
+            <a:p>
+              <a:pPr marL="0" lvl="0" indent="0" algn="ctr" defTabSz="1200150">
+                <a:lnSpc>
+                  <a:spcPct val="90000"/>
+                </a:lnSpc>
+                <a:spcBef>
+                  <a:spcPct val="0"/>
+                </a:spcBef>
+                <a:spcAft>
+                  <a:spcPct val="35000"/>
+                </a:spcAft>
+                <a:buNone/>
+              </a:pPr>
+              <a:r>
+                <a:rPr lang="en-US" dirty="0"/>
+                <a:t>Dense Layers</a:t>
+              </a:r>
+              <a:endParaRPr lang="en-US" kern="1200" dirty="0"/>
+            </a:p>
+          </p:txBody>
+        </p:sp>
+      </p:grpSp>
+      <p:grpSp>
+        <p:nvGrpSpPr>
+          <p:cNvPr id="45" name="Group 44">
             <a:extLst>
-              <a:ext uri="{909E8E84-426E-40DD-AFC4-6F175D3DCCD1}">
-                <a14:hiddenFill xmlns:a14="http://schemas.microsoft.com/office/drawing/2010/main">
-                  <a:solidFill>
-                    <a:srgbClr val="FFFFFF"/>
-                  </a:solidFill>
-                </a14:hiddenFill>
+              <a:ext uri="{FF2B5EF4-FFF2-40B4-BE49-F238E27FC236}">
+                <a16:creationId xmlns:a16="http://schemas.microsoft.com/office/drawing/2014/main" id="{7A4DB3E6-C4CC-41A7-B7CA-41E3C96EA0B8}"/>
               </a:ext>
             </a:extLst>
+          </p:cNvPr>
+          <p:cNvGrpSpPr/>
+          <p:nvPr/>
+        </p:nvGrpSpPr>
+        <p:grpSpPr>
+          <a:xfrm>
+            <a:off x="7980648" y="3108098"/>
+            <a:ext cx="2505308" cy="641805"/>
+            <a:chOff x="990600" y="4409204"/>
+            <a:chExt cx="2147573" cy="641805"/>
+          </a:xfrm>
+        </p:grpSpPr>
+        <p:sp>
+          <p:nvSpPr>
+            <p:cNvPr id="46" name="Rectangle: Rounded Corners 45">
+              <a:extLst>
+                <a:ext uri="{FF2B5EF4-FFF2-40B4-BE49-F238E27FC236}">
+                  <a16:creationId xmlns:a16="http://schemas.microsoft.com/office/drawing/2014/main" id="{85195CE6-99F0-46CE-8EBC-D0505F5F237B}"/>
+                </a:ext>
+              </a:extLst>
+            </p:cNvPr>
+            <p:cNvSpPr/>
+            <p:nvPr/>
+          </p:nvSpPr>
+          <p:spPr>
+            <a:xfrm>
+              <a:off x="990600" y="4409204"/>
+              <a:ext cx="2147573" cy="641805"/>
+            </a:xfrm>
+            <a:prstGeom prst="roundRect">
+              <a:avLst/>
+            </a:prstGeom>
           </p:spPr>
-        </p:pic>
+          <p:style>
+            <a:lnRef idx="2">
+              <a:schemeClr val="lt1">
+                <a:hueOff val="0"/>
+                <a:satOff val="0"/>
+                <a:lumOff val="0"/>
+                <a:alphaOff val="0"/>
+              </a:schemeClr>
+            </a:lnRef>
+            <a:fillRef idx="1">
+              <a:schemeClr val="accent2">
+                <a:hueOff val="0"/>
+                <a:satOff val="0"/>
+                <a:lumOff val="0"/>
+                <a:alphaOff val="0"/>
+              </a:schemeClr>
+            </a:fillRef>
+            <a:effectRef idx="0">
+              <a:schemeClr val="accent2">
+                <a:hueOff val="0"/>
+                <a:satOff val="0"/>
+                <a:lumOff val="0"/>
+                <a:alphaOff val="0"/>
+              </a:schemeClr>
+            </a:effectRef>
+            <a:fontRef idx="minor">
+              <a:schemeClr val="lt1"/>
+            </a:fontRef>
+          </p:style>
+        </p:sp>
+        <p:sp>
+          <p:nvSpPr>
+            <p:cNvPr id="47" name="Rectangle: Rounded Corners 4">
+              <a:extLst>
+                <a:ext uri="{FF2B5EF4-FFF2-40B4-BE49-F238E27FC236}">
+                  <a16:creationId xmlns:a16="http://schemas.microsoft.com/office/drawing/2014/main" id="{5E50CBDF-5526-4A6C-9F24-9165461A594E}"/>
+                </a:ext>
+              </a:extLst>
+            </p:cNvPr>
+            <p:cNvSpPr txBox="1"/>
+            <p:nvPr/>
+          </p:nvSpPr>
+          <p:spPr>
+            <a:xfrm>
+              <a:off x="1001308" y="4440534"/>
+              <a:ext cx="2126157" cy="579145"/>
+            </a:xfrm>
+            <a:prstGeom prst="rect">
+              <a:avLst/>
+            </a:prstGeom>
+          </p:spPr>
+          <p:style>
+            <a:lnRef idx="0">
+              <a:scrgbClr r="0" g="0" b="0"/>
+            </a:lnRef>
+            <a:fillRef idx="0">
+              <a:scrgbClr r="0" g="0" b="0"/>
+            </a:fillRef>
+            <a:effectRef idx="0">
+              <a:scrgbClr r="0" g="0" b="0"/>
+            </a:effectRef>
+            <a:fontRef idx="minor">
+              <a:schemeClr val="lt1"/>
+            </a:fontRef>
+          </p:style>
+          <p:txBody>
+            <a:bodyPr spcFirstLastPara="0" vert="horz" wrap="square" lIns="102870" tIns="102870" rIns="102870" bIns="102870" numCol="1" spcCol="1270" anchor="ctr" anchorCtr="0">
+              <a:noAutofit/>
+            </a:bodyPr>
+            <a:lstStyle/>
+            <a:p>
+              <a:pPr marL="0" lvl="0" indent="0" algn="ctr" defTabSz="1200150">
+                <a:lnSpc>
+                  <a:spcPct val="90000"/>
+                </a:lnSpc>
+                <a:spcBef>
+                  <a:spcPct val="0"/>
+                </a:spcBef>
+                <a:spcAft>
+                  <a:spcPct val="35000"/>
+                </a:spcAft>
+                <a:buNone/>
+              </a:pPr>
+              <a:r>
+                <a:rPr lang="en-US" dirty="0"/>
+                <a:t>Sigmoid Layer</a:t>
+              </a:r>
+              <a:endParaRPr lang="en-US" kern="1200" dirty="0"/>
+            </a:p>
+          </p:txBody>
+        </p:sp>
       </p:grpSp>
+      <p:grpSp>
+        <p:nvGrpSpPr>
+          <p:cNvPr id="48" name="Group 47">
+            <a:extLst>
+              <a:ext uri="{FF2B5EF4-FFF2-40B4-BE49-F238E27FC236}">
+                <a16:creationId xmlns:a16="http://schemas.microsoft.com/office/drawing/2014/main" id="{0533E441-2747-4D26-AD2E-52D5283EE780}"/>
+              </a:ext>
+            </a:extLst>
+          </p:cNvPr>
+          <p:cNvGrpSpPr/>
+          <p:nvPr/>
+        </p:nvGrpSpPr>
+        <p:grpSpPr>
+          <a:xfrm>
+            <a:off x="7980648" y="4099119"/>
+            <a:ext cx="2505308" cy="641805"/>
+            <a:chOff x="990600" y="4409204"/>
+            <a:chExt cx="2147573" cy="641805"/>
+          </a:xfrm>
+        </p:grpSpPr>
+        <p:sp>
+          <p:nvSpPr>
+            <p:cNvPr id="49" name="Rectangle: Rounded Corners 48">
+              <a:extLst>
+                <a:ext uri="{FF2B5EF4-FFF2-40B4-BE49-F238E27FC236}">
+                  <a16:creationId xmlns:a16="http://schemas.microsoft.com/office/drawing/2014/main" id="{425C8226-A31E-4F24-9539-1D5B72B0653A}"/>
+                </a:ext>
+              </a:extLst>
+            </p:cNvPr>
+            <p:cNvSpPr/>
+            <p:nvPr/>
+          </p:nvSpPr>
+          <p:spPr>
+            <a:xfrm>
+              <a:off x="990600" y="4409204"/>
+              <a:ext cx="2147573" cy="641805"/>
+            </a:xfrm>
+            <a:prstGeom prst="roundRect">
+              <a:avLst/>
+            </a:prstGeom>
+          </p:spPr>
+          <p:style>
+            <a:lnRef idx="2">
+              <a:schemeClr val="lt1">
+                <a:hueOff val="0"/>
+                <a:satOff val="0"/>
+                <a:lumOff val="0"/>
+                <a:alphaOff val="0"/>
+              </a:schemeClr>
+            </a:lnRef>
+            <a:fillRef idx="1">
+              <a:schemeClr val="accent2">
+                <a:hueOff val="0"/>
+                <a:satOff val="0"/>
+                <a:lumOff val="0"/>
+                <a:alphaOff val="0"/>
+              </a:schemeClr>
+            </a:fillRef>
+            <a:effectRef idx="0">
+              <a:schemeClr val="accent2">
+                <a:hueOff val="0"/>
+                <a:satOff val="0"/>
+                <a:lumOff val="0"/>
+                <a:alphaOff val="0"/>
+              </a:schemeClr>
+            </a:effectRef>
+            <a:fontRef idx="minor">
+              <a:schemeClr val="lt1"/>
+            </a:fontRef>
+          </p:style>
+        </p:sp>
+        <p:sp>
+          <p:nvSpPr>
+            <p:cNvPr id="50" name="Rectangle: Rounded Corners 4">
+              <a:extLst>
+                <a:ext uri="{FF2B5EF4-FFF2-40B4-BE49-F238E27FC236}">
+                  <a16:creationId xmlns:a16="http://schemas.microsoft.com/office/drawing/2014/main" id="{AA78C898-972C-46BE-9292-6EEC82D91F78}"/>
+                </a:ext>
+              </a:extLst>
+            </p:cNvPr>
+            <p:cNvSpPr txBox="1"/>
+            <p:nvPr/>
+          </p:nvSpPr>
+          <p:spPr>
+            <a:xfrm>
+              <a:off x="1001308" y="4440534"/>
+              <a:ext cx="2126157" cy="579145"/>
+            </a:xfrm>
+            <a:prstGeom prst="rect">
+              <a:avLst/>
+            </a:prstGeom>
+          </p:spPr>
+          <p:style>
+            <a:lnRef idx="0">
+              <a:scrgbClr r="0" g="0" b="0"/>
+            </a:lnRef>
+            <a:fillRef idx="0">
+              <a:scrgbClr r="0" g="0" b="0"/>
+            </a:fillRef>
+            <a:effectRef idx="0">
+              <a:scrgbClr r="0" g="0" b="0"/>
+            </a:effectRef>
+            <a:fontRef idx="minor">
+              <a:schemeClr val="lt1"/>
+            </a:fontRef>
+          </p:style>
+          <p:txBody>
+            <a:bodyPr spcFirstLastPara="0" vert="horz" wrap="square" lIns="102870" tIns="102870" rIns="102870" bIns="102870" numCol="1" spcCol="1270" anchor="ctr" anchorCtr="0">
+              <a:noAutofit/>
+            </a:bodyPr>
+            <a:lstStyle/>
+            <a:p>
+              <a:pPr marL="0" lvl="0" indent="0" algn="ctr" defTabSz="1200150">
+                <a:lnSpc>
+                  <a:spcPct val="90000"/>
+                </a:lnSpc>
+                <a:spcBef>
+                  <a:spcPct val="0"/>
+                </a:spcBef>
+                <a:spcAft>
+                  <a:spcPct val="35000"/>
+                </a:spcAft>
+                <a:buNone/>
+              </a:pPr>
+              <a:r>
+                <a:rPr lang="en-US" dirty="0"/>
+                <a:t>Predicted conversion probability</a:t>
+              </a:r>
+              <a:endParaRPr lang="en-US" kern="1200" dirty="0"/>
+            </a:p>
+          </p:txBody>
+        </p:sp>
+      </p:grpSp>
+      <p:cxnSp>
+        <p:nvCxnSpPr>
+          <p:cNvPr id="61" name="Straight Arrow Connector 60">
+            <a:extLst>
+              <a:ext uri="{FF2B5EF4-FFF2-40B4-BE49-F238E27FC236}">
+                <a16:creationId xmlns:a16="http://schemas.microsoft.com/office/drawing/2014/main" id="{1FE6F7FE-FDD8-4E66-BF90-5842A15205BF}"/>
+              </a:ext>
+            </a:extLst>
+          </p:cNvPr>
+          <p:cNvCxnSpPr>
+            <a:cxnSpLocks/>
+          </p:cNvCxnSpPr>
+          <p:nvPr/>
+        </p:nvCxnSpPr>
+        <p:spPr>
+          <a:xfrm>
+            <a:off x="9233302" y="2742061"/>
+            <a:ext cx="0" cy="341389"/>
+          </a:xfrm>
+          <a:prstGeom prst="straightConnector1">
+            <a:avLst/>
+          </a:prstGeom>
+          <a:ln w="28575">
+            <a:solidFill>
+              <a:srgbClr val="21B87C"/>
+            </a:solidFill>
+            <a:tailEnd type="triangle"/>
+          </a:ln>
+        </p:spPr>
+        <p:style>
+          <a:lnRef idx="1">
+            <a:schemeClr val="accent1"/>
+          </a:lnRef>
+          <a:fillRef idx="0">
+            <a:schemeClr val="accent1"/>
+          </a:fillRef>
+          <a:effectRef idx="0">
+            <a:schemeClr val="accent1"/>
+          </a:effectRef>
+          <a:fontRef idx="minor">
+            <a:schemeClr val="tx1"/>
+          </a:fontRef>
+        </p:style>
+      </p:cxnSp>
+      <p:cxnSp>
+        <p:nvCxnSpPr>
+          <p:cNvPr id="70" name="Straight Arrow Connector 69">
+            <a:extLst>
+              <a:ext uri="{FF2B5EF4-FFF2-40B4-BE49-F238E27FC236}">
+                <a16:creationId xmlns:a16="http://schemas.microsoft.com/office/drawing/2014/main" id="{5F9A28F2-26B1-4D5A-AACE-04D02EC91636}"/>
+              </a:ext>
+            </a:extLst>
+          </p:cNvPr>
+          <p:cNvCxnSpPr>
+            <a:cxnSpLocks/>
+          </p:cNvCxnSpPr>
+          <p:nvPr/>
+        </p:nvCxnSpPr>
+        <p:spPr>
+          <a:xfrm>
+            <a:off x="9233302" y="3750855"/>
+            <a:ext cx="0" cy="341389"/>
+          </a:xfrm>
+          <a:prstGeom prst="straightConnector1">
+            <a:avLst/>
+          </a:prstGeom>
+          <a:ln w="28575">
+            <a:solidFill>
+              <a:srgbClr val="21B87C"/>
+            </a:solidFill>
+            <a:tailEnd type="triangle"/>
+          </a:ln>
+        </p:spPr>
+        <p:style>
+          <a:lnRef idx="1">
+            <a:schemeClr val="accent1"/>
+          </a:lnRef>
+          <a:fillRef idx="0">
+            <a:schemeClr val="accent1"/>
+          </a:fillRef>
+          <a:effectRef idx="0">
+            <a:schemeClr val="accent1"/>
+          </a:effectRef>
+          <a:fontRef idx="minor">
+            <a:schemeClr val="tx1"/>
+          </a:fontRef>
+        </p:style>
+      </p:cxnSp>
     </p:spTree>
     <p:extLst>
       <p:ext uri="{BB962C8B-B14F-4D97-AF65-F5344CB8AC3E}">
@@ -11224,83 +13308,6 @@
       </p:sp>
       <p:sp>
         <p:nvSpPr>
-          <p:cNvPr id="6" name="Content Placeholder 2">
-            <a:extLst>
-              <a:ext uri="{FF2B5EF4-FFF2-40B4-BE49-F238E27FC236}">
-                <a16:creationId xmlns:a16="http://schemas.microsoft.com/office/drawing/2014/main" id="{82A0FF90-6E95-42F9-A23A-8BEFC6E6A3C9}"/>
-              </a:ext>
-            </a:extLst>
-          </p:cNvPr>
-          <p:cNvSpPr>
-            <a:spLocks noGrp="1"/>
-          </p:cNvSpPr>
-          <p:nvPr>
-            <p:ph idx="1"/>
-          </p:nvPr>
-        </p:nvSpPr>
-        <p:spPr/>
-        <p:txBody>
-          <a:bodyPr/>
-          <a:lstStyle/>
-          <a:p>
-            <a:pPr>
-              <a:lnSpc>
-                <a:spcPct val="100000"/>
-              </a:lnSpc>
-            </a:pPr>
-            <a:r>
-              <a:rPr lang="en-AU" dirty="0"/>
-              <a:t>Show image of the architecture instead of text</a:t>
-            </a:r>
-          </a:p>
-          <a:p>
-            <a:pPr lvl="1">
-              <a:lnSpc>
-                <a:spcPct val="100000"/>
-              </a:lnSpc>
-            </a:pPr>
-            <a:r>
-              <a:rPr lang="en-AU" dirty="0"/>
-              <a:t>Break whole brain down to 27 patches (3x3x3)</a:t>
-            </a:r>
-          </a:p>
-          <a:p>
-            <a:pPr lvl="1">
-              <a:lnSpc>
-                <a:spcPct val="100000"/>
-              </a:lnSpc>
-            </a:pPr>
-            <a:r>
-              <a:rPr lang="en-AU" dirty="0"/>
-              <a:t>Feed each of the patches into a 3D CNN</a:t>
-            </a:r>
-          </a:p>
-          <a:p>
-            <a:pPr lvl="1">
-              <a:lnSpc>
-                <a:spcPct val="100000"/>
-              </a:lnSpc>
-            </a:pPr>
-            <a:r>
-              <a:rPr lang="en-AU" dirty="0"/>
-              <a:t>Save the output predictions from each patch</a:t>
-            </a:r>
-          </a:p>
-          <a:p>
-            <a:pPr lvl="1">
-              <a:lnSpc>
-                <a:spcPct val="100000"/>
-              </a:lnSpc>
-            </a:pPr>
-            <a:r>
-              <a:rPr lang="en-AU" dirty="0"/>
-              <a:t>Using outputs from each patch based model as features to feed in to a logistic regression model for us to make our final prediction.</a:t>
-            </a:r>
-          </a:p>
-        </p:txBody>
-      </p:sp>
-      <p:sp>
-        <p:nvSpPr>
           <p:cNvPr id="7" name="Slide Number Placeholder 6">
             <a:extLst>
               <a:ext uri="{FF2B5EF4-FFF2-40B4-BE49-F238E27FC236}">
@@ -11342,7 +13349,7 @@
         </p:nvGrpSpPr>
         <p:grpSpPr>
           <a:xfrm>
-            <a:off x="1069007" y="1825625"/>
+            <a:off x="1367666" y="1806564"/>
             <a:ext cx="769841" cy="773027"/>
             <a:chOff x="1722150" y="4411226"/>
             <a:chExt cx="769841" cy="773027"/>
@@ -11419,7 +13426,7 @@
             <p:nvPr/>
           </p:nvPicPr>
           <p:blipFill rotWithShape="1">
-            <a:blip r:embed="rId2">
+            <a:blip r:embed="rId3">
               <a:extLst>
                 <a:ext uri="{28A0092B-C50C-407E-A947-70E740481C1C}">
                   <a14:useLocalDpi xmlns:a14="http://schemas.microsoft.com/office/drawing/2010/main" val="0"/>
@@ -11464,7 +13471,7 @@
         </p:nvGrpSpPr>
         <p:grpSpPr>
           <a:xfrm>
-            <a:off x="1069006" y="2775957"/>
+            <a:off x="1367666" y="2647632"/>
             <a:ext cx="769841" cy="773027"/>
             <a:chOff x="1722150" y="4411226"/>
             <a:chExt cx="769841" cy="773027"/>
@@ -11541,7 +13548,7 @@
             <p:nvPr/>
           </p:nvPicPr>
           <p:blipFill>
-            <a:blip r:embed="rId3">
+            <a:blip r:embed="rId4">
               <a:extLst>
                 <a:ext uri="{28A0092B-C50C-407E-A947-70E740481C1C}">
                   <a14:useLocalDpi xmlns:a14="http://schemas.microsoft.com/office/drawing/2010/main" val="0"/>
@@ -11586,10 +13593,10 @@
         </p:nvGrpSpPr>
         <p:grpSpPr>
           <a:xfrm>
-            <a:off x="1069005" y="4614479"/>
-            <a:ext cx="769841" cy="773027"/>
+            <a:off x="1367666" y="4335922"/>
+            <a:ext cx="769841" cy="782552"/>
             <a:chOff x="1722150" y="4411226"/>
-            <a:chExt cx="769841" cy="773027"/>
+            <a:chExt cx="769841" cy="782552"/>
           </a:xfrm>
         </p:grpSpPr>
         <p:sp>
@@ -11663,7 +13670,7 @@
             <p:nvPr/>
           </p:nvPicPr>
           <p:blipFill>
-            <a:blip r:embed="rId4">
+            <a:blip r:embed="rId5">
               <a:extLst>
                 <a:ext uri="{28A0092B-C50C-407E-A947-70E740481C1C}">
                   <a14:useLocalDpi xmlns:a14="http://schemas.microsoft.com/office/drawing/2010/main" val="0"/>
@@ -11675,7 +13682,7 @@
           </p:blipFill>
           <p:spPr bwMode="auto">
             <a:xfrm>
-              <a:off x="1722150" y="4608253"/>
+              <a:off x="1731675" y="4617778"/>
               <a:ext cx="576000" cy="576000"/>
             </a:xfrm>
             <a:prstGeom prst="rect">
@@ -11694,6 +13701,4218 @@
           </p:spPr>
         </p:pic>
       </p:grpSp>
+      <p:grpSp>
+        <p:nvGrpSpPr>
+          <p:cNvPr id="23" name="Group 22">
+            <a:extLst>
+              <a:ext uri="{FF2B5EF4-FFF2-40B4-BE49-F238E27FC236}">
+                <a16:creationId xmlns:a16="http://schemas.microsoft.com/office/drawing/2014/main" id="{29A284D8-E1F1-46E0-9378-CEEA9D4F7104}"/>
+              </a:ext>
+            </a:extLst>
+          </p:cNvPr>
+          <p:cNvGrpSpPr/>
+          <p:nvPr/>
+        </p:nvGrpSpPr>
+        <p:grpSpPr>
+          <a:xfrm>
+            <a:off x="1063720" y="5229005"/>
+            <a:ext cx="1543911" cy="641805"/>
+            <a:chOff x="0" y="89075"/>
+            <a:chExt cx="10515600" cy="1074060"/>
+          </a:xfrm>
+        </p:grpSpPr>
+        <p:sp>
+          <p:nvSpPr>
+            <p:cNvPr id="24" name="Rectangle: Rounded Corners 23">
+              <a:extLst>
+                <a:ext uri="{FF2B5EF4-FFF2-40B4-BE49-F238E27FC236}">
+                  <a16:creationId xmlns:a16="http://schemas.microsoft.com/office/drawing/2014/main" id="{57FE2EEA-5D16-4858-A7F0-8F0925CA7983}"/>
+                </a:ext>
+              </a:extLst>
+            </p:cNvPr>
+            <p:cNvSpPr/>
+            <p:nvPr/>
+          </p:nvSpPr>
+          <p:spPr>
+            <a:xfrm>
+              <a:off x="0" y="89075"/>
+              <a:ext cx="10515600" cy="1074060"/>
+            </a:xfrm>
+            <a:prstGeom prst="roundRect">
+              <a:avLst/>
+            </a:prstGeom>
+            <a:solidFill>
+              <a:srgbClr val="2993E7"/>
+            </a:solidFill>
+          </p:spPr>
+          <p:style>
+            <a:lnRef idx="2">
+              <a:schemeClr val="lt1">
+                <a:hueOff val="0"/>
+                <a:satOff val="0"/>
+                <a:lumOff val="0"/>
+                <a:alphaOff val="0"/>
+              </a:schemeClr>
+            </a:lnRef>
+            <a:fillRef idx="1">
+              <a:schemeClr val="accent2">
+                <a:hueOff val="0"/>
+                <a:satOff val="0"/>
+                <a:lumOff val="0"/>
+                <a:alphaOff val="0"/>
+              </a:schemeClr>
+            </a:fillRef>
+            <a:effectRef idx="0">
+              <a:schemeClr val="accent2">
+                <a:hueOff val="0"/>
+                <a:satOff val="0"/>
+                <a:lumOff val="0"/>
+                <a:alphaOff val="0"/>
+              </a:schemeClr>
+            </a:effectRef>
+            <a:fontRef idx="minor">
+              <a:schemeClr val="lt1"/>
+            </a:fontRef>
+          </p:style>
+        </p:sp>
+        <p:sp>
+          <p:nvSpPr>
+            <p:cNvPr id="25" name="Rectangle: Rounded Corners 4">
+              <a:extLst>
+                <a:ext uri="{FF2B5EF4-FFF2-40B4-BE49-F238E27FC236}">
+                  <a16:creationId xmlns:a16="http://schemas.microsoft.com/office/drawing/2014/main" id="{5A6BE21B-11E6-4030-845A-6E7B42AB857F}"/>
+                </a:ext>
+              </a:extLst>
+            </p:cNvPr>
+            <p:cNvSpPr txBox="1"/>
+            <p:nvPr/>
+          </p:nvSpPr>
+          <p:spPr>
+            <a:xfrm>
+              <a:off x="52431" y="141506"/>
+              <a:ext cx="10410737" cy="969199"/>
+            </a:xfrm>
+            <a:prstGeom prst="rect">
+              <a:avLst/>
+            </a:prstGeom>
+          </p:spPr>
+          <p:style>
+            <a:lnRef idx="0">
+              <a:scrgbClr r="0" g="0" b="0"/>
+            </a:lnRef>
+            <a:fillRef idx="0">
+              <a:scrgbClr r="0" g="0" b="0"/>
+            </a:fillRef>
+            <a:effectRef idx="0">
+              <a:scrgbClr r="0" g="0" b="0"/>
+            </a:effectRef>
+            <a:fontRef idx="minor">
+              <a:schemeClr val="lt1"/>
+            </a:fontRef>
+          </p:style>
+          <p:txBody>
+            <a:bodyPr spcFirstLastPara="0" vert="horz" wrap="square" lIns="102870" tIns="102870" rIns="102870" bIns="102870" numCol="1" spcCol="1270" anchor="ctr" anchorCtr="0">
+              <a:noAutofit/>
+            </a:bodyPr>
+            <a:lstStyle/>
+            <a:p>
+              <a:pPr marL="0" lvl="0" indent="0" algn="ctr" defTabSz="1200150">
+                <a:lnSpc>
+                  <a:spcPct val="90000"/>
+                </a:lnSpc>
+                <a:spcBef>
+                  <a:spcPct val="0"/>
+                </a:spcBef>
+                <a:spcAft>
+                  <a:spcPct val="35000"/>
+                </a:spcAft>
+                <a:buNone/>
+              </a:pPr>
+              <a:r>
+                <a:rPr lang="en-US" dirty="0"/>
+                <a:t>64 x 64 x 64     MRI patches</a:t>
+              </a:r>
+              <a:endParaRPr lang="en-US" kern="1200" dirty="0"/>
+            </a:p>
+          </p:txBody>
+        </p:sp>
+      </p:grpSp>
+      <p:cxnSp>
+        <p:nvCxnSpPr>
+          <p:cNvPr id="28" name="Straight Arrow Connector 27">
+            <a:extLst>
+              <a:ext uri="{FF2B5EF4-FFF2-40B4-BE49-F238E27FC236}">
+                <a16:creationId xmlns:a16="http://schemas.microsoft.com/office/drawing/2014/main" id="{0650A1E1-E70C-4707-8521-594026EB8FE4}"/>
+              </a:ext>
+            </a:extLst>
+          </p:cNvPr>
+          <p:cNvCxnSpPr/>
+          <p:nvPr/>
+        </p:nvCxnSpPr>
+        <p:spPr>
+          <a:xfrm>
+            <a:off x="2244251" y="2106925"/>
+            <a:ext cx="907807" cy="0"/>
+          </a:xfrm>
+          <a:prstGeom prst="straightConnector1">
+            <a:avLst/>
+          </a:prstGeom>
+          <a:ln w="28575">
+            <a:solidFill>
+              <a:srgbClr val="2993E7"/>
+            </a:solidFill>
+            <a:tailEnd type="triangle"/>
+          </a:ln>
+        </p:spPr>
+        <p:style>
+          <a:lnRef idx="1">
+            <a:schemeClr val="accent1"/>
+          </a:lnRef>
+          <a:fillRef idx="0">
+            <a:schemeClr val="accent1"/>
+          </a:fillRef>
+          <a:effectRef idx="0">
+            <a:schemeClr val="accent1"/>
+          </a:effectRef>
+          <a:fontRef idx="minor">
+            <a:schemeClr val="tx1"/>
+          </a:fontRef>
+        </p:style>
+      </p:cxnSp>
+      <p:grpSp>
+        <p:nvGrpSpPr>
+          <p:cNvPr id="46" name="Group 45">
+            <a:extLst>
+              <a:ext uri="{FF2B5EF4-FFF2-40B4-BE49-F238E27FC236}">
+                <a16:creationId xmlns:a16="http://schemas.microsoft.com/office/drawing/2014/main" id="{892B8663-A3F5-4F6E-9831-F3EEFDF41945}"/>
+              </a:ext>
+            </a:extLst>
+          </p:cNvPr>
+          <p:cNvGrpSpPr/>
+          <p:nvPr/>
+        </p:nvGrpSpPr>
+        <p:grpSpPr>
+          <a:xfrm>
+            <a:off x="3119354" y="5229005"/>
+            <a:ext cx="2147573" cy="641805"/>
+            <a:chOff x="0" y="89074"/>
+            <a:chExt cx="10515600" cy="1074060"/>
+          </a:xfrm>
+        </p:grpSpPr>
+        <p:sp>
+          <p:nvSpPr>
+            <p:cNvPr id="47" name="Rectangle: Rounded Corners 46">
+              <a:extLst>
+                <a:ext uri="{FF2B5EF4-FFF2-40B4-BE49-F238E27FC236}">
+                  <a16:creationId xmlns:a16="http://schemas.microsoft.com/office/drawing/2014/main" id="{66075E70-80F0-4BCD-A31B-4A5CFA401158}"/>
+                </a:ext>
+              </a:extLst>
+            </p:cNvPr>
+            <p:cNvSpPr/>
+            <p:nvPr/>
+          </p:nvSpPr>
+          <p:spPr>
+            <a:xfrm>
+              <a:off x="0" y="89074"/>
+              <a:ext cx="10515600" cy="1074060"/>
+            </a:xfrm>
+            <a:prstGeom prst="roundRect">
+              <a:avLst/>
+            </a:prstGeom>
+            <a:solidFill>
+              <a:srgbClr val="2993E7"/>
+            </a:solidFill>
+          </p:spPr>
+          <p:style>
+            <a:lnRef idx="2">
+              <a:schemeClr val="lt1">
+                <a:hueOff val="0"/>
+                <a:satOff val="0"/>
+                <a:lumOff val="0"/>
+                <a:alphaOff val="0"/>
+              </a:schemeClr>
+            </a:lnRef>
+            <a:fillRef idx="1">
+              <a:schemeClr val="accent2">
+                <a:hueOff val="0"/>
+                <a:satOff val="0"/>
+                <a:lumOff val="0"/>
+                <a:alphaOff val="0"/>
+              </a:schemeClr>
+            </a:fillRef>
+            <a:effectRef idx="0">
+              <a:schemeClr val="accent2">
+                <a:hueOff val="0"/>
+                <a:satOff val="0"/>
+                <a:lumOff val="0"/>
+                <a:alphaOff val="0"/>
+              </a:schemeClr>
+            </a:effectRef>
+            <a:fontRef idx="minor">
+              <a:schemeClr val="lt1"/>
+            </a:fontRef>
+          </p:style>
+        </p:sp>
+        <p:sp>
+          <p:nvSpPr>
+            <p:cNvPr id="48" name="Rectangle: Rounded Corners 4">
+              <a:extLst>
+                <a:ext uri="{FF2B5EF4-FFF2-40B4-BE49-F238E27FC236}">
+                  <a16:creationId xmlns:a16="http://schemas.microsoft.com/office/drawing/2014/main" id="{152DA789-092C-4B18-9FF1-C987FA105941}"/>
+                </a:ext>
+              </a:extLst>
+            </p:cNvPr>
+            <p:cNvSpPr txBox="1"/>
+            <p:nvPr/>
+          </p:nvSpPr>
+          <p:spPr>
+            <a:xfrm>
+              <a:off x="52431" y="141505"/>
+              <a:ext cx="10463169" cy="969200"/>
+            </a:xfrm>
+            <a:prstGeom prst="rect">
+              <a:avLst/>
+            </a:prstGeom>
+          </p:spPr>
+          <p:style>
+            <a:lnRef idx="0">
+              <a:scrgbClr r="0" g="0" b="0"/>
+            </a:lnRef>
+            <a:fillRef idx="0">
+              <a:scrgbClr r="0" g="0" b="0"/>
+            </a:fillRef>
+            <a:effectRef idx="0">
+              <a:scrgbClr r="0" g="0" b="0"/>
+            </a:effectRef>
+            <a:fontRef idx="minor">
+              <a:schemeClr val="lt1"/>
+            </a:fontRef>
+          </p:style>
+          <p:txBody>
+            <a:bodyPr spcFirstLastPara="0" vert="horz" wrap="square" lIns="102870" tIns="102870" rIns="102870" bIns="102870" numCol="1" spcCol="1270" anchor="ctr" anchorCtr="0">
+              <a:noAutofit/>
+            </a:bodyPr>
+            <a:lstStyle/>
+            <a:p>
+              <a:pPr marL="0" lvl="0" indent="0" algn="ctr" defTabSz="1200150">
+                <a:lnSpc>
+                  <a:spcPct val="90000"/>
+                </a:lnSpc>
+                <a:spcBef>
+                  <a:spcPct val="0"/>
+                </a:spcBef>
+                <a:spcAft>
+                  <a:spcPct val="35000"/>
+                </a:spcAft>
+                <a:buNone/>
+              </a:pPr>
+              <a:r>
+                <a:rPr lang="en-US" kern="1200" dirty="0"/>
+                <a:t>3D CNN using ImageNet weights</a:t>
+              </a:r>
+            </a:p>
+          </p:txBody>
+        </p:sp>
+      </p:grpSp>
+      <p:grpSp>
+        <p:nvGrpSpPr>
+          <p:cNvPr id="55" name="Group 54">
+            <a:extLst>
+              <a:ext uri="{FF2B5EF4-FFF2-40B4-BE49-F238E27FC236}">
+                <a16:creationId xmlns:a16="http://schemas.microsoft.com/office/drawing/2014/main" id="{E1E24192-4D5F-41D9-B11C-CFBC5A4D2CCD}"/>
+              </a:ext>
+            </a:extLst>
+          </p:cNvPr>
+          <p:cNvGrpSpPr/>
+          <p:nvPr/>
+        </p:nvGrpSpPr>
+        <p:grpSpPr>
+          <a:xfrm>
+            <a:off x="6751259" y="2235215"/>
+            <a:ext cx="3859936" cy="641805"/>
+            <a:chOff x="990600" y="4409204"/>
+            <a:chExt cx="2147573" cy="641805"/>
+          </a:xfrm>
+        </p:grpSpPr>
+        <p:sp>
+          <p:nvSpPr>
+            <p:cNvPr id="56" name="Rectangle: Rounded Corners 55">
+              <a:extLst>
+                <a:ext uri="{FF2B5EF4-FFF2-40B4-BE49-F238E27FC236}">
+                  <a16:creationId xmlns:a16="http://schemas.microsoft.com/office/drawing/2014/main" id="{EC4ADF0A-561C-4220-82FA-AC2F939BC2E9}"/>
+                </a:ext>
+              </a:extLst>
+            </p:cNvPr>
+            <p:cNvSpPr/>
+            <p:nvPr/>
+          </p:nvSpPr>
+          <p:spPr>
+            <a:xfrm>
+              <a:off x="990600" y="4409204"/>
+              <a:ext cx="2147573" cy="641805"/>
+            </a:xfrm>
+            <a:prstGeom prst="roundRect">
+              <a:avLst/>
+            </a:prstGeom>
+            <a:solidFill>
+              <a:srgbClr val="2993E7"/>
+            </a:solidFill>
+          </p:spPr>
+          <p:style>
+            <a:lnRef idx="2">
+              <a:schemeClr val="lt1">
+                <a:hueOff val="0"/>
+                <a:satOff val="0"/>
+                <a:lumOff val="0"/>
+                <a:alphaOff val="0"/>
+              </a:schemeClr>
+            </a:lnRef>
+            <a:fillRef idx="1">
+              <a:schemeClr val="accent2">
+                <a:hueOff val="0"/>
+                <a:satOff val="0"/>
+                <a:lumOff val="0"/>
+                <a:alphaOff val="0"/>
+              </a:schemeClr>
+            </a:fillRef>
+            <a:effectRef idx="0">
+              <a:schemeClr val="accent2">
+                <a:hueOff val="0"/>
+                <a:satOff val="0"/>
+                <a:lumOff val="0"/>
+                <a:alphaOff val="0"/>
+              </a:schemeClr>
+            </a:effectRef>
+            <a:fontRef idx="minor">
+              <a:schemeClr val="lt1"/>
+            </a:fontRef>
+          </p:style>
+        </p:sp>
+        <p:sp>
+          <p:nvSpPr>
+            <p:cNvPr id="57" name="Rectangle: Rounded Corners 4">
+              <a:extLst>
+                <a:ext uri="{FF2B5EF4-FFF2-40B4-BE49-F238E27FC236}">
+                  <a16:creationId xmlns:a16="http://schemas.microsoft.com/office/drawing/2014/main" id="{34601482-990B-47AF-BECF-F90EA3ADE913}"/>
+                </a:ext>
+              </a:extLst>
+            </p:cNvPr>
+            <p:cNvSpPr txBox="1"/>
+            <p:nvPr/>
+          </p:nvSpPr>
+          <p:spPr>
+            <a:xfrm>
+              <a:off x="1001308" y="4440534"/>
+              <a:ext cx="2126157" cy="579145"/>
+            </a:xfrm>
+            <a:prstGeom prst="rect">
+              <a:avLst/>
+            </a:prstGeom>
+          </p:spPr>
+          <p:style>
+            <a:lnRef idx="0">
+              <a:scrgbClr r="0" g="0" b="0"/>
+            </a:lnRef>
+            <a:fillRef idx="0">
+              <a:scrgbClr r="0" g="0" b="0"/>
+            </a:fillRef>
+            <a:effectRef idx="0">
+              <a:scrgbClr r="0" g="0" b="0"/>
+            </a:effectRef>
+            <a:fontRef idx="minor">
+              <a:schemeClr val="lt1"/>
+            </a:fontRef>
+          </p:style>
+          <p:txBody>
+            <a:bodyPr spcFirstLastPara="0" vert="horz" wrap="square" lIns="102870" tIns="102870" rIns="102870" bIns="102870" numCol="1" spcCol="1270" anchor="ctr" anchorCtr="0">
+              <a:noAutofit/>
+            </a:bodyPr>
+            <a:lstStyle/>
+            <a:p>
+              <a:pPr marL="0" lvl="0" indent="0" algn="ctr" defTabSz="1200150">
+                <a:lnSpc>
+                  <a:spcPct val="90000"/>
+                </a:lnSpc>
+                <a:spcBef>
+                  <a:spcPct val="0"/>
+                </a:spcBef>
+                <a:spcAft>
+                  <a:spcPct val="35000"/>
+                </a:spcAft>
+                <a:buNone/>
+              </a:pPr>
+              <a:r>
+                <a:rPr lang="en-US" dirty="0"/>
+                <a:t>Predicted conversion probability for each patch</a:t>
+              </a:r>
+              <a:endParaRPr lang="en-US" kern="1200" dirty="0"/>
+            </a:p>
+          </p:txBody>
+        </p:sp>
+      </p:grpSp>
+      <p:sp>
+        <p:nvSpPr>
+          <p:cNvPr id="3" name="TextBox 2">
+            <a:extLst>
+              <a:ext uri="{FF2B5EF4-FFF2-40B4-BE49-F238E27FC236}">
+                <a16:creationId xmlns:a16="http://schemas.microsoft.com/office/drawing/2014/main" id="{7F5FADEE-8F2F-4E32-B395-7C4500BD1C5C}"/>
+              </a:ext>
+            </a:extLst>
+          </p:cNvPr>
+          <p:cNvSpPr txBox="1"/>
+          <p:nvPr/>
+        </p:nvSpPr>
+        <p:spPr>
+          <a:xfrm>
+            <a:off x="930975" y="2106925"/>
+            <a:ext cx="333746" cy="369332"/>
+          </a:xfrm>
+          <a:prstGeom prst="rect">
+            <a:avLst/>
+          </a:prstGeom>
+          <a:noFill/>
+        </p:spPr>
+        <p:txBody>
+          <a:bodyPr wrap="none" rtlCol="0">
+            <a:spAutoFit/>
+          </a:bodyPr>
+          <a:lstStyle/>
+          <a:p>
+            <a:pPr algn="ctr"/>
+            <a:r>
+              <a:rPr lang="en-AU" b="1" dirty="0"/>
+              <a:t>1</a:t>
+            </a:r>
+          </a:p>
+        </p:txBody>
+      </p:sp>
+      <p:sp>
+        <p:nvSpPr>
+          <p:cNvPr id="63" name="TextBox 62">
+            <a:extLst>
+              <a:ext uri="{FF2B5EF4-FFF2-40B4-BE49-F238E27FC236}">
+                <a16:creationId xmlns:a16="http://schemas.microsoft.com/office/drawing/2014/main" id="{72AB8677-C379-4A30-A136-6E43E855B909}"/>
+              </a:ext>
+            </a:extLst>
+          </p:cNvPr>
+          <p:cNvSpPr txBox="1"/>
+          <p:nvPr/>
+        </p:nvSpPr>
+        <p:spPr>
+          <a:xfrm>
+            <a:off x="930975" y="2947993"/>
+            <a:ext cx="333746" cy="369332"/>
+          </a:xfrm>
+          <a:prstGeom prst="rect">
+            <a:avLst/>
+          </a:prstGeom>
+          <a:noFill/>
+        </p:spPr>
+        <p:txBody>
+          <a:bodyPr wrap="none" rtlCol="0">
+            <a:spAutoFit/>
+          </a:bodyPr>
+          <a:lstStyle/>
+          <a:p>
+            <a:pPr algn="ctr"/>
+            <a:r>
+              <a:rPr lang="en-AU" b="1" dirty="0"/>
+              <a:t>2</a:t>
+            </a:r>
+          </a:p>
+        </p:txBody>
+      </p:sp>
+      <p:sp>
+        <p:nvSpPr>
+          <p:cNvPr id="64" name="TextBox 63">
+            <a:extLst>
+              <a:ext uri="{FF2B5EF4-FFF2-40B4-BE49-F238E27FC236}">
+                <a16:creationId xmlns:a16="http://schemas.microsoft.com/office/drawing/2014/main" id="{2D8E167C-841C-4F5C-94D6-18D60B45D54F}"/>
+              </a:ext>
+            </a:extLst>
+          </p:cNvPr>
+          <p:cNvSpPr txBox="1"/>
+          <p:nvPr/>
+        </p:nvSpPr>
+        <p:spPr>
+          <a:xfrm>
+            <a:off x="856436" y="4587164"/>
+            <a:ext cx="482824" cy="369332"/>
+          </a:xfrm>
+          <a:prstGeom prst="rect">
+            <a:avLst/>
+          </a:prstGeom>
+          <a:noFill/>
+        </p:spPr>
+        <p:txBody>
+          <a:bodyPr wrap="none" rtlCol="0">
+            <a:spAutoFit/>
+          </a:bodyPr>
+          <a:lstStyle/>
+          <a:p>
+            <a:pPr algn="ctr"/>
+            <a:r>
+              <a:rPr lang="en-AU" b="1" dirty="0"/>
+              <a:t>27</a:t>
+            </a:r>
+          </a:p>
+        </p:txBody>
+      </p:sp>
+      <p:sp>
+        <p:nvSpPr>
+          <p:cNvPr id="65" name="TextBox 64">
+            <a:extLst>
+              <a:ext uri="{FF2B5EF4-FFF2-40B4-BE49-F238E27FC236}">
+                <a16:creationId xmlns:a16="http://schemas.microsoft.com/office/drawing/2014/main" id="{5665AB75-7238-4D77-9907-604588D67E8F}"/>
+              </a:ext>
+            </a:extLst>
+          </p:cNvPr>
+          <p:cNvSpPr txBox="1"/>
+          <p:nvPr/>
+        </p:nvSpPr>
+        <p:spPr>
+          <a:xfrm rot="5400000">
+            <a:off x="1083203" y="3696174"/>
+            <a:ext cx="877164" cy="369332"/>
+          </a:xfrm>
+          <a:prstGeom prst="rect">
+            <a:avLst/>
+          </a:prstGeom>
+          <a:noFill/>
+        </p:spPr>
+        <p:txBody>
+          <a:bodyPr wrap="none" rtlCol="0">
+            <a:spAutoFit/>
+          </a:bodyPr>
+          <a:lstStyle/>
+          <a:p>
+            <a:pPr algn="ctr"/>
+            <a:r>
+              <a:rPr lang="en-AU" b="1" dirty="0"/>
+              <a:t>………</a:t>
+            </a:r>
+          </a:p>
+        </p:txBody>
+      </p:sp>
+      <p:cxnSp>
+        <p:nvCxnSpPr>
+          <p:cNvPr id="82" name="Straight Arrow Connector 81">
+            <a:extLst>
+              <a:ext uri="{FF2B5EF4-FFF2-40B4-BE49-F238E27FC236}">
+                <a16:creationId xmlns:a16="http://schemas.microsoft.com/office/drawing/2014/main" id="{EE461A84-DB84-47DF-8418-B06C1F231CDF}"/>
+              </a:ext>
+            </a:extLst>
+          </p:cNvPr>
+          <p:cNvCxnSpPr/>
+          <p:nvPr/>
+        </p:nvCxnSpPr>
+        <p:spPr>
+          <a:xfrm>
+            <a:off x="2244251" y="3003546"/>
+            <a:ext cx="907807" cy="0"/>
+          </a:xfrm>
+          <a:prstGeom prst="straightConnector1">
+            <a:avLst/>
+          </a:prstGeom>
+          <a:ln w="28575">
+            <a:solidFill>
+              <a:srgbClr val="2993E7"/>
+            </a:solidFill>
+            <a:tailEnd type="triangle"/>
+          </a:ln>
+        </p:spPr>
+        <p:style>
+          <a:lnRef idx="1">
+            <a:schemeClr val="accent1"/>
+          </a:lnRef>
+          <a:fillRef idx="0">
+            <a:schemeClr val="accent1"/>
+          </a:fillRef>
+          <a:effectRef idx="0">
+            <a:schemeClr val="accent1"/>
+          </a:effectRef>
+          <a:fontRef idx="minor">
+            <a:schemeClr val="tx1"/>
+          </a:fontRef>
+        </p:style>
+      </p:cxnSp>
+      <p:cxnSp>
+        <p:nvCxnSpPr>
+          <p:cNvPr id="98" name="Straight Arrow Connector 97">
+            <a:extLst>
+              <a:ext uri="{FF2B5EF4-FFF2-40B4-BE49-F238E27FC236}">
+                <a16:creationId xmlns:a16="http://schemas.microsoft.com/office/drawing/2014/main" id="{DBD8FEE6-8310-456E-8128-4C72EBC105F7}"/>
+              </a:ext>
+            </a:extLst>
+          </p:cNvPr>
+          <p:cNvCxnSpPr/>
+          <p:nvPr/>
+        </p:nvCxnSpPr>
+        <p:spPr>
+          <a:xfrm>
+            <a:off x="2244251" y="4705158"/>
+            <a:ext cx="907807" cy="0"/>
+          </a:xfrm>
+          <a:prstGeom prst="straightConnector1">
+            <a:avLst/>
+          </a:prstGeom>
+          <a:ln w="28575">
+            <a:solidFill>
+              <a:srgbClr val="2993E7"/>
+            </a:solidFill>
+            <a:tailEnd type="triangle"/>
+          </a:ln>
+        </p:spPr>
+        <p:style>
+          <a:lnRef idx="1">
+            <a:schemeClr val="accent1"/>
+          </a:lnRef>
+          <a:fillRef idx="0">
+            <a:schemeClr val="accent1"/>
+          </a:fillRef>
+          <a:effectRef idx="0">
+            <a:schemeClr val="accent1"/>
+          </a:effectRef>
+          <a:fontRef idx="minor">
+            <a:schemeClr val="tx1"/>
+          </a:fontRef>
+        </p:style>
+      </p:cxnSp>
+      <p:grpSp>
+        <p:nvGrpSpPr>
+          <p:cNvPr id="8" name="Group 7">
+            <a:extLst>
+              <a:ext uri="{FF2B5EF4-FFF2-40B4-BE49-F238E27FC236}">
+                <a16:creationId xmlns:a16="http://schemas.microsoft.com/office/drawing/2014/main" id="{D5A27319-05C9-4567-AD48-375E24CFBCEE}"/>
+              </a:ext>
+            </a:extLst>
+          </p:cNvPr>
+          <p:cNvGrpSpPr/>
+          <p:nvPr/>
+        </p:nvGrpSpPr>
+        <p:grpSpPr>
+          <a:xfrm>
+            <a:off x="3290713" y="1942375"/>
+            <a:ext cx="1804855" cy="349216"/>
+            <a:chOff x="2575221" y="1942375"/>
+            <a:chExt cx="1804855" cy="349216"/>
+          </a:xfrm>
+        </p:grpSpPr>
+        <p:grpSp>
+          <p:nvGrpSpPr>
+            <p:cNvPr id="5" name="Group 4">
+              <a:extLst>
+                <a:ext uri="{FF2B5EF4-FFF2-40B4-BE49-F238E27FC236}">
+                  <a16:creationId xmlns:a16="http://schemas.microsoft.com/office/drawing/2014/main" id="{8BAA8E54-D4E0-4ACB-BDDB-AC64E49C02AE}"/>
+                </a:ext>
+              </a:extLst>
+            </p:cNvPr>
+            <p:cNvGrpSpPr/>
+            <p:nvPr/>
+          </p:nvGrpSpPr>
+          <p:grpSpPr>
+            <a:xfrm>
+              <a:off x="2575221" y="1942375"/>
+              <a:ext cx="1281377" cy="349216"/>
+              <a:chOff x="5608279" y="3580478"/>
+              <a:chExt cx="1991352" cy="2006497"/>
+            </a:xfrm>
+          </p:grpSpPr>
+          <p:sp>
+            <p:nvSpPr>
+              <p:cNvPr id="45" name="Cube 44">
+                <a:extLst>
+                  <a:ext uri="{FF2B5EF4-FFF2-40B4-BE49-F238E27FC236}">
+                    <a16:creationId xmlns:a16="http://schemas.microsoft.com/office/drawing/2014/main" id="{04CD3CD1-B135-403F-8C0D-7D43FACFF551}"/>
+                  </a:ext>
+                </a:extLst>
+              </p:cNvPr>
+              <p:cNvSpPr/>
+              <p:nvPr/>
+            </p:nvSpPr>
+            <p:spPr>
+              <a:xfrm>
+                <a:off x="5608279" y="3583233"/>
+                <a:ext cx="142795" cy="1999622"/>
+              </a:xfrm>
+              <a:prstGeom prst="cube">
+                <a:avLst/>
+              </a:prstGeom>
+              <a:solidFill>
+                <a:schemeClr val="bg1">
+                  <a:lumMod val="75000"/>
+                </a:schemeClr>
+              </a:solidFill>
+              <a:ln>
+                <a:solidFill>
+                  <a:schemeClr val="tx1"/>
+                </a:solidFill>
+              </a:ln>
+            </p:spPr>
+            <p:style>
+              <a:lnRef idx="2">
+                <a:schemeClr val="accent1">
+                  <a:shade val="50000"/>
+                </a:schemeClr>
+              </a:lnRef>
+              <a:fillRef idx="1">
+                <a:schemeClr val="accent1"/>
+              </a:fillRef>
+              <a:effectRef idx="0">
+                <a:schemeClr val="accent1"/>
+              </a:effectRef>
+              <a:fontRef idx="minor">
+                <a:schemeClr val="lt1"/>
+              </a:fontRef>
+            </p:style>
+            <p:txBody>
+              <a:bodyPr rtlCol="0" anchor="ctr"/>
+              <a:lstStyle/>
+              <a:p>
+                <a:pPr algn="ctr"/>
+                <a:endParaRPr lang="en-AU"/>
+              </a:p>
+            </p:txBody>
+          </p:sp>
+          <p:sp>
+            <p:nvSpPr>
+              <p:cNvPr id="32" name="Cube 31">
+                <a:extLst>
+                  <a:ext uri="{FF2B5EF4-FFF2-40B4-BE49-F238E27FC236}">
+                    <a16:creationId xmlns:a16="http://schemas.microsoft.com/office/drawing/2014/main" id="{2D67259E-4A73-453F-AA6C-D447E5211E90}"/>
+                  </a:ext>
+                </a:extLst>
+              </p:cNvPr>
+              <p:cNvSpPr/>
+              <p:nvPr/>
+            </p:nvSpPr>
+            <p:spPr>
+              <a:xfrm>
+                <a:off x="5751074" y="3580478"/>
+                <a:ext cx="142795" cy="1999622"/>
+              </a:xfrm>
+              <a:prstGeom prst="cube">
+                <a:avLst/>
+              </a:prstGeom>
+              <a:solidFill>
+                <a:schemeClr val="bg1">
+                  <a:lumMod val="75000"/>
+                </a:schemeClr>
+              </a:solidFill>
+              <a:ln>
+                <a:solidFill>
+                  <a:schemeClr val="tx1"/>
+                </a:solidFill>
+              </a:ln>
+            </p:spPr>
+            <p:style>
+              <a:lnRef idx="2">
+                <a:schemeClr val="accent1">
+                  <a:shade val="50000"/>
+                </a:schemeClr>
+              </a:lnRef>
+              <a:fillRef idx="1">
+                <a:schemeClr val="accent1"/>
+              </a:fillRef>
+              <a:effectRef idx="0">
+                <a:schemeClr val="accent1"/>
+              </a:effectRef>
+              <a:fontRef idx="minor">
+                <a:schemeClr val="lt1"/>
+              </a:fontRef>
+            </p:style>
+            <p:txBody>
+              <a:bodyPr rtlCol="0" anchor="ctr"/>
+              <a:lstStyle/>
+              <a:p>
+                <a:pPr algn="ctr"/>
+                <a:endParaRPr lang="en-AU"/>
+              </a:p>
+            </p:txBody>
+          </p:sp>
+          <p:sp>
+            <p:nvSpPr>
+              <p:cNvPr id="33" name="Cube 32">
+                <a:extLst>
+                  <a:ext uri="{FF2B5EF4-FFF2-40B4-BE49-F238E27FC236}">
+                    <a16:creationId xmlns:a16="http://schemas.microsoft.com/office/drawing/2014/main" id="{BF2F550D-BA72-48CA-9557-B9FC7C59B709}"/>
+                  </a:ext>
+                </a:extLst>
+              </p:cNvPr>
+              <p:cNvSpPr/>
+              <p:nvPr/>
+            </p:nvSpPr>
+            <p:spPr>
+              <a:xfrm>
+                <a:off x="5893869" y="3580478"/>
+                <a:ext cx="142795" cy="1999622"/>
+              </a:xfrm>
+              <a:prstGeom prst="cube">
+                <a:avLst/>
+              </a:prstGeom>
+              <a:solidFill>
+                <a:schemeClr val="bg1">
+                  <a:lumMod val="75000"/>
+                </a:schemeClr>
+              </a:solidFill>
+              <a:ln>
+                <a:solidFill>
+                  <a:schemeClr val="tx1"/>
+                </a:solidFill>
+              </a:ln>
+            </p:spPr>
+            <p:style>
+              <a:lnRef idx="2">
+                <a:schemeClr val="accent1">
+                  <a:shade val="50000"/>
+                </a:schemeClr>
+              </a:lnRef>
+              <a:fillRef idx="1">
+                <a:schemeClr val="accent1"/>
+              </a:fillRef>
+              <a:effectRef idx="0">
+                <a:schemeClr val="accent1"/>
+              </a:effectRef>
+              <a:fontRef idx="minor">
+                <a:schemeClr val="lt1"/>
+              </a:fontRef>
+            </p:style>
+            <p:txBody>
+              <a:bodyPr rtlCol="0" anchor="ctr"/>
+              <a:lstStyle/>
+              <a:p>
+                <a:pPr algn="ctr"/>
+                <a:endParaRPr lang="en-AU"/>
+              </a:p>
+            </p:txBody>
+          </p:sp>
+          <p:sp>
+            <p:nvSpPr>
+              <p:cNvPr id="34" name="Cube 33">
+                <a:extLst>
+                  <a:ext uri="{FF2B5EF4-FFF2-40B4-BE49-F238E27FC236}">
+                    <a16:creationId xmlns:a16="http://schemas.microsoft.com/office/drawing/2014/main" id="{97C4F85F-D492-4DB0-BC13-9043E4F01A3F}"/>
+                  </a:ext>
+                </a:extLst>
+              </p:cNvPr>
+              <p:cNvSpPr/>
+              <p:nvPr/>
+            </p:nvSpPr>
+            <p:spPr>
+              <a:xfrm>
+                <a:off x="6036664" y="3580478"/>
+                <a:ext cx="142795" cy="1999622"/>
+              </a:xfrm>
+              <a:prstGeom prst="cube">
+                <a:avLst/>
+              </a:prstGeom>
+              <a:solidFill>
+                <a:schemeClr val="bg1">
+                  <a:lumMod val="75000"/>
+                </a:schemeClr>
+              </a:solidFill>
+              <a:ln>
+                <a:solidFill>
+                  <a:schemeClr val="tx1"/>
+                </a:solidFill>
+              </a:ln>
+            </p:spPr>
+            <p:style>
+              <a:lnRef idx="2">
+                <a:schemeClr val="accent1">
+                  <a:shade val="50000"/>
+                </a:schemeClr>
+              </a:lnRef>
+              <a:fillRef idx="1">
+                <a:schemeClr val="accent1"/>
+              </a:fillRef>
+              <a:effectRef idx="0">
+                <a:schemeClr val="accent1"/>
+              </a:effectRef>
+              <a:fontRef idx="minor">
+                <a:schemeClr val="lt1"/>
+              </a:fontRef>
+            </p:style>
+            <p:txBody>
+              <a:bodyPr rtlCol="0" anchor="ctr"/>
+              <a:lstStyle/>
+              <a:p>
+                <a:pPr algn="ctr"/>
+                <a:endParaRPr lang="en-AU"/>
+              </a:p>
+            </p:txBody>
+          </p:sp>
+          <p:sp>
+            <p:nvSpPr>
+              <p:cNvPr id="35" name="Cube 34">
+                <a:extLst>
+                  <a:ext uri="{FF2B5EF4-FFF2-40B4-BE49-F238E27FC236}">
+                    <a16:creationId xmlns:a16="http://schemas.microsoft.com/office/drawing/2014/main" id="{AE4A3AEB-1A78-4B53-8D21-B44A4AE2F9A7}"/>
+                  </a:ext>
+                </a:extLst>
+              </p:cNvPr>
+              <p:cNvSpPr/>
+              <p:nvPr/>
+            </p:nvSpPr>
+            <p:spPr>
+              <a:xfrm>
+                <a:off x="6179459" y="3580478"/>
+                <a:ext cx="142795" cy="1999622"/>
+              </a:xfrm>
+              <a:prstGeom prst="cube">
+                <a:avLst/>
+              </a:prstGeom>
+              <a:solidFill>
+                <a:schemeClr val="bg1">
+                  <a:lumMod val="75000"/>
+                </a:schemeClr>
+              </a:solidFill>
+              <a:ln>
+                <a:solidFill>
+                  <a:schemeClr val="tx1"/>
+                </a:solidFill>
+              </a:ln>
+            </p:spPr>
+            <p:style>
+              <a:lnRef idx="2">
+                <a:schemeClr val="accent1">
+                  <a:shade val="50000"/>
+                </a:schemeClr>
+              </a:lnRef>
+              <a:fillRef idx="1">
+                <a:schemeClr val="accent1"/>
+              </a:fillRef>
+              <a:effectRef idx="0">
+                <a:schemeClr val="accent1"/>
+              </a:effectRef>
+              <a:fontRef idx="minor">
+                <a:schemeClr val="lt1"/>
+              </a:fontRef>
+            </p:style>
+            <p:txBody>
+              <a:bodyPr rtlCol="0" anchor="ctr"/>
+              <a:lstStyle/>
+              <a:p>
+                <a:pPr algn="ctr"/>
+                <a:endParaRPr lang="en-AU"/>
+              </a:p>
+            </p:txBody>
+          </p:sp>
+          <p:sp>
+            <p:nvSpPr>
+              <p:cNvPr id="36" name="Cube 35">
+                <a:extLst>
+                  <a:ext uri="{FF2B5EF4-FFF2-40B4-BE49-F238E27FC236}">
+                    <a16:creationId xmlns:a16="http://schemas.microsoft.com/office/drawing/2014/main" id="{76C7962E-05B3-4C91-AE06-7A0CB1C18207}"/>
+                  </a:ext>
+                </a:extLst>
+              </p:cNvPr>
+              <p:cNvSpPr/>
+              <p:nvPr/>
+            </p:nvSpPr>
+            <p:spPr>
+              <a:xfrm>
+                <a:off x="6322254" y="3580478"/>
+                <a:ext cx="142795" cy="1999622"/>
+              </a:xfrm>
+              <a:prstGeom prst="cube">
+                <a:avLst/>
+              </a:prstGeom>
+              <a:solidFill>
+                <a:schemeClr val="bg1">
+                  <a:lumMod val="75000"/>
+                </a:schemeClr>
+              </a:solidFill>
+              <a:ln>
+                <a:solidFill>
+                  <a:schemeClr val="tx1"/>
+                </a:solidFill>
+              </a:ln>
+            </p:spPr>
+            <p:style>
+              <a:lnRef idx="2">
+                <a:schemeClr val="accent1">
+                  <a:shade val="50000"/>
+                </a:schemeClr>
+              </a:lnRef>
+              <a:fillRef idx="1">
+                <a:schemeClr val="accent1"/>
+              </a:fillRef>
+              <a:effectRef idx="0">
+                <a:schemeClr val="accent1"/>
+              </a:effectRef>
+              <a:fontRef idx="minor">
+                <a:schemeClr val="lt1"/>
+              </a:fontRef>
+            </p:style>
+            <p:txBody>
+              <a:bodyPr rtlCol="0" anchor="ctr"/>
+              <a:lstStyle/>
+              <a:p>
+                <a:pPr algn="ctr"/>
+                <a:endParaRPr lang="en-AU"/>
+              </a:p>
+            </p:txBody>
+          </p:sp>
+          <p:sp>
+            <p:nvSpPr>
+              <p:cNvPr id="37" name="Cube 36">
+                <a:extLst>
+                  <a:ext uri="{FF2B5EF4-FFF2-40B4-BE49-F238E27FC236}">
+                    <a16:creationId xmlns:a16="http://schemas.microsoft.com/office/drawing/2014/main" id="{2D73C65A-E249-4B3A-88C5-EC27B1BA1A89}"/>
+                  </a:ext>
+                </a:extLst>
+              </p:cNvPr>
+              <p:cNvSpPr/>
+              <p:nvPr/>
+            </p:nvSpPr>
+            <p:spPr>
+              <a:xfrm>
+                <a:off x="6465049" y="3580478"/>
+                <a:ext cx="142795" cy="1999622"/>
+              </a:xfrm>
+              <a:prstGeom prst="cube">
+                <a:avLst/>
+              </a:prstGeom>
+              <a:solidFill>
+                <a:schemeClr val="bg1">
+                  <a:lumMod val="75000"/>
+                </a:schemeClr>
+              </a:solidFill>
+              <a:ln>
+                <a:solidFill>
+                  <a:schemeClr val="tx1"/>
+                </a:solidFill>
+              </a:ln>
+            </p:spPr>
+            <p:style>
+              <a:lnRef idx="2">
+                <a:schemeClr val="accent1">
+                  <a:shade val="50000"/>
+                </a:schemeClr>
+              </a:lnRef>
+              <a:fillRef idx="1">
+                <a:schemeClr val="accent1"/>
+              </a:fillRef>
+              <a:effectRef idx="0">
+                <a:schemeClr val="accent1"/>
+              </a:effectRef>
+              <a:fontRef idx="minor">
+                <a:schemeClr val="lt1"/>
+              </a:fontRef>
+            </p:style>
+            <p:txBody>
+              <a:bodyPr rtlCol="0" anchor="ctr"/>
+              <a:lstStyle/>
+              <a:p>
+                <a:pPr algn="ctr"/>
+                <a:endParaRPr lang="en-AU"/>
+              </a:p>
+            </p:txBody>
+          </p:sp>
+          <p:sp>
+            <p:nvSpPr>
+              <p:cNvPr id="38" name="Cube 37">
+                <a:extLst>
+                  <a:ext uri="{FF2B5EF4-FFF2-40B4-BE49-F238E27FC236}">
+                    <a16:creationId xmlns:a16="http://schemas.microsoft.com/office/drawing/2014/main" id="{D29F5F46-9868-4B8A-997F-88CA055477C1}"/>
+                  </a:ext>
+                </a:extLst>
+              </p:cNvPr>
+              <p:cNvSpPr/>
+              <p:nvPr/>
+            </p:nvSpPr>
+            <p:spPr>
+              <a:xfrm>
+                <a:off x="6599506" y="3587353"/>
+                <a:ext cx="142795" cy="1999622"/>
+              </a:xfrm>
+              <a:prstGeom prst="cube">
+                <a:avLst/>
+              </a:prstGeom>
+              <a:solidFill>
+                <a:schemeClr val="bg1">
+                  <a:lumMod val="75000"/>
+                </a:schemeClr>
+              </a:solidFill>
+              <a:ln>
+                <a:solidFill>
+                  <a:schemeClr val="tx1"/>
+                </a:solidFill>
+              </a:ln>
+            </p:spPr>
+            <p:style>
+              <a:lnRef idx="2">
+                <a:schemeClr val="accent1">
+                  <a:shade val="50000"/>
+                </a:schemeClr>
+              </a:lnRef>
+              <a:fillRef idx="1">
+                <a:schemeClr val="accent1"/>
+              </a:fillRef>
+              <a:effectRef idx="0">
+                <a:schemeClr val="accent1"/>
+              </a:effectRef>
+              <a:fontRef idx="minor">
+                <a:schemeClr val="lt1"/>
+              </a:fontRef>
+            </p:style>
+            <p:txBody>
+              <a:bodyPr rtlCol="0" anchor="ctr"/>
+              <a:lstStyle/>
+              <a:p>
+                <a:pPr algn="ctr"/>
+                <a:endParaRPr lang="en-AU"/>
+              </a:p>
+            </p:txBody>
+          </p:sp>
+          <p:sp>
+            <p:nvSpPr>
+              <p:cNvPr id="39" name="Cube 38">
+                <a:extLst>
+                  <a:ext uri="{FF2B5EF4-FFF2-40B4-BE49-F238E27FC236}">
+                    <a16:creationId xmlns:a16="http://schemas.microsoft.com/office/drawing/2014/main" id="{880FD498-9236-462C-9DA9-BCD8C75728B5}"/>
+                  </a:ext>
+                </a:extLst>
+              </p:cNvPr>
+              <p:cNvSpPr/>
+              <p:nvPr/>
+            </p:nvSpPr>
+            <p:spPr>
+              <a:xfrm>
+                <a:off x="6742301" y="3587353"/>
+                <a:ext cx="142795" cy="1999622"/>
+              </a:xfrm>
+              <a:prstGeom prst="cube">
+                <a:avLst/>
+              </a:prstGeom>
+              <a:solidFill>
+                <a:schemeClr val="bg1">
+                  <a:lumMod val="75000"/>
+                </a:schemeClr>
+              </a:solidFill>
+              <a:ln>
+                <a:solidFill>
+                  <a:schemeClr val="tx1"/>
+                </a:solidFill>
+              </a:ln>
+            </p:spPr>
+            <p:style>
+              <a:lnRef idx="2">
+                <a:schemeClr val="accent1">
+                  <a:shade val="50000"/>
+                </a:schemeClr>
+              </a:lnRef>
+              <a:fillRef idx="1">
+                <a:schemeClr val="accent1"/>
+              </a:fillRef>
+              <a:effectRef idx="0">
+                <a:schemeClr val="accent1"/>
+              </a:effectRef>
+              <a:fontRef idx="minor">
+                <a:schemeClr val="lt1"/>
+              </a:fontRef>
+            </p:style>
+            <p:txBody>
+              <a:bodyPr rtlCol="0" anchor="ctr"/>
+              <a:lstStyle/>
+              <a:p>
+                <a:pPr algn="ctr"/>
+                <a:endParaRPr lang="en-AU"/>
+              </a:p>
+            </p:txBody>
+          </p:sp>
+          <p:sp>
+            <p:nvSpPr>
+              <p:cNvPr id="40" name="Cube 39">
+                <a:extLst>
+                  <a:ext uri="{FF2B5EF4-FFF2-40B4-BE49-F238E27FC236}">
+                    <a16:creationId xmlns:a16="http://schemas.microsoft.com/office/drawing/2014/main" id="{EE6EA2E9-39E4-428D-8021-2EC2A5D42875}"/>
+                  </a:ext>
+                </a:extLst>
+              </p:cNvPr>
+              <p:cNvSpPr/>
+              <p:nvPr/>
+            </p:nvSpPr>
+            <p:spPr>
+              <a:xfrm>
+                <a:off x="6885096" y="3587353"/>
+                <a:ext cx="142795" cy="1999622"/>
+              </a:xfrm>
+              <a:prstGeom prst="cube">
+                <a:avLst/>
+              </a:prstGeom>
+              <a:solidFill>
+                <a:schemeClr val="bg1">
+                  <a:lumMod val="75000"/>
+                </a:schemeClr>
+              </a:solidFill>
+              <a:ln>
+                <a:solidFill>
+                  <a:schemeClr val="tx1"/>
+                </a:solidFill>
+              </a:ln>
+            </p:spPr>
+            <p:style>
+              <a:lnRef idx="2">
+                <a:schemeClr val="accent1">
+                  <a:shade val="50000"/>
+                </a:schemeClr>
+              </a:lnRef>
+              <a:fillRef idx="1">
+                <a:schemeClr val="accent1"/>
+              </a:fillRef>
+              <a:effectRef idx="0">
+                <a:schemeClr val="accent1"/>
+              </a:effectRef>
+              <a:fontRef idx="minor">
+                <a:schemeClr val="lt1"/>
+              </a:fontRef>
+            </p:style>
+            <p:txBody>
+              <a:bodyPr rtlCol="0" anchor="ctr"/>
+              <a:lstStyle/>
+              <a:p>
+                <a:pPr algn="ctr"/>
+                <a:endParaRPr lang="en-AU"/>
+              </a:p>
+            </p:txBody>
+          </p:sp>
+          <p:sp>
+            <p:nvSpPr>
+              <p:cNvPr id="41" name="Cube 40">
+                <a:extLst>
+                  <a:ext uri="{FF2B5EF4-FFF2-40B4-BE49-F238E27FC236}">
+                    <a16:creationId xmlns:a16="http://schemas.microsoft.com/office/drawing/2014/main" id="{7322FA2B-4095-4801-A070-ED92264DEC21}"/>
+                  </a:ext>
+                </a:extLst>
+              </p:cNvPr>
+              <p:cNvSpPr/>
+              <p:nvPr/>
+            </p:nvSpPr>
+            <p:spPr>
+              <a:xfrm>
+                <a:off x="7027891" y="3587353"/>
+                <a:ext cx="142795" cy="1999622"/>
+              </a:xfrm>
+              <a:prstGeom prst="cube">
+                <a:avLst/>
+              </a:prstGeom>
+              <a:solidFill>
+                <a:schemeClr val="bg1">
+                  <a:lumMod val="75000"/>
+                </a:schemeClr>
+              </a:solidFill>
+              <a:ln>
+                <a:solidFill>
+                  <a:schemeClr val="tx1"/>
+                </a:solidFill>
+              </a:ln>
+            </p:spPr>
+            <p:style>
+              <a:lnRef idx="2">
+                <a:schemeClr val="accent1">
+                  <a:shade val="50000"/>
+                </a:schemeClr>
+              </a:lnRef>
+              <a:fillRef idx="1">
+                <a:schemeClr val="accent1"/>
+              </a:fillRef>
+              <a:effectRef idx="0">
+                <a:schemeClr val="accent1"/>
+              </a:effectRef>
+              <a:fontRef idx="minor">
+                <a:schemeClr val="lt1"/>
+              </a:fontRef>
+            </p:style>
+            <p:txBody>
+              <a:bodyPr rtlCol="0" anchor="ctr"/>
+              <a:lstStyle/>
+              <a:p>
+                <a:pPr algn="ctr"/>
+                <a:endParaRPr lang="en-AU"/>
+              </a:p>
+            </p:txBody>
+          </p:sp>
+          <p:sp>
+            <p:nvSpPr>
+              <p:cNvPr id="42" name="Cube 41">
+                <a:extLst>
+                  <a:ext uri="{FF2B5EF4-FFF2-40B4-BE49-F238E27FC236}">
+                    <a16:creationId xmlns:a16="http://schemas.microsoft.com/office/drawing/2014/main" id="{3313C854-6F37-45DA-BB94-CD6272EABCB0}"/>
+                  </a:ext>
+                </a:extLst>
+              </p:cNvPr>
+              <p:cNvSpPr/>
+              <p:nvPr/>
+            </p:nvSpPr>
+            <p:spPr>
+              <a:xfrm>
+                <a:off x="7170686" y="3587353"/>
+                <a:ext cx="142795" cy="1999622"/>
+              </a:xfrm>
+              <a:prstGeom prst="cube">
+                <a:avLst/>
+              </a:prstGeom>
+              <a:solidFill>
+                <a:schemeClr val="bg1">
+                  <a:lumMod val="75000"/>
+                </a:schemeClr>
+              </a:solidFill>
+              <a:ln>
+                <a:solidFill>
+                  <a:schemeClr val="tx1"/>
+                </a:solidFill>
+              </a:ln>
+            </p:spPr>
+            <p:style>
+              <a:lnRef idx="2">
+                <a:schemeClr val="accent1">
+                  <a:shade val="50000"/>
+                </a:schemeClr>
+              </a:lnRef>
+              <a:fillRef idx="1">
+                <a:schemeClr val="accent1"/>
+              </a:fillRef>
+              <a:effectRef idx="0">
+                <a:schemeClr val="accent1"/>
+              </a:effectRef>
+              <a:fontRef idx="minor">
+                <a:schemeClr val="lt1"/>
+              </a:fontRef>
+            </p:style>
+            <p:txBody>
+              <a:bodyPr rtlCol="0" anchor="ctr"/>
+              <a:lstStyle/>
+              <a:p>
+                <a:pPr algn="ctr"/>
+                <a:endParaRPr lang="en-AU"/>
+              </a:p>
+            </p:txBody>
+          </p:sp>
+          <p:sp>
+            <p:nvSpPr>
+              <p:cNvPr id="43" name="Cube 42">
+                <a:extLst>
+                  <a:ext uri="{FF2B5EF4-FFF2-40B4-BE49-F238E27FC236}">
+                    <a16:creationId xmlns:a16="http://schemas.microsoft.com/office/drawing/2014/main" id="{EFFC611A-7EBB-44C9-90CA-DA7F885D2839}"/>
+                  </a:ext>
+                </a:extLst>
+              </p:cNvPr>
+              <p:cNvSpPr/>
+              <p:nvPr/>
+            </p:nvSpPr>
+            <p:spPr>
+              <a:xfrm>
+                <a:off x="7313481" y="3587353"/>
+                <a:ext cx="142795" cy="1999622"/>
+              </a:xfrm>
+              <a:prstGeom prst="cube">
+                <a:avLst/>
+              </a:prstGeom>
+              <a:solidFill>
+                <a:schemeClr val="bg1">
+                  <a:lumMod val="75000"/>
+                </a:schemeClr>
+              </a:solidFill>
+              <a:ln>
+                <a:solidFill>
+                  <a:schemeClr val="tx1"/>
+                </a:solidFill>
+              </a:ln>
+            </p:spPr>
+            <p:style>
+              <a:lnRef idx="2">
+                <a:schemeClr val="accent1">
+                  <a:shade val="50000"/>
+                </a:schemeClr>
+              </a:lnRef>
+              <a:fillRef idx="1">
+                <a:schemeClr val="accent1"/>
+              </a:fillRef>
+              <a:effectRef idx="0">
+                <a:schemeClr val="accent1"/>
+              </a:effectRef>
+              <a:fontRef idx="minor">
+                <a:schemeClr val="lt1"/>
+              </a:fontRef>
+            </p:style>
+            <p:txBody>
+              <a:bodyPr rtlCol="0" anchor="ctr"/>
+              <a:lstStyle/>
+              <a:p>
+                <a:pPr algn="ctr"/>
+                <a:endParaRPr lang="en-AU"/>
+              </a:p>
+            </p:txBody>
+          </p:sp>
+          <p:sp>
+            <p:nvSpPr>
+              <p:cNvPr id="44" name="Cube 43">
+                <a:extLst>
+                  <a:ext uri="{FF2B5EF4-FFF2-40B4-BE49-F238E27FC236}">
+                    <a16:creationId xmlns:a16="http://schemas.microsoft.com/office/drawing/2014/main" id="{15167127-98BB-4BE0-996B-B56933F8CE5C}"/>
+                  </a:ext>
+                </a:extLst>
+              </p:cNvPr>
+              <p:cNvSpPr/>
+              <p:nvPr/>
+            </p:nvSpPr>
+            <p:spPr>
+              <a:xfrm>
+                <a:off x="7456836" y="3587353"/>
+                <a:ext cx="142795" cy="1999622"/>
+              </a:xfrm>
+              <a:prstGeom prst="cube">
+                <a:avLst/>
+              </a:prstGeom>
+              <a:solidFill>
+                <a:schemeClr val="bg1">
+                  <a:lumMod val="75000"/>
+                </a:schemeClr>
+              </a:solidFill>
+              <a:ln>
+                <a:solidFill>
+                  <a:schemeClr val="tx1"/>
+                </a:solidFill>
+              </a:ln>
+            </p:spPr>
+            <p:style>
+              <a:lnRef idx="2">
+                <a:schemeClr val="accent1">
+                  <a:shade val="50000"/>
+                </a:schemeClr>
+              </a:lnRef>
+              <a:fillRef idx="1">
+                <a:schemeClr val="accent1"/>
+              </a:fillRef>
+              <a:effectRef idx="0">
+                <a:schemeClr val="accent1"/>
+              </a:effectRef>
+              <a:fontRef idx="minor">
+                <a:schemeClr val="lt1"/>
+              </a:fontRef>
+            </p:style>
+            <p:txBody>
+              <a:bodyPr rtlCol="0" anchor="ctr"/>
+              <a:lstStyle/>
+              <a:p>
+                <a:pPr algn="ctr"/>
+                <a:endParaRPr lang="en-AU"/>
+              </a:p>
+            </p:txBody>
+          </p:sp>
+        </p:grpSp>
+        <p:sp>
+          <p:nvSpPr>
+            <p:cNvPr id="114" name="Cube 113">
+              <a:extLst>
+                <a:ext uri="{FF2B5EF4-FFF2-40B4-BE49-F238E27FC236}">
+                  <a16:creationId xmlns:a16="http://schemas.microsoft.com/office/drawing/2014/main" id="{C8D76527-B7FE-4EC6-A80E-84657F592E1F}"/>
+                </a:ext>
+              </a:extLst>
+            </p:cNvPr>
+            <p:cNvSpPr/>
+            <p:nvPr/>
+          </p:nvSpPr>
+          <p:spPr>
+            <a:xfrm>
+              <a:off x="4020407" y="1942375"/>
+              <a:ext cx="91884" cy="348019"/>
+            </a:xfrm>
+            <a:prstGeom prst="cube">
+              <a:avLst/>
+            </a:prstGeom>
+            <a:solidFill>
+              <a:schemeClr val="bg1">
+                <a:lumMod val="75000"/>
+              </a:schemeClr>
+            </a:solidFill>
+            <a:ln>
+              <a:solidFill>
+                <a:schemeClr val="tx1"/>
+              </a:solidFill>
+            </a:ln>
+          </p:spPr>
+          <p:style>
+            <a:lnRef idx="2">
+              <a:schemeClr val="accent1">
+                <a:shade val="50000"/>
+              </a:schemeClr>
+            </a:lnRef>
+            <a:fillRef idx="1">
+              <a:schemeClr val="accent1"/>
+            </a:fillRef>
+            <a:effectRef idx="0">
+              <a:schemeClr val="accent1"/>
+            </a:effectRef>
+            <a:fontRef idx="minor">
+              <a:schemeClr val="lt1"/>
+            </a:fontRef>
+          </p:style>
+          <p:txBody>
+            <a:bodyPr rtlCol="0" anchor="ctr"/>
+            <a:lstStyle/>
+            <a:p>
+              <a:pPr algn="ctr"/>
+              <a:endParaRPr lang="en-AU"/>
+            </a:p>
+          </p:txBody>
+        </p:sp>
+        <p:sp>
+          <p:nvSpPr>
+            <p:cNvPr id="115" name="Cube 114">
+              <a:extLst>
+                <a:ext uri="{FF2B5EF4-FFF2-40B4-BE49-F238E27FC236}">
+                  <a16:creationId xmlns:a16="http://schemas.microsoft.com/office/drawing/2014/main" id="{27D5E401-BAD9-40E2-88D1-F685AFB5600B}"/>
+                </a:ext>
+              </a:extLst>
+            </p:cNvPr>
+            <p:cNvSpPr/>
+            <p:nvPr/>
+          </p:nvSpPr>
+          <p:spPr>
+            <a:xfrm>
+              <a:off x="4288192" y="1942375"/>
+              <a:ext cx="91884" cy="348019"/>
+            </a:xfrm>
+            <a:prstGeom prst="cube">
+              <a:avLst/>
+            </a:prstGeom>
+            <a:solidFill>
+              <a:schemeClr val="bg1">
+                <a:lumMod val="75000"/>
+              </a:schemeClr>
+            </a:solidFill>
+            <a:ln>
+              <a:solidFill>
+                <a:schemeClr val="tx1"/>
+              </a:solidFill>
+            </a:ln>
+          </p:spPr>
+          <p:style>
+            <a:lnRef idx="2">
+              <a:schemeClr val="accent1">
+                <a:shade val="50000"/>
+              </a:schemeClr>
+            </a:lnRef>
+            <a:fillRef idx="1">
+              <a:schemeClr val="accent1"/>
+            </a:fillRef>
+            <a:effectRef idx="0">
+              <a:schemeClr val="accent1"/>
+            </a:effectRef>
+            <a:fontRef idx="minor">
+              <a:schemeClr val="lt1"/>
+            </a:fontRef>
+          </p:style>
+          <p:txBody>
+            <a:bodyPr rtlCol="0" anchor="ctr"/>
+            <a:lstStyle/>
+            <a:p>
+              <a:pPr algn="ctr"/>
+              <a:endParaRPr lang="en-AU"/>
+            </a:p>
+          </p:txBody>
+        </p:sp>
+        <p:cxnSp>
+          <p:nvCxnSpPr>
+            <p:cNvPr id="116" name="Straight Arrow Connector 115">
+              <a:extLst>
+                <a:ext uri="{FF2B5EF4-FFF2-40B4-BE49-F238E27FC236}">
+                  <a16:creationId xmlns:a16="http://schemas.microsoft.com/office/drawing/2014/main" id="{7ECC69C9-EC49-4FD7-8A5C-B89C712D6C00}"/>
+                </a:ext>
+              </a:extLst>
+            </p:cNvPr>
+            <p:cNvCxnSpPr>
+              <a:cxnSpLocks/>
+            </p:cNvCxnSpPr>
+            <p:nvPr/>
+          </p:nvCxnSpPr>
+          <p:spPr>
+            <a:xfrm>
+              <a:off x="3872867" y="2114144"/>
+              <a:ext cx="147540" cy="4481"/>
+            </a:xfrm>
+            <a:prstGeom prst="straightConnector1">
+              <a:avLst/>
+            </a:prstGeom>
+            <a:ln w="28575">
+              <a:solidFill>
+                <a:srgbClr val="2993E7"/>
+              </a:solidFill>
+              <a:tailEnd type="triangle"/>
+            </a:ln>
+          </p:spPr>
+          <p:style>
+            <a:lnRef idx="1">
+              <a:schemeClr val="accent1"/>
+            </a:lnRef>
+            <a:fillRef idx="0">
+              <a:schemeClr val="accent1"/>
+            </a:fillRef>
+            <a:effectRef idx="0">
+              <a:schemeClr val="accent1"/>
+            </a:effectRef>
+            <a:fontRef idx="minor">
+              <a:schemeClr val="tx1"/>
+            </a:fontRef>
+          </p:style>
+        </p:cxnSp>
+        <p:cxnSp>
+          <p:nvCxnSpPr>
+            <p:cNvPr id="117" name="Straight Arrow Connector 116">
+              <a:extLst>
+                <a:ext uri="{FF2B5EF4-FFF2-40B4-BE49-F238E27FC236}">
+                  <a16:creationId xmlns:a16="http://schemas.microsoft.com/office/drawing/2014/main" id="{B5D902CB-3B7C-4FBE-8FE9-F91E1713C2CC}"/>
+                </a:ext>
+              </a:extLst>
+            </p:cNvPr>
+            <p:cNvCxnSpPr>
+              <a:cxnSpLocks/>
+            </p:cNvCxnSpPr>
+            <p:nvPr/>
+          </p:nvCxnSpPr>
+          <p:spPr>
+            <a:xfrm>
+              <a:off x="4128495" y="2114144"/>
+              <a:ext cx="147540" cy="4481"/>
+            </a:xfrm>
+            <a:prstGeom prst="straightConnector1">
+              <a:avLst/>
+            </a:prstGeom>
+            <a:ln w="28575">
+              <a:solidFill>
+                <a:srgbClr val="2993E7"/>
+              </a:solidFill>
+              <a:tailEnd type="triangle"/>
+            </a:ln>
+          </p:spPr>
+          <p:style>
+            <a:lnRef idx="1">
+              <a:schemeClr val="accent1"/>
+            </a:lnRef>
+            <a:fillRef idx="0">
+              <a:schemeClr val="accent1"/>
+            </a:fillRef>
+            <a:effectRef idx="0">
+              <a:schemeClr val="accent1"/>
+            </a:effectRef>
+            <a:fontRef idx="minor">
+              <a:schemeClr val="tx1"/>
+            </a:fontRef>
+          </p:style>
+        </p:cxnSp>
+      </p:grpSp>
+      <p:grpSp>
+        <p:nvGrpSpPr>
+          <p:cNvPr id="9" name="Group 8">
+            <a:extLst>
+              <a:ext uri="{FF2B5EF4-FFF2-40B4-BE49-F238E27FC236}">
+                <a16:creationId xmlns:a16="http://schemas.microsoft.com/office/drawing/2014/main" id="{28DC3985-EBF6-4F2D-8863-66FE2DB1FA3C}"/>
+              </a:ext>
+            </a:extLst>
+          </p:cNvPr>
+          <p:cNvGrpSpPr/>
+          <p:nvPr/>
+        </p:nvGrpSpPr>
+        <p:grpSpPr>
+          <a:xfrm>
+            <a:off x="3290713" y="2838996"/>
+            <a:ext cx="1804855" cy="349216"/>
+            <a:chOff x="2575221" y="2838996"/>
+            <a:chExt cx="1804855" cy="349216"/>
+          </a:xfrm>
+        </p:grpSpPr>
+        <p:grpSp>
+          <p:nvGrpSpPr>
+            <p:cNvPr id="83" name="Group 82">
+              <a:extLst>
+                <a:ext uri="{FF2B5EF4-FFF2-40B4-BE49-F238E27FC236}">
+                  <a16:creationId xmlns:a16="http://schemas.microsoft.com/office/drawing/2014/main" id="{878D42CA-99BA-462B-9E98-7D2602BA6237}"/>
+                </a:ext>
+              </a:extLst>
+            </p:cNvPr>
+            <p:cNvGrpSpPr/>
+            <p:nvPr/>
+          </p:nvGrpSpPr>
+          <p:grpSpPr>
+            <a:xfrm>
+              <a:off x="2575221" y="2838996"/>
+              <a:ext cx="1281377" cy="349216"/>
+              <a:chOff x="5608279" y="3580478"/>
+              <a:chExt cx="1991352" cy="2006497"/>
+            </a:xfrm>
+          </p:grpSpPr>
+          <p:sp>
+            <p:nvSpPr>
+              <p:cNvPr id="84" name="Cube 83">
+                <a:extLst>
+                  <a:ext uri="{FF2B5EF4-FFF2-40B4-BE49-F238E27FC236}">
+                    <a16:creationId xmlns:a16="http://schemas.microsoft.com/office/drawing/2014/main" id="{D79B2B25-6383-4276-9876-B2B623C025C0}"/>
+                  </a:ext>
+                </a:extLst>
+              </p:cNvPr>
+              <p:cNvSpPr/>
+              <p:nvPr/>
+            </p:nvSpPr>
+            <p:spPr>
+              <a:xfrm>
+                <a:off x="5608279" y="3583233"/>
+                <a:ext cx="142795" cy="1999622"/>
+              </a:xfrm>
+              <a:prstGeom prst="cube">
+                <a:avLst/>
+              </a:prstGeom>
+              <a:solidFill>
+                <a:schemeClr val="bg1">
+                  <a:lumMod val="75000"/>
+                </a:schemeClr>
+              </a:solidFill>
+              <a:ln>
+                <a:solidFill>
+                  <a:schemeClr val="tx1"/>
+                </a:solidFill>
+              </a:ln>
+            </p:spPr>
+            <p:style>
+              <a:lnRef idx="2">
+                <a:schemeClr val="accent1">
+                  <a:shade val="50000"/>
+                </a:schemeClr>
+              </a:lnRef>
+              <a:fillRef idx="1">
+                <a:schemeClr val="accent1"/>
+              </a:fillRef>
+              <a:effectRef idx="0">
+                <a:schemeClr val="accent1"/>
+              </a:effectRef>
+              <a:fontRef idx="minor">
+                <a:schemeClr val="lt1"/>
+              </a:fontRef>
+            </p:style>
+            <p:txBody>
+              <a:bodyPr rtlCol="0" anchor="ctr"/>
+              <a:lstStyle/>
+              <a:p>
+                <a:pPr algn="ctr"/>
+                <a:endParaRPr lang="en-AU"/>
+              </a:p>
+            </p:txBody>
+          </p:sp>
+          <p:sp>
+            <p:nvSpPr>
+              <p:cNvPr id="85" name="Cube 84">
+                <a:extLst>
+                  <a:ext uri="{FF2B5EF4-FFF2-40B4-BE49-F238E27FC236}">
+                    <a16:creationId xmlns:a16="http://schemas.microsoft.com/office/drawing/2014/main" id="{55BE4CA3-C963-44AE-899E-7716DD5255EF}"/>
+                  </a:ext>
+                </a:extLst>
+              </p:cNvPr>
+              <p:cNvSpPr/>
+              <p:nvPr/>
+            </p:nvSpPr>
+            <p:spPr>
+              <a:xfrm>
+                <a:off x="5751074" y="3580478"/>
+                <a:ext cx="142795" cy="1999622"/>
+              </a:xfrm>
+              <a:prstGeom prst="cube">
+                <a:avLst/>
+              </a:prstGeom>
+              <a:solidFill>
+                <a:schemeClr val="bg1">
+                  <a:lumMod val="75000"/>
+                </a:schemeClr>
+              </a:solidFill>
+              <a:ln>
+                <a:solidFill>
+                  <a:schemeClr val="tx1"/>
+                </a:solidFill>
+              </a:ln>
+            </p:spPr>
+            <p:style>
+              <a:lnRef idx="2">
+                <a:schemeClr val="accent1">
+                  <a:shade val="50000"/>
+                </a:schemeClr>
+              </a:lnRef>
+              <a:fillRef idx="1">
+                <a:schemeClr val="accent1"/>
+              </a:fillRef>
+              <a:effectRef idx="0">
+                <a:schemeClr val="accent1"/>
+              </a:effectRef>
+              <a:fontRef idx="minor">
+                <a:schemeClr val="lt1"/>
+              </a:fontRef>
+            </p:style>
+            <p:txBody>
+              <a:bodyPr rtlCol="0" anchor="ctr"/>
+              <a:lstStyle/>
+              <a:p>
+                <a:pPr algn="ctr"/>
+                <a:endParaRPr lang="en-AU"/>
+              </a:p>
+            </p:txBody>
+          </p:sp>
+          <p:sp>
+            <p:nvSpPr>
+              <p:cNvPr id="86" name="Cube 85">
+                <a:extLst>
+                  <a:ext uri="{FF2B5EF4-FFF2-40B4-BE49-F238E27FC236}">
+                    <a16:creationId xmlns:a16="http://schemas.microsoft.com/office/drawing/2014/main" id="{76ABCF1F-BF4E-4B3A-A52D-93DE8B900FCF}"/>
+                  </a:ext>
+                </a:extLst>
+              </p:cNvPr>
+              <p:cNvSpPr/>
+              <p:nvPr/>
+            </p:nvSpPr>
+            <p:spPr>
+              <a:xfrm>
+                <a:off x="5893869" y="3580478"/>
+                <a:ext cx="142795" cy="1999622"/>
+              </a:xfrm>
+              <a:prstGeom prst="cube">
+                <a:avLst/>
+              </a:prstGeom>
+              <a:solidFill>
+                <a:schemeClr val="bg1">
+                  <a:lumMod val="75000"/>
+                </a:schemeClr>
+              </a:solidFill>
+              <a:ln>
+                <a:solidFill>
+                  <a:schemeClr val="tx1"/>
+                </a:solidFill>
+              </a:ln>
+            </p:spPr>
+            <p:style>
+              <a:lnRef idx="2">
+                <a:schemeClr val="accent1">
+                  <a:shade val="50000"/>
+                </a:schemeClr>
+              </a:lnRef>
+              <a:fillRef idx="1">
+                <a:schemeClr val="accent1"/>
+              </a:fillRef>
+              <a:effectRef idx="0">
+                <a:schemeClr val="accent1"/>
+              </a:effectRef>
+              <a:fontRef idx="minor">
+                <a:schemeClr val="lt1"/>
+              </a:fontRef>
+            </p:style>
+            <p:txBody>
+              <a:bodyPr rtlCol="0" anchor="ctr"/>
+              <a:lstStyle/>
+              <a:p>
+                <a:pPr algn="ctr"/>
+                <a:endParaRPr lang="en-AU"/>
+              </a:p>
+            </p:txBody>
+          </p:sp>
+          <p:sp>
+            <p:nvSpPr>
+              <p:cNvPr id="87" name="Cube 86">
+                <a:extLst>
+                  <a:ext uri="{FF2B5EF4-FFF2-40B4-BE49-F238E27FC236}">
+                    <a16:creationId xmlns:a16="http://schemas.microsoft.com/office/drawing/2014/main" id="{5F428A19-70FF-40E8-AE24-157CC684E60B}"/>
+                  </a:ext>
+                </a:extLst>
+              </p:cNvPr>
+              <p:cNvSpPr/>
+              <p:nvPr/>
+            </p:nvSpPr>
+            <p:spPr>
+              <a:xfrm>
+                <a:off x="6036664" y="3580478"/>
+                <a:ext cx="142795" cy="1999622"/>
+              </a:xfrm>
+              <a:prstGeom prst="cube">
+                <a:avLst/>
+              </a:prstGeom>
+              <a:solidFill>
+                <a:schemeClr val="bg1">
+                  <a:lumMod val="75000"/>
+                </a:schemeClr>
+              </a:solidFill>
+              <a:ln>
+                <a:solidFill>
+                  <a:schemeClr val="tx1"/>
+                </a:solidFill>
+              </a:ln>
+            </p:spPr>
+            <p:style>
+              <a:lnRef idx="2">
+                <a:schemeClr val="accent1">
+                  <a:shade val="50000"/>
+                </a:schemeClr>
+              </a:lnRef>
+              <a:fillRef idx="1">
+                <a:schemeClr val="accent1"/>
+              </a:fillRef>
+              <a:effectRef idx="0">
+                <a:schemeClr val="accent1"/>
+              </a:effectRef>
+              <a:fontRef idx="minor">
+                <a:schemeClr val="lt1"/>
+              </a:fontRef>
+            </p:style>
+            <p:txBody>
+              <a:bodyPr rtlCol="0" anchor="ctr"/>
+              <a:lstStyle/>
+              <a:p>
+                <a:pPr algn="ctr"/>
+                <a:endParaRPr lang="en-AU"/>
+              </a:p>
+            </p:txBody>
+          </p:sp>
+          <p:sp>
+            <p:nvSpPr>
+              <p:cNvPr id="88" name="Cube 87">
+                <a:extLst>
+                  <a:ext uri="{FF2B5EF4-FFF2-40B4-BE49-F238E27FC236}">
+                    <a16:creationId xmlns:a16="http://schemas.microsoft.com/office/drawing/2014/main" id="{4CB59EA2-DD24-4C71-ACA6-43D567664ECD}"/>
+                  </a:ext>
+                </a:extLst>
+              </p:cNvPr>
+              <p:cNvSpPr/>
+              <p:nvPr/>
+            </p:nvSpPr>
+            <p:spPr>
+              <a:xfrm>
+                <a:off x="6179459" y="3580478"/>
+                <a:ext cx="142795" cy="1999622"/>
+              </a:xfrm>
+              <a:prstGeom prst="cube">
+                <a:avLst/>
+              </a:prstGeom>
+              <a:solidFill>
+                <a:schemeClr val="bg1">
+                  <a:lumMod val="75000"/>
+                </a:schemeClr>
+              </a:solidFill>
+              <a:ln>
+                <a:solidFill>
+                  <a:schemeClr val="tx1"/>
+                </a:solidFill>
+              </a:ln>
+            </p:spPr>
+            <p:style>
+              <a:lnRef idx="2">
+                <a:schemeClr val="accent1">
+                  <a:shade val="50000"/>
+                </a:schemeClr>
+              </a:lnRef>
+              <a:fillRef idx="1">
+                <a:schemeClr val="accent1"/>
+              </a:fillRef>
+              <a:effectRef idx="0">
+                <a:schemeClr val="accent1"/>
+              </a:effectRef>
+              <a:fontRef idx="minor">
+                <a:schemeClr val="lt1"/>
+              </a:fontRef>
+            </p:style>
+            <p:txBody>
+              <a:bodyPr rtlCol="0" anchor="ctr"/>
+              <a:lstStyle/>
+              <a:p>
+                <a:pPr algn="ctr"/>
+                <a:endParaRPr lang="en-AU"/>
+              </a:p>
+            </p:txBody>
+          </p:sp>
+          <p:sp>
+            <p:nvSpPr>
+              <p:cNvPr id="89" name="Cube 88">
+                <a:extLst>
+                  <a:ext uri="{FF2B5EF4-FFF2-40B4-BE49-F238E27FC236}">
+                    <a16:creationId xmlns:a16="http://schemas.microsoft.com/office/drawing/2014/main" id="{3D6F16E7-1EC6-4115-AD1F-B17BBC02E647}"/>
+                  </a:ext>
+                </a:extLst>
+              </p:cNvPr>
+              <p:cNvSpPr/>
+              <p:nvPr/>
+            </p:nvSpPr>
+            <p:spPr>
+              <a:xfrm>
+                <a:off x="6322254" y="3580478"/>
+                <a:ext cx="142795" cy="1999622"/>
+              </a:xfrm>
+              <a:prstGeom prst="cube">
+                <a:avLst/>
+              </a:prstGeom>
+              <a:solidFill>
+                <a:schemeClr val="bg1">
+                  <a:lumMod val="75000"/>
+                </a:schemeClr>
+              </a:solidFill>
+              <a:ln>
+                <a:solidFill>
+                  <a:schemeClr val="tx1"/>
+                </a:solidFill>
+              </a:ln>
+            </p:spPr>
+            <p:style>
+              <a:lnRef idx="2">
+                <a:schemeClr val="accent1">
+                  <a:shade val="50000"/>
+                </a:schemeClr>
+              </a:lnRef>
+              <a:fillRef idx="1">
+                <a:schemeClr val="accent1"/>
+              </a:fillRef>
+              <a:effectRef idx="0">
+                <a:schemeClr val="accent1"/>
+              </a:effectRef>
+              <a:fontRef idx="minor">
+                <a:schemeClr val="lt1"/>
+              </a:fontRef>
+            </p:style>
+            <p:txBody>
+              <a:bodyPr rtlCol="0" anchor="ctr"/>
+              <a:lstStyle/>
+              <a:p>
+                <a:pPr algn="ctr"/>
+                <a:endParaRPr lang="en-AU"/>
+              </a:p>
+            </p:txBody>
+          </p:sp>
+          <p:sp>
+            <p:nvSpPr>
+              <p:cNvPr id="90" name="Cube 89">
+                <a:extLst>
+                  <a:ext uri="{FF2B5EF4-FFF2-40B4-BE49-F238E27FC236}">
+                    <a16:creationId xmlns:a16="http://schemas.microsoft.com/office/drawing/2014/main" id="{DFF1C104-C24C-4D99-A745-B638922BE88C}"/>
+                  </a:ext>
+                </a:extLst>
+              </p:cNvPr>
+              <p:cNvSpPr/>
+              <p:nvPr/>
+            </p:nvSpPr>
+            <p:spPr>
+              <a:xfrm>
+                <a:off x="6465049" y="3580478"/>
+                <a:ext cx="142795" cy="1999622"/>
+              </a:xfrm>
+              <a:prstGeom prst="cube">
+                <a:avLst/>
+              </a:prstGeom>
+              <a:solidFill>
+                <a:schemeClr val="bg1">
+                  <a:lumMod val="75000"/>
+                </a:schemeClr>
+              </a:solidFill>
+              <a:ln>
+                <a:solidFill>
+                  <a:schemeClr val="tx1"/>
+                </a:solidFill>
+              </a:ln>
+            </p:spPr>
+            <p:style>
+              <a:lnRef idx="2">
+                <a:schemeClr val="accent1">
+                  <a:shade val="50000"/>
+                </a:schemeClr>
+              </a:lnRef>
+              <a:fillRef idx="1">
+                <a:schemeClr val="accent1"/>
+              </a:fillRef>
+              <a:effectRef idx="0">
+                <a:schemeClr val="accent1"/>
+              </a:effectRef>
+              <a:fontRef idx="minor">
+                <a:schemeClr val="lt1"/>
+              </a:fontRef>
+            </p:style>
+            <p:txBody>
+              <a:bodyPr rtlCol="0" anchor="ctr"/>
+              <a:lstStyle/>
+              <a:p>
+                <a:pPr algn="ctr"/>
+                <a:endParaRPr lang="en-AU"/>
+              </a:p>
+            </p:txBody>
+          </p:sp>
+          <p:sp>
+            <p:nvSpPr>
+              <p:cNvPr id="91" name="Cube 90">
+                <a:extLst>
+                  <a:ext uri="{FF2B5EF4-FFF2-40B4-BE49-F238E27FC236}">
+                    <a16:creationId xmlns:a16="http://schemas.microsoft.com/office/drawing/2014/main" id="{CDDFFEA2-2744-4AA2-B36D-601366A9DBDA}"/>
+                  </a:ext>
+                </a:extLst>
+              </p:cNvPr>
+              <p:cNvSpPr/>
+              <p:nvPr/>
+            </p:nvSpPr>
+            <p:spPr>
+              <a:xfrm>
+                <a:off x="6599506" y="3587353"/>
+                <a:ext cx="142795" cy="1999622"/>
+              </a:xfrm>
+              <a:prstGeom prst="cube">
+                <a:avLst/>
+              </a:prstGeom>
+              <a:solidFill>
+                <a:schemeClr val="bg1">
+                  <a:lumMod val="75000"/>
+                </a:schemeClr>
+              </a:solidFill>
+              <a:ln>
+                <a:solidFill>
+                  <a:schemeClr val="tx1"/>
+                </a:solidFill>
+              </a:ln>
+            </p:spPr>
+            <p:style>
+              <a:lnRef idx="2">
+                <a:schemeClr val="accent1">
+                  <a:shade val="50000"/>
+                </a:schemeClr>
+              </a:lnRef>
+              <a:fillRef idx="1">
+                <a:schemeClr val="accent1"/>
+              </a:fillRef>
+              <a:effectRef idx="0">
+                <a:schemeClr val="accent1"/>
+              </a:effectRef>
+              <a:fontRef idx="minor">
+                <a:schemeClr val="lt1"/>
+              </a:fontRef>
+            </p:style>
+            <p:txBody>
+              <a:bodyPr rtlCol="0" anchor="ctr"/>
+              <a:lstStyle/>
+              <a:p>
+                <a:pPr algn="ctr"/>
+                <a:endParaRPr lang="en-AU"/>
+              </a:p>
+            </p:txBody>
+          </p:sp>
+          <p:sp>
+            <p:nvSpPr>
+              <p:cNvPr id="92" name="Cube 91">
+                <a:extLst>
+                  <a:ext uri="{FF2B5EF4-FFF2-40B4-BE49-F238E27FC236}">
+                    <a16:creationId xmlns:a16="http://schemas.microsoft.com/office/drawing/2014/main" id="{1CA6A2BF-ABFC-41CA-A382-F293789D2ABA}"/>
+                  </a:ext>
+                </a:extLst>
+              </p:cNvPr>
+              <p:cNvSpPr/>
+              <p:nvPr/>
+            </p:nvSpPr>
+            <p:spPr>
+              <a:xfrm>
+                <a:off x="6742301" y="3587353"/>
+                <a:ext cx="142795" cy="1999622"/>
+              </a:xfrm>
+              <a:prstGeom prst="cube">
+                <a:avLst/>
+              </a:prstGeom>
+              <a:solidFill>
+                <a:schemeClr val="bg1">
+                  <a:lumMod val="75000"/>
+                </a:schemeClr>
+              </a:solidFill>
+              <a:ln>
+                <a:solidFill>
+                  <a:schemeClr val="tx1"/>
+                </a:solidFill>
+              </a:ln>
+            </p:spPr>
+            <p:style>
+              <a:lnRef idx="2">
+                <a:schemeClr val="accent1">
+                  <a:shade val="50000"/>
+                </a:schemeClr>
+              </a:lnRef>
+              <a:fillRef idx="1">
+                <a:schemeClr val="accent1"/>
+              </a:fillRef>
+              <a:effectRef idx="0">
+                <a:schemeClr val="accent1"/>
+              </a:effectRef>
+              <a:fontRef idx="minor">
+                <a:schemeClr val="lt1"/>
+              </a:fontRef>
+            </p:style>
+            <p:txBody>
+              <a:bodyPr rtlCol="0" anchor="ctr"/>
+              <a:lstStyle/>
+              <a:p>
+                <a:pPr algn="ctr"/>
+                <a:endParaRPr lang="en-AU"/>
+              </a:p>
+            </p:txBody>
+          </p:sp>
+          <p:sp>
+            <p:nvSpPr>
+              <p:cNvPr id="93" name="Cube 92">
+                <a:extLst>
+                  <a:ext uri="{FF2B5EF4-FFF2-40B4-BE49-F238E27FC236}">
+                    <a16:creationId xmlns:a16="http://schemas.microsoft.com/office/drawing/2014/main" id="{09E1D8C3-0111-4BE8-8F6B-DD28F10144BB}"/>
+                  </a:ext>
+                </a:extLst>
+              </p:cNvPr>
+              <p:cNvSpPr/>
+              <p:nvPr/>
+            </p:nvSpPr>
+            <p:spPr>
+              <a:xfrm>
+                <a:off x="6885096" y="3587353"/>
+                <a:ext cx="142795" cy="1999622"/>
+              </a:xfrm>
+              <a:prstGeom prst="cube">
+                <a:avLst/>
+              </a:prstGeom>
+              <a:solidFill>
+                <a:schemeClr val="bg1">
+                  <a:lumMod val="75000"/>
+                </a:schemeClr>
+              </a:solidFill>
+              <a:ln>
+                <a:solidFill>
+                  <a:schemeClr val="tx1"/>
+                </a:solidFill>
+              </a:ln>
+            </p:spPr>
+            <p:style>
+              <a:lnRef idx="2">
+                <a:schemeClr val="accent1">
+                  <a:shade val="50000"/>
+                </a:schemeClr>
+              </a:lnRef>
+              <a:fillRef idx="1">
+                <a:schemeClr val="accent1"/>
+              </a:fillRef>
+              <a:effectRef idx="0">
+                <a:schemeClr val="accent1"/>
+              </a:effectRef>
+              <a:fontRef idx="minor">
+                <a:schemeClr val="lt1"/>
+              </a:fontRef>
+            </p:style>
+            <p:txBody>
+              <a:bodyPr rtlCol="0" anchor="ctr"/>
+              <a:lstStyle/>
+              <a:p>
+                <a:pPr algn="ctr"/>
+                <a:endParaRPr lang="en-AU"/>
+              </a:p>
+            </p:txBody>
+          </p:sp>
+          <p:sp>
+            <p:nvSpPr>
+              <p:cNvPr id="94" name="Cube 93">
+                <a:extLst>
+                  <a:ext uri="{FF2B5EF4-FFF2-40B4-BE49-F238E27FC236}">
+                    <a16:creationId xmlns:a16="http://schemas.microsoft.com/office/drawing/2014/main" id="{67123DCC-08E0-4F48-B647-1298DB770818}"/>
+                  </a:ext>
+                </a:extLst>
+              </p:cNvPr>
+              <p:cNvSpPr/>
+              <p:nvPr/>
+            </p:nvSpPr>
+            <p:spPr>
+              <a:xfrm>
+                <a:off x="7027891" y="3587353"/>
+                <a:ext cx="142795" cy="1999622"/>
+              </a:xfrm>
+              <a:prstGeom prst="cube">
+                <a:avLst/>
+              </a:prstGeom>
+              <a:solidFill>
+                <a:schemeClr val="bg1">
+                  <a:lumMod val="75000"/>
+                </a:schemeClr>
+              </a:solidFill>
+              <a:ln>
+                <a:solidFill>
+                  <a:schemeClr val="tx1"/>
+                </a:solidFill>
+              </a:ln>
+            </p:spPr>
+            <p:style>
+              <a:lnRef idx="2">
+                <a:schemeClr val="accent1">
+                  <a:shade val="50000"/>
+                </a:schemeClr>
+              </a:lnRef>
+              <a:fillRef idx="1">
+                <a:schemeClr val="accent1"/>
+              </a:fillRef>
+              <a:effectRef idx="0">
+                <a:schemeClr val="accent1"/>
+              </a:effectRef>
+              <a:fontRef idx="minor">
+                <a:schemeClr val="lt1"/>
+              </a:fontRef>
+            </p:style>
+            <p:txBody>
+              <a:bodyPr rtlCol="0" anchor="ctr"/>
+              <a:lstStyle/>
+              <a:p>
+                <a:pPr algn="ctr"/>
+                <a:endParaRPr lang="en-AU"/>
+              </a:p>
+            </p:txBody>
+          </p:sp>
+          <p:sp>
+            <p:nvSpPr>
+              <p:cNvPr id="95" name="Cube 94">
+                <a:extLst>
+                  <a:ext uri="{FF2B5EF4-FFF2-40B4-BE49-F238E27FC236}">
+                    <a16:creationId xmlns:a16="http://schemas.microsoft.com/office/drawing/2014/main" id="{0F6F6F52-2B99-4804-9AB3-037C9324FD0B}"/>
+                  </a:ext>
+                </a:extLst>
+              </p:cNvPr>
+              <p:cNvSpPr/>
+              <p:nvPr/>
+            </p:nvSpPr>
+            <p:spPr>
+              <a:xfrm>
+                <a:off x="7170686" y="3587353"/>
+                <a:ext cx="142795" cy="1999622"/>
+              </a:xfrm>
+              <a:prstGeom prst="cube">
+                <a:avLst/>
+              </a:prstGeom>
+              <a:solidFill>
+                <a:schemeClr val="bg1">
+                  <a:lumMod val="75000"/>
+                </a:schemeClr>
+              </a:solidFill>
+              <a:ln>
+                <a:solidFill>
+                  <a:schemeClr val="tx1"/>
+                </a:solidFill>
+              </a:ln>
+            </p:spPr>
+            <p:style>
+              <a:lnRef idx="2">
+                <a:schemeClr val="accent1">
+                  <a:shade val="50000"/>
+                </a:schemeClr>
+              </a:lnRef>
+              <a:fillRef idx="1">
+                <a:schemeClr val="accent1"/>
+              </a:fillRef>
+              <a:effectRef idx="0">
+                <a:schemeClr val="accent1"/>
+              </a:effectRef>
+              <a:fontRef idx="minor">
+                <a:schemeClr val="lt1"/>
+              </a:fontRef>
+            </p:style>
+            <p:txBody>
+              <a:bodyPr rtlCol="0" anchor="ctr"/>
+              <a:lstStyle/>
+              <a:p>
+                <a:pPr algn="ctr"/>
+                <a:endParaRPr lang="en-AU"/>
+              </a:p>
+            </p:txBody>
+          </p:sp>
+          <p:sp>
+            <p:nvSpPr>
+              <p:cNvPr id="96" name="Cube 95">
+                <a:extLst>
+                  <a:ext uri="{FF2B5EF4-FFF2-40B4-BE49-F238E27FC236}">
+                    <a16:creationId xmlns:a16="http://schemas.microsoft.com/office/drawing/2014/main" id="{48B5D915-A2F2-4C1E-92CF-1C5154925539}"/>
+                  </a:ext>
+                </a:extLst>
+              </p:cNvPr>
+              <p:cNvSpPr/>
+              <p:nvPr/>
+            </p:nvSpPr>
+            <p:spPr>
+              <a:xfrm>
+                <a:off x="7313481" y="3587353"/>
+                <a:ext cx="142795" cy="1999622"/>
+              </a:xfrm>
+              <a:prstGeom prst="cube">
+                <a:avLst/>
+              </a:prstGeom>
+              <a:solidFill>
+                <a:schemeClr val="bg1">
+                  <a:lumMod val="75000"/>
+                </a:schemeClr>
+              </a:solidFill>
+              <a:ln>
+                <a:solidFill>
+                  <a:schemeClr val="tx1"/>
+                </a:solidFill>
+              </a:ln>
+            </p:spPr>
+            <p:style>
+              <a:lnRef idx="2">
+                <a:schemeClr val="accent1">
+                  <a:shade val="50000"/>
+                </a:schemeClr>
+              </a:lnRef>
+              <a:fillRef idx="1">
+                <a:schemeClr val="accent1"/>
+              </a:fillRef>
+              <a:effectRef idx="0">
+                <a:schemeClr val="accent1"/>
+              </a:effectRef>
+              <a:fontRef idx="minor">
+                <a:schemeClr val="lt1"/>
+              </a:fontRef>
+            </p:style>
+            <p:txBody>
+              <a:bodyPr rtlCol="0" anchor="ctr"/>
+              <a:lstStyle/>
+              <a:p>
+                <a:pPr algn="ctr"/>
+                <a:endParaRPr lang="en-AU"/>
+              </a:p>
+            </p:txBody>
+          </p:sp>
+          <p:sp>
+            <p:nvSpPr>
+              <p:cNvPr id="97" name="Cube 96">
+                <a:extLst>
+                  <a:ext uri="{FF2B5EF4-FFF2-40B4-BE49-F238E27FC236}">
+                    <a16:creationId xmlns:a16="http://schemas.microsoft.com/office/drawing/2014/main" id="{E73BAAE8-148A-4D4A-8E71-42378BB8974F}"/>
+                  </a:ext>
+                </a:extLst>
+              </p:cNvPr>
+              <p:cNvSpPr/>
+              <p:nvPr/>
+            </p:nvSpPr>
+            <p:spPr>
+              <a:xfrm>
+                <a:off x="7456836" y="3587353"/>
+                <a:ext cx="142795" cy="1999622"/>
+              </a:xfrm>
+              <a:prstGeom prst="cube">
+                <a:avLst/>
+              </a:prstGeom>
+              <a:solidFill>
+                <a:schemeClr val="bg1">
+                  <a:lumMod val="75000"/>
+                </a:schemeClr>
+              </a:solidFill>
+              <a:ln>
+                <a:solidFill>
+                  <a:schemeClr val="tx1"/>
+                </a:solidFill>
+              </a:ln>
+            </p:spPr>
+            <p:style>
+              <a:lnRef idx="2">
+                <a:schemeClr val="accent1">
+                  <a:shade val="50000"/>
+                </a:schemeClr>
+              </a:lnRef>
+              <a:fillRef idx="1">
+                <a:schemeClr val="accent1"/>
+              </a:fillRef>
+              <a:effectRef idx="0">
+                <a:schemeClr val="accent1"/>
+              </a:effectRef>
+              <a:fontRef idx="minor">
+                <a:schemeClr val="lt1"/>
+              </a:fontRef>
+            </p:style>
+            <p:txBody>
+              <a:bodyPr rtlCol="0" anchor="ctr"/>
+              <a:lstStyle/>
+              <a:p>
+                <a:pPr algn="ctr"/>
+                <a:endParaRPr lang="en-AU"/>
+              </a:p>
+            </p:txBody>
+          </p:sp>
+        </p:grpSp>
+        <p:sp>
+          <p:nvSpPr>
+            <p:cNvPr id="118" name="Cube 117">
+              <a:extLst>
+                <a:ext uri="{FF2B5EF4-FFF2-40B4-BE49-F238E27FC236}">
+                  <a16:creationId xmlns:a16="http://schemas.microsoft.com/office/drawing/2014/main" id="{AA6F968B-A516-47D0-8EF0-1A9AF23E6789}"/>
+                </a:ext>
+              </a:extLst>
+            </p:cNvPr>
+            <p:cNvSpPr/>
+            <p:nvPr/>
+          </p:nvSpPr>
+          <p:spPr>
+            <a:xfrm>
+              <a:off x="4020407" y="2838996"/>
+              <a:ext cx="91884" cy="348019"/>
+            </a:xfrm>
+            <a:prstGeom prst="cube">
+              <a:avLst/>
+            </a:prstGeom>
+            <a:solidFill>
+              <a:schemeClr val="bg1">
+                <a:lumMod val="75000"/>
+              </a:schemeClr>
+            </a:solidFill>
+            <a:ln>
+              <a:solidFill>
+                <a:schemeClr val="tx1"/>
+              </a:solidFill>
+            </a:ln>
+          </p:spPr>
+          <p:style>
+            <a:lnRef idx="2">
+              <a:schemeClr val="accent1">
+                <a:shade val="50000"/>
+              </a:schemeClr>
+            </a:lnRef>
+            <a:fillRef idx="1">
+              <a:schemeClr val="accent1"/>
+            </a:fillRef>
+            <a:effectRef idx="0">
+              <a:schemeClr val="accent1"/>
+            </a:effectRef>
+            <a:fontRef idx="minor">
+              <a:schemeClr val="lt1"/>
+            </a:fontRef>
+          </p:style>
+          <p:txBody>
+            <a:bodyPr rtlCol="0" anchor="ctr"/>
+            <a:lstStyle/>
+            <a:p>
+              <a:pPr algn="ctr"/>
+              <a:endParaRPr lang="en-AU"/>
+            </a:p>
+          </p:txBody>
+        </p:sp>
+        <p:sp>
+          <p:nvSpPr>
+            <p:cNvPr id="119" name="Cube 118">
+              <a:extLst>
+                <a:ext uri="{FF2B5EF4-FFF2-40B4-BE49-F238E27FC236}">
+                  <a16:creationId xmlns:a16="http://schemas.microsoft.com/office/drawing/2014/main" id="{7CED96D7-0932-4ABC-B85E-A9973A0D0B43}"/>
+                </a:ext>
+              </a:extLst>
+            </p:cNvPr>
+            <p:cNvSpPr/>
+            <p:nvPr/>
+          </p:nvSpPr>
+          <p:spPr>
+            <a:xfrm>
+              <a:off x="4288192" y="2838996"/>
+              <a:ext cx="91884" cy="348019"/>
+            </a:xfrm>
+            <a:prstGeom prst="cube">
+              <a:avLst/>
+            </a:prstGeom>
+            <a:solidFill>
+              <a:schemeClr val="bg1">
+                <a:lumMod val="75000"/>
+              </a:schemeClr>
+            </a:solidFill>
+            <a:ln>
+              <a:solidFill>
+                <a:schemeClr val="tx1"/>
+              </a:solidFill>
+            </a:ln>
+          </p:spPr>
+          <p:style>
+            <a:lnRef idx="2">
+              <a:schemeClr val="accent1">
+                <a:shade val="50000"/>
+              </a:schemeClr>
+            </a:lnRef>
+            <a:fillRef idx="1">
+              <a:schemeClr val="accent1"/>
+            </a:fillRef>
+            <a:effectRef idx="0">
+              <a:schemeClr val="accent1"/>
+            </a:effectRef>
+            <a:fontRef idx="minor">
+              <a:schemeClr val="lt1"/>
+            </a:fontRef>
+          </p:style>
+          <p:txBody>
+            <a:bodyPr rtlCol="0" anchor="ctr"/>
+            <a:lstStyle/>
+            <a:p>
+              <a:pPr algn="ctr"/>
+              <a:endParaRPr lang="en-AU"/>
+            </a:p>
+          </p:txBody>
+        </p:sp>
+        <p:cxnSp>
+          <p:nvCxnSpPr>
+            <p:cNvPr id="120" name="Straight Arrow Connector 119">
+              <a:extLst>
+                <a:ext uri="{FF2B5EF4-FFF2-40B4-BE49-F238E27FC236}">
+                  <a16:creationId xmlns:a16="http://schemas.microsoft.com/office/drawing/2014/main" id="{C90287DF-A128-4484-80C3-C295400FD1A0}"/>
+                </a:ext>
+              </a:extLst>
+            </p:cNvPr>
+            <p:cNvCxnSpPr>
+              <a:cxnSpLocks/>
+            </p:cNvCxnSpPr>
+            <p:nvPr/>
+          </p:nvCxnSpPr>
+          <p:spPr>
+            <a:xfrm>
+              <a:off x="3872867" y="3010765"/>
+              <a:ext cx="147540" cy="4481"/>
+            </a:xfrm>
+            <a:prstGeom prst="straightConnector1">
+              <a:avLst/>
+            </a:prstGeom>
+            <a:ln w="28575">
+              <a:solidFill>
+                <a:srgbClr val="2993E7"/>
+              </a:solidFill>
+              <a:tailEnd type="triangle"/>
+            </a:ln>
+          </p:spPr>
+          <p:style>
+            <a:lnRef idx="1">
+              <a:schemeClr val="accent1"/>
+            </a:lnRef>
+            <a:fillRef idx="0">
+              <a:schemeClr val="accent1"/>
+            </a:fillRef>
+            <a:effectRef idx="0">
+              <a:schemeClr val="accent1"/>
+            </a:effectRef>
+            <a:fontRef idx="minor">
+              <a:schemeClr val="tx1"/>
+            </a:fontRef>
+          </p:style>
+        </p:cxnSp>
+        <p:cxnSp>
+          <p:nvCxnSpPr>
+            <p:cNvPr id="121" name="Straight Arrow Connector 120">
+              <a:extLst>
+                <a:ext uri="{FF2B5EF4-FFF2-40B4-BE49-F238E27FC236}">
+                  <a16:creationId xmlns:a16="http://schemas.microsoft.com/office/drawing/2014/main" id="{829CF885-B595-46DD-A96B-44B612917194}"/>
+                </a:ext>
+              </a:extLst>
+            </p:cNvPr>
+            <p:cNvCxnSpPr>
+              <a:cxnSpLocks/>
+            </p:cNvCxnSpPr>
+            <p:nvPr/>
+          </p:nvCxnSpPr>
+          <p:spPr>
+            <a:xfrm>
+              <a:off x="4128495" y="3010765"/>
+              <a:ext cx="147540" cy="4481"/>
+            </a:xfrm>
+            <a:prstGeom prst="straightConnector1">
+              <a:avLst/>
+            </a:prstGeom>
+            <a:ln w="28575">
+              <a:solidFill>
+                <a:srgbClr val="2993E7"/>
+              </a:solidFill>
+              <a:tailEnd type="triangle"/>
+            </a:ln>
+          </p:spPr>
+          <p:style>
+            <a:lnRef idx="1">
+              <a:schemeClr val="accent1"/>
+            </a:lnRef>
+            <a:fillRef idx="0">
+              <a:schemeClr val="accent1"/>
+            </a:fillRef>
+            <a:effectRef idx="0">
+              <a:schemeClr val="accent1"/>
+            </a:effectRef>
+            <a:fontRef idx="minor">
+              <a:schemeClr val="tx1"/>
+            </a:fontRef>
+          </p:style>
+        </p:cxnSp>
+      </p:grpSp>
+      <p:grpSp>
+        <p:nvGrpSpPr>
+          <p:cNvPr id="11" name="Group 10">
+            <a:extLst>
+              <a:ext uri="{FF2B5EF4-FFF2-40B4-BE49-F238E27FC236}">
+                <a16:creationId xmlns:a16="http://schemas.microsoft.com/office/drawing/2014/main" id="{D28E81FD-9A6F-4EFA-9A23-F23ED89BA881}"/>
+              </a:ext>
+            </a:extLst>
+          </p:cNvPr>
+          <p:cNvGrpSpPr/>
+          <p:nvPr/>
+        </p:nvGrpSpPr>
+        <p:grpSpPr>
+          <a:xfrm>
+            <a:off x="3282332" y="4540608"/>
+            <a:ext cx="1821617" cy="349216"/>
+            <a:chOff x="2575221" y="4540608"/>
+            <a:chExt cx="1821617" cy="349216"/>
+          </a:xfrm>
+        </p:grpSpPr>
+        <p:grpSp>
+          <p:nvGrpSpPr>
+            <p:cNvPr id="99" name="Group 98">
+              <a:extLst>
+                <a:ext uri="{FF2B5EF4-FFF2-40B4-BE49-F238E27FC236}">
+                  <a16:creationId xmlns:a16="http://schemas.microsoft.com/office/drawing/2014/main" id="{665AE0A0-0AA8-4F56-9725-E5E9C590241E}"/>
+                </a:ext>
+              </a:extLst>
+            </p:cNvPr>
+            <p:cNvGrpSpPr/>
+            <p:nvPr/>
+          </p:nvGrpSpPr>
+          <p:grpSpPr>
+            <a:xfrm>
+              <a:off x="2575221" y="4540608"/>
+              <a:ext cx="1281377" cy="349216"/>
+              <a:chOff x="5608279" y="3580478"/>
+              <a:chExt cx="1991352" cy="2006497"/>
+            </a:xfrm>
+          </p:grpSpPr>
+          <p:sp>
+            <p:nvSpPr>
+              <p:cNvPr id="100" name="Cube 99">
+                <a:extLst>
+                  <a:ext uri="{FF2B5EF4-FFF2-40B4-BE49-F238E27FC236}">
+                    <a16:creationId xmlns:a16="http://schemas.microsoft.com/office/drawing/2014/main" id="{22775825-103D-4108-A7CB-C2D78BF6A7FB}"/>
+                  </a:ext>
+                </a:extLst>
+              </p:cNvPr>
+              <p:cNvSpPr/>
+              <p:nvPr/>
+            </p:nvSpPr>
+            <p:spPr>
+              <a:xfrm>
+                <a:off x="5608279" y="3583233"/>
+                <a:ext cx="142795" cy="1999622"/>
+              </a:xfrm>
+              <a:prstGeom prst="cube">
+                <a:avLst/>
+              </a:prstGeom>
+              <a:solidFill>
+                <a:schemeClr val="bg1">
+                  <a:lumMod val="75000"/>
+                </a:schemeClr>
+              </a:solidFill>
+              <a:ln>
+                <a:solidFill>
+                  <a:schemeClr val="tx1"/>
+                </a:solidFill>
+              </a:ln>
+            </p:spPr>
+            <p:style>
+              <a:lnRef idx="2">
+                <a:schemeClr val="accent1">
+                  <a:shade val="50000"/>
+                </a:schemeClr>
+              </a:lnRef>
+              <a:fillRef idx="1">
+                <a:schemeClr val="accent1"/>
+              </a:fillRef>
+              <a:effectRef idx="0">
+                <a:schemeClr val="accent1"/>
+              </a:effectRef>
+              <a:fontRef idx="minor">
+                <a:schemeClr val="lt1"/>
+              </a:fontRef>
+            </p:style>
+            <p:txBody>
+              <a:bodyPr rtlCol="0" anchor="ctr"/>
+              <a:lstStyle/>
+              <a:p>
+                <a:pPr algn="ctr"/>
+                <a:endParaRPr lang="en-AU"/>
+              </a:p>
+            </p:txBody>
+          </p:sp>
+          <p:sp>
+            <p:nvSpPr>
+              <p:cNvPr id="101" name="Cube 100">
+                <a:extLst>
+                  <a:ext uri="{FF2B5EF4-FFF2-40B4-BE49-F238E27FC236}">
+                    <a16:creationId xmlns:a16="http://schemas.microsoft.com/office/drawing/2014/main" id="{56D7889A-7A5E-4CB3-A14F-D8ED4D262545}"/>
+                  </a:ext>
+                </a:extLst>
+              </p:cNvPr>
+              <p:cNvSpPr/>
+              <p:nvPr/>
+            </p:nvSpPr>
+            <p:spPr>
+              <a:xfrm>
+                <a:off x="5751074" y="3580478"/>
+                <a:ext cx="142795" cy="1999622"/>
+              </a:xfrm>
+              <a:prstGeom prst="cube">
+                <a:avLst/>
+              </a:prstGeom>
+              <a:solidFill>
+                <a:schemeClr val="bg1">
+                  <a:lumMod val="75000"/>
+                </a:schemeClr>
+              </a:solidFill>
+              <a:ln>
+                <a:solidFill>
+                  <a:schemeClr val="tx1"/>
+                </a:solidFill>
+              </a:ln>
+            </p:spPr>
+            <p:style>
+              <a:lnRef idx="2">
+                <a:schemeClr val="accent1">
+                  <a:shade val="50000"/>
+                </a:schemeClr>
+              </a:lnRef>
+              <a:fillRef idx="1">
+                <a:schemeClr val="accent1"/>
+              </a:fillRef>
+              <a:effectRef idx="0">
+                <a:schemeClr val="accent1"/>
+              </a:effectRef>
+              <a:fontRef idx="minor">
+                <a:schemeClr val="lt1"/>
+              </a:fontRef>
+            </p:style>
+            <p:txBody>
+              <a:bodyPr rtlCol="0" anchor="ctr"/>
+              <a:lstStyle/>
+              <a:p>
+                <a:pPr algn="ctr"/>
+                <a:endParaRPr lang="en-AU"/>
+              </a:p>
+            </p:txBody>
+          </p:sp>
+          <p:sp>
+            <p:nvSpPr>
+              <p:cNvPr id="102" name="Cube 101">
+                <a:extLst>
+                  <a:ext uri="{FF2B5EF4-FFF2-40B4-BE49-F238E27FC236}">
+                    <a16:creationId xmlns:a16="http://schemas.microsoft.com/office/drawing/2014/main" id="{2E5F73A5-4175-421A-9568-9E13DC4C7D50}"/>
+                  </a:ext>
+                </a:extLst>
+              </p:cNvPr>
+              <p:cNvSpPr/>
+              <p:nvPr/>
+            </p:nvSpPr>
+            <p:spPr>
+              <a:xfrm>
+                <a:off x="5893869" y="3580478"/>
+                <a:ext cx="142795" cy="1999622"/>
+              </a:xfrm>
+              <a:prstGeom prst="cube">
+                <a:avLst/>
+              </a:prstGeom>
+              <a:solidFill>
+                <a:schemeClr val="bg1">
+                  <a:lumMod val="75000"/>
+                </a:schemeClr>
+              </a:solidFill>
+              <a:ln>
+                <a:solidFill>
+                  <a:schemeClr val="tx1"/>
+                </a:solidFill>
+              </a:ln>
+            </p:spPr>
+            <p:style>
+              <a:lnRef idx="2">
+                <a:schemeClr val="accent1">
+                  <a:shade val="50000"/>
+                </a:schemeClr>
+              </a:lnRef>
+              <a:fillRef idx="1">
+                <a:schemeClr val="accent1"/>
+              </a:fillRef>
+              <a:effectRef idx="0">
+                <a:schemeClr val="accent1"/>
+              </a:effectRef>
+              <a:fontRef idx="minor">
+                <a:schemeClr val="lt1"/>
+              </a:fontRef>
+            </p:style>
+            <p:txBody>
+              <a:bodyPr rtlCol="0" anchor="ctr"/>
+              <a:lstStyle/>
+              <a:p>
+                <a:pPr algn="ctr"/>
+                <a:endParaRPr lang="en-AU"/>
+              </a:p>
+            </p:txBody>
+          </p:sp>
+          <p:sp>
+            <p:nvSpPr>
+              <p:cNvPr id="103" name="Cube 102">
+                <a:extLst>
+                  <a:ext uri="{FF2B5EF4-FFF2-40B4-BE49-F238E27FC236}">
+                    <a16:creationId xmlns:a16="http://schemas.microsoft.com/office/drawing/2014/main" id="{C2B78508-14AF-4D0F-A6FF-3D1658754DF6}"/>
+                  </a:ext>
+                </a:extLst>
+              </p:cNvPr>
+              <p:cNvSpPr/>
+              <p:nvPr/>
+            </p:nvSpPr>
+            <p:spPr>
+              <a:xfrm>
+                <a:off x="6036664" y="3580478"/>
+                <a:ext cx="142795" cy="1999622"/>
+              </a:xfrm>
+              <a:prstGeom prst="cube">
+                <a:avLst/>
+              </a:prstGeom>
+              <a:solidFill>
+                <a:schemeClr val="bg1">
+                  <a:lumMod val="75000"/>
+                </a:schemeClr>
+              </a:solidFill>
+              <a:ln>
+                <a:solidFill>
+                  <a:schemeClr val="tx1"/>
+                </a:solidFill>
+              </a:ln>
+            </p:spPr>
+            <p:style>
+              <a:lnRef idx="2">
+                <a:schemeClr val="accent1">
+                  <a:shade val="50000"/>
+                </a:schemeClr>
+              </a:lnRef>
+              <a:fillRef idx="1">
+                <a:schemeClr val="accent1"/>
+              </a:fillRef>
+              <a:effectRef idx="0">
+                <a:schemeClr val="accent1"/>
+              </a:effectRef>
+              <a:fontRef idx="minor">
+                <a:schemeClr val="lt1"/>
+              </a:fontRef>
+            </p:style>
+            <p:txBody>
+              <a:bodyPr rtlCol="0" anchor="ctr"/>
+              <a:lstStyle/>
+              <a:p>
+                <a:pPr algn="ctr"/>
+                <a:endParaRPr lang="en-AU"/>
+              </a:p>
+            </p:txBody>
+          </p:sp>
+          <p:sp>
+            <p:nvSpPr>
+              <p:cNvPr id="104" name="Cube 103">
+                <a:extLst>
+                  <a:ext uri="{FF2B5EF4-FFF2-40B4-BE49-F238E27FC236}">
+                    <a16:creationId xmlns:a16="http://schemas.microsoft.com/office/drawing/2014/main" id="{BBF5DE27-0593-4129-99EC-5933CF5E820E}"/>
+                  </a:ext>
+                </a:extLst>
+              </p:cNvPr>
+              <p:cNvSpPr/>
+              <p:nvPr/>
+            </p:nvSpPr>
+            <p:spPr>
+              <a:xfrm>
+                <a:off x="6179459" y="3580478"/>
+                <a:ext cx="142795" cy="1999622"/>
+              </a:xfrm>
+              <a:prstGeom prst="cube">
+                <a:avLst/>
+              </a:prstGeom>
+              <a:solidFill>
+                <a:schemeClr val="bg1">
+                  <a:lumMod val="75000"/>
+                </a:schemeClr>
+              </a:solidFill>
+              <a:ln>
+                <a:solidFill>
+                  <a:schemeClr val="tx1"/>
+                </a:solidFill>
+              </a:ln>
+            </p:spPr>
+            <p:style>
+              <a:lnRef idx="2">
+                <a:schemeClr val="accent1">
+                  <a:shade val="50000"/>
+                </a:schemeClr>
+              </a:lnRef>
+              <a:fillRef idx="1">
+                <a:schemeClr val="accent1"/>
+              </a:fillRef>
+              <a:effectRef idx="0">
+                <a:schemeClr val="accent1"/>
+              </a:effectRef>
+              <a:fontRef idx="minor">
+                <a:schemeClr val="lt1"/>
+              </a:fontRef>
+            </p:style>
+            <p:txBody>
+              <a:bodyPr rtlCol="0" anchor="ctr"/>
+              <a:lstStyle/>
+              <a:p>
+                <a:pPr algn="ctr"/>
+                <a:endParaRPr lang="en-AU"/>
+              </a:p>
+            </p:txBody>
+          </p:sp>
+          <p:sp>
+            <p:nvSpPr>
+              <p:cNvPr id="105" name="Cube 104">
+                <a:extLst>
+                  <a:ext uri="{FF2B5EF4-FFF2-40B4-BE49-F238E27FC236}">
+                    <a16:creationId xmlns:a16="http://schemas.microsoft.com/office/drawing/2014/main" id="{1ADDF189-63A6-4AB7-82A0-B856445E4CE9}"/>
+                  </a:ext>
+                </a:extLst>
+              </p:cNvPr>
+              <p:cNvSpPr/>
+              <p:nvPr/>
+            </p:nvSpPr>
+            <p:spPr>
+              <a:xfrm>
+                <a:off x="6322254" y="3580478"/>
+                <a:ext cx="142795" cy="1999622"/>
+              </a:xfrm>
+              <a:prstGeom prst="cube">
+                <a:avLst/>
+              </a:prstGeom>
+              <a:solidFill>
+                <a:schemeClr val="bg1">
+                  <a:lumMod val="75000"/>
+                </a:schemeClr>
+              </a:solidFill>
+              <a:ln>
+                <a:solidFill>
+                  <a:schemeClr val="tx1"/>
+                </a:solidFill>
+              </a:ln>
+            </p:spPr>
+            <p:style>
+              <a:lnRef idx="2">
+                <a:schemeClr val="accent1">
+                  <a:shade val="50000"/>
+                </a:schemeClr>
+              </a:lnRef>
+              <a:fillRef idx="1">
+                <a:schemeClr val="accent1"/>
+              </a:fillRef>
+              <a:effectRef idx="0">
+                <a:schemeClr val="accent1"/>
+              </a:effectRef>
+              <a:fontRef idx="minor">
+                <a:schemeClr val="lt1"/>
+              </a:fontRef>
+            </p:style>
+            <p:txBody>
+              <a:bodyPr rtlCol="0" anchor="ctr"/>
+              <a:lstStyle/>
+              <a:p>
+                <a:pPr algn="ctr"/>
+                <a:endParaRPr lang="en-AU"/>
+              </a:p>
+            </p:txBody>
+          </p:sp>
+          <p:sp>
+            <p:nvSpPr>
+              <p:cNvPr id="106" name="Cube 105">
+                <a:extLst>
+                  <a:ext uri="{FF2B5EF4-FFF2-40B4-BE49-F238E27FC236}">
+                    <a16:creationId xmlns:a16="http://schemas.microsoft.com/office/drawing/2014/main" id="{2663C5A3-6F97-4756-935C-2EAC6D6ECE1F}"/>
+                  </a:ext>
+                </a:extLst>
+              </p:cNvPr>
+              <p:cNvSpPr/>
+              <p:nvPr/>
+            </p:nvSpPr>
+            <p:spPr>
+              <a:xfrm>
+                <a:off x="6465049" y="3580478"/>
+                <a:ext cx="142795" cy="1999622"/>
+              </a:xfrm>
+              <a:prstGeom prst="cube">
+                <a:avLst/>
+              </a:prstGeom>
+              <a:solidFill>
+                <a:schemeClr val="bg1">
+                  <a:lumMod val="75000"/>
+                </a:schemeClr>
+              </a:solidFill>
+              <a:ln>
+                <a:solidFill>
+                  <a:schemeClr val="tx1"/>
+                </a:solidFill>
+              </a:ln>
+            </p:spPr>
+            <p:style>
+              <a:lnRef idx="2">
+                <a:schemeClr val="accent1">
+                  <a:shade val="50000"/>
+                </a:schemeClr>
+              </a:lnRef>
+              <a:fillRef idx="1">
+                <a:schemeClr val="accent1"/>
+              </a:fillRef>
+              <a:effectRef idx="0">
+                <a:schemeClr val="accent1"/>
+              </a:effectRef>
+              <a:fontRef idx="minor">
+                <a:schemeClr val="lt1"/>
+              </a:fontRef>
+            </p:style>
+            <p:txBody>
+              <a:bodyPr rtlCol="0" anchor="ctr"/>
+              <a:lstStyle/>
+              <a:p>
+                <a:pPr algn="ctr"/>
+                <a:endParaRPr lang="en-AU"/>
+              </a:p>
+            </p:txBody>
+          </p:sp>
+          <p:sp>
+            <p:nvSpPr>
+              <p:cNvPr id="107" name="Cube 106">
+                <a:extLst>
+                  <a:ext uri="{FF2B5EF4-FFF2-40B4-BE49-F238E27FC236}">
+                    <a16:creationId xmlns:a16="http://schemas.microsoft.com/office/drawing/2014/main" id="{5CD0C693-C58B-43AA-8A32-91E50A6C9C03}"/>
+                  </a:ext>
+                </a:extLst>
+              </p:cNvPr>
+              <p:cNvSpPr/>
+              <p:nvPr/>
+            </p:nvSpPr>
+            <p:spPr>
+              <a:xfrm>
+                <a:off x="6599506" y="3587353"/>
+                <a:ext cx="142795" cy="1999622"/>
+              </a:xfrm>
+              <a:prstGeom prst="cube">
+                <a:avLst/>
+              </a:prstGeom>
+              <a:solidFill>
+                <a:schemeClr val="bg1">
+                  <a:lumMod val="75000"/>
+                </a:schemeClr>
+              </a:solidFill>
+              <a:ln>
+                <a:solidFill>
+                  <a:schemeClr val="tx1"/>
+                </a:solidFill>
+              </a:ln>
+            </p:spPr>
+            <p:style>
+              <a:lnRef idx="2">
+                <a:schemeClr val="accent1">
+                  <a:shade val="50000"/>
+                </a:schemeClr>
+              </a:lnRef>
+              <a:fillRef idx="1">
+                <a:schemeClr val="accent1"/>
+              </a:fillRef>
+              <a:effectRef idx="0">
+                <a:schemeClr val="accent1"/>
+              </a:effectRef>
+              <a:fontRef idx="minor">
+                <a:schemeClr val="lt1"/>
+              </a:fontRef>
+            </p:style>
+            <p:txBody>
+              <a:bodyPr rtlCol="0" anchor="ctr"/>
+              <a:lstStyle/>
+              <a:p>
+                <a:pPr algn="ctr"/>
+                <a:endParaRPr lang="en-AU"/>
+              </a:p>
+            </p:txBody>
+          </p:sp>
+          <p:sp>
+            <p:nvSpPr>
+              <p:cNvPr id="108" name="Cube 107">
+                <a:extLst>
+                  <a:ext uri="{FF2B5EF4-FFF2-40B4-BE49-F238E27FC236}">
+                    <a16:creationId xmlns:a16="http://schemas.microsoft.com/office/drawing/2014/main" id="{FCBE2B2F-5FFB-48CE-A34C-80BDCCC80BEA}"/>
+                  </a:ext>
+                </a:extLst>
+              </p:cNvPr>
+              <p:cNvSpPr/>
+              <p:nvPr/>
+            </p:nvSpPr>
+            <p:spPr>
+              <a:xfrm>
+                <a:off x="6742301" y="3587353"/>
+                <a:ext cx="142795" cy="1999622"/>
+              </a:xfrm>
+              <a:prstGeom prst="cube">
+                <a:avLst/>
+              </a:prstGeom>
+              <a:solidFill>
+                <a:schemeClr val="bg1">
+                  <a:lumMod val="75000"/>
+                </a:schemeClr>
+              </a:solidFill>
+              <a:ln>
+                <a:solidFill>
+                  <a:schemeClr val="tx1"/>
+                </a:solidFill>
+              </a:ln>
+            </p:spPr>
+            <p:style>
+              <a:lnRef idx="2">
+                <a:schemeClr val="accent1">
+                  <a:shade val="50000"/>
+                </a:schemeClr>
+              </a:lnRef>
+              <a:fillRef idx="1">
+                <a:schemeClr val="accent1"/>
+              </a:fillRef>
+              <a:effectRef idx="0">
+                <a:schemeClr val="accent1"/>
+              </a:effectRef>
+              <a:fontRef idx="minor">
+                <a:schemeClr val="lt1"/>
+              </a:fontRef>
+            </p:style>
+            <p:txBody>
+              <a:bodyPr rtlCol="0" anchor="ctr"/>
+              <a:lstStyle/>
+              <a:p>
+                <a:pPr algn="ctr"/>
+                <a:endParaRPr lang="en-AU"/>
+              </a:p>
+            </p:txBody>
+          </p:sp>
+          <p:sp>
+            <p:nvSpPr>
+              <p:cNvPr id="109" name="Cube 108">
+                <a:extLst>
+                  <a:ext uri="{FF2B5EF4-FFF2-40B4-BE49-F238E27FC236}">
+                    <a16:creationId xmlns:a16="http://schemas.microsoft.com/office/drawing/2014/main" id="{DD517AFF-77E7-4832-A7EE-3EFDF5513340}"/>
+                  </a:ext>
+                </a:extLst>
+              </p:cNvPr>
+              <p:cNvSpPr/>
+              <p:nvPr/>
+            </p:nvSpPr>
+            <p:spPr>
+              <a:xfrm>
+                <a:off x="6885096" y="3587353"/>
+                <a:ext cx="142795" cy="1999622"/>
+              </a:xfrm>
+              <a:prstGeom prst="cube">
+                <a:avLst/>
+              </a:prstGeom>
+              <a:solidFill>
+                <a:schemeClr val="bg1">
+                  <a:lumMod val="75000"/>
+                </a:schemeClr>
+              </a:solidFill>
+              <a:ln>
+                <a:solidFill>
+                  <a:schemeClr val="tx1"/>
+                </a:solidFill>
+              </a:ln>
+            </p:spPr>
+            <p:style>
+              <a:lnRef idx="2">
+                <a:schemeClr val="accent1">
+                  <a:shade val="50000"/>
+                </a:schemeClr>
+              </a:lnRef>
+              <a:fillRef idx="1">
+                <a:schemeClr val="accent1"/>
+              </a:fillRef>
+              <a:effectRef idx="0">
+                <a:schemeClr val="accent1"/>
+              </a:effectRef>
+              <a:fontRef idx="minor">
+                <a:schemeClr val="lt1"/>
+              </a:fontRef>
+            </p:style>
+            <p:txBody>
+              <a:bodyPr rtlCol="0" anchor="ctr"/>
+              <a:lstStyle/>
+              <a:p>
+                <a:pPr algn="ctr"/>
+                <a:endParaRPr lang="en-AU"/>
+              </a:p>
+            </p:txBody>
+          </p:sp>
+          <p:sp>
+            <p:nvSpPr>
+              <p:cNvPr id="110" name="Cube 109">
+                <a:extLst>
+                  <a:ext uri="{FF2B5EF4-FFF2-40B4-BE49-F238E27FC236}">
+                    <a16:creationId xmlns:a16="http://schemas.microsoft.com/office/drawing/2014/main" id="{20826CFE-2458-42C3-A3E5-85312E0AEACA}"/>
+                  </a:ext>
+                </a:extLst>
+              </p:cNvPr>
+              <p:cNvSpPr/>
+              <p:nvPr/>
+            </p:nvSpPr>
+            <p:spPr>
+              <a:xfrm>
+                <a:off x="7027891" y="3587353"/>
+                <a:ext cx="142795" cy="1999622"/>
+              </a:xfrm>
+              <a:prstGeom prst="cube">
+                <a:avLst/>
+              </a:prstGeom>
+              <a:solidFill>
+                <a:schemeClr val="bg1">
+                  <a:lumMod val="75000"/>
+                </a:schemeClr>
+              </a:solidFill>
+              <a:ln>
+                <a:solidFill>
+                  <a:schemeClr val="tx1"/>
+                </a:solidFill>
+              </a:ln>
+            </p:spPr>
+            <p:style>
+              <a:lnRef idx="2">
+                <a:schemeClr val="accent1">
+                  <a:shade val="50000"/>
+                </a:schemeClr>
+              </a:lnRef>
+              <a:fillRef idx="1">
+                <a:schemeClr val="accent1"/>
+              </a:fillRef>
+              <a:effectRef idx="0">
+                <a:schemeClr val="accent1"/>
+              </a:effectRef>
+              <a:fontRef idx="minor">
+                <a:schemeClr val="lt1"/>
+              </a:fontRef>
+            </p:style>
+            <p:txBody>
+              <a:bodyPr rtlCol="0" anchor="ctr"/>
+              <a:lstStyle/>
+              <a:p>
+                <a:pPr algn="ctr"/>
+                <a:endParaRPr lang="en-AU"/>
+              </a:p>
+            </p:txBody>
+          </p:sp>
+          <p:sp>
+            <p:nvSpPr>
+              <p:cNvPr id="111" name="Cube 110">
+                <a:extLst>
+                  <a:ext uri="{FF2B5EF4-FFF2-40B4-BE49-F238E27FC236}">
+                    <a16:creationId xmlns:a16="http://schemas.microsoft.com/office/drawing/2014/main" id="{AFF5D9A0-0122-42D9-AFAD-AEC4C1416233}"/>
+                  </a:ext>
+                </a:extLst>
+              </p:cNvPr>
+              <p:cNvSpPr/>
+              <p:nvPr/>
+            </p:nvSpPr>
+            <p:spPr>
+              <a:xfrm>
+                <a:off x="7170686" y="3587353"/>
+                <a:ext cx="142795" cy="1999622"/>
+              </a:xfrm>
+              <a:prstGeom prst="cube">
+                <a:avLst/>
+              </a:prstGeom>
+              <a:solidFill>
+                <a:schemeClr val="bg1">
+                  <a:lumMod val="75000"/>
+                </a:schemeClr>
+              </a:solidFill>
+              <a:ln>
+                <a:solidFill>
+                  <a:schemeClr val="tx1"/>
+                </a:solidFill>
+              </a:ln>
+            </p:spPr>
+            <p:style>
+              <a:lnRef idx="2">
+                <a:schemeClr val="accent1">
+                  <a:shade val="50000"/>
+                </a:schemeClr>
+              </a:lnRef>
+              <a:fillRef idx="1">
+                <a:schemeClr val="accent1"/>
+              </a:fillRef>
+              <a:effectRef idx="0">
+                <a:schemeClr val="accent1"/>
+              </a:effectRef>
+              <a:fontRef idx="minor">
+                <a:schemeClr val="lt1"/>
+              </a:fontRef>
+            </p:style>
+            <p:txBody>
+              <a:bodyPr rtlCol="0" anchor="ctr"/>
+              <a:lstStyle/>
+              <a:p>
+                <a:pPr algn="ctr"/>
+                <a:endParaRPr lang="en-AU"/>
+              </a:p>
+            </p:txBody>
+          </p:sp>
+          <p:sp>
+            <p:nvSpPr>
+              <p:cNvPr id="112" name="Cube 111">
+                <a:extLst>
+                  <a:ext uri="{FF2B5EF4-FFF2-40B4-BE49-F238E27FC236}">
+                    <a16:creationId xmlns:a16="http://schemas.microsoft.com/office/drawing/2014/main" id="{9F38CBC4-CA87-4FF0-B473-08DE6E9C7DA6}"/>
+                  </a:ext>
+                </a:extLst>
+              </p:cNvPr>
+              <p:cNvSpPr/>
+              <p:nvPr/>
+            </p:nvSpPr>
+            <p:spPr>
+              <a:xfrm>
+                <a:off x="7313481" y="3587353"/>
+                <a:ext cx="142795" cy="1999622"/>
+              </a:xfrm>
+              <a:prstGeom prst="cube">
+                <a:avLst/>
+              </a:prstGeom>
+              <a:solidFill>
+                <a:schemeClr val="bg1">
+                  <a:lumMod val="75000"/>
+                </a:schemeClr>
+              </a:solidFill>
+              <a:ln>
+                <a:solidFill>
+                  <a:schemeClr val="tx1"/>
+                </a:solidFill>
+              </a:ln>
+            </p:spPr>
+            <p:style>
+              <a:lnRef idx="2">
+                <a:schemeClr val="accent1">
+                  <a:shade val="50000"/>
+                </a:schemeClr>
+              </a:lnRef>
+              <a:fillRef idx="1">
+                <a:schemeClr val="accent1"/>
+              </a:fillRef>
+              <a:effectRef idx="0">
+                <a:schemeClr val="accent1"/>
+              </a:effectRef>
+              <a:fontRef idx="minor">
+                <a:schemeClr val="lt1"/>
+              </a:fontRef>
+            </p:style>
+            <p:txBody>
+              <a:bodyPr rtlCol="0" anchor="ctr"/>
+              <a:lstStyle/>
+              <a:p>
+                <a:pPr algn="ctr"/>
+                <a:endParaRPr lang="en-AU"/>
+              </a:p>
+            </p:txBody>
+          </p:sp>
+          <p:sp>
+            <p:nvSpPr>
+              <p:cNvPr id="113" name="Cube 112">
+                <a:extLst>
+                  <a:ext uri="{FF2B5EF4-FFF2-40B4-BE49-F238E27FC236}">
+                    <a16:creationId xmlns:a16="http://schemas.microsoft.com/office/drawing/2014/main" id="{7EB36356-1552-4A11-BB7A-55596F3D557E}"/>
+                  </a:ext>
+                </a:extLst>
+              </p:cNvPr>
+              <p:cNvSpPr/>
+              <p:nvPr/>
+            </p:nvSpPr>
+            <p:spPr>
+              <a:xfrm>
+                <a:off x="7456836" y="3587353"/>
+                <a:ext cx="142795" cy="1999622"/>
+              </a:xfrm>
+              <a:prstGeom prst="cube">
+                <a:avLst/>
+              </a:prstGeom>
+              <a:solidFill>
+                <a:schemeClr val="bg1">
+                  <a:lumMod val="75000"/>
+                </a:schemeClr>
+              </a:solidFill>
+              <a:ln>
+                <a:solidFill>
+                  <a:schemeClr val="tx1"/>
+                </a:solidFill>
+              </a:ln>
+            </p:spPr>
+            <p:style>
+              <a:lnRef idx="2">
+                <a:schemeClr val="accent1">
+                  <a:shade val="50000"/>
+                </a:schemeClr>
+              </a:lnRef>
+              <a:fillRef idx="1">
+                <a:schemeClr val="accent1"/>
+              </a:fillRef>
+              <a:effectRef idx="0">
+                <a:schemeClr val="accent1"/>
+              </a:effectRef>
+              <a:fontRef idx="minor">
+                <a:schemeClr val="lt1"/>
+              </a:fontRef>
+            </p:style>
+            <p:txBody>
+              <a:bodyPr rtlCol="0" anchor="ctr"/>
+              <a:lstStyle/>
+              <a:p>
+                <a:pPr algn="ctr"/>
+                <a:endParaRPr lang="en-AU"/>
+              </a:p>
+            </p:txBody>
+          </p:sp>
+        </p:grpSp>
+        <p:sp>
+          <p:nvSpPr>
+            <p:cNvPr id="122" name="Cube 121">
+              <a:extLst>
+                <a:ext uri="{FF2B5EF4-FFF2-40B4-BE49-F238E27FC236}">
+                  <a16:creationId xmlns:a16="http://schemas.microsoft.com/office/drawing/2014/main" id="{552BEFD0-F3F1-4F64-B25A-B4E01A671AC5}"/>
+                </a:ext>
+              </a:extLst>
+            </p:cNvPr>
+            <p:cNvSpPr/>
+            <p:nvPr/>
+          </p:nvSpPr>
+          <p:spPr>
+            <a:xfrm>
+              <a:off x="4037169" y="4540608"/>
+              <a:ext cx="91884" cy="348019"/>
+            </a:xfrm>
+            <a:prstGeom prst="cube">
+              <a:avLst/>
+            </a:prstGeom>
+            <a:solidFill>
+              <a:schemeClr val="bg1">
+                <a:lumMod val="75000"/>
+              </a:schemeClr>
+            </a:solidFill>
+            <a:ln>
+              <a:solidFill>
+                <a:schemeClr val="tx1"/>
+              </a:solidFill>
+            </a:ln>
+          </p:spPr>
+          <p:style>
+            <a:lnRef idx="2">
+              <a:schemeClr val="accent1">
+                <a:shade val="50000"/>
+              </a:schemeClr>
+            </a:lnRef>
+            <a:fillRef idx="1">
+              <a:schemeClr val="accent1"/>
+            </a:fillRef>
+            <a:effectRef idx="0">
+              <a:schemeClr val="accent1"/>
+            </a:effectRef>
+            <a:fontRef idx="minor">
+              <a:schemeClr val="lt1"/>
+            </a:fontRef>
+          </p:style>
+          <p:txBody>
+            <a:bodyPr rtlCol="0" anchor="ctr"/>
+            <a:lstStyle/>
+            <a:p>
+              <a:pPr algn="ctr"/>
+              <a:endParaRPr lang="en-AU"/>
+            </a:p>
+          </p:txBody>
+        </p:sp>
+        <p:sp>
+          <p:nvSpPr>
+            <p:cNvPr id="123" name="Cube 122">
+              <a:extLst>
+                <a:ext uri="{FF2B5EF4-FFF2-40B4-BE49-F238E27FC236}">
+                  <a16:creationId xmlns:a16="http://schemas.microsoft.com/office/drawing/2014/main" id="{46E06F87-1001-4218-A49E-C2EDFC4BC67E}"/>
+                </a:ext>
+              </a:extLst>
+            </p:cNvPr>
+            <p:cNvSpPr/>
+            <p:nvPr/>
+          </p:nvSpPr>
+          <p:spPr>
+            <a:xfrm>
+              <a:off x="4304954" y="4540608"/>
+              <a:ext cx="91884" cy="348019"/>
+            </a:xfrm>
+            <a:prstGeom prst="cube">
+              <a:avLst/>
+            </a:prstGeom>
+            <a:solidFill>
+              <a:schemeClr val="bg1">
+                <a:lumMod val="75000"/>
+              </a:schemeClr>
+            </a:solidFill>
+            <a:ln>
+              <a:solidFill>
+                <a:schemeClr val="tx1"/>
+              </a:solidFill>
+            </a:ln>
+          </p:spPr>
+          <p:style>
+            <a:lnRef idx="2">
+              <a:schemeClr val="accent1">
+                <a:shade val="50000"/>
+              </a:schemeClr>
+            </a:lnRef>
+            <a:fillRef idx="1">
+              <a:schemeClr val="accent1"/>
+            </a:fillRef>
+            <a:effectRef idx="0">
+              <a:schemeClr val="accent1"/>
+            </a:effectRef>
+            <a:fontRef idx="minor">
+              <a:schemeClr val="lt1"/>
+            </a:fontRef>
+          </p:style>
+          <p:txBody>
+            <a:bodyPr rtlCol="0" anchor="ctr"/>
+            <a:lstStyle/>
+            <a:p>
+              <a:pPr algn="ctr"/>
+              <a:endParaRPr lang="en-AU"/>
+            </a:p>
+          </p:txBody>
+        </p:sp>
+        <p:cxnSp>
+          <p:nvCxnSpPr>
+            <p:cNvPr id="124" name="Straight Arrow Connector 123">
+              <a:extLst>
+                <a:ext uri="{FF2B5EF4-FFF2-40B4-BE49-F238E27FC236}">
+                  <a16:creationId xmlns:a16="http://schemas.microsoft.com/office/drawing/2014/main" id="{138046D0-4943-4952-A6FC-E42DC21208DE}"/>
+                </a:ext>
+              </a:extLst>
+            </p:cNvPr>
+            <p:cNvCxnSpPr>
+              <a:cxnSpLocks/>
+            </p:cNvCxnSpPr>
+            <p:nvPr/>
+          </p:nvCxnSpPr>
+          <p:spPr>
+            <a:xfrm>
+              <a:off x="3889629" y="4712377"/>
+              <a:ext cx="147540" cy="4481"/>
+            </a:xfrm>
+            <a:prstGeom prst="straightConnector1">
+              <a:avLst/>
+            </a:prstGeom>
+            <a:ln w="28575">
+              <a:solidFill>
+                <a:srgbClr val="2993E7"/>
+              </a:solidFill>
+              <a:tailEnd type="triangle"/>
+            </a:ln>
+          </p:spPr>
+          <p:style>
+            <a:lnRef idx="1">
+              <a:schemeClr val="accent1"/>
+            </a:lnRef>
+            <a:fillRef idx="0">
+              <a:schemeClr val="accent1"/>
+            </a:fillRef>
+            <a:effectRef idx="0">
+              <a:schemeClr val="accent1"/>
+            </a:effectRef>
+            <a:fontRef idx="minor">
+              <a:schemeClr val="tx1"/>
+            </a:fontRef>
+          </p:style>
+        </p:cxnSp>
+        <p:cxnSp>
+          <p:nvCxnSpPr>
+            <p:cNvPr id="125" name="Straight Arrow Connector 124">
+              <a:extLst>
+                <a:ext uri="{FF2B5EF4-FFF2-40B4-BE49-F238E27FC236}">
+                  <a16:creationId xmlns:a16="http://schemas.microsoft.com/office/drawing/2014/main" id="{D68A4175-03BA-4831-9BD7-AEE07F3FE805}"/>
+                </a:ext>
+              </a:extLst>
+            </p:cNvPr>
+            <p:cNvCxnSpPr>
+              <a:cxnSpLocks/>
+            </p:cNvCxnSpPr>
+            <p:nvPr/>
+          </p:nvCxnSpPr>
+          <p:spPr>
+            <a:xfrm>
+              <a:off x="4145257" y="4712377"/>
+              <a:ext cx="147540" cy="4481"/>
+            </a:xfrm>
+            <a:prstGeom prst="straightConnector1">
+              <a:avLst/>
+            </a:prstGeom>
+            <a:ln w="28575">
+              <a:solidFill>
+                <a:srgbClr val="2993E7"/>
+              </a:solidFill>
+              <a:tailEnd type="triangle"/>
+            </a:ln>
+          </p:spPr>
+          <p:style>
+            <a:lnRef idx="1">
+              <a:schemeClr val="accent1"/>
+            </a:lnRef>
+            <a:fillRef idx="0">
+              <a:schemeClr val="accent1"/>
+            </a:fillRef>
+            <a:effectRef idx="0">
+              <a:schemeClr val="accent1"/>
+            </a:effectRef>
+            <a:fontRef idx="minor">
+              <a:schemeClr val="tx1"/>
+            </a:fontRef>
+          </p:style>
+        </p:cxnSp>
+      </p:grpSp>
+      <p:sp>
+        <p:nvSpPr>
+          <p:cNvPr id="12" name="Right Brace 11">
+            <a:extLst>
+              <a:ext uri="{FF2B5EF4-FFF2-40B4-BE49-F238E27FC236}">
+                <a16:creationId xmlns:a16="http://schemas.microsoft.com/office/drawing/2014/main" id="{D73E2C01-361B-4782-821D-C7E64E0F557B}"/>
+              </a:ext>
+            </a:extLst>
+          </p:cNvPr>
+          <p:cNvSpPr/>
+          <p:nvPr/>
+        </p:nvSpPr>
+        <p:spPr>
+          <a:xfrm>
+            <a:off x="5266927" y="1942375"/>
+            <a:ext cx="265859" cy="2946252"/>
+          </a:xfrm>
+          <a:prstGeom prst="rightBrace">
+            <a:avLst>
+              <a:gd name="adj1" fmla="val 8333"/>
+              <a:gd name="adj2" fmla="val 20169"/>
+            </a:avLst>
+          </a:prstGeom>
+          <a:ln w="28575">
+            <a:solidFill>
+              <a:srgbClr val="2993E7"/>
+            </a:solidFill>
+          </a:ln>
+        </p:spPr>
+        <p:style>
+          <a:lnRef idx="1">
+            <a:schemeClr val="accent1"/>
+          </a:lnRef>
+          <a:fillRef idx="0">
+            <a:schemeClr val="accent1"/>
+          </a:fillRef>
+          <a:effectRef idx="0">
+            <a:schemeClr val="accent1"/>
+          </a:effectRef>
+          <a:fontRef idx="minor">
+            <a:schemeClr val="tx1"/>
+          </a:fontRef>
+        </p:style>
+        <p:txBody>
+          <a:bodyPr rtlCol="0" anchor="ctr"/>
+          <a:lstStyle/>
+          <a:p>
+            <a:pPr algn="ctr"/>
+            <a:endParaRPr lang="en-AU"/>
+          </a:p>
+        </p:txBody>
+      </p:sp>
+      <p:grpSp>
+        <p:nvGrpSpPr>
+          <p:cNvPr id="127" name="Group 126">
+            <a:extLst>
+              <a:ext uri="{FF2B5EF4-FFF2-40B4-BE49-F238E27FC236}">
+                <a16:creationId xmlns:a16="http://schemas.microsoft.com/office/drawing/2014/main" id="{5B6313A3-78C7-4D1F-924C-E321E12CD1D2}"/>
+              </a:ext>
+            </a:extLst>
+          </p:cNvPr>
+          <p:cNvGrpSpPr/>
+          <p:nvPr/>
+        </p:nvGrpSpPr>
+        <p:grpSpPr>
+          <a:xfrm>
+            <a:off x="6751259" y="3444270"/>
+            <a:ext cx="3859936" cy="641805"/>
+            <a:chOff x="990600" y="4409204"/>
+            <a:chExt cx="2147573" cy="641805"/>
+          </a:xfrm>
+        </p:grpSpPr>
+        <p:sp>
+          <p:nvSpPr>
+            <p:cNvPr id="128" name="Rectangle: Rounded Corners 127">
+              <a:extLst>
+                <a:ext uri="{FF2B5EF4-FFF2-40B4-BE49-F238E27FC236}">
+                  <a16:creationId xmlns:a16="http://schemas.microsoft.com/office/drawing/2014/main" id="{251BB24C-4669-4466-ABDB-35937E7F5A08}"/>
+                </a:ext>
+              </a:extLst>
+            </p:cNvPr>
+            <p:cNvSpPr/>
+            <p:nvPr/>
+          </p:nvSpPr>
+          <p:spPr>
+            <a:xfrm>
+              <a:off x="990600" y="4409204"/>
+              <a:ext cx="2147573" cy="641805"/>
+            </a:xfrm>
+            <a:prstGeom prst="roundRect">
+              <a:avLst/>
+            </a:prstGeom>
+            <a:solidFill>
+              <a:srgbClr val="2993E7"/>
+            </a:solidFill>
+          </p:spPr>
+          <p:style>
+            <a:lnRef idx="2">
+              <a:schemeClr val="lt1">
+                <a:hueOff val="0"/>
+                <a:satOff val="0"/>
+                <a:lumOff val="0"/>
+                <a:alphaOff val="0"/>
+              </a:schemeClr>
+            </a:lnRef>
+            <a:fillRef idx="1">
+              <a:schemeClr val="accent2">
+                <a:hueOff val="0"/>
+                <a:satOff val="0"/>
+                <a:lumOff val="0"/>
+                <a:alphaOff val="0"/>
+              </a:schemeClr>
+            </a:fillRef>
+            <a:effectRef idx="0">
+              <a:schemeClr val="accent2">
+                <a:hueOff val="0"/>
+                <a:satOff val="0"/>
+                <a:lumOff val="0"/>
+                <a:alphaOff val="0"/>
+              </a:schemeClr>
+            </a:effectRef>
+            <a:fontRef idx="minor">
+              <a:schemeClr val="lt1"/>
+            </a:fontRef>
+          </p:style>
+        </p:sp>
+        <p:sp>
+          <p:nvSpPr>
+            <p:cNvPr id="129" name="Rectangle: Rounded Corners 4">
+              <a:extLst>
+                <a:ext uri="{FF2B5EF4-FFF2-40B4-BE49-F238E27FC236}">
+                  <a16:creationId xmlns:a16="http://schemas.microsoft.com/office/drawing/2014/main" id="{4299D01D-8AE9-4CD9-8CE9-8B2A7DFCBA54}"/>
+                </a:ext>
+              </a:extLst>
+            </p:cNvPr>
+            <p:cNvSpPr txBox="1"/>
+            <p:nvPr/>
+          </p:nvSpPr>
+          <p:spPr>
+            <a:xfrm>
+              <a:off x="1001308" y="4440534"/>
+              <a:ext cx="2126157" cy="579145"/>
+            </a:xfrm>
+            <a:prstGeom prst="rect">
+              <a:avLst/>
+            </a:prstGeom>
+          </p:spPr>
+          <p:style>
+            <a:lnRef idx="0">
+              <a:scrgbClr r="0" g="0" b="0"/>
+            </a:lnRef>
+            <a:fillRef idx="0">
+              <a:scrgbClr r="0" g="0" b="0"/>
+            </a:fillRef>
+            <a:effectRef idx="0">
+              <a:scrgbClr r="0" g="0" b="0"/>
+            </a:effectRef>
+            <a:fontRef idx="minor">
+              <a:schemeClr val="lt1"/>
+            </a:fontRef>
+          </p:style>
+          <p:txBody>
+            <a:bodyPr spcFirstLastPara="0" vert="horz" wrap="square" lIns="102870" tIns="102870" rIns="102870" bIns="102870" numCol="1" spcCol="1270" anchor="ctr" anchorCtr="0">
+              <a:noAutofit/>
+            </a:bodyPr>
+            <a:lstStyle/>
+            <a:p>
+              <a:pPr marL="0" lvl="0" indent="0" algn="ctr" defTabSz="1200150">
+                <a:lnSpc>
+                  <a:spcPct val="90000"/>
+                </a:lnSpc>
+                <a:spcBef>
+                  <a:spcPct val="0"/>
+                </a:spcBef>
+                <a:spcAft>
+                  <a:spcPct val="35000"/>
+                </a:spcAft>
+                <a:buNone/>
+              </a:pPr>
+              <a:r>
+                <a:rPr lang="en-US" kern="1200" dirty="0"/>
+                <a:t>Logistic regression model using  patch predictions </a:t>
+              </a:r>
+              <a:r>
+                <a:rPr lang="en-US" dirty="0"/>
+                <a:t>as features</a:t>
+              </a:r>
+              <a:endParaRPr lang="en-US" kern="1200" dirty="0"/>
+            </a:p>
+          </p:txBody>
+        </p:sp>
+      </p:grpSp>
+      <p:grpSp>
+        <p:nvGrpSpPr>
+          <p:cNvPr id="130" name="Group 129">
+            <a:extLst>
+              <a:ext uri="{FF2B5EF4-FFF2-40B4-BE49-F238E27FC236}">
+                <a16:creationId xmlns:a16="http://schemas.microsoft.com/office/drawing/2014/main" id="{92FE0F81-5CAA-4D8F-908C-EBFDFCC413EA}"/>
+              </a:ext>
+            </a:extLst>
+          </p:cNvPr>
+          <p:cNvGrpSpPr/>
+          <p:nvPr/>
+        </p:nvGrpSpPr>
+        <p:grpSpPr>
+          <a:xfrm>
+            <a:off x="6751259" y="4643014"/>
+            <a:ext cx="3859936" cy="641805"/>
+            <a:chOff x="990600" y="4409204"/>
+            <a:chExt cx="2147573" cy="641805"/>
+          </a:xfrm>
+        </p:grpSpPr>
+        <p:sp>
+          <p:nvSpPr>
+            <p:cNvPr id="131" name="Rectangle: Rounded Corners 130">
+              <a:extLst>
+                <a:ext uri="{FF2B5EF4-FFF2-40B4-BE49-F238E27FC236}">
+                  <a16:creationId xmlns:a16="http://schemas.microsoft.com/office/drawing/2014/main" id="{D01BA733-A434-49DB-849F-80887A23951F}"/>
+                </a:ext>
+              </a:extLst>
+            </p:cNvPr>
+            <p:cNvSpPr/>
+            <p:nvPr/>
+          </p:nvSpPr>
+          <p:spPr>
+            <a:xfrm>
+              <a:off x="990600" y="4409204"/>
+              <a:ext cx="2147573" cy="641805"/>
+            </a:xfrm>
+            <a:prstGeom prst="roundRect">
+              <a:avLst/>
+            </a:prstGeom>
+            <a:solidFill>
+              <a:srgbClr val="2993E7"/>
+            </a:solidFill>
+          </p:spPr>
+          <p:style>
+            <a:lnRef idx="2">
+              <a:schemeClr val="lt1">
+                <a:hueOff val="0"/>
+                <a:satOff val="0"/>
+                <a:lumOff val="0"/>
+                <a:alphaOff val="0"/>
+              </a:schemeClr>
+            </a:lnRef>
+            <a:fillRef idx="1">
+              <a:schemeClr val="accent2">
+                <a:hueOff val="0"/>
+                <a:satOff val="0"/>
+                <a:lumOff val="0"/>
+                <a:alphaOff val="0"/>
+              </a:schemeClr>
+            </a:fillRef>
+            <a:effectRef idx="0">
+              <a:schemeClr val="accent2">
+                <a:hueOff val="0"/>
+                <a:satOff val="0"/>
+                <a:lumOff val="0"/>
+                <a:alphaOff val="0"/>
+              </a:schemeClr>
+            </a:effectRef>
+            <a:fontRef idx="minor">
+              <a:schemeClr val="lt1"/>
+            </a:fontRef>
+          </p:style>
+        </p:sp>
+        <p:sp>
+          <p:nvSpPr>
+            <p:cNvPr id="132" name="Rectangle: Rounded Corners 4">
+              <a:extLst>
+                <a:ext uri="{FF2B5EF4-FFF2-40B4-BE49-F238E27FC236}">
+                  <a16:creationId xmlns:a16="http://schemas.microsoft.com/office/drawing/2014/main" id="{D9CB86FB-8F0B-4395-B07A-97AE24E955B5}"/>
+                </a:ext>
+              </a:extLst>
+            </p:cNvPr>
+            <p:cNvSpPr txBox="1"/>
+            <p:nvPr/>
+          </p:nvSpPr>
+          <p:spPr>
+            <a:xfrm>
+              <a:off x="1001308" y="4440534"/>
+              <a:ext cx="2126157" cy="579145"/>
+            </a:xfrm>
+            <a:prstGeom prst="rect">
+              <a:avLst/>
+            </a:prstGeom>
+          </p:spPr>
+          <p:style>
+            <a:lnRef idx="0">
+              <a:scrgbClr r="0" g="0" b="0"/>
+            </a:lnRef>
+            <a:fillRef idx="0">
+              <a:scrgbClr r="0" g="0" b="0"/>
+            </a:fillRef>
+            <a:effectRef idx="0">
+              <a:scrgbClr r="0" g="0" b="0"/>
+            </a:effectRef>
+            <a:fontRef idx="minor">
+              <a:schemeClr val="lt1"/>
+            </a:fontRef>
+          </p:style>
+          <p:txBody>
+            <a:bodyPr spcFirstLastPara="0" vert="horz" wrap="square" lIns="102870" tIns="102870" rIns="102870" bIns="102870" numCol="1" spcCol="1270" anchor="ctr" anchorCtr="0">
+              <a:noAutofit/>
+            </a:bodyPr>
+            <a:lstStyle/>
+            <a:p>
+              <a:pPr marL="0" lvl="0" indent="0" algn="ctr" defTabSz="1200150">
+                <a:lnSpc>
+                  <a:spcPct val="90000"/>
+                </a:lnSpc>
+                <a:spcBef>
+                  <a:spcPct val="0"/>
+                </a:spcBef>
+                <a:spcAft>
+                  <a:spcPct val="35000"/>
+                </a:spcAft>
+                <a:buNone/>
+              </a:pPr>
+              <a:r>
+                <a:rPr lang="en-US" kern="1200" dirty="0"/>
+                <a:t>Final predicted conversion probability for whole scan</a:t>
+              </a:r>
+            </a:p>
+          </p:txBody>
+        </p:sp>
+      </p:grpSp>
+      <p:cxnSp>
+        <p:nvCxnSpPr>
+          <p:cNvPr id="136" name="Straight Arrow Connector 135">
+            <a:extLst>
+              <a:ext uri="{FF2B5EF4-FFF2-40B4-BE49-F238E27FC236}">
+                <a16:creationId xmlns:a16="http://schemas.microsoft.com/office/drawing/2014/main" id="{D79F6F71-D5C0-48CF-BFF0-CF3FB51ECB26}"/>
+              </a:ext>
+            </a:extLst>
+          </p:cNvPr>
+          <p:cNvCxnSpPr/>
+          <p:nvPr/>
+        </p:nvCxnSpPr>
+        <p:spPr>
+          <a:xfrm>
+            <a:off x="5668730" y="2542798"/>
+            <a:ext cx="907807" cy="0"/>
+          </a:xfrm>
+          <a:prstGeom prst="straightConnector1">
+            <a:avLst/>
+          </a:prstGeom>
+          <a:ln w="28575">
+            <a:solidFill>
+              <a:srgbClr val="2993E7"/>
+            </a:solidFill>
+            <a:tailEnd type="triangle"/>
+          </a:ln>
+        </p:spPr>
+        <p:style>
+          <a:lnRef idx="1">
+            <a:schemeClr val="accent1"/>
+          </a:lnRef>
+          <a:fillRef idx="0">
+            <a:schemeClr val="accent1"/>
+          </a:fillRef>
+          <a:effectRef idx="0">
+            <a:schemeClr val="accent1"/>
+          </a:effectRef>
+          <a:fontRef idx="minor">
+            <a:schemeClr val="tx1"/>
+          </a:fontRef>
+        </p:style>
+      </p:cxnSp>
+      <p:cxnSp>
+        <p:nvCxnSpPr>
+          <p:cNvPr id="137" name="Straight Arrow Connector 136">
+            <a:extLst>
+              <a:ext uri="{FF2B5EF4-FFF2-40B4-BE49-F238E27FC236}">
+                <a16:creationId xmlns:a16="http://schemas.microsoft.com/office/drawing/2014/main" id="{5B817789-4741-423A-8175-3286BF6B7AB9}"/>
+              </a:ext>
+            </a:extLst>
+          </p:cNvPr>
+          <p:cNvCxnSpPr>
+            <a:cxnSpLocks/>
+          </p:cNvCxnSpPr>
+          <p:nvPr/>
+        </p:nvCxnSpPr>
+        <p:spPr>
+          <a:xfrm>
+            <a:off x="8681227" y="2946176"/>
+            <a:ext cx="0" cy="432000"/>
+          </a:xfrm>
+          <a:prstGeom prst="straightConnector1">
+            <a:avLst/>
+          </a:prstGeom>
+          <a:ln w="28575">
+            <a:solidFill>
+              <a:srgbClr val="2993E7"/>
+            </a:solidFill>
+            <a:tailEnd type="triangle"/>
+          </a:ln>
+        </p:spPr>
+        <p:style>
+          <a:lnRef idx="1">
+            <a:schemeClr val="accent1"/>
+          </a:lnRef>
+          <a:fillRef idx="0">
+            <a:schemeClr val="accent1"/>
+          </a:fillRef>
+          <a:effectRef idx="0">
+            <a:schemeClr val="accent1"/>
+          </a:effectRef>
+          <a:fontRef idx="minor">
+            <a:schemeClr val="tx1"/>
+          </a:fontRef>
+        </p:style>
+      </p:cxnSp>
+      <p:cxnSp>
+        <p:nvCxnSpPr>
+          <p:cNvPr id="138" name="Straight Arrow Connector 137">
+            <a:extLst>
+              <a:ext uri="{FF2B5EF4-FFF2-40B4-BE49-F238E27FC236}">
+                <a16:creationId xmlns:a16="http://schemas.microsoft.com/office/drawing/2014/main" id="{9AE756E5-C75F-4285-AEFD-9D82D25798F4}"/>
+              </a:ext>
+            </a:extLst>
+          </p:cNvPr>
+          <p:cNvCxnSpPr>
+            <a:cxnSpLocks/>
+          </p:cNvCxnSpPr>
+          <p:nvPr/>
+        </p:nvCxnSpPr>
+        <p:spPr>
+          <a:xfrm>
+            <a:off x="8681227" y="4155164"/>
+            <a:ext cx="0" cy="432000"/>
+          </a:xfrm>
+          <a:prstGeom prst="straightConnector1">
+            <a:avLst/>
+          </a:prstGeom>
+          <a:ln w="28575">
+            <a:solidFill>
+              <a:srgbClr val="2993E7"/>
+            </a:solidFill>
+            <a:tailEnd type="triangle"/>
+          </a:ln>
+        </p:spPr>
+        <p:style>
+          <a:lnRef idx="1">
+            <a:schemeClr val="accent1"/>
+          </a:lnRef>
+          <a:fillRef idx="0">
+            <a:schemeClr val="accent1"/>
+          </a:fillRef>
+          <a:effectRef idx="0">
+            <a:schemeClr val="accent1"/>
+          </a:effectRef>
+          <a:fontRef idx="minor">
+            <a:schemeClr val="tx1"/>
+          </a:fontRef>
+        </p:style>
+      </p:cxnSp>
     </p:spTree>
     <p:extLst>
       <p:ext uri="{BB962C8B-B14F-4D97-AF65-F5344CB8AC3E}">
@@ -13634,7 +19853,13 @@
           <p:cNvGraphicFramePr>
             <a:graphicFrameLocks noGrp="1"/>
           </p:cNvGraphicFramePr>
-          <p:nvPr/>
+          <p:nvPr>
+            <p:extLst>
+              <p:ext uri="{D42A27DB-BD31-4B8C-83A1-F6EECF244321}">
+                <p14:modId xmlns:p14="http://schemas.microsoft.com/office/powerpoint/2010/main" val="2790487361"/>
+              </p:ext>
+            </p:extLst>
+          </p:nvPr>
         </p:nvGraphicFramePr>
         <p:xfrm>
           <a:off x="1056000" y="1828800"/>
@@ -13827,7 +20052,7 @@
                           <a:ea typeface="+mn-ea"/>
                           <a:cs typeface="+mn-cs"/>
                         </a:rPr>
-                        <a:t>[xxx]</a:t>
+                        <a:t>[9]</a:t>
                       </a:r>
                       <a:endParaRPr lang="en-AU" i="1" dirty="0"/>
                     </a:p>
@@ -14779,18 +21004,33 @@
           <a:bodyPr/>
           <a:lstStyle/>
           <a:p>
+            <a:pPr>
+              <a:lnSpc>
+                <a:spcPct val="100000"/>
+              </a:lnSpc>
+            </a:pPr>
             <a:r>
               <a:rPr lang="en-AU" dirty="0"/>
               <a:t>Patch-based approach has outperformed the voxel-based approach.</a:t>
             </a:r>
           </a:p>
           <a:p>
+            <a:pPr>
+              <a:lnSpc>
+                <a:spcPct val="100000"/>
+              </a:lnSpc>
+            </a:pPr>
             <a:r>
               <a:rPr lang="en-AU" dirty="0"/>
-              <a:t>Models with large amounts of parameters tend to outperform those with less parameters.</a:t>
+              <a:t>Models with large amounts of parameters tend to outperform those with less.</a:t>
             </a:r>
           </a:p>
           <a:p>
+            <a:pPr>
+              <a:lnSpc>
+                <a:spcPct val="100000"/>
+              </a:lnSpc>
+            </a:pPr>
             <a:r>
               <a:rPr lang="en-AU" dirty="0"/>
               <a:t>Our patch-based ResNet50 approach has outperformed the current state-of-the-art approaches for predicting conversion from normal cognition to cognitive impairment.</a:t>
@@ -14843,6 +21083,14 @@
 <file path=ppt/slides/slide18.xml><?xml version="1.0" encoding="utf-8"?>
 <p:sld xmlns:a="http://schemas.openxmlformats.org/drawingml/2006/main" xmlns:r="http://schemas.openxmlformats.org/officeDocument/2006/relationships" xmlns:p="http://schemas.openxmlformats.org/presentationml/2006/main">
   <p:cSld>
+    <p:bg>
+      <p:bgPr>
+        <a:solidFill>
+          <a:schemeClr val="bg1"/>
+        </a:solidFill>
+        <a:effectLst/>
+      </p:bgPr>
+    </p:bg>
     <p:spTree>
       <p:nvGrpSpPr>
         <p:cNvPr id="1" name=""/>
@@ -14857,6 +21105,258 @@
           <a:chExt cx="0" cy="0"/>
         </a:xfrm>
       </p:grpSpPr>
+      <p:sp useBgFill="1">
+        <p:nvSpPr>
+          <p:cNvPr id="9" name="Rectangle 8">
+            <a:extLst>
+              <a:ext uri="{FF2B5EF4-FFF2-40B4-BE49-F238E27FC236}">
+                <a16:creationId xmlns:a16="http://schemas.microsoft.com/office/drawing/2014/main" id="{907EF6B7-1338-4443-8C46-6A318D952DFD}"/>
+              </a:ext>
+              <a:ext uri="{C183D7F6-B498-43B3-948B-1728B52AA6E4}">
+                <adec:decorative xmlns:adec="http://schemas.microsoft.com/office/drawing/2017/decorative" val="1"/>
+              </a:ext>
+            </a:extLst>
+          </p:cNvPr>
+          <p:cNvSpPr>
+            <a:spLocks noGrp="1" noRot="1" noChangeAspect="1" noMove="1" noResize="1" noEditPoints="1" noAdjustHandles="1" noChangeArrowheads="1" noChangeShapeType="1" noTextEdit="1"/>
+          </p:cNvSpPr>
+          <p:nvPr>
+            <p:extLst>
+              <p:ext uri="{386F3935-93C4-4BCD-93E2-E3B085C9AB24}">
+                <p16:designElem xmlns:p16="http://schemas.microsoft.com/office/powerpoint/2015/main" val="1"/>
+              </p:ext>
+            </p:extLst>
+          </p:nvPr>
+        </p:nvSpPr>
+        <p:spPr>
+          <a:xfrm>
+            <a:off x="3048" y="0"/>
+            <a:ext cx="12188952" cy="6858000"/>
+          </a:xfrm>
+          <a:prstGeom prst="rect">
+            <a:avLst/>
+          </a:prstGeom>
+          <a:ln>
+            <a:noFill/>
+          </a:ln>
+        </p:spPr>
+        <p:style>
+          <a:lnRef idx="2">
+            <a:schemeClr val="accent1">
+              <a:shade val="50000"/>
+            </a:schemeClr>
+          </a:lnRef>
+          <a:fillRef idx="1">
+            <a:schemeClr val="accent1"/>
+          </a:fillRef>
+          <a:effectRef idx="0">
+            <a:schemeClr val="accent1"/>
+          </a:effectRef>
+          <a:fontRef idx="minor">
+            <a:schemeClr val="lt1"/>
+          </a:fontRef>
+        </p:style>
+        <p:txBody>
+          <a:bodyPr rtlCol="0" anchor="ctr"/>
+          <a:lstStyle/>
+          <a:p>
+            <a:pPr marL="0" marR="0" lvl="0" indent="0" algn="ctr" defTabSz="914400" rtl="0" eaLnBrk="1" fontAlgn="auto" latinLnBrk="0" hangingPunct="1">
+              <a:lnSpc>
+                <a:spcPct val="100000"/>
+              </a:lnSpc>
+              <a:spcBef>
+                <a:spcPts val="0"/>
+              </a:spcBef>
+              <a:spcAft>
+                <a:spcPts val="0"/>
+              </a:spcAft>
+              <a:buClrTx/>
+              <a:buSzTx/>
+              <a:buFontTx/>
+              <a:buNone/>
+              <a:tabLst/>
+              <a:defRPr/>
+            </a:pPr>
+            <a:endParaRPr kumimoji="0" lang="en-US" sz="1800" b="0" i="0" u="none" strike="noStrike" kern="1200" cap="none" spc="0" normalizeH="0" baseline="0" noProof="0">
+              <a:ln>
+                <a:noFill/>
+              </a:ln>
+              <a:solidFill>
+                <a:prstClr val="white"/>
+              </a:solidFill>
+              <a:effectLst/>
+              <a:uLnTx/>
+              <a:uFillTx/>
+              <a:latin typeface="Calibri" panose="020F0502020204030204"/>
+              <a:ea typeface="+mn-ea"/>
+              <a:cs typeface="+mn-cs"/>
+            </a:endParaRPr>
+          </a:p>
+        </p:txBody>
+      </p:sp>
+      <p:sp>
+        <p:nvSpPr>
+          <p:cNvPr id="11" name="Freeform: Shape 10">
+            <a:extLst>
+              <a:ext uri="{FF2B5EF4-FFF2-40B4-BE49-F238E27FC236}">
+                <a16:creationId xmlns:a16="http://schemas.microsoft.com/office/drawing/2014/main" id="{DAAE4CDD-124C-4DCF-9584-B6033B545DD5}"/>
+              </a:ext>
+              <a:ext uri="{C183D7F6-B498-43B3-948B-1728B52AA6E4}">
+                <adec:decorative xmlns:adec="http://schemas.microsoft.com/office/drawing/2017/decorative" val="1"/>
+              </a:ext>
+            </a:extLst>
+          </p:cNvPr>
+          <p:cNvSpPr>
+            <a:spLocks noGrp="1" noRot="1" noChangeAspect="1" noMove="1" noResize="1" noEditPoints="1" noAdjustHandles="1" noChangeArrowheads="1" noChangeShapeType="1" noTextEdit="1"/>
+          </p:cNvSpPr>
+          <p:nvPr>
+            <p:extLst>
+              <p:ext uri="{386F3935-93C4-4BCD-93E2-E3B085C9AB24}">
+                <p16:designElem xmlns:p16="http://schemas.microsoft.com/office/powerpoint/2015/main" val="1"/>
+              </p:ext>
+            </p:extLst>
+          </p:nvPr>
+        </p:nvSpPr>
+        <p:spPr>
+          <a:xfrm>
+            <a:off x="1" y="0"/>
+            <a:ext cx="4167271" cy="6858000"/>
+          </a:xfrm>
+          <a:custGeom>
+            <a:avLst/>
+            <a:gdLst>
+              <a:gd name="connsiteX0" fmla="*/ 0 w 4167271"/>
+              <a:gd name="connsiteY0" fmla="*/ 0 h 6858000"/>
+              <a:gd name="connsiteX1" fmla="*/ 2259550 w 4167271"/>
+              <a:gd name="connsiteY1" fmla="*/ 0 h 6858000"/>
+              <a:gd name="connsiteX2" fmla="*/ 2387803 w 4167271"/>
+              <a:gd name="connsiteY2" fmla="*/ 82222 h 6858000"/>
+              <a:gd name="connsiteX3" fmla="*/ 4167271 w 4167271"/>
+              <a:gd name="connsiteY3" fmla="*/ 3429000 h 6858000"/>
+              <a:gd name="connsiteX4" fmla="*/ 2387803 w 4167271"/>
+              <a:gd name="connsiteY4" fmla="*/ 6775779 h 6858000"/>
+              <a:gd name="connsiteX5" fmla="*/ 2259550 w 4167271"/>
+              <a:gd name="connsiteY5" fmla="*/ 6858000 h 6858000"/>
+              <a:gd name="connsiteX6" fmla="*/ 0 w 4167271"/>
+              <a:gd name="connsiteY6" fmla="*/ 6858000 h 6858000"/>
+            </a:gdLst>
+            <a:ahLst/>
+            <a:cxnLst>
+              <a:cxn ang="0">
+                <a:pos x="connsiteX0" y="connsiteY0"/>
+              </a:cxn>
+              <a:cxn ang="0">
+                <a:pos x="connsiteX1" y="connsiteY1"/>
+              </a:cxn>
+              <a:cxn ang="0">
+                <a:pos x="connsiteX2" y="connsiteY2"/>
+              </a:cxn>
+              <a:cxn ang="0">
+                <a:pos x="connsiteX3" y="connsiteY3"/>
+              </a:cxn>
+              <a:cxn ang="0">
+                <a:pos x="connsiteX4" y="connsiteY4"/>
+              </a:cxn>
+              <a:cxn ang="0">
+                <a:pos x="connsiteX5" y="connsiteY5"/>
+              </a:cxn>
+              <a:cxn ang="0">
+                <a:pos x="connsiteX6" y="connsiteY6"/>
+              </a:cxn>
+            </a:cxnLst>
+            <a:rect l="l" t="t" r="r" b="b"/>
+            <a:pathLst>
+              <a:path w="4167271" h="6858000">
+                <a:moveTo>
+                  <a:pt x="0" y="0"/>
+                </a:moveTo>
+                <a:lnTo>
+                  <a:pt x="2259550" y="0"/>
+                </a:lnTo>
+                <a:lnTo>
+                  <a:pt x="2387803" y="82222"/>
+                </a:lnTo>
+                <a:cubicBezTo>
+                  <a:pt x="3461407" y="807534"/>
+                  <a:pt x="4167271" y="2035835"/>
+                  <a:pt x="4167271" y="3429000"/>
+                </a:cubicBezTo>
+                <a:cubicBezTo>
+                  <a:pt x="4167271" y="4822165"/>
+                  <a:pt x="3461407" y="6050467"/>
+                  <a:pt x="2387803" y="6775779"/>
+                </a:cubicBezTo>
+                <a:lnTo>
+                  <a:pt x="2259550" y="6858000"/>
+                </a:lnTo>
+                <a:lnTo>
+                  <a:pt x="0" y="6858000"/>
+                </a:lnTo>
+                <a:close/>
+              </a:path>
+            </a:pathLst>
+          </a:custGeom>
+          <a:solidFill>
+            <a:schemeClr val="accent2"/>
+          </a:solidFill>
+          <a:ln>
+            <a:noFill/>
+          </a:ln>
+        </p:spPr>
+        <p:style>
+          <a:lnRef idx="2">
+            <a:schemeClr val="accent1">
+              <a:shade val="50000"/>
+            </a:schemeClr>
+          </a:lnRef>
+          <a:fillRef idx="1">
+            <a:schemeClr val="accent1"/>
+          </a:fillRef>
+          <a:effectRef idx="0">
+            <a:schemeClr val="accent1"/>
+          </a:effectRef>
+          <a:fontRef idx="minor">
+            <a:schemeClr val="lt1"/>
+          </a:fontRef>
+        </p:style>
+        <p:txBody>
+          <a:bodyPr rtlCol="0" anchor="ctr"/>
+          <a:lstStyle/>
+          <a:p>
+            <a:pPr marL="0" marR="0" lvl="0" indent="0" algn="ctr" defTabSz="914400" rtl="0" eaLnBrk="1" fontAlgn="auto" latinLnBrk="0" hangingPunct="1">
+              <a:lnSpc>
+                <a:spcPct val="100000"/>
+              </a:lnSpc>
+              <a:spcBef>
+                <a:spcPts val="0"/>
+              </a:spcBef>
+              <a:spcAft>
+                <a:spcPts val="0"/>
+              </a:spcAft>
+              <a:buClrTx/>
+              <a:buSzTx/>
+              <a:buFontTx/>
+              <a:buNone/>
+              <a:tabLst/>
+              <a:defRPr/>
+            </a:pPr>
+            <a:endParaRPr kumimoji="0" lang="en-US" sz="1800" b="0" i="0" u="none" strike="noStrike" kern="1200" cap="none" spc="0" normalizeH="0" baseline="0" noProof="0">
+              <a:ln>
+                <a:noFill/>
+              </a:ln>
+              <a:solidFill>
+                <a:prstClr val="white"/>
+              </a:solidFill>
+              <a:effectLst/>
+              <a:uLnTx/>
+              <a:uFillTx/>
+              <a:latin typeface="Calibri" panose="020F0502020204030204"/>
+              <a:ea typeface="+mn-ea"/>
+              <a:cs typeface="+mn-cs"/>
+            </a:endParaRPr>
+          </a:p>
+        </p:txBody>
+      </p:sp>
       <p:sp>
         <p:nvSpPr>
           <p:cNvPr id="2" name="Title 1">
@@ -14873,13 +21373,24 @@
             <p:ph type="title"/>
           </p:nvPr>
         </p:nvSpPr>
-        <p:spPr/>
+        <p:spPr>
+          <a:xfrm>
+            <a:off x="686834" y="1153572"/>
+            <a:ext cx="3200400" cy="4461163"/>
+          </a:xfrm>
+        </p:spPr>
         <p:txBody>
-          <a:bodyPr/>
+          <a:bodyPr>
+            <a:normAutofit/>
+          </a:bodyPr>
           <a:lstStyle/>
           <a:p>
             <a:r>
-              <a:rPr lang="en-AU" dirty="0"/>
+              <a:rPr lang="en-AU">
+                <a:solidFill>
+                  <a:srgbClr val="FFFFFF"/>
+                </a:solidFill>
+              </a:rPr>
               <a:t>References</a:t>
             </a:r>
           </a:p>
@@ -14901,408 +21412,428 @@
             <p:ph idx="1"/>
           </p:nvPr>
         </p:nvSpPr>
-        <p:spPr/>
+        <p:spPr>
+          <a:xfrm>
+            <a:off x="4447308" y="136526"/>
+            <a:ext cx="6744567" cy="6040438"/>
+          </a:xfrm>
+        </p:spPr>
         <p:txBody>
-          <a:bodyPr>
-            <a:normAutofit fontScale="77500" lnSpcReduction="20000"/>
+          <a:bodyPr anchor="ctr">
+            <a:normAutofit/>
           </a:bodyPr>
           <a:lstStyle/>
           <a:p>
             <a:pPr marL="0" indent="0">
-              <a:lnSpc>
-                <a:spcPct val="110000"/>
-              </a:lnSpc>
               <a:buNone/>
             </a:pPr>
             <a:r>
-              <a:rPr lang="en-GB" sz="1800" b="0" i="0" u="none" strike="noStrike" baseline="0" dirty="0">
+              <a:rPr lang="en-GB" sz="1000" b="0" i="0" u="none" strike="noStrike" baseline="0" dirty="0">
                 <a:latin typeface="CMR12"/>
               </a:rPr>
-              <a:t>[1] Australian Bureau of Statistics, “Causes of death, Australia, 2019,” 2020.</a:t>
+              <a:t>[</a:t>
             </a:r>
-          </a:p>
-          <a:p>
-            <a:pPr marL="0" indent="0" algn="l">
-              <a:lnSpc>
-                <a:spcPct val="110000"/>
-              </a:lnSpc>
+            <a:r>
+              <a:rPr lang="en-GB" sz="1000" dirty="0">
+                <a:latin typeface="CMR12"/>
+              </a:rPr>
+              <a:t>1] Australian Bureau of Statistics, “Causes of death, Australia, 2019,” 2020.</a:t>
+            </a:r>
+          </a:p>
+          <a:p>
+            <a:pPr marL="0" indent="0">
               <a:buNone/>
             </a:pPr>
             <a:r>
-              <a:rPr lang="en-AU" sz="1800" b="0" i="0" u="none" strike="noStrike" baseline="0" dirty="0">
+              <a:rPr lang="en-AU" sz="1000" dirty="0">
                 <a:latin typeface="CMR12"/>
               </a:rPr>
               <a:t>[2] R. C. Petersen, R. Doody, A. Kurz, R. C. Mohs, J. C. Morris, P. V. </a:t>
             </a:r>
             <a:r>
-              <a:rPr lang="en-AU" sz="1800" b="0" i="0" u="none" strike="noStrike" baseline="0" dirty="0" err="1">
+              <a:rPr lang="en-AU" sz="1000" dirty="0" err="1">
                 <a:latin typeface="CMR12"/>
               </a:rPr>
               <a:t>Rabins</a:t>
             </a:r>
             <a:r>
-              <a:rPr lang="en-AU" sz="1800" b="0" i="0" u="none" strike="noStrike" baseline="0" dirty="0">
+              <a:rPr lang="en-AU" sz="1000" dirty="0">
                 <a:latin typeface="CMR12"/>
               </a:rPr>
               <a:t>, </a:t>
             </a:r>
             <a:r>
-              <a:rPr lang="en-GB" sz="1800" b="0" i="0" u="none" strike="noStrike" baseline="0" dirty="0">
+              <a:rPr lang="en-GB" sz="1000" dirty="0">
                 <a:latin typeface="CMR12"/>
               </a:rPr>
               <a:t>K. Ritchie, M. </a:t>
             </a:r>
             <a:r>
-              <a:rPr lang="en-GB" sz="1800" b="0" i="0" u="none" strike="noStrike" baseline="0" dirty="0" err="1">
+              <a:rPr lang="en-GB" sz="1000" dirty="0" err="1">
                 <a:latin typeface="CMR12"/>
               </a:rPr>
               <a:t>Rossor</a:t>
             </a:r>
             <a:r>
-              <a:rPr lang="en-GB" sz="1800" b="0" i="0" u="none" strike="noStrike" baseline="0" dirty="0">
+              <a:rPr lang="en-GB" sz="1000" dirty="0">
                 <a:latin typeface="CMR12"/>
               </a:rPr>
               <a:t>, L. </a:t>
             </a:r>
             <a:r>
-              <a:rPr lang="en-GB" sz="1800" b="0" i="0" u="none" strike="noStrike" baseline="0" dirty="0" err="1">
+              <a:rPr lang="en-GB" sz="1000" dirty="0" err="1">
                 <a:latin typeface="CMR12"/>
               </a:rPr>
               <a:t>Thal</a:t>
             </a:r>
             <a:r>
-              <a:rPr lang="en-GB" sz="1800" b="0" i="0" u="none" strike="noStrike" baseline="0" dirty="0">
+              <a:rPr lang="en-GB" sz="1000" dirty="0">
                 <a:latin typeface="CMR12"/>
               </a:rPr>
               <a:t>, and B. </a:t>
             </a:r>
             <a:r>
-              <a:rPr lang="en-GB" sz="1800" b="0" i="0" u="none" strike="noStrike" baseline="0" dirty="0" err="1">
+              <a:rPr lang="en-GB" sz="1000" dirty="0" err="1">
                 <a:latin typeface="CMR12"/>
               </a:rPr>
               <a:t>Winblad</a:t>
             </a:r>
             <a:r>
-              <a:rPr lang="en-GB" sz="1800" b="0" i="0" u="none" strike="noStrike" baseline="0" dirty="0">
+              <a:rPr lang="en-GB" sz="1000" dirty="0">
                 <a:latin typeface="CMR12"/>
               </a:rPr>
-              <a:t>, “Current concepts in mild cognitive impairment,” </a:t>
+              <a:t>, “Current concepts in mild cognitive impairment,” Archives of neurology, vol. 58, no. 12, pp. 1985-1992, </a:t>
             </a:r>
             <a:r>
-              <a:rPr lang="en-GB" sz="1800" b="0" i="0" u="none" strike="noStrike" baseline="0" dirty="0">
-                <a:latin typeface="CMTI12"/>
-              </a:rPr>
-              <a:t>Archives of neurology</a:t>
-            </a:r>
-            <a:r>
-              <a:rPr lang="en-GB" sz="1800" b="0" i="0" u="none" strike="noStrike" baseline="0" dirty="0">
-                <a:latin typeface="CMR12"/>
-              </a:rPr>
-              <a:t>, vol. 58, no. 12, pp. 1985-1992, </a:t>
-            </a:r>
-            <a:r>
-              <a:rPr lang="en-AU" sz="1800" b="0" i="0" u="none" strike="noStrike" baseline="0" dirty="0">
+              <a:rPr lang="en-AU" sz="1000" dirty="0">
                 <a:latin typeface="CMR12"/>
               </a:rPr>
               <a:t>2001.</a:t>
             </a:r>
           </a:p>
           <a:p>
-            <a:pPr marL="0" indent="0" algn="l">
-              <a:lnSpc>
-                <a:spcPct val="110000"/>
-              </a:lnSpc>
+            <a:pPr marL="0" indent="0">
               <a:buNone/>
             </a:pPr>
             <a:r>
-              <a:rPr lang="en-GB" sz="1800" b="0" i="0" u="none" strike="noStrike" baseline="0" dirty="0">
+              <a:rPr lang="en-GB" sz="1000" dirty="0">
                 <a:latin typeface="CMR12"/>
               </a:rPr>
               <a:t>[3] M. Davis, T. O'Connell, S. Johnson, S. Cline, E. </a:t>
             </a:r>
             <a:r>
-              <a:rPr lang="en-GB" sz="1800" b="0" i="0" u="none" strike="noStrike" baseline="0" dirty="0" err="1">
+              <a:rPr lang="en-GB" sz="1000" dirty="0" err="1">
                 <a:latin typeface="CMR12"/>
               </a:rPr>
               <a:t>Merikle</a:t>
             </a:r>
             <a:r>
-              <a:rPr lang="en-GB" sz="1800" b="0" i="0" u="none" strike="noStrike" baseline="0" dirty="0">
+              <a:rPr lang="en-GB" sz="1000" dirty="0">
                 <a:latin typeface="CMR12"/>
               </a:rPr>
               <a:t>, F. </a:t>
             </a:r>
             <a:r>
-              <a:rPr lang="en-GB" sz="1800" b="0" i="0" u="none" strike="noStrike" baseline="0" dirty="0" err="1">
+              <a:rPr lang="en-GB" sz="1000" dirty="0" err="1">
                 <a:latin typeface="CMR12"/>
               </a:rPr>
               <a:t>Martenyi</a:t>
             </a:r>
             <a:r>
-              <a:rPr lang="en-GB" sz="1800" b="0" i="0" u="none" strike="noStrike" baseline="0" dirty="0">
+              <a:rPr lang="en-GB" sz="1000" dirty="0">
                 <a:latin typeface="CMR12"/>
               </a:rPr>
-              <a:t>, and K. Simpson, “Estimating Alzheimer's disease progression rates from normal cognition through mild cognitive impairment and stages of dementia,” </a:t>
+              <a:t>, and K. Simpson, “Estimating Alzheimer's disease progression rates from normal cognition through mild cognitive impairment and stages of dementia,” Current </a:t>
             </a:r>
             <a:r>
-              <a:rPr lang="en-GB" sz="1800" b="0" i="0" u="none" strike="noStrike" baseline="0" dirty="0">
-                <a:latin typeface="CMTI12"/>
-              </a:rPr>
-              <a:t>Current </a:t>
-            </a:r>
-            <a:r>
-              <a:rPr lang="en-AU" sz="1800" b="0" i="0" u="none" strike="noStrike" baseline="0" dirty="0">
-                <a:latin typeface="CMTI12"/>
-              </a:rPr>
-              <a:t>Alzheimer Research</a:t>
-            </a:r>
-            <a:r>
-              <a:rPr lang="en-AU" sz="1800" b="0" i="0" u="none" strike="noStrike" baseline="0" dirty="0">
+              <a:rPr lang="en-AU" sz="1000" dirty="0">
                 <a:latin typeface="CMR12"/>
               </a:rPr>
-              <a:t>, vol. 15, no. 8, pp. 777-788, 2018.</a:t>
+              <a:t>Alzheimer Research, vol. 15, no. 8, pp. 777-788, 2018.</a:t>
             </a:r>
           </a:p>
           <a:p>
-            <a:pPr marL="0" indent="0" algn="l">
-              <a:lnSpc>
-                <a:spcPct val="110000"/>
-              </a:lnSpc>
+            <a:pPr marL="0" indent="0">
               <a:buNone/>
             </a:pPr>
             <a:r>
-              <a:rPr lang="en-AU" sz="1800" b="0" i="0" u="none" strike="noStrike" baseline="0" dirty="0">
+              <a:rPr lang="en-GB" sz="1000" dirty="0">
                 <a:latin typeface="CMR12"/>
               </a:rPr>
-              <a:t>[4] S. Yao, Y. Liu, X. Zheng, Y. Zhang, S. Cui, C. Tang, L. Lu, and N. Xu, “Do nonpharmacological interventions prevent cognitive decline? a systematic review and meta-analysis,” </a:t>
+              <a:t>[4] National Institute on Aging, &amp; Alzheimer’s Disease Education and Referral </a:t>
             </a:r>
             <a:r>
-              <a:rPr lang="en-AU" sz="1800" b="0" i="0" u="none" strike="noStrike" baseline="0" dirty="0">
-                <a:latin typeface="CMTI12"/>
+              <a:rPr lang="en-GB" sz="1000" dirty="0" err="1">
+                <a:latin typeface="CMR12"/>
               </a:rPr>
-              <a:t>Translational psychiatry</a:t>
+              <a:t>Center</a:t>
             </a:r>
             <a:r>
-              <a:rPr lang="en-AU" sz="1800" b="0" i="0" u="none" strike="noStrike" baseline="0" dirty="0">
+              <a:rPr lang="en-GB" sz="1000" dirty="0">
                 <a:latin typeface="CMR12"/>
               </a:rPr>
-              <a:t>, vol. 10, no. 1, pp. 1-11, 2020.</a:t>
+              <a:t>, Alzheimer’s disease: </a:t>
             </a:r>
-          </a:p>
-          <a:p>
-            <a:pPr marL="0" indent="0" algn="l">
-              <a:lnSpc>
-                <a:spcPct val="110000"/>
-              </a:lnSpc>
+            <a:r>
+              <a:rPr lang="en-GB" sz="1000" dirty="0" err="1">
+                <a:latin typeface="CMR12"/>
+              </a:rPr>
+              <a:t>Unraveling</a:t>
+            </a:r>
+            <a:r>
+              <a:rPr lang="en-GB" sz="1000" dirty="0">
+                <a:latin typeface="CMR12"/>
+              </a:rPr>
+              <a:t> the mystery. U.S. Department of Health and Human Services NIH Publication Number: 08-3782, 2008.</a:t>
+            </a:r>
+            <a:endParaRPr lang="en-AU" sz="1000" dirty="0">
+              <a:latin typeface="CMR12"/>
+            </a:endParaRPr>
+          </a:p>
+          <a:p>
+            <a:pPr marL="0" indent="0">
               <a:buNone/>
             </a:pPr>
             <a:r>
-              <a:rPr lang="en-AU" sz="1800" b="0" i="0" u="none" strike="noStrike" baseline="0" dirty="0">
+              <a:rPr lang="en-AU" sz="1000" dirty="0">
                 <a:latin typeface="CMR12"/>
               </a:rPr>
-              <a:t>[10] M. A. </a:t>
+              <a:t>[5] S. Yao, Y. Liu, X. Zheng, Y. Zhang, S. Cui, C. Tang, L. Lu, and N. Xu, “Do nonpharmacological interventions prevent cognitive decline? a systematic review and meta-analysis,” Translational psychiatry, vol. 10, no. 1, pp. 1-11, 2020.</a:t>
+            </a:r>
+          </a:p>
+          <a:p>
+            <a:pPr marL="0" indent="0">
+              <a:buNone/>
+            </a:pPr>
+            <a:r>
+              <a:rPr lang="en-AU" sz="1000" dirty="0">
+                <a:latin typeface="CMR12"/>
+              </a:rPr>
+              <a:t>[6] C. S. Lee, P. G. Nagy, S. J. Weaver, and D. E. Newman-</a:t>
             </a:r>
             <a:r>
-              <a:rPr lang="en-AU" sz="1800" b="0" i="0" u="none" strike="noStrike" baseline="0" dirty="0" err="1">
+              <a:rPr lang="en-AU" sz="1000" dirty="0" err="1">
+                <a:latin typeface="CMR12"/>
+              </a:rPr>
+              <a:t>Toker</a:t>
+            </a:r>
+            <a:r>
+              <a:rPr lang="en-AU" sz="1000" dirty="0">
+                <a:latin typeface="CMR12"/>
+              </a:rPr>
+              <a:t>, “Cognitive and system factors contributing to diagnostic errors in radiology,” American Journal of Roentgenology, vol. 201, no. 3, pp. 611{617, 2013.</a:t>
+            </a:r>
+          </a:p>
+          <a:p>
+            <a:pPr marL="0" indent="0">
+              <a:buNone/>
+            </a:pPr>
+            <a:r>
+              <a:rPr lang="it-IT" sz="1000" dirty="0">
+                <a:latin typeface="CMR12"/>
+              </a:rPr>
+              <a:t>[7] E. Yagis, L. Citi, S. Diciotti, C. Marzi, S. W. Atnafu, and A. G. S. De Her</a:t>
+            </a:r>
+            <a:r>
+              <a:rPr lang="en-AU" sz="1000" dirty="0" err="1">
+                <a:latin typeface="CMR12"/>
+              </a:rPr>
+              <a:t>rera</a:t>
+            </a:r>
+            <a:r>
+              <a:rPr lang="en-AU" sz="1000" dirty="0">
+                <a:latin typeface="CMR12"/>
+              </a:rPr>
+              <a:t>, “3D convolutional neural networks for diagnosis of Alzheimer's disease via structural MRI,” in 2020 IEEE 33rd International Symposium on Computer-Based Medical Systems (CBMS). IEEE, 2020, pp. 65{70.</a:t>
+            </a:r>
+          </a:p>
+          <a:p>
+            <a:pPr marL="0" indent="0">
+              <a:buNone/>
+            </a:pPr>
+            <a:r>
+              <a:rPr lang="en-AU" sz="1000" dirty="0">
+                <a:latin typeface="CMR12"/>
+              </a:rPr>
+              <a:t>[8] M. A. </a:t>
+            </a:r>
+            <a:r>
+              <a:rPr lang="en-AU" sz="1000" dirty="0" err="1">
                 <a:latin typeface="CMR12"/>
               </a:rPr>
               <a:t>Ebrahimighahnavieh</a:t>
             </a:r>
             <a:r>
-              <a:rPr lang="en-AU" sz="1800" b="0" i="0" u="none" strike="noStrike" baseline="0" dirty="0">
+              <a:rPr lang="en-AU" sz="1000" dirty="0">
                 <a:latin typeface="CMR12"/>
               </a:rPr>
               <a:t>, S. Luo, and R. </a:t>
             </a:r>
             <a:r>
-              <a:rPr lang="en-AU" sz="1800" b="0" i="0" u="none" strike="noStrike" baseline="0" dirty="0" err="1">
+              <a:rPr lang="en-AU" sz="1000" dirty="0" err="1">
                 <a:latin typeface="CMR12"/>
               </a:rPr>
               <a:t>Chiong</a:t>
             </a:r>
             <a:r>
-              <a:rPr lang="en-AU" sz="1800" b="0" i="0" u="none" strike="noStrike" baseline="0" dirty="0">
+              <a:rPr lang="en-AU" sz="1000" dirty="0">
                 <a:latin typeface="CMR12"/>
               </a:rPr>
-              <a:t>, “Deep learning to detect Alzheimer's disease from neuroimaging: A systematic literature review,” </a:t>
+              <a:t>, “Deep learning to detect Alzheimer's disease from neuroimaging: A systematic literature review,” Computer methods and programs in biomedicine, vol. 187, p. 105242, 2020.</a:t>
             </a:r>
-            <a:r>
-              <a:rPr lang="en-AU" sz="1800" b="0" i="0" u="none" strike="noStrike" baseline="0" dirty="0">
-                <a:latin typeface="CMTI12"/>
-              </a:rPr>
-              <a:t>Computer methods and programs in biomedicine</a:t>
-            </a:r>
-            <a:r>
-              <a:rPr lang="en-AU" sz="1800" b="0" i="0" u="none" strike="noStrike" baseline="0" dirty="0">
-                <a:latin typeface="CMR12"/>
-              </a:rPr>
-              <a:t>, vol. 187, p. 105242, 2020.</a:t>
-            </a:r>
-          </a:p>
-          <a:p>
-            <a:pPr marL="0" indent="0" algn="l">
-              <a:lnSpc>
-                <a:spcPct val="110000"/>
-              </a:lnSpc>
+          </a:p>
+          <a:p>
+            <a:pPr marL="0" indent="0">
               <a:buNone/>
             </a:pPr>
             <a:r>
-              <a:rPr lang="en-AU" sz="1200" b="0" i="0" dirty="0">
-                <a:effectLst/>
-                <a:latin typeface="Arial" panose="020B0604020202020204" pitchFamily="34" charset="0"/>
+              <a:rPr lang="en-AU" sz="1000" dirty="0">
+                <a:latin typeface="CMR12"/>
               </a:rPr>
-              <a:t>[xxx] M. Albert, Y. Zhu, A. </a:t>
+              <a:t>[9] M. Albert, Y. Zhu, A. </a:t>
             </a:r>
             <a:r>
-              <a:rPr lang="en-AU" sz="1200" b="0" i="0" dirty="0" err="1">
-                <a:effectLst/>
-                <a:latin typeface="Arial" panose="020B0604020202020204" pitchFamily="34" charset="0"/>
+              <a:rPr lang="en-AU" sz="1000" dirty="0" err="1">
+                <a:latin typeface="CMR12"/>
               </a:rPr>
               <a:t>Moghekar</a:t>
             </a:r>
             <a:r>
-              <a:rPr lang="en-AU" sz="1200" b="0" i="0" dirty="0">
-                <a:effectLst/>
-                <a:latin typeface="Arial" panose="020B0604020202020204" pitchFamily="34" charset="0"/>
+              <a:rPr lang="en-AU" sz="1000" dirty="0">
+                <a:latin typeface="CMR12"/>
               </a:rPr>
               <a:t>, S. Mori, M. I. Miller, A. Soldan, C. Petti-grew, O. </a:t>
             </a:r>
             <a:r>
-              <a:rPr lang="en-AU" sz="1200" b="0" i="0" dirty="0" err="1">
-                <a:effectLst/>
-                <a:latin typeface="Arial" panose="020B0604020202020204" pitchFamily="34" charset="0"/>
+              <a:rPr lang="en-AU" sz="1000" dirty="0" err="1">
+                <a:latin typeface="CMR12"/>
               </a:rPr>
               <a:t>Selnes</a:t>
             </a:r>
             <a:r>
-              <a:rPr lang="en-AU" sz="1200" b="0" i="0" dirty="0">
-                <a:effectLst/>
-                <a:latin typeface="Arial" panose="020B0604020202020204" pitchFamily="34" charset="0"/>
+              <a:rPr lang="en-AU" sz="1000" dirty="0">
+                <a:latin typeface="CMR12"/>
               </a:rPr>
-              <a:t>, S. Li, and M.-C. Wang, “Predicting progression from </a:t>
+              <a:t>, S. Li, and M.-C. Wang, “Predicting progression from normal cognition to mild cognitive impairment for individuals at 5 years,” Brain, vol.141, no. 3, pp. 877–887, 2018.</a:t>
             </a:r>
-            <a:r>
-              <a:rPr lang="en-AU" sz="1200" b="0" i="0" dirty="0" err="1">
-                <a:effectLst/>
-                <a:latin typeface="Arial" panose="020B0604020202020204" pitchFamily="34" charset="0"/>
-              </a:rPr>
-              <a:t>normalcognition</a:t>
-            </a:r>
-            <a:r>
-              <a:rPr lang="en-AU" sz="1200" b="0" i="0" dirty="0">
-                <a:effectLst/>
-                <a:latin typeface="Arial" panose="020B0604020202020204" pitchFamily="34" charset="0"/>
-              </a:rPr>
-              <a:t> to mild cognitive impairment for individuals at 5 </a:t>
-            </a:r>
-            <a:r>
-              <a:rPr lang="en-AU" sz="1200" b="0" i="0" dirty="0" err="1">
-                <a:effectLst/>
-                <a:latin typeface="Arial" panose="020B0604020202020204" pitchFamily="34" charset="0"/>
-              </a:rPr>
-              <a:t>years,”Brain</a:t>
-            </a:r>
-            <a:r>
-              <a:rPr lang="en-AU" sz="1200" b="0" i="0" dirty="0">
-                <a:effectLst/>
-                <a:latin typeface="Arial" panose="020B0604020202020204" pitchFamily="34" charset="0"/>
-              </a:rPr>
-              <a:t>, vol.141, no. 3, pp. 877–887, 2018.</a:t>
-            </a:r>
-          </a:p>
-          <a:p>
-            <a:pPr marL="0" indent="0" algn="l">
-              <a:lnSpc>
-                <a:spcPct val="110000"/>
-              </a:lnSpc>
+          </a:p>
+          <a:p>
+            <a:pPr marL="0" indent="0">
               <a:buNone/>
             </a:pPr>
             <a:r>
-              <a:rPr lang="en-GB" sz="1200" dirty="0"/>
-              <a:t>[23] National Institute on Aging, &amp; Alzheimer’s Disease Education and Referral </a:t>
+              <a:rPr lang="en-AU" sz="1000" dirty="0">
+                <a:latin typeface="CMR12"/>
+              </a:rPr>
+              <a:t>[10] A. Farooq, S. Anwar, M. </a:t>
             </a:r>
             <a:r>
-              <a:rPr lang="en-GB" sz="1200" dirty="0" err="1"/>
-              <a:t>Center</a:t>
-            </a:r>
-            <a:r>
-              <a:rPr lang="en-GB" sz="1200" dirty="0"/>
-              <a:t>, Alzheimer’s disease: </a:t>
-            </a:r>
-            <a:r>
-              <a:rPr lang="en-GB" sz="1200" dirty="0" err="1"/>
-              <a:t>Unraveling</a:t>
-            </a:r>
-            <a:r>
-              <a:rPr lang="en-GB" sz="1200" dirty="0"/>
-              <a:t> the mystery. U.S. Department of Health and Human Services NIH Publication Number: 08-3782, 2008.</a:t>
-            </a:r>
-            <a:endParaRPr lang="en-AU" sz="1800" dirty="0">
-              <a:latin typeface="CMR12"/>
-            </a:endParaRPr>
-          </a:p>
-          <a:p>
-            <a:pPr marL="0" indent="0" algn="l">
-              <a:lnSpc>
-                <a:spcPct val="110000"/>
-              </a:lnSpc>
-              <a:buNone/>
-            </a:pPr>
-            <a:r>
-              <a:rPr lang="en-AU" sz="1800" b="0" i="0" u="none" strike="noStrike" baseline="0" dirty="0">
-                <a:latin typeface="CMR12"/>
-              </a:rPr>
-              <a:t>[18] A. Farooq, S. Anwar, M. </a:t>
-            </a:r>
-            <a:r>
-              <a:rPr lang="en-AU" sz="1800" b="0" i="0" u="none" strike="noStrike" baseline="0" dirty="0" err="1">
+              <a:rPr lang="en-AU" sz="1000" dirty="0" err="1">
                 <a:latin typeface="CMR12"/>
               </a:rPr>
               <a:t>Awais</a:t>
             </a:r>
             <a:r>
-              <a:rPr lang="en-AU" sz="1800" b="0" i="0" u="none" strike="noStrike" baseline="0" dirty="0">
+              <a:rPr lang="en-AU" sz="1000" dirty="0">
                 <a:latin typeface="CMR12"/>
               </a:rPr>
               <a:t>, and M. </a:t>
             </a:r>
             <a:r>
-              <a:rPr lang="en-AU" sz="1800" b="0" i="0" u="none" strike="noStrike" baseline="0" dirty="0" err="1">
+              <a:rPr lang="en-AU" sz="1000" dirty="0" err="1">
                 <a:latin typeface="CMR12"/>
               </a:rPr>
               <a:t>Alnowami</a:t>
             </a:r>
             <a:r>
-              <a:rPr lang="en-AU" sz="1800" b="0" i="0" u="none" strike="noStrike" baseline="0" dirty="0">
+              <a:rPr lang="en-AU" sz="1000" dirty="0">
                 <a:latin typeface="CMR12"/>
               </a:rPr>
               <a:t>, “</a:t>
             </a:r>
             <a:r>
-              <a:rPr lang="en-AU" sz="1800" b="0" i="0" u="none" strike="noStrike" baseline="0" dirty="0" err="1">
+              <a:rPr lang="en-AU" sz="1000" dirty="0" err="1">
                 <a:latin typeface="CMR12"/>
               </a:rPr>
               <a:t>Articial</a:t>
             </a:r>
             <a:r>
-              <a:rPr lang="en-AU" sz="1800" b="0" i="0" u="none" strike="noStrike" baseline="0" dirty="0">
+              <a:rPr lang="en-AU" sz="1000" dirty="0">
                 <a:latin typeface="CMR12"/>
               </a:rPr>
-              <a:t> intelligence based smart diagnosis of Alzheimer's disease and mild cognitive impairment,” in </a:t>
+              <a:t> intelligence based smart diagnosis of Alzheimer's disease and mild cognitive impairment,” in 2017 International Smart cities conference (ISC2). IEEE, 2017, pp. 1-4.</a:t>
+            </a:r>
+          </a:p>
+          <a:p>
+            <a:pPr marL="0" indent="0">
+              <a:buNone/>
+            </a:pPr>
+            <a:r>
+              <a:rPr lang="en-AU" sz="1000" dirty="0">
+                <a:latin typeface="CMR12"/>
+              </a:rPr>
+              <a:t>[11] P. J. LaMontagne, T. L. </a:t>
             </a:r>
             <a:r>
-              <a:rPr lang="en-AU" sz="1800" b="0" i="0" u="none" strike="noStrike" baseline="0" dirty="0">
-                <a:latin typeface="CMTI12"/>
+              <a:rPr lang="en-AU" sz="1000" dirty="0" err="1">
+                <a:latin typeface="CMR12"/>
               </a:rPr>
-              <a:t>2017 International Smart cities conference (ISC2)</a:t>
+              <a:t>Benzinger</a:t>
             </a:r>
             <a:r>
-              <a:rPr lang="en-AU" sz="1800" b="0" i="0" u="none" strike="noStrike" baseline="0" dirty="0">
+              <a:rPr lang="en-AU" sz="1000" dirty="0">
                 <a:latin typeface="CMR12"/>
               </a:rPr>
-              <a:t>. IEEE, 2017, pp. 1-4.</a:t>
+              <a:t>, J. C. Morris, S. Keefe, R. Hornbeck, C. </a:t>
             </a:r>
-            <a:endParaRPr lang="en-AU" dirty="0"/>
+            <a:r>
+              <a:rPr lang="en-AU" sz="1000" dirty="0" err="1">
+                <a:latin typeface="CMR12"/>
+              </a:rPr>
+              <a:t>Xiong</a:t>
+            </a:r>
+            <a:r>
+              <a:rPr lang="en-AU" sz="1000" dirty="0">
+                <a:latin typeface="CMR12"/>
+              </a:rPr>
+              <a:t>, E. Grant, J. </a:t>
+            </a:r>
+            <a:r>
+              <a:rPr lang="en-AU" sz="1000" dirty="0" err="1">
+                <a:latin typeface="CMR12"/>
+              </a:rPr>
+              <a:t>Hassenstab</a:t>
+            </a:r>
+            <a:r>
+              <a:rPr lang="en-AU" sz="1000" dirty="0">
+                <a:latin typeface="CMR12"/>
+              </a:rPr>
+              <a:t>, K. Moulder, and A. </a:t>
+            </a:r>
+            <a:r>
+              <a:rPr lang="en-AU" sz="1000" dirty="0" err="1">
+                <a:latin typeface="CMR12"/>
+              </a:rPr>
+              <a:t>Vlassenko</a:t>
+            </a:r>
+            <a:r>
+              <a:rPr lang="en-AU" sz="1000" dirty="0">
+                <a:latin typeface="CMR12"/>
+              </a:rPr>
+              <a:t>, “OASIS-3: longitudinal neuroimaging, clinical, and cognitive dataset for normal aging and Alzheimer disease,” </a:t>
+            </a:r>
+            <a:r>
+              <a:rPr lang="en-AU" sz="1000" dirty="0" err="1">
+                <a:latin typeface="CMR12"/>
+              </a:rPr>
+              <a:t>MedRxiv</a:t>
+            </a:r>
+            <a:r>
+              <a:rPr lang="en-AU" sz="1000" dirty="0">
+                <a:latin typeface="CMR12"/>
+              </a:rPr>
+              <a:t>, 2019.</a:t>
+            </a:r>
           </a:p>
         </p:txBody>
       </p:sp>
@@ -15322,16 +21853,135 @@
             <p:ph type="sldNum" sz="quarter" idx="12"/>
           </p:nvPr>
         </p:nvSpPr>
-        <p:spPr/>
+        <p:spPr>
+          <a:xfrm>
+            <a:off x="9541564" y="6356350"/>
+            <a:ext cx="1812235" cy="365125"/>
+          </a:xfrm>
+        </p:spPr>
         <p:txBody>
-          <a:bodyPr/>
+          <a:bodyPr>
+            <a:normAutofit/>
+          </a:bodyPr>
           <a:lstStyle/>
           <a:p>
+            <a:pPr>
+              <a:spcAft>
+                <a:spcPts val="600"/>
+              </a:spcAft>
+            </a:pPr>
             <a:fld id="{4854181D-6920-4594-9A5D-6CE56DC9F8B2}" type="slidenum">
-              <a:rPr lang="en-US" smtClean="0"/>
+              <a:rPr lang="en-US">
+                <a:solidFill>
+                  <a:prstClr val="black">
+                    <a:tint val="75000"/>
+                  </a:prstClr>
+                </a:solidFill>
+              </a:rPr>
+              <a:pPr>
+                <a:spcAft>
+                  <a:spcPts val="600"/>
+                </a:spcAft>
+              </a:pPr>
               <a:t>18</a:t>
             </a:fld>
-            <a:endParaRPr lang="en-US"/>
+            <a:endParaRPr lang="en-US">
+              <a:solidFill>
+                <a:prstClr val="black">
+                  <a:tint val="75000"/>
+                </a:prstClr>
+              </a:solidFill>
+            </a:endParaRPr>
+          </a:p>
+        </p:txBody>
+      </p:sp>
+      <p:sp>
+        <p:nvSpPr>
+          <p:cNvPr id="13" name="Arc 12">
+            <a:extLst>
+              <a:ext uri="{FF2B5EF4-FFF2-40B4-BE49-F238E27FC236}">
+                <a16:creationId xmlns:a16="http://schemas.microsoft.com/office/drawing/2014/main" id="{081E4A58-353D-44AE-B2FC-2A74E2E400F7}"/>
+              </a:ext>
+              <a:ext uri="{C183D7F6-B498-43B3-948B-1728B52AA6E4}">
+                <adec:decorative xmlns:adec="http://schemas.microsoft.com/office/drawing/2017/decorative" val="1"/>
+              </a:ext>
+            </a:extLst>
+          </p:cNvPr>
+          <p:cNvSpPr>
+            <a:spLocks noGrp="1" noRot="1" noChangeAspect="1" noMove="1" noResize="1" noEditPoints="1" noAdjustHandles="1" noChangeArrowheads="1" noChangeShapeType="1" noTextEdit="1"/>
+          </p:cNvSpPr>
+          <p:nvPr>
+            <p:extLst>
+              <p:ext uri="{386F3935-93C4-4BCD-93E2-E3B085C9AB24}">
+                <p16:designElem xmlns:p16="http://schemas.microsoft.com/office/powerpoint/2015/main" val="1"/>
+              </p:ext>
+            </p:extLst>
+          </p:nvPr>
+        </p:nvSpPr>
+        <p:spPr>
+          <a:xfrm flipV="1">
+            <a:off x="7550402" y="2455479"/>
+            <a:ext cx="4083433" cy="4083433"/>
+          </a:xfrm>
+          <a:prstGeom prst="arc">
+            <a:avLst/>
+          </a:prstGeom>
+          <a:ln w="127000" cap="rnd">
+            <a:solidFill>
+              <a:schemeClr val="accent4"/>
+            </a:solidFill>
+            <a:prstDash val="dash"/>
+          </a:ln>
+        </p:spPr>
+        <p:style>
+          <a:lnRef idx="1">
+            <a:schemeClr val="accent1"/>
+          </a:lnRef>
+          <a:fillRef idx="0">
+            <a:schemeClr val="accent1"/>
+          </a:fillRef>
+          <a:effectRef idx="0">
+            <a:schemeClr val="accent1"/>
+          </a:effectRef>
+          <a:fontRef idx="minor">
+            <a:schemeClr val="tx1"/>
+          </a:fontRef>
+        </p:style>
+        <p:txBody>
+          <a:bodyPr rtlCol="0" anchor="ctr"/>
+          <a:lstStyle/>
+          <a:p>
+            <a:pPr marL="0" marR="0" lvl="0" indent="0" algn="ctr" defTabSz="914400" rtl="0" eaLnBrk="1" fontAlgn="auto" latinLnBrk="0" hangingPunct="1">
+              <a:lnSpc>
+                <a:spcPct val="100000"/>
+              </a:lnSpc>
+              <a:spcBef>
+                <a:spcPts val="0"/>
+              </a:spcBef>
+              <a:spcAft>
+                <a:spcPts val="0"/>
+              </a:spcAft>
+              <a:buClrTx/>
+              <a:buSzTx/>
+              <a:buFontTx/>
+              <a:buNone/>
+              <a:tabLst/>
+              <a:defRPr/>
+            </a:pPr>
+            <a:endParaRPr kumimoji="0" lang="en-US" sz="1800" b="0" i="0" u="none" strike="noStrike" kern="1200" cap="none" spc="0" normalizeH="0" baseline="0" noProof="0" dirty="0">
+              <a:ln>
+                <a:noFill/>
+              </a:ln>
+              <a:solidFill>
+                <a:prstClr val="black"/>
+              </a:solidFill>
+              <a:effectLst/>
+              <a:uLnTx/>
+              <a:uFillTx/>
+              <a:latin typeface="Calibri" panose="020F0502020204030204"/>
+              <a:ea typeface="+mn-ea"/>
+              <a:cs typeface="+mn-cs"/>
+            </a:endParaRPr>
           </a:p>
         </p:txBody>
       </p:sp>
@@ -15635,7 +22285,7 @@
             </a:pPr>
             <a:r>
               <a:rPr lang="en-GB" dirty="0"/>
-              <a:t>8% of people will progress from NC to MCI </a:t>
+              <a:t>8% of people will progress from NC to MCI. </a:t>
             </a:r>
           </a:p>
           <a:p>
@@ -15699,7 +22349,7 @@
           <p:nvPr/>
         </p:nvPicPr>
         <p:blipFill rotWithShape="1">
-          <a:blip r:embed="rId2">
+          <a:blip r:embed="rId3">
             <a:extLst>
               <a:ext uri="{28A0092B-C50C-407E-A947-70E740481C1C}">
                 <a14:useLocalDpi xmlns:a14="http://schemas.microsoft.com/office/drawing/2010/main" val="0"/>
@@ -15775,7 +22425,7 @@
                   <a:srgbClr val="FFFFFF"/>
                 </a:solidFill>
               </a:rPr>
-              <a:t>Timeline of healthy aging, MCI, and AD [23]</a:t>
+              <a:t>Timeline of healthy aging, MCI, and AD [4]</a:t>
             </a:r>
           </a:p>
         </p:txBody>
@@ -15873,7 +22523,7 @@
             </a:pPr>
             <a:r>
               <a:rPr lang="en-AU" dirty="0"/>
-              <a:t>Non-pharmacological interventions such as diet, exercise and cognitive exercise have been shown to have an influence on reducing the incidence of development of MCI and dementia [4]. </a:t>
+              <a:t>Diet, exercise and cognitive exercise have been shown to reduce the incidence of development of MCI and dementia [5]. </a:t>
             </a:r>
           </a:p>
           <a:p>
@@ -16089,7 +22739,7 @@
             </a:pPr>
             <a:r>
               <a:rPr lang="en-AU" dirty="0"/>
-              <a:t>Radiological examinations' retrospective error rate is approximately 30% [9]</a:t>
+              <a:t>Radiological examinations' retrospective error rate is approximately 30% [6].</a:t>
             </a:r>
           </a:p>
         </p:txBody>
@@ -16568,7 +23218,7 @@
         <p:spPr>
           <a:xfrm>
             <a:off x="6769570" y="1825625"/>
-            <a:ext cx="4771178" cy="3851694"/>
+            <a:ext cx="4771178" cy="4394200"/>
           </a:xfrm>
         </p:spPr>
         <p:txBody>
@@ -16577,21 +23227,36 @@
           </a:bodyPr>
           <a:lstStyle/>
           <a:p>
+            <a:pPr>
+              <a:lnSpc>
+                <a:spcPct val="100000"/>
+              </a:lnSpc>
+            </a:pPr>
             <a:r>
               <a:rPr lang="en-AU" sz="2400" dirty="0"/>
-              <a:t>3D CNNs found to have a greater ability to extract discriminative features from MRI data than 2D CNNs [19].</a:t>
+              <a:t>3D CNNs found to have a greater ability to extract discriminative features from MRI data than 2D CNNs [7].</a:t>
             </a:r>
           </a:p>
           <a:p>
+            <a:pPr>
+              <a:lnSpc>
+                <a:spcPct val="100000"/>
+              </a:lnSpc>
+            </a:pPr>
             <a:r>
               <a:rPr lang="en-AU" sz="2400" dirty="0"/>
-              <a:t>Problem of binary classification between CN and MCI/AD has been  solved [10].</a:t>
+              <a:t>Problem of binary classification between CN and MCI/AD has been  solved [8].</a:t>
             </a:r>
           </a:p>
           <a:p>
+            <a:pPr>
+              <a:lnSpc>
+                <a:spcPct val="100000"/>
+              </a:lnSpc>
+            </a:pPr>
             <a:r>
               <a:rPr lang="en-AU" sz="2400" dirty="0"/>
-              <a:t>State-of-the-art method for prediction of conversion to MCI has an AUC of 0.85 [xxx].</a:t>
+              <a:t>State-of-the-art method for prediction of conversion to MCI has an AUC of 0.85 [9].</a:t>
             </a:r>
           </a:p>
         </p:txBody>
@@ -16702,7 +23367,7 @@
                   <a:srgbClr val="FFFFFF"/>
                 </a:solidFill>
               </a:rPr>
-              <a:t>Binary classification accuracy comparison[18]</a:t>
+              <a:t>Binary classification accuracy comparison[10]</a:t>
             </a:r>
           </a:p>
         </p:txBody>
@@ -16811,7 +23476,7 @@
             </a:pPr>
             <a:r>
               <a:rPr lang="en-AU" dirty="0"/>
-              <a:t>voxel-based: uses voxel intensity values from the whole MRI</a:t>
+              <a:t>voxel-based: uses voxel intensity values from the whole MRI.</a:t>
             </a:r>
           </a:p>
           <a:p>
@@ -16833,7 +23498,7 @@
             </a:pPr>
             <a:r>
               <a:rPr lang="en-AU" dirty="0"/>
-              <a:t>Patch-based approaches are able to learn from the whole brain with significantly reduced dimensionality [20].</a:t>
+              <a:t>Patch-based approaches are able to learn from the whole brain with significantly reduced dimensionality [10].</a:t>
             </a:r>
           </a:p>
         </p:txBody>
@@ -17002,7 +23667,7 @@
                                   <p:childTnLst>
                                     <p:animMotion origin="layout" path="M 2.08333E-7 -3.7037E-6 L 0.04727 -3.7037E-6 " pathEditMode="relative" rAng="0" ptsTypes="AA">
                                       <p:cBhvr>
-                                        <p:cTn id="6" dur="500" fill="hold"/>
+                                        <p:cTn id="6" dur="250" fill="hold"/>
                                         <p:tgtEl>
                                           <p:spTgt spid="8"/>
                                         </p:tgtEl>
@@ -17040,9 +23705,9 @@
                                     <p:cond delay="0"/>
                                   </p:stCondLst>
                                   <p:childTnLst>
-                                    <p:animMotion origin="layout" path="M 0.04727 -3.7037E-6 L 0.09297 -3.7037E-6 " pathEditMode="relative" rAng="0" ptsTypes="AA">
+                                    <p:animMotion origin="layout" path="M 0.04727 0.00139 L 0.09297 0.00139 " pathEditMode="relative" rAng="0" ptsTypes="AA">
                                       <p:cBhvr>
-                                        <p:cTn id="10" dur="500" fill="hold"/>
+                                        <p:cTn id="10" dur="250" fill="hold"/>
                                         <p:tgtEl>
                                           <p:spTgt spid="8"/>
                                         </p:tgtEl>
@@ -17082,7 +23747,7 @@
                                   <p:childTnLst>
                                     <p:animMotion origin="layout" path="M 0.09297 -3.7037E-6 L -0.00156 0.08403 " pathEditMode="relative" rAng="0" ptsTypes="AA">
                                       <p:cBhvr>
-                                        <p:cTn id="14" dur="500" fill="hold"/>
+                                        <p:cTn id="14" dur="250" fill="hold"/>
                                         <p:tgtEl>
                                           <p:spTgt spid="8"/>
                                         </p:tgtEl>
@@ -17122,7 +23787,7 @@
                                   <p:childTnLst>
                                     <p:animMotion origin="layout" path="M -0.00156 0.08403 L 0.04727 0.08403 " pathEditMode="relative" rAng="0" ptsTypes="AA">
                                       <p:cBhvr>
-                                        <p:cTn id="18" dur="500" fill="hold"/>
+                                        <p:cTn id="18" dur="250" fill="hold"/>
                                         <p:tgtEl>
                                           <p:spTgt spid="8"/>
                                         </p:tgtEl>
@@ -17162,7 +23827,7 @@
                                   <p:childTnLst>
                                     <p:animMotion origin="layout" path="M 0.04727 0.08403 L 0.09375 0.08403 " pathEditMode="relative" rAng="0" ptsTypes="AA">
                                       <p:cBhvr>
-                                        <p:cTn id="22" dur="500" fill="hold"/>
+                                        <p:cTn id="22" dur="250" fill="hold"/>
                                         <p:tgtEl>
                                           <p:spTgt spid="8"/>
                                         </p:tgtEl>
@@ -17202,7 +23867,7 @@
                                   <p:childTnLst>
                                     <p:animMotion origin="layout" path="M 0.09375 0.08403 L -0.00078 0.16852 " pathEditMode="relative" rAng="0" ptsTypes="AA">
                                       <p:cBhvr>
-                                        <p:cTn id="26" dur="500" fill="hold"/>
+                                        <p:cTn id="26" dur="250" fill="hold"/>
                                         <p:tgtEl>
                                           <p:spTgt spid="8"/>
                                         </p:tgtEl>
@@ -17242,7 +23907,7 @@
                                   <p:childTnLst>
                                     <p:animMotion origin="layout" path="M -0.00078 0.16852 L 0.04727 0.16852 " pathEditMode="relative" rAng="0" ptsTypes="AA">
                                       <p:cBhvr>
-                                        <p:cTn id="30" dur="500" fill="hold"/>
+                                        <p:cTn id="30" dur="250" fill="hold"/>
                                         <p:tgtEl>
                                           <p:spTgt spid="8"/>
                                         </p:tgtEl>
@@ -17282,7 +23947,7 @@
                                   <p:childTnLst>
                                     <p:animMotion origin="layout" path="M 0.04727 0.16852 L 0.09453 0.16852 " pathEditMode="relative" rAng="0" ptsTypes="AA">
                                       <p:cBhvr>
-                                        <p:cTn id="34" dur="500" fill="hold"/>
+                                        <p:cTn id="34" dur="250" fill="hold"/>
                                         <p:tgtEl>
                                           <p:spTgt spid="8"/>
                                         </p:tgtEl>
@@ -17685,18 +24350,33 @@
             </a:lvl9pPr>
           </a:lstStyle>
           <a:p>
+            <a:pPr>
+              <a:lnSpc>
+                <a:spcPct val="100000"/>
+              </a:lnSpc>
+            </a:pPr>
             <a:r>
               <a:rPr lang="en-US" sz="2400" dirty="0"/>
-              <a:t>OASIS-3 is an openly available dataset containing MRI and PET imaging for 1,098 subjects [12].</a:t>
+              <a:t>OASIS-3 is an openly available dataset containing MRI and PET imaging for 1,098 subjects [11].</a:t>
             </a:r>
           </a:p>
           <a:p>
+            <a:pPr>
+              <a:lnSpc>
+                <a:spcPct val="100000"/>
+              </a:lnSpc>
+            </a:pPr>
             <a:r>
               <a:rPr lang="en-US" sz="2400" dirty="0"/>
               <a:t>850 of the participants entered the study as CN. </a:t>
             </a:r>
           </a:p>
           <a:p>
+            <a:pPr>
+              <a:lnSpc>
+                <a:spcPct val="100000"/>
+              </a:lnSpc>
+            </a:pPr>
             <a:r>
               <a:rPr lang="en-US" sz="2400" dirty="0"/>
               <a:t>245 of these converted to a state of cognitive impairment over the 10-year duration of the study.</a:t>
@@ -18279,7 +24959,13 @@
           <p:cNvGraphicFramePr>
             <a:graphicFrameLocks noGrp="1"/>
           </p:cNvGraphicFramePr>
-          <p:nvPr/>
+          <p:nvPr>
+            <p:extLst>
+              <p:ext uri="{D42A27DB-BD31-4B8C-83A1-F6EECF244321}">
+                <p14:modId xmlns:p14="http://schemas.microsoft.com/office/powerpoint/2010/main" val="4154006125"/>
+              </p:ext>
+            </p:extLst>
+          </p:nvPr>
         </p:nvGraphicFramePr>
         <p:xfrm>
           <a:off x="3767239" y="4169304"/>
@@ -18328,7 +25014,7 @@
                     <a:p>
                       <a:r>
                         <a:rPr lang="en-AU" dirty="0"/>
-                        <a:t>Frequency</a:t>
+                        <a:t>Number of scans</a:t>
                       </a:r>
                     </a:p>
                   </a:txBody>
